--- a/docs/Architecture Overview.pptx
+++ b/docs/Architecture Overview.pptx
@@ -7,6 +7,7 @@
   <p:sldIdLst>
     <p:sldId id="256" r:id="rId2"/>
     <p:sldId id="257" r:id="rId3"/>
+    <p:sldId id="258" r:id="rId4"/>
   </p:sldIdLst>
   <p:sldSz cx="12192000" cy="6858000"/>
   <p:notesSz cx="6858000" cy="9144000"/>
@@ -3336,8 +3337,8 @@
         </p:nvSpPr>
         <p:spPr>
           <a:xfrm>
-            <a:off x="921656" y="0"/>
-            <a:ext cx="11052629" cy="6709529"/>
+            <a:off x="936170" y="74235"/>
+            <a:ext cx="11052629" cy="6740307"/>
           </a:xfrm>
           <a:prstGeom prst="rect">
             <a:avLst/>
@@ -3352,7 +3353,7 @@
           <a:p>
             <a:r>
               <a:rPr lang="en-GB" sz="1600" u="sng" dirty="0"/>
-              <a:t>Objective</a:t>
+              <a:t>Objective for this project</a:t>
             </a:r>
           </a:p>
           <a:p>
@@ -3370,13 +3371,13 @@
           <a:p>
             <a:r>
               <a:rPr lang="en-GB" sz="1600" u="sng" dirty="0"/>
-              <a:t>Target</a:t>
+              <a:t>Target of ML problem</a:t>
             </a:r>
           </a:p>
           <a:p>
             <a:r>
               <a:rPr lang="en-GB" sz="1600" dirty="0"/>
-              <a:t>Predict resale HDB flat prices based on various variables. </a:t>
+              <a:t>Predict resale HDB flat prices based on: time passed since 2016, location, number of rooms, house size, floor range, flat model, remaining lease</a:t>
             </a:r>
           </a:p>
           <a:p>
@@ -3391,19 +3392,19 @@
           <a:p>
             <a:r>
               <a:rPr lang="en-GB" sz="1600" dirty="0"/>
-              <a:t>Experimental: </a:t>
+              <a:t>Experimental: MAE</a:t>
             </a:r>
           </a:p>
           <a:p>
             <a:r>
               <a:rPr lang="en-GB" sz="1600" dirty="0"/>
-              <a:t>Short term: </a:t>
+              <a:t>Short term: MAE</a:t>
             </a:r>
           </a:p>
           <a:p>
             <a:r>
               <a:rPr lang="en-GB" sz="1600" dirty="0"/>
-              <a:t>Long term: % prediction within a threshold ?? How to define?</a:t>
+              <a:t>Long term: MAE within a threshold? How to define?</a:t>
             </a:r>
           </a:p>
           <a:p>
@@ -3418,7 +3419,7 @@
           <a:p>
             <a:r>
               <a:rPr lang="en-GB" sz="1600" dirty="0"/>
-              <a:t>How to define?</a:t>
+              <a:t>Based on long term goal, to be defined</a:t>
             </a:r>
           </a:p>
           <a:p>
@@ -3439,7 +3440,7 @@
           <a:p>
             <a:r>
               <a:rPr lang="en-GB" sz="1600" dirty="0"/>
-              <a:t>Online evaluation:</a:t>
+              <a:t>Online evaluation: N/A</a:t>
             </a:r>
           </a:p>
           <a:p>
@@ -3459,12 +3460,8 @@
           </a:p>
           <a:p>
             <a:r>
-              <a:rPr lang="en-GB" sz="1600"/>
-              <a:t>Offline </a:t>
-            </a:r>
-            <a:r>
               <a:rPr lang="en-GB" sz="1600" dirty="0"/>
-              <a:t>evaluation:</a:t>
+              <a:t>Offline evaluation: Batched, MAE</a:t>
             </a:r>
           </a:p>
           <a:p>
@@ -3479,13 +3476,13 @@
           <a:p>
             <a:r>
               <a:rPr lang="en-GB" sz="1600" dirty="0"/>
-              <a:t>Baseline data: until 12 Aug </a:t>
+              <a:t>Baseline data: until 12 Aug, around 4-5pm</a:t>
             </a:r>
           </a:p>
           <a:p>
             <a:r>
               <a:rPr lang="en-GB" sz="1600" dirty="0"/>
-              <a:t>New data: Data from 13 Aug onwards, this serves as the delta. Pull from </a:t>
+              <a:t>New data: Data from 13 Aug onwards. Pull from </a:t>
             </a:r>
             <a:r>
               <a:rPr lang="en-GB" sz="1600" dirty="0" err="1"/>
@@ -3542,8 +3539,8 @@
         </p:nvSpPr>
         <p:spPr>
           <a:xfrm>
-            <a:off x="1853053" y="682906"/>
-            <a:ext cx="7073234" cy="1585732"/>
+            <a:off x="2128823" y="682906"/>
+            <a:ext cx="8762033" cy="1585732"/>
           </a:xfrm>
           <a:prstGeom prst="roundRect">
             <a:avLst/>
@@ -3579,20 +3576,87 @@
             <a:pPr algn="ctr"/>
             <a:r>
               <a:rPr lang="en-GB" dirty="0"/>
-              <a:t>Scheduler for ingestion: AWS Lambda based on </a:t>
-            </a:r>
-            <a:r>
-              <a:rPr lang="en-GB" dirty="0" err="1"/>
-              <a:t>Eventbridge</a:t>
-            </a:r>
+              <a:t>Scheduler for ingestion: </a:t>
+            </a:r>
+            <a:r>
+              <a:rPr lang="en-GB" dirty="0">
+                <a:solidFill>
+                  <a:schemeClr val="accent2">
+                    <a:lumMod val="60000"/>
+                    <a:lumOff val="40000"/>
+                  </a:schemeClr>
+                </a:solidFill>
+              </a:rPr>
+              <a:t>AWS </a:t>
+            </a:r>
+            <a:r>
+              <a:rPr lang="en-GB" dirty="0" err="1">
+                <a:solidFill>
+                  <a:schemeClr val="accent2">
+                    <a:lumMod val="60000"/>
+                    <a:lumOff val="40000"/>
+                  </a:schemeClr>
+                </a:solidFill>
+              </a:rPr>
+              <a:t>EventBridge</a:t>
+            </a:r>
+            <a:r>
+              <a:rPr lang="en-GB" dirty="0">
+                <a:solidFill>
+                  <a:schemeClr val="accent2">
+                    <a:lumMod val="60000"/>
+                    <a:lumOff val="40000"/>
+                  </a:schemeClr>
+                </a:solidFill>
+              </a:rPr>
+              <a:t> Scheduler</a:t>
+            </a:r>
+          </a:p>
+          <a:p>
+            <a:pPr algn="ctr"/>
             <a:r>
               <a:rPr lang="en-GB" dirty="0"/>
-              <a:t> trigger</a:t>
+              <a:t>Feature store: </a:t>
+            </a:r>
+            <a:r>
+              <a:rPr lang="en-GB" dirty="0">
+                <a:solidFill>
+                  <a:schemeClr val="accent2">
+                    <a:lumMod val="60000"/>
+                    <a:lumOff val="40000"/>
+                  </a:schemeClr>
+                </a:solidFill>
+              </a:rPr>
+              <a:t>AWS S3 </a:t>
             </a:r>
           </a:p>
           <a:p>
             <a:pPr algn="ctr"/>
-            <a:endParaRPr lang="en-GB" dirty="0"/>
+            <a:r>
+              <a:rPr lang="en-GB" dirty="0">
+                <a:sym typeface="Wingdings" pitchFamily="2" charset="2"/>
+              </a:rPr>
+              <a:t>Feature engineering: </a:t>
+            </a:r>
+            <a:r>
+              <a:rPr lang="en-GB" dirty="0">
+                <a:solidFill>
+                  <a:schemeClr val="accent2">
+                    <a:lumMod val="60000"/>
+                    <a:lumOff val="40000"/>
+                  </a:schemeClr>
+                </a:solidFill>
+                <a:sym typeface="Wingdings" pitchFamily="2" charset="2"/>
+              </a:rPr>
+              <a:t>AWS Lambda (Python)  To run this every X time unit</a:t>
+            </a:r>
+          </a:p>
+          <a:p>
+            <a:pPr algn="ctr"/>
+            <a:r>
+              <a:rPr lang="en-GB" dirty="0"/>
+              <a:t>Data versioning: DVC</a:t>
+            </a:r>
           </a:p>
         </p:txBody>
       </p:sp>
@@ -3610,7 +3674,7 @@
         </p:nvSpPr>
         <p:spPr>
           <a:xfrm>
-            <a:off x="1853051" y="2710406"/>
+            <a:off x="2128822" y="2710406"/>
             <a:ext cx="8762035" cy="1585732"/>
           </a:xfrm>
           <a:prstGeom prst="roundRect">
@@ -3640,37 +3704,46 @@
             <a:pPr algn="ctr"/>
             <a:r>
               <a:rPr lang="en-GB" dirty="0"/>
-              <a:t>Storages: ML Metadata, Model registry</a:t>
-            </a:r>
+              <a:t>Package for modelling: </a:t>
+            </a:r>
+            <a:r>
+              <a:rPr lang="en-GB" dirty="0" err="1"/>
+              <a:t>PyTorch</a:t>
+            </a:r>
+            <a:endParaRPr lang="en-GB" dirty="0"/>
           </a:p>
           <a:p>
             <a:pPr algn="ctr"/>
             <a:r>
               <a:rPr lang="en-GB" dirty="0"/>
-              <a:t>Package to use for modelling: </a:t>
+              <a:t>Package for Model/experiment versioning: </a:t>
             </a:r>
             <a:r>
               <a:rPr lang="en-GB" dirty="0" err="1"/>
-              <a:t>Pytorch</a:t>
-            </a:r>
+              <a:t>MLFlow</a:t>
+            </a:r>
+            <a:endParaRPr lang="en-GB" dirty="0"/>
+          </a:p>
+          <a:p>
+            <a:pPr algn="ctr"/>
             <a:r>
               <a:rPr lang="en-GB" dirty="0"/>
-              <a:t> or </a:t>
+              <a:t>CI/CD tool: </a:t>
             </a:r>
             <a:r>
               <a:rPr lang="en-GB" dirty="0" err="1"/>
-              <a:t>sklearn</a:t>
+              <a:t>Github</a:t>
             </a:r>
             <a:r>
               <a:rPr lang="en-GB" dirty="0"/>
-              <a:t>?</a:t>
+              <a:t> Actions/CML</a:t>
             </a:r>
           </a:p>
           <a:p>
             <a:pPr algn="ctr"/>
             <a:r>
               <a:rPr lang="en-GB" dirty="0"/>
-              <a:t>A/B Testing: ??</a:t>
+              <a:t>A/B Testing: TBC</a:t>
             </a:r>
           </a:p>
         </p:txBody>
@@ -3689,7 +3762,7 @@
         </p:nvSpPr>
         <p:spPr>
           <a:xfrm>
-            <a:off x="1853050" y="4710897"/>
+            <a:off x="2128821" y="4710897"/>
             <a:ext cx="8762035" cy="1585732"/>
           </a:xfrm>
           <a:prstGeom prst="roundRect">
@@ -3718,13 +3791,85 @@
           <a:p>
             <a:pPr algn="ctr"/>
             <a:r>
-              <a:rPr lang="en-GB" sz="1600" dirty="0"/>
-              <a:t>Docker + ?Kubernetes for deployment on ECS</a:t>
+              <a:rPr lang="en-GB" dirty="0"/>
+              <a:t>Deployment: Docker(Hub) + </a:t>
+            </a:r>
+            <a:r>
+              <a:rPr lang="en-GB" dirty="0">
+                <a:solidFill>
+                  <a:schemeClr val="accent2">
+                    <a:lumMod val="60000"/>
+                    <a:lumOff val="40000"/>
+                  </a:schemeClr>
+                </a:solidFill>
+              </a:rPr>
+              <a:t>AWS ECS + AWS </a:t>
+            </a:r>
+            <a:r>
+              <a:rPr lang="en-GB" dirty="0" err="1">
+                <a:solidFill>
+                  <a:schemeClr val="accent2">
+                    <a:lumMod val="60000"/>
+                    <a:lumOff val="40000"/>
+                  </a:schemeClr>
+                </a:solidFill>
+              </a:rPr>
+              <a:t>Fargate</a:t>
+            </a:r>
+            <a:r>
+              <a:rPr lang="en-GB" dirty="0">
+                <a:solidFill>
+                  <a:schemeClr val="accent2">
+                    <a:lumMod val="60000"/>
+                    <a:lumOff val="40000"/>
+                  </a:schemeClr>
+                </a:solidFill>
+              </a:rPr>
+              <a:t> Infra + ECR</a:t>
             </a:r>
           </a:p>
           <a:p>
             <a:pPr algn="ctr"/>
-            <a:endParaRPr lang="en-GB" sz="1600" dirty="0"/>
+            <a:r>
+              <a:rPr lang="en-GB" dirty="0"/>
+              <a:t>API: </a:t>
+            </a:r>
+            <a:r>
+              <a:rPr lang="en-GB" dirty="0" err="1"/>
+              <a:t>FastAPI</a:t>
+            </a:r>
+            <a:endParaRPr lang="en-GB" dirty="0"/>
+          </a:p>
+          <a:p>
+            <a:pPr algn="ctr"/>
+            <a:r>
+              <a:rPr lang="en-GB" dirty="0"/>
+              <a:t>Front-end: </a:t>
+            </a:r>
+            <a:r>
+              <a:rPr lang="en-GB" dirty="0" err="1"/>
+              <a:t>Gradio</a:t>
+            </a:r>
+            <a:endParaRPr lang="en-GB" dirty="0"/>
+          </a:p>
+          <a:p>
+            <a:pPr algn="ctr"/>
+            <a:r>
+              <a:rPr lang="en-GB" dirty="0"/>
+              <a:t>Scaling (KIV): </a:t>
+            </a:r>
+            <a:r>
+              <a:rPr lang="en-GB" dirty="0">
+                <a:solidFill>
+                  <a:schemeClr val="accent2">
+                    <a:lumMod val="60000"/>
+                    <a:lumOff val="40000"/>
+                  </a:schemeClr>
+                </a:solidFill>
+              </a:rPr>
+              <a:t>AWS App Runner + AWS ECR</a:t>
+            </a:r>
+            <a:endParaRPr lang="en-GB" dirty="0"/>
           </a:p>
         </p:txBody>
       </p:sp>
@@ -3742,8 +3887,8 @@
         </p:nvSpPr>
         <p:spPr>
           <a:xfrm>
-            <a:off x="1853049" y="296165"/>
-            <a:ext cx="4591293" cy="307777"/>
+            <a:off x="2128821" y="296165"/>
+            <a:ext cx="8762032" cy="369332"/>
           </a:xfrm>
           <a:prstGeom prst="rect">
             <a:avLst/>
@@ -3757,7 +3902,7 @@
           <a:lstStyle/>
           <a:p>
             <a:r>
-              <a:rPr lang="en-GB" sz="1400" dirty="0"/>
+              <a:rPr lang="en-GB" b="1" dirty="0"/>
               <a:t>Ingestion + Feature engineering</a:t>
             </a:r>
           </a:p>
@@ -3777,8 +3922,8 @@
         </p:nvSpPr>
         <p:spPr>
           <a:xfrm>
-            <a:off x="1853049" y="2336643"/>
-            <a:ext cx="2704437" cy="307777"/>
+            <a:off x="2128820" y="2336643"/>
+            <a:ext cx="8762032" cy="369332"/>
           </a:xfrm>
           <a:prstGeom prst="rect">
             <a:avLst/>
@@ -3792,7 +3937,7 @@
           <a:lstStyle/>
           <a:p>
             <a:r>
-              <a:rPr lang="en-GB" sz="1400" dirty="0"/>
+              <a:rPr lang="en-GB" b="1" dirty="0"/>
               <a:t>Modelling &gt; Monitoring &gt; CI/CD</a:t>
             </a:r>
           </a:p>
@@ -3812,8 +3957,8 @@
         </p:nvSpPr>
         <p:spPr>
           <a:xfrm>
-            <a:off x="1853049" y="4372073"/>
-            <a:ext cx="3720437" cy="307777"/>
+            <a:off x="2128820" y="4343045"/>
+            <a:ext cx="8762035" cy="369332"/>
           </a:xfrm>
           <a:prstGeom prst="rect">
             <a:avLst/>
@@ -3827,23 +3972,18 @@
           <a:lstStyle/>
           <a:p>
             <a:r>
-              <a:rPr lang="en-GB" sz="1400" dirty="0"/>
-              <a:t>Serving dashboard of SG map on </a:t>
-            </a:r>
-            <a:r>
-              <a:rPr lang="en-GB" sz="1400" dirty="0" err="1"/>
-              <a:t>FastAPI</a:t>
-            </a:r>
-            <a:endParaRPr lang="en-GB" sz="1400" dirty="0"/>
-          </a:p>
-        </p:txBody>
-      </p:sp>
-      <p:sp>
-        <p:nvSpPr>
-          <p:cNvPr id="2" name="Rounded Rectangle 1">
-            <a:extLst>
-              <a:ext uri="{FF2B5EF4-FFF2-40B4-BE49-F238E27FC236}">
-                <a16:creationId xmlns:a16="http://schemas.microsoft.com/office/drawing/2014/main" id="{17F1AB51-185C-E840-9577-AA256A2D2681}"/>
+              <a:rPr lang="en-GB" b="1" dirty="0"/>
+              <a:t>App (just dropdowns/radial buttons) + Deployment</a:t>
+            </a:r>
+          </a:p>
+        </p:txBody>
+      </p:sp>
+      <p:sp>
+        <p:nvSpPr>
+          <p:cNvPr id="3" name="Left Brace 2">
+            <a:extLst>
+              <a:ext uri="{FF2B5EF4-FFF2-40B4-BE49-F238E27FC236}">
+                <a16:creationId xmlns:a16="http://schemas.microsoft.com/office/drawing/2014/main" id="{8AA5FA35-BAB1-AF48-4122-E28351B95662}"/>
               </a:ext>
             </a:extLst>
           </p:cNvPr>
@@ -3852,56 +3992,7 @@
         </p:nvSpPr>
         <p:spPr>
           <a:xfrm>
-            <a:off x="9071430" y="682906"/>
-            <a:ext cx="1543656" cy="1585732"/>
-          </a:xfrm>
-          <a:prstGeom prst="roundRect">
-            <a:avLst/>
-          </a:prstGeom>
-        </p:spPr>
-        <p:style>
-          <a:lnRef idx="2">
-            <a:schemeClr val="accent1">
-              <a:shade val="15000"/>
-            </a:schemeClr>
-          </a:lnRef>
-          <a:fillRef idx="1">
-            <a:schemeClr val="accent1"/>
-          </a:fillRef>
-          <a:effectRef idx="0">
-            <a:schemeClr val="accent1"/>
-          </a:effectRef>
-          <a:fontRef idx="minor">
-            <a:schemeClr val="lt1"/>
-          </a:fontRef>
-        </p:style>
-        <p:txBody>
-          <a:bodyPr rtlCol="0" anchor="ctr"/>
-          <a:lstStyle/>
-          <a:p>
-            <a:pPr algn="ctr"/>
-            <a:r>
-              <a:rPr lang="en-GB" sz="1600" dirty="0"/>
-              <a:t>Feature store</a:t>
-            </a:r>
-          </a:p>
-        </p:txBody>
-      </p:sp>
-      <p:sp>
-        <p:nvSpPr>
-          <p:cNvPr id="3" name="Left Brace 2">
-            <a:extLst>
-              <a:ext uri="{FF2B5EF4-FFF2-40B4-BE49-F238E27FC236}">
-                <a16:creationId xmlns:a16="http://schemas.microsoft.com/office/drawing/2014/main" id="{8AA5FA35-BAB1-AF48-4122-E28351B95662}"/>
-              </a:ext>
-            </a:extLst>
-          </p:cNvPr>
-          <p:cNvSpPr/>
-          <p:nvPr/>
-        </p:nvSpPr>
-        <p:spPr>
-          <a:xfrm>
-            <a:off x="1567544" y="682905"/>
+            <a:off x="1843315" y="682905"/>
             <a:ext cx="242533" cy="5471151"/>
           </a:xfrm>
           <a:prstGeom prst="leftBrace">
@@ -3945,8 +4036,8 @@
         </p:nvSpPr>
         <p:spPr>
           <a:xfrm>
-            <a:off x="159657" y="2459504"/>
-            <a:ext cx="1364911" cy="2031325"/>
+            <a:off x="152165" y="2274838"/>
+            <a:ext cx="1873540" cy="2308324"/>
           </a:xfrm>
           <a:prstGeom prst="rect">
             <a:avLst/>
@@ -3960,23 +4051,73 @@
           <a:lstStyle/>
           <a:p>
             <a:r>
-              <a:rPr lang="en-GB" sz="1400" dirty="0"/>
-              <a:t>Orchestrate using AWS </a:t>
-            </a:r>
-            <a:r>
-              <a:rPr lang="en-GB" sz="1400" dirty="0" err="1"/>
+              <a:rPr lang="en-GB" dirty="0"/>
+              <a:t>Orchestrate using </a:t>
+            </a:r>
+            <a:r>
+              <a:rPr lang="en-GB" dirty="0">
+                <a:solidFill>
+                  <a:schemeClr val="accent2">
+                    <a:lumMod val="60000"/>
+                    <a:lumOff val="40000"/>
+                  </a:schemeClr>
+                </a:solidFill>
+              </a:rPr>
+              <a:t>AWS </a:t>
+            </a:r>
+            <a:r>
+              <a:rPr lang="en-GB" dirty="0" err="1">
+                <a:solidFill>
+                  <a:schemeClr val="accent2">
+                    <a:lumMod val="60000"/>
+                    <a:lumOff val="40000"/>
+                  </a:schemeClr>
+                </a:solidFill>
+              </a:rPr>
               <a:t>EventBridge</a:t>
             </a:r>
             <a:r>
-              <a:rPr lang="en-GB" sz="1400" dirty="0"/>
+              <a:rPr lang="en-GB" dirty="0"/>
               <a:t>,</a:t>
             </a:r>
           </a:p>
           <a:p>
             <a:r>
-              <a:rPr lang="en-GB" sz="1400" dirty="0"/>
+              <a:rPr lang="en-GB" dirty="0"/>
               <a:t>Mainly to deal with new data, and if retraining of model is required</a:t>
             </a:r>
+          </a:p>
+        </p:txBody>
+      </p:sp>
+      <p:sp>
+        <p:nvSpPr>
+          <p:cNvPr id="12" name="TextBox 11">
+            <a:extLst>
+              <a:ext uri="{FF2B5EF4-FFF2-40B4-BE49-F238E27FC236}">
+                <a16:creationId xmlns:a16="http://schemas.microsoft.com/office/drawing/2014/main" id="{AE560EEC-6B16-89EC-01F3-B7F7E8B1A2F3}"/>
+              </a:ext>
+            </a:extLst>
+          </p:cNvPr>
+          <p:cNvSpPr txBox="1"/>
+          <p:nvPr/>
+        </p:nvSpPr>
+        <p:spPr>
+          <a:xfrm>
+            <a:off x="11930742" y="2685143"/>
+            <a:ext cx="184731" cy="369332"/>
+          </a:xfrm>
+          <a:prstGeom prst="rect">
+            <a:avLst/>
+          </a:prstGeom>
+          <a:noFill/>
+        </p:spPr>
+        <p:txBody>
+          <a:bodyPr wrap="none" rtlCol="0">
+            <a:spAutoFit/>
+          </a:bodyPr>
+          <a:lstStyle/>
+          <a:p>
+            <a:endParaRPr lang="en-GB" dirty="0"/>
           </a:p>
         </p:txBody>
       </p:sp>
@@ -3984,6 +4125,101 @@
     <p:extLst>
       <p:ext uri="{BB962C8B-B14F-4D97-AF65-F5344CB8AC3E}">
         <p14:creationId xmlns:p14="http://schemas.microsoft.com/office/powerpoint/2010/main" val="2180468408"/>
+      </p:ext>
+    </p:extLst>
+  </p:cSld>
+  <p:clrMapOvr>
+    <a:masterClrMapping/>
+  </p:clrMapOvr>
+</p:sld>
+</file>
+
+<file path=ppt/slides/slide3.xml><?xml version="1.0" encoding="utf-8"?>
+<p:sld xmlns:a="http://schemas.openxmlformats.org/drawingml/2006/main" xmlns:r="http://schemas.openxmlformats.org/officeDocument/2006/relationships" xmlns:p="http://schemas.openxmlformats.org/presentationml/2006/main">
+  <p:cSld>
+    <p:spTree>
+      <p:nvGrpSpPr>
+        <p:cNvPr id="1" name=""/>
+        <p:cNvGrpSpPr/>
+        <p:nvPr/>
+      </p:nvGrpSpPr>
+      <p:grpSpPr>
+        <a:xfrm>
+          <a:off x="0" y="0"/>
+          <a:ext cx="0" cy="0"/>
+          <a:chOff x="0" y="0"/>
+          <a:chExt cx="0" cy="0"/>
+        </a:xfrm>
+      </p:grpSpPr>
+      <p:pic>
+        <p:nvPicPr>
+          <p:cNvPr id="4" name="Picture 3">
+            <a:extLst>
+              <a:ext uri="{FF2B5EF4-FFF2-40B4-BE49-F238E27FC236}">
+                <a16:creationId xmlns:a16="http://schemas.microsoft.com/office/drawing/2014/main" id="{7BC4E0AF-F661-958E-AF3A-1ADC2FDDBD8A}"/>
+              </a:ext>
+            </a:extLst>
+          </p:cNvPr>
+          <p:cNvPicPr>
+            <a:picLocks noChangeAspect="1"/>
+          </p:cNvPicPr>
+          <p:nvPr/>
+        </p:nvPicPr>
+        <p:blipFill>
+          <a:blip r:embed="rId2"/>
+          <a:stretch>
+            <a:fillRect/>
+          </a:stretch>
+        </p:blipFill>
+        <p:spPr>
+          <a:xfrm>
+            <a:off x="2209800" y="889099"/>
+            <a:ext cx="7772400" cy="2264032"/>
+          </a:xfrm>
+          <a:prstGeom prst="rect">
+            <a:avLst/>
+          </a:prstGeom>
+        </p:spPr>
+      </p:pic>
+      <p:sp>
+        <p:nvSpPr>
+          <p:cNvPr id="5" name="TextBox 4">
+            <a:extLst>
+              <a:ext uri="{FF2B5EF4-FFF2-40B4-BE49-F238E27FC236}">
+                <a16:creationId xmlns:a16="http://schemas.microsoft.com/office/drawing/2014/main" id="{D6CAC265-B1A6-82FD-70D3-0B6651C3073F}"/>
+              </a:ext>
+            </a:extLst>
+          </p:cNvPr>
+          <p:cNvSpPr txBox="1"/>
+          <p:nvPr/>
+        </p:nvSpPr>
+        <p:spPr>
+          <a:xfrm>
+            <a:off x="2209799" y="319314"/>
+            <a:ext cx="8690429" cy="369332"/>
+          </a:xfrm>
+          <a:prstGeom prst="rect">
+            <a:avLst/>
+          </a:prstGeom>
+          <a:noFill/>
+        </p:spPr>
+        <p:txBody>
+          <a:bodyPr wrap="square" rtlCol="0">
+            <a:spAutoFit/>
+          </a:bodyPr>
+          <a:lstStyle/>
+          <a:p>
+            <a:r>
+              <a:rPr lang="en-GB" dirty="0"/>
+              <a:t>How do I automate this process? Can this all happen on local?</a:t>
+            </a:r>
+          </a:p>
+        </p:txBody>
+      </p:sp>
+    </p:spTree>
+    <p:extLst>
+      <p:ext uri="{BB962C8B-B14F-4D97-AF65-F5344CB8AC3E}">
+        <p14:creationId xmlns:p14="http://schemas.microsoft.com/office/powerpoint/2010/main" val="3636564176"/>
       </p:ext>
     </p:extLst>
   </p:cSld>

--- a/docs/Architecture Overview.pptx
+++ b/docs/Architecture Overview.pptx
@@ -4,10 +4,17 @@
   <p:sldMasterIdLst>
     <p:sldMasterId id="2147483648" r:id="rId1"/>
   </p:sldMasterIdLst>
+  <p:notesMasterIdLst>
+    <p:notesMasterId r:id="rId9"/>
+  </p:notesMasterIdLst>
   <p:sldIdLst>
     <p:sldId id="256" r:id="rId2"/>
     <p:sldId id="257" r:id="rId3"/>
-    <p:sldId id="258" r:id="rId4"/>
+    <p:sldId id="259" r:id="rId4"/>
+    <p:sldId id="260" r:id="rId5"/>
+    <p:sldId id="261" r:id="rId6"/>
+    <p:sldId id="258" r:id="rId7"/>
+    <p:sldId id="262" r:id="rId8"/>
   </p:sldIdLst>
   <p:sldSz cx="12192000" cy="6858000"/>
   <p:notesSz cx="6858000" cy="9144000"/>
@@ -107,6 +114,448 @@
     </a:lvl9pPr>
   </p:defaultTextStyle>
 </p:presentation>
+</file>
+
+<file path=ppt/notesMasters/notesMaster1.xml><?xml version="1.0" encoding="utf-8"?>
+<p:notesMaster xmlns:a="http://schemas.openxmlformats.org/drawingml/2006/main" xmlns:r="http://schemas.openxmlformats.org/officeDocument/2006/relationships" xmlns:p="http://schemas.openxmlformats.org/presentationml/2006/main">
+  <p:cSld>
+    <p:bg>
+      <p:bgRef idx="1001">
+        <a:schemeClr val="bg1"/>
+      </p:bgRef>
+    </p:bg>
+    <p:spTree>
+      <p:nvGrpSpPr>
+        <p:cNvPr id="1" name=""/>
+        <p:cNvGrpSpPr/>
+        <p:nvPr/>
+      </p:nvGrpSpPr>
+      <p:grpSpPr>
+        <a:xfrm>
+          <a:off x="0" y="0"/>
+          <a:ext cx="0" cy="0"/>
+          <a:chOff x="0" y="0"/>
+          <a:chExt cx="0" cy="0"/>
+        </a:xfrm>
+      </p:grpSpPr>
+      <p:sp>
+        <p:nvSpPr>
+          <p:cNvPr id="2" name="Header Placeholder 1"/>
+          <p:cNvSpPr>
+            <a:spLocks noGrp="1"/>
+          </p:cNvSpPr>
+          <p:nvPr>
+            <p:ph type="hdr" sz="quarter"/>
+          </p:nvPr>
+        </p:nvSpPr>
+        <p:spPr>
+          <a:xfrm>
+            <a:off x="0" y="0"/>
+            <a:ext cx="2971800" cy="458788"/>
+          </a:xfrm>
+          <a:prstGeom prst="rect">
+            <a:avLst/>
+          </a:prstGeom>
+        </p:spPr>
+        <p:txBody>
+          <a:bodyPr vert="horz" lIns="91440" tIns="45720" rIns="91440" bIns="45720" rtlCol="0"/>
+          <a:lstStyle>
+            <a:lvl1pPr algn="l">
+              <a:defRPr sz="1200"/>
+            </a:lvl1pPr>
+          </a:lstStyle>
+          <a:p>
+            <a:endParaRPr lang="en-GB"/>
+          </a:p>
+        </p:txBody>
+      </p:sp>
+      <p:sp>
+        <p:nvSpPr>
+          <p:cNvPr id="3" name="Date Placeholder 2"/>
+          <p:cNvSpPr>
+            <a:spLocks noGrp="1"/>
+          </p:cNvSpPr>
+          <p:nvPr>
+            <p:ph type="dt" idx="1"/>
+          </p:nvPr>
+        </p:nvSpPr>
+        <p:spPr>
+          <a:xfrm>
+            <a:off x="3884613" y="0"/>
+            <a:ext cx="2971800" cy="458788"/>
+          </a:xfrm>
+          <a:prstGeom prst="rect">
+            <a:avLst/>
+          </a:prstGeom>
+        </p:spPr>
+        <p:txBody>
+          <a:bodyPr vert="horz" lIns="91440" tIns="45720" rIns="91440" bIns="45720" rtlCol="0"/>
+          <a:lstStyle>
+            <a:lvl1pPr algn="r">
+              <a:defRPr sz="1200"/>
+            </a:lvl1pPr>
+          </a:lstStyle>
+          <a:p>
+            <a:fld id="{E1142F10-BA91-844F-94CE-8AF77115DBC9}" type="datetimeFigureOut">
+              <a:rPr lang="en-GB" smtClean="0"/>
+              <a:t>26/08/2025</a:t>
+            </a:fld>
+            <a:endParaRPr lang="en-GB"/>
+          </a:p>
+        </p:txBody>
+      </p:sp>
+      <p:sp>
+        <p:nvSpPr>
+          <p:cNvPr id="4" name="Slide Image Placeholder 3"/>
+          <p:cNvSpPr>
+            <a:spLocks noGrp="1" noRot="1" noChangeAspect="1"/>
+          </p:cNvSpPr>
+          <p:nvPr>
+            <p:ph type="sldImg" idx="2"/>
+          </p:nvPr>
+        </p:nvSpPr>
+        <p:spPr>
+          <a:xfrm>
+            <a:off x="685800" y="1143000"/>
+            <a:ext cx="5486400" cy="3086100"/>
+          </a:xfrm>
+          <a:prstGeom prst="rect">
+            <a:avLst/>
+          </a:prstGeom>
+          <a:noFill/>
+          <a:ln w="12700">
+            <a:solidFill>
+              <a:prstClr val="black"/>
+            </a:solidFill>
+          </a:ln>
+        </p:spPr>
+        <p:txBody>
+          <a:bodyPr vert="horz" lIns="91440" tIns="45720" rIns="91440" bIns="45720" rtlCol="0" anchor="ctr"/>
+          <a:lstStyle/>
+          <a:p>
+            <a:endParaRPr lang="en-GB"/>
+          </a:p>
+        </p:txBody>
+      </p:sp>
+      <p:sp>
+        <p:nvSpPr>
+          <p:cNvPr id="5" name="Notes Placeholder 4"/>
+          <p:cNvSpPr>
+            <a:spLocks noGrp="1"/>
+          </p:cNvSpPr>
+          <p:nvPr>
+            <p:ph type="body" sz="quarter" idx="3"/>
+          </p:nvPr>
+        </p:nvSpPr>
+        <p:spPr>
+          <a:xfrm>
+            <a:off x="685800" y="4400550"/>
+            <a:ext cx="5486400" cy="3600450"/>
+          </a:xfrm>
+          <a:prstGeom prst="rect">
+            <a:avLst/>
+          </a:prstGeom>
+        </p:spPr>
+        <p:txBody>
+          <a:bodyPr vert="horz" lIns="91440" tIns="45720" rIns="91440" bIns="45720" rtlCol="0"/>
+          <a:lstStyle/>
+          <a:p>
+            <a:pPr lvl="0"/>
+            <a:r>
+              <a:rPr lang="en-GB"/>
+              <a:t>Click to edit Master text styles</a:t>
+            </a:r>
+          </a:p>
+          <a:p>
+            <a:pPr lvl="1"/>
+            <a:r>
+              <a:rPr lang="en-GB"/>
+              <a:t>Second level</a:t>
+            </a:r>
+          </a:p>
+          <a:p>
+            <a:pPr lvl="2"/>
+            <a:r>
+              <a:rPr lang="en-GB"/>
+              <a:t>Third level</a:t>
+            </a:r>
+          </a:p>
+          <a:p>
+            <a:pPr lvl="3"/>
+            <a:r>
+              <a:rPr lang="en-GB"/>
+              <a:t>Fourth level</a:t>
+            </a:r>
+          </a:p>
+          <a:p>
+            <a:pPr lvl="4"/>
+            <a:r>
+              <a:rPr lang="en-GB"/>
+              <a:t>Fifth level</a:t>
+            </a:r>
+          </a:p>
+        </p:txBody>
+      </p:sp>
+      <p:sp>
+        <p:nvSpPr>
+          <p:cNvPr id="6" name="Footer Placeholder 5"/>
+          <p:cNvSpPr>
+            <a:spLocks noGrp="1"/>
+          </p:cNvSpPr>
+          <p:nvPr>
+            <p:ph type="ftr" sz="quarter" idx="4"/>
+          </p:nvPr>
+        </p:nvSpPr>
+        <p:spPr>
+          <a:xfrm>
+            <a:off x="0" y="8685213"/>
+            <a:ext cx="2971800" cy="458787"/>
+          </a:xfrm>
+          <a:prstGeom prst="rect">
+            <a:avLst/>
+          </a:prstGeom>
+        </p:spPr>
+        <p:txBody>
+          <a:bodyPr vert="horz" lIns="91440" tIns="45720" rIns="91440" bIns="45720" rtlCol="0" anchor="b"/>
+          <a:lstStyle>
+            <a:lvl1pPr algn="l">
+              <a:defRPr sz="1200"/>
+            </a:lvl1pPr>
+          </a:lstStyle>
+          <a:p>
+            <a:endParaRPr lang="en-GB"/>
+          </a:p>
+        </p:txBody>
+      </p:sp>
+      <p:sp>
+        <p:nvSpPr>
+          <p:cNvPr id="7" name="Slide Number Placeholder 6"/>
+          <p:cNvSpPr>
+            <a:spLocks noGrp="1"/>
+          </p:cNvSpPr>
+          <p:nvPr>
+            <p:ph type="sldNum" sz="quarter" idx="5"/>
+          </p:nvPr>
+        </p:nvSpPr>
+        <p:spPr>
+          <a:xfrm>
+            <a:off x="3884613" y="8685213"/>
+            <a:ext cx="2971800" cy="458787"/>
+          </a:xfrm>
+          <a:prstGeom prst="rect">
+            <a:avLst/>
+          </a:prstGeom>
+        </p:spPr>
+        <p:txBody>
+          <a:bodyPr vert="horz" lIns="91440" tIns="45720" rIns="91440" bIns="45720" rtlCol="0" anchor="b"/>
+          <a:lstStyle>
+            <a:lvl1pPr algn="r">
+              <a:defRPr sz="1200"/>
+            </a:lvl1pPr>
+          </a:lstStyle>
+          <a:p>
+            <a:fld id="{78293D93-78F6-7C4A-B196-7A9DF32E6281}" type="slidenum">
+              <a:rPr lang="en-GB" smtClean="0"/>
+              <a:t>‹#›</a:t>
+            </a:fld>
+            <a:endParaRPr lang="en-GB"/>
+          </a:p>
+        </p:txBody>
+      </p:sp>
+    </p:spTree>
+    <p:extLst>
+      <p:ext uri="{BB962C8B-B14F-4D97-AF65-F5344CB8AC3E}">
+        <p14:creationId xmlns:p14="http://schemas.microsoft.com/office/powerpoint/2010/main" val="2732432770"/>
+      </p:ext>
+    </p:extLst>
+  </p:cSld>
+  <p:clrMap bg1="lt1" tx1="dk1" bg2="lt2" tx2="dk2" accent1="accent1" accent2="accent2" accent3="accent3" accent4="accent4" accent5="accent5" accent6="accent6" hlink="hlink" folHlink="folHlink"/>
+  <p:notesStyle>
+    <a:lvl1pPr marL="0" algn="l" defTabSz="914400" rtl="0" eaLnBrk="1" latinLnBrk="0" hangingPunct="1">
+      <a:defRPr sz="1200" kern="1200">
+        <a:solidFill>
+          <a:schemeClr val="tx1"/>
+        </a:solidFill>
+        <a:latin typeface="+mn-lt"/>
+        <a:ea typeface="+mn-ea"/>
+        <a:cs typeface="+mn-cs"/>
+      </a:defRPr>
+    </a:lvl1pPr>
+    <a:lvl2pPr marL="457200" algn="l" defTabSz="914400" rtl="0" eaLnBrk="1" latinLnBrk="0" hangingPunct="1">
+      <a:defRPr sz="1200" kern="1200">
+        <a:solidFill>
+          <a:schemeClr val="tx1"/>
+        </a:solidFill>
+        <a:latin typeface="+mn-lt"/>
+        <a:ea typeface="+mn-ea"/>
+        <a:cs typeface="+mn-cs"/>
+      </a:defRPr>
+    </a:lvl2pPr>
+    <a:lvl3pPr marL="914400" algn="l" defTabSz="914400" rtl="0" eaLnBrk="1" latinLnBrk="0" hangingPunct="1">
+      <a:defRPr sz="1200" kern="1200">
+        <a:solidFill>
+          <a:schemeClr val="tx1"/>
+        </a:solidFill>
+        <a:latin typeface="+mn-lt"/>
+        <a:ea typeface="+mn-ea"/>
+        <a:cs typeface="+mn-cs"/>
+      </a:defRPr>
+    </a:lvl3pPr>
+    <a:lvl4pPr marL="1371600" algn="l" defTabSz="914400" rtl="0" eaLnBrk="1" latinLnBrk="0" hangingPunct="1">
+      <a:defRPr sz="1200" kern="1200">
+        <a:solidFill>
+          <a:schemeClr val="tx1"/>
+        </a:solidFill>
+        <a:latin typeface="+mn-lt"/>
+        <a:ea typeface="+mn-ea"/>
+        <a:cs typeface="+mn-cs"/>
+      </a:defRPr>
+    </a:lvl4pPr>
+    <a:lvl5pPr marL="1828800" algn="l" defTabSz="914400" rtl="0" eaLnBrk="1" latinLnBrk="0" hangingPunct="1">
+      <a:defRPr sz="1200" kern="1200">
+        <a:solidFill>
+          <a:schemeClr val="tx1"/>
+        </a:solidFill>
+        <a:latin typeface="+mn-lt"/>
+        <a:ea typeface="+mn-ea"/>
+        <a:cs typeface="+mn-cs"/>
+      </a:defRPr>
+    </a:lvl5pPr>
+    <a:lvl6pPr marL="2286000" algn="l" defTabSz="914400" rtl="0" eaLnBrk="1" latinLnBrk="0" hangingPunct="1">
+      <a:defRPr sz="1200" kern="1200">
+        <a:solidFill>
+          <a:schemeClr val="tx1"/>
+        </a:solidFill>
+        <a:latin typeface="+mn-lt"/>
+        <a:ea typeface="+mn-ea"/>
+        <a:cs typeface="+mn-cs"/>
+      </a:defRPr>
+    </a:lvl6pPr>
+    <a:lvl7pPr marL="2743200" algn="l" defTabSz="914400" rtl="0" eaLnBrk="1" latinLnBrk="0" hangingPunct="1">
+      <a:defRPr sz="1200" kern="1200">
+        <a:solidFill>
+          <a:schemeClr val="tx1"/>
+        </a:solidFill>
+        <a:latin typeface="+mn-lt"/>
+        <a:ea typeface="+mn-ea"/>
+        <a:cs typeface="+mn-cs"/>
+      </a:defRPr>
+    </a:lvl7pPr>
+    <a:lvl8pPr marL="3200400" algn="l" defTabSz="914400" rtl="0" eaLnBrk="1" latinLnBrk="0" hangingPunct="1">
+      <a:defRPr sz="1200" kern="1200">
+        <a:solidFill>
+          <a:schemeClr val="tx1"/>
+        </a:solidFill>
+        <a:latin typeface="+mn-lt"/>
+        <a:ea typeface="+mn-ea"/>
+        <a:cs typeface="+mn-cs"/>
+      </a:defRPr>
+    </a:lvl8pPr>
+    <a:lvl9pPr marL="3657600" algn="l" defTabSz="914400" rtl="0" eaLnBrk="1" latinLnBrk="0" hangingPunct="1">
+      <a:defRPr sz="1200" kern="1200">
+        <a:solidFill>
+          <a:schemeClr val="tx1"/>
+        </a:solidFill>
+        <a:latin typeface="+mn-lt"/>
+        <a:ea typeface="+mn-ea"/>
+        <a:cs typeface="+mn-cs"/>
+      </a:defRPr>
+    </a:lvl9pPr>
+  </p:notesStyle>
+</p:notesMaster>
+</file>
+
+<file path=ppt/notesSlides/notesSlide1.xml><?xml version="1.0" encoding="utf-8"?>
+<p:notes xmlns:a="http://schemas.openxmlformats.org/drawingml/2006/main" xmlns:r="http://schemas.openxmlformats.org/officeDocument/2006/relationships" xmlns:p="http://schemas.openxmlformats.org/presentationml/2006/main">
+  <p:cSld>
+    <p:spTree>
+      <p:nvGrpSpPr>
+        <p:cNvPr id="1" name=""/>
+        <p:cNvGrpSpPr/>
+        <p:nvPr/>
+      </p:nvGrpSpPr>
+      <p:grpSpPr>
+        <a:xfrm>
+          <a:off x="0" y="0"/>
+          <a:ext cx="0" cy="0"/>
+          <a:chOff x="0" y="0"/>
+          <a:chExt cx="0" cy="0"/>
+        </a:xfrm>
+      </p:grpSpPr>
+      <p:sp>
+        <p:nvSpPr>
+          <p:cNvPr id="2" name="Slide Image Placeholder 1"/>
+          <p:cNvSpPr>
+            <a:spLocks noGrp="1" noRot="1" noChangeAspect="1"/>
+          </p:cNvSpPr>
+          <p:nvPr>
+            <p:ph type="sldImg"/>
+          </p:nvPr>
+        </p:nvSpPr>
+        <p:spPr/>
+      </p:sp>
+      <p:sp>
+        <p:nvSpPr>
+          <p:cNvPr id="3" name="Notes Placeholder 2"/>
+          <p:cNvSpPr>
+            <a:spLocks noGrp="1"/>
+          </p:cNvSpPr>
+          <p:nvPr>
+            <p:ph type="body" idx="1"/>
+          </p:nvPr>
+        </p:nvSpPr>
+        <p:spPr/>
+        <p:txBody>
+          <a:bodyPr/>
+          <a:lstStyle/>
+          <a:p>
+            <a:r>
+              <a:rPr lang="en-GB" dirty="0"/>
+              <a:t>Notes</a:t>
+            </a:r>
+          </a:p>
+          <a:p>
+            <a:r>
+              <a:rPr lang="en-GB" dirty="0"/>
+              <a:t>- For AWS Lambda, good because you pay for use only. Whenever the calculation of the prediction is needed. SO basically you just pay for inference</a:t>
+            </a:r>
+          </a:p>
+        </p:txBody>
+      </p:sp>
+      <p:sp>
+        <p:nvSpPr>
+          <p:cNvPr id="4" name="Slide Number Placeholder 3"/>
+          <p:cNvSpPr>
+            <a:spLocks noGrp="1"/>
+          </p:cNvSpPr>
+          <p:nvPr>
+            <p:ph type="sldNum" sz="quarter" idx="5"/>
+          </p:nvPr>
+        </p:nvSpPr>
+        <p:spPr/>
+        <p:txBody>
+          <a:bodyPr/>
+          <a:lstStyle/>
+          <a:p>
+            <a:fld id="{78293D93-78F6-7C4A-B196-7A9DF32E6281}" type="slidenum">
+              <a:rPr lang="en-GB" smtClean="0"/>
+              <a:t>4</a:t>
+            </a:fld>
+            <a:endParaRPr lang="en-GB"/>
+          </a:p>
+        </p:txBody>
+      </p:sp>
+    </p:spTree>
+    <p:extLst>
+      <p:ext uri="{BB962C8B-B14F-4D97-AF65-F5344CB8AC3E}">
+        <p14:creationId xmlns:p14="http://schemas.microsoft.com/office/powerpoint/2010/main" val="781546846"/>
+      </p:ext>
+    </p:extLst>
+  </p:cSld>
+  <p:clrMapOvr>
+    <a:masterClrMapping/>
+  </p:clrMapOvr>
+</p:notes>
 </file>
 
 <file path=ppt/slideLayouts/slideLayout1.xml><?xml version="1.0" encoding="utf-8"?>
@@ -3655,8 +4104,13 @@
             <a:pPr algn="ctr"/>
             <a:r>
               <a:rPr lang="en-GB" dirty="0"/>
-              <a:t>Data versioning: DVC</a:t>
-            </a:r>
+              <a:t>Data versioning: </a:t>
+            </a:r>
+            <a:r>
+              <a:rPr lang="en-GB" dirty="0" err="1"/>
+              <a:t>MLFlow</a:t>
+            </a:r>
+            <a:endParaRPr lang="en-GB" dirty="0"/>
           </a:p>
         </p:txBody>
       </p:sp>
@@ -3704,13 +4158,8 @@
             <a:pPr algn="ctr"/>
             <a:r>
               <a:rPr lang="en-GB" dirty="0"/>
-              <a:t>Package for modelling: </a:t>
-            </a:r>
-            <a:r>
-              <a:rPr lang="en-GB" dirty="0" err="1"/>
-              <a:t>PyTorch</a:t>
-            </a:r>
-            <a:endParaRPr lang="en-GB" dirty="0"/>
+              <a:t>Package for modelling: scikit-learn</a:t>
+            </a:r>
           </a:p>
           <a:p>
             <a:pPr algn="ctr"/>
@@ -3848,7 +4297,7 @@
             </a:r>
             <a:r>
               <a:rPr lang="en-GB" dirty="0" err="1"/>
-              <a:t>Gradio</a:t>
+              <a:t>Streamlit</a:t>
             </a:r>
             <a:endParaRPr lang="en-GB" dirty="0"/>
           </a:p>
@@ -4151,6 +4600,1766 @@
           <a:chExt cx="0" cy="0"/>
         </a:xfrm>
       </p:grpSpPr>
+      <p:sp>
+        <p:nvSpPr>
+          <p:cNvPr id="4" name="Rounded Rectangle 3">
+            <a:extLst>
+              <a:ext uri="{FF2B5EF4-FFF2-40B4-BE49-F238E27FC236}">
+                <a16:creationId xmlns:a16="http://schemas.microsoft.com/office/drawing/2014/main" id="{C5970DFA-F6D1-06F6-9202-27A72DEF987C}"/>
+              </a:ext>
+            </a:extLst>
+          </p:cNvPr>
+          <p:cNvSpPr/>
+          <p:nvPr/>
+        </p:nvSpPr>
+        <p:spPr>
+          <a:xfrm>
+            <a:off x="987867" y="879676"/>
+            <a:ext cx="2650603" cy="1006997"/>
+          </a:xfrm>
+          <a:prstGeom prst="roundRect">
+            <a:avLst/>
+          </a:prstGeom>
+        </p:spPr>
+        <p:style>
+          <a:lnRef idx="2">
+            <a:schemeClr val="accent1">
+              <a:shade val="15000"/>
+            </a:schemeClr>
+          </a:lnRef>
+          <a:fillRef idx="1">
+            <a:schemeClr val="accent1"/>
+          </a:fillRef>
+          <a:effectRef idx="0">
+            <a:schemeClr val="accent1"/>
+          </a:effectRef>
+          <a:fontRef idx="minor">
+            <a:schemeClr val="lt1"/>
+          </a:fontRef>
+        </p:style>
+        <p:txBody>
+          <a:bodyPr rtlCol="0" anchor="ctr"/>
+          <a:lstStyle/>
+          <a:p>
+            <a:pPr algn="ctr"/>
+            <a:r>
+              <a:rPr lang="en-GB" dirty="0"/>
+              <a:t>Model training &amp; reassessment on champion model</a:t>
+            </a:r>
+          </a:p>
+        </p:txBody>
+      </p:sp>
+      <p:sp>
+        <p:nvSpPr>
+          <p:cNvPr id="8" name="Right Arrow 7">
+            <a:extLst>
+              <a:ext uri="{FF2B5EF4-FFF2-40B4-BE49-F238E27FC236}">
+                <a16:creationId xmlns:a16="http://schemas.microsoft.com/office/drawing/2014/main" id="{A8021559-7E8D-45FD-2C71-F3E858A17A39}"/>
+              </a:ext>
+            </a:extLst>
+          </p:cNvPr>
+          <p:cNvSpPr/>
+          <p:nvPr/>
+        </p:nvSpPr>
+        <p:spPr>
+          <a:xfrm>
+            <a:off x="4356019" y="1219200"/>
+            <a:ext cx="1309914" cy="319314"/>
+          </a:xfrm>
+          <a:prstGeom prst="rightArrow">
+            <a:avLst/>
+          </a:prstGeom>
+        </p:spPr>
+        <p:style>
+          <a:lnRef idx="2">
+            <a:schemeClr val="accent1">
+              <a:shade val="15000"/>
+            </a:schemeClr>
+          </a:lnRef>
+          <a:fillRef idx="1">
+            <a:schemeClr val="accent1"/>
+          </a:fillRef>
+          <a:effectRef idx="0">
+            <a:schemeClr val="accent1"/>
+          </a:effectRef>
+          <a:fontRef idx="minor">
+            <a:schemeClr val="lt1"/>
+          </a:fontRef>
+        </p:style>
+        <p:txBody>
+          <a:bodyPr rtlCol="0" anchor="ctr"/>
+          <a:lstStyle/>
+          <a:p>
+            <a:pPr algn="ctr"/>
+            <a:endParaRPr lang="en-GB"/>
+          </a:p>
+        </p:txBody>
+      </p:sp>
+      <p:pic>
+        <p:nvPicPr>
+          <p:cNvPr id="1030" name="Picture 6" descr="FastAPI · GitHub">
+            <a:extLst>
+              <a:ext uri="{FF2B5EF4-FFF2-40B4-BE49-F238E27FC236}">
+                <a16:creationId xmlns:a16="http://schemas.microsoft.com/office/drawing/2014/main" id="{8544A923-4624-E27E-9A22-446003B06CD1}"/>
+              </a:ext>
+            </a:extLst>
+          </p:cNvPr>
+          <p:cNvPicPr>
+            <a:picLocks noChangeAspect="1" noChangeArrowheads="1"/>
+          </p:cNvPicPr>
+          <p:nvPr/>
+        </p:nvPicPr>
+        <p:blipFill>
+          <a:blip r:embed="rId2">
+            <a:extLst>
+              <a:ext uri="{28A0092B-C50C-407E-A947-70E740481C1C}">
+                <a14:useLocalDpi xmlns:a14="http://schemas.microsoft.com/office/drawing/2010/main" val="0"/>
+              </a:ext>
+            </a:extLst>
+          </a:blip>
+          <a:srcRect/>
+          <a:stretch>
+            <a:fillRect/>
+          </a:stretch>
+        </p:blipFill>
+        <p:spPr bwMode="auto">
+          <a:xfrm>
+            <a:off x="6114665" y="939220"/>
+            <a:ext cx="879274" cy="879274"/>
+          </a:xfrm>
+          <a:prstGeom prst="rect">
+            <a:avLst/>
+          </a:prstGeom>
+          <a:noFill/>
+          <a:extLst>
+            <a:ext uri="{909E8E84-426E-40DD-AFC4-6F175D3DCCD1}">
+              <a14:hiddenFill xmlns:a14="http://schemas.microsoft.com/office/drawing/2010/main">
+                <a:solidFill>
+                  <a:srgbClr val="FFFFFF"/>
+                </a:solidFill>
+              </a14:hiddenFill>
+            </a:ext>
+          </a:extLst>
+        </p:spPr>
+      </p:pic>
+      <p:sp>
+        <p:nvSpPr>
+          <p:cNvPr id="9" name="TextBox 8">
+            <a:extLst>
+              <a:ext uri="{FF2B5EF4-FFF2-40B4-BE49-F238E27FC236}">
+                <a16:creationId xmlns:a16="http://schemas.microsoft.com/office/drawing/2014/main" id="{C97F814F-B131-769D-E5BA-CE3CB1E6E9A0}"/>
+              </a:ext>
+            </a:extLst>
+          </p:cNvPr>
+          <p:cNvSpPr txBox="1"/>
+          <p:nvPr/>
+        </p:nvSpPr>
+        <p:spPr>
+          <a:xfrm>
+            <a:off x="1125682" y="152400"/>
+            <a:ext cx="3885294" cy="553998"/>
+          </a:xfrm>
+          <a:prstGeom prst="rect">
+            <a:avLst/>
+          </a:prstGeom>
+          <a:noFill/>
+        </p:spPr>
+        <p:txBody>
+          <a:bodyPr wrap="square" rtlCol="0">
+            <a:spAutoFit/>
+          </a:bodyPr>
+          <a:lstStyle/>
+          <a:p>
+            <a:r>
+              <a:rPr lang="en-GB" sz="3000" dirty="0"/>
+              <a:t>On local</a:t>
+            </a:r>
+          </a:p>
+        </p:txBody>
+      </p:sp>
+      <p:pic>
+        <p:nvPicPr>
+          <p:cNvPr id="1032" name="Picture 8" descr="Streamlit • A faster way to build and share data apps">
+            <a:extLst>
+              <a:ext uri="{FF2B5EF4-FFF2-40B4-BE49-F238E27FC236}">
+                <a16:creationId xmlns:a16="http://schemas.microsoft.com/office/drawing/2014/main" id="{91696F33-E624-79FB-0BC6-EE89E5519EFF}"/>
+              </a:ext>
+            </a:extLst>
+          </p:cNvPr>
+          <p:cNvPicPr>
+            <a:picLocks noChangeAspect="1" noChangeArrowheads="1"/>
+          </p:cNvPicPr>
+          <p:nvPr/>
+        </p:nvPicPr>
+        <p:blipFill>
+          <a:blip r:embed="rId3">
+            <a:extLst>
+              <a:ext uri="{28A0092B-C50C-407E-A947-70E740481C1C}">
+                <a14:useLocalDpi xmlns:a14="http://schemas.microsoft.com/office/drawing/2010/main" val="0"/>
+              </a:ext>
+            </a:extLst>
+          </a:blip>
+          <a:srcRect/>
+          <a:stretch>
+            <a:fillRect/>
+          </a:stretch>
+        </p:blipFill>
+        <p:spPr bwMode="auto">
+          <a:xfrm>
+            <a:off x="5569648" y="3155951"/>
+            <a:ext cx="1931977" cy="1130300"/>
+          </a:xfrm>
+          <a:prstGeom prst="rect">
+            <a:avLst/>
+          </a:prstGeom>
+          <a:noFill/>
+          <a:extLst>
+            <a:ext uri="{909E8E84-426E-40DD-AFC4-6F175D3DCCD1}">
+              <a14:hiddenFill xmlns:a14="http://schemas.microsoft.com/office/drawing/2010/main">
+                <a:solidFill>
+                  <a:srgbClr val="FFFFFF"/>
+                </a:solidFill>
+              </a14:hiddenFill>
+            </a:ext>
+          </a:extLst>
+        </p:spPr>
+      </p:pic>
+      <p:pic>
+        <p:nvPicPr>
+          <p:cNvPr id="1034" name="Picture 10">
+            <a:extLst>
+              <a:ext uri="{FF2B5EF4-FFF2-40B4-BE49-F238E27FC236}">
+                <a16:creationId xmlns:a16="http://schemas.microsoft.com/office/drawing/2014/main" id="{23DAE2A4-6C21-3220-518B-C5D7B3EFACB4}"/>
+              </a:ext>
+            </a:extLst>
+          </p:cNvPr>
+          <p:cNvPicPr>
+            <a:picLocks noChangeAspect="1" noChangeArrowheads="1"/>
+          </p:cNvPicPr>
+          <p:nvPr/>
+        </p:nvPicPr>
+        <p:blipFill>
+          <a:blip r:embed="rId4">
+            <a:extLst>
+              <a:ext uri="{28A0092B-C50C-407E-A947-70E740481C1C}">
+                <a14:useLocalDpi xmlns:a14="http://schemas.microsoft.com/office/drawing/2010/main" val="0"/>
+              </a:ext>
+            </a:extLst>
+          </a:blip>
+          <a:srcRect/>
+          <a:stretch>
+            <a:fillRect/>
+          </a:stretch>
+        </p:blipFill>
+        <p:spPr bwMode="auto">
+          <a:xfrm>
+            <a:off x="5919686" y="5287738"/>
+            <a:ext cx="1231900" cy="1231900"/>
+          </a:xfrm>
+          <a:prstGeom prst="rect">
+            <a:avLst/>
+          </a:prstGeom>
+          <a:noFill/>
+          <a:extLst>
+            <a:ext uri="{909E8E84-426E-40DD-AFC4-6F175D3DCCD1}">
+              <a14:hiddenFill xmlns:a14="http://schemas.microsoft.com/office/drawing/2010/main">
+                <a:solidFill>
+                  <a:srgbClr val="FFFFFF"/>
+                </a:solidFill>
+              </a14:hiddenFill>
+            </a:ext>
+          </a:extLst>
+        </p:spPr>
+      </p:pic>
+      <p:sp>
+        <p:nvSpPr>
+          <p:cNvPr id="12" name="Up-down Arrow 11">
+            <a:extLst>
+              <a:ext uri="{FF2B5EF4-FFF2-40B4-BE49-F238E27FC236}">
+                <a16:creationId xmlns:a16="http://schemas.microsoft.com/office/drawing/2014/main" id="{151B3AFD-69FA-D19A-1F56-E768F9FDBF69}"/>
+              </a:ext>
+            </a:extLst>
+          </p:cNvPr>
+          <p:cNvSpPr/>
+          <p:nvPr/>
+        </p:nvSpPr>
+        <p:spPr>
+          <a:xfrm>
+            <a:off x="6376886" y="2032000"/>
+            <a:ext cx="317500" cy="1123951"/>
+          </a:xfrm>
+          <a:prstGeom prst="upDownArrow">
+            <a:avLst/>
+          </a:prstGeom>
+        </p:spPr>
+        <p:style>
+          <a:lnRef idx="2">
+            <a:schemeClr val="accent1">
+              <a:shade val="15000"/>
+            </a:schemeClr>
+          </a:lnRef>
+          <a:fillRef idx="1">
+            <a:schemeClr val="accent1"/>
+          </a:fillRef>
+          <a:effectRef idx="0">
+            <a:schemeClr val="accent1"/>
+          </a:effectRef>
+          <a:fontRef idx="minor">
+            <a:schemeClr val="lt1"/>
+          </a:fontRef>
+        </p:style>
+        <p:txBody>
+          <a:bodyPr rtlCol="0" anchor="ctr"/>
+          <a:lstStyle/>
+          <a:p>
+            <a:pPr algn="ctr"/>
+            <a:endParaRPr lang="en-GB"/>
+          </a:p>
+        </p:txBody>
+      </p:sp>
+      <p:sp>
+        <p:nvSpPr>
+          <p:cNvPr id="13" name="Up-down Arrow 12">
+            <a:extLst>
+              <a:ext uri="{FF2B5EF4-FFF2-40B4-BE49-F238E27FC236}">
+                <a16:creationId xmlns:a16="http://schemas.microsoft.com/office/drawing/2014/main" id="{AB5E5387-917D-8DD3-7A2C-FB9A03AE9E21}"/>
+              </a:ext>
+            </a:extLst>
+          </p:cNvPr>
+          <p:cNvSpPr/>
+          <p:nvPr/>
+        </p:nvSpPr>
+        <p:spPr>
+          <a:xfrm>
+            <a:off x="6391072" y="4211412"/>
+            <a:ext cx="317500" cy="1123951"/>
+          </a:xfrm>
+          <a:prstGeom prst="upDownArrow">
+            <a:avLst/>
+          </a:prstGeom>
+        </p:spPr>
+        <p:style>
+          <a:lnRef idx="2">
+            <a:schemeClr val="accent1">
+              <a:shade val="15000"/>
+            </a:schemeClr>
+          </a:lnRef>
+          <a:fillRef idx="1">
+            <a:schemeClr val="accent1"/>
+          </a:fillRef>
+          <a:effectRef idx="0">
+            <a:schemeClr val="accent1"/>
+          </a:effectRef>
+          <a:fontRef idx="minor">
+            <a:schemeClr val="lt1"/>
+          </a:fontRef>
+        </p:style>
+        <p:txBody>
+          <a:bodyPr rtlCol="0" anchor="ctr"/>
+          <a:lstStyle/>
+          <a:p>
+            <a:pPr algn="ctr"/>
+            <a:endParaRPr lang="en-GB"/>
+          </a:p>
+        </p:txBody>
+      </p:sp>
+      <p:sp>
+        <p:nvSpPr>
+          <p:cNvPr id="14" name="Rounded Rectangle 13">
+            <a:extLst>
+              <a:ext uri="{FF2B5EF4-FFF2-40B4-BE49-F238E27FC236}">
+                <a16:creationId xmlns:a16="http://schemas.microsoft.com/office/drawing/2014/main" id="{60CB92E0-AFCA-A1AC-B884-4C8EB8D559F2}"/>
+              </a:ext>
+            </a:extLst>
+          </p:cNvPr>
+          <p:cNvSpPr/>
+          <p:nvPr/>
+        </p:nvSpPr>
+        <p:spPr>
+          <a:xfrm>
+            <a:off x="987867" y="2593975"/>
+            <a:ext cx="2650603" cy="1006997"/>
+          </a:xfrm>
+          <a:prstGeom prst="roundRect">
+            <a:avLst/>
+          </a:prstGeom>
+        </p:spPr>
+        <p:style>
+          <a:lnRef idx="2">
+            <a:schemeClr val="accent1">
+              <a:shade val="15000"/>
+            </a:schemeClr>
+          </a:lnRef>
+          <a:fillRef idx="1">
+            <a:schemeClr val="accent1"/>
+          </a:fillRef>
+          <a:effectRef idx="0">
+            <a:schemeClr val="accent1"/>
+          </a:effectRef>
+          <a:fontRef idx="minor">
+            <a:schemeClr val="lt1"/>
+          </a:fontRef>
+        </p:style>
+        <p:txBody>
+          <a:bodyPr rtlCol="0" anchor="ctr"/>
+          <a:lstStyle/>
+          <a:p>
+            <a:pPr algn="ctr"/>
+            <a:r>
+              <a:rPr lang="en-GB" dirty="0"/>
+              <a:t>The whole self-training </a:t>
+            </a:r>
+            <a:r>
+              <a:rPr lang="en-GB" dirty="0" err="1"/>
+              <a:t>MLOps</a:t>
+            </a:r>
+            <a:r>
+              <a:rPr lang="en-GB" dirty="0"/>
+              <a:t> workflow...</a:t>
+            </a:r>
+          </a:p>
+        </p:txBody>
+      </p:sp>
+      <p:cxnSp>
+        <p:nvCxnSpPr>
+          <p:cNvPr id="16" name="Elbow Connector 15">
+            <a:extLst>
+              <a:ext uri="{FF2B5EF4-FFF2-40B4-BE49-F238E27FC236}">
+                <a16:creationId xmlns:a16="http://schemas.microsoft.com/office/drawing/2014/main" id="{AEAE8A24-C0F4-08D6-F1D7-04265537AE1D}"/>
+              </a:ext>
+            </a:extLst>
+          </p:cNvPr>
+          <p:cNvCxnSpPr>
+            <a:stCxn id="4" idx="1"/>
+            <a:endCxn id="14" idx="1"/>
+          </p:cNvCxnSpPr>
+          <p:nvPr/>
+        </p:nvCxnSpPr>
+        <p:spPr>
+          <a:xfrm rot="10800000" flipV="1">
+            <a:off x="987867" y="1383174"/>
+            <a:ext cx="12700" cy="1714299"/>
+          </a:xfrm>
+          <a:prstGeom prst="bentConnector3">
+            <a:avLst>
+              <a:gd name="adj1" fmla="val 3600000"/>
+            </a:avLst>
+          </a:prstGeom>
+          <a:ln>
+            <a:solidFill>
+              <a:schemeClr val="accent2">
+                <a:lumMod val="75000"/>
+              </a:schemeClr>
+            </a:solidFill>
+            <a:tailEnd type="triangle"/>
+          </a:ln>
+        </p:spPr>
+        <p:style>
+          <a:lnRef idx="2">
+            <a:schemeClr val="accent1"/>
+          </a:lnRef>
+          <a:fillRef idx="0">
+            <a:schemeClr val="accent1"/>
+          </a:fillRef>
+          <a:effectRef idx="1">
+            <a:schemeClr val="accent1"/>
+          </a:effectRef>
+          <a:fontRef idx="minor">
+            <a:schemeClr val="tx1"/>
+          </a:fontRef>
+        </p:style>
+      </p:cxnSp>
+      <p:cxnSp>
+        <p:nvCxnSpPr>
+          <p:cNvPr id="18" name="Elbow Connector 17">
+            <a:extLst>
+              <a:ext uri="{FF2B5EF4-FFF2-40B4-BE49-F238E27FC236}">
+                <a16:creationId xmlns:a16="http://schemas.microsoft.com/office/drawing/2014/main" id="{EA3567BC-5871-9551-D336-1AE245846CE5}"/>
+              </a:ext>
+            </a:extLst>
+          </p:cNvPr>
+          <p:cNvCxnSpPr>
+            <a:cxnSpLocks/>
+            <a:stCxn id="14" idx="3"/>
+            <a:endCxn id="4" idx="3"/>
+          </p:cNvCxnSpPr>
+          <p:nvPr/>
+        </p:nvCxnSpPr>
+        <p:spPr>
+          <a:xfrm flipV="1">
+            <a:off x="3638470" y="1383175"/>
+            <a:ext cx="12700" cy="1714299"/>
+          </a:xfrm>
+          <a:prstGeom prst="bentConnector3">
+            <a:avLst>
+              <a:gd name="adj1" fmla="val 4200000"/>
+            </a:avLst>
+          </a:prstGeom>
+          <a:ln>
+            <a:solidFill>
+              <a:schemeClr val="accent2">
+                <a:lumMod val="75000"/>
+              </a:schemeClr>
+            </a:solidFill>
+            <a:tailEnd type="triangle"/>
+          </a:ln>
+        </p:spPr>
+        <p:style>
+          <a:lnRef idx="2">
+            <a:schemeClr val="accent1"/>
+          </a:lnRef>
+          <a:fillRef idx="0">
+            <a:schemeClr val="accent1"/>
+          </a:fillRef>
+          <a:effectRef idx="1">
+            <a:schemeClr val="accent1"/>
+          </a:effectRef>
+          <a:fontRef idx="minor">
+            <a:schemeClr val="tx1"/>
+          </a:fontRef>
+        </p:style>
+      </p:cxnSp>
+    </p:spTree>
+    <p:extLst>
+      <p:ext uri="{BB962C8B-B14F-4D97-AF65-F5344CB8AC3E}">
+        <p14:creationId xmlns:p14="http://schemas.microsoft.com/office/powerpoint/2010/main" val="616464746"/>
+      </p:ext>
+    </p:extLst>
+  </p:cSld>
+  <p:clrMapOvr>
+    <a:masterClrMapping/>
+  </p:clrMapOvr>
+</p:sld>
+</file>
+
+<file path=ppt/slides/slide4.xml><?xml version="1.0" encoding="utf-8"?>
+<p:sld xmlns:a="http://schemas.openxmlformats.org/drawingml/2006/main" xmlns:r="http://schemas.openxmlformats.org/officeDocument/2006/relationships" xmlns:p="http://schemas.openxmlformats.org/presentationml/2006/main">
+  <p:cSld>
+    <p:spTree>
+      <p:nvGrpSpPr>
+        <p:cNvPr id="1" name=""/>
+        <p:cNvGrpSpPr/>
+        <p:nvPr/>
+      </p:nvGrpSpPr>
+      <p:grpSpPr>
+        <a:xfrm>
+          <a:off x="0" y="0"/>
+          <a:ext cx="0" cy="0"/>
+          <a:chOff x="0" y="0"/>
+          <a:chExt cx="0" cy="0"/>
+        </a:xfrm>
+      </p:grpSpPr>
+      <p:pic>
+        <p:nvPicPr>
+          <p:cNvPr id="3086" name="Picture 14" descr="AWS Fargate Monitoring and Performance Management with Instana | IBM">
+            <a:extLst>
+              <a:ext uri="{FF2B5EF4-FFF2-40B4-BE49-F238E27FC236}">
+                <a16:creationId xmlns:a16="http://schemas.microsoft.com/office/drawing/2014/main" id="{D0C7DA83-5C30-12E7-7D8A-F1FDAB349194}"/>
+              </a:ext>
+            </a:extLst>
+          </p:cNvPr>
+          <p:cNvPicPr>
+            <a:picLocks noChangeAspect="1" noChangeArrowheads="1"/>
+          </p:cNvPicPr>
+          <p:nvPr/>
+        </p:nvPicPr>
+        <p:blipFill>
+          <a:blip r:embed="rId3">
+            <a:extLst>
+              <a:ext uri="{28A0092B-C50C-407E-A947-70E740481C1C}">
+                <a14:useLocalDpi xmlns:a14="http://schemas.microsoft.com/office/drawing/2010/main" val="0"/>
+              </a:ext>
+            </a:extLst>
+          </a:blip>
+          <a:srcRect/>
+          <a:stretch>
+            <a:fillRect/>
+          </a:stretch>
+        </p:blipFill>
+        <p:spPr bwMode="auto">
+          <a:xfrm>
+            <a:off x="10249394" y="3250525"/>
+            <a:ext cx="1915438" cy="1442125"/>
+          </a:xfrm>
+          <a:prstGeom prst="rect">
+            <a:avLst/>
+          </a:prstGeom>
+          <a:noFill/>
+          <a:extLst>
+            <a:ext uri="{909E8E84-426E-40DD-AFC4-6F175D3DCCD1}">
+              <a14:hiddenFill xmlns:a14="http://schemas.microsoft.com/office/drawing/2010/main">
+                <a:solidFill>
+                  <a:srgbClr val="FFFFFF"/>
+                </a:solidFill>
+              </a14:hiddenFill>
+            </a:ext>
+          </a:extLst>
+        </p:spPr>
+      </p:pic>
+      <p:sp>
+        <p:nvSpPr>
+          <p:cNvPr id="9" name="TextBox 8">
+            <a:extLst>
+              <a:ext uri="{FF2B5EF4-FFF2-40B4-BE49-F238E27FC236}">
+                <a16:creationId xmlns:a16="http://schemas.microsoft.com/office/drawing/2014/main" id="{C97F814F-B131-769D-E5BA-CE3CB1E6E9A0}"/>
+              </a:ext>
+            </a:extLst>
+          </p:cNvPr>
+          <p:cNvSpPr txBox="1"/>
+          <p:nvPr/>
+        </p:nvSpPr>
+        <p:spPr>
+          <a:xfrm>
+            <a:off x="1054100" y="114300"/>
+            <a:ext cx="3885294" cy="553998"/>
+          </a:xfrm>
+          <a:prstGeom prst="rect">
+            <a:avLst/>
+          </a:prstGeom>
+          <a:noFill/>
+        </p:spPr>
+        <p:txBody>
+          <a:bodyPr wrap="square" rtlCol="0">
+            <a:spAutoFit/>
+          </a:bodyPr>
+          <a:lstStyle/>
+          <a:p>
+            <a:r>
+              <a:rPr lang="en-GB" sz="3000" dirty="0"/>
+              <a:t>With AWS and Docker</a:t>
+            </a:r>
+          </a:p>
+        </p:txBody>
+      </p:sp>
+      <p:sp>
+        <p:nvSpPr>
+          <p:cNvPr id="2" name="Rounded Rectangle 1">
+            <a:extLst>
+              <a:ext uri="{FF2B5EF4-FFF2-40B4-BE49-F238E27FC236}">
+                <a16:creationId xmlns:a16="http://schemas.microsoft.com/office/drawing/2014/main" id="{36FD79A8-C83F-9E6A-9FE7-10A82D52153A}"/>
+              </a:ext>
+            </a:extLst>
+          </p:cNvPr>
+          <p:cNvSpPr/>
+          <p:nvPr/>
+        </p:nvSpPr>
+        <p:spPr>
+          <a:xfrm>
+            <a:off x="987867" y="1057476"/>
+            <a:ext cx="2650603" cy="1006997"/>
+          </a:xfrm>
+          <a:prstGeom prst="roundRect">
+            <a:avLst/>
+          </a:prstGeom>
+        </p:spPr>
+        <p:style>
+          <a:lnRef idx="2">
+            <a:schemeClr val="accent1">
+              <a:shade val="15000"/>
+            </a:schemeClr>
+          </a:lnRef>
+          <a:fillRef idx="1">
+            <a:schemeClr val="accent1"/>
+          </a:fillRef>
+          <a:effectRef idx="0">
+            <a:schemeClr val="accent1"/>
+          </a:effectRef>
+          <a:fontRef idx="minor">
+            <a:schemeClr val="lt1"/>
+          </a:fontRef>
+        </p:style>
+        <p:txBody>
+          <a:bodyPr rtlCol="0" anchor="ctr"/>
+          <a:lstStyle/>
+          <a:p>
+            <a:pPr algn="ctr"/>
+            <a:r>
+              <a:rPr lang="en-GB" dirty="0"/>
+              <a:t>Model training &amp; assessment on champion model</a:t>
+            </a:r>
+          </a:p>
+        </p:txBody>
+      </p:sp>
+      <p:sp>
+        <p:nvSpPr>
+          <p:cNvPr id="3" name="Right Arrow 2">
+            <a:extLst>
+              <a:ext uri="{FF2B5EF4-FFF2-40B4-BE49-F238E27FC236}">
+                <a16:creationId xmlns:a16="http://schemas.microsoft.com/office/drawing/2014/main" id="{933754C1-A8FC-D954-0355-632975EDF739}"/>
+              </a:ext>
+            </a:extLst>
+          </p:cNvPr>
+          <p:cNvSpPr/>
+          <p:nvPr/>
+        </p:nvSpPr>
+        <p:spPr>
+          <a:xfrm>
+            <a:off x="4109706" y="1397000"/>
+            <a:ext cx="990768" cy="319314"/>
+          </a:xfrm>
+          <a:prstGeom prst="rightArrow">
+            <a:avLst/>
+          </a:prstGeom>
+        </p:spPr>
+        <p:style>
+          <a:lnRef idx="2">
+            <a:schemeClr val="accent1">
+              <a:shade val="15000"/>
+            </a:schemeClr>
+          </a:lnRef>
+          <a:fillRef idx="1">
+            <a:schemeClr val="accent1"/>
+          </a:fillRef>
+          <a:effectRef idx="0">
+            <a:schemeClr val="accent1"/>
+          </a:effectRef>
+          <a:fontRef idx="minor">
+            <a:schemeClr val="lt1"/>
+          </a:fontRef>
+        </p:style>
+        <p:txBody>
+          <a:bodyPr rtlCol="0" anchor="ctr"/>
+          <a:lstStyle/>
+          <a:p>
+            <a:pPr algn="ctr"/>
+            <a:endParaRPr lang="en-GB"/>
+          </a:p>
+        </p:txBody>
+      </p:sp>
+      <p:sp>
+        <p:nvSpPr>
+          <p:cNvPr id="14" name="Rounded Rectangle 13">
+            <a:extLst>
+              <a:ext uri="{FF2B5EF4-FFF2-40B4-BE49-F238E27FC236}">
+                <a16:creationId xmlns:a16="http://schemas.microsoft.com/office/drawing/2014/main" id="{7868E1C6-62F3-4BA1-8286-2A11E6A82B47}"/>
+              </a:ext>
+            </a:extLst>
+          </p:cNvPr>
+          <p:cNvSpPr/>
+          <p:nvPr/>
+        </p:nvSpPr>
+        <p:spPr>
+          <a:xfrm>
+            <a:off x="987867" y="2771775"/>
+            <a:ext cx="2650603" cy="1006997"/>
+          </a:xfrm>
+          <a:prstGeom prst="roundRect">
+            <a:avLst/>
+          </a:prstGeom>
+        </p:spPr>
+        <p:style>
+          <a:lnRef idx="2">
+            <a:schemeClr val="accent1">
+              <a:shade val="15000"/>
+            </a:schemeClr>
+          </a:lnRef>
+          <a:fillRef idx="1">
+            <a:schemeClr val="accent1"/>
+          </a:fillRef>
+          <a:effectRef idx="0">
+            <a:schemeClr val="accent1"/>
+          </a:effectRef>
+          <a:fontRef idx="minor">
+            <a:schemeClr val="lt1"/>
+          </a:fontRef>
+        </p:style>
+        <p:txBody>
+          <a:bodyPr rtlCol="0" anchor="ctr"/>
+          <a:lstStyle/>
+          <a:p>
+            <a:pPr algn="ctr"/>
+            <a:r>
+              <a:rPr lang="en-GB" dirty="0"/>
+              <a:t>The whole self-training </a:t>
+            </a:r>
+            <a:r>
+              <a:rPr lang="en-GB" dirty="0" err="1"/>
+              <a:t>MLOps</a:t>
+            </a:r>
+            <a:r>
+              <a:rPr lang="en-GB" dirty="0"/>
+              <a:t> workflow...</a:t>
+            </a:r>
+          </a:p>
+        </p:txBody>
+      </p:sp>
+      <p:cxnSp>
+        <p:nvCxnSpPr>
+          <p:cNvPr id="15" name="Elbow Connector 14">
+            <a:extLst>
+              <a:ext uri="{FF2B5EF4-FFF2-40B4-BE49-F238E27FC236}">
+                <a16:creationId xmlns:a16="http://schemas.microsoft.com/office/drawing/2014/main" id="{4D84FD12-E7D0-432C-1C65-BBFAFA27769D}"/>
+              </a:ext>
+            </a:extLst>
+          </p:cNvPr>
+          <p:cNvCxnSpPr>
+            <a:cxnSpLocks/>
+            <a:stCxn id="14" idx="1"/>
+            <a:endCxn id="2" idx="1"/>
+          </p:cNvCxnSpPr>
+          <p:nvPr/>
+        </p:nvCxnSpPr>
+        <p:spPr>
+          <a:xfrm rot="10800000">
+            <a:off x="987867" y="1560976"/>
+            <a:ext cx="12700" cy="1714299"/>
+          </a:xfrm>
+          <a:prstGeom prst="bentConnector3">
+            <a:avLst>
+              <a:gd name="adj1" fmla="val 1800000"/>
+            </a:avLst>
+          </a:prstGeom>
+          <a:ln>
+            <a:solidFill>
+              <a:schemeClr val="accent2">
+                <a:lumMod val="75000"/>
+              </a:schemeClr>
+            </a:solidFill>
+            <a:tailEnd type="triangle"/>
+          </a:ln>
+        </p:spPr>
+        <p:style>
+          <a:lnRef idx="2">
+            <a:schemeClr val="accent1"/>
+          </a:lnRef>
+          <a:fillRef idx="0">
+            <a:schemeClr val="accent1"/>
+          </a:fillRef>
+          <a:effectRef idx="1">
+            <a:schemeClr val="accent1"/>
+          </a:effectRef>
+          <a:fontRef idx="minor">
+            <a:schemeClr val="tx1"/>
+          </a:fontRef>
+        </p:style>
+      </p:cxnSp>
+      <p:cxnSp>
+        <p:nvCxnSpPr>
+          <p:cNvPr id="16" name="Elbow Connector 15">
+            <a:extLst>
+              <a:ext uri="{FF2B5EF4-FFF2-40B4-BE49-F238E27FC236}">
+                <a16:creationId xmlns:a16="http://schemas.microsoft.com/office/drawing/2014/main" id="{6F682BC3-8F5B-5C46-B958-7543BCCCB9F2}"/>
+              </a:ext>
+            </a:extLst>
+          </p:cNvPr>
+          <p:cNvCxnSpPr>
+            <a:cxnSpLocks/>
+            <a:stCxn id="2" idx="3"/>
+            <a:endCxn id="14" idx="3"/>
+          </p:cNvCxnSpPr>
+          <p:nvPr/>
+        </p:nvCxnSpPr>
+        <p:spPr>
+          <a:xfrm>
+            <a:off x="3638470" y="1560975"/>
+            <a:ext cx="12700" cy="1714299"/>
+          </a:xfrm>
+          <a:prstGeom prst="bentConnector3">
+            <a:avLst>
+              <a:gd name="adj1" fmla="val 1800000"/>
+            </a:avLst>
+          </a:prstGeom>
+          <a:ln>
+            <a:solidFill>
+              <a:schemeClr val="accent2">
+                <a:lumMod val="75000"/>
+              </a:schemeClr>
+            </a:solidFill>
+            <a:tailEnd type="triangle"/>
+          </a:ln>
+        </p:spPr>
+        <p:style>
+          <a:lnRef idx="2">
+            <a:schemeClr val="accent1"/>
+          </a:lnRef>
+          <a:fillRef idx="0">
+            <a:schemeClr val="accent1"/>
+          </a:fillRef>
+          <a:effectRef idx="1">
+            <a:schemeClr val="accent1"/>
+          </a:effectRef>
+          <a:fontRef idx="minor">
+            <a:schemeClr val="tx1"/>
+          </a:fontRef>
+        </p:style>
+      </p:cxnSp>
+      <p:sp>
+        <p:nvSpPr>
+          <p:cNvPr id="22" name="TextBox 21">
+            <a:extLst>
+              <a:ext uri="{FF2B5EF4-FFF2-40B4-BE49-F238E27FC236}">
+                <a16:creationId xmlns:a16="http://schemas.microsoft.com/office/drawing/2014/main" id="{EC344657-FEED-CFD3-A494-1C3EF56911F9}"/>
+              </a:ext>
+            </a:extLst>
+          </p:cNvPr>
+          <p:cNvSpPr txBox="1"/>
+          <p:nvPr/>
+        </p:nvSpPr>
+        <p:spPr>
+          <a:xfrm>
+            <a:off x="8119134" y="147831"/>
+            <a:ext cx="1138731" cy="461665"/>
+          </a:xfrm>
+          <a:prstGeom prst="rect">
+            <a:avLst/>
+          </a:prstGeom>
+          <a:noFill/>
+        </p:spPr>
+        <p:txBody>
+          <a:bodyPr wrap="square" rtlCol="0">
+            <a:spAutoFit/>
+          </a:bodyPr>
+          <a:lstStyle/>
+          <a:p>
+            <a:r>
+              <a:rPr lang="en-GB" sz="2400" dirty="0"/>
+              <a:t>Cloud</a:t>
+            </a:r>
+          </a:p>
+        </p:txBody>
+      </p:sp>
+      <p:sp>
+        <p:nvSpPr>
+          <p:cNvPr id="23" name="Up-down Arrow 22">
+            <a:extLst>
+              <a:ext uri="{FF2B5EF4-FFF2-40B4-BE49-F238E27FC236}">
+                <a16:creationId xmlns:a16="http://schemas.microsoft.com/office/drawing/2014/main" id="{6283BB4D-7D72-6678-308C-E97C7F8911E0}"/>
+              </a:ext>
+            </a:extLst>
+          </p:cNvPr>
+          <p:cNvSpPr/>
+          <p:nvPr/>
+        </p:nvSpPr>
+        <p:spPr>
+          <a:xfrm>
+            <a:off x="8456581" y="2151322"/>
+            <a:ext cx="317500" cy="1123951"/>
+          </a:xfrm>
+          <a:prstGeom prst="upDownArrow">
+            <a:avLst/>
+          </a:prstGeom>
+        </p:spPr>
+        <p:style>
+          <a:lnRef idx="2">
+            <a:schemeClr val="accent1">
+              <a:shade val="15000"/>
+            </a:schemeClr>
+          </a:lnRef>
+          <a:fillRef idx="1">
+            <a:schemeClr val="accent1"/>
+          </a:fillRef>
+          <a:effectRef idx="0">
+            <a:schemeClr val="accent1"/>
+          </a:effectRef>
+          <a:fontRef idx="minor">
+            <a:schemeClr val="lt1"/>
+          </a:fontRef>
+        </p:style>
+        <p:txBody>
+          <a:bodyPr rtlCol="0" anchor="ctr"/>
+          <a:lstStyle/>
+          <a:p>
+            <a:pPr algn="ctr"/>
+            <a:endParaRPr lang="en-GB"/>
+          </a:p>
+        </p:txBody>
+      </p:sp>
+      <p:grpSp>
+        <p:nvGrpSpPr>
+          <p:cNvPr id="45" name="Group 44">
+            <a:extLst>
+              <a:ext uri="{FF2B5EF4-FFF2-40B4-BE49-F238E27FC236}">
+                <a16:creationId xmlns:a16="http://schemas.microsoft.com/office/drawing/2014/main" id="{CC364243-248D-2A44-B633-65ACCBEF0381}"/>
+              </a:ext>
+            </a:extLst>
+          </p:cNvPr>
+          <p:cNvGrpSpPr/>
+          <p:nvPr/>
+        </p:nvGrpSpPr>
+        <p:grpSpPr>
+          <a:xfrm>
+            <a:off x="7933484" y="3250525"/>
+            <a:ext cx="1429538" cy="1265344"/>
+            <a:chOff x="8502718" y="3250525"/>
+            <a:chExt cx="1429538" cy="1265344"/>
+          </a:xfrm>
+        </p:grpSpPr>
+        <p:pic>
+          <p:nvPicPr>
+            <p:cNvPr id="24" name="Picture 8" descr="Streamlit • A faster way to build and share data apps">
+              <a:extLst>
+                <a:ext uri="{FF2B5EF4-FFF2-40B4-BE49-F238E27FC236}">
+                  <a16:creationId xmlns:a16="http://schemas.microsoft.com/office/drawing/2014/main" id="{DD295C8B-4FD3-886F-BAA5-C13208F5C5D3}"/>
+                </a:ext>
+              </a:extLst>
+            </p:cNvPr>
+            <p:cNvPicPr>
+              <a:picLocks noChangeAspect="1" noChangeArrowheads="1"/>
+            </p:cNvPicPr>
+            <p:nvPr/>
+          </p:nvPicPr>
+          <p:blipFill>
+            <a:blip r:embed="rId4">
+              <a:extLst>
+                <a:ext uri="{28A0092B-C50C-407E-A947-70E740481C1C}">
+                  <a14:useLocalDpi xmlns:a14="http://schemas.microsoft.com/office/drawing/2010/main" val="0"/>
+                </a:ext>
+              </a:extLst>
+            </a:blip>
+            <a:srcRect/>
+            <a:stretch>
+              <a:fillRect/>
+            </a:stretch>
+          </p:blipFill>
+          <p:spPr bwMode="auto">
+            <a:xfrm>
+              <a:off x="8502718" y="3632875"/>
+              <a:ext cx="1429538" cy="836349"/>
+            </a:xfrm>
+            <a:prstGeom prst="rect">
+              <a:avLst/>
+            </a:prstGeom>
+            <a:noFill/>
+            <a:extLst>
+              <a:ext uri="{909E8E84-426E-40DD-AFC4-6F175D3DCCD1}">
+                <a14:hiddenFill xmlns:a14="http://schemas.microsoft.com/office/drawing/2010/main">
+                  <a:solidFill>
+                    <a:srgbClr val="FFFFFF"/>
+                  </a:solidFill>
+                </a14:hiddenFill>
+              </a:ext>
+            </a:extLst>
+          </p:spPr>
+        </p:pic>
+        <p:sp>
+          <p:nvSpPr>
+            <p:cNvPr id="25" name="Rounded Rectangle 24">
+              <a:extLst>
+                <a:ext uri="{FF2B5EF4-FFF2-40B4-BE49-F238E27FC236}">
+                  <a16:creationId xmlns:a16="http://schemas.microsoft.com/office/drawing/2014/main" id="{34D0191A-6A9D-2AA9-43D1-7F9B4E28416F}"/>
+                </a:ext>
+              </a:extLst>
+            </p:cNvPr>
+            <p:cNvSpPr/>
+            <p:nvPr/>
+          </p:nvSpPr>
+          <p:spPr>
+            <a:xfrm>
+              <a:off x="8502718" y="3632875"/>
+              <a:ext cx="1429538" cy="882994"/>
+            </a:xfrm>
+            <a:prstGeom prst="roundRect">
+              <a:avLst/>
+            </a:prstGeom>
+            <a:noFill/>
+            <a:ln>
+              <a:solidFill>
+                <a:schemeClr val="tx1"/>
+              </a:solidFill>
+            </a:ln>
+          </p:spPr>
+          <p:style>
+            <a:lnRef idx="2">
+              <a:schemeClr val="accent1">
+                <a:shade val="15000"/>
+              </a:schemeClr>
+            </a:lnRef>
+            <a:fillRef idx="1">
+              <a:schemeClr val="accent1"/>
+            </a:fillRef>
+            <a:effectRef idx="0">
+              <a:schemeClr val="accent1"/>
+            </a:effectRef>
+            <a:fontRef idx="minor">
+              <a:schemeClr val="lt1"/>
+            </a:fontRef>
+          </p:style>
+          <p:txBody>
+            <a:bodyPr rtlCol="0" anchor="ctr"/>
+            <a:lstStyle/>
+            <a:p>
+              <a:pPr algn="ctr"/>
+              <a:endParaRPr lang="en-GB"/>
+            </a:p>
+          </p:txBody>
+        </p:sp>
+        <p:sp>
+          <p:nvSpPr>
+            <p:cNvPr id="26" name="TextBox 25">
+              <a:extLst>
+                <a:ext uri="{FF2B5EF4-FFF2-40B4-BE49-F238E27FC236}">
+                  <a16:creationId xmlns:a16="http://schemas.microsoft.com/office/drawing/2014/main" id="{EF01F5D9-B874-AB75-D877-19CC707FA59C}"/>
+                </a:ext>
+              </a:extLst>
+            </p:cNvPr>
+            <p:cNvSpPr txBox="1"/>
+            <p:nvPr/>
+          </p:nvSpPr>
+          <p:spPr>
+            <a:xfrm>
+              <a:off x="8553141" y="3250525"/>
+              <a:ext cx="1307285" cy="369332"/>
+            </a:xfrm>
+            <a:prstGeom prst="rect">
+              <a:avLst/>
+            </a:prstGeom>
+            <a:noFill/>
+          </p:spPr>
+          <p:txBody>
+            <a:bodyPr wrap="square" rtlCol="0">
+              <a:spAutoFit/>
+            </a:bodyPr>
+            <a:lstStyle/>
+            <a:p>
+              <a:r>
+                <a:rPr lang="en-GB" dirty="0" err="1"/>
+                <a:t>Dockerised</a:t>
+              </a:r>
+              <a:endParaRPr lang="en-GB" dirty="0"/>
+            </a:p>
+          </p:txBody>
+        </p:sp>
+      </p:grpSp>
+      <p:pic>
+        <p:nvPicPr>
+          <p:cNvPr id="27" name="Picture 26">
+            <a:extLst>
+              <a:ext uri="{FF2B5EF4-FFF2-40B4-BE49-F238E27FC236}">
+                <a16:creationId xmlns:a16="http://schemas.microsoft.com/office/drawing/2014/main" id="{610D15EF-3DE6-22C8-69D3-1F0A9F58BB39}"/>
+              </a:ext>
+            </a:extLst>
+          </p:cNvPr>
+          <p:cNvPicPr>
+            <a:picLocks noChangeAspect="1" noChangeArrowheads="1"/>
+          </p:cNvPicPr>
+          <p:nvPr/>
+        </p:nvPicPr>
+        <p:blipFill>
+          <a:blip r:embed="rId5">
+            <a:extLst>
+              <a:ext uri="{28A0092B-C50C-407E-A947-70E740481C1C}">
+                <a14:useLocalDpi xmlns:a14="http://schemas.microsoft.com/office/drawing/2010/main" val="0"/>
+              </a:ext>
+            </a:extLst>
+          </a:blip>
+          <a:srcRect/>
+          <a:stretch>
+            <a:fillRect/>
+          </a:stretch>
+        </p:blipFill>
+        <p:spPr bwMode="auto">
+          <a:xfrm>
+            <a:off x="10621172" y="5617544"/>
+            <a:ext cx="1231900" cy="1231900"/>
+          </a:xfrm>
+          <a:prstGeom prst="rect">
+            <a:avLst/>
+          </a:prstGeom>
+          <a:noFill/>
+          <a:extLst>
+            <a:ext uri="{909E8E84-426E-40DD-AFC4-6F175D3DCCD1}">
+              <a14:hiddenFill xmlns:a14="http://schemas.microsoft.com/office/drawing/2010/main">
+                <a:solidFill>
+                  <a:srgbClr val="FFFFFF"/>
+                </a:solidFill>
+              </a14:hiddenFill>
+            </a:ext>
+          </a:extLst>
+        </p:spPr>
+      </p:pic>
+      <p:sp>
+        <p:nvSpPr>
+          <p:cNvPr id="28" name="Up-down Arrow 27">
+            <a:extLst>
+              <a:ext uri="{FF2B5EF4-FFF2-40B4-BE49-F238E27FC236}">
+                <a16:creationId xmlns:a16="http://schemas.microsoft.com/office/drawing/2014/main" id="{33ACD5DA-4EDF-876B-4367-F0855B0A434D}"/>
+              </a:ext>
+            </a:extLst>
+          </p:cNvPr>
+          <p:cNvSpPr/>
+          <p:nvPr/>
+        </p:nvSpPr>
+        <p:spPr>
+          <a:xfrm>
+            <a:off x="11081202" y="4560662"/>
+            <a:ext cx="317500" cy="1123951"/>
+          </a:xfrm>
+          <a:prstGeom prst="upDownArrow">
+            <a:avLst/>
+          </a:prstGeom>
+        </p:spPr>
+        <p:style>
+          <a:lnRef idx="2">
+            <a:schemeClr val="accent1">
+              <a:shade val="15000"/>
+            </a:schemeClr>
+          </a:lnRef>
+          <a:fillRef idx="1">
+            <a:schemeClr val="accent1"/>
+          </a:fillRef>
+          <a:effectRef idx="0">
+            <a:schemeClr val="accent1"/>
+          </a:effectRef>
+          <a:fontRef idx="minor">
+            <a:schemeClr val="lt1"/>
+          </a:fontRef>
+        </p:style>
+        <p:txBody>
+          <a:bodyPr rtlCol="0" anchor="ctr"/>
+          <a:lstStyle/>
+          <a:p>
+            <a:pPr algn="ctr"/>
+            <a:endParaRPr lang="en-GB"/>
+          </a:p>
+        </p:txBody>
+      </p:sp>
+      <p:pic>
+        <p:nvPicPr>
+          <p:cNvPr id="3076" name="Picture 4">
+            <a:extLst>
+              <a:ext uri="{FF2B5EF4-FFF2-40B4-BE49-F238E27FC236}">
+                <a16:creationId xmlns:a16="http://schemas.microsoft.com/office/drawing/2014/main" id="{CD599D6C-015E-8E3F-D8E8-EE9216009F0E}"/>
+              </a:ext>
+            </a:extLst>
+          </p:cNvPr>
+          <p:cNvPicPr>
+            <a:picLocks noChangeAspect="1" noChangeArrowheads="1"/>
+          </p:cNvPicPr>
+          <p:nvPr/>
+        </p:nvPicPr>
+        <p:blipFill>
+          <a:blip r:embed="rId6">
+            <a:extLst>
+              <a:ext uri="{28A0092B-C50C-407E-A947-70E740481C1C}">
+                <a14:useLocalDpi xmlns:a14="http://schemas.microsoft.com/office/drawing/2010/main" val="0"/>
+              </a:ext>
+            </a:extLst>
+          </a:blip>
+          <a:srcRect/>
+          <a:stretch>
+            <a:fillRect/>
+          </a:stretch>
+        </p:blipFill>
+        <p:spPr bwMode="auto">
+          <a:xfrm>
+            <a:off x="5334772" y="1026632"/>
+            <a:ext cx="896553" cy="1072884"/>
+          </a:xfrm>
+          <a:prstGeom prst="rect">
+            <a:avLst/>
+          </a:prstGeom>
+          <a:noFill/>
+          <a:extLst>
+            <a:ext uri="{909E8E84-426E-40DD-AFC4-6F175D3DCCD1}">
+              <a14:hiddenFill xmlns:a14="http://schemas.microsoft.com/office/drawing/2010/main">
+                <a:solidFill>
+                  <a:srgbClr val="FFFFFF"/>
+                </a:solidFill>
+              </a14:hiddenFill>
+            </a:ext>
+          </a:extLst>
+        </p:spPr>
+      </p:pic>
+      <p:sp>
+        <p:nvSpPr>
+          <p:cNvPr id="29" name="TextBox 28">
+            <a:extLst>
+              <a:ext uri="{FF2B5EF4-FFF2-40B4-BE49-F238E27FC236}">
+                <a16:creationId xmlns:a16="http://schemas.microsoft.com/office/drawing/2014/main" id="{DCCBA825-9CAF-5014-83B6-AEF09E30296E}"/>
+              </a:ext>
+            </a:extLst>
+          </p:cNvPr>
+          <p:cNvSpPr txBox="1"/>
+          <p:nvPr/>
+        </p:nvSpPr>
+        <p:spPr>
+          <a:xfrm>
+            <a:off x="4017228" y="1016904"/>
+            <a:ext cx="1307285" cy="369332"/>
+          </a:xfrm>
+          <a:prstGeom prst="rect">
+            <a:avLst/>
+          </a:prstGeom>
+          <a:noFill/>
+        </p:spPr>
+        <p:txBody>
+          <a:bodyPr wrap="square" rtlCol="0">
+            <a:spAutoFit/>
+          </a:bodyPr>
+          <a:lstStyle/>
+          <a:p>
+            <a:r>
+              <a:rPr lang="en-GB" dirty="0"/>
+              <a:t>Output to</a:t>
+            </a:r>
+          </a:p>
+        </p:txBody>
+      </p:sp>
+      <p:sp>
+        <p:nvSpPr>
+          <p:cNvPr id="37" name="Up-down Arrow 36">
+            <a:extLst>
+              <a:ext uri="{FF2B5EF4-FFF2-40B4-BE49-F238E27FC236}">
+                <a16:creationId xmlns:a16="http://schemas.microsoft.com/office/drawing/2014/main" id="{69585A85-A914-90EA-467D-D0670E7F1E49}"/>
+              </a:ext>
+            </a:extLst>
+          </p:cNvPr>
+          <p:cNvSpPr/>
+          <p:nvPr/>
+        </p:nvSpPr>
+        <p:spPr>
+          <a:xfrm rot="16200000">
+            <a:off x="6849365" y="1001099"/>
+            <a:ext cx="317500" cy="1123951"/>
+          </a:xfrm>
+          <a:prstGeom prst="upDownArrow">
+            <a:avLst/>
+          </a:prstGeom>
+        </p:spPr>
+        <p:style>
+          <a:lnRef idx="2">
+            <a:schemeClr val="accent1">
+              <a:shade val="15000"/>
+            </a:schemeClr>
+          </a:lnRef>
+          <a:fillRef idx="1">
+            <a:schemeClr val="accent1"/>
+          </a:fillRef>
+          <a:effectRef idx="0">
+            <a:schemeClr val="accent1"/>
+          </a:effectRef>
+          <a:fontRef idx="minor">
+            <a:schemeClr val="lt1"/>
+          </a:fontRef>
+        </p:style>
+        <p:txBody>
+          <a:bodyPr rtlCol="0" anchor="ctr"/>
+          <a:lstStyle/>
+          <a:p>
+            <a:pPr algn="ctr"/>
+            <a:endParaRPr lang="en-GB"/>
+          </a:p>
+        </p:txBody>
+      </p:sp>
+      <p:sp>
+        <p:nvSpPr>
+          <p:cNvPr id="38" name="TextBox 37">
+            <a:extLst>
+              <a:ext uri="{FF2B5EF4-FFF2-40B4-BE49-F238E27FC236}">
+                <a16:creationId xmlns:a16="http://schemas.microsoft.com/office/drawing/2014/main" id="{7CC7F5C2-AD56-B6A6-CC49-1BA7FF5F78BC}"/>
+              </a:ext>
+            </a:extLst>
+          </p:cNvPr>
+          <p:cNvSpPr txBox="1"/>
+          <p:nvPr/>
+        </p:nvSpPr>
+        <p:spPr>
+          <a:xfrm>
+            <a:off x="6420153" y="774725"/>
+            <a:ext cx="1307285" cy="646331"/>
+          </a:xfrm>
+          <a:prstGeom prst="rect">
+            <a:avLst/>
+          </a:prstGeom>
+          <a:noFill/>
+        </p:spPr>
+        <p:txBody>
+          <a:bodyPr wrap="square" rtlCol="0">
+            <a:spAutoFit/>
+          </a:bodyPr>
+          <a:lstStyle/>
+          <a:p>
+            <a:r>
+              <a:rPr lang="en-GB" dirty="0"/>
+              <a:t>Pull when needed</a:t>
+            </a:r>
+          </a:p>
+        </p:txBody>
+      </p:sp>
+      <p:sp>
+        <p:nvSpPr>
+          <p:cNvPr id="46" name="Up-down Arrow 45">
+            <a:extLst>
+              <a:ext uri="{FF2B5EF4-FFF2-40B4-BE49-F238E27FC236}">
+                <a16:creationId xmlns:a16="http://schemas.microsoft.com/office/drawing/2014/main" id="{AEA28319-82B6-D966-8ED9-11CE2304E780}"/>
+              </a:ext>
+            </a:extLst>
+          </p:cNvPr>
+          <p:cNvSpPr/>
+          <p:nvPr/>
+        </p:nvSpPr>
+        <p:spPr>
+          <a:xfrm rot="16200000">
+            <a:off x="9900447" y="3489073"/>
+            <a:ext cx="317500" cy="1123951"/>
+          </a:xfrm>
+          <a:prstGeom prst="upDownArrow">
+            <a:avLst/>
+          </a:prstGeom>
+        </p:spPr>
+        <p:style>
+          <a:lnRef idx="2">
+            <a:schemeClr val="accent1">
+              <a:shade val="15000"/>
+            </a:schemeClr>
+          </a:lnRef>
+          <a:fillRef idx="1">
+            <a:schemeClr val="accent1"/>
+          </a:fillRef>
+          <a:effectRef idx="0">
+            <a:schemeClr val="accent1"/>
+          </a:effectRef>
+          <a:fontRef idx="minor">
+            <a:schemeClr val="lt1"/>
+          </a:fontRef>
+        </p:style>
+        <p:txBody>
+          <a:bodyPr rtlCol="0" anchor="ctr"/>
+          <a:lstStyle/>
+          <a:p>
+            <a:pPr algn="ctr"/>
+            <a:endParaRPr lang="en-GB"/>
+          </a:p>
+        </p:txBody>
+      </p:sp>
+      <p:pic>
+        <p:nvPicPr>
+          <p:cNvPr id="3088" name="Picture 16" descr="Amazon ECR | AWS Compute">
+            <a:extLst>
+              <a:ext uri="{FF2B5EF4-FFF2-40B4-BE49-F238E27FC236}">
+                <a16:creationId xmlns:a16="http://schemas.microsoft.com/office/drawing/2014/main" id="{B07E2507-F66E-E0B7-B7C8-884D454BAF2D}"/>
+              </a:ext>
+            </a:extLst>
+          </p:cNvPr>
+          <p:cNvPicPr>
+            <a:picLocks noChangeAspect="1" noChangeArrowheads="1"/>
+          </p:cNvPicPr>
+          <p:nvPr/>
+        </p:nvPicPr>
+        <p:blipFill>
+          <a:blip r:embed="rId7">
+            <a:extLst>
+              <a:ext uri="{28A0092B-C50C-407E-A947-70E740481C1C}">
+                <a14:useLocalDpi xmlns:a14="http://schemas.microsoft.com/office/drawing/2010/main" val="0"/>
+              </a:ext>
+            </a:extLst>
+          </a:blip>
+          <a:srcRect/>
+          <a:stretch>
+            <a:fillRect/>
+          </a:stretch>
+        </p:blipFill>
+        <p:spPr bwMode="auto">
+          <a:xfrm>
+            <a:off x="10737247" y="2559613"/>
+            <a:ext cx="933771" cy="933771"/>
+          </a:xfrm>
+          <a:prstGeom prst="rect">
+            <a:avLst/>
+          </a:prstGeom>
+          <a:noFill/>
+          <a:extLst>
+            <a:ext uri="{909E8E84-426E-40DD-AFC4-6F175D3DCCD1}">
+              <a14:hiddenFill xmlns:a14="http://schemas.microsoft.com/office/drawing/2010/main">
+                <a:solidFill>
+                  <a:srgbClr val="FFFFFF"/>
+                </a:solidFill>
+              </a14:hiddenFill>
+            </a:ext>
+          </a:extLst>
+        </p:spPr>
+      </p:pic>
+      <p:pic>
+        <p:nvPicPr>
+          <p:cNvPr id="3090" name="Picture 18" descr="FastAPI">
+            <a:extLst>
+              <a:ext uri="{FF2B5EF4-FFF2-40B4-BE49-F238E27FC236}">
+                <a16:creationId xmlns:a16="http://schemas.microsoft.com/office/drawing/2014/main" id="{801D0F91-1A59-4D40-1ACE-6231AD3B91D6}"/>
+              </a:ext>
+            </a:extLst>
+          </p:cNvPr>
+          <p:cNvPicPr>
+            <a:picLocks noChangeAspect="1" noChangeArrowheads="1"/>
+          </p:cNvPicPr>
+          <p:nvPr/>
+        </p:nvPicPr>
+        <p:blipFill>
+          <a:blip r:embed="rId8">
+            <a:extLst>
+              <a:ext uri="{28A0092B-C50C-407E-A947-70E740481C1C}">
+                <a14:useLocalDpi xmlns:a14="http://schemas.microsoft.com/office/drawing/2010/main" val="0"/>
+              </a:ext>
+            </a:extLst>
+          </a:blip>
+          <a:srcRect/>
+          <a:stretch>
+            <a:fillRect/>
+          </a:stretch>
+        </p:blipFill>
+        <p:spPr bwMode="auto">
+          <a:xfrm>
+            <a:off x="7663189" y="1228273"/>
+            <a:ext cx="1904284" cy="686336"/>
+          </a:xfrm>
+          <a:prstGeom prst="rect">
+            <a:avLst/>
+          </a:prstGeom>
+          <a:noFill/>
+          <a:extLst>
+            <a:ext uri="{909E8E84-426E-40DD-AFC4-6F175D3DCCD1}">
+              <a14:hiddenFill xmlns:a14="http://schemas.microsoft.com/office/drawing/2010/main">
+                <a:solidFill>
+                  <a:srgbClr val="FFFFFF"/>
+                </a:solidFill>
+              </a14:hiddenFill>
+            </a:ext>
+          </a:extLst>
+        </p:spPr>
+      </p:pic>
+      <p:sp>
+        <p:nvSpPr>
+          <p:cNvPr id="48" name="Rounded Rectangle 47">
+            <a:extLst>
+              <a:ext uri="{FF2B5EF4-FFF2-40B4-BE49-F238E27FC236}">
+                <a16:creationId xmlns:a16="http://schemas.microsoft.com/office/drawing/2014/main" id="{3B8E572D-4174-B28A-C213-BDE01E235E69}"/>
+              </a:ext>
+            </a:extLst>
+          </p:cNvPr>
+          <p:cNvSpPr/>
+          <p:nvPr/>
+        </p:nvSpPr>
+        <p:spPr>
+          <a:xfrm>
+            <a:off x="7755410" y="1222872"/>
+            <a:ext cx="1748563" cy="686336"/>
+          </a:xfrm>
+          <a:prstGeom prst="roundRect">
+            <a:avLst/>
+          </a:prstGeom>
+          <a:noFill/>
+          <a:ln>
+            <a:solidFill>
+              <a:schemeClr val="tx1"/>
+            </a:solidFill>
+          </a:ln>
+        </p:spPr>
+        <p:style>
+          <a:lnRef idx="2">
+            <a:schemeClr val="accent1">
+              <a:shade val="15000"/>
+            </a:schemeClr>
+          </a:lnRef>
+          <a:fillRef idx="1">
+            <a:schemeClr val="accent1"/>
+          </a:fillRef>
+          <a:effectRef idx="0">
+            <a:schemeClr val="accent1"/>
+          </a:effectRef>
+          <a:fontRef idx="minor">
+            <a:schemeClr val="lt1"/>
+          </a:fontRef>
+        </p:style>
+        <p:txBody>
+          <a:bodyPr rtlCol="0" anchor="ctr"/>
+          <a:lstStyle/>
+          <a:p>
+            <a:pPr algn="ctr"/>
+            <a:endParaRPr lang="en-GB"/>
+          </a:p>
+        </p:txBody>
+      </p:sp>
+      <p:sp>
+        <p:nvSpPr>
+          <p:cNvPr id="49" name="TextBox 48">
+            <a:extLst>
+              <a:ext uri="{FF2B5EF4-FFF2-40B4-BE49-F238E27FC236}">
+                <a16:creationId xmlns:a16="http://schemas.microsoft.com/office/drawing/2014/main" id="{C59D0C78-C72A-4559-4DC3-F97B28598D38}"/>
+              </a:ext>
+            </a:extLst>
+          </p:cNvPr>
+          <p:cNvSpPr txBox="1"/>
+          <p:nvPr/>
+        </p:nvSpPr>
+        <p:spPr>
+          <a:xfrm>
+            <a:off x="7902069" y="609496"/>
+            <a:ext cx="1572863" cy="646331"/>
+          </a:xfrm>
+          <a:prstGeom prst="rect">
+            <a:avLst/>
+          </a:prstGeom>
+          <a:noFill/>
+        </p:spPr>
+        <p:txBody>
+          <a:bodyPr wrap="square" rtlCol="0">
+            <a:spAutoFit/>
+          </a:bodyPr>
+          <a:lstStyle/>
+          <a:p>
+            <a:r>
+              <a:rPr lang="en-GB" dirty="0" err="1"/>
+              <a:t>Dockerised</a:t>
+            </a:r>
+            <a:r>
+              <a:rPr lang="en-GB" dirty="0"/>
+              <a:t> + Docker Hub</a:t>
+            </a:r>
+          </a:p>
+        </p:txBody>
+      </p:sp>
+    </p:spTree>
+    <p:extLst>
+      <p:ext uri="{BB962C8B-B14F-4D97-AF65-F5344CB8AC3E}">
+        <p14:creationId xmlns:p14="http://schemas.microsoft.com/office/powerpoint/2010/main" val="2971022964"/>
+      </p:ext>
+    </p:extLst>
+  </p:cSld>
+  <p:clrMapOvr>
+    <a:masterClrMapping/>
+  </p:clrMapOvr>
+</p:sld>
+</file>
+
+<file path=ppt/slides/slide5.xml><?xml version="1.0" encoding="utf-8"?>
+<p:sld xmlns:a="http://schemas.openxmlformats.org/drawingml/2006/main" xmlns:r="http://schemas.openxmlformats.org/officeDocument/2006/relationships" xmlns:p="http://schemas.openxmlformats.org/presentationml/2006/main">
+  <p:cSld>
+    <p:spTree>
+      <p:nvGrpSpPr>
+        <p:cNvPr id="1" name=""/>
+        <p:cNvGrpSpPr/>
+        <p:nvPr/>
+      </p:nvGrpSpPr>
+      <p:grpSpPr>
+        <a:xfrm>
+          <a:off x="0" y="0"/>
+          <a:ext cx="0" cy="0"/>
+          <a:chOff x="0" y="0"/>
+          <a:chExt cx="0" cy="0"/>
+        </a:xfrm>
+      </p:grpSpPr>
+      <p:sp>
+        <p:nvSpPr>
+          <p:cNvPr id="2" name="Title 1">
+            <a:extLst>
+              <a:ext uri="{FF2B5EF4-FFF2-40B4-BE49-F238E27FC236}">
+                <a16:creationId xmlns:a16="http://schemas.microsoft.com/office/drawing/2014/main" id="{AF9DBC8A-43C7-4CED-1A5A-9AB285827153}"/>
+              </a:ext>
+            </a:extLst>
+          </p:cNvPr>
+          <p:cNvSpPr>
+            <a:spLocks noGrp="1"/>
+          </p:cNvSpPr>
+          <p:nvPr>
+            <p:ph type="title"/>
+          </p:nvPr>
+        </p:nvSpPr>
+        <p:spPr/>
+        <p:txBody>
+          <a:bodyPr/>
+          <a:lstStyle/>
+          <a:p>
+            <a:r>
+              <a:rPr lang="en-GB" dirty="0"/>
+              <a:t>Workflow draft</a:t>
+            </a:r>
+          </a:p>
+        </p:txBody>
+      </p:sp>
+      <p:sp>
+        <p:nvSpPr>
+          <p:cNvPr id="3" name="Content Placeholder 2">
+            <a:extLst>
+              <a:ext uri="{FF2B5EF4-FFF2-40B4-BE49-F238E27FC236}">
+                <a16:creationId xmlns:a16="http://schemas.microsoft.com/office/drawing/2014/main" id="{75AE5FEA-050D-AE53-B7C2-AA771027014E}"/>
+              </a:ext>
+            </a:extLst>
+          </p:cNvPr>
+          <p:cNvSpPr>
+            <a:spLocks noGrp="1"/>
+          </p:cNvSpPr>
+          <p:nvPr>
+            <p:ph idx="1"/>
+          </p:nvPr>
+        </p:nvSpPr>
+        <p:spPr/>
+        <p:txBody>
+          <a:bodyPr/>
+          <a:lstStyle/>
+          <a:p>
+            <a:r>
+              <a:rPr lang="en-GB" dirty="0"/>
+              <a:t>Code the machine learning pipeline on local, output first draft of best model</a:t>
+            </a:r>
+          </a:p>
+          <a:p>
+            <a:r>
+              <a:rPr lang="en-GB" dirty="0"/>
+              <a:t>Work on deployment on local, </a:t>
+            </a:r>
+            <a:r>
+              <a:rPr lang="en-GB" dirty="0" err="1"/>
+              <a:t>dockerise</a:t>
+            </a:r>
+            <a:r>
+              <a:rPr lang="en-GB" dirty="0"/>
+              <a:t> deployment components</a:t>
+            </a:r>
+          </a:p>
+          <a:p>
+            <a:r>
+              <a:rPr lang="en-GB" dirty="0"/>
+              <a:t>Upload docker containers to AWS services + test if it works</a:t>
+            </a:r>
+          </a:p>
+          <a:p>
+            <a:endParaRPr lang="en-GB" dirty="0"/>
+          </a:p>
+          <a:p>
+            <a:r>
+              <a:rPr lang="en-GB" dirty="0"/>
+              <a:t>To-do: CI/CD? </a:t>
+            </a:r>
+            <a:r>
+              <a:rPr lang="en-GB" dirty="0" err="1"/>
+              <a:t>Github</a:t>
+            </a:r>
+            <a:r>
+              <a:rPr lang="en-GB" dirty="0"/>
+              <a:t> actions? Feature store on AWS?</a:t>
+            </a:r>
+          </a:p>
+        </p:txBody>
+      </p:sp>
+    </p:spTree>
+    <p:extLst>
+      <p:ext uri="{BB962C8B-B14F-4D97-AF65-F5344CB8AC3E}">
+        <p14:creationId xmlns:p14="http://schemas.microsoft.com/office/powerpoint/2010/main" val="1044767826"/>
+      </p:ext>
+    </p:extLst>
+  </p:cSld>
+  <p:clrMapOvr>
+    <a:masterClrMapping/>
+  </p:clrMapOvr>
+</p:sld>
+</file>
+
+<file path=ppt/slides/slide6.xml><?xml version="1.0" encoding="utf-8"?>
+<p:sld xmlns:a="http://schemas.openxmlformats.org/drawingml/2006/main" xmlns:r="http://schemas.openxmlformats.org/officeDocument/2006/relationships" xmlns:p="http://schemas.openxmlformats.org/presentationml/2006/main">
+  <p:cSld>
+    <p:spTree>
+      <p:nvGrpSpPr>
+        <p:cNvPr id="1" name=""/>
+        <p:cNvGrpSpPr/>
+        <p:nvPr/>
+      </p:nvGrpSpPr>
+      <p:grpSpPr>
+        <a:xfrm>
+          <a:off x="0" y="0"/>
+          <a:ext cx="0" cy="0"/>
+          <a:chOff x="0" y="0"/>
+          <a:chExt cx="0" cy="0"/>
+        </a:xfrm>
+      </p:grpSpPr>
       <p:pic>
         <p:nvPicPr>
           <p:cNvPr id="4" name="Picture 3">
@@ -4220,6 +6429,116 @@
     <p:extLst>
       <p:ext uri="{BB962C8B-B14F-4D97-AF65-F5344CB8AC3E}">
         <p14:creationId xmlns:p14="http://schemas.microsoft.com/office/powerpoint/2010/main" val="3636564176"/>
+      </p:ext>
+    </p:extLst>
+  </p:cSld>
+  <p:clrMapOvr>
+    <a:masterClrMapping/>
+  </p:clrMapOvr>
+</p:sld>
+</file>
+
+<file path=ppt/slides/slide7.xml><?xml version="1.0" encoding="utf-8"?>
+<p:sld xmlns:a="http://schemas.openxmlformats.org/drawingml/2006/main" xmlns:r="http://schemas.openxmlformats.org/officeDocument/2006/relationships" xmlns:p="http://schemas.openxmlformats.org/presentationml/2006/main">
+  <p:cSld>
+    <p:spTree>
+      <p:nvGrpSpPr>
+        <p:cNvPr id="1" name=""/>
+        <p:cNvGrpSpPr/>
+        <p:nvPr/>
+      </p:nvGrpSpPr>
+      <p:grpSpPr>
+        <a:xfrm>
+          <a:off x="0" y="0"/>
+          <a:ext cx="0" cy="0"/>
+          <a:chOff x="0" y="0"/>
+          <a:chExt cx="0" cy="0"/>
+        </a:xfrm>
+      </p:grpSpPr>
+      <p:sp>
+        <p:nvSpPr>
+          <p:cNvPr id="2" name="Title 1">
+            <a:extLst>
+              <a:ext uri="{FF2B5EF4-FFF2-40B4-BE49-F238E27FC236}">
+                <a16:creationId xmlns:a16="http://schemas.microsoft.com/office/drawing/2014/main" id="{937C3745-3ED5-B341-514E-449E9EBB7B0F}"/>
+              </a:ext>
+            </a:extLst>
+          </p:cNvPr>
+          <p:cNvSpPr>
+            <a:spLocks noGrp="1"/>
+          </p:cNvSpPr>
+          <p:nvPr>
+            <p:ph type="title"/>
+          </p:nvPr>
+        </p:nvSpPr>
+        <p:spPr/>
+        <p:txBody>
+          <a:bodyPr/>
+          <a:lstStyle/>
+          <a:p>
+            <a:endParaRPr lang="en-GB"/>
+          </a:p>
+        </p:txBody>
+      </p:sp>
+      <p:sp>
+        <p:nvSpPr>
+          <p:cNvPr id="3" name="Content Placeholder 2">
+            <a:extLst>
+              <a:ext uri="{FF2B5EF4-FFF2-40B4-BE49-F238E27FC236}">
+                <a16:creationId xmlns:a16="http://schemas.microsoft.com/office/drawing/2014/main" id="{A529D087-0E66-EE94-16A4-36EE05BA482A}"/>
+              </a:ext>
+            </a:extLst>
+          </p:cNvPr>
+          <p:cNvSpPr>
+            <a:spLocks noGrp="1"/>
+          </p:cNvSpPr>
+          <p:nvPr>
+            <p:ph idx="1"/>
+          </p:nvPr>
+        </p:nvSpPr>
+        <p:spPr/>
+        <p:txBody>
+          <a:bodyPr/>
+          <a:lstStyle/>
+          <a:p>
+            <a:endParaRPr lang="en-GB"/>
+          </a:p>
+        </p:txBody>
+      </p:sp>
+      <p:pic>
+        <p:nvPicPr>
+          <p:cNvPr id="4" name="Picture 3">
+            <a:extLst>
+              <a:ext uri="{FF2B5EF4-FFF2-40B4-BE49-F238E27FC236}">
+                <a16:creationId xmlns:a16="http://schemas.microsoft.com/office/drawing/2014/main" id="{D218059D-CF53-BEF7-4E93-22C3723FEAE6}"/>
+              </a:ext>
+            </a:extLst>
+          </p:cNvPr>
+          <p:cNvPicPr>
+            <a:picLocks noChangeAspect="1"/>
+          </p:cNvPicPr>
+          <p:nvPr/>
+        </p:nvPicPr>
+        <p:blipFill>
+          <a:blip r:embed="rId2"/>
+          <a:stretch>
+            <a:fillRect/>
+          </a:stretch>
+        </p:blipFill>
+        <p:spPr>
+          <a:xfrm>
+            <a:off x="2209800" y="2311400"/>
+            <a:ext cx="7772400" cy="2235200"/>
+          </a:xfrm>
+          <a:prstGeom prst="rect">
+            <a:avLst/>
+          </a:prstGeom>
+        </p:spPr>
+      </p:pic>
+    </p:spTree>
+    <p:extLst>
+      <p:ext uri="{BB962C8B-B14F-4D97-AF65-F5344CB8AC3E}">
+        <p14:creationId xmlns:p14="http://schemas.microsoft.com/office/powerpoint/2010/main" val="3270788167"/>
       </p:ext>
     </p:extLst>
   </p:cSld>
@@ -4542,4 +6861,319 @@
     </a:ext>
   </a:extLst>
 </a:theme>
+</file>
+
+<file path=ppt/theme/theme2.xml><?xml version="1.0" encoding="utf-8"?>
+<a:theme xmlns:a="http://schemas.openxmlformats.org/drawingml/2006/main" name="Office Theme">
+  <a:themeElements>
+    <a:clrScheme name="Office">
+      <a:dk1>
+        <a:sysClr val="windowText" lastClr="000000"/>
+      </a:dk1>
+      <a:lt1>
+        <a:sysClr val="window" lastClr="FFFFFF"/>
+      </a:lt1>
+      <a:dk2>
+        <a:srgbClr val="0E2841"/>
+      </a:dk2>
+      <a:lt2>
+        <a:srgbClr val="E8E8E8"/>
+      </a:lt2>
+      <a:accent1>
+        <a:srgbClr val="156082"/>
+      </a:accent1>
+      <a:accent2>
+        <a:srgbClr val="E97132"/>
+      </a:accent2>
+      <a:accent3>
+        <a:srgbClr val="196B24"/>
+      </a:accent3>
+      <a:accent4>
+        <a:srgbClr val="0F9ED5"/>
+      </a:accent4>
+      <a:accent5>
+        <a:srgbClr val="A02B93"/>
+      </a:accent5>
+      <a:accent6>
+        <a:srgbClr val="4EA72E"/>
+      </a:accent6>
+      <a:hlink>
+        <a:srgbClr val="467886"/>
+      </a:hlink>
+      <a:folHlink>
+        <a:srgbClr val="96607D"/>
+      </a:folHlink>
+    </a:clrScheme>
+    <a:fontScheme name="Office">
+      <a:majorFont>
+        <a:latin typeface="Aptos Display" panose="02110004020202020204"/>
+        <a:ea typeface=""/>
+        <a:cs typeface=""/>
+        <a:font script="Jpan" typeface="游ゴシック Light"/>
+        <a:font script="Hang" typeface="맑은 고딕"/>
+        <a:font script="Hans" typeface="等线 Light"/>
+        <a:font script="Hant" typeface="新細明體"/>
+        <a:font script="Arab" typeface="Times New Roman"/>
+        <a:font script="Hebr" typeface="Times New Roman"/>
+        <a:font script="Thai" typeface="Angsana New"/>
+        <a:font script="Ethi" typeface="Nyala"/>
+        <a:font script="Beng" typeface="Vrinda"/>
+        <a:font script="Gujr" typeface="Shruti"/>
+        <a:font script="Khmr" typeface="MoolBoran"/>
+        <a:font script="Knda" typeface="Tunga"/>
+        <a:font script="Guru" typeface="Raavi"/>
+        <a:font script="Cans" typeface="Euphemia"/>
+        <a:font script="Cher" typeface="Plantagenet Cherokee"/>
+        <a:font script="Yiii" typeface="Microsoft Yi Baiti"/>
+        <a:font script="Tibt" typeface="Microsoft Himalaya"/>
+        <a:font script="Thaa" typeface="MV Boli"/>
+        <a:font script="Deva" typeface="Mangal"/>
+        <a:font script="Telu" typeface="Gautami"/>
+        <a:font script="Taml" typeface="Latha"/>
+        <a:font script="Syrc" typeface="Estrangelo Edessa"/>
+        <a:font script="Orya" typeface="Kalinga"/>
+        <a:font script="Mlym" typeface="Kartika"/>
+        <a:font script="Laoo" typeface="DokChampa"/>
+        <a:font script="Sinh" typeface="Iskoola Pota"/>
+        <a:font script="Mong" typeface="Mongolian Baiti"/>
+        <a:font script="Viet" typeface="Times New Roman"/>
+        <a:font script="Uigh" typeface="Microsoft Uighur"/>
+        <a:font script="Geor" typeface="Sylfaen"/>
+        <a:font script="Armn" typeface="Arial"/>
+        <a:font script="Bugi" typeface="Leelawadee UI"/>
+        <a:font script="Bopo" typeface="Microsoft JhengHei"/>
+        <a:font script="Java" typeface="Javanese Text"/>
+        <a:font script="Lisu" typeface="Segoe UI"/>
+        <a:font script="Mymr" typeface="Myanmar Text"/>
+        <a:font script="Nkoo" typeface="Ebrima"/>
+        <a:font script="Olck" typeface="Nirmala UI"/>
+        <a:font script="Osma" typeface="Ebrima"/>
+        <a:font script="Phag" typeface="Phagspa"/>
+        <a:font script="Syrn" typeface="Estrangelo Edessa"/>
+        <a:font script="Syrj" typeface="Estrangelo Edessa"/>
+        <a:font script="Syre" typeface="Estrangelo Edessa"/>
+        <a:font script="Sora" typeface="Nirmala UI"/>
+        <a:font script="Tale" typeface="Microsoft Tai Le"/>
+        <a:font script="Talu" typeface="Microsoft New Tai Lue"/>
+        <a:font script="Tfng" typeface="Ebrima"/>
+      </a:majorFont>
+      <a:minorFont>
+        <a:latin typeface="Aptos" panose="02110004020202020204"/>
+        <a:ea typeface=""/>
+        <a:cs typeface=""/>
+        <a:font script="Jpan" typeface="游ゴシック"/>
+        <a:font script="Hang" typeface="맑은 고딕"/>
+        <a:font script="Hans" typeface="等线"/>
+        <a:font script="Hant" typeface="新細明體"/>
+        <a:font script="Arab" typeface="Arial"/>
+        <a:font script="Hebr" typeface="Arial"/>
+        <a:font script="Thai" typeface="Cordia New"/>
+        <a:font script="Ethi" typeface="Nyala"/>
+        <a:font script="Beng" typeface="Vrinda"/>
+        <a:font script="Gujr" typeface="Shruti"/>
+        <a:font script="Khmr" typeface="DaunPenh"/>
+        <a:font script="Knda" typeface="Tunga"/>
+        <a:font script="Guru" typeface="Raavi"/>
+        <a:font script="Cans" typeface="Euphemia"/>
+        <a:font script="Cher" typeface="Plantagenet Cherokee"/>
+        <a:font script="Yiii" typeface="Microsoft Yi Baiti"/>
+        <a:font script="Tibt" typeface="Microsoft Himalaya"/>
+        <a:font script="Thaa" typeface="MV Boli"/>
+        <a:font script="Deva" typeface="Mangal"/>
+        <a:font script="Telu" typeface="Gautami"/>
+        <a:font script="Taml" typeface="Latha"/>
+        <a:font script="Syrc" typeface="Estrangelo Edessa"/>
+        <a:font script="Orya" typeface="Kalinga"/>
+        <a:font script="Mlym" typeface="Kartika"/>
+        <a:font script="Laoo" typeface="DokChampa"/>
+        <a:font script="Sinh" typeface="Iskoola Pota"/>
+        <a:font script="Mong" typeface="Mongolian Baiti"/>
+        <a:font script="Viet" typeface="Arial"/>
+        <a:font script="Uigh" typeface="Microsoft Uighur"/>
+        <a:font script="Geor" typeface="Sylfaen"/>
+        <a:font script="Armn" typeface="Arial"/>
+        <a:font script="Bugi" typeface="Leelawadee UI"/>
+        <a:font script="Bopo" typeface="Microsoft JhengHei"/>
+        <a:font script="Java" typeface="Javanese Text"/>
+        <a:font script="Lisu" typeface="Segoe UI"/>
+        <a:font script="Mymr" typeface="Myanmar Text"/>
+        <a:font script="Nkoo" typeface="Ebrima"/>
+        <a:font script="Olck" typeface="Nirmala UI"/>
+        <a:font script="Osma" typeface="Ebrima"/>
+        <a:font script="Phag" typeface="Phagspa"/>
+        <a:font script="Syrn" typeface="Estrangelo Edessa"/>
+        <a:font script="Syrj" typeface="Estrangelo Edessa"/>
+        <a:font script="Syre" typeface="Estrangelo Edessa"/>
+        <a:font script="Sora" typeface="Nirmala UI"/>
+        <a:font script="Tale" typeface="Microsoft Tai Le"/>
+        <a:font script="Talu" typeface="Microsoft New Tai Lue"/>
+        <a:font script="Tfng" typeface="Ebrima"/>
+      </a:minorFont>
+    </a:fontScheme>
+    <a:fmtScheme name="Office">
+      <a:fillStyleLst>
+        <a:solidFill>
+          <a:schemeClr val="phClr"/>
+        </a:solidFill>
+        <a:gradFill rotWithShape="1">
+          <a:gsLst>
+            <a:gs pos="0">
+              <a:schemeClr val="phClr">
+                <a:lumMod val="110000"/>
+                <a:satMod val="105000"/>
+                <a:tint val="67000"/>
+              </a:schemeClr>
+            </a:gs>
+            <a:gs pos="50000">
+              <a:schemeClr val="phClr">
+                <a:lumMod val="105000"/>
+                <a:satMod val="103000"/>
+                <a:tint val="73000"/>
+              </a:schemeClr>
+            </a:gs>
+            <a:gs pos="100000">
+              <a:schemeClr val="phClr">
+                <a:lumMod val="105000"/>
+                <a:satMod val="109000"/>
+                <a:tint val="81000"/>
+              </a:schemeClr>
+            </a:gs>
+          </a:gsLst>
+          <a:lin ang="5400000" scaled="0"/>
+        </a:gradFill>
+        <a:gradFill rotWithShape="1">
+          <a:gsLst>
+            <a:gs pos="0">
+              <a:schemeClr val="phClr">
+                <a:satMod val="103000"/>
+                <a:lumMod val="102000"/>
+                <a:tint val="94000"/>
+              </a:schemeClr>
+            </a:gs>
+            <a:gs pos="50000">
+              <a:schemeClr val="phClr">
+                <a:satMod val="110000"/>
+                <a:lumMod val="100000"/>
+                <a:shade val="100000"/>
+              </a:schemeClr>
+            </a:gs>
+            <a:gs pos="100000">
+              <a:schemeClr val="phClr">
+                <a:lumMod val="99000"/>
+                <a:satMod val="120000"/>
+                <a:shade val="78000"/>
+              </a:schemeClr>
+            </a:gs>
+          </a:gsLst>
+          <a:lin ang="5400000" scaled="0"/>
+        </a:gradFill>
+      </a:fillStyleLst>
+      <a:lnStyleLst>
+        <a:ln w="12700" cap="flat" cmpd="sng" algn="ctr">
+          <a:solidFill>
+            <a:schemeClr val="phClr"/>
+          </a:solidFill>
+          <a:prstDash val="solid"/>
+          <a:miter lim="800000"/>
+        </a:ln>
+        <a:ln w="19050" cap="flat" cmpd="sng" algn="ctr">
+          <a:solidFill>
+            <a:schemeClr val="phClr"/>
+          </a:solidFill>
+          <a:prstDash val="solid"/>
+          <a:miter lim="800000"/>
+        </a:ln>
+        <a:ln w="25400" cap="flat" cmpd="sng" algn="ctr">
+          <a:solidFill>
+            <a:schemeClr val="phClr"/>
+          </a:solidFill>
+          <a:prstDash val="solid"/>
+          <a:miter lim="800000"/>
+        </a:ln>
+      </a:lnStyleLst>
+      <a:effectStyleLst>
+        <a:effectStyle>
+          <a:effectLst/>
+        </a:effectStyle>
+        <a:effectStyle>
+          <a:effectLst/>
+        </a:effectStyle>
+        <a:effectStyle>
+          <a:effectLst>
+            <a:outerShdw blurRad="57150" dist="19050" dir="5400000" algn="ctr" rotWithShape="0">
+              <a:srgbClr val="000000">
+                <a:alpha val="63000"/>
+              </a:srgbClr>
+            </a:outerShdw>
+          </a:effectLst>
+        </a:effectStyle>
+      </a:effectStyleLst>
+      <a:bgFillStyleLst>
+        <a:solidFill>
+          <a:schemeClr val="phClr"/>
+        </a:solidFill>
+        <a:solidFill>
+          <a:schemeClr val="phClr">
+            <a:tint val="95000"/>
+            <a:satMod val="170000"/>
+          </a:schemeClr>
+        </a:solidFill>
+        <a:gradFill rotWithShape="1">
+          <a:gsLst>
+            <a:gs pos="0">
+              <a:schemeClr val="phClr">
+                <a:tint val="93000"/>
+                <a:satMod val="150000"/>
+                <a:shade val="98000"/>
+                <a:lumMod val="102000"/>
+              </a:schemeClr>
+            </a:gs>
+            <a:gs pos="50000">
+              <a:schemeClr val="phClr">
+                <a:tint val="98000"/>
+                <a:satMod val="130000"/>
+                <a:shade val="90000"/>
+                <a:lumMod val="103000"/>
+              </a:schemeClr>
+            </a:gs>
+            <a:gs pos="100000">
+              <a:schemeClr val="phClr">
+                <a:shade val="63000"/>
+                <a:satMod val="120000"/>
+              </a:schemeClr>
+            </a:gs>
+          </a:gsLst>
+          <a:lin ang="5400000" scaled="0"/>
+        </a:gradFill>
+      </a:bgFillStyleLst>
+    </a:fmtScheme>
+  </a:themeElements>
+  <a:objectDefaults>
+    <a:lnDef>
+      <a:spPr/>
+      <a:bodyPr/>
+      <a:lstStyle/>
+      <a:style>
+        <a:lnRef idx="2">
+          <a:schemeClr val="accent1"/>
+        </a:lnRef>
+        <a:fillRef idx="0">
+          <a:schemeClr val="accent1"/>
+        </a:fillRef>
+        <a:effectRef idx="1">
+          <a:schemeClr val="accent1"/>
+        </a:effectRef>
+        <a:fontRef idx="minor">
+          <a:schemeClr val="tx1"/>
+        </a:fontRef>
+      </a:style>
+    </a:lnDef>
+  </a:objectDefaults>
+  <a:extraClrSchemeLst/>
+  <a:extLst>
+    <a:ext uri="{05A4C25C-085E-4340-85A3-A5531E510DB2}">
+      <thm15:themeFamily xmlns:thm15="http://schemas.microsoft.com/office/thememl/2012/main" name="Office Theme" id="{2E142A2C-CD16-42D6-873A-C26D2A0506FA}" vid="{1BDDFF52-6CD6-40A5-AB3C-68EB2F1E4D0A}"/>
+    </a:ext>
+  </a:extLst>
+</a:theme>
 </file>
--- a/docs/Architecture Overview.pptx
+++ b/docs/Architecture Overview.pptx
@@ -5178,7 +5178,7 @@
         </p:blipFill>
         <p:spPr bwMode="auto">
           <a:xfrm>
-            <a:off x="10249394" y="3250525"/>
+            <a:off x="10305934" y="824590"/>
             <a:ext cx="1915438" cy="1442125"/>
           </a:xfrm>
           <a:prstGeom prst="rect">
@@ -5532,8 +5532,8 @@
         </p:nvSpPr>
         <p:spPr>
           <a:xfrm>
-            <a:off x="8456581" y="2151322"/>
-            <a:ext cx="317500" cy="1123951"/>
+            <a:off x="11106505" y="2071517"/>
+            <a:ext cx="317500" cy="858043"/>
           </a:xfrm>
           <a:prstGeom prst="upDownArrow">
             <a:avLst/>
@@ -5578,10 +5578,10 @@
         </p:nvGrpSpPr>
         <p:grpSpPr>
           <a:xfrm>
-            <a:off x="7933484" y="3250525"/>
-            <a:ext cx="1429538" cy="1265344"/>
-            <a:chOff x="8502718" y="3250525"/>
-            <a:chExt cx="1429538" cy="1265344"/>
+            <a:off x="10279403" y="3018548"/>
+            <a:ext cx="1915438" cy="1580551"/>
+            <a:chOff x="8233076" y="2897218"/>
+            <a:chExt cx="1915438" cy="1580551"/>
           </a:xfrm>
         </p:grpSpPr>
         <p:pic>
@@ -5613,7 +5613,7 @@
           </p:blipFill>
           <p:spPr bwMode="auto">
             <a:xfrm>
-              <a:off x="8502718" y="3632875"/>
+              <a:off x="8477318" y="3594775"/>
               <a:ext cx="1429538" cy="836349"/>
             </a:xfrm>
             <a:prstGeom prst="rect">
@@ -5645,7 +5645,7 @@
           </p:nvSpPr>
           <p:spPr>
             <a:xfrm>
-              <a:off x="8502718" y="3632875"/>
+              <a:off x="8477318" y="3594775"/>
               <a:ext cx="1429538" cy="882994"/>
             </a:xfrm>
             <a:prstGeom prst="roundRect">
@@ -5697,8 +5697,8 @@
           </p:nvSpPr>
           <p:spPr>
             <a:xfrm>
-              <a:off x="8553141" y="3250525"/>
-              <a:ext cx="1307285" cy="369332"/>
+              <a:off x="8233076" y="2897218"/>
+              <a:ext cx="1915438" cy="646331"/>
             </a:xfrm>
             <a:prstGeom prst="rect">
               <a:avLst/>
@@ -5711,11 +5711,23 @@
             </a:bodyPr>
             <a:lstStyle/>
             <a:p>
+              <a:pPr algn="ctr"/>
               <a:r>
                 <a:rPr lang="en-GB" dirty="0" err="1"/>
                 <a:t>Dockerised</a:t>
               </a:r>
-              <a:endParaRPr lang="en-GB" dirty="0"/>
+              <a:r>
+                <a:rPr lang="en-GB" dirty="0"/>
+                <a:t> + </a:t>
+              </a:r>
+              <a:r>
+                <a:rPr lang="en-GB" dirty="0" err="1"/>
+                <a:t>Streamlit</a:t>
+              </a:r>
+              <a:r>
+                <a:rPr lang="en-GB" dirty="0"/>
+                <a:t> Cloud</a:t>
+              </a:r>
             </a:p>
           </p:txBody>
         </p:sp>
@@ -5749,7 +5761,7 @@
         </p:blipFill>
         <p:spPr bwMode="auto">
           <a:xfrm>
-            <a:off x="10621172" y="5617544"/>
+            <a:off x="10633872" y="5554044"/>
             <a:ext cx="1231900" cy="1231900"/>
           </a:xfrm>
           <a:prstGeom prst="rect">
@@ -5781,8 +5793,8 @@
         </p:nvSpPr>
         <p:spPr>
           <a:xfrm>
-            <a:off x="11081202" y="4560662"/>
-            <a:ext cx="317500" cy="1123951"/>
+            <a:off x="11078372" y="4734551"/>
+            <a:ext cx="317500" cy="882993"/>
           </a:xfrm>
           <a:prstGeom prst="upDownArrow">
             <a:avLst/>
@@ -5897,10 +5909,92 @@
       </p:sp>
       <p:sp>
         <p:nvSpPr>
-          <p:cNvPr id="37" name="Up-down Arrow 36">
-            <a:extLst>
-              <a:ext uri="{FF2B5EF4-FFF2-40B4-BE49-F238E27FC236}">
-                <a16:creationId xmlns:a16="http://schemas.microsoft.com/office/drawing/2014/main" id="{69585A85-A914-90EA-467D-D0670E7F1E49}"/>
+          <p:cNvPr id="38" name="TextBox 37">
+            <a:extLst>
+              <a:ext uri="{FF2B5EF4-FFF2-40B4-BE49-F238E27FC236}">
+                <a16:creationId xmlns:a16="http://schemas.microsoft.com/office/drawing/2014/main" id="{7CC7F5C2-AD56-B6A6-CC49-1BA7FF5F78BC}"/>
+              </a:ext>
+            </a:extLst>
+          </p:cNvPr>
+          <p:cNvSpPr txBox="1"/>
+          <p:nvPr/>
+        </p:nvSpPr>
+        <p:spPr>
+          <a:xfrm>
+            <a:off x="6100853" y="599228"/>
+            <a:ext cx="1904284" cy="646331"/>
+          </a:xfrm>
+          <a:prstGeom prst="rect">
+            <a:avLst/>
+          </a:prstGeom>
+          <a:noFill/>
+        </p:spPr>
+        <p:txBody>
+          <a:bodyPr wrap="square" rtlCol="0">
+            <a:spAutoFit/>
+          </a:bodyPr>
+          <a:lstStyle/>
+          <a:p>
+            <a:r>
+              <a:rPr lang="en-GB" dirty="0"/>
+              <a:t>Push whenever model is updated</a:t>
+            </a:r>
+          </a:p>
+        </p:txBody>
+      </p:sp>
+      <p:pic>
+        <p:nvPicPr>
+          <p:cNvPr id="3090" name="Picture 18" descr="FastAPI">
+            <a:extLst>
+              <a:ext uri="{FF2B5EF4-FFF2-40B4-BE49-F238E27FC236}">
+                <a16:creationId xmlns:a16="http://schemas.microsoft.com/office/drawing/2014/main" id="{801D0F91-1A59-4D40-1ACE-6231AD3B91D6}"/>
+              </a:ext>
+            </a:extLst>
+          </p:cNvPr>
+          <p:cNvPicPr>
+            <a:picLocks noChangeAspect="1" noChangeArrowheads="1"/>
+          </p:cNvPicPr>
+          <p:nvPr/>
+        </p:nvPicPr>
+        <p:blipFill>
+          <a:blip r:embed="rId7">
+            <a:extLst>
+              <a:ext uri="{28A0092B-C50C-407E-A947-70E740481C1C}">
+                <a14:useLocalDpi xmlns:a14="http://schemas.microsoft.com/office/drawing/2010/main" val="0"/>
+              </a:ext>
+            </a:extLst>
+          </a:blip>
+          <a:srcRect/>
+          <a:stretch>
+            <a:fillRect/>
+          </a:stretch>
+        </p:blipFill>
+        <p:spPr bwMode="auto">
+          <a:xfrm>
+            <a:off x="7663189" y="1228273"/>
+            <a:ext cx="1904284" cy="686336"/>
+          </a:xfrm>
+          <a:prstGeom prst="rect">
+            <a:avLst/>
+          </a:prstGeom>
+          <a:noFill/>
+          <a:extLst>
+            <a:ext uri="{909E8E84-426E-40DD-AFC4-6F175D3DCCD1}">
+              <a14:hiddenFill xmlns:a14="http://schemas.microsoft.com/office/drawing/2010/main">
+                <a:solidFill>
+                  <a:srgbClr val="FFFFFF"/>
+                </a:solidFill>
+              </a14:hiddenFill>
+            </a:ext>
+          </a:extLst>
+        </p:spPr>
+      </p:pic>
+      <p:sp>
+        <p:nvSpPr>
+          <p:cNvPr id="48" name="Rounded Rectangle 47">
+            <a:extLst>
+              <a:ext uri="{FF2B5EF4-FFF2-40B4-BE49-F238E27FC236}">
+                <a16:creationId xmlns:a16="http://schemas.microsoft.com/office/drawing/2014/main" id="{3B8E572D-4174-B28A-C213-BDE01E235E69}"/>
               </a:ext>
             </a:extLst>
           </p:cNvPr>
@@ -5908,13 +6002,19 @@
           <p:nvPr/>
         </p:nvSpPr>
         <p:spPr>
-          <a:xfrm rot="16200000">
-            <a:off x="6849365" y="1001099"/>
-            <a:ext cx="317500" cy="1123951"/>
-          </a:xfrm>
-          <a:prstGeom prst="upDownArrow">
+          <a:xfrm>
+            <a:off x="7755410" y="1222872"/>
+            <a:ext cx="1748563" cy="686336"/>
+          </a:xfrm>
+          <a:prstGeom prst="roundRect">
             <a:avLst/>
           </a:prstGeom>
+          <a:noFill/>
+          <a:ln>
+            <a:solidFill>
+              <a:schemeClr val="tx1"/>
+            </a:solidFill>
+          </a:ln>
         </p:spPr>
         <p:style>
           <a:lnRef idx="2">
@@ -5943,10 +6043,10 @@
       </p:sp>
       <p:sp>
         <p:nvSpPr>
-          <p:cNvPr id="38" name="TextBox 37">
-            <a:extLst>
-              <a:ext uri="{FF2B5EF4-FFF2-40B4-BE49-F238E27FC236}">
-                <a16:creationId xmlns:a16="http://schemas.microsoft.com/office/drawing/2014/main" id="{7CC7F5C2-AD56-B6A6-CC49-1BA7FF5F78BC}"/>
+          <p:cNvPr id="49" name="TextBox 48">
+            <a:extLst>
+              <a:ext uri="{FF2B5EF4-FFF2-40B4-BE49-F238E27FC236}">
+                <a16:creationId xmlns:a16="http://schemas.microsoft.com/office/drawing/2014/main" id="{C59D0C78-C72A-4559-4DC3-F97B28598D38}"/>
               </a:ext>
             </a:extLst>
           </p:cNvPr>
@@ -5955,8 +6055,8 @@
         </p:nvSpPr>
         <p:spPr>
           <a:xfrm>
-            <a:off x="6420153" y="774725"/>
-            <a:ext cx="1307285" cy="646331"/>
+            <a:off x="7902069" y="609496"/>
+            <a:ext cx="1572863" cy="646331"/>
           </a:xfrm>
           <a:prstGeom prst="rect">
             <a:avLst/>
@@ -5969,19 +6069,24 @@
           </a:bodyPr>
           <a:lstStyle/>
           <a:p>
+            <a:pPr algn="ctr"/>
+            <a:r>
+              <a:rPr lang="en-GB" dirty="0" err="1"/>
+              <a:t>Dockerised</a:t>
+            </a:r>
             <a:r>
               <a:rPr lang="en-GB" dirty="0"/>
-              <a:t>Pull when needed</a:t>
-            </a:r>
-          </a:p>
-        </p:txBody>
-      </p:sp>
-      <p:sp>
-        <p:nvSpPr>
-          <p:cNvPr id="46" name="Up-down Arrow 45">
-            <a:extLst>
-              <a:ext uri="{FF2B5EF4-FFF2-40B4-BE49-F238E27FC236}">
-                <a16:creationId xmlns:a16="http://schemas.microsoft.com/office/drawing/2014/main" id="{AEA28319-82B6-D966-8ED9-11CE2304E780}"/>
+              <a:t> + Docker Hub</a:t>
+            </a:r>
+          </a:p>
+        </p:txBody>
+      </p:sp>
+      <p:sp>
+        <p:nvSpPr>
+          <p:cNvPr id="50" name="Right Arrow 49">
+            <a:extLst>
+              <a:ext uri="{FF2B5EF4-FFF2-40B4-BE49-F238E27FC236}">
+                <a16:creationId xmlns:a16="http://schemas.microsoft.com/office/drawing/2014/main" id="{91E8C505-1FE8-301A-2EFD-B14B93263DA7}"/>
               </a:ext>
             </a:extLst>
           </p:cNvPr>
@@ -5989,11 +6094,11 @@
           <p:nvPr/>
         </p:nvSpPr>
         <p:spPr>
-          <a:xfrm rot="16200000">
-            <a:off x="9900447" y="3489073"/>
-            <a:ext cx="317500" cy="1123951"/>
-          </a:xfrm>
-          <a:prstGeom prst="upDownArrow">
+          <a:xfrm>
+            <a:off x="6483168" y="1397000"/>
+            <a:ext cx="990768" cy="319314"/>
+          </a:xfrm>
+          <a:prstGeom prst="rightArrow">
             <a:avLst/>
           </a:prstGeom>
         </p:spPr>
@@ -6022,126 +6127,26 @@
           </a:p>
         </p:txBody>
       </p:sp>
-      <p:pic>
-        <p:nvPicPr>
-          <p:cNvPr id="3088" name="Picture 16" descr="Amazon ECR | AWS Compute">
-            <a:extLst>
-              <a:ext uri="{FF2B5EF4-FFF2-40B4-BE49-F238E27FC236}">
-                <a16:creationId xmlns:a16="http://schemas.microsoft.com/office/drawing/2014/main" id="{B07E2507-F66E-E0B7-B7C8-884D454BAF2D}"/>
-              </a:ext>
-            </a:extLst>
-          </p:cNvPr>
-          <p:cNvPicPr>
-            <a:picLocks noChangeAspect="1" noChangeArrowheads="1"/>
-          </p:cNvPicPr>
+      <p:sp>
+        <p:nvSpPr>
+          <p:cNvPr id="51" name="Right Arrow 50">
+            <a:extLst>
+              <a:ext uri="{FF2B5EF4-FFF2-40B4-BE49-F238E27FC236}">
+                <a16:creationId xmlns:a16="http://schemas.microsoft.com/office/drawing/2014/main" id="{07136B44-9842-B50D-080C-CF95F1CB6A58}"/>
+              </a:ext>
+            </a:extLst>
+          </p:cNvPr>
+          <p:cNvSpPr/>
           <p:nvPr/>
-        </p:nvPicPr>
-        <p:blipFill>
-          <a:blip r:embed="rId7">
-            <a:extLst>
-              <a:ext uri="{28A0092B-C50C-407E-A947-70E740481C1C}">
-                <a14:useLocalDpi xmlns:a14="http://schemas.microsoft.com/office/drawing/2010/main" val="0"/>
-              </a:ext>
-            </a:extLst>
-          </a:blip>
-          <a:srcRect/>
-          <a:stretch>
-            <a:fillRect/>
-          </a:stretch>
-        </p:blipFill>
-        <p:spPr bwMode="auto">
+        </p:nvSpPr>
+        <p:spPr>
           <a:xfrm>
-            <a:off x="10737247" y="2559613"/>
-            <a:ext cx="933771" cy="933771"/>
-          </a:xfrm>
-          <a:prstGeom prst="rect">
+            <a:off x="9733219" y="1403417"/>
+            <a:ext cx="990768" cy="319314"/>
+          </a:xfrm>
+          <a:prstGeom prst="rightArrow">
             <a:avLst/>
           </a:prstGeom>
-          <a:noFill/>
-          <a:extLst>
-            <a:ext uri="{909E8E84-426E-40DD-AFC4-6F175D3DCCD1}">
-              <a14:hiddenFill xmlns:a14="http://schemas.microsoft.com/office/drawing/2010/main">
-                <a:solidFill>
-                  <a:srgbClr val="FFFFFF"/>
-                </a:solidFill>
-              </a14:hiddenFill>
-            </a:ext>
-          </a:extLst>
-        </p:spPr>
-      </p:pic>
-      <p:pic>
-        <p:nvPicPr>
-          <p:cNvPr id="3090" name="Picture 18" descr="FastAPI">
-            <a:extLst>
-              <a:ext uri="{FF2B5EF4-FFF2-40B4-BE49-F238E27FC236}">
-                <a16:creationId xmlns:a16="http://schemas.microsoft.com/office/drawing/2014/main" id="{801D0F91-1A59-4D40-1ACE-6231AD3B91D6}"/>
-              </a:ext>
-            </a:extLst>
-          </p:cNvPr>
-          <p:cNvPicPr>
-            <a:picLocks noChangeAspect="1" noChangeArrowheads="1"/>
-          </p:cNvPicPr>
-          <p:nvPr/>
-        </p:nvPicPr>
-        <p:blipFill>
-          <a:blip r:embed="rId8">
-            <a:extLst>
-              <a:ext uri="{28A0092B-C50C-407E-A947-70E740481C1C}">
-                <a14:useLocalDpi xmlns:a14="http://schemas.microsoft.com/office/drawing/2010/main" val="0"/>
-              </a:ext>
-            </a:extLst>
-          </a:blip>
-          <a:srcRect/>
-          <a:stretch>
-            <a:fillRect/>
-          </a:stretch>
-        </p:blipFill>
-        <p:spPr bwMode="auto">
-          <a:xfrm>
-            <a:off x="7663189" y="1228273"/>
-            <a:ext cx="1904284" cy="686336"/>
-          </a:xfrm>
-          <a:prstGeom prst="rect">
-            <a:avLst/>
-          </a:prstGeom>
-          <a:noFill/>
-          <a:extLst>
-            <a:ext uri="{909E8E84-426E-40DD-AFC4-6F175D3DCCD1}">
-              <a14:hiddenFill xmlns:a14="http://schemas.microsoft.com/office/drawing/2010/main">
-                <a:solidFill>
-                  <a:srgbClr val="FFFFFF"/>
-                </a:solidFill>
-              </a14:hiddenFill>
-            </a:ext>
-          </a:extLst>
-        </p:spPr>
-      </p:pic>
-      <p:sp>
-        <p:nvSpPr>
-          <p:cNvPr id="48" name="Rounded Rectangle 47">
-            <a:extLst>
-              <a:ext uri="{FF2B5EF4-FFF2-40B4-BE49-F238E27FC236}">
-                <a16:creationId xmlns:a16="http://schemas.microsoft.com/office/drawing/2014/main" id="{3B8E572D-4174-B28A-C213-BDE01E235E69}"/>
-              </a:ext>
-            </a:extLst>
-          </p:cNvPr>
-          <p:cNvSpPr/>
-          <p:nvPr/>
-        </p:nvSpPr>
-        <p:spPr>
-          <a:xfrm>
-            <a:off x="7755410" y="1222872"/>
-            <a:ext cx="1748563" cy="686336"/>
-          </a:xfrm>
-          <a:prstGeom prst="roundRect">
-            <a:avLst/>
-          </a:prstGeom>
-          <a:noFill/>
-          <a:ln>
-            <a:solidFill>
-              <a:schemeClr val="tx1"/>
-            </a:solidFill>
-          </a:ln>
         </p:spPr>
         <p:style>
           <a:lnRef idx="2">
@@ -6165,45 +6170,6 @@
           <a:p>
             <a:pPr algn="ctr"/>
             <a:endParaRPr lang="en-GB"/>
-          </a:p>
-        </p:txBody>
-      </p:sp>
-      <p:sp>
-        <p:nvSpPr>
-          <p:cNvPr id="49" name="TextBox 48">
-            <a:extLst>
-              <a:ext uri="{FF2B5EF4-FFF2-40B4-BE49-F238E27FC236}">
-                <a16:creationId xmlns:a16="http://schemas.microsoft.com/office/drawing/2014/main" id="{C59D0C78-C72A-4559-4DC3-F97B28598D38}"/>
-              </a:ext>
-            </a:extLst>
-          </p:cNvPr>
-          <p:cNvSpPr txBox="1"/>
-          <p:nvPr/>
-        </p:nvSpPr>
-        <p:spPr>
-          <a:xfrm>
-            <a:off x="7902069" y="609496"/>
-            <a:ext cx="1572863" cy="646331"/>
-          </a:xfrm>
-          <a:prstGeom prst="rect">
-            <a:avLst/>
-          </a:prstGeom>
-          <a:noFill/>
-        </p:spPr>
-        <p:txBody>
-          <a:bodyPr wrap="square" rtlCol="0">
-            <a:spAutoFit/>
-          </a:bodyPr>
-          <a:lstStyle/>
-          <a:p>
-            <a:r>
-              <a:rPr lang="en-GB" dirty="0" err="1"/>
-              <a:t>Dockerised</a:t>
-            </a:r>
-            <a:r>
-              <a:rPr lang="en-GB" dirty="0"/>
-              <a:t> + Docker Hub</a:t>
-            </a:r>
           </a:p>
         </p:txBody>
       </p:sp>

--- a/docs/Architecture Overview.pptx
+++ b/docs/Architecture Overview.pptx
@@ -5,7 +5,7 @@
     <p:sldMasterId id="2147483648" r:id="rId1"/>
   </p:sldMasterIdLst>
   <p:notesMasterIdLst>
-    <p:notesMasterId r:id="rId9"/>
+    <p:notesMasterId r:id="rId10"/>
   </p:notesMasterIdLst>
   <p:sldIdLst>
     <p:sldId id="256" r:id="rId2"/>
@@ -13,8 +13,9 @@
     <p:sldId id="259" r:id="rId4"/>
     <p:sldId id="260" r:id="rId5"/>
     <p:sldId id="261" r:id="rId6"/>
-    <p:sldId id="258" r:id="rId7"/>
-    <p:sldId id="262" r:id="rId8"/>
+    <p:sldId id="263" r:id="rId7"/>
+    <p:sldId id="258" r:id="rId8"/>
+    <p:sldId id="262" r:id="rId9"/>
   </p:sldIdLst>
   <p:sldSz cx="12192000" cy="6858000"/>
   <p:notesSz cx="6858000" cy="9144000"/>
@@ -113,6 +114,11 @@
       </a:defRPr>
     </a:lvl9pPr>
   </p:defaultTextStyle>
+  <p:extLst>
+    <p:ext uri="{EFAFB233-063F-42B5-8137-9DF3F51BA10A}">
+      <p15:sldGuideLst xmlns:p15="http://schemas.microsoft.com/office/powerpoint/2012/main"/>
+    </p:ext>
+  </p:extLst>
 </p:presentation>
 </file>
 
@@ -198,7 +204,7 @@
           <a:p>
             <a:fld id="{E1142F10-BA91-844F-94CE-8AF77115DBC9}" type="datetimeFigureOut">
               <a:rPr lang="en-GB" smtClean="0"/>
-              <a:t>26/08/2025</a:t>
+              <a:t>01/09/2025</a:t>
             </a:fld>
             <a:endParaRPr lang="en-GB"/>
           </a:p>
@@ -509,16 +515,7 @@
           <a:bodyPr/>
           <a:lstStyle/>
           <a:p>
-            <a:r>
-              <a:rPr lang="en-GB" dirty="0"/>
-              <a:t>Notes</a:t>
-            </a:r>
-          </a:p>
-          <a:p>
-            <a:r>
-              <a:rPr lang="en-GB" dirty="0"/>
-              <a:t>- For AWS Lambda, good because you pay for use only. Whenever the calculation of the prediction is needed. SO basically you just pay for inference</a:t>
-            </a:r>
+            <a:endParaRPr lang="en-GB" dirty="0"/>
           </a:p>
         </p:txBody>
       </p:sp>
@@ -705,7 +702,7 @@
           <a:p>
             <a:fld id="{3623ED18-7A4F-5248-ADF5-AAAFED4E564E}" type="datetimeFigureOut">
               <a:rPr lang="en-GB" smtClean="0"/>
-              <a:t>12/08/2025</a:t>
+              <a:t>01/09/2025</a:t>
             </a:fld>
             <a:endParaRPr lang="en-GB"/>
           </a:p>
@@ -903,7 +900,7 @@
           <a:p>
             <a:fld id="{3623ED18-7A4F-5248-ADF5-AAAFED4E564E}" type="datetimeFigureOut">
               <a:rPr lang="en-GB" smtClean="0"/>
-              <a:t>12/08/2025</a:t>
+              <a:t>01/09/2025</a:t>
             </a:fld>
             <a:endParaRPr lang="en-GB"/>
           </a:p>
@@ -1111,7 +1108,7 @@
           <a:p>
             <a:fld id="{3623ED18-7A4F-5248-ADF5-AAAFED4E564E}" type="datetimeFigureOut">
               <a:rPr lang="en-GB" smtClean="0"/>
-              <a:t>12/08/2025</a:t>
+              <a:t>01/09/2025</a:t>
             </a:fld>
             <a:endParaRPr lang="en-GB"/>
           </a:p>
@@ -1309,7 +1306,7 @@
           <a:p>
             <a:fld id="{3623ED18-7A4F-5248-ADF5-AAAFED4E564E}" type="datetimeFigureOut">
               <a:rPr lang="en-GB" smtClean="0"/>
-              <a:t>12/08/2025</a:t>
+              <a:t>01/09/2025</a:t>
             </a:fld>
             <a:endParaRPr lang="en-GB"/>
           </a:p>
@@ -1584,7 +1581,7 @@
           <a:p>
             <a:fld id="{3623ED18-7A4F-5248-ADF5-AAAFED4E564E}" type="datetimeFigureOut">
               <a:rPr lang="en-GB" smtClean="0"/>
-              <a:t>12/08/2025</a:t>
+              <a:t>01/09/2025</a:t>
             </a:fld>
             <a:endParaRPr lang="en-GB"/>
           </a:p>
@@ -1849,7 +1846,7 @@
           <a:p>
             <a:fld id="{3623ED18-7A4F-5248-ADF5-AAAFED4E564E}" type="datetimeFigureOut">
               <a:rPr lang="en-GB" smtClean="0"/>
-              <a:t>12/08/2025</a:t>
+              <a:t>01/09/2025</a:t>
             </a:fld>
             <a:endParaRPr lang="en-GB"/>
           </a:p>
@@ -2261,7 +2258,7 @@
           <a:p>
             <a:fld id="{3623ED18-7A4F-5248-ADF5-AAAFED4E564E}" type="datetimeFigureOut">
               <a:rPr lang="en-GB" smtClean="0"/>
-              <a:t>12/08/2025</a:t>
+              <a:t>01/09/2025</a:t>
             </a:fld>
             <a:endParaRPr lang="en-GB"/>
           </a:p>
@@ -2402,7 +2399,7 @@
           <a:p>
             <a:fld id="{3623ED18-7A4F-5248-ADF5-AAAFED4E564E}" type="datetimeFigureOut">
               <a:rPr lang="en-GB" smtClean="0"/>
-              <a:t>12/08/2025</a:t>
+              <a:t>01/09/2025</a:t>
             </a:fld>
             <a:endParaRPr lang="en-GB"/>
           </a:p>
@@ -2515,7 +2512,7 @@
           <a:p>
             <a:fld id="{3623ED18-7A4F-5248-ADF5-AAAFED4E564E}" type="datetimeFigureOut">
               <a:rPr lang="en-GB" smtClean="0"/>
-              <a:t>12/08/2025</a:t>
+              <a:t>01/09/2025</a:t>
             </a:fld>
             <a:endParaRPr lang="en-GB"/>
           </a:p>
@@ -2826,7 +2823,7 @@
           <a:p>
             <a:fld id="{3623ED18-7A4F-5248-ADF5-AAAFED4E564E}" type="datetimeFigureOut">
               <a:rPr lang="en-GB" smtClean="0"/>
-              <a:t>12/08/2025</a:t>
+              <a:t>01/09/2025</a:t>
             </a:fld>
             <a:endParaRPr lang="en-GB"/>
           </a:p>
@@ -3114,7 +3111,7 @@
           <a:p>
             <a:fld id="{3623ED18-7A4F-5248-ADF5-AAAFED4E564E}" type="datetimeFigureOut">
               <a:rPr lang="en-GB" smtClean="0"/>
-              <a:t>12/08/2025</a:t>
+              <a:t>01/09/2025</a:t>
             </a:fld>
             <a:endParaRPr lang="en-GB"/>
           </a:p>
@@ -3355,7 +3352,7 @@
           <a:p>
             <a:fld id="{3623ED18-7A4F-5248-ADF5-AAAFED4E564E}" type="datetimeFigureOut">
               <a:rPr lang="en-GB" smtClean="0"/>
-              <a:t>12/08/2025</a:t>
+              <a:t>01/09/2025</a:t>
             </a:fld>
             <a:endParaRPr lang="en-GB"/>
           </a:p>
@@ -5518,52 +5515,6 @@
           </a:p>
         </p:txBody>
       </p:sp>
-      <p:sp>
-        <p:nvSpPr>
-          <p:cNvPr id="23" name="Up-down Arrow 22">
-            <a:extLst>
-              <a:ext uri="{FF2B5EF4-FFF2-40B4-BE49-F238E27FC236}">
-                <a16:creationId xmlns:a16="http://schemas.microsoft.com/office/drawing/2014/main" id="{6283BB4D-7D72-6678-308C-E97C7F8911E0}"/>
-              </a:ext>
-            </a:extLst>
-          </p:cNvPr>
-          <p:cNvSpPr/>
-          <p:nvPr/>
-        </p:nvSpPr>
-        <p:spPr>
-          <a:xfrm>
-            <a:off x="11106505" y="2071517"/>
-            <a:ext cx="317500" cy="858043"/>
-          </a:xfrm>
-          <a:prstGeom prst="upDownArrow">
-            <a:avLst/>
-          </a:prstGeom>
-        </p:spPr>
-        <p:style>
-          <a:lnRef idx="2">
-            <a:schemeClr val="accent1">
-              <a:shade val="15000"/>
-            </a:schemeClr>
-          </a:lnRef>
-          <a:fillRef idx="1">
-            <a:schemeClr val="accent1"/>
-          </a:fillRef>
-          <a:effectRef idx="0">
-            <a:schemeClr val="accent1"/>
-          </a:effectRef>
-          <a:fontRef idx="minor">
-            <a:schemeClr val="lt1"/>
-          </a:fontRef>
-        </p:style>
-        <p:txBody>
-          <a:bodyPr rtlCol="0" anchor="ctr"/>
-          <a:lstStyle/>
-          <a:p>
-            <a:pPr algn="ctr"/>
-            <a:endParaRPr lang="en-GB"/>
-          </a:p>
-        </p:txBody>
-      </p:sp>
       <p:grpSp>
         <p:nvGrpSpPr>
           <p:cNvPr id="45" name="Group 44">
@@ -5578,10 +5529,10 @@
         </p:nvGrpSpPr>
         <p:grpSpPr>
           <a:xfrm>
-            <a:off x="10279403" y="3018548"/>
-            <a:ext cx="1915438" cy="1580551"/>
-            <a:chOff x="8233076" y="2897218"/>
-            <a:chExt cx="1915438" cy="1580551"/>
+            <a:off x="7975022" y="2532852"/>
+            <a:ext cx="1429538" cy="882994"/>
+            <a:chOff x="8477318" y="3594775"/>
+            <a:chExt cx="1429538" cy="882994"/>
           </a:xfrm>
         </p:grpSpPr>
         <p:pic>
@@ -5683,54 +5634,6 @@
             </a:p>
           </p:txBody>
         </p:sp>
-        <p:sp>
-          <p:nvSpPr>
-            <p:cNvPr id="26" name="TextBox 25">
-              <a:extLst>
-                <a:ext uri="{FF2B5EF4-FFF2-40B4-BE49-F238E27FC236}">
-                  <a16:creationId xmlns:a16="http://schemas.microsoft.com/office/drawing/2014/main" id="{EF01F5D9-B874-AB75-D877-19CC707FA59C}"/>
-                </a:ext>
-              </a:extLst>
-            </p:cNvPr>
-            <p:cNvSpPr txBox="1"/>
-            <p:nvPr/>
-          </p:nvSpPr>
-          <p:spPr>
-            <a:xfrm>
-              <a:off x="8233076" y="2897218"/>
-              <a:ext cx="1915438" cy="646331"/>
-            </a:xfrm>
-            <a:prstGeom prst="rect">
-              <a:avLst/>
-            </a:prstGeom>
-            <a:noFill/>
-          </p:spPr>
-          <p:txBody>
-            <a:bodyPr wrap="square" rtlCol="0">
-              <a:spAutoFit/>
-            </a:bodyPr>
-            <a:lstStyle/>
-            <a:p>
-              <a:pPr algn="ctr"/>
-              <a:r>
-                <a:rPr lang="en-GB" dirty="0" err="1"/>
-                <a:t>Dockerised</a:t>
-              </a:r>
-              <a:r>
-                <a:rPr lang="en-GB" dirty="0"/>
-                <a:t> + </a:t>
-              </a:r>
-              <a:r>
-                <a:rPr lang="en-GB" dirty="0" err="1"/>
-                <a:t>Streamlit</a:t>
-              </a:r>
-              <a:r>
-                <a:rPr lang="en-GB" dirty="0"/>
-                <a:t> Cloud</a:t>
-              </a:r>
-            </a:p>
-          </p:txBody>
-        </p:sp>
       </p:grpSp>
       <p:pic>
         <p:nvPicPr>
@@ -5761,7 +5664,7 @@
         </p:blipFill>
         <p:spPr bwMode="auto">
           <a:xfrm>
-            <a:off x="10633872" y="5554044"/>
+            <a:off x="10786272" y="3477403"/>
             <a:ext cx="1231900" cy="1231900"/>
           </a:xfrm>
           <a:prstGeom prst="rect">
@@ -5793,8 +5696,8 @@
         </p:nvSpPr>
         <p:spPr>
           <a:xfrm>
-            <a:off x="11078372" y="4734551"/>
-            <a:ext cx="317500" cy="882993"/>
+            <a:off x="11230772" y="2098780"/>
+            <a:ext cx="317500" cy="1442124"/>
           </a:xfrm>
           <a:prstGeom prst="upDownArrow">
             <a:avLst/>
@@ -6170,6 +6073,171 @@
           <a:p>
             <a:pPr algn="ctr"/>
             <a:endParaRPr lang="en-GB"/>
+          </a:p>
+        </p:txBody>
+      </p:sp>
+      <p:sp>
+        <p:nvSpPr>
+          <p:cNvPr id="52" name="Right Arrow 51">
+            <a:extLst>
+              <a:ext uri="{FF2B5EF4-FFF2-40B4-BE49-F238E27FC236}">
+                <a16:creationId xmlns:a16="http://schemas.microsoft.com/office/drawing/2014/main" id="{B5B0ADAE-189F-0720-5860-C8E42B3D47D4}"/>
+              </a:ext>
+            </a:extLst>
+          </p:cNvPr>
+          <p:cNvSpPr/>
+          <p:nvPr/>
+        </p:nvSpPr>
+        <p:spPr>
+          <a:xfrm rot="19351648">
+            <a:off x="9693115" y="2454506"/>
+            <a:ext cx="1390507" cy="319314"/>
+          </a:xfrm>
+          <a:prstGeom prst="rightArrow">
+            <a:avLst/>
+          </a:prstGeom>
+        </p:spPr>
+        <p:style>
+          <a:lnRef idx="2">
+            <a:schemeClr val="accent1">
+              <a:shade val="15000"/>
+            </a:schemeClr>
+          </a:lnRef>
+          <a:fillRef idx="1">
+            <a:schemeClr val="accent1"/>
+          </a:fillRef>
+          <a:effectRef idx="0">
+            <a:schemeClr val="accent1"/>
+          </a:effectRef>
+          <a:fontRef idx="minor">
+            <a:schemeClr val="lt1"/>
+          </a:fontRef>
+        </p:style>
+        <p:txBody>
+          <a:bodyPr rtlCol="0" anchor="ctr"/>
+          <a:lstStyle/>
+          <a:p>
+            <a:pPr algn="ctr"/>
+            <a:endParaRPr lang="en-GB"/>
+          </a:p>
+        </p:txBody>
+      </p:sp>
+      <p:sp>
+        <p:nvSpPr>
+          <p:cNvPr id="54" name="Rectangle 53">
+            <a:extLst>
+              <a:ext uri="{FF2B5EF4-FFF2-40B4-BE49-F238E27FC236}">
+                <a16:creationId xmlns:a16="http://schemas.microsoft.com/office/drawing/2014/main" id="{8C63CC96-554C-B0A1-3ADE-C900D11D0685}"/>
+              </a:ext>
+            </a:extLst>
+          </p:cNvPr>
+          <p:cNvSpPr/>
+          <p:nvPr/>
+        </p:nvSpPr>
+        <p:spPr>
+          <a:xfrm>
+            <a:off x="7688589" y="1201570"/>
+            <a:ext cx="1904284" cy="2275833"/>
+          </a:xfrm>
+          <a:prstGeom prst="rect">
+            <a:avLst/>
+          </a:prstGeom>
+          <a:noFill/>
+          <a:ln w="38100">
+            <a:solidFill>
+              <a:srgbClr val="F1A737"/>
+            </a:solidFill>
+          </a:ln>
+        </p:spPr>
+        <p:style>
+          <a:lnRef idx="2">
+            <a:schemeClr val="accent1">
+              <a:shade val="15000"/>
+            </a:schemeClr>
+          </a:lnRef>
+          <a:fillRef idx="1">
+            <a:schemeClr val="accent1"/>
+          </a:fillRef>
+          <a:effectRef idx="0">
+            <a:schemeClr val="accent1"/>
+          </a:effectRef>
+          <a:fontRef idx="minor">
+            <a:schemeClr val="lt1"/>
+          </a:fontRef>
+        </p:style>
+        <p:txBody>
+          <a:bodyPr rtlCol="0" anchor="ctr"/>
+          <a:lstStyle/>
+          <a:p>
+            <a:pPr algn="ctr"/>
+            <a:endParaRPr lang="en-GB"/>
+          </a:p>
+        </p:txBody>
+      </p:sp>
+      <p:sp>
+        <p:nvSpPr>
+          <p:cNvPr id="55" name="TextBox 54">
+            <a:extLst>
+              <a:ext uri="{FF2B5EF4-FFF2-40B4-BE49-F238E27FC236}">
+                <a16:creationId xmlns:a16="http://schemas.microsoft.com/office/drawing/2014/main" id="{AC04E21F-6BC6-09C8-086E-FF3A70038F24}"/>
+              </a:ext>
+            </a:extLst>
+          </p:cNvPr>
+          <p:cNvSpPr txBox="1"/>
+          <p:nvPr/>
+        </p:nvSpPr>
+        <p:spPr>
+          <a:xfrm>
+            <a:off x="7558858" y="3592738"/>
+            <a:ext cx="2259282" cy="2031325"/>
+          </a:xfrm>
+          <a:prstGeom prst="rect">
+            <a:avLst/>
+          </a:prstGeom>
+          <a:noFill/>
+        </p:spPr>
+        <p:txBody>
+          <a:bodyPr wrap="square" rtlCol="0">
+            <a:spAutoFit/>
+          </a:bodyPr>
+          <a:lstStyle/>
+          <a:p>
+            <a:pPr algn="ctr"/>
+            <a:r>
+              <a:rPr lang="en-GB" dirty="0"/>
+              <a:t>2 containers, 1 task/service on ECS. </a:t>
+            </a:r>
+            <a:r>
+              <a:rPr lang="en-GB" dirty="0" err="1"/>
+              <a:t>Streamlit</a:t>
+            </a:r>
+            <a:r>
+              <a:rPr lang="en-GB" dirty="0"/>
+              <a:t> accesses </a:t>
+            </a:r>
+            <a:r>
+              <a:rPr lang="en-GB" dirty="0" err="1"/>
+              <a:t>FastAPI</a:t>
+            </a:r>
+            <a:r>
+              <a:rPr lang="en-GB" dirty="0"/>
+              <a:t> via localhost</a:t>
+            </a:r>
+          </a:p>
+          <a:p>
+            <a:pPr algn="ctr"/>
+            <a:endParaRPr lang="en-GB" dirty="0"/>
+          </a:p>
+          <a:p>
+            <a:pPr algn="ctr"/>
+            <a:r>
+              <a:rPr lang="en-GB" dirty="0" err="1"/>
+              <a:t>Qn</a:t>
+            </a:r>
+            <a:r>
+              <a:rPr lang="en-GB" dirty="0"/>
+              <a:t>: Acceptable to group like that?</a:t>
+            </a:r>
           </a:p>
         </p:txBody>
       </p:sp>
@@ -6326,6 +6394,110 @@
           <a:chExt cx="0" cy="0"/>
         </a:xfrm>
       </p:grpSpPr>
+      <p:sp>
+        <p:nvSpPr>
+          <p:cNvPr id="2" name="Title 1">
+            <a:extLst>
+              <a:ext uri="{FF2B5EF4-FFF2-40B4-BE49-F238E27FC236}">
+                <a16:creationId xmlns:a16="http://schemas.microsoft.com/office/drawing/2014/main" id="{E2F977AF-15E1-2268-873D-1E5AE0F60B5D}"/>
+              </a:ext>
+            </a:extLst>
+          </p:cNvPr>
+          <p:cNvSpPr>
+            <a:spLocks noGrp="1"/>
+          </p:cNvSpPr>
+          <p:nvPr>
+            <p:ph type="title"/>
+          </p:nvPr>
+        </p:nvSpPr>
+        <p:spPr/>
+        <p:txBody>
+          <a:bodyPr/>
+          <a:lstStyle/>
+          <a:p>
+            <a:r>
+              <a:rPr lang="en-GB" dirty="0"/>
+              <a:t>CI</a:t>
+            </a:r>
+          </a:p>
+        </p:txBody>
+      </p:sp>
+      <p:sp>
+        <p:nvSpPr>
+          <p:cNvPr id="3" name="Content Placeholder 2">
+            <a:extLst>
+              <a:ext uri="{FF2B5EF4-FFF2-40B4-BE49-F238E27FC236}">
+                <a16:creationId xmlns:a16="http://schemas.microsoft.com/office/drawing/2014/main" id="{3548B6C1-087A-2338-16C8-1F30B0A7EDEC}"/>
+              </a:ext>
+            </a:extLst>
+          </p:cNvPr>
+          <p:cNvSpPr>
+            <a:spLocks noGrp="1"/>
+          </p:cNvSpPr>
+          <p:nvPr>
+            <p:ph idx="1"/>
+          </p:nvPr>
+        </p:nvSpPr>
+        <p:spPr/>
+        <p:txBody>
+          <a:bodyPr/>
+          <a:lstStyle/>
+          <a:p>
+            <a:r>
+              <a:rPr lang="en-GB" dirty="0"/>
+              <a:t>Objective: Whenever want to update file on GitHub, to use a template for a sequence of events, which takes into account testing, and also reporting of the results of the push. </a:t>
+            </a:r>
+          </a:p>
+          <a:p>
+            <a:r>
+              <a:rPr lang="en-GB" dirty="0" err="1"/>
+              <a:t>Makefile</a:t>
+            </a:r>
+            <a:r>
+              <a:rPr lang="en-GB" dirty="0"/>
+              <a:t> is the recipe, while the YAML file is the skeleton while pulls from the recipe + decides the </a:t>
+            </a:r>
+            <a:r>
+              <a:rPr lang="en-GB"/>
+              <a:t>environment variables which </a:t>
+            </a:r>
+            <a:r>
+              <a:rPr lang="en-GB" dirty="0"/>
+              <a:t>is fed into the recipe</a:t>
+            </a:r>
+          </a:p>
+        </p:txBody>
+      </p:sp>
+    </p:spTree>
+    <p:extLst>
+      <p:ext uri="{BB962C8B-B14F-4D97-AF65-F5344CB8AC3E}">
+        <p14:creationId xmlns:p14="http://schemas.microsoft.com/office/powerpoint/2010/main" val="2062299650"/>
+      </p:ext>
+    </p:extLst>
+  </p:cSld>
+  <p:clrMapOvr>
+    <a:masterClrMapping/>
+  </p:clrMapOvr>
+</p:sld>
+</file>
+
+<file path=ppt/slides/slide7.xml><?xml version="1.0" encoding="utf-8"?>
+<p:sld xmlns:a="http://schemas.openxmlformats.org/drawingml/2006/main" xmlns:r="http://schemas.openxmlformats.org/officeDocument/2006/relationships" xmlns:p="http://schemas.openxmlformats.org/presentationml/2006/main">
+  <p:cSld>
+    <p:spTree>
+      <p:nvGrpSpPr>
+        <p:cNvPr id="1" name=""/>
+        <p:cNvGrpSpPr/>
+        <p:nvPr/>
+      </p:nvGrpSpPr>
+      <p:grpSpPr>
+        <a:xfrm>
+          <a:off x="0" y="0"/>
+          <a:ext cx="0" cy="0"/>
+          <a:chOff x="0" y="0"/>
+          <a:chExt cx="0" cy="0"/>
+        </a:xfrm>
+      </p:grpSpPr>
       <p:pic>
         <p:nvPicPr>
           <p:cNvPr id="4" name="Picture 3">
@@ -6404,7 +6576,7 @@
 </p:sld>
 </file>
 
-<file path=ppt/slides/slide7.xml><?xml version="1.0" encoding="utf-8"?>
+<file path=ppt/slides/slide8.xml><?xml version="1.0" encoding="utf-8"?>
 <p:sld xmlns:a="http://schemas.openxmlformats.org/drawingml/2006/main" xmlns:r="http://schemas.openxmlformats.org/officeDocument/2006/relationships" xmlns:p="http://schemas.openxmlformats.org/presentationml/2006/main">
   <p:cSld>
     <p:spTree>

--- a/docs/Architecture Overview.pptx
+++ b/docs/Architecture Overview.pptx
@@ -204,7 +204,7 @@
           <a:p>
             <a:fld id="{E1142F10-BA91-844F-94CE-8AF77115DBC9}" type="datetimeFigureOut">
               <a:rPr lang="en-GB" smtClean="0"/>
-              <a:t>01/09/2025</a:t>
+              <a:t>02/09/2025</a:t>
             </a:fld>
             <a:endParaRPr lang="en-GB"/>
           </a:p>
@@ -702,7 +702,7 @@
           <a:p>
             <a:fld id="{3623ED18-7A4F-5248-ADF5-AAAFED4E564E}" type="datetimeFigureOut">
               <a:rPr lang="en-GB" smtClean="0"/>
-              <a:t>01/09/2025</a:t>
+              <a:t>02/09/2025</a:t>
             </a:fld>
             <a:endParaRPr lang="en-GB"/>
           </a:p>
@@ -900,7 +900,7 @@
           <a:p>
             <a:fld id="{3623ED18-7A4F-5248-ADF5-AAAFED4E564E}" type="datetimeFigureOut">
               <a:rPr lang="en-GB" smtClean="0"/>
-              <a:t>01/09/2025</a:t>
+              <a:t>02/09/2025</a:t>
             </a:fld>
             <a:endParaRPr lang="en-GB"/>
           </a:p>
@@ -1108,7 +1108,7 @@
           <a:p>
             <a:fld id="{3623ED18-7A4F-5248-ADF5-AAAFED4E564E}" type="datetimeFigureOut">
               <a:rPr lang="en-GB" smtClean="0"/>
-              <a:t>01/09/2025</a:t>
+              <a:t>02/09/2025</a:t>
             </a:fld>
             <a:endParaRPr lang="en-GB"/>
           </a:p>
@@ -1306,7 +1306,7 @@
           <a:p>
             <a:fld id="{3623ED18-7A4F-5248-ADF5-AAAFED4E564E}" type="datetimeFigureOut">
               <a:rPr lang="en-GB" smtClean="0"/>
-              <a:t>01/09/2025</a:t>
+              <a:t>02/09/2025</a:t>
             </a:fld>
             <a:endParaRPr lang="en-GB"/>
           </a:p>
@@ -1581,7 +1581,7 @@
           <a:p>
             <a:fld id="{3623ED18-7A4F-5248-ADF5-AAAFED4E564E}" type="datetimeFigureOut">
               <a:rPr lang="en-GB" smtClean="0"/>
-              <a:t>01/09/2025</a:t>
+              <a:t>02/09/2025</a:t>
             </a:fld>
             <a:endParaRPr lang="en-GB"/>
           </a:p>
@@ -1846,7 +1846,7 @@
           <a:p>
             <a:fld id="{3623ED18-7A4F-5248-ADF5-AAAFED4E564E}" type="datetimeFigureOut">
               <a:rPr lang="en-GB" smtClean="0"/>
-              <a:t>01/09/2025</a:t>
+              <a:t>02/09/2025</a:t>
             </a:fld>
             <a:endParaRPr lang="en-GB"/>
           </a:p>
@@ -2258,7 +2258,7 @@
           <a:p>
             <a:fld id="{3623ED18-7A4F-5248-ADF5-AAAFED4E564E}" type="datetimeFigureOut">
               <a:rPr lang="en-GB" smtClean="0"/>
-              <a:t>01/09/2025</a:t>
+              <a:t>02/09/2025</a:t>
             </a:fld>
             <a:endParaRPr lang="en-GB"/>
           </a:p>
@@ -2399,7 +2399,7 @@
           <a:p>
             <a:fld id="{3623ED18-7A4F-5248-ADF5-AAAFED4E564E}" type="datetimeFigureOut">
               <a:rPr lang="en-GB" smtClean="0"/>
-              <a:t>01/09/2025</a:t>
+              <a:t>02/09/2025</a:t>
             </a:fld>
             <a:endParaRPr lang="en-GB"/>
           </a:p>
@@ -2512,7 +2512,7 @@
           <a:p>
             <a:fld id="{3623ED18-7A4F-5248-ADF5-AAAFED4E564E}" type="datetimeFigureOut">
               <a:rPr lang="en-GB" smtClean="0"/>
-              <a:t>01/09/2025</a:t>
+              <a:t>02/09/2025</a:t>
             </a:fld>
             <a:endParaRPr lang="en-GB"/>
           </a:p>
@@ -2823,7 +2823,7 @@
           <a:p>
             <a:fld id="{3623ED18-7A4F-5248-ADF5-AAAFED4E564E}" type="datetimeFigureOut">
               <a:rPr lang="en-GB" smtClean="0"/>
-              <a:t>01/09/2025</a:t>
+              <a:t>02/09/2025</a:t>
             </a:fld>
             <a:endParaRPr lang="en-GB"/>
           </a:p>
@@ -3111,7 +3111,7 @@
           <a:p>
             <a:fld id="{3623ED18-7A4F-5248-ADF5-AAAFED4E564E}" type="datetimeFigureOut">
               <a:rPr lang="en-GB" smtClean="0"/>
-              <a:t>01/09/2025</a:t>
+              <a:t>02/09/2025</a:t>
             </a:fld>
             <a:endParaRPr lang="en-GB"/>
           </a:p>
@@ -3352,7 +3352,7 @@
           <a:p>
             <a:fld id="{3623ED18-7A4F-5248-ADF5-AAAFED4E564E}" type="datetimeFigureOut">
               <a:rPr lang="en-GB" smtClean="0"/>
-              <a:t>01/09/2025</a:t>
+              <a:t>02/09/2025</a:t>
             </a:fld>
             <a:endParaRPr lang="en-GB"/>
           </a:p>
@@ -6362,6 +6362,9 @@
               <a:t> actions? Feature store on AWS?</a:t>
             </a:r>
           </a:p>
+          <a:p>
+            <a:endParaRPr lang="en-GB" dirty="0"/>
+          </a:p>
         </p:txBody>
       </p:sp>
     </p:spTree>
@@ -6438,9 +6441,16 @@
             <p:ph idx="1"/>
           </p:nvPr>
         </p:nvSpPr>
-        <p:spPr/>
-        <p:txBody>
-          <a:bodyPr/>
+        <p:spPr>
+          <a:xfrm>
+            <a:off x="838200" y="1460500"/>
+            <a:ext cx="10515600" cy="5032375"/>
+          </a:xfrm>
+        </p:spPr>
+        <p:txBody>
+          <a:bodyPr>
+            <a:normAutofit/>
+          </a:bodyPr>
           <a:lstStyle/>
           <a:p>
             <a:r>
@@ -6455,16 +6465,36 @@
             </a:r>
             <a:r>
               <a:rPr lang="en-GB" dirty="0"/>
-              <a:t> is the recipe, while the YAML file is the skeleton while pulls from the recipe + decides the </a:t>
+              <a:t> is the recipe, while the YAML file is the skeleton while pulls from the recipe + decides the environment variables which is fed into the recipe</a:t>
+            </a:r>
+          </a:p>
+          <a:p>
+            <a:endParaRPr lang="en-GB" dirty="0"/>
+          </a:p>
+          <a:p>
+            <a:r>
+              <a:rPr lang="en-GB" b="1" dirty="0"/>
+              <a:t>Implemented for</a:t>
+            </a:r>
+            <a:r>
+              <a:rPr lang="en-GB" dirty="0"/>
+              <a:t>: Model prediction</a:t>
+            </a:r>
+          </a:p>
+          <a:p>
+            <a:r>
+              <a:rPr lang="en-GB" b="1" dirty="0"/>
+              <a:t>Questions</a:t>
+            </a:r>
+            <a:r>
+              <a:rPr lang="en-GB" dirty="0"/>
+              <a:t>: How to implement it for modelling? To store data on AWS, then pull from there? Maybe leave this to the </a:t>
             </a:r>
             <a:r>
               <a:rPr lang="en-GB"/>
-              <a:t>environment variables which </a:t>
-            </a:r>
-            <a:r>
-              <a:rPr lang="en-GB" dirty="0"/>
-              <a:t>is fed into the recipe</a:t>
-            </a:r>
+              <a:t>retraining phase</a:t>
+            </a:r>
+            <a:endParaRPr lang="en-GB" dirty="0"/>
           </a:p>
         </p:txBody>
       </p:sp>

--- a/docs/Architecture Overview.pptx
+++ b/docs/Architecture Overview.pptx
@@ -5,7 +5,7 @@
     <p:sldMasterId id="2147483648" r:id="rId1"/>
   </p:sldMasterIdLst>
   <p:notesMasterIdLst>
-    <p:notesMasterId r:id="rId10"/>
+    <p:notesMasterId r:id="rId11"/>
   </p:notesMasterIdLst>
   <p:sldIdLst>
     <p:sldId id="256" r:id="rId2"/>
@@ -14,8 +14,9 @@
     <p:sldId id="260" r:id="rId5"/>
     <p:sldId id="261" r:id="rId6"/>
     <p:sldId id="263" r:id="rId7"/>
-    <p:sldId id="258" r:id="rId8"/>
-    <p:sldId id="262" r:id="rId9"/>
+    <p:sldId id="264" r:id="rId8"/>
+    <p:sldId id="258" r:id="rId9"/>
+    <p:sldId id="262" r:id="rId10"/>
   </p:sldIdLst>
   <p:sldSz cx="12192000" cy="6858000"/>
   <p:notesSz cx="6858000" cy="9144000"/>
@@ -6488,13 +6489,15 @@
             </a:r>
             <a:r>
               <a:rPr lang="en-GB" dirty="0"/>
-              <a:t>: How to implement it for modelling? To store data on AWS, then pull from there? Maybe leave this to the </a:t>
-            </a:r>
-            <a:r>
-              <a:rPr lang="en-GB"/>
-              <a:t>retraining phase</a:t>
-            </a:r>
-            <a:endParaRPr lang="en-GB" dirty="0"/>
+              <a:t>: </a:t>
+            </a:r>
+          </a:p>
+          <a:p>
+            <a:pPr lvl="1"/>
+            <a:r>
+              <a:rPr lang="en-GB" dirty="0"/>
+              <a:t>How to implement it for modelling? To store data on AWS, then pull from there? Maybe leave this to the retraining phase</a:t>
+            </a:r>
           </a:p>
         </p:txBody>
       </p:sp>
@@ -6528,6 +6531,266 @@
           <a:chExt cx="0" cy="0"/>
         </a:xfrm>
       </p:grpSpPr>
+      <p:sp>
+        <p:nvSpPr>
+          <p:cNvPr id="2" name="Title 1">
+            <a:extLst>
+              <a:ext uri="{FF2B5EF4-FFF2-40B4-BE49-F238E27FC236}">
+                <a16:creationId xmlns:a16="http://schemas.microsoft.com/office/drawing/2014/main" id="{9FEE4046-886D-9760-43E3-091562716F37}"/>
+              </a:ext>
+            </a:extLst>
+          </p:cNvPr>
+          <p:cNvSpPr>
+            <a:spLocks noGrp="1"/>
+          </p:cNvSpPr>
+          <p:nvPr>
+            <p:ph type="title"/>
+          </p:nvPr>
+        </p:nvSpPr>
+        <p:spPr/>
+        <p:txBody>
+          <a:bodyPr/>
+          <a:lstStyle/>
+          <a:p>
+            <a:r>
+              <a:rPr lang="en-GB" dirty="0"/>
+              <a:t>Unit testing</a:t>
+            </a:r>
+          </a:p>
+        </p:txBody>
+      </p:sp>
+      <p:sp>
+        <p:nvSpPr>
+          <p:cNvPr id="3" name="Content Placeholder 2">
+            <a:extLst>
+              <a:ext uri="{FF2B5EF4-FFF2-40B4-BE49-F238E27FC236}">
+                <a16:creationId xmlns:a16="http://schemas.microsoft.com/office/drawing/2014/main" id="{863CE142-1366-CF7C-3229-8616CF38F173}"/>
+              </a:ext>
+            </a:extLst>
+          </p:cNvPr>
+          <p:cNvSpPr>
+            <a:spLocks noGrp="1"/>
+          </p:cNvSpPr>
+          <p:nvPr>
+            <p:ph idx="1"/>
+          </p:nvPr>
+        </p:nvSpPr>
+        <p:spPr/>
+        <p:txBody>
+          <a:bodyPr/>
+          <a:lstStyle/>
+          <a:p>
+            <a:r>
+              <a:rPr lang="en-GB" dirty="0"/>
+              <a:t>Objective: Get the smallest possible unit of your code, and ensure that those units (e.g. functions, methods) work. Can proceed on to integration testing where the units interact with one another</a:t>
+            </a:r>
+          </a:p>
+          <a:p>
+            <a:pPr lvl="1"/>
+            <a:r>
+              <a:rPr lang="en-GB" dirty="0"/>
+              <a:t>Can be split into </a:t>
+            </a:r>
+            <a:r>
+              <a:rPr lang="en-GB" dirty="0" err="1"/>
+              <a:t>MLOps</a:t>
+            </a:r>
+            <a:r>
+              <a:rPr lang="en-GB" dirty="0"/>
+              <a:t> segments. Each segment have diff considerations</a:t>
+            </a:r>
+          </a:p>
+          <a:p>
+            <a:pPr lvl="2"/>
+            <a:r>
+              <a:rPr lang="en-SG" b="0" i="0" u="none" strike="noStrike" dirty="0">
+                <a:solidFill>
+                  <a:srgbClr val="333D42"/>
+                </a:solidFill>
+                <a:effectLst/>
+                <a:highlight>
+                  <a:srgbClr val="FFFFFF"/>
+                </a:highlight>
+                <a:latin typeface="-apple-system"/>
+              </a:rPr>
+              <a:t>Data Engineering</a:t>
+            </a:r>
+            <a:r>
+              <a:rPr lang="en-GB" b="0" i="0" u="none" strike="noStrike" dirty="0">
+                <a:solidFill>
+                  <a:srgbClr val="333D42"/>
+                </a:solidFill>
+                <a:effectLst/>
+                <a:highlight>
+                  <a:srgbClr val="FFFFFF"/>
+                </a:highlight>
+                <a:latin typeface="-apple-system"/>
+              </a:rPr>
+              <a:t>: hardcode an input to pass into this function and leverage </a:t>
+            </a:r>
+            <a:r>
+              <a:rPr lang="en-GB" b="0" i="0" u="none" strike="noStrike" dirty="0" err="1">
+                <a:solidFill>
+                  <a:srgbClr val="333D42"/>
+                </a:solidFill>
+                <a:effectLst/>
+                <a:highlight>
+                  <a:srgbClr val="FFFFFF"/>
+                </a:highlight>
+                <a:latin typeface="-apple-system"/>
+              </a:rPr>
+              <a:t>Pytest</a:t>
+            </a:r>
+            <a:r>
+              <a:rPr lang="en-GB" b="0" i="0" u="none" strike="noStrike" dirty="0">
+                <a:solidFill>
+                  <a:srgbClr val="333D42"/>
+                </a:solidFill>
+                <a:effectLst/>
+                <a:highlight>
+                  <a:srgbClr val="FFFFFF"/>
+                </a:highlight>
+                <a:latin typeface="-apple-system"/>
+              </a:rPr>
+              <a:t>/</a:t>
+            </a:r>
+            <a:r>
+              <a:rPr lang="en-GB" b="0" i="0" u="none" strike="noStrike" dirty="0" err="1">
+                <a:solidFill>
+                  <a:srgbClr val="333D42"/>
+                </a:solidFill>
+                <a:effectLst/>
+                <a:highlight>
+                  <a:srgbClr val="FFFFFF"/>
+                </a:highlight>
+                <a:latin typeface="-apple-system"/>
+              </a:rPr>
+              <a:t>unittest</a:t>
+            </a:r>
+            <a:r>
+              <a:rPr lang="en-GB" b="0" i="0" u="none" strike="noStrike" dirty="0">
+                <a:solidFill>
+                  <a:srgbClr val="333D42"/>
+                </a:solidFill>
+                <a:effectLst/>
+                <a:highlight>
+                  <a:srgbClr val="FFFFFF"/>
+                </a:highlight>
+                <a:latin typeface="-apple-system"/>
+              </a:rPr>
+              <a:t> to check for the exact output. Check handling of</a:t>
+            </a:r>
+            <a:r>
+              <a:rPr lang="en-SG" b="0" i="0" u="none" strike="noStrike" dirty="0">
+                <a:solidFill>
+                  <a:srgbClr val="333D42"/>
+                </a:solidFill>
+                <a:effectLst/>
+                <a:highlight>
+                  <a:srgbClr val="FFFFFF"/>
+                </a:highlight>
+                <a:latin typeface="-apple-system"/>
+              </a:rPr>
+              <a:t> edge cases</a:t>
+            </a:r>
+            <a:endParaRPr lang="en-GB" b="0" i="0" u="none" strike="noStrike" dirty="0">
+              <a:solidFill>
+                <a:srgbClr val="333D42"/>
+              </a:solidFill>
+              <a:effectLst/>
+              <a:highlight>
+                <a:srgbClr val="FFFFFF"/>
+              </a:highlight>
+              <a:latin typeface="-apple-system"/>
+            </a:endParaRPr>
+          </a:p>
+          <a:p>
+            <a:pPr lvl="2"/>
+            <a:r>
+              <a:rPr lang="en-SG" b="0" i="0" u="none" strike="noStrike" dirty="0">
+                <a:solidFill>
+                  <a:srgbClr val="333D42"/>
+                </a:solidFill>
+                <a:effectLst/>
+                <a:highlight>
+                  <a:srgbClr val="FFFFFF"/>
+                </a:highlight>
+                <a:latin typeface="-apple-system"/>
+              </a:rPr>
+              <a:t>Model Training: check for successful predictions on training data to a degree of accuracy based on your evaluation metric</a:t>
+            </a:r>
+          </a:p>
+          <a:p>
+            <a:pPr lvl="2"/>
+            <a:r>
+              <a:rPr lang="en-SG" b="0" i="0" u="none" strike="noStrike" dirty="0">
+                <a:solidFill>
+                  <a:srgbClr val="333D42"/>
+                </a:solidFill>
+                <a:effectLst/>
+                <a:highlight>
+                  <a:srgbClr val="FFFFFF"/>
+                </a:highlight>
+                <a:latin typeface="-apple-system"/>
+              </a:rPr>
+              <a:t>Model Serving: Combination of the 2 above + </a:t>
+            </a:r>
+            <a:r>
+              <a:rPr lang="en-SG" b="0" i="0" u="none" strike="noStrike">
+                <a:solidFill>
+                  <a:srgbClr val="333D42"/>
+                </a:solidFill>
+                <a:effectLst/>
+                <a:highlight>
+                  <a:srgbClr val="FFFFFF"/>
+                </a:highlight>
+                <a:latin typeface="-apple-system"/>
+              </a:rPr>
+              <a:t>ensure that frontend works</a:t>
+            </a:r>
+            <a:endParaRPr lang="en-GB" dirty="0"/>
+          </a:p>
+          <a:p>
+            <a:r>
+              <a:rPr lang="en-GB" dirty="0"/>
+              <a:t>Questions: how in-depth must it be?</a:t>
+            </a:r>
+          </a:p>
+          <a:p>
+            <a:endParaRPr lang="en-GB" dirty="0"/>
+          </a:p>
+        </p:txBody>
+      </p:sp>
+    </p:spTree>
+    <p:extLst>
+      <p:ext uri="{BB962C8B-B14F-4D97-AF65-F5344CB8AC3E}">
+        <p14:creationId xmlns:p14="http://schemas.microsoft.com/office/powerpoint/2010/main" val="4237085510"/>
+      </p:ext>
+    </p:extLst>
+  </p:cSld>
+  <p:clrMapOvr>
+    <a:masterClrMapping/>
+  </p:clrMapOvr>
+</p:sld>
+</file>
+
+<file path=ppt/slides/slide8.xml><?xml version="1.0" encoding="utf-8"?>
+<p:sld xmlns:a="http://schemas.openxmlformats.org/drawingml/2006/main" xmlns:r="http://schemas.openxmlformats.org/officeDocument/2006/relationships" xmlns:p="http://schemas.openxmlformats.org/presentationml/2006/main">
+  <p:cSld>
+    <p:spTree>
+      <p:nvGrpSpPr>
+        <p:cNvPr id="1" name=""/>
+        <p:cNvGrpSpPr/>
+        <p:nvPr/>
+      </p:nvGrpSpPr>
+      <p:grpSpPr>
+        <a:xfrm>
+          <a:off x="0" y="0"/>
+          <a:ext cx="0" cy="0"/>
+          <a:chOff x="0" y="0"/>
+          <a:chExt cx="0" cy="0"/>
+        </a:xfrm>
+      </p:grpSpPr>
       <p:pic>
         <p:nvPicPr>
           <p:cNvPr id="4" name="Picture 3">
@@ -6606,7 +6869,7 @@
 </p:sld>
 </file>
 
-<file path=ppt/slides/slide8.xml><?xml version="1.0" encoding="utf-8"?>
+<file path=ppt/slides/slide9.xml><?xml version="1.0" encoding="utf-8"?>
 <p:sld xmlns:a="http://schemas.openxmlformats.org/drawingml/2006/main" xmlns:r="http://schemas.openxmlformats.org/officeDocument/2006/relationships" xmlns:p="http://schemas.openxmlformats.org/presentationml/2006/main">
   <p:cSld>
     <p:spTree>

--- a/docs/Architecture Overview.pptx
+++ b/docs/Architecture Overview.pptx
@@ -6577,7 +6577,9 @@
         </p:nvSpPr>
         <p:spPr/>
         <p:txBody>
-          <a:bodyPr/>
+          <a:bodyPr>
+            <a:normAutofit lnSpcReduction="10000"/>
+          </a:bodyPr>
           <a:lstStyle/>
           <a:p>
             <a:r>
@@ -6733,30 +6735,19 @@
                 </a:highlight>
                 <a:latin typeface="-apple-system"/>
               </a:rPr>
-              <a:t>Model Serving: Combination of the 2 above + </a:t>
-            </a:r>
-            <a:r>
-              <a:rPr lang="en-SG" b="0" i="0" u="none" strike="noStrike">
-                <a:solidFill>
-                  <a:srgbClr val="333D42"/>
-                </a:solidFill>
-                <a:effectLst/>
-                <a:highlight>
-                  <a:srgbClr val="FFFFFF"/>
-                </a:highlight>
-                <a:latin typeface="-apple-system"/>
-              </a:rPr>
-              <a:t>ensure that frontend works</a:t>
+              <a:t>[D] Model Serving: Combination of the 2 above + ensure that frontend works</a:t>
             </a:r>
             <a:endParaRPr lang="en-GB" dirty="0"/>
           </a:p>
           <a:p>
             <a:r>
               <a:rPr lang="en-GB" dirty="0"/>
-              <a:t>Questions: how in-depth must it be?</a:t>
-            </a:r>
-          </a:p>
-          <a:p>
+              <a:t>Questions: how in-depth must it be? Is the model training part really necessary since it’s </a:t>
+            </a:r>
+            <a:r>
+              <a:rPr lang="en-GB"/>
+              <a:t>so flexible?</a:t>
+            </a:r>
             <a:endParaRPr lang="en-GB" dirty="0"/>
           </a:p>
         </p:txBody>

--- a/docs/Architecture Overview.pptx
+++ b/docs/Architecture Overview.pptx
@@ -5,7 +5,7 @@
     <p:sldMasterId id="2147483648" r:id="rId1"/>
   </p:sldMasterIdLst>
   <p:notesMasterIdLst>
-    <p:notesMasterId r:id="rId11"/>
+    <p:notesMasterId r:id="rId12"/>
   </p:notesMasterIdLst>
   <p:sldIdLst>
     <p:sldId id="256" r:id="rId2"/>
@@ -15,8 +15,9 @@
     <p:sldId id="261" r:id="rId6"/>
     <p:sldId id="263" r:id="rId7"/>
     <p:sldId id="264" r:id="rId8"/>
-    <p:sldId id="258" r:id="rId9"/>
-    <p:sldId id="262" r:id="rId10"/>
+    <p:sldId id="265" r:id="rId9"/>
+    <p:sldId id="258" r:id="rId10"/>
+    <p:sldId id="262" r:id="rId11"/>
   </p:sldIdLst>
   <p:sldSz cx="12192000" cy="6858000"/>
   <p:notesSz cx="6858000" cy="9144000"/>
@@ -205,7 +206,7 @@
           <a:p>
             <a:fld id="{E1142F10-BA91-844F-94CE-8AF77115DBC9}" type="datetimeFigureOut">
               <a:rPr lang="en-GB" smtClean="0"/>
-              <a:t>02/09/2025</a:t>
+              <a:t>05/09/2025</a:t>
             </a:fld>
             <a:endParaRPr lang="en-GB"/>
           </a:p>
@@ -703,7 +704,7 @@
           <a:p>
             <a:fld id="{3623ED18-7A4F-5248-ADF5-AAAFED4E564E}" type="datetimeFigureOut">
               <a:rPr lang="en-GB" smtClean="0"/>
-              <a:t>02/09/2025</a:t>
+              <a:t>05/09/2025</a:t>
             </a:fld>
             <a:endParaRPr lang="en-GB"/>
           </a:p>
@@ -901,7 +902,7 @@
           <a:p>
             <a:fld id="{3623ED18-7A4F-5248-ADF5-AAAFED4E564E}" type="datetimeFigureOut">
               <a:rPr lang="en-GB" smtClean="0"/>
-              <a:t>02/09/2025</a:t>
+              <a:t>05/09/2025</a:t>
             </a:fld>
             <a:endParaRPr lang="en-GB"/>
           </a:p>
@@ -1109,7 +1110,7 @@
           <a:p>
             <a:fld id="{3623ED18-7A4F-5248-ADF5-AAAFED4E564E}" type="datetimeFigureOut">
               <a:rPr lang="en-GB" smtClean="0"/>
-              <a:t>02/09/2025</a:t>
+              <a:t>05/09/2025</a:t>
             </a:fld>
             <a:endParaRPr lang="en-GB"/>
           </a:p>
@@ -1307,7 +1308,7 @@
           <a:p>
             <a:fld id="{3623ED18-7A4F-5248-ADF5-AAAFED4E564E}" type="datetimeFigureOut">
               <a:rPr lang="en-GB" smtClean="0"/>
-              <a:t>02/09/2025</a:t>
+              <a:t>05/09/2025</a:t>
             </a:fld>
             <a:endParaRPr lang="en-GB"/>
           </a:p>
@@ -1582,7 +1583,7 @@
           <a:p>
             <a:fld id="{3623ED18-7A4F-5248-ADF5-AAAFED4E564E}" type="datetimeFigureOut">
               <a:rPr lang="en-GB" smtClean="0"/>
-              <a:t>02/09/2025</a:t>
+              <a:t>05/09/2025</a:t>
             </a:fld>
             <a:endParaRPr lang="en-GB"/>
           </a:p>
@@ -1847,7 +1848,7 @@
           <a:p>
             <a:fld id="{3623ED18-7A4F-5248-ADF5-AAAFED4E564E}" type="datetimeFigureOut">
               <a:rPr lang="en-GB" smtClean="0"/>
-              <a:t>02/09/2025</a:t>
+              <a:t>05/09/2025</a:t>
             </a:fld>
             <a:endParaRPr lang="en-GB"/>
           </a:p>
@@ -2259,7 +2260,7 @@
           <a:p>
             <a:fld id="{3623ED18-7A4F-5248-ADF5-AAAFED4E564E}" type="datetimeFigureOut">
               <a:rPr lang="en-GB" smtClean="0"/>
-              <a:t>02/09/2025</a:t>
+              <a:t>05/09/2025</a:t>
             </a:fld>
             <a:endParaRPr lang="en-GB"/>
           </a:p>
@@ -2400,7 +2401,7 @@
           <a:p>
             <a:fld id="{3623ED18-7A4F-5248-ADF5-AAAFED4E564E}" type="datetimeFigureOut">
               <a:rPr lang="en-GB" smtClean="0"/>
-              <a:t>02/09/2025</a:t>
+              <a:t>05/09/2025</a:t>
             </a:fld>
             <a:endParaRPr lang="en-GB"/>
           </a:p>
@@ -2513,7 +2514,7 @@
           <a:p>
             <a:fld id="{3623ED18-7A4F-5248-ADF5-AAAFED4E564E}" type="datetimeFigureOut">
               <a:rPr lang="en-GB" smtClean="0"/>
-              <a:t>02/09/2025</a:t>
+              <a:t>05/09/2025</a:t>
             </a:fld>
             <a:endParaRPr lang="en-GB"/>
           </a:p>
@@ -2824,7 +2825,7 @@
           <a:p>
             <a:fld id="{3623ED18-7A4F-5248-ADF5-AAAFED4E564E}" type="datetimeFigureOut">
               <a:rPr lang="en-GB" smtClean="0"/>
-              <a:t>02/09/2025</a:t>
+              <a:t>05/09/2025</a:t>
             </a:fld>
             <a:endParaRPr lang="en-GB"/>
           </a:p>
@@ -3112,7 +3113,7 @@
           <a:p>
             <a:fld id="{3623ED18-7A4F-5248-ADF5-AAAFED4E564E}" type="datetimeFigureOut">
               <a:rPr lang="en-GB" smtClean="0"/>
-              <a:t>02/09/2025</a:t>
+              <a:t>05/09/2025</a:t>
             </a:fld>
             <a:endParaRPr lang="en-GB"/>
           </a:p>
@@ -3353,7 +3354,7 @@
           <a:p>
             <a:fld id="{3623ED18-7A4F-5248-ADF5-AAAFED4E564E}" type="datetimeFigureOut">
               <a:rPr lang="en-GB" smtClean="0"/>
-              <a:t>02/09/2025</a:t>
+              <a:t>05/09/2025</a:t>
             </a:fld>
             <a:endParaRPr lang="en-GB"/>
           </a:p>
@@ -3955,6 +3956,116 @@
 </p:sld>
 </file>
 
+<file path=ppt/slides/slide10.xml><?xml version="1.0" encoding="utf-8"?>
+<p:sld xmlns:a="http://schemas.openxmlformats.org/drawingml/2006/main" xmlns:r="http://schemas.openxmlformats.org/officeDocument/2006/relationships" xmlns:p="http://schemas.openxmlformats.org/presentationml/2006/main">
+  <p:cSld>
+    <p:spTree>
+      <p:nvGrpSpPr>
+        <p:cNvPr id="1" name=""/>
+        <p:cNvGrpSpPr/>
+        <p:nvPr/>
+      </p:nvGrpSpPr>
+      <p:grpSpPr>
+        <a:xfrm>
+          <a:off x="0" y="0"/>
+          <a:ext cx="0" cy="0"/>
+          <a:chOff x="0" y="0"/>
+          <a:chExt cx="0" cy="0"/>
+        </a:xfrm>
+      </p:grpSpPr>
+      <p:sp>
+        <p:nvSpPr>
+          <p:cNvPr id="2" name="Title 1">
+            <a:extLst>
+              <a:ext uri="{FF2B5EF4-FFF2-40B4-BE49-F238E27FC236}">
+                <a16:creationId xmlns:a16="http://schemas.microsoft.com/office/drawing/2014/main" id="{937C3745-3ED5-B341-514E-449E9EBB7B0F}"/>
+              </a:ext>
+            </a:extLst>
+          </p:cNvPr>
+          <p:cNvSpPr>
+            <a:spLocks noGrp="1"/>
+          </p:cNvSpPr>
+          <p:nvPr>
+            <p:ph type="title"/>
+          </p:nvPr>
+        </p:nvSpPr>
+        <p:spPr/>
+        <p:txBody>
+          <a:bodyPr/>
+          <a:lstStyle/>
+          <a:p>
+            <a:endParaRPr lang="en-GB"/>
+          </a:p>
+        </p:txBody>
+      </p:sp>
+      <p:sp>
+        <p:nvSpPr>
+          <p:cNvPr id="3" name="Content Placeholder 2">
+            <a:extLst>
+              <a:ext uri="{FF2B5EF4-FFF2-40B4-BE49-F238E27FC236}">
+                <a16:creationId xmlns:a16="http://schemas.microsoft.com/office/drawing/2014/main" id="{A529D087-0E66-EE94-16A4-36EE05BA482A}"/>
+              </a:ext>
+            </a:extLst>
+          </p:cNvPr>
+          <p:cNvSpPr>
+            <a:spLocks noGrp="1"/>
+          </p:cNvSpPr>
+          <p:nvPr>
+            <p:ph idx="1"/>
+          </p:nvPr>
+        </p:nvSpPr>
+        <p:spPr/>
+        <p:txBody>
+          <a:bodyPr/>
+          <a:lstStyle/>
+          <a:p>
+            <a:endParaRPr lang="en-GB"/>
+          </a:p>
+        </p:txBody>
+      </p:sp>
+      <p:pic>
+        <p:nvPicPr>
+          <p:cNvPr id="4" name="Picture 3">
+            <a:extLst>
+              <a:ext uri="{FF2B5EF4-FFF2-40B4-BE49-F238E27FC236}">
+                <a16:creationId xmlns:a16="http://schemas.microsoft.com/office/drawing/2014/main" id="{D218059D-CF53-BEF7-4E93-22C3723FEAE6}"/>
+              </a:ext>
+            </a:extLst>
+          </p:cNvPr>
+          <p:cNvPicPr>
+            <a:picLocks noChangeAspect="1"/>
+          </p:cNvPicPr>
+          <p:nvPr/>
+        </p:nvPicPr>
+        <p:blipFill>
+          <a:blip r:embed="rId2"/>
+          <a:stretch>
+            <a:fillRect/>
+          </a:stretch>
+        </p:blipFill>
+        <p:spPr>
+          <a:xfrm>
+            <a:off x="2209800" y="2311400"/>
+            <a:ext cx="7772400" cy="2235200"/>
+          </a:xfrm>
+          <a:prstGeom prst="rect">
+            <a:avLst/>
+          </a:prstGeom>
+        </p:spPr>
+      </p:pic>
+    </p:spTree>
+    <p:extLst>
+      <p:ext uri="{BB962C8B-B14F-4D97-AF65-F5344CB8AC3E}">
+        <p14:creationId xmlns:p14="http://schemas.microsoft.com/office/powerpoint/2010/main" val="3270788167"/>
+      </p:ext>
+    </p:extLst>
+  </p:cSld>
+  <p:clrMapOvr>
+    <a:masterClrMapping/>
+  </p:clrMapOvr>
+</p:sld>
+</file>
+
 <file path=ppt/slides/slide2.xml><?xml version="1.0" encoding="utf-8"?>
 <p:sld xmlns:a="http://schemas.openxmlformats.org/drawingml/2006/main" xmlns:r="http://schemas.openxmlformats.org/officeDocument/2006/relationships" xmlns:p="http://schemas.openxmlformats.org/presentationml/2006/main">
   <p:cSld>
@@ -5825,8 +5936,8 @@
         </p:nvSpPr>
         <p:spPr>
           <a:xfrm>
-            <a:off x="6100853" y="599228"/>
-            <a:ext cx="1904284" cy="646331"/>
+            <a:off x="6135909" y="212026"/>
+            <a:ext cx="1904284" cy="1200329"/>
           </a:xfrm>
           <a:prstGeom prst="rect">
             <a:avLst/>
@@ -5841,8 +5952,13 @@
           <a:p>
             <a:r>
               <a:rPr lang="en-GB" dirty="0"/>
-              <a:t>Push whenever model is updated</a:t>
-            </a:r>
+              <a:t>Push whenever changes to code are pushed to </a:t>
+            </a:r>
+            <a:r>
+              <a:rPr lang="en-GB" dirty="0" err="1"/>
+              <a:t>Github</a:t>
+            </a:r>
+            <a:endParaRPr lang="en-GB" dirty="0"/>
           </a:p>
         </p:txBody>
       </p:sp>
@@ -6445,7 +6561,7 @@
         <p:spPr>
           <a:xfrm>
             <a:off x="838200" y="1460500"/>
-            <a:ext cx="10515600" cy="5032375"/>
+            <a:ext cx="10515600" cy="5397500"/>
           </a:xfrm>
         </p:spPr>
         <p:txBody>
@@ -6497,6 +6613,29 @@
             <a:r>
               <a:rPr lang="en-GB" dirty="0"/>
               <a:t>How to implement it for modelling? To store data on AWS, then pull from there? Maybe leave this to the retraining phase</a:t>
+            </a:r>
+          </a:p>
+          <a:p>
+            <a:pPr lvl="1"/>
+            <a:r>
+              <a:rPr lang="en-GB" dirty="0"/>
+              <a:t>To implement </a:t>
+            </a:r>
+            <a:r>
+              <a:rPr lang="en-GB" dirty="0" err="1"/>
+              <a:t>IaC</a:t>
+            </a:r>
+            <a:r>
+              <a:rPr lang="en-GB" dirty="0"/>
+              <a:t> for DTAP of AWS e.g. </a:t>
+            </a:r>
+            <a:r>
+              <a:rPr lang="en-GB" dirty="0" err="1"/>
+              <a:t>Terrraform</a:t>
+            </a:r>
+            <a:r>
+              <a:rPr lang="en-GB" dirty="0"/>
+              <a:t>?</a:t>
             </a:r>
           </a:p>
         </p:txBody>
@@ -6575,7 +6714,12 @@
             <p:ph idx="1"/>
           </p:nvPr>
         </p:nvSpPr>
-        <p:spPr/>
+        <p:spPr>
+          <a:xfrm>
+            <a:off x="838200" y="1825624"/>
+            <a:ext cx="10515600" cy="5032375"/>
+          </a:xfrm>
+        </p:spPr>
         <p:txBody>
           <a:bodyPr>
             <a:normAutofit lnSpcReduction="10000"/>
@@ -6719,7 +6863,7 @@
                 </a:highlight>
                 <a:latin typeface="-apple-system"/>
               </a:rPr>
-              <a:t>Model Training: check for successful predictions on training data to a degree of accuracy based on your evaluation metric</a:t>
+              <a:t>??Model Training: check for successful predictions on training data to a degree of accuracy based on your evaluation metric</a:t>
             </a:r>
           </a:p>
           <a:p>
@@ -6742,13 +6886,29 @@
           <a:p>
             <a:r>
               <a:rPr lang="en-GB" dirty="0"/>
-              <a:t>Questions: how in-depth must it be? Is the model training part really necessary since it’s </a:t>
-            </a:r>
-            <a:r>
-              <a:rPr lang="en-GB"/>
-              <a:t>so flexible?</a:t>
-            </a:r>
-            <a:endParaRPr lang="en-GB" dirty="0"/>
+              <a:t>Questions: </a:t>
+            </a:r>
+          </a:p>
+          <a:p>
+            <a:pPr lvl="1"/>
+            <a:r>
+              <a:rPr lang="en-GB" dirty="0"/>
+              <a:t>how robust must unit testing be? </a:t>
+            </a:r>
+          </a:p>
+          <a:p>
+            <a:pPr lvl="1"/>
+            <a:r>
+              <a:rPr lang="en-GB" dirty="0"/>
+              <a:t>Is the model training part really necessary since it’s so flexible?</a:t>
+            </a:r>
+          </a:p>
+          <a:p>
+            <a:pPr lvl="1"/>
+            <a:r>
+              <a:rPr lang="en-GB" dirty="0"/>
+              <a:t>Does </a:t>
+            </a:r>
           </a:p>
         </p:txBody>
       </p:sp>
@@ -6782,75 +6942,197 @@
           <a:chExt cx="0" cy="0"/>
         </a:xfrm>
       </p:grpSpPr>
-      <p:pic>
-        <p:nvPicPr>
-          <p:cNvPr id="4" name="Picture 3">
-            <a:extLst>
-              <a:ext uri="{FF2B5EF4-FFF2-40B4-BE49-F238E27FC236}">
-                <a16:creationId xmlns:a16="http://schemas.microsoft.com/office/drawing/2014/main" id="{7BC4E0AF-F661-958E-AF3A-1ADC2FDDBD8A}"/>
-              </a:ext>
-            </a:extLst>
-          </p:cNvPr>
-          <p:cNvPicPr>
-            <a:picLocks noChangeAspect="1"/>
-          </p:cNvPicPr>
-          <p:nvPr/>
-        </p:nvPicPr>
-        <p:blipFill>
-          <a:blip r:embed="rId2"/>
-          <a:stretch>
-            <a:fillRect/>
-          </a:stretch>
-        </p:blipFill>
+      <p:sp>
+        <p:nvSpPr>
+          <p:cNvPr id="2" name="Title 1">
+            <a:extLst>
+              <a:ext uri="{FF2B5EF4-FFF2-40B4-BE49-F238E27FC236}">
+                <a16:creationId xmlns:a16="http://schemas.microsoft.com/office/drawing/2014/main" id="{786686E8-215A-5475-0873-B4055D121F8F}"/>
+              </a:ext>
+            </a:extLst>
+          </p:cNvPr>
+          <p:cNvSpPr>
+            <a:spLocks noGrp="1"/>
+          </p:cNvSpPr>
+          <p:nvPr>
+            <p:ph type="title"/>
+          </p:nvPr>
+        </p:nvSpPr>
+        <p:spPr/>
+        <p:txBody>
+          <a:bodyPr/>
+          <a:lstStyle/>
+          <a:p>
+            <a:r>
+              <a:rPr lang="en-GB" dirty="0"/>
+              <a:t>CT</a:t>
+            </a:r>
+          </a:p>
+        </p:txBody>
+      </p:sp>
+      <p:sp>
+        <p:nvSpPr>
+          <p:cNvPr id="3" name="Content Placeholder 2">
+            <a:extLst>
+              <a:ext uri="{FF2B5EF4-FFF2-40B4-BE49-F238E27FC236}">
+                <a16:creationId xmlns:a16="http://schemas.microsoft.com/office/drawing/2014/main" id="{B4423546-A7E9-D0C0-C3F6-1997391AD7C0}"/>
+              </a:ext>
+            </a:extLst>
+          </p:cNvPr>
+          <p:cNvSpPr>
+            <a:spLocks noGrp="1"/>
+          </p:cNvSpPr>
+          <p:nvPr>
+            <p:ph idx="1"/>
+          </p:nvPr>
+        </p:nvSpPr>
         <p:spPr>
           <a:xfrm>
-            <a:off x="2209800" y="889099"/>
-            <a:ext cx="7772400" cy="2264032"/>
+            <a:off x="838200" y="1825624"/>
+            <a:ext cx="10515600" cy="5032375"/>
           </a:xfrm>
-          <a:prstGeom prst="rect">
-            <a:avLst/>
-          </a:prstGeom>
         </p:spPr>
-      </p:pic>
-      <p:sp>
-        <p:nvSpPr>
-          <p:cNvPr id="5" name="TextBox 4">
-            <a:extLst>
-              <a:ext uri="{FF2B5EF4-FFF2-40B4-BE49-F238E27FC236}">
-                <a16:creationId xmlns:a16="http://schemas.microsoft.com/office/drawing/2014/main" id="{D6CAC265-B1A6-82FD-70D3-0B6651C3073F}"/>
-              </a:ext>
-            </a:extLst>
-          </p:cNvPr>
-          <p:cNvSpPr txBox="1"/>
-          <p:nvPr/>
-        </p:nvSpPr>
-        <p:spPr>
-          <a:xfrm>
-            <a:off x="2209799" y="319314"/>
-            <a:ext cx="8690429" cy="369332"/>
-          </a:xfrm>
-          <a:prstGeom prst="rect">
-            <a:avLst/>
-          </a:prstGeom>
-          <a:noFill/>
-        </p:spPr>
-        <p:txBody>
-          <a:bodyPr wrap="square" rtlCol="0">
-            <a:spAutoFit/>
+        <p:txBody>
+          <a:bodyPr>
+            <a:normAutofit fontScale="77500" lnSpcReduction="20000"/>
           </a:bodyPr>
           <a:lstStyle/>
           <a:p>
             <a:r>
               <a:rPr lang="en-GB" dirty="0"/>
-              <a:t>How do I automate this process? Can this all happen on local?</a:t>
-            </a:r>
+              <a:t>Factorise modelling + </a:t>
+            </a:r>
+            <a:r>
+              <a:rPr lang="en-GB" dirty="0" err="1"/>
+              <a:t>MLFlow</a:t>
+            </a:r>
+            <a:r>
+              <a:rPr lang="en-GB" dirty="0"/>
+              <a:t> code, logging results to cloud</a:t>
+            </a:r>
+          </a:p>
+          <a:p>
+            <a:pPr lvl="1"/>
+            <a:r>
+              <a:rPr lang="en-GB" b="1" dirty="0"/>
+              <a:t>Objective: Hyperparameter tuning</a:t>
+            </a:r>
+          </a:p>
+          <a:p>
+            <a:pPr lvl="1"/>
+            <a:r>
+              <a:rPr lang="en-GB" dirty="0"/>
+              <a:t>Select only the metrics of interest. Modelling happens on local, only tracking goes to cloud</a:t>
+            </a:r>
+            <a:endParaRPr lang="en-GB" b="1" dirty="0"/>
+          </a:p>
+          <a:p>
+            <a:r>
+              <a:rPr lang="en-GB" dirty="0"/>
+              <a:t>Retraining based on time/data ingestion @ X time unit</a:t>
+            </a:r>
+          </a:p>
+          <a:p>
+            <a:pPr lvl="1"/>
+            <a:r>
+              <a:rPr lang="en-GB" b="1" dirty="0"/>
+              <a:t>Objective: Let model capture </a:t>
+            </a:r>
+            <a:r>
+              <a:rPr lang="en-GB" b="1"/>
+              <a:t>new trends in data</a:t>
+            </a:r>
+            <a:endParaRPr lang="en-GB" b="1" dirty="0"/>
+          </a:p>
+          <a:p>
+            <a:pPr lvl="1"/>
+            <a:r>
+              <a:rPr lang="en-GB" dirty="0"/>
+              <a:t>Separate script which uses the same hyperparameters from experimentation (local), but does the comparison and retraining on AWS (Lambda?) </a:t>
+            </a:r>
+          </a:p>
+          <a:p>
+            <a:pPr lvl="1"/>
+            <a:r>
+              <a:rPr lang="en-GB" dirty="0"/>
+              <a:t>? Need to come up with the final model, trained on all data</a:t>
+            </a:r>
+          </a:p>
+          <a:p>
+            <a:pPr lvl="2"/>
+            <a:r>
+              <a:rPr lang="en-GB" dirty="0"/>
+              <a:t>Or is it still need a holdout set?</a:t>
+            </a:r>
+          </a:p>
+          <a:p>
+            <a:pPr lvl="2"/>
+            <a:r>
+              <a:rPr lang="en-GB" dirty="0"/>
+              <a:t>Train on 1~ T-1 week, test on T-1 week ~T (Is 1 week enough?)</a:t>
+            </a:r>
+          </a:p>
+          <a:p>
+            <a:pPr lvl="1"/>
+            <a:r>
+              <a:rPr lang="en-GB" dirty="0"/>
+              <a:t>Need to process data to output the delta for testing </a:t>
+            </a:r>
+            <a:r>
+              <a:rPr lang="en-GB" dirty="0">
+                <a:sym typeface="Wingdings" pitchFamily="2" charset="2"/>
+              </a:rPr>
+              <a:t> Correspond to frequency of pulling data</a:t>
+            </a:r>
+          </a:p>
+          <a:p>
+            <a:pPr lvl="1"/>
+            <a:r>
+              <a:rPr lang="en-GB" dirty="0"/>
+              <a:t>Can implement A/B testing afterwards to check if there is indeed and improvement over the old model. Do not deploy if performance drops</a:t>
+            </a:r>
+          </a:p>
+          <a:p>
+            <a:pPr lvl="2"/>
+            <a:r>
+              <a:rPr lang="en-GB" dirty="0"/>
+              <a:t>Still necessary to compare 5 fold CV in addition to test set?</a:t>
+            </a:r>
+          </a:p>
+          <a:p>
+            <a:pPr lvl="2"/>
+            <a:r>
+              <a:rPr lang="en-GB" dirty="0"/>
+              <a:t>Pseudo-Canary testing?</a:t>
+            </a:r>
+          </a:p>
+          <a:p>
+            <a:r>
+              <a:rPr lang="en-GB" dirty="0"/>
+              <a:t>Find a way to push to production automatically, while involving </a:t>
+            </a:r>
+            <a:r>
+              <a:rPr lang="en-GB" dirty="0" err="1"/>
+              <a:t>MLFlow</a:t>
+            </a:r>
+            <a:r>
+              <a:rPr lang="en-GB" dirty="0"/>
+              <a:t> (have to do the tagging/aliasing automatically). Need to push the model to AWS ECS at the moment as well </a:t>
+            </a:r>
+            <a:r>
+              <a:rPr lang="en-GB" dirty="0">
+                <a:sym typeface="Wingdings" pitchFamily="2" charset="2"/>
+              </a:rPr>
+              <a:t> needs more thinking!</a:t>
+            </a:r>
+            <a:endParaRPr lang="en-GB" dirty="0"/>
           </a:p>
         </p:txBody>
       </p:sp>
     </p:spTree>
     <p:extLst>
       <p:ext uri="{BB962C8B-B14F-4D97-AF65-F5344CB8AC3E}">
-        <p14:creationId xmlns:p14="http://schemas.microsoft.com/office/powerpoint/2010/main" val="3636564176"/>
+        <p14:creationId xmlns:p14="http://schemas.microsoft.com/office/powerpoint/2010/main" val="3689535318"/>
       </p:ext>
     </p:extLst>
   </p:cSld>
@@ -6877,62 +7159,12 @@
           <a:chExt cx="0" cy="0"/>
         </a:xfrm>
       </p:grpSpPr>
-      <p:sp>
-        <p:nvSpPr>
-          <p:cNvPr id="2" name="Title 1">
-            <a:extLst>
-              <a:ext uri="{FF2B5EF4-FFF2-40B4-BE49-F238E27FC236}">
-                <a16:creationId xmlns:a16="http://schemas.microsoft.com/office/drawing/2014/main" id="{937C3745-3ED5-B341-514E-449E9EBB7B0F}"/>
-              </a:ext>
-            </a:extLst>
-          </p:cNvPr>
-          <p:cNvSpPr>
-            <a:spLocks noGrp="1"/>
-          </p:cNvSpPr>
-          <p:nvPr>
-            <p:ph type="title"/>
-          </p:nvPr>
-        </p:nvSpPr>
-        <p:spPr/>
-        <p:txBody>
-          <a:bodyPr/>
-          <a:lstStyle/>
-          <a:p>
-            <a:endParaRPr lang="en-GB"/>
-          </a:p>
-        </p:txBody>
-      </p:sp>
-      <p:sp>
-        <p:nvSpPr>
-          <p:cNvPr id="3" name="Content Placeholder 2">
-            <a:extLst>
-              <a:ext uri="{FF2B5EF4-FFF2-40B4-BE49-F238E27FC236}">
-                <a16:creationId xmlns:a16="http://schemas.microsoft.com/office/drawing/2014/main" id="{A529D087-0E66-EE94-16A4-36EE05BA482A}"/>
-              </a:ext>
-            </a:extLst>
-          </p:cNvPr>
-          <p:cNvSpPr>
-            <a:spLocks noGrp="1"/>
-          </p:cNvSpPr>
-          <p:nvPr>
-            <p:ph idx="1"/>
-          </p:nvPr>
-        </p:nvSpPr>
-        <p:spPr/>
-        <p:txBody>
-          <a:bodyPr/>
-          <a:lstStyle/>
-          <a:p>
-            <a:endParaRPr lang="en-GB"/>
-          </a:p>
-        </p:txBody>
-      </p:sp>
       <p:pic>
         <p:nvPicPr>
           <p:cNvPr id="4" name="Picture 3">
             <a:extLst>
               <a:ext uri="{FF2B5EF4-FFF2-40B4-BE49-F238E27FC236}">
-                <a16:creationId xmlns:a16="http://schemas.microsoft.com/office/drawing/2014/main" id="{D218059D-CF53-BEF7-4E93-22C3723FEAE6}"/>
+                <a16:creationId xmlns:a16="http://schemas.microsoft.com/office/drawing/2014/main" id="{7BC4E0AF-F661-958E-AF3A-1ADC2FDDBD8A}"/>
               </a:ext>
             </a:extLst>
           </p:cNvPr>
@@ -6949,18 +7181,53 @@
         </p:blipFill>
         <p:spPr>
           <a:xfrm>
-            <a:off x="2209800" y="2311400"/>
-            <a:ext cx="7772400" cy="2235200"/>
+            <a:off x="2209800" y="889099"/>
+            <a:ext cx="7772400" cy="2264032"/>
           </a:xfrm>
           <a:prstGeom prst="rect">
             <a:avLst/>
           </a:prstGeom>
         </p:spPr>
       </p:pic>
+      <p:sp>
+        <p:nvSpPr>
+          <p:cNvPr id="5" name="TextBox 4">
+            <a:extLst>
+              <a:ext uri="{FF2B5EF4-FFF2-40B4-BE49-F238E27FC236}">
+                <a16:creationId xmlns:a16="http://schemas.microsoft.com/office/drawing/2014/main" id="{D6CAC265-B1A6-82FD-70D3-0B6651C3073F}"/>
+              </a:ext>
+            </a:extLst>
+          </p:cNvPr>
+          <p:cNvSpPr txBox="1"/>
+          <p:nvPr/>
+        </p:nvSpPr>
+        <p:spPr>
+          <a:xfrm>
+            <a:off x="2209799" y="319314"/>
+            <a:ext cx="8690429" cy="369332"/>
+          </a:xfrm>
+          <a:prstGeom prst="rect">
+            <a:avLst/>
+          </a:prstGeom>
+          <a:noFill/>
+        </p:spPr>
+        <p:txBody>
+          <a:bodyPr wrap="square" rtlCol="0">
+            <a:spAutoFit/>
+          </a:bodyPr>
+          <a:lstStyle/>
+          <a:p>
+            <a:r>
+              <a:rPr lang="en-GB" dirty="0"/>
+              <a:t>How do I automate this process? Can this all happen on local?</a:t>
+            </a:r>
+          </a:p>
+        </p:txBody>
+      </p:sp>
     </p:spTree>
     <p:extLst>
       <p:ext uri="{BB962C8B-B14F-4D97-AF65-F5344CB8AC3E}">
-        <p14:creationId xmlns:p14="http://schemas.microsoft.com/office/powerpoint/2010/main" val="3270788167"/>
+        <p14:creationId xmlns:p14="http://schemas.microsoft.com/office/powerpoint/2010/main" val="3636564176"/>
       </p:ext>
     </p:extLst>
   </p:cSld>

--- a/docs/Architecture Overview.pptx
+++ b/docs/Architecture Overview.pptx
@@ -5,7 +5,7 @@
     <p:sldMasterId id="2147483648" r:id="rId1"/>
   </p:sldMasterIdLst>
   <p:notesMasterIdLst>
-    <p:notesMasterId r:id="rId12"/>
+    <p:notesMasterId r:id="rId13"/>
   </p:notesMasterIdLst>
   <p:sldIdLst>
     <p:sldId id="256" r:id="rId2"/>
@@ -16,8 +16,9 @@
     <p:sldId id="263" r:id="rId7"/>
     <p:sldId id="264" r:id="rId8"/>
     <p:sldId id="265" r:id="rId9"/>
-    <p:sldId id="258" r:id="rId10"/>
-    <p:sldId id="262" r:id="rId11"/>
+    <p:sldId id="266" r:id="rId10"/>
+    <p:sldId id="258" r:id="rId11"/>
+    <p:sldId id="262" r:id="rId12"/>
   </p:sldIdLst>
   <p:sldSz cx="12192000" cy="6858000"/>
   <p:notesSz cx="6858000" cy="9144000"/>
@@ -3973,6 +3974,101 @@
           <a:chExt cx="0" cy="0"/>
         </a:xfrm>
       </p:grpSpPr>
+      <p:pic>
+        <p:nvPicPr>
+          <p:cNvPr id="4" name="Picture 3">
+            <a:extLst>
+              <a:ext uri="{FF2B5EF4-FFF2-40B4-BE49-F238E27FC236}">
+                <a16:creationId xmlns:a16="http://schemas.microsoft.com/office/drawing/2014/main" id="{7BC4E0AF-F661-958E-AF3A-1ADC2FDDBD8A}"/>
+              </a:ext>
+            </a:extLst>
+          </p:cNvPr>
+          <p:cNvPicPr>
+            <a:picLocks noChangeAspect="1"/>
+          </p:cNvPicPr>
+          <p:nvPr/>
+        </p:nvPicPr>
+        <p:blipFill>
+          <a:blip r:embed="rId2"/>
+          <a:stretch>
+            <a:fillRect/>
+          </a:stretch>
+        </p:blipFill>
+        <p:spPr>
+          <a:xfrm>
+            <a:off x="2209800" y="889099"/>
+            <a:ext cx="7772400" cy="2264032"/>
+          </a:xfrm>
+          <a:prstGeom prst="rect">
+            <a:avLst/>
+          </a:prstGeom>
+        </p:spPr>
+      </p:pic>
+      <p:sp>
+        <p:nvSpPr>
+          <p:cNvPr id="5" name="TextBox 4">
+            <a:extLst>
+              <a:ext uri="{FF2B5EF4-FFF2-40B4-BE49-F238E27FC236}">
+                <a16:creationId xmlns:a16="http://schemas.microsoft.com/office/drawing/2014/main" id="{D6CAC265-B1A6-82FD-70D3-0B6651C3073F}"/>
+              </a:ext>
+            </a:extLst>
+          </p:cNvPr>
+          <p:cNvSpPr txBox="1"/>
+          <p:nvPr/>
+        </p:nvSpPr>
+        <p:spPr>
+          <a:xfrm>
+            <a:off x="2209799" y="319314"/>
+            <a:ext cx="8690429" cy="369332"/>
+          </a:xfrm>
+          <a:prstGeom prst="rect">
+            <a:avLst/>
+          </a:prstGeom>
+          <a:noFill/>
+        </p:spPr>
+        <p:txBody>
+          <a:bodyPr wrap="square" rtlCol="0">
+            <a:spAutoFit/>
+          </a:bodyPr>
+          <a:lstStyle/>
+          <a:p>
+            <a:r>
+              <a:rPr lang="en-GB" dirty="0"/>
+              <a:t>How do I automate this process? Can this all happen on local?</a:t>
+            </a:r>
+          </a:p>
+        </p:txBody>
+      </p:sp>
+    </p:spTree>
+    <p:extLst>
+      <p:ext uri="{BB962C8B-B14F-4D97-AF65-F5344CB8AC3E}">
+        <p14:creationId xmlns:p14="http://schemas.microsoft.com/office/powerpoint/2010/main" val="3636564176"/>
+      </p:ext>
+    </p:extLst>
+  </p:cSld>
+  <p:clrMapOvr>
+    <a:masterClrMapping/>
+  </p:clrMapOvr>
+</p:sld>
+</file>
+
+<file path=ppt/slides/slide11.xml><?xml version="1.0" encoding="utf-8"?>
+<p:sld xmlns:a="http://schemas.openxmlformats.org/drawingml/2006/main" xmlns:r="http://schemas.openxmlformats.org/officeDocument/2006/relationships" xmlns:p="http://schemas.openxmlformats.org/presentationml/2006/main">
+  <p:cSld>
+    <p:spTree>
+      <p:nvGrpSpPr>
+        <p:cNvPr id="1" name=""/>
+        <p:cNvGrpSpPr/>
+        <p:nvPr/>
+      </p:nvGrpSpPr>
+      <p:grpSpPr>
+        <a:xfrm>
+          <a:off x="0" y="0"/>
+          <a:ext cx="0" cy="0"/>
+          <a:chOff x="0" y="0"/>
+          <a:chExt cx="0" cy="0"/>
+        </a:xfrm>
+      </p:grpSpPr>
       <p:sp>
         <p:nvSpPr>
           <p:cNvPr id="2" name="Title 1">
@@ -6358,6 +6454,184 @@
           </a:p>
         </p:txBody>
       </p:sp>
+      <p:pic>
+        <p:nvPicPr>
+          <p:cNvPr id="10" name="Graphic 9">
+            <a:extLst>
+              <a:ext uri="{FF2B5EF4-FFF2-40B4-BE49-F238E27FC236}">
+                <a16:creationId xmlns:a16="http://schemas.microsoft.com/office/drawing/2014/main" id="{707BFF4B-A7AE-EB09-2BBC-66B732F8CCB7}"/>
+              </a:ext>
+            </a:extLst>
+          </p:cNvPr>
+          <p:cNvPicPr>
+            <a:picLocks noChangeAspect="1"/>
+          </p:cNvPicPr>
+          <p:nvPr/>
+        </p:nvPicPr>
+        <p:blipFill>
+          <a:blip r:embed="rId8">
+            <a:extLst>
+              <a:ext uri="{96DAC541-7B7A-43D3-8B79-37D633B846F1}">
+                <asvg:svgBlip xmlns:asvg="http://schemas.microsoft.com/office/drawing/2016/SVG/main" r:embed="rId9"/>
+              </a:ext>
+            </a:extLst>
+          </a:blip>
+          <a:stretch>
+            <a:fillRect/>
+          </a:stretch>
+        </p:blipFill>
+        <p:spPr>
+          <a:xfrm>
+            <a:off x="4869398" y="2935476"/>
+            <a:ext cx="700412" cy="716852"/>
+          </a:xfrm>
+          <a:prstGeom prst="rect">
+            <a:avLst/>
+          </a:prstGeom>
+        </p:spPr>
+      </p:pic>
+      <p:sp>
+        <p:nvSpPr>
+          <p:cNvPr id="11" name="Rounded Rectangle 10">
+            <a:extLst>
+              <a:ext uri="{FF2B5EF4-FFF2-40B4-BE49-F238E27FC236}">
+                <a16:creationId xmlns:a16="http://schemas.microsoft.com/office/drawing/2014/main" id="{1D8587A6-6B60-6E93-6B5F-62DCFD57C82A}"/>
+              </a:ext>
+            </a:extLst>
+          </p:cNvPr>
+          <p:cNvSpPr/>
+          <p:nvPr/>
+        </p:nvSpPr>
+        <p:spPr>
+          <a:xfrm>
+            <a:off x="4549407" y="3822671"/>
+            <a:ext cx="2650603" cy="1006997"/>
+          </a:xfrm>
+          <a:prstGeom prst="roundRect">
+            <a:avLst/>
+          </a:prstGeom>
+        </p:spPr>
+        <p:style>
+          <a:lnRef idx="2">
+            <a:schemeClr val="accent1">
+              <a:shade val="15000"/>
+            </a:schemeClr>
+          </a:lnRef>
+          <a:fillRef idx="1">
+            <a:schemeClr val="accent1"/>
+          </a:fillRef>
+          <a:effectRef idx="0">
+            <a:schemeClr val="accent1"/>
+          </a:effectRef>
+          <a:fontRef idx="minor">
+            <a:schemeClr val="lt1"/>
+          </a:fontRef>
+        </p:style>
+        <p:txBody>
+          <a:bodyPr rtlCol="0" anchor="ctr"/>
+          <a:lstStyle/>
+          <a:p>
+            <a:pPr algn="ctr"/>
+            <a:r>
+              <a:rPr lang="en-GB" dirty="0"/>
+              <a:t>Data processing</a:t>
+            </a:r>
+          </a:p>
+        </p:txBody>
+      </p:sp>
+      <p:sp>
+        <p:nvSpPr>
+          <p:cNvPr id="12" name="Right Arrow 11">
+            <a:extLst>
+              <a:ext uri="{FF2B5EF4-FFF2-40B4-BE49-F238E27FC236}">
+                <a16:creationId xmlns:a16="http://schemas.microsoft.com/office/drawing/2014/main" id="{C5C7236E-FF5E-DCBE-739D-4D8BED88A36B}"/>
+              </a:ext>
+            </a:extLst>
+          </p:cNvPr>
+          <p:cNvSpPr/>
+          <p:nvPr/>
+        </p:nvSpPr>
+        <p:spPr>
+          <a:xfrm rot="16200000">
+            <a:off x="5287664" y="2822469"/>
+            <a:ext cx="990768" cy="319314"/>
+          </a:xfrm>
+          <a:prstGeom prst="rightArrow">
+            <a:avLst/>
+          </a:prstGeom>
+        </p:spPr>
+        <p:style>
+          <a:lnRef idx="2">
+            <a:schemeClr val="accent1">
+              <a:shade val="15000"/>
+            </a:schemeClr>
+          </a:lnRef>
+          <a:fillRef idx="1">
+            <a:schemeClr val="accent1"/>
+          </a:fillRef>
+          <a:effectRef idx="0">
+            <a:schemeClr val="accent1"/>
+          </a:effectRef>
+          <a:fontRef idx="minor">
+            <a:schemeClr val="lt1"/>
+          </a:fontRef>
+        </p:style>
+        <p:txBody>
+          <a:bodyPr rtlCol="0" anchor="ctr"/>
+          <a:lstStyle/>
+          <a:p>
+            <a:pPr algn="ctr"/>
+            <a:endParaRPr lang="en-GB"/>
+          </a:p>
+        </p:txBody>
+      </p:sp>
+      <p:pic>
+        <p:nvPicPr>
+          <p:cNvPr id="17" name="Picture 4">
+            <a:extLst>
+              <a:ext uri="{FF2B5EF4-FFF2-40B4-BE49-F238E27FC236}">
+                <a16:creationId xmlns:a16="http://schemas.microsoft.com/office/drawing/2014/main" id="{DFC95033-4EB5-F701-F598-580A1E174336}"/>
+              </a:ext>
+            </a:extLst>
+          </p:cNvPr>
+          <p:cNvPicPr>
+            <a:picLocks noChangeAspect="1" noChangeArrowheads="1"/>
+          </p:cNvPicPr>
+          <p:nvPr/>
+        </p:nvPicPr>
+        <p:blipFill>
+          <a:blip r:embed="rId6">
+            <a:extLst>
+              <a:ext uri="{28A0092B-C50C-407E-A947-70E740481C1C}">
+                <a14:useLocalDpi xmlns:a14="http://schemas.microsoft.com/office/drawing/2010/main" val="0"/>
+              </a:ext>
+            </a:extLst>
+          </a:blip>
+          <a:srcRect/>
+          <a:stretch>
+            <a:fillRect/>
+          </a:stretch>
+        </p:blipFill>
+        <p:spPr bwMode="auto">
+          <a:xfrm>
+            <a:off x="6034605" y="2782860"/>
+            <a:ext cx="896553" cy="1072884"/>
+          </a:xfrm>
+          <a:prstGeom prst="rect">
+            <a:avLst/>
+          </a:prstGeom>
+          <a:noFill/>
+          <a:extLst>
+            <a:ext uri="{909E8E84-426E-40DD-AFC4-6F175D3DCCD1}">
+              <a14:hiddenFill xmlns:a14="http://schemas.microsoft.com/office/drawing/2010/main">
+                <a:solidFill>
+                  <a:srgbClr val="FFFFFF"/>
+                </a:solidFill>
+              </a14:hiddenFill>
+            </a:ext>
+          </a:extLst>
+        </p:spPr>
+      </p:pic>
     </p:spTree>
     <p:extLst>
       <p:ext uri="{BB962C8B-B14F-4D97-AF65-F5344CB8AC3E}">
@@ -6994,7 +7268,7 @@
         </p:spPr>
         <p:txBody>
           <a:bodyPr>
-            <a:normAutofit fontScale="77500" lnSpcReduction="20000"/>
+            <a:normAutofit fontScale="70000" lnSpcReduction="20000"/>
           </a:bodyPr>
           <a:lstStyle/>
           <a:p>
@@ -7036,13 +7310,8 @@
             <a:pPr lvl="1"/>
             <a:r>
               <a:rPr lang="en-GB" b="1" dirty="0"/>
-              <a:t>Objective: Let model capture </a:t>
-            </a:r>
-            <a:r>
-              <a:rPr lang="en-GB" b="1"/>
-              <a:t>new trends in data</a:t>
-            </a:r>
-            <a:endParaRPr lang="en-GB" b="1" dirty="0"/>
+              <a:t>Objective: Let model capture new trends in data</a:t>
+            </a:r>
           </a:p>
           <a:p>
             <a:pPr lvl="1"/>
@@ -7082,7 +7351,7 @@
               <a:rPr lang="en-GB" dirty="0">
                 <a:sym typeface="Wingdings" pitchFamily="2" charset="2"/>
               </a:rPr>
-              <a:t> Correspond to frequency of pulling data</a:t>
+              <a:t> Correspond to frequency of pulling data, which corresponds to how often the data is updated</a:t>
             </a:r>
           </a:p>
           <a:p>
@@ -7104,6 +7373,21 @@
             <a:r>
               <a:rPr lang="en-GB" dirty="0"/>
               <a:t>Pseudo-Canary testing?</a:t>
+            </a:r>
+          </a:p>
+          <a:p>
+            <a:pPr lvl="2"/>
+            <a:r>
+              <a:rPr lang="en-GB" dirty="0"/>
+              <a:t>Can find hard quality gates here: https://</a:t>
+            </a:r>
+            <a:r>
+              <a:rPr lang="en-GB" dirty="0" err="1"/>
+              <a:t>mlflow.org</a:t>
+            </a:r>
+            <a:r>
+              <a:rPr lang="en-GB" dirty="0"/>
+              <a:t>/docs/3.1.3/ml/evaluation/model-eval/</a:t>
             </a:r>
           </a:p>
           <a:p>
@@ -7159,75 +7443,89 @@
           <a:chExt cx="0" cy="0"/>
         </a:xfrm>
       </p:grpSpPr>
-      <p:pic>
-        <p:nvPicPr>
-          <p:cNvPr id="4" name="Picture 3">
-            <a:extLst>
-              <a:ext uri="{FF2B5EF4-FFF2-40B4-BE49-F238E27FC236}">
-                <a16:creationId xmlns:a16="http://schemas.microsoft.com/office/drawing/2014/main" id="{7BC4E0AF-F661-958E-AF3A-1ADC2FDDBD8A}"/>
-              </a:ext>
-            </a:extLst>
-          </p:cNvPr>
-          <p:cNvPicPr>
-            <a:picLocks noChangeAspect="1"/>
-          </p:cNvPicPr>
-          <p:nvPr/>
-        </p:nvPicPr>
-        <p:blipFill>
-          <a:blip r:embed="rId2"/>
-          <a:stretch>
-            <a:fillRect/>
-          </a:stretch>
-        </p:blipFill>
+      <p:sp>
+        <p:nvSpPr>
+          <p:cNvPr id="2" name="Title 1">
+            <a:extLst>
+              <a:ext uri="{FF2B5EF4-FFF2-40B4-BE49-F238E27FC236}">
+                <a16:creationId xmlns:a16="http://schemas.microsoft.com/office/drawing/2014/main" id="{786686E8-215A-5475-0873-B4055D121F8F}"/>
+              </a:ext>
+            </a:extLst>
+          </p:cNvPr>
+          <p:cNvSpPr>
+            <a:spLocks noGrp="1"/>
+          </p:cNvSpPr>
+          <p:nvPr>
+            <p:ph type="title"/>
+          </p:nvPr>
+        </p:nvSpPr>
+        <p:spPr/>
+        <p:txBody>
+          <a:bodyPr/>
+          <a:lstStyle/>
+          <a:p>
+            <a:r>
+              <a:rPr lang="en-GB" dirty="0"/>
+              <a:t>CT (Extras)</a:t>
+            </a:r>
+          </a:p>
+        </p:txBody>
+      </p:sp>
+      <p:sp>
+        <p:nvSpPr>
+          <p:cNvPr id="3" name="Content Placeholder 2">
+            <a:extLst>
+              <a:ext uri="{FF2B5EF4-FFF2-40B4-BE49-F238E27FC236}">
+                <a16:creationId xmlns:a16="http://schemas.microsoft.com/office/drawing/2014/main" id="{B4423546-A7E9-D0C0-C3F6-1997391AD7C0}"/>
+              </a:ext>
+            </a:extLst>
+          </p:cNvPr>
+          <p:cNvSpPr>
+            <a:spLocks noGrp="1"/>
+          </p:cNvSpPr>
+          <p:nvPr>
+            <p:ph idx="1"/>
+          </p:nvPr>
+        </p:nvSpPr>
         <p:spPr>
           <a:xfrm>
-            <a:off x="2209800" y="889099"/>
-            <a:ext cx="7772400" cy="2264032"/>
-          </a:xfrm>
-          <a:prstGeom prst="rect">
-            <a:avLst/>
-          </a:prstGeom>
-        </p:spPr>
-      </p:pic>
-      <p:sp>
-        <p:nvSpPr>
-          <p:cNvPr id="5" name="TextBox 4">
-            <a:extLst>
-              <a:ext uri="{FF2B5EF4-FFF2-40B4-BE49-F238E27FC236}">
-                <a16:creationId xmlns:a16="http://schemas.microsoft.com/office/drawing/2014/main" id="{D6CAC265-B1A6-82FD-70D3-0B6651C3073F}"/>
-              </a:ext>
-            </a:extLst>
-          </p:cNvPr>
-          <p:cNvSpPr txBox="1"/>
-          <p:nvPr/>
-        </p:nvSpPr>
-        <p:spPr>
-          <a:xfrm>
-            <a:off x="2209799" y="319314"/>
-            <a:ext cx="8690429" cy="369332"/>
-          </a:xfrm>
-          <a:prstGeom prst="rect">
-            <a:avLst/>
-          </a:prstGeom>
-          <a:noFill/>
-        </p:spPr>
-        <p:txBody>
-          <a:bodyPr wrap="square" rtlCol="0">
-            <a:spAutoFit/>
+            <a:off x="838200" y="1825624"/>
+            <a:ext cx="10515600" cy="5032375"/>
+          </a:xfrm>
+        </p:spPr>
+        <p:txBody>
+          <a:bodyPr>
+            <a:normAutofit/>
           </a:bodyPr>
           <a:lstStyle/>
           <a:p>
             <a:r>
               <a:rPr lang="en-GB" dirty="0"/>
-              <a:t>How do I automate this process? Can this all happen on local?</a:t>
-            </a:r>
+              <a:t>Error analysis + Logging</a:t>
+            </a:r>
+          </a:p>
+          <a:p>
+            <a:r>
+              <a:rPr lang="en-GB" dirty="0" err="1"/>
+              <a:t>BentoML</a:t>
+            </a:r>
+            <a:r>
+              <a:rPr lang="en-GB" dirty="0"/>
+              <a:t> for batched inference/serving</a:t>
+            </a:r>
+          </a:p>
+          <a:p>
+            <a:endParaRPr lang="en-GB" dirty="0"/>
+          </a:p>
+          <a:p>
+            <a:endParaRPr lang="en-GB" dirty="0"/>
           </a:p>
         </p:txBody>
       </p:sp>
     </p:spTree>
     <p:extLst>
       <p:ext uri="{BB962C8B-B14F-4D97-AF65-F5344CB8AC3E}">
-        <p14:creationId xmlns:p14="http://schemas.microsoft.com/office/powerpoint/2010/main" val="3636564176"/>
+        <p14:creationId xmlns:p14="http://schemas.microsoft.com/office/powerpoint/2010/main" val="1577909886"/>
       </p:ext>
     </p:extLst>
   </p:cSld>

--- a/docs/Architecture Overview.pptx
+++ b/docs/Architecture Overview.pptx
@@ -10,14 +10,14 @@
   <p:sldIdLst>
     <p:sldId id="256" r:id="rId2"/>
     <p:sldId id="257" r:id="rId3"/>
-    <p:sldId id="259" r:id="rId4"/>
+    <p:sldId id="267" r:id="rId4"/>
     <p:sldId id="260" r:id="rId5"/>
-    <p:sldId id="261" r:id="rId6"/>
-    <p:sldId id="263" r:id="rId7"/>
-    <p:sldId id="264" r:id="rId8"/>
-    <p:sldId id="265" r:id="rId9"/>
-    <p:sldId id="266" r:id="rId10"/>
-    <p:sldId id="258" r:id="rId11"/>
+    <p:sldId id="263" r:id="rId6"/>
+    <p:sldId id="264" r:id="rId7"/>
+    <p:sldId id="261" r:id="rId8"/>
+    <p:sldId id="268" r:id="rId9"/>
+    <p:sldId id="265" r:id="rId10"/>
+    <p:sldId id="266" r:id="rId11"/>
     <p:sldId id="262" r:id="rId12"/>
   </p:sldIdLst>
   <p:sldSz cx="12192000" cy="6858000"/>
@@ -207,7 +207,7 @@
           <a:p>
             <a:fld id="{E1142F10-BA91-844F-94CE-8AF77115DBC9}" type="datetimeFigureOut">
               <a:rPr lang="en-GB" smtClean="0"/>
-              <a:t>05/09/2025</a:t>
+              <a:t>13/09/2025</a:t>
             </a:fld>
             <a:endParaRPr lang="en-GB"/>
           </a:p>
@@ -518,7 +518,16 @@
           <a:bodyPr/>
           <a:lstStyle/>
           <a:p>
-            <a:endParaRPr lang="en-GB" dirty="0"/>
+            <a:r>
+              <a:rPr lang="en-GB" dirty="0"/>
+              <a:t>Data processing: Split into 2012-2023, 2024 and 2025++ for train, test and deployment purposes</a:t>
+            </a:r>
+          </a:p>
+          <a:p>
+            <a:r>
+              <a:rPr lang="en-GB" dirty="0"/>
+              <a:t>Note: All boxes are services</a:t>
+            </a:r>
           </a:p>
         </p:txBody>
       </p:sp>
@@ -549,6 +558,90 @@
     <p:extLst>
       <p:ext uri="{BB962C8B-B14F-4D97-AF65-F5344CB8AC3E}">
         <p14:creationId xmlns:p14="http://schemas.microsoft.com/office/powerpoint/2010/main" val="781546846"/>
+      </p:ext>
+    </p:extLst>
+  </p:cSld>
+  <p:clrMapOvr>
+    <a:masterClrMapping/>
+  </p:clrMapOvr>
+</p:notes>
+</file>
+
+<file path=ppt/notesSlides/notesSlide2.xml><?xml version="1.0" encoding="utf-8"?>
+<p:notes xmlns:a="http://schemas.openxmlformats.org/drawingml/2006/main" xmlns:r="http://schemas.openxmlformats.org/officeDocument/2006/relationships" xmlns:p="http://schemas.openxmlformats.org/presentationml/2006/main">
+  <p:cSld>
+    <p:spTree>
+      <p:nvGrpSpPr>
+        <p:cNvPr id="1" name=""/>
+        <p:cNvGrpSpPr/>
+        <p:nvPr/>
+      </p:nvGrpSpPr>
+      <p:grpSpPr>
+        <a:xfrm>
+          <a:off x="0" y="0"/>
+          <a:ext cx="0" cy="0"/>
+          <a:chOff x="0" y="0"/>
+          <a:chExt cx="0" cy="0"/>
+        </a:xfrm>
+      </p:grpSpPr>
+      <p:sp>
+        <p:nvSpPr>
+          <p:cNvPr id="2" name="Slide Image Placeholder 1"/>
+          <p:cNvSpPr>
+            <a:spLocks noGrp="1" noRot="1" noChangeAspect="1"/>
+          </p:cNvSpPr>
+          <p:nvPr>
+            <p:ph type="sldImg"/>
+          </p:nvPr>
+        </p:nvSpPr>
+        <p:spPr/>
+      </p:sp>
+      <p:sp>
+        <p:nvSpPr>
+          <p:cNvPr id="3" name="Notes Placeholder 2"/>
+          <p:cNvSpPr>
+            <a:spLocks noGrp="1"/>
+          </p:cNvSpPr>
+          <p:nvPr>
+            <p:ph type="body" idx="1"/>
+          </p:nvPr>
+        </p:nvSpPr>
+        <p:spPr/>
+        <p:txBody>
+          <a:bodyPr/>
+          <a:lstStyle/>
+          <a:p>
+            <a:endParaRPr lang="en-GB" dirty="0"/>
+          </a:p>
+        </p:txBody>
+      </p:sp>
+      <p:sp>
+        <p:nvSpPr>
+          <p:cNvPr id="4" name="Slide Number Placeholder 3"/>
+          <p:cNvSpPr>
+            <a:spLocks noGrp="1"/>
+          </p:cNvSpPr>
+          <p:nvPr>
+            <p:ph type="sldNum" sz="quarter" idx="5"/>
+          </p:nvPr>
+        </p:nvSpPr>
+        <p:spPr/>
+        <p:txBody>
+          <a:bodyPr/>
+          <a:lstStyle/>
+          <a:p>
+            <a:fld id="{78293D93-78F6-7C4A-B196-7A9DF32E6281}" type="slidenum">
+              <a:rPr lang="en-GB" smtClean="0"/>
+              <a:t>7</a:t>
+            </a:fld>
+            <a:endParaRPr lang="en-GB"/>
+          </a:p>
+        </p:txBody>
+      </p:sp>
+    </p:spTree>
+    <p:extLst>
+      <p:ext uri="{BB962C8B-B14F-4D97-AF65-F5344CB8AC3E}">
+        <p14:creationId xmlns:p14="http://schemas.microsoft.com/office/powerpoint/2010/main" val="3831039178"/>
       </p:ext>
     </p:extLst>
   </p:cSld>
@@ -705,7 +798,7 @@
           <a:p>
             <a:fld id="{3623ED18-7A4F-5248-ADF5-AAAFED4E564E}" type="datetimeFigureOut">
               <a:rPr lang="en-GB" smtClean="0"/>
-              <a:t>05/09/2025</a:t>
+              <a:t>13/09/2025</a:t>
             </a:fld>
             <a:endParaRPr lang="en-GB"/>
           </a:p>
@@ -903,7 +996,7 @@
           <a:p>
             <a:fld id="{3623ED18-7A4F-5248-ADF5-AAAFED4E564E}" type="datetimeFigureOut">
               <a:rPr lang="en-GB" smtClean="0"/>
-              <a:t>05/09/2025</a:t>
+              <a:t>13/09/2025</a:t>
             </a:fld>
             <a:endParaRPr lang="en-GB"/>
           </a:p>
@@ -1111,7 +1204,7 @@
           <a:p>
             <a:fld id="{3623ED18-7A4F-5248-ADF5-AAAFED4E564E}" type="datetimeFigureOut">
               <a:rPr lang="en-GB" smtClean="0"/>
-              <a:t>05/09/2025</a:t>
+              <a:t>13/09/2025</a:t>
             </a:fld>
             <a:endParaRPr lang="en-GB"/>
           </a:p>
@@ -1309,7 +1402,7 @@
           <a:p>
             <a:fld id="{3623ED18-7A4F-5248-ADF5-AAAFED4E564E}" type="datetimeFigureOut">
               <a:rPr lang="en-GB" smtClean="0"/>
-              <a:t>05/09/2025</a:t>
+              <a:t>13/09/2025</a:t>
             </a:fld>
             <a:endParaRPr lang="en-GB"/>
           </a:p>
@@ -1584,7 +1677,7 @@
           <a:p>
             <a:fld id="{3623ED18-7A4F-5248-ADF5-AAAFED4E564E}" type="datetimeFigureOut">
               <a:rPr lang="en-GB" smtClean="0"/>
-              <a:t>05/09/2025</a:t>
+              <a:t>13/09/2025</a:t>
             </a:fld>
             <a:endParaRPr lang="en-GB"/>
           </a:p>
@@ -1849,7 +1942,7 @@
           <a:p>
             <a:fld id="{3623ED18-7A4F-5248-ADF5-AAAFED4E564E}" type="datetimeFigureOut">
               <a:rPr lang="en-GB" smtClean="0"/>
-              <a:t>05/09/2025</a:t>
+              <a:t>13/09/2025</a:t>
             </a:fld>
             <a:endParaRPr lang="en-GB"/>
           </a:p>
@@ -2261,7 +2354,7 @@
           <a:p>
             <a:fld id="{3623ED18-7A4F-5248-ADF5-AAAFED4E564E}" type="datetimeFigureOut">
               <a:rPr lang="en-GB" smtClean="0"/>
-              <a:t>05/09/2025</a:t>
+              <a:t>13/09/2025</a:t>
             </a:fld>
             <a:endParaRPr lang="en-GB"/>
           </a:p>
@@ -2402,7 +2495,7 @@
           <a:p>
             <a:fld id="{3623ED18-7A4F-5248-ADF5-AAAFED4E564E}" type="datetimeFigureOut">
               <a:rPr lang="en-GB" smtClean="0"/>
-              <a:t>05/09/2025</a:t>
+              <a:t>13/09/2025</a:t>
             </a:fld>
             <a:endParaRPr lang="en-GB"/>
           </a:p>
@@ -2515,7 +2608,7 @@
           <a:p>
             <a:fld id="{3623ED18-7A4F-5248-ADF5-AAAFED4E564E}" type="datetimeFigureOut">
               <a:rPr lang="en-GB" smtClean="0"/>
-              <a:t>05/09/2025</a:t>
+              <a:t>13/09/2025</a:t>
             </a:fld>
             <a:endParaRPr lang="en-GB"/>
           </a:p>
@@ -2826,7 +2919,7 @@
           <a:p>
             <a:fld id="{3623ED18-7A4F-5248-ADF5-AAAFED4E564E}" type="datetimeFigureOut">
               <a:rPr lang="en-GB" smtClean="0"/>
-              <a:t>05/09/2025</a:t>
+              <a:t>13/09/2025</a:t>
             </a:fld>
             <a:endParaRPr lang="en-GB"/>
           </a:p>
@@ -3114,7 +3207,7 @@
           <a:p>
             <a:fld id="{3623ED18-7A4F-5248-ADF5-AAAFED4E564E}" type="datetimeFigureOut">
               <a:rPr lang="en-GB" smtClean="0"/>
-              <a:t>05/09/2025</a:t>
+              <a:t>13/09/2025</a:t>
             </a:fld>
             <a:endParaRPr lang="en-GB"/>
           </a:p>
@@ -3355,7 +3448,7 @@
           <a:p>
             <a:fld id="{3623ED18-7A4F-5248-ADF5-AAAFED4E564E}" type="datetimeFigureOut">
               <a:rPr lang="en-GB" smtClean="0"/>
-              <a:t>05/09/2025</a:t>
+              <a:t>13/09/2025</a:t>
             </a:fld>
             <a:endParaRPr lang="en-GB"/>
           </a:p>
@@ -3974,75 +4067,89 @@
           <a:chExt cx="0" cy="0"/>
         </a:xfrm>
       </p:grpSpPr>
-      <p:pic>
-        <p:nvPicPr>
-          <p:cNvPr id="4" name="Picture 3">
-            <a:extLst>
-              <a:ext uri="{FF2B5EF4-FFF2-40B4-BE49-F238E27FC236}">
-                <a16:creationId xmlns:a16="http://schemas.microsoft.com/office/drawing/2014/main" id="{7BC4E0AF-F661-958E-AF3A-1ADC2FDDBD8A}"/>
-              </a:ext>
-            </a:extLst>
-          </p:cNvPr>
-          <p:cNvPicPr>
-            <a:picLocks noChangeAspect="1"/>
-          </p:cNvPicPr>
-          <p:nvPr/>
-        </p:nvPicPr>
-        <p:blipFill>
-          <a:blip r:embed="rId2"/>
-          <a:stretch>
-            <a:fillRect/>
-          </a:stretch>
-        </p:blipFill>
+      <p:sp>
+        <p:nvSpPr>
+          <p:cNvPr id="2" name="Title 1">
+            <a:extLst>
+              <a:ext uri="{FF2B5EF4-FFF2-40B4-BE49-F238E27FC236}">
+                <a16:creationId xmlns:a16="http://schemas.microsoft.com/office/drawing/2014/main" id="{786686E8-215A-5475-0873-B4055D121F8F}"/>
+              </a:ext>
+            </a:extLst>
+          </p:cNvPr>
+          <p:cNvSpPr>
+            <a:spLocks noGrp="1"/>
+          </p:cNvSpPr>
+          <p:nvPr>
+            <p:ph type="title"/>
+          </p:nvPr>
+        </p:nvSpPr>
+        <p:spPr/>
+        <p:txBody>
+          <a:bodyPr/>
+          <a:lstStyle/>
+          <a:p>
+            <a:r>
+              <a:rPr lang="en-GB" dirty="0"/>
+              <a:t>CT (Extras)</a:t>
+            </a:r>
+          </a:p>
+        </p:txBody>
+      </p:sp>
+      <p:sp>
+        <p:nvSpPr>
+          <p:cNvPr id="3" name="Content Placeholder 2">
+            <a:extLst>
+              <a:ext uri="{FF2B5EF4-FFF2-40B4-BE49-F238E27FC236}">
+                <a16:creationId xmlns:a16="http://schemas.microsoft.com/office/drawing/2014/main" id="{B4423546-A7E9-D0C0-C3F6-1997391AD7C0}"/>
+              </a:ext>
+            </a:extLst>
+          </p:cNvPr>
+          <p:cNvSpPr>
+            <a:spLocks noGrp="1"/>
+          </p:cNvSpPr>
+          <p:nvPr>
+            <p:ph idx="1"/>
+          </p:nvPr>
+        </p:nvSpPr>
         <p:spPr>
           <a:xfrm>
-            <a:off x="2209800" y="889099"/>
-            <a:ext cx="7772400" cy="2264032"/>
+            <a:off x="838200" y="1825624"/>
+            <a:ext cx="10515600" cy="5032375"/>
           </a:xfrm>
-          <a:prstGeom prst="rect">
-            <a:avLst/>
-          </a:prstGeom>
         </p:spPr>
-      </p:pic>
-      <p:sp>
-        <p:nvSpPr>
-          <p:cNvPr id="5" name="TextBox 4">
-            <a:extLst>
-              <a:ext uri="{FF2B5EF4-FFF2-40B4-BE49-F238E27FC236}">
-                <a16:creationId xmlns:a16="http://schemas.microsoft.com/office/drawing/2014/main" id="{D6CAC265-B1A6-82FD-70D3-0B6651C3073F}"/>
-              </a:ext>
-            </a:extLst>
-          </p:cNvPr>
-          <p:cNvSpPr txBox="1"/>
-          <p:nvPr/>
-        </p:nvSpPr>
-        <p:spPr>
-          <a:xfrm>
-            <a:off x="2209799" y="319314"/>
-            <a:ext cx="8690429" cy="369332"/>
-          </a:xfrm>
-          <a:prstGeom prst="rect">
-            <a:avLst/>
-          </a:prstGeom>
-          <a:noFill/>
-        </p:spPr>
-        <p:txBody>
-          <a:bodyPr wrap="square" rtlCol="0">
-            <a:spAutoFit/>
+        <p:txBody>
+          <a:bodyPr>
+            <a:normAutofit/>
           </a:bodyPr>
           <a:lstStyle/>
           <a:p>
             <a:r>
               <a:rPr lang="en-GB" dirty="0"/>
-              <a:t>How do I automate this process? Can this all happen on local?</a:t>
-            </a:r>
+              <a:t>Error analysis + Logging</a:t>
+            </a:r>
+          </a:p>
+          <a:p>
+            <a:r>
+              <a:rPr lang="en-GB" dirty="0" err="1"/>
+              <a:t>BentoML</a:t>
+            </a:r>
+            <a:r>
+              <a:rPr lang="en-GB" dirty="0"/>
+              <a:t> for batched inference/serving</a:t>
+            </a:r>
+          </a:p>
+          <a:p>
+            <a:endParaRPr lang="en-GB" dirty="0"/>
+          </a:p>
+          <a:p>
+            <a:endParaRPr lang="en-GB" dirty="0"/>
           </a:p>
         </p:txBody>
       </p:sp>
     </p:spTree>
     <p:extLst>
       <p:ext uri="{BB962C8B-B14F-4D97-AF65-F5344CB8AC3E}">
-        <p14:creationId xmlns:p14="http://schemas.microsoft.com/office/powerpoint/2010/main" val="3636564176"/>
+        <p14:creationId xmlns:p14="http://schemas.microsoft.com/office/powerpoint/2010/main" val="1577909886"/>
       </p:ext>
     </p:extLst>
   </p:cSld>
@@ -4390,7 +4497,7 @@
             </a:r>
             <a:r>
               <a:rPr lang="en-GB" dirty="0"/>
-              <a:t> Actions/CML</a:t>
+              <a:t> Actions</a:t>
             </a:r>
           </a:p>
           <a:p>
@@ -4470,17 +4577,14 @@
               </a:rPr>
               <a:t>Fargate</a:t>
             </a:r>
-            <a:r>
-              <a:rPr lang="en-GB" dirty="0">
-                <a:solidFill>
-                  <a:schemeClr val="accent2">
-                    <a:lumMod val="60000"/>
-                    <a:lumOff val="40000"/>
-                  </a:schemeClr>
-                </a:solidFill>
-              </a:rPr>
-              <a:t> Infra + ECR</a:t>
-            </a:r>
+            <a:endParaRPr lang="en-GB" dirty="0">
+              <a:solidFill>
+                <a:schemeClr val="accent2">
+                  <a:lumMod val="60000"/>
+                  <a:lumOff val="40000"/>
+                </a:schemeClr>
+              </a:solidFill>
+            </a:endParaRPr>
           </a:p>
           <a:p>
             <a:pPr algn="ctr"/>
@@ -4807,527 +4911,148 @@
       </p:grpSpPr>
       <p:sp>
         <p:nvSpPr>
-          <p:cNvPr id="4" name="Rounded Rectangle 3">
-            <a:extLst>
-              <a:ext uri="{FF2B5EF4-FFF2-40B4-BE49-F238E27FC236}">
-                <a16:creationId xmlns:a16="http://schemas.microsoft.com/office/drawing/2014/main" id="{C5970DFA-F6D1-06F6-9202-27A72DEF987C}"/>
-              </a:ext>
-            </a:extLst>
-          </p:cNvPr>
-          <p:cNvSpPr/>
-          <p:nvPr/>
+          <p:cNvPr id="2" name="Title 1">
+            <a:extLst>
+              <a:ext uri="{FF2B5EF4-FFF2-40B4-BE49-F238E27FC236}">
+                <a16:creationId xmlns:a16="http://schemas.microsoft.com/office/drawing/2014/main" id="{82EC03C8-D88E-A34E-D68D-35488D2D8552}"/>
+              </a:ext>
+            </a:extLst>
+          </p:cNvPr>
+          <p:cNvSpPr>
+            <a:spLocks noGrp="1"/>
+          </p:cNvSpPr>
+          <p:nvPr>
+            <p:ph type="title"/>
+          </p:nvPr>
+        </p:nvSpPr>
+        <p:spPr/>
+        <p:txBody>
+          <a:bodyPr/>
+          <a:lstStyle/>
+          <a:p>
+            <a:r>
+              <a:rPr lang="en-GB" dirty="0"/>
+              <a:t>Catch </a:t>
+            </a:r>
+            <a:r>
+              <a:rPr lang="en-GB"/>
+              <a:t>up 12 </a:t>
+            </a:r>
+            <a:r>
+              <a:rPr lang="en-GB" dirty="0"/>
+              <a:t>Sep 2025</a:t>
+            </a:r>
+          </a:p>
+        </p:txBody>
+      </p:sp>
+      <p:sp>
+        <p:nvSpPr>
+          <p:cNvPr id="3" name="Content Placeholder 2">
+            <a:extLst>
+              <a:ext uri="{FF2B5EF4-FFF2-40B4-BE49-F238E27FC236}">
+                <a16:creationId xmlns:a16="http://schemas.microsoft.com/office/drawing/2014/main" id="{4629EF6E-C6C8-56C5-ECBD-70F1A337B26A}"/>
+              </a:ext>
+            </a:extLst>
+          </p:cNvPr>
+          <p:cNvSpPr>
+            <a:spLocks noGrp="1"/>
+          </p:cNvSpPr>
+          <p:nvPr>
+            <p:ph idx="1"/>
+          </p:nvPr>
         </p:nvSpPr>
         <p:spPr>
           <a:xfrm>
-            <a:off x="987867" y="879676"/>
-            <a:ext cx="2650603" cy="1006997"/>
+            <a:off x="838200" y="1825625"/>
+            <a:ext cx="10515600" cy="4667250"/>
           </a:xfrm>
-          <a:prstGeom prst="roundRect">
-            <a:avLst/>
-          </a:prstGeom>
         </p:spPr>
-        <p:style>
-          <a:lnRef idx="2">
-            <a:schemeClr val="accent1">
-              <a:shade val="15000"/>
-            </a:schemeClr>
-          </a:lnRef>
-          <a:fillRef idx="1">
-            <a:schemeClr val="accent1"/>
-          </a:fillRef>
-          <a:effectRef idx="0">
-            <a:schemeClr val="accent1"/>
-          </a:effectRef>
-          <a:fontRef idx="minor">
-            <a:schemeClr val="lt1"/>
-          </a:fontRef>
-        </p:style>
-        <p:txBody>
-          <a:bodyPr rtlCol="0" anchor="ctr"/>
-          <a:lstStyle/>
-          <a:p>
-            <a:pPr algn="ctr"/>
+        <p:txBody>
+          <a:bodyPr/>
+          <a:lstStyle/>
+          <a:p>
             <a:r>
               <a:rPr lang="en-GB" dirty="0"/>
-              <a:t>Model training &amp; reassessment on champion model</a:t>
-            </a:r>
-          </a:p>
-        </p:txBody>
-      </p:sp>
-      <p:sp>
-        <p:nvSpPr>
-          <p:cNvPr id="8" name="Right Arrow 7">
-            <a:extLst>
-              <a:ext uri="{FF2B5EF4-FFF2-40B4-BE49-F238E27FC236}">
-                <a16:creationId xmlns:a16="http://schemas.microsoft.com/office/drawing/2014/main" id="{A8021559-7E8D-45FD-2C71-F3E858A17A39}"/>
-              </a:ext>
-            </a:extLst>
-          </p:cNvPr>
-          <p:cNvSpPr/>
-          <p:nvPr/>
-        </p:nvSpPr>
-        <p:spPr>
-          <a:xfrm>
-            <a:off x="4356019" y="1219200"/>
-            <a:ext cx="1309914" cy="319314"/>
-          </a:xfrm>
-          <a:prstGeom prst="rightArrow">
-            <a:avLst/>
-          </a:prstGeom>
-        </p:spPr>
-        <p:style>
-          <a:lnRef idx="2">
-            <a:schemeClr val="accent1">
-              <a:shade val="15000"/>
-            </a:schemeClr>
-          </a:lnRef>
-          <a:fillRef idx="1">
-            <a:schemeClr val="accent1"/>
-          </a:fillRef>
-          <a:effectRef idx="0">
-            <a:schemeClr val="accent1"/>
-          </a:effectRef>
-          <a:fontRef idx="minor">
-            <a:schemeClr val="lt1"/>
-          </a:fontRef>
-        </p:style>
-        <p:txBody>
-          <a:bodyPr rtlCol="0" anchor="ctr"/>
-          <a:lstStyle/>
-          <a:p>
-            <a:pPr algn="ctr"/>
-            <a:endParaRPr lang="en-GB"/>
-          </a:p>
-        </p:txBody>
-      </p:sp>
-      <p:pic>
-        <p:nvPicPr>
-          <p:cNvPr id="1030" name="Picture 6" descr="FastAPI · GitHub">
-            <a:extLst>
-              <a:ext uri="{FF2B5EF4-FFF2-40B4-BE49-F238E27FC236}">
-                <a16:creationId xmlns:a16="http://schemas.microsoft.com/office/drawing/2014/main" id="{8544A923-4624-E27E-9A22-446003B06CD1}"/>
-              </a:ext>
-            </a:extLst>
-          </p:cNvPr>
-          <p:cNvPicPr>
-            <a:picLocks noChangeAspect="1" noChangeArrowheads="1"/>
-          </p:cNvPicPr>
-          <p:nvPr/>
-        </p:nvPicPr>
-        <p:blipFill>
-          <a:blip r:embed="rId2">
-            <a:extLst>
-              <a:ext uri="{28A0092B-C50C-407E-A947-70E740481C1C}">
-                <a14:useLocalDpi xmlns:a14="http://schemas.microsoft.com/office/drawing/2010/main" val="0"/>
-              </a:ext>
-            </a:extLst>
-          </a:blip>
-          <a:srcRect/>
-          <a:stretch>
-            <a:fillRect/>
-          </a:stretch>
-        </p:blipFill>
-        <p:spPr bwMode="auto">
-          <a:xfrm>
-            <a:off x="6114665" y="939220"/>
-            <a:ext cx="879274" cy="879274"/>
-          </a:xfrm>
-          <a:prstGeom prst="rect">
-            <a:avLst/>
-          </a:prstGeom>
-          <a:noFill/>
-          <a:extLst>
-            <a:ext uri="{909E8E84-426E-40DD-AFC4-6F175D3DCCD1}">
-              <a14:hiddenFill xmlns:a14="http://schemas.microsoft.com/office/drawing/2010/main">
-                <a:solidFill>
-                  <a:srgbClr val="FFFFFF"/>
-                </a:solidFill>
-              </a14:hiddenFill>
-            </a:ext>
-          </a:extLst>
-        </p:spPr>
-      </p:pic>
-      <p:sp>
-        <p:nvSpPr>
-          <p:cNvPr id="9" name="TextBox 8">
-            <a:extLst>
-              <a:ext uri="{FF2B5EF4-FFF2-40B4-BE49-F238E27FC236}">
-                <a16:creationId xmlns:a16="http://schemas.microsoft.com/office/drawing/2014/main" id="{C97F814F-B131-769D-E5BA-CE3CB1E6E9A0}"/>
-              </a:ext>
-            </a:extLst>
-          </p:cNvPr>
-          <p:cNvSpPr txBox="1"/>
-          <p:nvPr/>
-        </p:nvSpPr>
-        <p:spPr>
-          <a:xfrm>
-            <a:off x="1125682" y="152400"/>
-            <a:ext cx="3885294" cy="553998"/>
-          </a:xfrm>
-          <a:prstGeom prst="rect">
-            <a:avLst/>
-          </a:prstGeom>
-          <a:noFill/>
-        </p:spPr>
-        <p:txBody>
-          <a:bodyPr wrap="square" rtlCol="0">
-            <a:spAutoFit/>
-          </a:bodyPr>
-          <a:lstStyle/>
-          <a:p>
-            <a:r>
-              <a:rPr lang="en-GB" sz="3000" dirty="0"/>
-              <a:t>On local</a:t>
-            </a:r>
-          </a:p>
-        </p:txBody>
-      </p:sp>
-      <p:pic>
-        <p:nvPicPr>
-          <p:cNvPr id="1032" name="Picture 8" descr="Streamlit • A faster way to build and share data apps">
-            <a:extLst>
-              <a:ext uri="{FF2B5EF4-FFF2-40B4-BE49-F238E27FC236}">
-                <a16:creationId xmlns:a16="http://schemas.microsoft.com/office/drawing/2014/main" id="{91696F33-E624-79FB-0BC6-EE89E5519EFF}"/>
-              </a:ext>
-            </a:extLst>
-          </p:cNvPr>
-          <p:cNvPicPr>
-            <a:picLocks noChangeAspect="1" noChangeArrowheads="1"/>
-          </p:cNvPicPr>
-          <p:nvPr/>
-        </p:nvPicPr>
-        <p:blipFill>
-          <a:blip r:embed="rId3">
-            <a:extLst>
-              <a:ext uri="{28A0092B-C50C-407E-A947-70E740481C1C}">
-                <a14:useLocalDpi xmlns:a14="http://schemas.microsoft.com/office/drawing/2010/main" val="0"/>
-              </a:ext>
-            </a:extLst>
-          </a:blip>
-          <a:srcRect/>
-          <a:stretch>
-            <a:fillRect/>
-          </a:stretch>
-        </p:blipFill>
-        <p:spPr bwMode="auto">
-          <a:xfrm>
-            <a:off x="5569648" y="3155951"/>
-            <a:ext cx="1931977" cy="1130300"/>
-          </a:xfrm>
-          <a:prstGeom prst="rect">
-            <a:avLst/>
-          </a:prstGeom>
-          <a:noFill/>
-          <a:extLst>
-            <a:ext uri="{909E8E84-426E-40DD-AFC4-6F175D3DCCD1}">
-              <a14:hiddenFill xmlns:a14="http://schemas.microsoft.com/office/drawing/2010/main">
-                <a:solidFill>
-                  <a:srgbClr val="FFFFFF"/>
-                </a:solidFill>
-              </a14:hiddenFill>
-            </a:ext>
-          </a:extLst>
-        </p:spPr>
-      </p:pic>
-      <p:pic>
-        <p:nvPicPr>
-          <p:cNvPr id="1034" name="Picture 10">
-            <a:extLst>
-              <a:ext uri="{FF2B5EF4-FFF2-40B4-BE49-F238E27FC236}">
-                <a16:creationId xmlns:a16="http://schemas.microsoft.com/office/drawing/2014/main" id="{23DAE2A4-6C21-3220-518B-C5D7B3EFACB4}"/>
-              </a:ext>
-            </a:extLst>
-          </p:cNvPr>
-          <p:cNvPicPr>
-            <a:picLocks noChangeAspect="1" noChangeArrowheads="1"/>
-          </p:cNvPicPr>
-          <p:nvPr/>
-        </p:nvPicPr>
-        <p:blipFill>
-          <a:blip r:embed="rId4">
-            <a:extLst>
-              <a:ext uri="{28A0092B-C50C-407E-A947-70E740481C1C}">
-                <a14:useLocalDpi xmlns:a14="http://schemas.microsoft.com/office/drawing/2010/main" val="0"/>
-              </a:ext>
-            </a:extLst>
-          </a:blip>
-          <a:srcRect/>
-          <a:stretch>
-            <a:fillRect/>
-          </a:stretch>
-        </p:blipFill>
-        <p:spPr bwMode="auto">
-          <a:xfrm>
-            <a:off x="5919686" y="5287738"/>
-            <a:ext cx="1231900" cy="1231900"/>
-          </a:xfrm>
-          <a:prstGeom prst="rect">
-            <a:avLst/>
-          </a:prstGeom>
-          <a:noFill/>
-          <a:extLst>
-            <a:ext uri="{909E8E84-426E-40DD-AFC4-6F175D3DCCD1}">
-              <a14:hiddenFill xmlns:a14="http://schemas.microsoft.com/office/drawing/2010/main">
-                <a:solidFill>
-                  <a:srgbClr val="FFFFFF"/>
-                </a:solidFill>
-              </a14:hiddenFill>
-            </a:ext>
-          </a:extLst>
-        </p:spPr>
-      </p:pic>
-      <p:sp>
-        <p:nvSpPr>
-          <p:cNvPr id="12" name="Up-down Arrow 11">
-            <a:extLst>
-              <a:ext uri="{FF2B5EF4-FFF2-40B4-BE49-F238E27FC236}">
-                <a16:creationId xmlns:a16="http://schemas.microsoft.com/office/drawing/2014/main" id="{151B3AFD-69FA-D19A-1F56-E768F9FDBF69}"/>
-              </a:ext>
-            </a:extLst>
-          </p:cNvPr>
-          <p:cNvSpPr/>
-          <p:nvPr/>
-        </p:nvSpPr>
-        <p:spPr>
-          <a:xfrm>
-            <a:off x="6376886" y="2032000"/>
-            <a:ext cx="317500" cy="1123951"/>
-          </a:xfrm>
-          <a:prstGeom prst="upDownArrow">
-            <a:avLst/>
-          </a:prstGeom>
-        </p:spPr>
-        <p:style>
-          <a:lnRef idx="2">
-            <a:schemeClr val="accent1">
-              <a:shade val="15000"/>
-            </a:schemeClr>
-          </a:lnRef>
-          <a:fillRef idx="1">
-            <a:schemeClr val="accent1"/>
-          </a:fillRef>
-          <a:effectRef idx="0">
-            <a:schemeClr val="accent1"/>
-          </a:effectRef>
-          <a:fontRef idx="minor">
-            <a:schemeClr val="lt1"/>
-          </a:fontRef>
-        </p:style>
-        <p:txBody>
-          <a:bodyPr rtlCol="0" anchor="ctr"/>
-          <a:lstStyle/>
-          <a:p>
-            <a:pPr algn="ctr"/>
-            <a:endParaRPr lang="en-GB"/>
-          </a:p>
-        </p:txBody>
-      </p:sp>
-      <p:sp>
-        <p:nvSpPr>
-          <p:cNvPr id="13" name="Up-down Arrow 12">
-            <a:extLst>
-              <a:ext uri="{FF2B5EF4-FFF2-40B4-BE49-F238E27FC236}">
-                <a16:creationId xmlns:a16="http://schemas.microsoft.com/office/drawing/2014/main" id="{AB5E5387-917D-8DD3-7A2C-FB9A03AE9E21}"/>
-              </a:ext>
-            </a:extLst>
-          </p:cNvPr>
-          <p:cNvSpPr/>
-          <p:nvPr/>
-        </p:nvSpPr>
-        <p:spPr>
-          <a:xfrm>
-            <a:off x="6391072" y="4211412"/>
-            <a:ext cx="317500" cy="1123951"/>
-          </a:xfrm>
-          <a:prstGeom prst="upDownArrow">
-            <a:avLst/>
-          </a:prstGeom>
-        </p:spPr>
-        <p:style>
-          <a:lnRef idx="2">
-            <a:schemeClr val="accent1">
-              <a:shade val="15000"/>
-            </a:schemeClr>
-          </a:lnRef>
-          <a:fillRef idx="1">
-            <a:schemeClr val="accent1"/>
-          </a:fillRef>
-          <a:effectRef idx="0">
-            <a:schemeClr val="accent1"/>
-          </a:effectRef>
-          <a:fontRef idx="minor">
-            <a:schemeClr val="lt1"/>
-          </a:fontRef>
-        </p:style>
-        <p:txBody>
-          <a:bodyPr rtlCol="0" anchor="ctr"/>
-          <a:lstStyle/>
-          <a:p>
-            <a:pPr algn="ctr"/>
-            <a:endParaRPr lang="en-GB"/>
-          </a:p>
-        </p:txBody>
-      </p:sp>
-      <p:sp>
-        <p:nvSpPr>
-          <p:cNvPr id="14" name="Rounded Rectangle 13">
-            <a:extLst>
-              <a:ext uri="{FF2B5EF4-FFF2-40B4-BE49-F238E27FC236}">
-                <a16:creationId xmlns:a16="http://schemas.microsoft.com/office/drawing/2014/main" id="{60CB92E0-AFCA-A1AC-B884-4C8EB8D559F2}"/>
-              </a:ext>
-            </a:extLst>
-          </p:cNvPr>
-          <p:cNvSpPr/>
-          <p:nvPr/>
-        </p:nvSpPr>
-        <p:spPr>
-          <a:xfrm>
-            <a:off x="987867" y="2593975"/>
-            <a:ext cx="2650603" cy="1006997"/>
-          </a:xfrm>
-          <a:prstGeom prst="roundRect">
-            <a:avLst/>
-          </a:prstGeom>
-        </p:spPr>
-        <p:style>
-          <a:lnRef idx="2">
-            <a:schemeClr val="accent1">
-              <a:shade val="15000"/>
-            </a:schemeClr>
-          </a:lnRef>
-          <a:fillRef idx="1">
-            <a:schemeClr val="accent1"/>
-          </a:fillRef>
-          <a:effectRef idx="0">
-            <a:schemeClr val="accent1"/>
-          </a:effectRef>
-          <a:fontRef idx="minor">
-            <a:schemeClr val="lt1"/>
-          </a:fontRef>
-        </p:style>
-        <p:txBody>
-          <a:bodyPr rtlCol="0" anchor="ctr"/>
-          <a:lstStyle/>
-          <a:p>
-            <a:pPr algn="ctr"/>
+              <a:t>Agenda:</a:t>
+            </a:r>
+          </a:p>
+          <a:p>
+            <a:pPr lvl="1"/>
             <a:r>
               <a:rPr lang="en-GB" dirty="0"/>
-              <a:t>The whole self-training </a:t>
+              <a:t>In general: having an engineering mindset</a:t>
+            </a:r>
+          </a:p>
+          <a:p>
+            <a:pPr lvl="1"/>
+            <a:r>
+              <a:rPr lang="en-GB" dirty="0"/>
+              <a:t>Vetting what I’ve done</a:t>
+            </a:r>
+          </a:p>
+          <a:p>
+            <a:pPr lvl="2"/>
+            <a:r>
+              <a:rPr lang="en-GB" dirty="0"/>
+              <a:t>CI/CD done correctly? Robust enough? Separate vs together? Data?</a:t>
+            </a:r>
+          </a:p>
+          <a:p>
+            <a:pPr lvl="2"/>
+            <a:r>
+              <a:rPr lang="en-GB" dirty="0"/>
+              <a:t>What to push to cloud? E.g. AWS Lambda functions for data cleaning, </a:t>
             </a:r>
             <a:r>
               <a:rPr lang="en-GB" dirty="0" err="1"/>
-              <a:t>MLOps</a:t>
+              <a:t>MLFlow</a:t>
             </a:r>
             <a:r>
               <a:rPr lang="en-GB" dirty="0"/>
-              <a:t> workflow...</a:t>
-            </a:r>
-          </a:p>
-        </p:txBody>
-      </p:sp>
-      <p:cxnSp>
-        <p:nvCxnSpPr>
-          <p:cNvPr id="16" name="Elbow Connector 15">
-            <a:extLst>
-              <a:ext uri="{FF2B5EF4-FFF2-40B4-BE49-F238E27FC236}">
-                <a16:creationId xmlns:a16="http://schemas.microsoft.com/office/drawing/2014/main" id="{AEAE8A24-C0F4-08D6-F1D7-04265537AE1D}"/>
-              </a:ext>
-            </a:extLst>
-          </p:cNvPr>
-          <p:cNvCxnSpPr>
-            <a:stCxn id="4" idx="1"/>
-            <a:endCxn id="14" idx="1"/>
-          </p:cNvCxnSpPr>
-          <p:nvPr/>
-        </p:nvCxnSpPr>
-        <p:spPr>
-          <a:xfrm rot="10800000" flipV="1">
-            <a:off x="987867" y="1383174"/>
-            <a:ext cx="12700" cy="1714299"/>
-          </a:xfrm>
-          <a:prstGeom prst="bentConnector3">
-            <a:avLst>
-              <a:gd name="adj1" fmla="val 3600000"/>
-            </a:avLst>
-          </a:prstGeom>
-          <a:ln>
-            <a:solidFill>
-              <a:schemeClr val="accent2">
-                <a:lumMod val="75000"/>
-              </a:schemeClr>
-            </a:solidFill>
-            <a:tailEnd type="triangle"/>
-          </a:ln>
-        </p:spPr>
-        <p:style>
-          <a:lnRef idx="2">
-            <a:schemeClr val="accent1"/>
-          </a:lnRef>
-          <a:fillRef idx="0">
-            <a:schemeClr val="accent1"/>
-          </a:fillRef>
-          <a:effectRef idx="1">
-            <a:schemeClr val="accent1"/>
-          </a:effectRef>
-          <a:fontRef idx="minor">
-            <a:schemeClr val="tx1"/>
-          </a:fontRef>
-        </p:style>
-      </p:cxnSp>
-      <p:cxnSp>
-        <p:nvCxnSpPr>
-          <p:cNvPr id="18" name="Elbow Connector 17">
-            <a:extLst>
-              <a:ext uri="{FF2B5EF4-FFF2-40B4-BE49-F238E27FC236}">
-                <a16:creationId xmlns:a16="http://schemas.microsoft.com/office/drawing/2014/main" id="{EA3567BC-5871-9551-D336-1AE245846CE5}"/>
-              </a:ext>
-            </a:extLst>
-          </p:cNvPr>
-          <p:cNvCxnSpPr>
-            <a:cxnSpLocks/>
-            <a:stCxn id="14" idx="3"/>
-            <a:endCxn id="4" idx="3"/>
-          </p:cNvCxnSpPr>
-          <p:nvPr/>
-        </p:nvCxnSpPr>
-        <p:spPr>
-          <a:xfrm flipV="1">
-            <a:off x="3638470" y="1383175"/>
-            <a:ext cx="12700" cy="1714299"/>
-          </a:xfrm>
-          <a:prstGeom prst="bentConnector3">
-            <a:avLst>
-              <a:gd name="adj1" fmla="val 4200000"/>
-            </a:avLst>
-          </a:prstGeom>
-          <a:ln>
-            <a:solidFill>
-              <a:schemeClr val="accent2">
-                <a:lumMod val="75000"/>
-              </a:schemeClr>
-            </a:solidFill>
-            <a:tailEnd type="triangle"/>
-          </a:ln>
-        </p:spPr>
-        <p:style>
-          <a:lnRef idx="2">
-            <a:schemeClr val="accent1"/>
-          </a:lnRef>
-          <a:fillRef idx="0">
-            <a:schemeClr val="accent1"/>
-          </a:fillRef>
-          <a:effectRef idx="1">
-            <a:schemeClr val="accent1"/>
-          </a:effectRef>
-          <a:fontRef idx="minor">
-            <a:schemeClr val="tx1"/>
-          </a:fontRef>
-        </p:style>
-      </p:cxnSp>
+              <a:t> server, hyperparameter search, </a:t>
+            </a:r>
+          </a:p>
+          <a:p>
+            <a:pPr lvl="2"/>
+            <a:r>
+              <a:rPr lang="en-GB" dirty="0"/>
+              <a:t>When to deploy to production/main?</a:t>
+            </a:r>
+          </a:p>
+          <a:p>
+            <a:pPr lvl="2"/>
+            <a:r>
+              <a:rPr lang="en-GB" dirty="0"/>
+              <a:t>Usage of logging</a:t>
+            </a:r>
+          </a:p>
+          <a:p>
+            <a:pPr lvl="2"/>
+            <a:r>
+              <a:rPr lang="en-GB" dirty="0"/>
+              <a:t>File structure</a:t>
+            </a:r>
+          </a:p>
+          <a:p>
+            <a:pPr lvl="1"/>
+            <a:r>
+              <a:rPr lang="en-GB" dirty="0"/>
+              <a:t>Looking forward: Prioritising what to do next e.g. modelling</a:t>
+            </a:r>
+          </a:p>
+          <a:p>
+            <a:pPr lvl="1"/>
+            <a:r>
+              <a:rPr lang="en-GB" dirty="0"/>
+              <a:t>Consulting vs other types of DS</a:t>
+            </a:r>
+          </a:p>
+        </p:txBody>
+      </p:sp>
     </p:spTree>
     <p:extLst>
       <p:ext uri="{BB962C8B-B14F-4D97-AF65-F5344CB8AC3E}">
-        <p14:creationId xmlns:p14="http://schemas.microsoft.com/office/powerpoint/2010/main" val="616464746"/>
+        <p14:creationId xmlns:p14="http://schemas.microsoft.com/office/powerpoint/2010/main" val="311112366"/>
       </p:ext>
     </p:extLst>
   </p:cSld>
@@ -5383,8 +5108,8 @@
         </p:blipFill>
         <p:spPr bwMode="auto">
           <a:xfrm>
-            <a:off x="10305934" y="824590"/>
-            <a:ext cx="1915438" cy="1442125"/>
+            <a:off x="10446247" y="1399186"/>
+            <a:ext cx="1904282" cy="1433726"/>
           </a:xfrm>
           <a:prstGeom prst="rect">
             <a:avLst/>
@@ -5415,8 +5140,8 @@
         </p:nvSpPr>
         <p:spPr>
           <a:xfrm>
-            <a:off x="1054100" y="114300"/>
-            <a:ext cx="3885294" cy="553998"/>
+            <a:off x="535289" y="139686"/>
+            <a:ext cx="4980501" cy="646331"/>
           </a:xfrm>
           <a:prstGeom prst="rect">
             <a:avLst/>
@@ -5430,8 +5155,8 @@
           <a:lstStyle/>
           <a:p>
             <a:r>
-              <a:rPr lang="en-GB" sz="3000" dirty="0"/>
-              <a:t>With AWS and Docker</a:t>
+              <a:rPr lang="en-GB" sz="3600" dirty="0"/>
+              <a:t>Overview</a:t>
             </a:r>
           </a:p>
         </p:txBody>
@@ -5450,8 +5175,8 @@
         </p:nvSpPr>
         <p:spPr>
           <a:xfrm>
-            <a:off x="987867" y="1057476"/>
-            <a:ext cx="2650603" cy="1006997"/>
+            <a:off x="3942144" y="2590065"/>
+            <a:ext cx="2414384" cy="1006997"/>
           </a:xfrm>
           <a:prstGeom prst="roundRect">
             <a:avLst/>
@@ -5480,7 +5205,18 @@
             <a:pPr algn="ctr"/>
             <a:r>
               <a:rPr lang="en-GB" dirty="0"/>
-              <a:t>Model training &amp; assessment on champion model</a:t>
+              <a:t>Model training &amp; output champion model </a:t>
+            </a:r>
+            <a:r>
+              <a:rPr lang="en-GB" b="1" dirty="0">
+                <a:solidFill>
+                  <a:schemeClr val="accent2">
+                    <a:lumMod val="40000"/>
+                    <a:lumOff val="60000"/>
+                  </a:schemeClr>
+                </a:solidFill>
+              </a:rPr>
+              <a:t>locally</a:t>
             </a:r>
           </a:p>
         </p:txBody>
@@ -5499,7 +5235,7 @@
         </p:nvSpPr>
         <p:spPr>
           <a:xfrm>
-            <a:off x="4109706" y="1397000"/>
+            <a:off x="6600920" y="2929589"/>
             <a:ext cx="990768" cy="319314"/>
           </a:xfrm>
           <a:prstGeom prst="rightArrow">
@@ -5531,198 +5267,6 @@
           </a:p>
         </p:txBody>
       </p:sp>
-      <p:sp>
-        <p:nvSpPr>
-          <p:cNvPr id="14" name="Rounded Rectangle 13">
-            <a:extLst>
-              <a:ext uri="{FF2B5EF4-FFF2-40B4-BE49-F238E27FC236}">
-                <a16:creationId xmlns:a16="http://schemas.microsoft.com/office/drawing/2014/main" id="{7868E1C6-62F3-4BA1-8286-2A11E6A82B47}"/>
-              </a:ext>
-            </a:extLst>
-          </p:cNvPr>
-          <p:cNvSpPr/>
-          <p:nvPr/>
-        </p:nvSpPr>
-        <p:spPr>
-          <a:xfrm>
-            <a:off x="987867" y="2771775"/>
-            <a:ext cx="2650603" cy="1006997"/>
-          </a:xfrm>
-          <a:prstGeom prst="roundRect">
-            <a:avLst/>
-          </a:prstGeom>
-        </p:spPr>
-        <p:style>
-          <a:lnRef idx="2">
-            <a:schemeClr val="accent1">
-              <a:shade val="15000"/>
-            </a:schemeClr>
-          </a:lnRef>
-          <a:fillRef idx="1">
-            <a:schemeClr val="accent1"/>
-          </a:fillRef>
-          <a:effectRef idx="0">
-            <a:schemeClr val="accent1"/>
-          </a:effectRef>
-          <a:fontRef idx="minor">
-            <a:schemeClr val="lt1"/>
-          </a:fontRef>
-        </p:style>
-        <p:txBody>
-          <a:bodyPr rtlCol="0" anchor="ctr"/>
-          <a:lstStyle/>
-          <a:p>
-            <a:pPr algn="ctr"/>
-            <a:r>
-              <a:rPr lang="en-GB" dirty="0"/>
-              <a:t>The whole self-training </a:t>
-            </a:r>
-            <a:r>
-              <a:rPr lang="en-GB" dirty="0" err="1"/>
-              <a:t>MLOps</a:t>
-            </a:r>
-            <a:r>
-              <a:rPr lang="en-GB" dirty="0"/>
-              <a:t> workflow...</a:t>
-            </a:r>
-          </a:p>
-        </p:txBody>
-      </p:sp>
-      <p:cxnSp>
-        <p:nvCxnSpPr>
-          <p:cNvPr id="15" name="Elbow Connector 14">
-            <a:extLst>
-              <a:ext uri="{FF2B5EF4-FFF2-40B4-BE49-F238E27FC236}">
-                <a16:creationId xmlns:a16="http://schemas.microsoft.com/office/drawing/2014/main" id="{4D84FD12-E7D0-432C-1C65-BBFAFA27769D}"/>
-              </a:ext>
-            </a:extLst>
-          </p:cNvPr>
-          <p:cNvCxnSpPr>
-            <a:cxnSpLocks/>
-            <a:stCxn id="14" idx="1"/>
-            <a:endCxn id="2" idx="1"/>
-          </p:cNvCxnSpPr>
-          <p:nvPr/>
-        </p:nvCxnSpPr>
-        <p:spPr>
-          <a:xfrm rot="10800000">
-            <a:off x="987867" y="1560976"/>
-            <a:ext cx="12700" cy="1714299"/>
-          </a:xfrm>
-          <a:prstGeom prst="bentConnector3">
-            <a:avLst>
-              <a:gd name="adj1" fmla="val 1800000"/>
-            </a:avLst>
-          </a:prstGeom>
-          <a:ln>
-            <a:solidFill>
-              <a:schemeClr val="accent2">
-                <a:lumMod val="75000"/>
-              </a:schemeClr>
-            </a:solidFill>
-            <a:tailEnd type="triangle"/>
-          </a:ln>
-        </p:spPr>
-        <p:style>
-          <a:lnRef idx="2">
-            <a:schemeClr val="accent1"/>
-          </a:lnRef>
-          <a:fillRef idx="0">
-            <a:schemeClr val="accent1"/>
-          </a:fillRef>
-          <a:effectRef idx="1">
-            <a:schemeClr val="accent1"/>
-          </a:effectRef>
-          <a:fontRef idx="minor">
-            <a:schemeClr val="tx1"/>
-          </a:fontRef>
-        </p:style>
-      </p:cxnSp>
-      <p:cxnSp>
-        <p:nvCxnSpPr>
-          <p:cNvPr id="16" name="Elbow Connector 15">
-            <a:extLst>
-              <a:ext uri="{FF2B5EF4-FFF2-40B4-BE49-F238E27FC236}">
-                <a16:creationId xmlns:a16="http://schemas.microsoft.com/office/drawing/2014/main" id="{6F682BC3-8F5B-5C46-B958-7543BCCCB9F2}"/>
-              </a:ext>
-            </a:extLst>
-          </p:cNvPr>
-          <p:cNvCxnSpPr>
-            <a:cxnSpLocks/>
-            <a:stCxn id="2" idx="3"/>
-            <a:endCxn id="14" idx="3"/>
-          </p:cNvCxnSpPr>
-          <p:nvPr/>
-        </p:nvCxnSpPr>
-        <p:spPr>
-          <a:xfrm>
-            <a:off x="3638470" y="1560975"/>
-            <a:ext cx="12700" cy="1714299"/>
-          </a:xfrm>
-          <a:prstGeom prst="bentConnector3">
-            <a:avLst>
-              <a:gd name="adj1" fmla="val 1800000"/>
-            </a:avLst>
-          </a:prstGeom>
-          <a:ln>
-            <a:solidFill>
-              <a:schemeClr val="accent2">
-                <a:lumMod val="75000"/>
-              </a:schemeClr>
-            </a:solidFill>
-            <a:tailEnd type="triangle"/>
-          </a:ln>
-        </p:spPr>
-        <p:style>
-          <a:lnRef idx="2">
-            <a:schemeClr val="accent1"/>
-          </a:lnRef>
-          <a:fillRef idx="0">
-            <a:schemeClr val="accent1"/>
-          </a:fillRef>
-          <a:effectRef idx="1">
-            <a:schemeClr val="accent1"/>
-          </a:effectRef>
-          <a:fontRef idx="minor">
-            <a:schemeClr val="tx1"/>
-          </a:fontRef>
-        </p:style>
-      </p:cxnSp>
-      <p:sp>
-        <p:nvSpPr>
-          <p:cNvPr id="22" name="TextBox 21">
-            <a:extLst>
-              <a:ext uri="{FF2B5EF4-FFF2-40B4-BE49-F238E27FC236}">
-                <a16:creationId xmlns:a16="http://schemas.microsoft.com/office/drawing/2014/main" id="{EC344657-FEED-CFD3-A494-1C3EF56911F9}"/>
-              </a:ext>
-            </a:extLst>
-          </p:cNvPr>
-          <p:cNvSpPr txBox="1"/>
-          <p:nvPr/>
-        </p:nvSpPr>
-        <p:spPr>
-          <a:xfrm>
-            <a:off x="8119134" y="147831"/>
-            <a:ext cx="1138731" cy="461665"/>
-          </a:xfrm>
-          <a:prstGeom prst="rect">
-            <a:avLst/>
-          </a:prstGeom>
-          <a:noFill/>
-        </p:spPr>
-        <p:txBody>
-          <a:bodyPr wrap="square" rtlCol="0">
-            <a:spAutoFit/>
-          </a:bodyPr>
-          <a:lstStyle/>
-          <a:p>
-            <a:r>
-              <a:rPr lang="en-GB" sz="2400" dirty="0"/>
-              <a:t>Cloud</a:t>
-            </a:r>
-          </a:p>
-        </p:txBody>
-      </p:sp>
       <p:grpSp>
         <p:nvGrpSpPr>
           <p:cNvPr id="45" name="Group 44">
@@ -5737,7 +5281,7 @@
         </p:nvGrpSpPr>
         <p:grpSpPr>
           <a:xfrm>
-            <a:off x="7975022" y="2532852"/>
+            <a:off x="7964819" y="3592744"/>
             <a:ext cx="1429538" cy="882994"/>
             <a:chOff x="8477318" y="3594775"/>
             <a:chExt cx="1429538" cy="882994"/>
@@ -5872,7 +5416,7 @@
         </p:blipFill>
         <p:spPr bwMode="auto">
           <a:xfrm>
-            <a:off x="10786272" y="3477403"/>
+            <a:off x="10871913" y="5064648"/>
             <a:ext cx="1231900" cy="1231900"/>
           </a:xfrm>
           <a:prstGeom prst="rect">
@@ -5904,7 +5448,7 @@
         </p:nvSpPr>
         <p:spPr>
           <a:xfrm>
-            <a:off x="11230772" y="2098780"/>
+            <a:off x="11301313" y="3631369"/>
             <a:ext cx="317500" cy="1442124"/>
           </a:xfrm>
           <a:prstGeom prst="upDownArrow">
@@ -5938,10 +5482,10 @@
       </p:sp>
       <p:pic>
         <p:nvPicPr>
-          <p:cNvPr id="3076" name="Picture 4">
-            <a:extLst>
-              <a:ext uri="{FF2B5EF4-FFF2-40B4-BE49-F238E27FC236}">
-                <a16:creationId xmlns:a16="http://schemas.microsoft.com/office/drawing/2014/main" id="{CD599D6C-015E-8E3F-D8E8-EE9216009F0E}"/>
+          <p:cNvPr id="3090" name="Picture 18" descr="FastAPI">
+            <a:extLst>
+              <a:ext uri="{FF2B5EF4-FFF2-40B4-BE49-F238E27FC236}">
+                <a16:creationId xmlns:a16="http://schemas.microsoft.com/office/drawing/2014/main" id="{801D0F91-1A59-4D40-1ACE-6231AD3B91D6}"/>
               </a:ext>
             </a:extLst>
           </p:cNvPr>
@@ -5965,129 +5509,7 @@
         </p:blipFill>
         <p:spPr bwMode="auto">
           <a:xfrm>
-            <a:off x="5334772" y="1026632"/>
-            <a:ext cx="896553" cy="1072884"/>
-          </a:xfrm>
-          <a:prstGeom prst="rect">
-            <a:avLst/>
-          </a:prstGeom>
-          <a:noFill/>
-          <a:extLst>
-            <a:ext uri="{909E8E84-426E-40DD-AFC4-6F175D3DCCD1}">
-              <a14:hiddenFill xmlns:a14="http://schemas.microsoft.com/office/drawing/2010/main">
-                <a:solidFill>
-                  <a:srgbClr val="FFFFFF"/>
-                </a:solidFill>
-              </a14:hiddenFill>
-            </a:ext>
-          </a:extLst>
-        </p:spPr>
-      </p:pic>
-      <p:sp>
-        <p:nvSpPr>
-          <p:cNvPr id="29" name="TextBox 28">
-            <a:extLst>
-              <a:ext uri="{FF2B5EF4-FFF2-40B4-BE49-F238E27FC236}">
-                <a16:creationId xmlns:a16="http://schemas.microsoft.com/office/drawing/2014/main" id="{DCCBA825-9CAF-5014-83B6-AEF09E30296E}"/>
-              </a:ext>
-            </a:extLst>
-          </p:cNvPr>
-          <p:cNvSpPr txBox="1"/>
-          <p:nvPr/>
-        </p:nvSpPr>
-        <p:spPr>
-          <a:xfrm>
-            <a:off x="4017228" y="1016904"/>
-            <a:ext cx="1307285" cy="369332"/>
-          </a:xfrm>
-          <a:prstGeom prst="rect">
-            <a:avLst/>
-          </a:prstGeom>
-          <a:noFill/>
-        </p:spPr>
-        <p:txBody>
-          <a:bodyPr wrap="square" rtlCol="0">
-            <a:spAutoFit/>
-          </a:bodyPr>
-          <a:lstStyle/>
-          <a:p>
-            <a:r>
-              <a:rPr lang="en-GB" dirty="0"/>
-              <a:t>Output to</a:t>
-            </a:r>
-          </a:p>
-        </p:txBody>
-      </p:sp>
-      <p:sp>
-        <p:nvSpPr>
-          <p:cNvPr id="38" name="TextBox 37">
-            <a:extLst>
-              <a:ext uri="{FF2B5EF4-FFF2-40B4-BE49-F238E27FC236}">
-                <a16:creationId xmlns:a16="http://schemas.microsoft.com/office/drawing/2014/main" id="{7CC7F5C2-AD56-B6A6-CC49-1BA7FF5F78BC}"/>
-              </a:ext>
-            </a:extLst>
-          </p:cNvPr>
-          <p:cNvSpPr txBox="1"/>
-          <p:nvPr/>
-        </p:nvSpPr>
-        <p:spPr>
-          <a:xfrm>
-            <a:off x="6135909" y="212026"/>
-            <a:ext cx="1904284" cy="1200329"/>
-          </a:xfrm>
-          <a:prstGeom prst="rect">
-            <a:avLst/>
-          </a:prstGeom>
-          <a:noFill/>
-        </p:spPr>
-        <p:txBody>
-          <a:bodyPr wrap="square" rtlCol="0">
-            <a:spAutoFit/>
-          </a:bodyPr>
-          <a:lstStyle/>
-          <a:p>
-            <a:r>
-              <a:rPr lang="en-GB" dirty="0"/>
-              <a:t>Push whenever changes to code are pushed to </a:t>
-            </a:r>
-            <a:r>
-              <a:rPr lang="en-GB" dirty="0" err="1"/>
-              <a:t>Github</a:t>
-            </a:r>
-            <a:endParaRPr lang="en-GB" dirty="0"/>
-          </a:p>
-        </p:txBody>
-      </p:sp>
-      <p:pic>
-        <p:nvPicPr>
-          <p:cNvPr id="3090" name="Picture 18" descr="FastAPI">
-            <a:extLst>
-              <a:ext uri="{FF2B5EF4-FFF2-40B4-BE49-F238E27FC236}">
-                <a16:creationId xmlns:a16="http://schemas.microsoft.com/office/drawing/2014/main" id="{801D0F91-1A59-4D40-1ACE-6231AD3B91D6}"/>
-              </a:ext>
-            </a:extLst>
-          </p:cNvPr>
-          <p:cNvPicPr>
-            <a:picLocks noChangeAspect="1" noChangeArrowheads="1"/>
-          </p:cNvPicPr>
-          <p:nvPr/>
-        </p:nvPicPr>
-        <p:blipFill>
-          <a:blip r:embed="rId7">
-            <a:extLst>
-              <a:ext uri="{28A0092B-C50C-407E-A947-70E740481C1C}">
-                <a14:useLocalDpi xmlns:a14="http://schemas.microsoft.com/office/drawing/2010/main" val="0"/>
-              </a:ext>
-            </a:extLst>
-          </a:blip>
-          <a:srcRect/>
-          <a:stretch>
-            <a:fillRect/>
-          </a:stretch>
-        </p:blipFill>
-        <p:spPr bwMode="auto">
-          <a:xfrm>
-            <a:off x="7663189" y="1228273"/>
+            <a:off x="7733730" y="2760862"/>
             <a:ext cx="1904284" cy="686336"/>
           </a:xfrm>
           <a:prstGeom prst="rect">
@@ -6119,7 +5541,7 @@
         </p:nvSpPr>
         <p:spPr>
           <a:xfrm>
-            <a:off x="7755410" y="1222872"/>
+            <a:off x="7825951" y="2755461"/>
             <a:ext cx="1748563" cy="686336"/>
           </a:xfrm>
           <a:prstGeom prst="roundRect">
@@ -6159,59 +5581,19 @@
       </p:sp>
       <p:sp>
         <p:nvSpPr>
-          <p:cNvPr id="49" name="TextBox 48">
-            <a:extLst>
-              <a:ext uri="{FF2B5EF4-FFF2-40B4-BE49-F238E27FC236}">
-                <a16:creationId xmlns:a16="http://schemas.microsoft.com/office/drawing/2014/main" id="{C59D0C78-C72A-4559-4DC3-F97B28598D38}"/>
-              </a:ext>
-            </a:extLst>
-          </p:cNvPr>
-          <p:cNvSpPr txBox="1"/>
+          <p:cNvPr id="51" name="Right Arrow 50">
+            <a:extLst>
+              <a:ext uri="{FF2B5EF4-FFF2-40B4-BE49-F238E27FC236}">
+                <a16:creationId xmlns:a16="http://schemas.microsoft.com/office/drawing/2014/main" id="{07136B44-9842-B50D-080C-CF95F1CB6A58}"/>
+              </a:ext>
+            </a:extLst>
+          </p:cNvPr>
+          <p:cNvSpPr/>
           <p:nvPr/>
         </p:nvSpPr>
         <p:spPr>
           <a:xfrm>
-            <a:off x="7902069" y="609496"/>
-            <a:ext cx="1572863" cy="646331"/>
-          </a:xfrm>
-          <a:prstGeom prst="rect">
-            <a:avLst/>
-          </a:prstGeom>
-          <a:noFill/>
-        </p:spPr>
-        <p:txBody>
-          <a:bodyPr wrap="square" rtlCol="0">
-            <a:spAutoFit/>
-          </a:bodyPr>
-          <a:lstStyle/>
-          <a:p>
-            <a:pPr algn="ctr"/>
-            <a:r>
-              <a:rPr lang="en-GB" dirty="0" err="1"/>
-              <a:t>Dockerised</a:t>
-            </a:r>
-            <a:r>
-              <a:rPr lang="en-GB" dirty="0"/>
-              <a:t> + Docker Hub</a:t>
-            </a:r>
-          </a:p>
-        </p:txBody>
-      </p:sp>
-      <p:sp>
-        <p:nvSpPr>
-          <p:cNvPr id="50" name="Right Arrow 49">
-            <a:extLst>
-              <a:ext uri="{FF2B5EF4-FFF2-40B4-BE49-F238E27FC236}">
-                <a16:creationId xmlns:a16="http://schemas.microsoft.com/office/drawing/2014/main" id="{91E8C505-1FE8-301A-2EFD-B14B93263DA7}"/>
-              </a:ext>
-            </a:extLst>
-          </p:cNvPr>
-          <p:cNvSpPr/>
-          <p:nvPr/>
-        </p:nvSpPr>
-        <p:spPr>
-          <a:xfrm>
-            <a:off x="6483168" y="1397000"/>
+            <a:off x="9803760" y="2936006"/>
             <a:ext cx="990768" cy="319314"/>
           </a:xfrm>
           <a:prstGeom prst="rightArrow">
@@ -6245,10 +5627,10 @@
       </p:sp>
       <p:sp>
         <p:nvSpPr>
-          <p:cNvPr id="51" name="Right Arrow 50">
-            <a:extLst>
-              <a:ext uri="{FF2B5EF4-FFF2-40B4-BE49-F238E27FC236}">
-                <a16:creationId xmlns:a16="http://schemas.microsoft.com/office/drawing/2014/main" id="{07136B44-9842-B50D-080C-CF95F1CB6A58}"/>
+          <p:cNvPr id="54" name="Rectangle 53">
+            <a:extLst>
+              <a:ext uri="{FF2B5EF4-FFF2-40B4-BE49-F238E27FC236}">
+                <a16:creationId xmlns:a16="http://schemas.microsoft.com/office/drawing/2014/main" id="{8C63CC96-554C-B0A1-3ADE-C900D11D0685}"/>
               </a:ext>
             </a:extLst>
           </p:cNvPr>
@@ -6257,7 +5639,144 @@
         </p:nvSpPr>
         <p:spPr>
           <a:xfrm>
-            <a:off x="9733219" y="1403417"/>
+            <a:off x="7746251" y="2628702"/>
+            <a:ext cx="1904284" cy="1990411"/>
+          </a:xfrm>
+          <a:prstGeom prst="rect">
+            <a:avLst/>
+          </a:prstGeom>
+          <a:noFill/>
+          <a:ln w="38100">
+            <a:solidFill>
+              <a:schemeClr val="accent1"/>
+            </a:solidFill>
+          </a:ln>
+        </p:spPr>
+        <p:style>
+          <a:lnRef idx="2">
+            <a:schemeClr val="accent1">
+              <a:shade val="15000"/>
+            </a:schemeClr>
+          </a:lnRef>
+          <a:fillRef idx="1">
+            <a:schemeClr val="accent1"/>
+          </a:fillRef>
+          <a:effectRef idx="0">
+            <a:schemeClr val="accent1"/>
+          </a:effectRef>
+          <a:fontRef idx="minor">
+            <a:schemeClr val="lt1"/>
+          </a:fontRef>
+        </p:style>
+        <p:txBody>
+          <a:bodyPr rtlCol="0" anchor="ctr"/>
+          <a:lstStyle/>
+          <a:p>
+            <a:pPr algn="ctr"/>
+            <a:endParaRPr lang="en-GB"/>
+          </a:p>
+        </p:txBody>
+      </p:sp>
+      <p:sp>
+        <p:nvSpPr>
+          <p:cNvPr id="55" name="TextBox 54">
+            <a:extLst>
+              <a:ext uri="{FF2B5EF4-FFF2-40B4-BE49-F238E27FC236}">
+                <a16:creationId xmlns:a16="http://schemas.microsoft.com/office/drawing/2014/main" id="{AC04E21F-6BC6-09C8-086E-FF3A70038F24}"/>
+              </a:ext>
+            </a:extLst>
+          </p:cNvPr>
+          <p:cNvSpPr txBox="1"/>
+          <p:nvPr/>
+        </p:nvSpPr>
+        <p:spPr>
+          <a:xfrm>
+            <a:off x="7568752" y="4722207"/>
+            <a:ext cx="2259282" cy="369332"/>
+          </a:xfrm>
+          <a:prstGeom prst="rect">
+            <a:avLst/>
+          </a:prstGeom>
+          <a:noFill/>
+        </p:spPr>
+        <p:txBody>
+          <a:bodyPr wrap="square" rtlCol="0">
+            <a:spAutoFit/>
+          </a:bodyPr>
+          <a:lstStyle/>
+          <a:p>
+            <a:pPr algn="ctr"/>
+            <a:r>
+              <a:rPr lang="en-GB" dirty="0"/>
+              <a:t>1 task on ECS</a:t>
+            </a:r>
+          </a:p>
+        </p:txBody>
+      </p:sp>
+      <p:sp>
+        <p:nvSpPr>
+          <p:cNvPr id="11" name="Rounded Rectangle 10">
+            <a:extLst>
+              <a:ext uri="{FF2B5EF4-FFF2-40B4-BE49-F238E27FC236}">
+                <a16:creationId xmlns:a16="http://schemas.microsoft.com/office/drawing/2014/main" id="{1D8587A6-6B60-6E93-6B5F-62DCFD57C82A}"/>
+              </a:ext>
+            </a:extLst>
+          </p:cNvPr>
+          <p:cNvSpPr/>
+          <p:nvPr/>
+        </p:nvSpPr>
+        <p:spPr>
+          <a:xfrm>
+            <a:off x="258226" y="5093292"/>
+            <a:ext cx="2360640" cy="1006997"/>
+          </a:xfrm>
+          <a:prstGeom prst="roundRect">
+            <a:avLst/>
+          </a:prstGeom>
+        </p:spPr>
+        <p:style>
+          <a:lnRef idx="2">
+            <a:schemeClr val="accent1">
+              <a:shade val="15000"/>
+            </a:schemeClr>
+          </a:lnRef>
+          <a:fillRef idx="1">
+            <a:schemeClr val="accent1"/>
+          </a:fillRef>
+          <a:effectRef idx="0">
+            <a:schemeClr val="accent1"/>
+          </a:effectRef>
+          <a:fontRef idx="minor">
+            <a:schemeClr val="lt1"/>
+          </a:fontRef>
+        </p:style>
+        <p:txBody>
+          <a:bodyPr rtlCol="0" anchor="ctr"/>
+          <a:lstStyle/>
+          <a:p>
+            <a:pPr algn="ctr"/>
+            <a:r>
+              <a:rPr lang="en-GB" dirty="0"/>
+              <a:t>Data scheduled pull</a:t>
+            </a:r>
+          </a:p>
+        </p:txBody>
+      </p:sp>
+      <p:sp>
+        <p:nvSpPr>
+          <p:cNvPr id="12" name="Right Arrow 11">
+            <a:extLst>
+              <a:ext uri="{FF2B5EF4-FFF2-40B4-BE49-F238E27FC236}">
+                <a16:creationId xmlns:a16="http://schemas.microsoft.com/office/drawing/2014/main" id="{C5C7236E-FF5E-DCBE-739D-4D8BED88A36B}"/>
+              </a:ext>
+            </a:extLst>
+          </p:cNvPr>
+          <p:cNvSpPr/>
+          <p:nvPr/>
+        </p:nvSpPr>
+        <p:spPr>
+          <a:xfrm rot="16200000">
+            <a:off x="946187" y="4212885"/>
             <a:ext cx="990768" cy="319314"/>
           </a:xfrm>
           <a:prstGeom prst="rightArrow">
@@ -6289,177 +5808,12 @@
           </a:p>
         </p:txBody>
       </p:sp>
-      <p:sp>
-        <p:nvSpPr>
-          <p:cNvPr id="52" name="Right Arrow 51">
-            <a:extLst>
-              <a:ext uri="{FF2B5EF4-FFF2-40B4-BE49-F238E27FC236}">
-                <a16:creationId xmlns:a16="http://schemas.microsoft.com/office/drawing/2014/main" id="{B5B0ADAE-189F-0720-5860-C8E42B3D47D4}"/>
-              </a:ext>
-            </a:extLst>
-          </p:cNvPr>
-          <p:cNvSpPr/>
-          <p:nvPr/>
-        </p:nvSpPr>
-        <p:spPr>
-          <a:xfrm rot="19351648">
-            <a:off x="9693115" y="2454506"/>
-            <a:ext cx="1390507" cy="319314"/>
-          </a:xfrm>
-          <a:prstGeom prst="rightArrow">
-            <a:avLst/>
-          </a:prstGeom>
-        </p:spPr>
-        <p:style>
-          <a:lnRef idx="2">
-            <a:schemeClr val="accent1">
-              <a:shade val="15000"/>
-            </a:schemeClr>
-          </a:lnRef>
-          <a:fillRef idx="1">
-            <a:schemeClr val="accent1"/>
-          </a:fillRef>
-          <a:effectRef idx="0">
-            <a:schemeClr val="accent1"/>
-          </a:effectRef>
-          <a:fontRef idx="minor">
-            <a:schemeClr val="lt1"/>
-          </a:fontRef>
-        </p:style>
-        <p:txBody>
-          <a:bodyPr rtlCol="0" anchor="ctr"/>
-          <a:lstStyle/>
-          <a:p>
-            <a:pPr algn="ctr"/>
-            <a:endParaRPr lang="en-GB"/>
-          </a:p>
-        </p:txBody>
-      </p:sp>
-      <p:sp>
-        <p:nvSpPr>
-          <p:cNvPr id="54" name="Rectangle 53">
-            <a:extLst>
-              <a:ext uri="{FF2B5EF4-FFF2-40B4-BE49-F238E27FC236}">
-                <a16:creationId xmlns:a16="http://schemas.microsoft.com/office/drawing/2014/main" id="{8C63CC96-554C-B0A1-3ADE-C900D11D0685}"/>
-              </a:ext>
-            </a:extLst>
-          </p:cNvPr>
-          <p:cNvSpPr/>
-          <p:nvPr/>
-        </p:nvSpPr>
-        <p:spPr>
-          <a:xfrm>
-            <a:off x="7688589" y="1201570"/>
-            <a:ext cx="1904284" cy="2275833"/>
-          </a:xfrm>
-          <a:prstGeom prst="rect">
-            <a:avLst/>
-          </a:prstGeom>
-          <a:noFill/>
-          <a:ln w="38100">
-            <a:solidFill>
-              <a:srgbClr val="F1A737"/>
-            </a:solidFill>
-          </a:ln>
-        </p:spPr>
-        <p:style>
-          <a:lnRef idx="2">
-            <a:schemeClr val="accent1">
-              <a:shade val="15000"/>
-            </a:schemeClr>
-          </a:lnRef>
-          <a:fillRef idx="1">
-            <a:schemeClr val="accent1"/>
-          </a:fillRef>
-          <a:effectRef idx="0">
-            <a:schemeClr val="accent1"/>
-          </a:effectRef>
-          <a:fontRef idx="minor">
-            <a:schemeClr val="lt1"/>
-          </a:fontRef>
-        </p:style>
-        <p:txBody>
-          <a:bodyPr rtlCol="0" anchor="ctr"/>
-          <a:lstStyle/>
-          <a:p>
-            <a:pPr algn="ctr"/>
-            <a:endParaRPr lang="en-GB"/>
-          </a:p>
-        </p:txBody>
-      </p:sp>
-      <p:sp>
-        <p:nvSpPr>
-          <p:cNvPr id="55" name="TextBox 54">
-            <a:extLst>
-              <a:ext uri="{FF2B5EF4-FFF2-40B4-BE49-F238E27FC236}">
-                <a16:creationId xmlns:a16="http://schemas.microsoft.com/office/drawing/2014/main" id="{AC04E21F-6BC6-09C8-086E-FF3A70038F24}"/>
-              </a:ext>
-            </a:extLst>
-          </p:cNvPr>
-          <p:cNvSpPr txBox="1"/>
-          <p:nvPr/>
-        </p:nvSpPr>
-        <p:spPr>
-          <a:xfrm>
-            <a:off x="7558858" y="3592738"/>
-            <a:ext cx="2259282" cy="2031325"/>
-          </a:xfrm>
-          <a:prstGeom prst="rect">
-            <a:avLst/>
-          </a:prstGeom>
-          <a:noFill/>
-        </p:spPr>
-        <p:txBody>
-          <a:bodyPr wrap="square" rtlCol="0">
-            <a:spAutoFit/>
-          </a:bodyPr>
-          <a:lstStyle/>
-          <a:p>
-            <a:pPr algn="ctr"/>
-            <a:r>
-              <a:rPr lang="en-GB" dirty="0"/>
-              <a:t>2 containers, 1 task/service on ECS. </a:t>
-            </a:r>
-            <a:r>
-              <a:rPr lang="en-GB" dirty="0" err="1"/>
-              <a:t>Streamlit</a:t>
-            </a:r>
-            <a:r>
-              <a:rPr lang="en-GB" dirty="0"/>
-              <a:t> accesses </a:t>
-            </a:r>
-            <a:r>
-              <a:rPr lang="en-GB" dirty="0" err="1"/>
-              <a:t>FastAPI</a:t>
-            </a:r>
-            <a:r>
-              <a:rPr lang="en-GB" dirty="0"/>
-              <a:t> via localhost</a:t>
-            </a:r>
-          </a:p>
-          <a:p>
-            <a:pPr algn="ctr"/>
-            <a:endParaRPr lang="en-GB" dirty="0"/>
-          </a:p>
-          <a:p>
-            <a:pPr algn="ctr"/>
-            <a:r>
-              <a:rPr lang="en-GB" dirty="0" err="1"/>
-              <a:t>Qn</a:t>
-            </a:r>
-            <a:r>
-              <a:rPr lang="en-GB" dirty="0"/>
-              <a:t>: Acceptable to group like that?</a:t>
-            </a:r>
-          </a:p>
-        </p:txBody>
-      </p:sp>
       <p:pic>
         <p:nvPicPr>
-          <p:cNvPr id="10" name="Graphic 9">
-            <a:extLst>
-              <a:ext uri="{FF2B5EF4-FFF2-40B4-BE49-F238E27FC236}">
-                <a16:creationId xmlns:a16="http://schemas.microsoft.com/office/drawing/2014/main" id="{707BFF4B-A7AE-EB09-2BBC-66B732F8CCB7}"/>
+          <p:cNvPr id="21" name="Graphic 20">
+            <a:extLst>
+              <a:ext uri="{FF2B5EF4-FFF2-40B4-BE49-F238E27FC236}">
+                <a16:creationId xmlns:a16="http://schemas.microsoft.com/office/drawing/2014/main" id="{0619012A-8FCE-CF96-5C79-64536D22EFD1}"/>
               </a:ext>
             </a:extLst>
           </p:cNvPr>
@@ -6469,10 +5823,10 @@
           <p:nvPr/>
         </p:nvPicPr>
         <p:blipFill>
-          <a:blip r:embed="rId8">
+          <a:blip r:embed="rId7">
             <a:extLst>
               <a:ext uri="{96DAC541-7B7A-43D3-8B79-37D633B846F1}">
-                <asvg:svgBlip xmlns:asvg="http://schemas.microsoft.com/office/drawing/2016/SVG/main" r:embed="rId9"/>
+                <asvg:svgBlip xmlns:asvg="http://schemas.microsoft.com/office/drawing/2016/SVG/main" r:embed="rId8"/>
               </a:ext>
             </a:extLst>
           </a:blip>
@@ -6482,20 +5836,163 @@
         </p:blipFill>
         <p:spPr>
           <a:xfrm>
-            <a:off x="4869398" y="2935476"/>
-            <a:ext cx="700412" cy="716852"/>
+            <a:off x="7821405" y="1753676"/>
+            <a:ext cx="791374" cy="872325"/>
           </a:xfrm>
           <a:prstGeom prst="rect">
             <a:avLst/>
           </a:prstGeom>
         </p:spPr>
       </p:pic>
-      <p:sp>
-        <p:nvSpPr>
-          <p:cNvPr id="11" name="Rounded Rectangle 10">
-            <a:extLst>
-              <a:ext uri="{FF2B5EF4-FFF2-40B4-BE49-F238E27FC236}">
-                <a16:creationId xmlns:a16="http://schemas.microsoft.com/office/drawing/2014/main" id="{1D8587A6-6B60-6E93-6B5F-62DCFD57C82A}"/>
+      <p:pic>
+        <p:nvPicPr>
+          <p:cNvPr id="26" name="Picture 25" descr="A blue and black logo&#10;&#10;Description automatically generated">
+            <a:extLst>
+              <a:ext uri="{FF2B5EF4-FFF2-40B4-BE49-F238E27FC236}">
+                <a16:creationId xmlns:a16="http://schemas.microsoft.com/office/drawing/2014/main" id="{835A849E-3EF8-80CF-4689-BCB4D9A0877A}"/>
+              </a:ext>
+            </a:extLst>
+          </p:cNvPr>
+          <p:cNvPicPr>
+            <a:picLocks noChangeAspect="1"/>
+          </p:cNvPicPr>
+          <p:nvPr/>
+        </p:nvPicPr>
+        <p:blipFill>
+          <a:blip r:embed="rId9"/>
+          <a:stretch>
+            <a:fillRect/>
+          </a:stretch>
+        </p:blipFill>
+        <p:spPr>
+          <a:xfrm>
+            <a:off x="4571700" y="1987571"/>
+            <a:ext cx="1244173" cy="456049"/>
+          </a:xfrm>
+          <a:prstGeom prst="rect">
+            <a:avLst/>
+          </a:prstGeom>
+        </p:spPr>
+      </p:pic>
+      <p:cxnSp>
+        <p:nvCxnSpPr>
+          <p:cNvPr id="31" name="Straight Connector 30">
+            <a:extLst>
+              <a:ext uri="{FF2B5EF4-FFF2-40B4-BE49-F238E27FC236}">
+                <a16:creationId xmlns:a16="http://schemas.microsoft.com/office/drawing/2014/main" id="{C3086C1E-7827-653C-ADD8-ABA7592C0B8F}"/>
+              </a:ext>
+            </a:extLst>
+          </p:cNvPr>
+          <p:cNvCxnSpPr>
+            <a:cxnSpLocks/>
+          </p:cNvCxnSpPr>
+          <p:nvPr/>
+        </p:nvCxnSpPr>
+        <p:spPr>
+          <a:xfrm>
+            <a:off x="6502363" y="1139251"/>
+            <a:ext cx="0" cy="5555469"/>
+          </a:xfrm>
+          <a:prstGeom prst="line">
+            <a:avLst/>
+          </a:prstGeom>
+          <a:ln>
+            <a:solidFill>
+              <a:schemeClr val="tx1"/>
+            </a:solidFill>
+          </a:ln>
+        </p:spPr>
+        <p:style>
+          <a:lnRef idx="2">
+            <a:schemeClr val="accent1"/>
+          </a:lnRef>
+          <a:fillRef idx="0">
+            <a:schemeClr val="accent1"/>
+          </a:fillRef>
+          <a:effectRef idx="1">
+            <a:schemeClr val="accent1"/>
+          </a:effectRef>
+          <a:fontRef idx="minor">
+            <a:schemeClr val="tx1"/>
+          </a:fontRef>
+        </p:style>
+      </p:cxnSp>
+      <p:sp>
+        <p:nvSpPr>
+          <p:cNvPr id="34" name="TextBox 33">
+            <a:extLst>
+              <a:ext uri="{FF2B5EF4-FFF2-40B4-BE49-F238E27FC236}">
+                <a16:creationId xmlns:a16="http://schemas.microsoft.com/office/drawing/2014/main" id="{38234FEB-95DE-8DDC-56B3-DBC0DCA9E3D6}"/>
+              </a:ext>
+            </a:extLst>
+          </p:cNvPr>
+          <p:cNvSpPr txBox="1"/>
+          <p:nvPr/>
+        </p:nvSpPr>
+        <p:spPr>
+          <a:xfrm>
+            <a:off x="2046467" y="850581"/>
+            <a:ext cx="2584370" cy="584775"/>
+          </a:xfrm>
+          <a:prstGeom prst="rect">
+            <a:avLst/>
+          </a:prstGeom>
+          <a:noFill/>
+        </p:spPr>
+        <p:txBody>
+          <a:bodyPr wrap="square">
+            <a:spAutoFit/>
+          </a:bodyPr>
+          <a:lstStyle/>
+          <a:p>
+            <a:r>
+              <a:rPr lang="en-GB" sz="3200" u="sng" dirty="0"/>
+              <a:t>Data + Model</a:t>
+            </a:r>
+          </a:p>
+        </p:txBody>
+      </p:sp>
+      <p:sp>
+        <p:nvSpPr>
+          <p:cNvPr id="35" name="TextBox 34">
+            <a:extLst>
+              <a:ext uri="{FF2B5EF4-FFF2-40B4-BE49-F238E27FC236}">
+                <a16:creationId xmlns:a16="http://schemas.microsoft.com/office/drawing/2014/main" id="{DDD39A2E-8901-4385-2079-7D0633755E52}"/>
+              </a:ext>
+            </a:extLst>
+          </p:cNvPr>
+          <p:cNvSpPr txBox="1"/>
+          <p:nvPr/>
+        </p:nvSpPr>
+        <p:spPr>
+          <a:xfrm>
+            <a:off x="8757591" y="854273"/>
+            <a:ext cx="1435019" cy="584775"/>
+          </a:xfrm>
+          <a:prstGeom prst="rect">
+            <a:avLst/>
+          </a:prstGeom>
+          <a:noFill/>
+        </p:spPr>
+        <p:txBody>
+          <a:bodyPr wrap="square">
+            <a:spAutoFit/>
+          </a:bodyPr>
+          <a:lstStyle/>
+          <a:p>
+            <a:r>
+              <a:rPr lang="en-GB" sz="3200" u="sng" dirty="0"/>
+              <a:t>App</a:t>
+            </a:r>
+          </a:p>
+        </p:txBody>
+      </p:sp>
+      <p:sp>
+        <p:nvSpPr>
+          <p:cNvPr id="40" name="Rounded Rectangle 39">
+            <a:extLst>
+              <a:ext uri="{FF2B5EF4-FFF2-40B4-BE49-F238E27FC236}">
+                <a16:creationId xmlns:a16="http://schemas.microsoft.com/office/drawing/2014/main" id="{47BFC983-FFF1-992A-6C56-1710913D46E9}"/>
               </a:ext>
             </a:extLst>
           </p:cNvPr>
@@ -6504,8 +6001,8 @@
         </p:nvSpPr>
         <p:spPr>
           <a:xfrm>
-            <a:off x="4549407" y="3822671"/>
-            <a:ext cx="2650603" cy="1006997"/>
+            <a:off x="260170" y="2585747"/>
+            <a:ext cx="2360640" cy="1006997"/>
           </a:xfrm>
           <a:prstGeom prst="roundRect">
             <a:avLst/>
@@ -6541,10 +6038,10 @@
       </p:sp>
       <p:sp>
         <p:nvSpPr>
-          <p:cNvPr id="12" name="Right Arrow 11">
-            <a:extLst>
-              <a:ext uri="{FF2B5EF4-FFF2-40B4-BE49-F238E27FC236}">
-                <a16:creationId xmlns:a16="http://schemas.microsoft.com/office/drawing/2014/main" id="{C5C7236E-FF5E-DCBE-739D-4D8BED88A36B}"/>
+          <p:cNvPr id="41" name="Right Arrow 40">
+            <a:extLst>
+              <a:ext uri="{FF2B5EF4-FFF2-40B4-BE49-F238E27FC236}">
+                <a16:creationId xmlns:a16="http://schemas.microsoft.com/office/drawing/2014/main" id="{C0A224A9-07B8-5844-7D3A-4181FE837671}"/>
               </a:ext>
             </a:extLst>
           </p:cNvPr>
@@ -6552,8 +6049,8 @@
           <p:nvPr/>
         </p:nvSpPr>
         <p:spPr>
-          <a:xfrm rot="16200000">
-            <a:off x="5287664" y="2822469"/>
+          <a:xfrm>
+            <a:off x="2799059" y="2944373"/>
             <a:ext cx="990768" cy="319314"/>
           </a:xfrm>
           <a:prstGeom prst="rightArrow">
@@ -6587,10 +6084,46 @@
       </p:sp>
       <p:pic>
         <p:nvPicPr>
-          <p:cNvPr id="17" name="Picture 4">
-            <a:extLst>
-              <a:ext uri="{FF2B5EF4-FFF2-40B4-BE49-F238E27FC236}">
-                <a16:creationId xmlns:a16="http://schemas.microsoft.com/office/drawing/2014/main" id="{DFC95033-4EB5-F701-F598-580A1E174336}"/>
+          <p:cNvPr id="42" name="Graphic 41">
+            <a:extLst>
+              <a:ext uri="{FF2B5EF4-FFF2-40B4-BE49-F238E27FC236}">
+                <a16:creationId xmlns:a16="http://schemas.microsoft.com/office/drawing/2014/main" id="{E74EA64A-5C4A-3EB5-581B-5BF53372E9B6}"/>
+              </a:ext>
+            </a:extLst>
+          </p:cNvPr>
+          <p:cNvPicPr>
+            <a:picLocks noChangeAspect="1"/>
+          </p:cNvPicPr>
+          <p:nvPr/>
+        </p:nvPicPr>
+        <p:blipFill>
+          <a:blip r:embed="rId10">
+            <a:extLst>
+              <a:ext uri="{96DAC541-7B7A-43D3-8B79-37D633B846F1}">
+                <asvg:svgBlip xmlns:asvg="http://schemas.microsoft.com/office/drawing/2016/SVG/main" r:embed="rId11"/>
+              </a:ext>
+            </a:extLst>
+          </a:blip>
+          <a:stretch>
+            <a:fillRect/>
+          </a:stretch>
+        </p:blipFill>
+        <p:spPr>
+          <a:xfrm>
+            <a:off x="691453" y="1708590"/>
+            <a:ext cx="564720" cy="577975"/>
+          </a:xfrm>
+          <a:prstGeom prst="rect">
+            <a:avLst/>
+          </a:prstGeom>
+        </p:spPr>
+      </p:pic>
+      <p:pic>
+        <p:nvPicPr>
+          <p:cNvPr id="43" name="Picture 4">
+            <a:extLst>
+              <a:ext uri="{FF2B5EF4-FFF2-40B4-BE49-F238E27FC236}">
+                <a16:creationId xmlns:a16="http://schemas.microsoft.com/office/drawing/2014/main" id="{544590A8-2E68-2137-7067-CB6E520673BA}"/>
               </a:ext>
             </a:extLst>
           </p:cNvPr>
@@ -6600,7 +6133,7 @@
           <p:nvPr/>
         </p:nvPicPr>
         <p:blipFill>
-          <a:blip r:embed="rId6">
+          <a:blip r:embed="rId12">
             <a:extLst>
               <a:ext uri="{28A0092B-C50C-407E-A947-70E740481C1C}">
                 <a14:useLocalDpi xmlns:a14="http://schemas.microsoft.com/office/drawing/2010/main" val="0"/>
@@ -6614,8 +6147,8 @@
         </p:blipFill>
         <p:spPr bwMode="auto">
           <a:xfrm>
-            <a:off x="6034605" y="2782860"/>
-            <a:ext cx="896553" cy="1072884"/>
+            <a:off x="1445452" y="1567259"/>
+            <a:ext cx="702462" cy="840620"/>
           </a:xfrm>
           <a:prstGeom prst="rect">
             <a:avLst/>
@@ -6632,6 +6165,309 @@
           </a:extLst>
         </p:spPr>
       </p:pic>
+      <p:pic>
+        <p:nvPicPr>
+          <p:cNvPr id="1026" name="Picture 2" descr="AWS Eventbridge Integration | Alloy Automation">
+            <a:extLst>
+              <a:ext uri="{FF2B5EF4-FFF2-40B4-BE49-F238E27FC236}">
+                <a16:creationId xmlns:a16="http://schemas.microsoft.com/office/drawing/2014/main" id="{E4A4421C-0025-681A-2AB6-F277B492DFEF}"/>
+              </a:ext>
+            </a:extLst>
+          </p:cNvPr>
+          <p:cNvPicPr>
+            <a:picLocks noChangeAspect="1" noChangeArrowheads="1"/>
+          </p:cNvPicPr>
+          <p:nvPr/>
+        </p:nvPicPr>
+        <p:blipFill>
+          <a:blip r:embed="rId13">
+            <a:extLst>
+              <a:ext uri="{28A0092B-C50C-407E-A947-70E740481C1C}">
+                <a14:useLocalDpi xmlns:a14="http://schemas.microsoft.com/office/drawing/2010/main" val="0"/>
+              </a:ext>
+            </a:extLst>
+          </a:blip>
+          <a:srcRect/>
+          <a:stretch>
+            <a:fillRect/>
+          </a:stretch>
+        </p:blipFill>
+        <p:spPr bwMode="auto">
+          <a:xfrm>
+            <a:off x="370976" y="4282082"/>
+            <a:ext cx="787131" cy="787131"/>
+          </a:xfrm>
+          <a:prstGeom prst="rect">
+            <a:avLst/>
+          </a:prstGeom>
+          <a:noFill/>
+          <a:extLst>
+            <a:ext uri="{909E8E84-426E-40DD-AFC4-6F175D3DCCD1}">
+              <a14:hiddenFill xmlns:a14="http://schemas.microsoft.com/office/drawing/2010/main">
+                <a:solidFill>
+                  <a:srgbClr val="FFFFFF"/>
+                </a:solidFill>
+              </a14:hiddenFill>
+            </a:ext>
+          </a:extLst>
+        </p:spPr>
+      </p:pic>
+      <p:sp>
+        <p:nvSpPr>
+          <p:cNvPr id="46" name="Rectangle 45">
+            <a:extLst>
+              <a:ext uri="{FF2B5EF4-FFF2-40B4-BE49-F238E27FC236}">
+                <a16:creationId xmlns:a16="http://schemas.microsoft.com/office/drawing/2014/main" id="{86C18CBC-440D-64E2-6810-6B8F3D9ED681}"/>
+              </a:ext>
+            </a:extLst>
+          </p:cNvPr>
+          <p:cNvSpPr/>
+          <p:nvPr/>
+        </p:nvSpPr>
+        <p:spPr>
+          <a:xfrm>
+            <a:off x="142183" y="2456037"/>
+            <a:ext cx="2606562" cy="3869619"/>
+          </a:xfrm>
+          <a:prstGeom prst="rect">
+            <a:avLst/>
+          </a:prstGeom>
+          <a:noFill/>
+          <a:ln w="38100">
+            <a:solidFill>
+              <a:schemeClr val="tx1">
+                <a:lumMod val="75000"/>
+                <a:lumOff val="25000"/>
+              </a:schemeClr>
+            </a:solidFill>
+            <a:prstDash val="dash"/>
+          </a:ln>
+        </p:spPr>
+        <p:style>
+          <a:lnRef idx="2">
+            <a:schemeClr val="accent1">
+              <a:shade val="15000"/>
+            </a:schemeClr>
+          </a:lnRef>
+          <a:fillRef idx="1">
+            <a:schemeClr val="accent1"/>
+          </a:fillRef>
+          <a:effectRef idx="0">
+            <a:schemeClr val="accent1"/>
+          </a:effectRef>
+          <a:fontRef idx="minor">
+            <a:schemeClr val="lt1"/>
+          </a:fontRef>
+        </p:style>
+        <p:txBody>
+          <a:bodyPr rtlCol="0" anchor="ctr"/>
+          <a:lstStyle/>
+          <a:p>
+            <a:pPr algn="ctr"/>
+            <a:endParaRPr lang="en-GB"/>
+          </a:p>
+        </p:txBody>
+      </p:sp>
+      <p:pic>
+        <p:nvPicPr>
+          <p:cNvPr id="1028" name="Picture 4" descr="GitHub Actions documentation - GitHub Docs">
+            <a:extLst>
+              <a:ext uri="{FF2B5EF4-FFF2-40B4-BE49-F238E27FC236}">
+                <a16:creationId xmlns:a16="http://schemas.microsoft.com/office/drawing/2014/main" id="{9CA679A6-CFB4-04E7-B453-D9C5370C6720}"/>
+              </a:ext>
+            </a:extLst>
+          </p:cNvPr>
+          <p:cNvPicPr>
+            <a:picLocks noChangeAspect="1" noChangeArrowheads="1"/>
+          </p:cNvPicPr>
+          <p:nvPr/>
+        </p:nvPicPr>
+        <p:blipFill>
+          <a:blip r:embed="rId14">
+            <a:extLst>
+              <a:ext uri="{28A0092B-C50C-407E-A947-70E740481C1C}">
+                <a14:useLocalDpi xmlns:a14="http://schemas.microsoft.com/office/drawing/2010/main" val="0"/>
+              </a:ext>
+            </a:extLst>
+          </a:blip>
+          <a:srcRect/>
+          <a:stretch>
+            <a:fillRect/>
+          </a:stretch>
+        </p:blipFill>
+        <p:spPr bwMode="auto">
+          <a:xfrm>
+            <a:off x="8816904" y="1859177"/>
+            <a:ext cx="661320" cy="661320"/>
+          </a:xfrm>
+          <a:prstGeom prst="rect">
+            <a:avLst/>
+          </a:prstGeom>
+          <a:noFill/>
+          <a:extLst>
+            <a:ext uri="{909E8E84-426E-40DD-AFC4-6F175D3DCCD1}">
+              <a14:hiddenFill xmlns:a14="http://schemas.microsoft.com/office/drawing/2010/main">
+                <a:solidFill>
+                  <a:srgbClr val="FFFFFF"/>
+                </a:solidFill>
+              </a14:hiddenFill>
+            </a:ext>
+          </a:extLst>
+        </p:spPr>
+      </p:pic>
+      <p:pic>
+        <p:nvPicPr>
+          <p:cNvPr id="1030" name="Picture 6" descr="Amazon ECS | AWS Compute">
+            <a:extLst>
+              <a:ext uri="{FF2B5EF4-FFF2-40B4-BE49-F238E27FC236}">
+                <a16:creationId xmlns:a16="http://schemas.microsoft.com/office/drawing/2014/main" id="{2D3DC8F8-6E86-215B-9DD4-22D7CC8146BC}"/>
+              </a:ext>
+            </a:extLst>
+          </p:cNvPr>
+          <p:cNvPicPr>
+            <a:picLocks noChangeAspect="1" noChangeArrowheads="1"/>
+          </p:cNvPicPr>
+          <p:nvPr/>
+        </p:nvPicPr>
+        <p:blipFill>
+          <a:blip r:embed="rId15">
+            <a:extLst>
+              <a:ext uri="{28A0092B-C50C-407E-A947-70E740481C1C}">
+                <a14:useLocalDpi xmlns:a14="http://schemas.microsoft.com/office/drawing/2010/main" val="0"/>
+              </a:ext>
+            </a:extLst>
+          </a:blip>
+          <a:srcRect/>
+          <a:stretch>
+            <a:fillRect/>
+          </a:stretch>
+        </p:blipFill>
+        <p:spPr bwMode="auto">
+          <a:xfrm>
+            <a:off x="11044918" y="2592278"/>
+            <a:ext cx="900363" cy="900363"/>
+          </a:xfrm>
+          <a:prstGeom prst="rect">
+            <a:avLst/>
+          </a:prstGeom>
+          <a:noFill/>
+          <a:extLst>
+            <a:ext uri="{909E8E84-426E-40DD-AFC4-6F175D3DCCD1}">
+              <a14:hiddenFill xmlns:a14="http://schemas.microsoft.com/office/drawing/2010/main">
+                <a:solidFill>
+                  <a:srgbClr val="FFFFFF"/>
+                </a:solidFill>
+              </a14:hiddenFill>
+            </a:ext>
+          </a:extLst>
+        </p:spPr>
+      </p:pic>
+      <p:sp>
+        <p:nvSpPr>
+          <p:cNvPr id="6" name="Oval 5">
+            <a:extLst>
+              <a:ext uri="{FF2B5EF4-FFF2-40B4-BE49-F238E27FC236}">
+                <a16:creationId xmlns:a16="http://schemas.microsoft.com/office/drawing/2014/main" id="{1DAE028E-7601-552A-F216-4E69207A9AF8}"/>
+              </a:ext>
+            </a:extLst>
+          </p:cNvPr>
+          <p:cNvSpPr/>
+          <p:nvPr/>
+        </p:nvSpPr>
+        <p:spPr>
+          <a:xfrm>
+            <a:off x="447778" y="1551084"/>
+            <a:ext cx="990768" cy="990768"/>
+          </a:xfrm>
+          <a:prstGeom prst="ellipse">
+            <a:avLst/>
+          </a:prstGeom>
+          <a:noFill/>
+          <a:ln>
+            <a:solidFill>
+              <a:srgbClr val="C00000"/>
+            </a:solidFill>
+            <a:prstDash val="sysDash"/>
+          </a:ln>
+        </p:spPr>
+        <p:style>
+          <a:lnRef idx="2">
+            <a:schemeClr val="accent1">
+              <a:shade val="15000"/>
+            </a:schemeClr>
+          </a:lnRef>
+          <a:fillRef idx="1">
+            <a:schemeClr val="accent1"/>
+          </a:fillRef>
+          <a:effectRef idx="0">
+            <a:schemeClr val="accent1"/>
+          </a:effectRef>
+          <a:fontRef idx="minor">
+            <a:schemeClr val="lt1"/>
+          </a:fontRef>
+        </p:style>
+        <p:txBody>
+          <a:bodyPr rtlCol="0" anchor="ctr"/>
+          <a:lstStyle/>
+          <a:p>
+            <a:pPr algn="ctr"/>
+            <a:endParaRPr lang="en-GB"/>
+          </a:p>
+        </p:txBody>
+      </p:sp>
+      <p:sp>
+        <p:nvSpPr>
+          <p:cNvPr id="7" name="Oval 6">
+            <a:extLst>
+              <a:ext uri="{FF2B5EF4-FFF2-40B4-BE49-F238E27FC236}">
+                <a16:creationId xmlns:a16="http://schemas.microsoft.com/office/drawing/2014/main" id="{CB24A546-7A4B-2237-A9E8-68500520FCE8}"/>
+              </a:ext>
+            </a:extLst>
+          </p:cNvPr>
+          <p:cNvSpPr/>
+          <p:nvPr/>
+        </p:nvSpPr>
+        <p:spPr>
+          <a:xfrm>
+            <a:off x="3621193" y="1482583"/>
+            <a:ext cx="3028399" cy="3028399"/>
+          </a:xfrm>
+          <a:prstGeom prst="ellipse">
+            <a:avLst/>
+          </a:prstGeom>
+          <a:noFill/>
+          <a:ln>
+            <a:solidFill>
+              <a:srgbClr val="C00000"/>
+            </a:solidFill>
+            <a:prstDash val="sysDash"/>
+          </a:ln>
+        </p:spPr>
+        <p:style>
+          <a:lnRef idx="2">
+            <a:schemeClr val="accent1">
+              <a:shade val="15000"/>
+            </a:schemeClr>
+          </a:lnRef>
+          <a:fillRef idx="1">
+            <a:schemeClr val="accent1"/>
+          </a:fillRef>
+          <a:effectRef idx="0">
+            <a:schemeClr val="accent1"/>
+          </a:effectRef>
+          <a:fontRef idx="minor">
+            <a:schemeClr val="lt1"/>
+          </a:fontRef>
+        </p:style>
+        <p:txBody>
+          <a:bodyPr rtlCol="0" anchor="ctr"/>
+          <a:lstStyle/>
+          <a:p>
+            <a:pPr algn="ctr"/>
+            <a:endParaRPr lang="en-GB"/>
+          </a:p>
+        </p:txBody>
+      </p:sp>
     </p:spTree>
     <p:extLst>
       <p:ext uri="{BB962C8B-B14F-4D97-AF65-F5344CB8AC3E}">
@@ -6642,6 +6478,781 @@
   <p:clrMapOvr>
     <a:masterClrMapping/>
   </p:clrMapOvr>
+  <p:timing>
+    <p:tnLst>
+      <p:par>
+        <p:cTn id="1" dur="indefinite" restart="never" nodeType="tmRoot">
+          <p:childTnLst>
+            <p:seq concurrent="1" nextAc="seek">
+              <p:cTn id="2" dur="indefinite" nodeType="mainSeq">
+                <p:childTnLst>
+                  <p:par>
+                    <p:cTn id="3" fill="hold">
+                      <p:stCondLst>
+                        <p:cond delay="indefinite"/>
+                      </p:stCondLst>
+                      <p:childTnLst>
+                        <p:par>
+                          <p:cTn id="4" fill="hold">
+                            <p:stCondLst>
+                              <p:cond delay="0"/>
+                            </p:stCondLst>
+                            <p:childTnLst>
+                              <p:par>
+                                <p:cTn id="5" presetID="1" presetClass="entr" presetSubtype="0" fill="hold" grpId="0" nodeType="clickEffect">
+                                  <p:stCondLst>
+                                    <p:cond delay="0"/>
+                                  </p:stCondLst>
+                                  <p:childTnLst>
+                                    <p:set>
+                                      <p:cBhvr>
+                                        <p:cTn id="6" dur="1" fill="hold">
+                                          <p:stCondLst>
+                                            <p:cond delay="0"/>
+                                          </p:stCondLst>
+                                        </p:cTn>
+                                        <p:tgtEl>
+                                          <p:spTgt spid="2"/>
+                                        </p:tgtEl>
+                                        <p:attrNameLst>
+                                          <p:attrName>style.visibility</p:attrName>
+                                        </p:attrNameLst>
+                                      </p:cBhvr>
+                                      <p:to>
+                                        <p:strVal val="visible"/>
+                                      </p:to>
+                                    </p:set>
+                                  </p:childTnLst>
+                                </p:cTn>
+                              </p:par>
+                              <p:par>
+                                <p:cTn id="7" presetID="1" presetClass="entr" presetSubtype="0" fill="hold" grpId="0" nodeType="withEffect">
+                                  <p:stCondLst>
+                                    <p:cond delay="0"/>
+                                  </p:stCondLst>
+                                  <p:childTnLst>
+                                    <p:set>
+                                      <p:cBhvr>
+                                        <p:cTn id="8" dur="1" fill="hold">
+                                          <p:stCondLst>
+                                            <p:cond delay="0"/>
+                                          </p:stCondLst>
+                                        </p:cTn>
+                                        <p:tgtEl>
+                                          <p:spTgt spid="11"/>
+                                        </p:tgtEl>
+                                        <p:attrNameLst>
+                                          <p:attrName>style.visibility</p:attrName>
+                                        </p:attrNameLst>
+                                      </p:cBhvr>
+                                      <p:to>
+                                        <p:strVal val="visible"/>
+                                      </p:to>
+                                    </p:set>
+                                  </p:childTnLst>
+                                </p:cTn>
+                              </p:par>
+                              <p:par>
+                                <p:cTn id="9" presetID="1" presetClass="entr" presetSubtype="0" fill="hold" grpId="0" nodeType="withEffect">
+                                  <p:stCondLst>
+                                    <p:cond delay="0"/>
+                                  </p:stCondLst>
+                                  <p:childTnLst>
+                                    <p:set>
+                                      <p:cBhvr>
+                                        <p:cTn id="10" dur="1" fill="hold">
+                                          <p:stCondLst>
+                                            <p:cond delay="0"/>
+                                          </p:stCondLst>
+                                        </p:cTn>
+                                        <p:tgtEl>
+                                          <p:spTgt spid="12"/>
+                                        </p:tgtEl>
+                                        <p:attrNameLst>
+                                          <p:attrName>style.visibility</p:attrName>
+                                        </p:attrNameLst>
+                                      </p:cBhvr>
+                                      <p:to>
+                                        <p:strVal val="visible"/>
+                                      </p:to>
+                                    </p:set>
+                                  </p:childTnLst>
+                                </p:cTn>
+                              </p:par>
+                              <p:par>
+                                <p:cTn id="11" presetID="1" presetClass="entr" presetSubtype="0" fill="hold" nodeType="withEffect">
+                                  <p:stCondLst>
+                                    <p:cond delay="0"/>
+                                  </p:stCondLst>
+                                  <p:childTnLst>
+                                    <p:set>
+                                      <p:cBhvr>
+                                        <p:cTn id="12" dur="1" fill="hold">
+                                          <p:stCondLst>
+                                            <p:cond delay="0"/>
+                                          </p:stCondLst>
+                                        </p:cTn>
+                                        <p:tgtEl>
+                                          <p:spTgt spid="26"/>
+                                        </p:tgtEl>
+                                        <p:attrNameLst>
+                                          <p:attrName>style.visibility</p:attrName>
+                                        </p:attrNameLst>
+                                      </p:cBhvr>
+                                      <p:to>
+                                        <p:strVal val="visible"/>
+                                      </p:to>
+                                    </p:set>
+                                  </p:childTnLst>
+                                </p:cTn>
+                              </p:par>
+                              <p:par>
+                                <p:cTn id="13" presetID="1" presetClass="entr" presetSubtype="0" fill="hold" grpId="0" nodeType="withEffect">
+                                  <p:stCondLst>
+                                    <p:cond delay="0"/>
+                                  </p:stCondLst>
+                                  <p:childTnLst>
+                                    <p:set>
+                                      <p:cBhvr>
+                                        <p:cTn id="14" dur="1" fill="hold">
+                                          <p:stCondLst>
+                                            <p:cond delay="0"/>
+                                          </p:stCondLst>
+                                        </p:cTn>
+                                        <p:tgtEl>
+                                          <p:spTgt spid="40"/>
+                                        </p:tgtEl>
+                                        <p:attrNameLst>
+                                          <p:attrName>style.visibility</p:attrName>
+                                        </p:attrNameLst>
+                                      </p:cBhvr>
+                                      <p:to>
+                                        <p:strVal val="visible"/>
+                                      </p:to>
+                                    </p:set>
+                                  </p:childTnLst>
+                                </p:cTn>
+                              </p:par>
+                              <p:par>
+                                <p:cTn id="15" presetID="1" presetClass="entr" presetSubtype="0" fill="hold" grpId="0" nodeType="withEffect">
+                                  <p:stCondLst>
+                                    <p:cond delay="0"/>
+                                  </p:stCondLst>
+                                  <p:childTnLst>
+                                    <p:set>
+                                      <p:cBhvr>
+                                        <p:cTn id="16" dur="1" fill="hold">
+                                          <p:stCondLst>
+                                            <p:cond delay="0"/>
+                                          </p:stCondLst>
+                                        </p:cTn>
+                                        <p:tgtEl>
+                                          <p:spTgt spid="41"/>
+                                        </p:tgtEl>
+                                        <p:attrNameLst>
+                                          <p:attrName>style.visibility</p:attrName>
+                                        </p:attrNameLst>
+                                      </p:cBhvr>
+                                      <p:to>
+                                        <p:strVal val="visible"/>
+                                      </p:to>
+                                    </p:set>
+                                  </p:childTnLst>
+                                </p:cTn>
+                              </p:par>
+                              <p:par>
+                                <p:cTn id="17" presetID="1" presetClass="entr" presetSubtype="0" fill="hold" nodeType="withEffect">
+                                  <p:stCondLst>
+                                    <p:cond delay="0"/>
+                                  </p:stCondLst>
+                                  <p:childTnLst>
+                                    <p:set>
+                                      <p:cBhvr>
+                                        <p:cTn id="18" dur="1" fill="hold">
+                                          <p:stCondLst>
+                                            <p:cond delay="0"/>
+                                          </p:stCondLst>
+                                        </p:cTn>
+                                        <p:tgtEl>
+                                          <p:spTgt spid="42"/>
+                                        </p:tgtEl>
+                                        <p:attrNameLst>
+                                          <p:attrName>style.visibility</p:attrName>
+                                        </p:attrNameLst>
+                                      </p:cBhvr>
+                                      <p:to>
+                                        <p:strVal val="visible"/>
+                                      </p:to>
+                                    </p:set>
+                                  </p:childTnLst>
+                                </p:cTn>
+                              </p:par>
+                              <p:par>
+                                <p:cTn id="19" presetID="1" presetClass="entr" presetSubtype="0" fill="hold" nodeType="withEffect">
+                                  <p:stCondLst>
+                                    <p:cond delay="0"/>
+                                  </p:stCondLst>
+                                  <p:childTnLst>
+                                    <p:set>
+                                      <p:cBhvr>
+                                        <p:cTn id="20" dur="1" fill="hold">
+                                          <p:stCondLst>
+                                            <p:cond delay="0"/>
+                                          </p:stCondLst>
+                                        </p:cTn>
+                                        <p:tgtEl>
+                                          <p:spTgt spid="43"/>
+                                        </p:tgtEl>
+                                        <p:attrNameLst>
+                                          <p:attrName>style.visibility</p:attrName>
+                                        </p:attrNameLst>
+                                      </p:cBhvr>
+                                      <p:to>
+                                        <p:strVal val="visible"/>
+                                      </p:to>
+                                    </p:set>
+                                  </p:childTnLst>
+                                </p:cTn>
+                              </p:par>
+                              <p:par>
+                                <p:cTn id="21" presetID="1" presetClass="entr" presetSubtype="0" fill="hold" nodeType="withEffect">
+                                  <p:stCondLst>
+                                    <p:cond delay="0"/>
+                                  </p:stCondLst>
+                                  <p:childTnLst>
+                                    <p:set>
+                                      <p:cBhvr>
+                                        <p:cTn id="22" dur="1" fill="hold">
+                                          <p:stCondLst>
+                                            <p:cond delay="0"/>
+                                          </p:stCondLst>
+                                        </p:cTn>
+                                        <p:tgtEl>
+                                          <p:spTgt spid="1026"/>
+                                        </p:tgtEl>
+                                        <p:attrNameLst>
+                                          <p:attrName>style.visibility</p:attrName>
+                                        </p:attrNameLst>
+                                      </p:cBhvr>
+                                      <p:to>
+                                        <p:strVal val="visible"/>
+                                      </p:to>
+                                    </p:set>
+                                  </p:childTnLst>
+                                </p:cTn>
+                              </p:par>
+                              <p:par>
+                                <p:cTn id="23" presetID="1" presetClass="entr" presetSubtype="0" fill="hold" grpId="0" nodeType="withEffect">
+                                  <p:stCondLst>
+                                    <p:cond delay="0"/>
+                                  </p:stCondLst>
+                                  <p:childTnLst>
+                                    <p:set>
+                                      <p:cBhvr>
+                                        <p:cTn id="24" dur="1" fill="hold">
+                                          <p:stCondLst>
+                                            <p:cond delay="0"/>
+                                          </p:stCondLst>
+                                        </p:cTn>
+                                        <p:tgtEl>
+                                          <p:spTgt spid="46"/>
+                                        </p:tgtEl>
+                                        <p:attrNameLst>
+                                          <p:attrName>style.visibility</p:attrName>
+                                        </p:attrNameLst>
+                                      </p:cBhvr>
+                                      <p:to>
+                                        <p:strVal val="visible"/>
+                                      </p:to>
+                                    </p:set>
+                                  </p:childTnLst>
+                                </p:cTn>
+                              </p:par>
+                            </p:childTnLst>
+                          </p:cTn>
+                        </p:par>
+                      </p:childTnLst>
+                    </p:cTn>
+                  </p:par>
+                  <p:par>
+                    <p:cTn id="25" fill="hold">
+                      <p:stCondLst>
+                        <p:cond delay="indefinite"/>
+                      </p:stCondLst>
+                      <p:childTnLst>
+                        <p:par>
+                          <p:cTn id="26" fill="hold">
+                            <p:stCondLst>
+                              <p:cond delay="0"/>
+                            </p:stCondLst>
+                            <p:childTnLst>
+                              <p:par>
+                                <p:cTn id="27" presetID="1" presetClass="entr" presetSubtype="0" fill="hold" nodeType="clickEffect">
+                                  <p:stCondLst>
+                                    <p:cond delay="0"/>
+                                  </p:stCondLst>
+                                  <p:childTnLst>
+                                    <p:set>
+                                      <p:cBhvr>
+                                        <p:cTn id="28" dur="1" fill="hold">
+                                          <p:stCondLst>
+                                            <p:cond delay="0"/>
+                                          </p:stCondLst>
+                                        </p:cTn>
+                                        <p:tgtEl>
+                                          <p:spTgt spid="3086"/>
+                                        </p:tgtEl>
+                                        <p:attrNameLst>
+                                          <p:attrName>style.visibility</p:attrName>
+                                        </p:attrNameLst>
+                                      </p:cBhvr>
+                                      <p:to>
+                                        <p:strVal val="visible"/>
+                                      </p:to>
+                                    </p:set>
+                                  </p:childTnLst>
+                                </p:cTn>
+                              </p:par>
+                              <p:par>
+                                <p:cTn id="29" presetID="1" presetClass="entr" presetSubtype="0" fill="hold" grpId="0" nodeType="withEffect">
+                                  <p:stCondLst>
+                                    <p:cond delay="0"/>
+                                  </p:stCondLst>
+                                  <p:childTnLst>
+                                    <p:set>
+                                      <p:cBhvr>
+                                        <p:cTn id="30" dur="1" fill="hold">
+                                          <p:stCondLst>
+                                            <p:cond delay="0"/>
+                                          </p:stCondLst>
+                                        </p:cTn>
+                                        <p:tgtEl>
+                                          <p:spTgt spid="3"/>
+                                        </p:tgtEl>
+                                        <p:attrNameLst>
+                                          <p:attrName>style.visibility</p:attrName>
+                                        </p:attrNameLst>
+                                      </p:cBhvr>
+                                      <p:to>
+                                        <p:strVal val="visible"/>
+                                      </p:to>
+                                    </p:set>
+                                  </p:childTnLst>
+                                </p:cTn>
+                              </p:par>
+                              <p:par>
+                                <p:cTn id="31" presetID="1" presetClass="entr" presetSubtype="0" fill="hold" nodeType="withEffect">
+                                  <p:stCondLst>
+                                    <p:cond delay="0"/>
+                                  </p:stCondLst>
+                                  <p:childTnLst>
+                                    <p:set>
+                                      <p:cBhvr>
+                                        <p:cTn id="32" dur="1" fill="hold">
+                                          <p:stCondLst>
+                                            <p:cond delay="0"/>
+                                          </p:stCondLst>
+                                        </p:cTn>
+                                        <p:tgtEl>
+                                          <p:spTgt spid="45"/>
+                                        </p:tgtEl>
+                                        <p:attrNameLst>
+                                          <p:attrName>style.visibility</p:attrName>
+                                        </p:attrNameLst>
+                                      </p:cBhvr>
+                                      <p:to>
+                                        <p:strVal val="visible"/>
+                                      </p:to>
+                                    </p:set>
+                                  </p:childTnLst>
+                                </p:cTn>
+                              </p:par>
+                              <p:par>
+                                <p:cTn id="33" presetID="1" presetClass="entr" presetSubtype="0" fill="hold" nodeType="withEffect">
+                                  <p:stCondLst>
+                                    <p:cond delay="0"/>
+                                  </p:stCondLst>
+                                  <p:childTnLst>
+                                    <p:set>
+                                      <p:cBhvr>
+                                        <p:cTn id="34" dur="1" fill="hold">
+                                          <p:stCondLst>
+                                            <p:cond delay="0"/>
+                                          </p:stCondLst>
+                                        </p:cTn>
+                                        <p:tgtEl>
+                                          <p:spTgt spid="27"/>
+                                        </p:tgtEl>
+                                        <p:attrNameLst>
+                                          <p:attrName>style.visibility</p:attrName>
+                                        </p:attrNameLst>
+                                      </p:cBhvr>
+                                      <p:to>
+                                        <p:strVal val="visible"/>
+                                      </p:to>
+                                    </p:set>
+                                  </p:childTnLst>
+                                </p:cTn>
+                              </p:par>
+                              <p:par>
+                                <p:cTn id="35" presetID="1" presetClass="entr" presetSubtype="0" fill="hold" grpId="0" nodeType="withEffect">
+                                  <p:stCondLst>
+                                    <p:cond delay="0"/>
+                                  </p:stCondLst>
+                                  <p:childTnLst>
+                                    <p:set>
+                                      <p:cBhvr>
+                                        <p:cTn id="36" dur="1" fill="hold">
+                                          <p:stCondLst>
+                                            <p:cond delay="0"/>
+                                          </p:stCondLst>
+                                        </p:cTn>
+                                        <p:tgtEl>
+                                          <p:spTgt spid="28"/>
+                                        </p:tgtEl>
+                                        <p:attrNameLst>
+                                          <p:attrName>style.visibility</p:attrName>
+                                        </p:attrNameLst>
+                                      </p:cBhvr>
+                                      <p:to>
+                                        <p:strVal val="visible"/>
+                                      </p:to>
+                                    </p:set>
+                                  </p:childTnLst>
+                                </p:cTn>
+                              </p:par>
+                              <p:par>
+                                <p:cTn id="37" presetID="1" presetClass="entr" presetSubtype="0" fill="hold" nodeType="withEffect">
+                                  <p:stCondLst>
+                                    <p:cond delay="0"/>
+                                  </p:stCondLst>
+                                  <p:childTnLst>
+                                    <p:set>
+                                      <p:cBhvr>
+                                        <p:cTn id="38" dur="1" fill="hold">
+                                          <p:stCondLst>
+                                            <p:cond delay="0"/>
+                                          </p:stCondLst>
+                                        </p:cTn>
+                                        <p:tgtEl>
+                                          <p:spTgt spid="3090"/>
+                                        </p:tgtEl>
+                                        <p:attrNameLst>
+                                          <p:attrName>style.visibility</p:attrName>
+                                        </p:attrNameLst>
+                                      </p:cBhvr>
+                                      <p:to>
+                                        <p:strVal val="visible"/>
+                                      </p:to>
+                                    </p:set>
+                                  </p:childTnLst>
+                                </p:cTn>
+                              </p:par>
+                              <p:par>
+                                <p:cTn id="39" presetID="1" presetClass="entr" presetSubtype="0" fill="hold" grpId="0" nodeType="withEffect">
+                                  <p:stCondLst>
+                                    <p:cond delay="0"/>
+                                  </p:stCondLst>
+                                  <p:childTnLst>
+                                    <p:set>
+                                      <p:cBhvr>
+                                        <p:cTn id="40" dur="1" fill="hold">
+                                          <p:stCondLst>
+                                            <p:cond delay="0"/>
+                                          </p:stCondLst>
+                                        </p:cTn>
+                                        <p:tgtEl>
+                                          <p:spTgt spid="48"/>
+                                        </p:tgtEl>
+                                        <p:attrNameLst>
+                                          <p:attrName>style.visibility</p:attrName>
+                                        </p:attrNameLst>
+                                      </p:cBhvr>
+                                      <p:to>
+                                        <p:strVal val="visible"/>
+                                      </p:to>
+                                    </p:set>
+                                  </p:childTnLst>
+                                </p:cTn>
+                              </p:par>
+                              <p:par>
+                                <p:cTn id="41" presetID="1" presetClass="entr" presetSubtype="0" fill="hold" grpId="0" nodeType="withEffect">
+                                  <p:stCondLst>
+                                    <p:cond delay="0"/>
+                                  </p:stCondLst>
+                                  <p:childTnLst>
+                                    <p:set>
+                                      <p:cBhvr>
+                                        <p:cTn id="42" dur="1" fill="hold">
+                                          <p:stCondLst>
+                                            <p:cond delay="0"/>
+                                          </p:stCondLst>
+                                        </p:cTn>
+                                        <p:tgtEl>
+                                          <p:spTgt spid="51"/>
+                                        </p:tgtEl>
+                                        <p:attrNameLst>
+                                          <p:attrName>style.visibility</p:attrName>
+                                        </p:attrNameLst>
+                                      </p:cBhvr>
+                                      <p:to>
+                                        <p:strVal val="visible"/>
+                                      </p:to>
+                                    </p:set>
+                                  </p:childTnLst>
+                                </p:cTn>
+                              </p:par>
+                              <p:par>
+                                <p:cTn id="43" presetID="1" presetClass="entr" presetSubtype="0" fill="hold" grpId="0" nodeType="withEffect">
+                                  <p:stCondLst>
+                                    <p:cond delay="0"/>
+                                  </p:stCondLst>
+                                  <p:childTnLst>
+                                    <p:set>
+                                      <p:cBhvr>
+                                        <p:cTn id="44" dur="1" fill="hold">
+                                          <p:stCondLst>
+                                            <p:cond delay="0"/>
+                                          </p:stCondLst>
+                                        </p:cTn>
+                                        <p:tgtEl>
+                                          <p:spTgt spid="54"/>
+                                        </p:tgtEl>
+                                        <p:attrNameLst>
+                                          <p:attrName>style.visibility</p:attrName>
+                                        </p:attrNameLst>
+                                      </p:cBhvr>
+                                      <p:to>
+                                        <p:strVal val="visible"/>
+                                      </p:to>
+                                    </p:set>
+                                  </p:childTnLst>
+                                </p:cTn>
+                              </p:par>
+                              <p:par>
+                                <p:cTn id="45" presetID="1" presetClass="entr" presetSubtype="0" fill="hold" grpId="0" nodeType="withEffect">
+                                  <p:stCondLst>
+                                    <p:cond delay="0"/>
+                                  </p:stCondLst>
+                                  <p:childTnLst>
+                                    <p:set>
+                                      <p:cBhvr>
+                                        <p:cTn id="46" dur="1" fill="hold">
+                                          <p:stCondLst>
+                                            <p:cond delay="0"/>
+                                          </p:stCondLst>
+                                        </p:cTn>
+                                        <p:tgtEl>
+                                          <p:spTgt spid="55"/>
+                                        </p:tgtEl>
+                                        <p:attrNameLst>
+                                          <p:attrName>style.visibility</p:attrName>
+                                        </p:attrNameLst>
+                                      </p:cBhvr>
+                                      <p:to>
+                                        <p:strVal val="visible"/>
+                                      </p:to>
+                                    </p:set>
+                                  </p:childTnLst>
+                                </p:cTn>
+                              </p:par>
+                              <p:par>
+                                <p:cTn id="47" presetID="1" presetClass="entr" presetSubtype="0" fill="hold" nodeType="withEffect">
+                                  <p:stCondLst>
+                                    <p:cond delay="0"/>
+                                  </p:stCondLst>
+                                  <p:childTnLst>
+                                    <p:set>
+                                      <p:cBhvr>
+                                        <p:cTn id="48" dur="1" fill="hold">
+                                          <p:stCondLst>
+                                            <p:cond delay="0"/>
+                                          </p:stCondLst>
+                                        </p:cTn>
+                                        <p:tgtEl>
+                                          <p:spTgt spid="21"/>
+                                        </p:tgtEl>
+                                        <p:attrNameLst>
+                                          <p:attrName>style.visibility</p:attrName>
+                                        </p:attrNameLst>
+                                      </p:cBhvr>
+                                      <p:to>
+                                        <p:strVal val="visible"/>
+                                      </p:to>
+                                    </p:set>
+                                  </p:childTnLst>
+                                </p:cTn>
+                              </p:par>
+                              <p:par>
+                                <p:cTn id="49" presetID="1" presetClass="entr" presetSubtype="0" fill="hold" nodeType="withEffect">
+                                  <p:stCondLst>
+                                    <p:cond delay="0"/>
+                                  </p:stCondLst>
+                                  <p:childTnLst>
+                                    <p:set>
+                                      <p:cBhvr>
+                                        <p:cTn id="50" dur="1" fill="hold">
+                                          <p:stCondLst>
+                                            <p:cond delay="0"/>
+                                          </p:stCondLst>
+                                        </p:cTn>
+                                        <p:tgtEl>
+                                          <p:spTgt spid="1028"/>
+                                        </p:tgtEl>
+                                        <p:attrNameLst>
+                                          <p:attrName>style.visibility</p:attrName>
+                                        </p:attrNameLst>
+                                      </p:cBhvr>
+                                      <p:to>
+                                        <p:strVal val="visible"/>
+                                      </p:to>
+                                    </p:set>
+                                  </p:childTnLst>
+                                </p:cTn>
+                              </p:par>
+                              <p:par>
+                                <p:cTn id="51" presetID="1" presetClass="entr" presetSubtype="0" fill="hold" nodeType="withEffect">
+                                  <p:stCondLst>
+                                    <p:cond delay="0"/>
+                                  </p:stCondLst>
+                                  <p:childTnLst>
+                                    <p:set>
+                                      <p:cBhvr>
+                                        <p:cTn id="52" dur="1" fill="hold">
+                                          <p:stCondLst>
+                                            <p:cond delay="0"/>
+                                          </p:stCondLst>
+                                        </p:cTn>
+                                        <p:tgtEl>
+                                          <p:spTgt spid="1030"/>
+                                        </p:tgtEl>
+                                        <p:attrNameLst>
+                                          <p:attrName>style.visibility</p:attrName>
+                                        </p:attrNameLst>
+                                      </p:cBhvr>
+                                      <p:to>
+                                        <p:strVal val="visible"/>
+                                      </p:to>
+                                    </p:set>
+                                  </p:childTnLst>
+                                </p:cTn>
+                              </p:par>
+                            </p:childTnLst>
+                          </p:cTn>
+                        </p:par>
+                      </p:childTnLst>
+                    </p:cTn>
+                  </p:par>
+                  <p:par>
+                    <p:cTn id="53" fill="hold">
+                      <p:stCondLst>
+                        <p:cond delay="indefinite"/>
+                      </p:stCondLst>
+                      <p:childTnLst>
+                        <p:par>
+                          <p:cTn id="54" fill="hold">
+                            <p:stCondLst>
+                              <p:cond delay="0"/>
+                            </p:stCondLst>
+                            <p:childTnLst>
+                              <p:par>
+                                <p:cTn id="55" presetID="1" presetClass="entr" presetSubtype="0" fill="hold" grpId="0" nodeType="clickEffect">
+                                  <p:stCondLst>
+                                    <p:cond delay="0"/>
+                                  </p:stCondLst>
+                                  <p:childTnLst>
+                                    <p:set>
+                                      <p:cBhvr>
+                                        <p:cTn id="56" dur="1" fill="hold">
+                                          <p:stCondLst>
+                                            <p:cond delay="0"/>
+                                          </p:stCondLst>
+                                        </p:cTn>
+                                        <p:tgtEl>
+                                          <p:spTgt spid="7"/>
+                                        </p:tgtEl>
+                                        <p:attrNameLst>
+                                          <p:attrName>style.visibility</p:attrName>
+                                        </p:attrNameLst>
+                                      </p:cBhvr>
+                                      <p:to>
+                                        <p:strVal val="visible"/>
+                                      </p:to>
+                                    </p:set>
+                                  </p:childTnLst>
+                                </p:cTn>
+                              </p:par>
+                              <p:par>
+                                <p:cTn id="57" presetID="1" presetClass="entr" presetSubtype="0" fill="hold" grpId="0" nodeType="withEffect">
+                                  <p:stCondLst>
+                                    <p:cond delay="0"/>
+                                  </p:stCondLst>
+                                  <p:childTnLst>
+                                    <p:set>
+                                      <p:cBhvr>
+                                        <p:cTn id="58" dur="1" fill="hold">
+                                          <p:stCondLst>
+                                            <p:cond delay="0"/>
+                                          </p:stCondLst>
+                                        </p:cTn>
+                                        <p:tgtEl>
+                                          <p:spTgt spid="6"/>
+                                        </p:tgtEl>
+                                        <p:attrNameLst>
+                                          <p:attrName>style.visibility</p:attrName>
+                                        </p:attrNameLst>
+                                      </p:cBhvr>
+                                      <p:to>
+                                        <p:strVal val="visible"/>
+                                      </p:to>
+                                    </p:set>
+                                  </p:childTnLst>
+                                </p:cTn>
+                              </p:par>
+                            </p:childTnLst>
+                          </p:cTn>
+                        </p:par>
+                      </p:childTnLst>
+                    </p:cTn>
+                  </p:par>
+                </p:childTnLst>
+              </p:cTn>
+              <p:prevCondLst>
+                <p:cond evt="onPrev" delay="0">
+                  <p:tgtEl>
+                    <p:sldTgt/>
+                  </p:tgtEl>
+                </p:cond>
+              </p:prevCondLst>
+              <p:nextCondLst>
+                <p:cond evt="onNext" delay="0">
+                  <p:tgtEl>
+                    <p:sldTgt/>
+                  </p:tgtEl>
+                </p:cond>
+              </p:nextCondLst>
+            </p:seq>
+          </p:childTnLst>
+        </p:cTn>
+      </p:par>
+    </p:tnLst>
+    <p:bldLst>
+      <p:bldP spid="2" grpId="0" animBg="1"/>
+      <p:bldP spid="3" grpId="0" animBg="1"/>
+      <p:bldP spid="28" grpId="0" animBg="1"/>
+      <p:bldP spid="48" grpId="0" animBg="1"/>
+      <p:bldP spid="51" grpId="0" animBg="1"/>
+      <p:bldP spid="54" grpId="0" animBg="1"/>
+      <p:bldP spid="55" grpId="0"/>
+      <p:bldP spid="11" grpId="0" animBg="1"/>
+      <p:bldP spid="12" grpId="0" animBg="1"/>
+      <p:bldP spid="40" grpId="0" animBg="1"/>
+      <p:bldP spid="41" grpId="0" animBg="1"/>
+      <p:bldP spid="46" grpId="0" animBg="1"/>
+      <p:bldP spid="6" grpId="0" animBg="1"/>
+      <p:bldP spid="7" grpId="0" animBg="1"/>
+    </p:bldLst>
+  </p:timing>
 </p:sld>
 </file>
 
@@ -6667,7 +7278,7 @@
           <p:cNvPr id="2" name="Title 1">
             <a:extLst>
               <a:ext uri="{FF2B5EF4-FFF2-40B4-BE49-F238E27FC236}">
-                <a16:creationId xmlns:a16="http://schemas.microsoft.com/office/drawing/2014/main" id="{AF9DBC8A-43C7-4CED-1A5A-9AB285827153}"/>
+                <a16:creationId xmlns:a16="http://schemas.microsoft.com/office/drawing/2014/main" id="{E2F977AF-15E1-2268-873D-1E5AE0F60B5D}"/>
               </a:ext>
             </a:extLst>
           </p:cNvPr>
@@ -6685,7 +7296,7 @@
           <a:p>
             <a:r>
               <a:rPr lang="en-GB" dirty="0"/>
-              <a:t>Workflow draft</a:t>
+              <a:t>CI</a:t>
             </a:r>
           </a:p>
         </p:txBody>
@@ -6695,7 +7306,7 @@
           <p:cNvPr id="3" name="Content Placeholder 2">
             <a:extLst>
               <a:ext uri="{FF2B5EF4-FFF2-40B4-BE49-F238E27FC236}">
-                <a16:creationId xmlns:a16="http://schemas.microsoft.com/office/drawing/2014/main" id="{75AE5FEA-050D-AE53-B7C2-AA771027014E}"/>
+                <a16:creationId xmlns:a16="http://schemas.microsoft.com/office/drawing/2014/main" id="{3548B6C1-087A-2338-16C8-1F30B0A7EDEC}"/>
               </a:ext>
             </a:extLst>
           </p:cNvPr>
@@ -6706,62 +7317,52 @@
             <p:ph idx="1"/>
           </p:nvPr>
         </p:nvSpPr>
-        <p:spPr/>
-        <p:txBody>
-          <a:bodyPr/>
+        <p:spPr>
+          <a:xfrm>
+            <a:off x="838200" y="1460500"/>
+            <a:ext cx="10515600" cy="5397500"/>
+          </a:xfrm>
+        </p:spPr>
+        <p:txBody>
+          <a:bodyPr>
+            <a:normAutofit/>
+          </a:bodyPr>
           <a:lstStyle/>
           <a:p>
             <a:r>
               <a:rPr lang="en-GB" dirty="0"/>
-              <a:t>Code the machine learning pipeline on local, output first draft of best model</a:t>
-            </a:r>
-          </a:p>
-          <a:p>
+              <a:t>Objective: Whenever want to update file on GitHub, to use a template for a sequence of events, which takes into account testing, and also reporting of the results of the push. </a:t>
+            </a:r>
+          </a:p>
+          <a:p>
+            <a:r>
+              <a:rPr lang="en-GB" dirty="0" err="1"/>
+              <a:t>Makefile</a:t>
+            </a:r>
             <a:r>
               <a:rPr lang="en-GB" dirty="0"/>
-              <a:t>Work on deployment on local, </a:t>
-            </a:r>
-            <a:r>
-              <a:rPr lang="en-GB" dirty="0" err="1"/>
-              <a:t>dockerise</a:t>
+              <a:t> is the recipe, while the YAML file is the skeleton while pulls from the recipe + decides the environment variables which is fed into the recipe</a:t>
+            </a:r>
+          </a:p>
+          <a:p>
+            <a:endParaRPr lang="en-GB" dirty="0"/>
+          </a:p>
+          <a:p>
+            <a:r>
+              <a:rPr lang="en-GB" b="1" dirty="0"/>
+              <a:t>Implemented for</a:t>
             </a:r>
             <a:r>
               <a:rPr lang="en-GB" dirty="0"/>
-              <a:t> deployment components</a:t>
-            </a:r>
-          </a:p>
-          <a:p>
-            <a:r>
-              <a:rPr lang="en-GB" dirty="0"/>
-              <a:t>Upload docker containers to AWS services + test if it works</a:t>
-            </a:r>
-          </a:p>
-          <a:p>
-            <a:endParaRPr lang="en-GB" dirty="0"/>
-          </a:p>
-          <a:p>
-            <a:r>
-              <a:rPr lang="en-GB" dirty="0"/>
-              <a:t>To-do: CI/CD? </a:t>
-            </a:r>
-            <a:r>
-              <a:rPr lang="en-GB" dirty="0" err="1"/>
-              <a:t>Github</a:t>
-            </a:r>
-            <a:r>
-              <a:rPr lang="en-GB" dirty="0"/>
-              <a:t> actions? Feature store on AWS?</a:t>
-            </a:r>
-          </a:p>
-          <a:p>
-            <a:endParaRPr lang="en-GB" dirty="0"/>
+              <a:t>: Model prediction</a:t>
+            </a:r>
           </a:p>
         </p:txBody>
       </p:sp>
     </p:spTree>
     <p:extLst>
       <p:ext uri="{BB962C8B-B14F-4D97-AF65-F5344CB8AC3E}">
-        <p14:creationId xmlns:p14="http://schemas.microsoft.com/office/powerpoint/2010/main" val="1044767826"/>
+        <p14:creationId xmlns:p14="http://schemas.microsoft.com/office/powerpoint/2010/main" val="2062299650"/>
       </p:ext>
     </p:extLst>
   </p:cSld>
@@ -6793,7 +7394,7 @@
           <p:cNvPr id="2" name="Title 1">
             <a:extLst>
               <a:ext uri="{FF2B5EF4-FFF2-40B4-BE49-F238E27FC236}">
-                <a16:creationId xmlns:a16="http://schemas.microsoft.com/office/drawing/2014/main" id="{E2F977AF-15E1-2268-873D-1E5AE0F60B5D}"/>
+                <a16:creationId xmlns:a16="http://schemas.microsoft.com/office/drawing/2014/main" id="{9FEE4046-886D-9760-43E3-091562716F37}"/>
               </a:ext>
             </a:extLst>
           </p:cNvPr>
@@ -6811,7 +7412,7 @@
           <a:p>
             <a:r>
               <a:rPr lang="en-GB" dirty="0"/>
-              <a:t>CI</a:t>
+              <a:t>Unit testing</a:t>
             </a:r>
           </a:p>
         </p:txBody>
@@ -6821,7 +7422,7 @@
           <p:cNvPr id="3" name="Content Placeholder 2">
             <a:extLst>
               <a:ext uri="{FF2B5EF4-FFF2-40B4-BE49-F238E27FC236}">
-                <a16:creationId xmlns:a16="http://schemas.microsoft.com/office/drawing/2014/main" id="{3548B6C1-087A-2338-16C8-1F30B0A7EDEC}"/>
+                <a16:creationId xmlns:a16="http://schemas.microsoft.com/office/drawing/2014/main" id="{863CE142-1366-CF7C-3229-8616CF38F173}"/>
               </a:ext>
             </a:extLst>
           </p:cNvPr>
@@ -6834,8 +7435,8 @@
         </p:nvSpPr>
         <p:spPr>
           <a:xfrm>
-            <a:off x="838200" y="1460500"/>
-            <a:ext cx="10515600" cy="5397500"/>
+            <a:off x="838200" y="1825624"/>
+            <a:ext cx="10515600" cy="5032375"/>
           </a:xfrm>
         </p:spPr>
         <p:txBody>
@@ -6846,78 +7447,167 @@
           <a:p>
             <a:r>
               <a:rPr lang="en-GB" dirty="0"/>
-              <a:t>Objective: Whenever want to update file on GitHub, to use a template for a sequence of events, which takes into account testing, and also reporting of the results of the push. </a:t>
-            </a:r>
-          </a:p>
-          <a:p>
+              <a:t>Objective: Get the smallest possible unit of your code, and ensure that those units (e.g. functions, methods) work. Can proceed on to integration testing where the units interact with one another</a:t>
+            </a:r>
+          </a:p>
+          <a:p>
+            <a:pPr lvl="1"/>
+            <a:r>
+              <a:rPr lang="en-GB" dirty="0"/>
+              <a:t>Can be split into </a:t>
+            </a:r>
             <a:r>
               <a:rPr lang="en-GB" dirty="0" err="1"/>
-              <a:t>Makefile</a:t>
+              <a:t>MLOps</a:t>
             </a:r>
             <a:r>
               <a:rPr lang="en-GB" dirty="0"/>
-              <a:t> is the recipe, while the YAML file is the skeleton while pulls from the recipe + decides the environment variables which is fed into the recipe</a:t>
-            </a:r>
-          </a:p>
-          <a:p>
+              <a:t> segments. Each segment have diff considerations</a:t>
+            </a:r>
+          </a:p>
+          <a:p>
+            <a:pPr lvl="2"/>
+            <a:r>
+              <a:rPr lang="en-SG" b="0" i="0" u="none" strike="noStrike" dirty="0">
+                <a:solidFill>
+                  <a:srgbClr val="333D42"/>
+                </a:solidFill>
+                <a:effectLst/>
+                <a:highlight>
+                  <a:srgbClr val="FFFFFF"/>
+                </a:highlight>
+                <a:latin typeface="-apple-system"/>
+              </a:rPr>
+              <a:t>Data Engineering</a:t>
+            </a:r>
+            <a:r>
+              <a:rPr lang="en-GB" b="0" i="0" u="none" strike="noStrike" dirty="0">
+                <a:solidFill>
+                  <a:srgbClr val="333D42"/>
+                </a:solidFill>
+                <a:effectLst/>
+                <a:highlight>
+                  <a:srgbClr val="FFFFFF"/>
+                </a:highlight>
+                <a:latin typeface="-apple-system"/>
+              </a:rPr>
+              <a:t>: hardcode an input to pass into this function and leverage </a:t>
+            </a:r>
+            <a:r>
+              <a:rPr lang="en-GB" b="0" i="0" u="none" strike="noStrike" dirty="0" err="1">
+                <a:solidFill>
+                  <a:srgbClr val="333D42"/>
+                </a:solidFill>
+                <a:effectLst/>
+                <a:highlight>
+                  <a:srgbClr val="FFFFFF"/>
+                </a:highlight>
+                <a:latin typeface="-apple-system"/>
+              </a:rPr>
+              <a:t>Pytest</a:t>
+            </a:r>
+            <a:r>
+              <a:rPr lang="en-GB" b="0" i="0" u="none" strike="noStrike" dirty="0">
+                <a:solidFill>
+                  <a:srgbClr val="333D42"/>
+                </a:solidFill>
+                <a:effectLst/>
+                <a:highlight>
+                  <a:srgbClr val="FFFFFF"/>
+                </a:highlight>
+                <a:latin typeface="-apple-system"/>
+              </a:rPr>
+              <a:t>/</a:t>
+            </a:r>
+            <a:r>
+              <a:rPr lang="en-GB" b="0" i="0" u="none" strike="noStrike" dirty="0" err="1">
+                <a:solidFill>
+                  <a:srgbClr val="333D42"/>
+                </a:solidFill>
+                <a:effectLst/>
+                <a:highlight>
+                  <a:srgbClr val="FFFFFF"/>
+                </a:highlight>
+                <a:latin typeface="-apple-system"/>
+              </a:rPr>
+              <a:t>unittest</a:t>
+            </a:r>
+            <a:r>
+              <a:rPr lang="en-GB" b="0" i="0" u="none" strike="noStrike" dirty="0">
+                <a:solidFill>
+                  <a:srgbClr val="333D42"/>
+                </a:solidFill>
+                <a:effectLst/>
+                <a:highlight>
+                  <a:srgbClr val="FFFFFF"/>
+                </a:highlight>
+                <a:latin typeface="-apple-system"/>
+              </a:rPr>
+              <a:t> to check for the exact output. Check handling of</a:t>
+            </a:r>
+            <a:r>
+              <a:rPr lang="en-SG" b="0" i="0" u="none" strike="noStrike" dirty="0">
+                <a:solidFill>
+                  <a:srgbClr val="333D42"/>
+                </a:solidFill>
+                <a:effectLst/>
+                <a:highlight>
+                  <a:srgbClr val="FFFFFF"/>
+                </a:highlight>
+                <a:latin typeface="-apple-system"/>
+              </a:rPr>
+              <a:t> edge cases</a:t>
+            </a:r>
+            <a:endParaRPr lang="en-GB" b="0" i="0" u="none" strike="noStrike" dirty="0">
+              <a:solidFill>
+                <a:srgbClr val="333D42"/>
+              </a:solidFill>
+              <a:effectLst/>
+              <a:highlight>
+                <a:srgbClr val="FFFFFF"/>
+              </a:highlight>
+              <a:latin typeface="-apple-system"/>
+            </a:endParaRPr>
+          </a:p>
+          <a:p>
+            <a:pPr lvl="2"/>
+            <a:r>
+              <a:rPr lang="en-SG" b="0" i="0" u="none" strike="noStrike" dirty="0">
+                <a:solidFill>
+                  <a:srgbClr val="333D42"/>
+                </a:solidFill>
+                <a:effectLst/>
+                <a:highlight>
+                  <a:srgbClr val="FFFFFF"/>
+                </a:highlight>
+                <a:latin typeface="-apple-system"/>
+              </a:rPr>
+              <a:t>??Model Training: check for successful predictions on training data to a degree of accuracy based on your evaluation metric</a:t>
+            </a:r>
+          </a:p>
+          <a:p>
+            <a:pPr lvl="2"/>
+            <a:r>
+              <a:rPr lang="en-SG" b="0" i="0" u="none" strike="noStrike" dirty="0">
+                <a:solidFill>
+                  <a:srgbClr val="333D42"/>
+                </a:solidFill>
+                <a:effectLst/>
+                <a:highlight>
+                  <a:srgbClr val="FFFFFF"/>
+                </a:highlight>
+                <a:latin typeface="-apple-system"/>
+              </a:rPr>
+              <a:t>[D] Model Serving: Combination of the 2 above + ensure that frontend works</a:t>
+            </a:r>
             <a:endParaRPr lang="en-GB" dirty="0"/>
-          </a:p>
-          <a:p>
-            <a:r>
-              <a:rPr lang="en-GB" b="1" dirty="0"/>
-              <a:t>Implemented for</a:t>
-            </a:r>
-            <a:r>
-              <a:rPr lang="en-GB" dirty="0"/>
-              <a:t>: Model prediction</a:t>
-            </a:r>
-          </a:p>
-          <a:p>
-            <a:r>
-              <a:rPr lang="en-GB" b="1" dirty="0"/>
-              <a:t>Questions</a:t>
-            </a:r>
-            <a:r>
-              <a:rPr lang="en-GB" dirty="0"/>
-              <a:t>: </a:t>
-            </a:r>
-          </a:p>
-          <a:p>
-            <a:pPr lvl="1"/>
-            <a:r>
-              <a:rPr lang="en-GB" dirty="0"/>
-              <a:t>How to implement it for modelling? To store data on AWS, then pull from there? Maybe leave this to the retraining phase</a:t>
-            </a:r>
-          </a:p>
-          <a:p>
-            <a:pPr lvl="1"/>
-            <a:r>
-              <a:rPr lang="en-GB" dirty="0"/>
-              <a:t>To implement </a:t>
-            </a:r>
-            <a:r>
-              <a:rPr lang="en-GB" dirty="0" err="1"/>
-              <a:t>IaC</a:t>
-            </a:r>
-            <a:r>
-              <a:rPr lang="en-GB" dirty="0"/>
-              <a:t> for DTAP of AWS e.g. </a:t>
-            </a:r>
-            <a:r>
-              <a:rPr lang="en-GB" dirty="0" err="1"/>
-              <a:t>Terrraform</a:t>
-            </a:r>
-            <a:r>
-              <a:rPr lang="en-GB" dirty="0"/>
-              <a:t>?</a:t>
-            </a:r>
           </a:p>
         </p:txBody>
       </p:sp>
     </p:spTree>
     <p:extLst>
       <p:ext uri="{BB962C8B-B14F-4D97-AF65-F5344CB8AC3E}">
-        <p14:creationId xmlns:p14="http://schemas.microsoft.com/office/powerpoint/2010/main" val="2062299650"/>
+        <p14:creationId xmlns:p14="http://schemas.microsoft.com/office/powerpoint/2010/main" val="4237085510"/>
       </p:ext>
     </p:extLst>
   </p:cSld>
@@ -6949,7 +7639,7 @@
           <p:cNvPr id="2" name="Title 1">
             <a:extLst>
               <a:ext uri="{FF2B5EF4-FFF2-40B4-BE49-F238E27FC236}">
-                <a16:creationId xmlns:a16="http://schemas.microsoft.com/office/drawing/2014/main" id="{9FEE4046-886D-9760-43E3-091562716F37}"/>
+                <a16:creationId xmlns:a16="http://schemas.microsoft.com/office/drawing/2014/main" id="{AF9DBC8A-43C7-4CED-1A5A-9AB285827153}"/>
               </a:ext>
             </a:extLst>
           </p:cNvPr>
@@ -6967,7 +7657,7 @@
           <a:p>
             <a:r>
               <a:rPr lang="en-GB" dirty="0"/>
-              <a:t>Unit testing</a:t>
+              <a:t>TODO</a:t>
             </a:r>
           </a:p>
         </p:txBody>
@@ -6977,7 +7667,7 @@
           <p:cNvPr id="3" name="Content Placeholder 2">
             <a:extLst>
               <a:ext uri="{FF2B5EF4-FFF2-40B4-BE49-F238E27FC236}">
-                <a16:creationId xmlns:a16="http://schemas.microsoft.com/office/drawing/2014/main" id="{863CE142-1366-CF7C-3229-8616CF38F173}"/>
+                <a16:creationId xmlns:a16="http://schemas.microsoft.com/office/drawing/2014/main" id="{75AE5FEA-050D-AE53-B7C2-AA771027014E}"/>
               </a:ext>
             </a:extLst>
           </p:cNvPr>
@@ -6990,206 +7680,169 @@
         </p:nvSpPr>
         <p:spPr>
           <a:xfrm>
-            <a:off x="838200" y="1825624"/>
-            <a:ext cx="10515600" cy="5032375"/>
+            <a:off x="838200" y="1690688"/>
+            <a:ext cx="10515600" cy="5167312"/>
           </a:xfrm>
         </p:spPr>
         <p:txBody>
           <a:bodyPr>
-            <a:normAutofit lnSpcReduction="10000"/>
+            <a:normAutofit fontScale="85000" lnSpcReduction="20000"/>
           </a:bodyPr>
           <a:lstStyle/>
           <a:p>
             <a:r>
               <a:rPr lang="en-GB" dirty="0"/>
-              <a:t>Objective: Get the smallest possible unit of your code, and ensure that those units (e.g. functions, methods) work. Can proceed on to integration testing where the units interact with one another</a:t>
-            </a:r>
-          </a:p>
-          <a:p>
-            <a:pPr lvl="1"/>
+              <a:t>Pull </a:t>
+            </a:r>
+            <a:r>
+              <a:rPr lang="en-GB" dirty="0" err="1"/>
+              <a:t>ct</a:t>
+            </a:r>
             <a:r>
               <a:rPr lang="en-GB" dirty="0"/>
-              <a:t>Can be split into </a:t>
+              <a:t> to main. Just work on main from there</a:t>
+            </a:r>
+          </a:p>
+          <a:p>
+            <a:r>
+              <a:rPr lang="en-GB" dirty="0"/>
+              <a:t>Automate both the CV and Final modelling on cloud (AWS Lambda, </a:t>
             </a:r>
             <a:r>
               <a:rPr lang="en-GB" dirty="0" err="1"/>
-              <a:t>MLOps</a:t>
+              <a:t>github</a:t>
             </a:r>
             <a:r>
               <a:rPr lang="en-GB" dirty="0"/>
-              <a:t> segments. Each segment have diff considerations</a:t>
-            </a:r>
-          </a:p>
-          <a:p>
-            <a:pPr lvl="2"/>
-            <a:r>
-              <a:rPr lang="en-SG" b="0" i="0" u="none" strike="noStrike" dirty="0">
-                <a:solidFill>
-                  <a:srgbClr val="333D42"/>
-                </a:solidFill>
-                <a:effectLst/>
-                <a:highlight>
-                  <a:srgbClr val="FFFFFF"/>
-                </a:highlight>
-                <a:latin typeface="-apple-system"/>
+              <a:t> actions, whatever). Try to merge with </a:t>
+            </a:r>
+            <a:r>
+              <a:rPr lang="en-GB" dirty="0" err="1"/>
+              <a:t>MLFlow</a:t>
+            </a:r>
+            <a:r>
+              <a:rPr lang="en-GB" dirty="0"/>
+              <a:t> if can, otherwise just do reporting separately. Importantly, give scores + important charts. </a:t>
+            </a:r>
+            <a:r>
+              <a:rPr lang="en-GB" dirty="0" err="1"/>
+              <a:t>Rmb</a:t>
+            </a:r>
+            <a:r>
+              <a:rPr lang="en-GB" dirty="0"/>
+              <a:t> to ensure S3 storing model has version tracking on</a:t>
+            </a:r>
+          </a:p>
+          <a:p>
+            <a:r>
+              <a:rPr lang="en-GB" dirty="0">
+                <a:sym typeface="Wingdings" pitchFamily="2" charset="2"/>
               </a:rPr>
-              <a:t>Data Engineering</a:t>
-            </a:r>
-            <a:r>
-              <a:rPr lang="en-GB" b="0" i="0" u="none" strike="noStrike" dirty="0">
-                <a:solidFill>
-                  <a:srgbClr val="333D42"/>
-                </a:solidFill>
-                <a:effectLst/>
-                <a:highlight>
-                  <a:srgbClr val="FFFFFF"/>
-                </a:highlight>
-                <a:latin typeface="-apple-system"/>
+              <a:t>Automate AWS Lambda updates using AWS CLI/</a:t>
+            </a:r>
+            <a:r>
+              <a:rPr lang="en-GB" dirty="0" err="1">
+                <a:sym typeface="Wingdings" pitchFamily="2" charset="2"/>
               </a:rPr>
-              <a:t>: hardcode an input to pass into this function and leverage </a:t>
-            </a:r>
-            <a:r>
-              <a:rPr lang="en-GB" b="0" i="0" u="none" strike="noStrike" dirty="0" err="1">
-                <a:solidFill>
-                  <a:srgbClr val="333D42"/>
-                </a:solidFill>
-                <a:effectLst/>
-                <a:highlight>
-                  <a:srgbClr val="FFFFFF"/>
-                </a:highlight>
-                <a:latin typeface="-apple-system"/>
+              <a:t>github</a:t>
+            </a:r>
+            <a:r>
+              <a:rPr lang="en-GB" dirty="0">
+                <a:sym typeface="Wingdings" pitchFamily="2" charset="2"/>
               </a:rPr>
-              <a:t>Pytest</a:t>
-            </a:r>
-            <a:r>
-              <a:rPr lang="en-GB" b="0" i="0" u="none" strike="noStrike" dirty="0">
-                <a:solidFill>
-                  <a:srgbClr val="333D42"/>
-                </a:solidFill>
-                <a:effectLst/>
-                <a:highlight>
-                  <a:srgbClr val="FFFFFF"/>
-                </a:highlight>
-                <a:latin typeface="-apple-system"/>
+              <a:t> actions so that don’t have to keep copy and pasting</a:t>
+            </a:r>
+          </a:p>
+          <a:p>
+            <a:r>
+              <a:rPr lang="en-GB" dirty="0">
+                <a:sym typeface="Wingdings" pitchFamily="2" charset="2"/>
               </a:rPr>
-              <a:t>/</a:t>
-            </a:r>
-            <a:r>
-              <a:rPr lang="en-GB" b="0" i="0" u="none" strike="noStrike" dirty="0" err="1">
-                <a:solidFill>
-                  <a:srgbClr val="333D42"/>
-                </a:solidFill>
-                <a:effectLst/>
-                <a:highlight>
-                  <a:srgbClr val="FFFFFF"/>
-                </a:highlight>
-                <a:latin typeface="-apple-system"/>
+              <a:t>Download new data filtered by date, process and then append to existing feature store</a:t>
+            </a:r>
+            <a:endParaRPr lang="en-GB" dirty="0"/>
+          </a:p>
+          <a:p>
+            <a:r>
+              <a:rPr lang="en-GB" dirty="0"/>
+              <a:t>Code robustness: Work on unit testing </a:t>
+            </a:r>
+            <a:r>
+              <a:rPr lang="en-GB" dirty="0">
+                <a:sym typeface="Wingdings" pitchFamily="2" charset="2"/>
               </a:rPr>
-              <a:t>unittest</a:t>
-            </a:r>
-            <a:r>
-              <a:rPr lang="en-GB" b="0" i="0" u="none" strike="noStrike" dirty="0">
-                <a:solidFill>
-                  <a:srgbClr val="333D42"/>
-                </a:solidFill>
-                <a:effectLst/>
-                <a:highlight>
-                  <a:srgbClr val="FFFFFF"/>
-                </a:highlight>
-                <a:latin typeface="-apple-system"/>
+              <a:t> Data + others. Robust tests. Practice one unit test per PR. Think about when to use try-except statements (get </a:t>
+            </a:r>
+            <a:r>
+              <a:rPr lang="en-GB" dirty="0" err="1">
+                <a:sym typeface="Wingdings" pitchFamily="2" charset="2"/>
               </a:rPr>
-              <a:t> to check for the exact output. Check handling of</a:t>
-            </a:r>
-            <a:r>
-              <a:rPr lang="en-SG" b="0" i="0" u="none" strike="noStrike" dirty="0">
-                <a:solidFill>
-                  <a:srgbClr val="333D42"/>
-                </a:solidFill>
-                <a:effectLst/>
-                <a:highlight>
-                  <a:srgbClr val="FFFFFF"/>
-                </a:highlight>
-                <a:latin typeface="-apple-system"/>
+              <a:t>chatgpt</a:t>
+            </a:r>
+            <a:r>
+              <a:rPr lang="en-GB" dirty="0">
+                <a:sym typeface="Wingdings" pitchFamily="2" charset="2"/>
               </a:rPr>
-              <a:t> edge cases</a:t>
-            </a:r>
-            <a:endParaRPr lang="en-GB" b="0" i="0" u="none" strike="noStrike" dirty="0">
-              <a:solidFill>
-                <a:srgbClr val="333D42"/>
-              </a:solidFill>
-              <a:effectLst/>
-              <a:highlight>
-                <a:srgbClr val="FFFFFF"/>
-              </a:highlight>
-              <a:latin typeface="-apple-system"/>
-            </a:endParaRPr>
-          </a:p>
-          <a:p>
-            <a:pPr lvl="2"/>
-            <a:r>
-              <a:rPr lang="en-SG" b="0" i="0" u="none" strike="noStrike" dirty="0">
-                <a:solidFill>
-                  <a:srgbClr val="333D42"/>
-                </a:solidFill>
-                <a:effectLst/>
-                <a:highlight>
-                  <a:srgbClr val="FFFFFF"/>
-                </a:highlight>
-                <a:latin typeface="-apple-system"/>
+              <a:t> to suggest). Perform checks while script is running as well, on top of the unit tests</a:t>
+            </a:r>
+          </a:p>
+          <a:p>
+            <a:r>
+              <a:rPr lang="en-GB" dirty="0">
+                <a:sym typeface="Wingdings" pitchFamily="2" charset="2"/>
               </a:rPr>
-              <a:t>??Model Training: check for successful predictions on training data to a degree of accuracy based on your evaluation metric</a:t>
-            </a:r>
-          </a:p>
-          <a:p>
-            <a:pPr lvl="2"/>
-            <a:r>
-              <a:rPr lang="en-SG" b="0" i="0" u="none" strike="noStrike" dirty="0">
-                <a:solidFill>
-                  <a:srgbClr val="333D42"/>
-                </a:solidFill>
-                <a:effectLst/>
-                <a:highlight>
-                  <a:srgbClr val="FFFFFF"/>
-                </a:highlight>
-                <a:latin typeface="-apple-system"/>
+              <a:t>Logging (if have time). Get </a:t>
+            </a:r>
+            <a:r>
+              <a:rPr lang="en-GB" dirty="0" err="1">
+                <a:sym typeface="Wingdings" pitchFamily="2" charset="2"/>
               </a:rPr>
-              <a:t>[D] Model Serving: Combination of the 2 above + ensure that frontend works</a:t>
+              <a:t>chatGPT</a:t>
+            </a:r>
+            <a:r>
+              <a:rPr lang="en-GB" dirty="0">
+                <a:sym typeface="Wingdings" pitchFamily="2" charset="2"/>
+              </a:rPr>
+              <a:t> to suggest. Used with AWS </a:t>
+            </a:r>
+            <a:r>
+              <a:rPr lang="en-GB" dirty="0" err="1">
+                <a:sym typeface="Wingdings" pitchFamily="2" charset="2"/>
+              </a:rPr>
+              <a:t>cloudwatch</a:t>
+            </a:r>
+            <a:r>
+              <a:rPr lang="en-GB" dirty="0">
+                <a:sym typeface="Wingdings" pitchFamily="2" charset="2"/>
+              </a:rPr>
+              <a:t>, but watch the costs involved. http://</a:t>
+            </a:r>
+            <a:r>
+              <a:rPr lang="en-GB" dirty="0" err="1">
+                <a:sym typeface="Wingdings" pitchFamily="2" charset="2"/>
+              </a:rPr>
+              <a:t>logging.apache.org</a:t>
+            </a:r>
+            <a:r>
+              <a:rPr lang="en-GB" dirty="0">
+                <a:sym typeface="Wingdings" pitchFamily="2" charset="2"/>
+              </a:rPr>
+              <a:t>/log4j/1.2/</a:t>
+            </a:r>
+            <a:r>
+              <a:rPr lang="en-GB" dirty="0" err="1">
+                <a:sym typeface="Wingdings" pitchFamily="2" charset="2"/>
+              </a:rPr>
+              <a:t>manual.html</a:t>
             </a:r>
             <a:endParaRPr lang="en-GB" dirty="0"/>
-          </a:p>
-          <a:p>
-            <a:r>
-              <a:rPr lang="en-GB" dirty="0"/>
-              <a:t>Questions: </a:t>
-            </a:r>
-          </a:p>
-          <a:p>
-            <a:pPr lvl="1"/>
-            <a:r>
-              <a:rPr lang="en-GB" dirty="0"/>
-              <a:t>how robust must unit testing be? </a:t>
-            </a:r>
-          </a:p>
-          <a:p>
-            <a:pPr lvl="1"/>
-            <a:r>
-              <a:rPr lang="en-GB" dirty="0"/>
-              <a:t>Is the model training part really necessary since it’s so flexible?</a:t>
-            </a:r>
-          </a:p>
-          <a:p>
-            <a:pPr lvl="1"/>
-            <a:r>
-              <a:rPr lang="en-GB" dirty="0"/>
-              <a:t>Does </a:t>
-            </a:r>
           </a:p>
         </p:txBody>
       </p:sp>
     </p:spTree>
     <p:extLst>
       <p:ext uri="{BB962C8B-B14F-4D97-AF65-F5344CB8AC3E}">
-        <p14:creationId xmlns:p14="http://schemas.microsoft.com/office/powerpoint/2010/main" val="4237085510"/>
+        <p14:creationId xmlns:p14="http://schemas.microsoft.com/office/powerpoint/2010/main" val="1044767826"/>
       </p:ext>
     </p:extLst>
   </p:cSld>
@@ -7221,7 +7874,7 @@
           <p:cNvPr id="2" name="Title 1">
             <a:extLst>
               <a:ext uri="{FF2B5EF4-FFF2-40B4-BE49-F238E27FC236}">
-                <a16:creationId xmlns:a16="http://schemas.microsoft.com/office/drawing/2014/main" id="{786686E8-215A-5475-0873-B4055D121F8F}"/>
+                <a16:creationId xmlns:a16="http://schemas.microsoft.com/office/drawing/2014/main" id="{980208A4-9586-F936-9663-BC044141A40B}"/>
               </a:ext>
             </a:extLst>
           </p:cNvPr>
@@ -7239,7 +7892,7 @@
           <a:p>
             <a:r>
               <a:rPr lang="en-GB" dirty="0"/>
-              <a:t>CT</a:t>
+              <a:t>Architecture for training on cloud</a:t>
             </a:r>
           </a:p>
         </p:txBody>
@@ -7249,7 +7902,7 @@
           <p:cNvPr id="3" name="Content Placeholder 2">
             <a:extLst>
               <a:ext uri="{FF2B5EF4-FFF2-40B4-BE49-F238E27FC236}">
-                <a16:creationId xmlns:a16="http://schemas.microsoft.com/office/drawing/2014/main" id="{B4423546-A7E9-D0C0-C3F6-1997391AD7C0}"/>
+                <a16:creationId xmlns:a16="http://schemas.microsoft.com/office/drawing/2014/main" id="{0416174F-BDF1-30F5-BBA1-B132990E785C}"/>
               </a:ext>
             </a:extLst>
           </p:cNvPr>
@@ -7260,163 +7913,19 @@
             <p:ph idx="1"/>
           </p:nvPr>
         </p:nvSpPr>
-        <p:spPr>
-          <a:xfrm>
-            <a:off x="838200" y="1825624"/>
-            <a:ext cx="10515600" cy="5032375"/>
-          </a:xfrm>
-        </p:spPr>
-        <p:txBody>
-          <a:bodyPr>
-            <a:normAutofit fontScale="70000" lnSpcReduction="20000"/>
-          </a:bodyPr>
-          <a:lstStyle/>
-          <a:p>
-            <a:r>
-              <a:rPr lang="en-GB" dirty="0"/>
-              <a:t>Factorise modelling + </a:t>
-            </a:r>
-            <a:r>
-              <a:rPr lang="en-GB" dirty="0" err="1"/>
-              <a:t>MLFlow</a:t>
-            </a:r>
-            <a:r>
-              <a:rPr lang="en-GB" dirty="0"/>
-              <a:t> code, logging results to cloud</a:t>
-            </a:r>
-          </a:p>
-          <a:p>
-            <a:pPr lvl="1"/>
-            <a:r>
-              <a:rPr lang="en-GB" b="1" dirty="0"/>
-              <a:t>Objective: Hyperparameter tuning</a:t>
-            </a:r>
-          </a:p>
-          <a:p>
-            <a:pPr lvl="1"/>
-            <a:r>
-              <a:rPr lang="en-GB" dirty="0"/>
-              <a:t>Select only the metrics of interest. Modelling happens on local, only tracking goes to cloud</a:t>
-            </a:r>
-            <a:endParaRPr lang="en-GB" b="1" dirty="0"/>
-          </a:p>
-          <a:p>
-            <a:r>
-              <a:rPr lang="en-GB" dirty="0"/>
-              <a:t>Retraining based on time/data ingestion @ X time unit</a:t>
-            </a:r>
-          </a:p>
-          <a:p>
-            <a:pPr lvl="1"/>
-            <a:r>
-              <a:rPr lang="en-GB" b="1" dirty="0"/>
-              <a:t>Objective: Let model capture new trends in data</a:t>
-            </a:r>
-          </a:p>
-          <a:p>
-            <a:pPr lvl="1"/>
-            <a:r>
-              <a:rPr lang="en-GB" dirty="0"/>
-              <a:t>Separate script which uses the same hyperparameters from experimentation (local), but does the comparison and retraining on AWS (Lambda?) </a:t>
-            </a:r>
-          </a:p>
-          <a:p>
-            <a:pPr lvl="1"/>
-            <a:r>
-              <a:rPr lang="en-GB" dirty="0"/>
-              <a:t>? Need to come up with the final model, trained on all data</a:t>
-            </a:r>
-          </a:p>
-          <a:p>
-            <a:pPr lvl="2"/>
-            <a:r>
-              <a:rPr lang="en-GB" dirty="0"/>
-              <a:t>Or is it still need a holdout set?</a:t>
-            </a:r>
-          </a:p>
-          <a:p>
-            <a:pPr lvl="2"/>
-            <a:r>
-              <a:rPr lang="en-GB" dirty="0"/>
-              <a:t>Train on 1~ T-1 week, test on T-1 week ~T (Is 1 week enough?)</a:t>
-            </a:r>
-          </a:p>
-          <a:p>
-            <a:pPr lvl="1"/>
-            <a:r>
-              <a:rPr lang="en-GB" dirty="0"/>
-              <a:t>Need to process data to output the delta for testing </a:t>
-            </a:r>
-            <a:r>
-              <a:rPr lang="en-GB" dirty="0">
-                <a:sym typeface="Wingdings" pitchFamily="2" charset="2"/>
-              </a:rPr>
-              <a:t> Correspond to frequency of pulling data, which corresponds to how often the data is updated</a:t>
-            </a:r>
-          </a:p>
-          <a:p>
-            <a:pPr lvl="1"/>
-            <a:r>
-              <a:rPr lang="en-GB" dirty="0"/>
-              <a:t>Can implement A/B testing afterwards to check if there is indeed and improvement over the old model. Do not deploy if performance drops</a:t>
-            </a:r>
-          </a:p>
-          <a:p>
-            <a:pPr lvl="2"/>
-            <a:r>
-              <a:rPr lang="en-GB" dirty="0"/>
-              <a:t>Still necessary to compare 5 fold CV in addition to test set?</a:t>
-            </a:r>
-          </a:p>
-          <a:p>
-            <a:pPr lvl="2"/>
-            <a:r>
-              <a:rPr lang="en-GB" dirty="0"/>
-              <a:t>Pseudo-Canary testing?</a:t>
-            </a:r>
-          </a:p>
-          <a:p>
-            <a:pPr lvl="2"/>
-            <a:r>
-              <a:rPr lang="en-GB" dirty="0"/>
-              <a:t>Can find hard quality gates here: https://</a:t>
-            </a:r>
-            <a:r>
-              <a:rPr lang="en-GB" dirty="0" err="1"/>
-              <a:t>mlflow.org</a:t>
-            </a:r>
-            <a:r>
-              <a:rPr lang="en-GB" dirty="0"/>
-              <a:t>/docs/3.1.3/ml/evaluation/model-eval/</a:t>
-            </a:r>
-          </a:p>
-          <a:p>
-            <a:r>
-              <a:rPr lang="en-GB" dirty="0"/>
-              <a:t>Find a way to push to production automatically, while involving </a:t>
-            </a:r>
-            <a:r>
-              <a:rPr lang="en-GB" dirty="0" err="1"/>
-              <a:t>MLFlow</a:t>
-            </a:r>
-            <a:r>
-              <a:rPr lang="en-GB" dirty="0"/>
-              <a:t> (have to do the tagging/aliasing automatically). Need to push the model to AWS ECS at the moment as well </a:t>
-            </a:r>
-            <a:r>
-              <a:rPr lang="en-GB" dirty="0">
-                <a:sym typeface="Wingdings" pitchFamily="2" charset="2"/>
-              </a:rPr>
-              <a:t> needs more thinking!</a:t>
-            </a:r>
-            <a:endParaRPr lang="en-GB" dirty="0"/>
+        <p:spPr/>
+        <p:txBody>
+          <a:bodyPr/>
+          <a:lstStyle/>
+          <a:p>
+            <a:endParaRPr lang="en-GB"/>
           </a:p>
         </p:txBody>
       </p:sp>
     </p:spTree>
     <p:extLst>
       <p:ext uri="{BB962C8B-B14F-4D97-AF65-F5344CB8AC3E}">
-        <p14:creationId xmlns:p14="http://schemas.microsoft.com/office/powerpoint/2010/main" val="3689535318"/>
+        <p14:creationId xmlns:p14="http://schemas.microsoft.com/office/powerpoint/2010/main" val="1775362090"/>
       </p:ext>
     </p:extLst>
   </p:cSld>
@@ -7466,7 +7975,7 @@
           <a:p>
             <a:r>
               <a:rPr lang="en-GB" dirty="0"/>
-              <a:t>CT (Extras)</a:t>
+              <a:t>CT</a:t>
             </a:r>
           </a:p>
         </p:txBody>
@@ -7495,29 +8004,147 @@
         </p:spPr>
         <p:txBody>
           <a:bodyPr>
-            <a:normAutofit/>
+            <a:normAutofit fontScale="70000" lnSpcReduction="20000"/>
           </a:bodyPr>
           <a:lstStyle/>
           <a:p>
             <a:r>
               <a:rPr lang="en-GB" dirty="0"/>
-              <a:t>Error analysis + Logging</a:t>
-            </a:r>
-          </a:p>
-          <a:p>
+              <a:t>[D] Factorise modelling + </a:t>
+            </a:r>
             <a:r>
               <a:rPr lang="en-GB" dirty="0" err="1"/>
-              <a:t>BentoML</a:t>
+              <a:t>MLFlow</a:t>
             </a:r>
             <a:r>
               <a:rPr lang="en-GB" dirty="0"/>
-              <a:t> for batched inference/serving</a:t>
-            </a:r>
-          </a:p>
-          <a:p>
-            <a:endParaRPr lang="en-GB" dirty="0"/>
-          </a:p>
-          <a:p>
+              <a:t> code, logging results to cloud (Can be prod or </a:t>
+            </a:r>
+            <a:r>
+              <a:rPr lang="en-GB" dirty="0" err="1"/>
+              <a:t>expt</a:t>
+            </a:r>
+            <a:r>
+              <a:rPr lang="en-GB" dirty="0"/>
+              <a:t> – Tags to differentiate)</a:t>
+            </a:r>
+          </a:p>
+          <a:p>
+            <a:pPr lvl="1"/>
+            <a:r>
+              <a:rPr lang="en-GB" b="1" dirty="0"/>
+              <a:t>Objective: Hyperparameter tuning</a:t>
+            </a:r>
+          </a:p>
+          <a:p>
+            <a:r>
+              <a:rPr lang="en-GB" dirty="0"/>
+              <a:t>Retraining based on time/data ingestion @ X time unit</a:t>
+            </a:r>
+          </a:p>
+          <a:p>
+            <a:pPr lvl="1"/>
+            <a:r>
+              <a:rPr lang="en-GB" b="1" dirty="0"/>
+              <a:t>Objective: Let model capture new trends in data</a:t>
+            </a:r>
+          </a:p>
+          <a:p>
+            <a:pPr lvl="1"/>
+            <a:r>
+              <a:rPr lang="en-GB" dirty="0"/>
+              <a:t>Separate script which uses the same hyperparameters from experimentation (local), but does the comparison and retraining on AWS (Lambda?) </a:t>
+            </a:r>
+          </a:p>
+          <a:p>
+            <a:pPr lvl="1"/>
+            <a:r>
+              <a:rPr lang="en-GB" dirty="0"/>
+              <a:t>? Need to come up with the final model, trained on all data</a:t>
+            </a:r>
+          </a:p>
+          <a:p>
+            <a:pPr lvl="2"/>
+            <a:r>
+              <a:rPr lang="en-GB" dirty="0"/>
+              <a:t>Or is it still need a holdout set?</a:t>
+            </a:r>
+          </a:p>
+          <a:p>
+            <a:pPr lvl="2"/>
+            <a:r>
+              <a:rPr lang="en-GB" dirty="0"/>
+              <a:t>Train on 1~ T-1 week, test on T-1 week ~T (Is 1 week enough?)</a:t>
+            </a:r>
+          </a:p>
+          <a:p>
+            <a:pPr lvl="1"/>
+            <a:r>
+              <a:rPr lang="en-GB" dirty="0"/>
+              <a:t>Need to process data to output the delta for testing </a:t>
+            </a:r>
+            <a:r>
+              <a:rPr lang="en-GB" dirty="0">
+                <a:sym typeface="Wingdings" pitchFamily="2" charset="2"/>
+              </a:rPr>
+              <a:t> Correspond to frequency of pulling data, which corresponds to how often the data is updated</a:t>
+            </a:r>
+          </a:p>
+          <a:p>
+            <a:pPr lvl="1"/>
+            <a:r>
+              <a:rPr lang="en-GB" dirty="0"/>
+              <a:t>Can implement A/B testing afterwards to check if there is indeed and improvement over the old model. Do not deploy if performance drops</a:t>
+            </a:r>
+          </a:p>
+          <a:p>
+            <a:pPr lvl="2"/>
+            <a:r>
+              <a:rPr lang="en-GB" dirty="0"/>
+              <a:t>Still necessary to compare 5 fold CV in addition to test set?</a:t>
+            </a:r>
+          </a:p>
+          <a:p>
+            <a:pPr lvl="2"/>
+            <a:r>
+              <a:rPr lang="en-GB" dirty="0"/>
+              <a:t>Pseudo-Canary testing?</a:t>
+            </a:r>
+          </a:p>
+          <a:p>
+            <a:pPr lvl="2"/>
+            <a:r>
+              <a:rPr lang="en-GB" dirty="0"/>
+              <a:t>Can find hard quality gates here: https://</a:t>
+            </a:r>
+            <a:r>
+              <a:rPr lang="en-GB" dirty="0" err="1"/>
+              <a:t>mlflow.org</a:t>
+            </a:r>
+            <a:r>
+              <a:rPr lang="en-GB" dirty="0"/>
+              <a:t>/docs/3.1.3/ml/evaluation/model-eval/</a:t>
+            </a:r>
+          </a:p>
+          <a:p>
+            <a:r>
+              <a:rPr lang="en-GB" dirty="0"/>
+              <a:t>Find a way to push to production automatically, while involving </a:t>
+            </a:r>
+            <a:r>
+              <a:rPr lang="en-GB" dirty="0" err="1"/>
+              <a:t>MLFlow</a:t>
+            </a:r>
+            <a:r>
+              <a:rPr lang="en-GB" dirty="0"/>
+              <a:t> (have to do the tagging/aliasing automatically). Need to push the model to AWS ECS at the moment as well </a:t>
+            </a:r>
+            <a:r>
+              <a:rPr lang="en-GB" dirty="0">
+                <a:sym typeface="Wingdings" pitchFamily="2" charset="2"/>
+              </a:rPr>
+              <a:t> needs more thinking!</a:t>
+            </a:r>
             <a:endParaRPr lang="en-GB" dirty="0"/>
           </a:p>
         </p:txBody>
@@ -7525,7 +8152,7 @@
     </p:spTree>
     <p:extLst>
       <p:ext uri="{BB962C8B-B14F-4D97-AF65-F5344CB8AC3E}">
-        <p14:creationId xmlns:p14="http://schemas.microsoft.com/office/powerpoint/2010/main" val="1577909886"/>
+        <p14:creationId xmlns:p14="http://schemas.microsoft.com/office/powerpoint/2010/main" val="3689535318"/>
       </p:ext>
     </p:extLst>
   </p:cSld>

--- a/docs/Architecture Overview.pptx
+++ b/docs/Architecture Overview.pptx
@@ -7691,15 +7691,15 @@
           <a:lstStyle/>
           <a:p>
             <a:r>
-              <a:rPr lang="en-GB" dirty="0"/>
+              <a:rPr lang="en-GB" strike="sngStrike" dirty="0"/>
               <a:t>Pull </a:t>
             </a:r>
             <a:r>
-              <a:rPr lang="en-GB" dirty="0" err="1"/>
+              <a:rPr lang="en-GB" strike="sngStrike" dirty="0" err="1"/>
               <a:t>ct</a:t>
             </a:r>
             <a:r>
-              <a:rPr lang="en-GB" dirty="0"/>
+              <a:rPr lang="en-GB" strike="sngStrike" dirty="0"/>
               <a:t> to main. Just work on main from there</a:t>
             </a:r>
           </a:p>
@@ -7899,26 +7899,841 @@
       </p:sp>
       <p:sp>
         <p:nvSpPr>
-          <p:cNvPr id="3" name="Content Placeholder 2">
-            <a:extLst>
-              <a:ext uri="{FF2B5EF4-FFF2-40B4-BE49-F238E27FC236}">
-                <a16:creationId xmlns:a16="http://schemas.microsoft.com/office/drawing/2014/main" id="{0416174F-BDF1-30F5-BBA1-B132990E785C}"/>
-              </a:ext>
-            </a:extLst>
-          </p:cNvPr>
-          <p:cNvSpPr>
-            <a:spLocks noGrp="1"/>
-          </p:cNvSpPr>
-          <p:nvPr>
-            <p:ph idx="1"/>
-          </p:nvPr>
-        </p:nvSpPr>
-        <p:spPr/>
-        <p:txBody>
-          <a:bodyPr/>
-          <a:lstStyle/>
-          <a:p>
-            <a:endParaRPr lang="en-GB"/>
+          <p:cNvPr id="4" name="Rounded Rectangle 3">
+            <a:extLst>
+              <a:ext uri="{FF2B5EF4-FFF2-40B4-BE49-F238E27FC236}">
+                <a16:creationId xmlns:a16="http://schemas.microsoft.com/office/drawing/2014/main" id="{34391F64-C5C2-F623-071E-13D1E59EB0D1}"/>
+              </a:ext>
+            </a:extLst>
+          </p:cNvPr>
+          <p:cNvSpPr/>
+          <p:nvPr/>
+        </p:nvSpPr>
+        <p:spPr>
+          <a:xfrm>
+            <a:off x="5513231" y="3618961"/>
+            <a:ext cx="2162577" cy="772733"/>
+          </a:xfrm>
+          <a:prstGeom prst="roundRect">
+            <a:avLst/>
+          </a:prstGeom>
+          <a:solidFill>
+            <a:schemeClr val="tx2">
+              <a:lumMod val="25000"/>
+              <a:lumOff val="75000"/>
+            </a:schemeClr>
+          </a:solidFill>
+          <a:ln>
+            <a:solidFill>
+              <a:schemeClr val="accent2"/>
+            </a:solidFill>
+          </a:ln>
+        </p:spPr>
+        <p:style>
+          <a:lnRef idx="2">
+            <a:schemeClr val="accent1">
+              <a:shade val="15000"/>
+            </a:schemeClr>
+          </a:lnRef>
+          <a:fillRef idx="1">
+            <a:schemeClr val="accent1"/>
+          </a:fillRef>
+          <a:effectRef idx="0">
+            <a:schemeClr val="accent1"/>
+          </a:effectRef>
+          <a:fontRef idx="minor">
+            <a:schemeClr val="lt1"/>
+          </a:fontRef>
+        </p:style>
+        <p:txBody>
+          <a:bodyPr rtlCol="0" anchor="ctr"/>
+          <a:lstStyle/>
+          <a:p>
+            <a:pPr algn="ctr"/>
+            <a:r>
+              <a:rPr lang="en-GB" dirty="0">
+                <a:solidFill>
+                  <a:schemeClr val="tx1"/>
+                </a:solidFill>
+              </a:rPr>
+              <a:t>Cross-validation on one Lambda</a:t>
+            </a:r>
+          </a:p>
+        </p:txBody>
+      </p:sp>
+      <p:sp>
+        <p:nvSpPr>
+          <p:cNvPr id="5" name="Rounded Rectangle 4">
+            <a:extLst>
+              <a:ext uri="{FF2B5EF4-FFF2-40B4-BE49-F238E27FC236}">
+                <a16:creationId xmlns:a16="http://schemas.microsoft.com/office/drawing/2014/main" id="{C3DCB387-2AF5-32F3-9B7B-4BCF9CEC6991}"/>
+              </a:ext>
+            </a:extLst>
+          </p:cNvPr>
+          <p:cNvSpPr/>
+          <p:nvPr/>
+        </p:nvSpPr>
+        <p:spPr>
+          <a:xfrm>
+            <a:off x="8893935" y="4452529"/>
+            <a:ext cx="2162577" cy="772733"/>
+          </a:xfrm>
+          <a:prstGeom prst="roundRect">
+            <a:avLst/>
+          </a:prstGeom>
+          <a:solidFill>
+            <a:schemeClr val="tx2">
+              <a:lumMod val="25000"/>
+              <a:lumOff val="75000"/>
+            </a:schemeClr>
+          </a:solidFill>
+          <a:ln>
+            <a:solidFill>
+              <a:srgbClr val="FF0000"/>
+            </a:solidFill>
+          </a:ln>
+        </p:spPr>
+        <p:style>
+          <a:lnRef idx="2">
+            <a:schemeClr val="accent1">
+              <a:shade val="15000"/>
+            </a:schemeClr>
+          </a:lnRef>
+          <a:fillRef idx="1">
+            <a:schemeClr val="accent1"/>
+          </a:fillRef>
+          <a:effectRef idx="0">
+            <a:schemeClr val="accent1"/>
+          </a:effectRef>
+          <a:fontRef idx="minor">
+            <a:schemeClr val="lt1"/>
+          </a:fontRef>
+        </p:style>
+        <p:txBody>
+          <a:bodyPr rtlCol="0" anchor="ctr"/>
+          <a:lstStyle/>
+          <a:p>
+            <a:pPr algn="ctr"/>
+            <a:r>
+              <a:rPr lang="en-GB" dirty="0">
+                <a:solidFill>
+                  <a:schemeClr val="tx1"/>
+                </a:solidFill>
+              </a:rPr>
+              <a:t>Upload best model to S3</a:t>
+            </a:r>
+          </a:p>
+        </p:txBody>
+      </p:sp>
+      <p:sp>
+        <p:nvSpPr>
+          <p:cNvPr id="8" name="Rounded Rectangle 7">
+            <a:extLst>
+              <a:ext uri="{FF2B5EF4-FFF2-40B4-BE49-F238E27FC236}">
+                <a16:creationId xmlns:a16="http://schemas.microsoft.com/office/drawing/2014/main" id="{0856A209-538D-DA17-EE82-7841A740EAE7}"/>
+              </a:ext>
+            </a:extLst>
+          </p:cNvPr>
+          <p:cNvSpPr/>
+          <p:nvPr/>
+        </p:nvSpPr>
+        <p:spPr>
+          <a:xfrm>
+            <a:off x="404074" y="3618961"/>
+            <a:ext cx="2162577" cy="772733"/>
+          </a:xfrm>
+          <a:prstGeom prst="roundRect">
+            <a:avLst/>
+          </a:prstGeom>
+          <a:solidFill>
+            <a:schemeClr val="tx2">
+              <a:lumMod val="25000"/>
+              <a:lumOff val="75000"/>
+            </a:schemeClr>
+          </a:solidFill>
+          <a:ln>
+            <a:solidFill>
+              <a:schemeClr val="tx2"/>
+            </a:solidFill>
+          </a:ln>
+        </p:spPr>
+        <p:style>
+          <a:lnRef idx="2">
+            <a:schemeClr val="accent1">
+              <a:shade val="15000"/>
+            </a:schemeClr>
+          </a:lnRef>
+          <a:fillRef idx="1">
+            <a:schemeClr val="accent1"/>
+          </a:fillRef>
+          <a:effectRef idx="0">
+            <a:schemeClr val="accent1"/>
+          </a:effectRef>
+          <a:fontRef idx="minor">
+            <a:schemeClr val="lt1"/>
+          </a:fontRef>
+        </p:style>
+        <p:txBody>
+          <a:bodyPr rtlCol="0" anchor="ctr"/>
+          <a:lstStyle/>
+          <a:p>
+            <a:pPr algn="ctr"/>
+            <a:r>
+              <a:rPr lang="en-GB" dirty="0" err="1">
+                <a:solidFill>
+                  <a:schemeClr val="tx1"/>
+                </a:solidFill>
+              </a:rPr>
+              <a:t>Github</a:t>
+            </a:r>
+            <a:r>
+              <a:rPr lang="en-GB" dirty="0">
+                <a:solidFill>
+                  <a:schemeClr val="tx1"/>
+                </a:solidFill>
+              </a:rPr>
+              <a:t> actions check for new parameters</a:t>
+            </a:r>
+          </a:p>
+        </p:txBody>
+      </p:sp>
+      <p:sp>
+        <p:nvSpPr>
+          <p:cNvPr id="9" name="Rounded Rectangle 8">
+            <a:extLst>
+              <a:ext uri="{FF2B5EF4-FFF2-40B4-BE49-F238E27FC236}">
+                <a16:creationId xmlns:a16="http://schemas.microsoft.com/office/drawing/2014/main" id="{5E6ADAEA-ADC2-EB35-46D6-05FC903CB2F2}"/>
+              </a:ext>
+            </a:extLst>
+          </p:cNvPr>
+          <p:cNvSpPr/>
+          <p:nvPr/>
+        </p:nvSpPr>
+        <p:spPr>
+          <a:xfrm>
+            <a:off x="2958652" y="3618961"/>
+            <a:ext cx="2162577" cy="772733"/>
+          </a:xfrm>
+          <a:prstGeom prst="roundRect">
+            <a:avLst/>
+          </a:prstGeom>
+          <a:solidFill>
+            <a:schemeClr val="tx2">
+              <a:lumMod val="25000"/>
+              <a:lumOff val="75000"/>
+            </a:schemeClr>
+          </a:solidFill>
+          <a:ln>
+            <a:noFill/>
+          </a:ln>
+        </p:spPr>
+        <p:style>
+          <a:lnRef idx="2">
+            <a:schemeClr val="accent1">
+              <a:shade val="15000"/>
+            </a:schemeClr>
+          </a:lnRef>
+          <a:fillRef idx="1">
+            <a:schemeClr val="accent1"/>
+          </a:fillRef>
+          <a:effectRef idx="0">
+            <a:schemeClr val="accent1"/>
+          </a:effectRef>
+          <a:fontRef idx="minor">
+            <a:schemeClr val="lt1"/>
+          </a:fontRef>
+        </p:style>
+        <p:txBody>
+          <a:bodyPr rtlCol="0" anchor="ctr"/>
+          <a:lstStyle/>
+          <a:p>
+            <a:pPr algn="ctr"/>
+            <a:r>
+              <a:rPr lang="en-GB" dirty="0">
+                <a:solidFill>
+                  <a:schemeClr val="tx1"/>
+                </a:solidFill>
+              </a:rPr>
+              <a:t>Push parameters to Lambda</a:t>
+            </a:r>
+          </a:p>
+        </p:txBody>
+      </p:sp>
+      <p:sp>
+        <p:nvSpPr>
+          <p:cNvPr id="11" name="Rounded Rectangle 10">
+            <a:extLst>
+              <a:ext uri="{FF2B5EF4-FFF2-40B4-BE49-F238E27FC236}">
+                <a16:creationId xmlns:a16="http://schemas.microsoft.com/office/drawing/2014/main" id="{6B68BF73-2AC2-7F9F-0523-DAB4D2E3A144}"/>
+              </a:ext>
+            </a:extLst>
+          </p:cNvPr>
+          <p:cNvSpPr/>
+          <p:nvPr/>
+        </p:nvSpPr>
+        <p:spPr>
+          <a:xfrm>
+            <a:off x="8893935" y="2846228"/>
+            <a:ext cx="2162577" cy="772733"/>
+          </a:xfrm>
+          <a:prstGeom prst="roundRect">
+            <a:avLst/>
+          </a:prstGeom>
+          <a:solidFill>
+            <a:schemeClr val="tx2">
+              <a:lumMod val="25000"/>
+              <a:lumOff val="75000"/>
+            </a:schemeClr>
+          </a:solidFill>
+          <a:ln>
+            <a:solidFill>
+              <a:srgbClr val="FF0000"/>
+            </a:solidFill>
+          </a:ln>
+        </p:spPr>
+        <p:style>
+          <a:lnRef idx="2">
+            <a:schemeClr val="accent1">
+              <a:shade val="15000"/>
+            </a:schemeClr>
+          </a:lnRef>
+          <a:fillRef idx="1">
+            <a:schemeClr val="accent1"/>
+          </a:fillRef>
+          <a:effectRef idx="0">
+            <a:schemeClr val="accent1"/>
+          </a:effectRef>
+          <a:fontRef idx="minor">
+            <a:schemeClr val="lt1"/>
+          </a:fontRef>
+        </p:style>
+        <p:txBody>
+          <a:bodyPr rtlCol="0" anchor="ctr"/>
+          <a:lstStyle/>
+          <a:p>
+            <a:pPr algn="ctr"/>
+            <a:r>
+              <a:rPr lang="en-GB" dirty="0">
+                <a:solidFill>
+                  <a:schemeClr val="tx1"/>
+                </a:solidFill>
+              </a:rPr>
+              <a:t>Upload results to S3</a:t>
+            </a:r>
+          </a:p>
+        </p:txBody>
+      </p:sp>
+      <p:cxnSp>
+        <p:nvCxnSpPr>
+          <p:cNvPr id="14" name="Straight Arrow Connector 13">
+            <a:extLst>
+              <a:ext uri="{FF2B5EF4-FFF2-40B4-BE49-F238E27FC236}">
+                <a16:creationId xmlns:a16="http://schemas.microsoft.com/office/drawing/2014/main" id="{2F86F29F-FCDD-B9B8-7D51-06C9DB58ADE2}"/>
+              </a:ext>
+            </a:extLst>
+          </p:cNvPr>
+          <p:cNvCxnSpPr>
+            <a:stCxn id="4" idx="3"/>
+            <a:endCxn id="11" idx="1"/>
+          </p:cNvCxnSpPr>
+          <p:nvPr/>
+        </p:nvCxnSpPr>
+        <p:spPr>
+          <a:xfrm flipV="1">
+            <a:off x="7675808" y="3232595"/>
+            <a:ext cx="1218127" cy="772733"/>
+          </a:xfrm>
+          <a:prstGeom prst="straightConnector1">
+            <a:avLst/>
+          </a:prstGeom>
+          <a:ln>
+            <a:tailEnd type="triangle"/>
+          </a:ln>
+        </p:spPr>
+        <p:style>
+          <a:lnRef idx="2">
+            <a:schemeClr val="accent1"/>
+          </a:lnRef>
+          <a:fillRef idx="0">
+            <a:schemeClr val="accent1"/>
+          </a:fillRef>
+          <a:effectRef idx="1">
+            <a:schemeClr val="accent1"/>
+          </a:effectRef>
+          <a:fontRef idx="minor">
+            <a:schemeClr val="tx1"/>
+          </a:fontRef>
+        </p:style>
+      </p:cxnSp>
+      <p:cxnSp>
+        <p:nvCxnSpPr>
+          <p:cNvPr id="16" name="Straight Arrow Connector 15">
+            <a:extLst>
+              <a:ext uri="{FF2B5EF4-FFF2-40B4-BE49-F238E27FC236}">
+                <a16:creationId xmlns:a16="http://schemas.microsoft.com/office/drawing/2014/main" id="{27F81A1E-967D-6560-AA67-B2A6EE445C7C}"/>
+              </a:ext>
+            </a:extLst>
+          </p:cNvPr>
+          <p:cNvCxnSpPr>
+            <a:stCxn id="4" idx="3"/>
+            <a:endCxn id="5" idx="1"/>
+          </p:cNvCxnSpPr>
+          <p:nvPr/>
+        </p:nvCxnSpPr>
+        <p:spPr>
+          <a:xfrm>
+            <a:off x="7675808" y="4005328"/>
+            <a:ext cx="1218127" cy="833568"/>
+          </a:xfrm>
+          <a:prstGeom prst="straightConnector1">
+            <a:avLst/>
+          </a:prstGeom>
+          <a:ln>
+            <a:tailEnd type="triangle"/>
+          </a:ln>
+        </p:spPr>
+        <p:style>
+          <a:lnRef idx="2">
+            <a:schemeClr val="accent1"/>
+          </a:lnRef>
+          <a:fillRef idx="0">
+            <a:schemeClr val="accent1"/>
+          </a:fillRef>
+          <a:effectRef idx="1">
+            <a:schemeClr val="accent1"/>
+          </a:effectRef>
+          <a:fontRef idx="minor">
+            <a:schemeClr val="tx1"/>
+          </a:fontRef>
+        </p:style>
+      </p:cxnSp>
+      <p:cxnSp>
+        <p:nvCxnSpPr>
+          <p:cNvPr id="18" name="Straight Arrow Connector 17">
+            <a:extLst>
+              <a:ext uri="{FF2B5EF4-FFF2-40B4-BE49-F238E27FC236}">
+                <a16:creationId xmlns:a16="http://schemas.microsoft.com/office/drawing/2014/main" id="{6AB98C33-3FF1-87FF-2212-5FCCA3371095}"/>
+              </a:ext>
+            </a:extLst>
+          </p:cNvPr>
+          <p:cNvCxnSpPr>
+            <a:stCxn id="8" idx="3"/>
+            <a:endCxn id="9" idx="1"/>
+          </p:cNvCxnSpPr>
+          <p:nvPr/>
+        </p:nvCxnSpPr>
+        <p:spPr>
+          <a:xfrm>
+            <a:off x="2566651" y="4005328"/>
+            <a:ext cx="392001" cy="0"/>
+          </a:xfrm>
+          <a:prstGeom prst="straightConnector1">
+            <a:avLst/>
+          </a:prstGeom>
+          <a:ln>
+            <a:tailEnd type="triangle"/>
+          </a:ln>
+        </p:spPr>
+        <p:style>
+          <a:lnRef idx="2">
+            <a:schemeClr val="accent1"/>
+          </a:lnRef>
+          <a:fillRef idx="0">
+            <a:schemeClr val="accent1"/>
+          </a:fillRef>
+          <a:effectRef idx="1">
+            <a:schemeClr val="accent1"/>
+          </a:effectRef>
+          <a:fontRef idx="minor">
+            <a:schemeClr val="tx1"/>
+          </a:fontRef>
+        </p:style>
+      </p:cxnSp>
+      <p:cxnSp>
+        <p:nvCxnSpPr>
+          <p:cNvPr id="19" name="Straight Arrow Connector 18">
+            <a:extLst>
+              <a:ext uri="{FF2B5EF4-FFF2-40B4-BE49-F238E27FC236}">
+                <a16:creationId xmlns:a16="http://schemas.microsoft.com/office/drawing/2014/main" id="{40CDCFEE-B0F1-EA02-BC72-A5A4ACBE6493}"/>
+              </a:ext>
+            </a:extLst>
+          </p:cNvPr>
+          <p:cNvCxnSpPr/>
+          <p:nvPr/>
+        </p:nvCxnSpPr>
+        <p:spPr>
+          <a:xfrm>
+            <a:off x="5121230" y="3977421"/>
+            <a:ext cx="392001" cy="0"/>
+          </a:xfrm>
+          <a:prstGeom prst="straightConnector1">
+            <a:avLst/>
+          </a:prstGeom>
+          <a:ln>
+            <a:tailEnd type="triangle"/>
+          </a:ln>
+        </p:spPr>
+        <p:style>
+          <a:lnRef idx="2">
+            <a:schemeClr val="accent1"/>
+          </a:lnRef>
+          <a:fillRef idx="0">
+            <a:schemeClr val="accent1"/>
+          </a:fillRef>
+          <a:effectRef idx="1">
+            <a:schemeClr val="accent1"/>
+          </a:effectRef>
+          <a:fontRef idx="minor">
+            <a:schemeClr val="tx1"/>
+          </a:fontRef>
+        </p:style>
+      </p:cxnSp>
+      <p:cxnSp>
+        <p:nvCxnSpPr>
+          <p:cNvPr id="20" name="Straight Arrow Connector 19">
+            <a:extLst>
+              <a:ext uri="{FF2B5EF4-FFF2-40B4-BE49-F238E27FC236}">
+                <a16:creationId xmlns:a16="http://schemas.microsoft.com/office/drawing/2014/main" id="{2B3D3DAB-0F60-9458-FA89-5DAA3721506B}"/>
+              </a:ext>
+            </a:extLst>
+          </p:cNvPr>
+          <p:cNvCxnSpPr>
+            <a:cxnSpLocks/>
+            <a:stCxn id="5" idx="2"/>
+            <a:endCxn id="23" idx="0"/>
+          </p:cNvCxnSpPr>
+          <p:nvPr/>
+        </p:nvCxnSpPr>
+        <p:spPr>
+          <a:xfrm flipH="1">
+            <a:off x="9975223" y="5225262"/>
+            <a:ext cx="1" cy="494880"/>
+          </a:xfrm>
+          <a:prstGeom prst="straightConnector1">
+            <a:avLst/>
+          </a:prstGeom>
+          <a:ln>
+            <a:tailEnd type="triangle"/>
+          </a:ln>
+        </p:spPr>
+        <p:style>
+          <a:lnRef idx="2">
+            <a:schemeClr val="accent1"/>
+          </a:lnRef>
+          <a:fillRef idx="0">
+            <a:schemeClr val="accent1"/>
+          </a:fillRef>
+          <a:effectRef idx="1">
+            <a:schemeClr val="accent1"/>
+          </a:effectRef>
+          <a:fontRef idx="minor">
+            <a:schemeClr val="tx1"/>
+          </a:fontRef>
+        </p:style>
+      </p:cxnSp>
+      <p:sp>
+        <p:nvSpPr>
+          <p:cNvPr id="23" name="Rounded Rectangle 22">
+            <a:extLst>
+              <a:ext uri="{FF2B5EF4-FFF2-40B4-BE49-F238E27FC236}">
+                <a16:creationId xmlns:a16="http://schemas.microsoft.com/office/drawing/2014/main" id="{3213F065-2C71-D9C8-816E-A923FF214EAD}"/>
+              </a:ext>
+            </a:extLst>
+          </p:cNvPr>
+          <p:cNvSpPr/>
+          <p:nvPr/>
+        </p:nvSpPr>
+        <p:spPr>
+          <a:xfrm>
+            <a:off x="8893934" y="5720142"/>
+            <a:ext cx="2162577" cy="772733"/>
+          </a:xfrm>
+          <a:prstGeom prst="roundRect">
+            <a:avLst/>
+          </a:prstGeom>
+          <a:solidFill>
+            <a:schemeClr val="tx2">
+              <a:lumMod val="25000"/>
+              <a:lumOff val="75000"/>
+            </a:schemeClr>
+          </a:solidFill>
+          <a:ln>
+            <a:noFill/>
+          </a:ln>
+        </p:spPr>
+        <p:style>
+          <a:lnRef idx="2">
+            <a:schemeClr val="accent1">
+              <a:shade val="15000"/>
+            </a:schemeClr>
+          </a:lnRef>
+          <a:fillRef idx="1">
+            <a:schemeClr val="accent1"/>
+          </a:fillRef>
+          <a:effectRef idx="0">
+            <a:schemeClr val="accent1"/>
+          </a:effectRef>
+          <a:fontRef idx="minor">
+            <a:schemeClr val="lt1"/>
+          </a:fontRef>
+        </p:style>
+        <p:txBody>
+          <a:bodyPr rtlCol="0" anchor="ctr"/>
+          <a:lstStyle/>
+          <a:p>
+            <a:pPr algn="ctr"/>
+            <a:r>
+              <a:rPr lang="en-GB" dirty="0">
+                <a:solidFill>
+                  <a:schemeClr val="tx1"/>
+                </a:solidFill>
+              </a:rPr>
+              <a:t>Best model pulled from S3 when </a:t>
+            </a:r>
+            <a:r>
+              <a:rPr lang="en-GB" dirty="0" err="1">
+                <a:solidFill>
+                  <a:schemeClr val="tx1"/>
+                </a:solidFill>
+              </a:rPr>
+              <a:t>dockerising</a:t>
+            </a:r>
+            <a:r>
+              <a:rPr lang="en-GB" dirty="0">
+                <a:solidFill>
+                  <a:schemeClr val="tx1"/>
+                </a:solidFill>
+              </a:rPr>
+              <a:t> app</a:t>
+            </a:r>
+          </a:p>
+        </p:txBody>
+      </p:sp>
+      <p:cxnSp>
+        <p:nvCxnSpPr>
+          <p:cNvPr id="31" name="Straight Arrow Connector 30">
+            <a:extLst>
+              <a:ext uri="{FF2B5EF4-FFF2-40B4-BE49-F238E27FC236}">
+                <a16:creationId xmlns:a16="http://schemas.microsoft.com/office/drawing/2014/main" id="{E6A749EF-3C91-FD0F-7961-F341F2A974C4}"/>
+              </a:ext>
+            </a:extLst>
+          </p:cNvPr>
+          <p:cNvCxnSpPr>
+            <a:cxnSpLocks/>
+            <a:stCxn id="11" idx="0"/>
+            <a:endCxn id="40" idx="2"/>
+          </p:cNvCxnSpPr>
+          <p:nvPr/>
+        </p:nvCxnSpPr>
+        <p:spPr>
+          <a:xfrm flipH="1" flipV="1">
+            <a:off x="9975222" y="2476295"/>
+            <a:ext cx="2" cy="369933"/>
+          </a:xfrm>
+          <a:prstGeom prst="straightConnector1">
+            <a:avLst/>
+          </a:prstGeom>
+          <a:ln>
+            <a:tailEnd type="triangle"/>
+          </a:ln>
+        </p:spPr>
+        <p:style>
+          <a:lnRef idx="2">
+            <a:schemeClr val="accent1"/>
+          </a:lnRef>
+          <a:fillRef idx="0">
+            <a:schemeClr val="accent1"/>
+          </a:fillRef>
+          <a:effectRef idx="1">
+            <a:schemeClr val="accent1"/>
+          </a:effectRef>
+          <a:fontRef idx="minor">
+            <a:schemeClr val="tx1"/>
+          </a:fontRef>
+        </p:style>
+      </p:cxnSp>
+      <p:sp>
+        <p:nvSpPr>
+          <p:cNvPr id="40" name="Rounded Rectangle 39">
+            <a:extLst>
+              <a:ext uri="{FF2B5EF4-FFF2-40B4-BE49-F238E27FC236}">
+                <a16:creationId xmlns:a16="http://schemas.microsoft.com/office/drawing/2014/main" id="{80973716-72A7-E917-E8E5-BF2ADE46CDC8}"/>
+              </a:ext>
+            </a:extLst>
+          </p:cNvPr>
+          <p:cNvSpPr/>
+          <p:nvPr/>
+        </p:nvSpPr>
+        <p:spPr>
+          <a:xfrm>
+            <a:off x="8893933" y="1703562"/>
+            <a:ext cx="2162577" cy="772733"/>
+          </a:xfrm>
+          <a:prstGeom prst="roundRect">
+            <a:avLst/>
+          </a:prstGeom>
+          <a:solidFill>
+            <a:schemeClr val="tx2">
+              <a:lumMod val="25000"/>
+              <a:lumOff val="75000"/>
+            </a:schemeClr>
+          </a:solidFill>
+          <a:ln>
+            <a:solidFill>
+              <a:schemeClr val="tx2"/>
+            </a:solidFill>
+          </a:ln>
+        </p:spPr>
+        <p:style>
+          <a:lnRef idx="2">
+            <a:schemeClr val="accent1">
+              <a:shade val="15000"/>
+            </a:schemeClr>
+          </a:lnRef>
+          <a:fillRef idx="1">
+            <a:schemeClr val="accent1"/>
+          </a:fillRef>
+          <a:effectRef idx="0">
+            <a:schemeClr val="accent1"/>
+          </a:effectRef>
+          <a:fontRef idx="minor">
+            <a:schemeClr val="lt1"/>
+          </a:fontRef>
+        </p:style>
+        <p:txBody>
+          <a:bodyPr rtlCol="0" anchor="ctr"/>
+          <a:lstStyle/>
+          <a:p>
+            <a:pPr algn="ctr"/>
+            <a:r>
+              <a:rPr lang="en-GB" dirty="0">
+                <a:solidFill>
+                  <a:schemeClr val="tx1"/>
+                </a:solidFill>
+              </a:rPr>
+              <a:t>Use </a:t>
+            </a:r>
+            <a:r>
+              <a:rPr lang="en-GB" dirty="0" err="1">
+                <a:solidFill>
+                  <a:schemeClr val="tx1"/>
+                </a:solidFill>
+              </a:rPr>
+              <a:t>Github</a:t>
+            </a:r>
+            <a:r>
+              <a:rPr lang="en-GB" dirty="0">
+                <a:solidFill>
+                  <a:schemeClr val="tx1"/>
+                </a:solidFill>
+              </a:rPr>
+              <a:t> actions to create MD file for results</a:t>
+            </a:r>
+          </a:p>
+        </p:txBody>
+      </p:sp>
+      <p:cxnSp>
+        <p:nvCxnSpPr>
+          <p:cNvPr id="45" name="Straight Arrow Connector 44">
+            <a:extLst>
+              <a:ext uri="{FF2B5EF4-FFF2-40B4-BE49-F238E27FC236}">
+                <a16:creationId xmlns:a16="http://schemas.microsoft.com/office/drawing/2014/main" id="{36FF0506-910F-8C0C-31FA-49F34FE7FB85}"/>
+              </a:ext>
+            </a:extLst>
+          </p:cNvPr>
+          <p:cNvCxnSpPr>
+            <a:cxnSpLocks/>
+            <a:stCxn id="40" idx="0"/>
+            <a:endCxn id="46" idx="2"/>
+          </p:cNvCxnSpPr>
+          <p:nvPr/>
+        </p:nvCxnSpPr>
+        <p:spPr>
+          <a:xfrm flipV="1">
+            <a:off x="9975222" y="1333629"/>
+            <a:ext cx="0" cy="369933"/>
+          </a:xfrm>
+          <a:prstGeom prst="straightConnector1">
+            <a:avLst/>
+          </a:prstGeom>
+          <a:ln>
+            <a:tailEnd type="triangle"/>
+          </a:ln>
+        </p:spPr>
+        <p:style>
+          <a:lnRef idx="2">
+            <a:schemeClr val="accent1"/>
+          </a:lnRef>
+          <a:fillRef idx="0">
+            <a:schemeClr val="accent1"/>
+          </a:fillRef>
+          <a:effectRef idx="1">
+            <a:schemeClr val="accent1"/>
+          </a:effectRef>
+          <a:fontRef idx="minor">
+            <a:schemeClr val="tx1"/>
+          </a:fontRef>
+        </p:style>
+      </p:cxnSp>
+      <p:sp>
+        <p:nvSpPr>
+          <p:cNvPr id="46" name="Rounded Rectangle 45">
+            <a:extLst>
+              <a:ext uri="{FF2B5EF4-FFF2-40B4-BE49-F238E27FC236}">
+                <a16:creationId xmlns:a16="http://schemas.microsoft.com/office/drawing/2014/main" id="{51AF1A92-1FEE-D339-D59B-A199EA997F30}"/>
+              </a:ext>
+            </a:extLst>
+          </p:cNvPr>
+          <p:cNvSpPr/>
+          <p:nvPr/>
+        </p:nvSpPr>
+        <p:spPr>
+          <a:xfrm>
+            <a:off x="8893933" y="560896"/>
+            <a:ext cx="2162577" cy="772733"/>
+          </a:xfrm>
+          <a:prstGeom prst="roundRect">
+            <a:avLst/>
+          </a:prstGeom>
+          <a:solidFill>
+            <a:schemeClr val="tx2">
+              <a:lumMod val="25000"/>
+              <a:lumOff val="75000"/>
+            </a:schemeClr>
+          </a:solidFill>
+          <a:ln>
+            <a:noFill/>
+          </a:ln>
+        </p:spPr>
+        <p:style>
+          <a:lnRef idx="2">
+            <a:schemeClr val="accent1">
+              <a:shade val="15000"/>
+            </a:schemeClr>
+          </a:lnRef>
+          <a:fillRef idx="1">
+            <a:schemeClr val="accent1"/>
+          </a:fillRef>
+          <a:effectRef idx="0">
+            <a:schemeClr val="accent1"/>
+          </a:effectRef>
+          <a:fontRef idx="minor">
+            <a:schemeClr val="lt1"/>
+          </a:fontRef>
+        </p:style>
+        <p:txBody>
+          <a:bodyPr rtlCol="0" anchor="ctr"/>
+          <a:lstStyle/>
+          <a:p>
+            <a:pPr algn="ctr"/>
+            <a:r>
+              <a:rPr lang="en-GB" dirty="0">
+                <a:solidFill>
+                  <a:schemeClr val="tx1"/>
+                </a:solidFill>
+              </a:rPr>
+              <a:t>Send results to Slack</a:t>
+            </a:r>
           </a:p>
         </p:txBody>
       </p:sp>

--- a/docs/Architecture Overview.pptx
+++ b/docs/Architecture Overview.pptx
@@ -7686,7 +7686,7 @@
         </p:spPr>
         <p:txBody>
           <a:bodyPr>
-            <a:normAutofit fontScale="85000" lnSpcReduction="20000"/>
+            <a:normAutofit fontScale="77500" lnSpcReduction="20000"/>
           </a:bodyPr>
           <a:lstStyle/>
           <a:p>
@@ -7731,6 +7731,26 @@
             <a:r>
               <a:rPr lang="en-GB" dirty="0"/>
               <a:t> to ensure S3 storing model has version tracking on</a:t>
+            </a:r>
+          </a:p>
+          <a:p>
+            <a:r>
+              <a:rPr lang="en-GB" dirty="0"/>
+              <a:t>Ensure the deployed app can read </a:t>
+            </a:r>
+            <a:r>
+              <a:rPr lang="en-GB"/>
+              <a:t>best model from </a:t>
+            </a:r>
+            <a:r>
+              <a:rPr lang="en-GB" dirty="0"/>
+              <a:t>S3 </a:t>
+            </a:r>
+          </a:p>
+          <a:p>
+            <a:r>
+              <a:rPr lang="en-GB" dirty="0"/>
+              <a:t>Zeng the reported metrics</a:t>
             </a:r>
           </a:p>
           <a:p>
@@ -7791,6 +7811,26 @@
               <a:rPr lang="en-GB" dirty="0">
                 <a:sym typeface="Wingdings" pitchFamily="2" charset="2"/>
               </a:rPr>
+              <a:t>See if can implement </a:t>
+            </a:r>
+            <a:r>
+              <a:rPr lang="en-GB" dirty="0" err="1">
+                <a:sym typeface="Wingdings" pitchFamily="2" charset="2"/>
+              </a:rPr>
+              <a:t>MLFlow</a:t>
+            </a:r>
+            <a:r>
+              <a:rPr lang="en-GB" dirty="0">
+                <a:sym typeface="Wingdings" pitchFamily="2" charset="2"/>
+              </a:rPr>
+              <a:t> if have time</a:t>
+            </a:r>
+          </a:p>
+          <a:p>
+            <a:r>
+              <a:rPr lang="en-GB" dirty="0">
+                <a:sym typeface="Wingdings" pitchFamily="2" charset="2"/>
+              </a:rPr>
               <a:t>Logging (if have time). Get </a:t>
             </a:r>
             <a:r>
@@ -7835,7 +7875,9 @@
               </a:rPr>
               <a:t>manual.html</a:t>
             </a:r>
-            <a:endParaRPr lang="en-GB" dirty="0"/>
+            <a:endParaRPr lang="en-GB" dirty="0">
+              <a:sym typeface="Wingdings" pitchFamily="2" charset="2"/>
+            </a:endParaRPr>
           </a:p>
         </p:txBody>
       </p:sp>

--- a/docs/Architecture Overview.pptx
+++ b/docs/Architecture Overview.pptx
@@ -5,7 +5,7 @@
     <p:sldMasterId id="2147483648" r:id="rId1"/>
   </p:sldMasterIdLst>
   <p:notesMasterIdLst>
-    <p:notesMasterId r:id="rId13"/>
+    <p:notesMasterId r:id="rId14"/>
   </p:notesMasterIdLst>
   <p:sldIdLst>
     <p:sldId id="256" r:id="rId2"/>
@@ -15,10 +15,11 @@
     <p:sldId id="263" r:id="rId6"/>
     <p:sldId id="264" r:id="rId7"/>
     <p:sldId id="261" r:id="rId8"/>
-    <p:sldId id="268" r:id="rId9"/>
-    <p:sldId id="265" r:id="rId10"/>
-    <p:sldId id="266" r:id="rId11"/>
-    <p:sldId id="262" r:id="rId12"/>
+    <p:sldId id="269" r:id="rId9"/>
+    <p:sldId id="268" r:id="rId10"/>
+    <p:sldId id="265" r:id="rId11"/>
+    <p:sldId id="266" r:id="rId12"/>
+    <p:sldId id="262" r:id="rId13"/>
   </p:sldIdLst>
   <p:sldSz cx="12192000" cy="6858000"/>
   <p:notesSz cx="6858000" cy="9144000"/>
@@ -642,6 +643,90 @@
     <p:extLst>
       <p:ext uri="{BB962C8B-B14F-4D97-AF65-F5344CB8AC3E}">
         <p14:creationId xmlns:p14="http://schemas.microsoft.com/office/powerpoint/2010/main" val="3831039178"/>
+      </p:ext>
+    </p:extLst>
+  </p:cSld>
+  <p:clrMapOvr>
+    <a:masterClrMapping/>
+  </p:clrMapOvr>
+</p:notes>
+</file>
+
+<file path=ppt/notesSlides/notesSlide3.xml><?xml version="1.0" encoding="utf-8"?>
+<p:notes xmlns:a="http://schemas.openxmlformats.org/drawingml/2006/main" xmlns:r="http://schemas.openxmlformats.org/officeDocument/2006/relationships" xmlns:p="http://schemas.openxmlformats.org/presentationml/2006/main">
+  <p:cSld>
+    <p:spTree>
+      <p:nvGrpSpPr>
+        <p:cNvPr id="1" name=""/>
+        <p:cNvGrpSpPr/>
+        <p:nvPr/>
+      </p:nvGrpSpPr>
+      <p:grpSpPr>
+        <a:xfrm>
+          <a:off x="0" y="0"/>
+          <a:ext cx="0" cy="0"/>
+          <a:chOff x="0" y="0"/>
+          <a:chExt cx="0" cy="0"/>
+        </a:xfrm>
+      </p:grpSpPr>
+      <p:sp>
+        <p:nvSpPr>
+          <p:cNvPr id="2" name="Slide Image Placeholder 1"/>
+          <p:cNvSpPr>
+            <a:spLocks noGrp="1" noRot="1" noChangeAspect="1"/>
+          </p:cNvSpPr>
+          <p:nvPr>
+            <p:ph type="sldImg"/>
+          </p:nvPr>
+        </p:nvSpPr>
+        <p:spPr/>
+      </p:sp>
+      <p:sp>
+        <p:nvSpPr>
+          <p:cNvPr id="3" name="Notes Placeholder 2"/>
+          <p:cNvSpPr>
+            <a:spLocks noGrp="1"/>
+          </p:cNvSpPr>
+          <p:nvPr>
+            <p:ph type="body" idx="1"/>
+          </p:nvPr>
+        </p:nvSpPr>
+        <p:spPr/>
+        <p:txBody>
+          <a:bodyPr/>
+          <a:lstStyle/>
+          <a:p>
+            <a:endParaRPr lang="en-GB" dirty="0"/>
+          </a:p>
+        </p:txBody>
+      </p:sp>
+      <p:sp>
+        <p:nvSpPr>
+          <p:cNvPr id="4" name="Slide Number Placeholder 3"/>
+          <p:cNvSpPr>
+            <a:spLocks noGrp="1"/>
+          </p:cNvSpPr>
+          <p:nvPr>
+            <p:ph type="sldNum" sz="quarter" idx="5"/>
+          </p:nvPr>
+        </p:nvSpPr>
+        <p:spPr/>
+        <p:txBody>
+          <a:bodyPr/>
+          <a:lstStyle/>
+          <a:p>
+            <a:fld id="{78293D93-78F6-7C4A-B196-7A9DF32E6281}" type="slidenum">
+              <a:rPr lang="en-GB" smtClean="0"/>
+              <a:t>8</a:t>
+            </a:fld>
+            <a:endParaRPr lang="en-GB"/>
+          </a:p>
+        </p:txBody>
+      </p:sp>
+    </p:spTree>
+    <p:extLst>
+      <p:ext uri="{BB962C8B-B14F-4D97-AF65-F5344CB8AC3E}">
+        <p14:creationId xmlns:p14="http://schemas.microsoft.com/office/powerpoint/2010/main" val="3336592887"/>
       </p:ext>
     </p:extLst>
   </p:cSld>
@@ -4090,6 +4175,233 @@
           <a:p>
             <a:r>
               <a:rPr lang="en-GB" dirty="0"/>
+              <a:t>CT</a:t>
+            </a:r>
+          </a:p>
+        </p:txBody>
+      </p:sp>
+      <p:sp>
+        <p:nvSpPr>
+          <p:cNvPr id="3" name="Content Placeholder 2">
+            <a:extLst>
+              <a:ext uri="{FF2B5EF4-FFF2-40B4-BE49-F238E27FC236}">
+                <a16:creationId xmlns:a16="http://schemas.microsoft.com/office/drawing/2014/main" id="{B4423546-A7E9-D0C0-C3F6-1997391AD7C0}"/>
+              </a:ext>
+            </a:extLst>
+          </p:cNvPr>
+          <p:cNvSpPr>
+            <a:spLocks noGrp="1"/>
+          </p:cNvSpPr>
+          <p:nvPr>
+            <p:ph idx="1"/>
+          </p:nvPr>
+        </p:nvSpPr>
+        <p:spPr>
+          <a:xfrm>
+            <a:off x="838200" y="1825624"/>
+            <a:ext cx="10515600" cy="5032375"/>
+          </a:xfrm>
+        </p:spPr>
+        <p:txBody>
+          <a:bodyPr>
+            <a:normAutofit fontScale="70000" lnSpcReduction="20000"/>
+          </a:bodyPr>
+          <a:lstStyle/>
+          <a:p>
+            <a:r>
+              <a:rPr lang="en-GB" dirty="0"/>
+              <a:t>[D] Factorise modelling + </a:t>
+            </a:r>
+            <a:r>
+              <a:rPr lang="en-GB" dirty="0" err="1"/>
+              <a:t>MLFlow</a:t>
+            </a:r>
+            <a:r>
+              <a:rPr lang="en-GB" dirty="0"/>
+              <a:t> code, logging results to cloud (Can be prod or </a:t>
+            </a:r>
+            <a:r>
+              <a:rPr lang="en-GB" dirty="0" err="1"/>
+              <a:t>expt</a:t>
+            </a:r>
+            <a:r>
+              <a:rPr lang="en-GB" dirty="0"/>
+              <a:t> – Tags to differentiate)</a:t>
+            </a:r>
+          </a:p>
+          <a:p>
+            <a:pPr lvl="1"/>
+            <a:r>
+              <a:rPr lang="en-GB" b="1" dirty="0"/>
+              <a:t>Objective: Hyperparameter tuning</a:t>
+            </a:r>
+          </a:p>
+          <a:p>
+            <a:r>
+              <a:rPr lang="en-GB" dirty="0"/>
+              <a:t>Retraining based on time/data ingestion @ X time unit</a:t>
+            </a:r>
+          </a:p>
+          <a:p>
+            <a:pPr lvl="1"/>
+            <a:r>
+              <a:rPr lang="en-GB" b="1" dirty="0"/>
+              <a:t>Objective: Let model capture new trends in data</a:t>
+            </a:r>
+          </a:p>
+          <a:p>
+            <a:pPr lvl="1"/>
+            <a:r>
+              <a:rPr lang="en-GB" dirty="0"/>
+              <a:t>Separate script which uses the same hyperparameters from experimentation (local), but does the comparison and retraining on AWS (Lambda?) </a:t>
+            </a:r>
+          </a:p>
+          <a:p>
+            <a:pPr lvl="1"/>
+            <a:r>
+              <a:rPr lang="en-GB" dirty="0"/>
+              <a:t>? Need to come up with the final model, trained on all data</a:t>
+            </a:r>
+          </a:p>
+          <a:p>
+            <a:pPr lvl="2"/>
+            <a:r>
+              <a:rPr lang="en-GB" dirty="0"/>
+              <a:t>Or is it still need a holdout set?</a:t>
+            </a:r>
+          </a:p>
+          <a:p>
+            <a:pPr lvl="2"/>
+            <a:r>
+              <a:rPr lang="en-GB" dirty="0"/>
+              <a:t>Train on 1~ T-1 week, test on T-1 week ~T (Is 1 week enough?)</a:t>
+            </a:r>
+          </a:p>
+          <a:p>
+            <a:pPr lvl="1"/>
+            <a:r>
+              <a:rPr lang="en-GB" dirty="0"/>
+              <a:t>Need to process data to output the delta for testing </a:t>
+            </a:r>
+            <a:r>
+              <a:rPr lang="en-GB" dirty="0">
+                <a:sym typeface="Wingdings" pitchFamily="2" charset="2"/>
+              </a:rPr>
+              <a:t> Correspond to frequency of pulling data, which corresponds to how often the data is updated</a:t>
+            </a:r>
+          </a:p>
+          <a:p>
+            <a:pPr lvl="1"/>
+            <a:r>
+              <a:rPr lang="en-GB" dirty="0"/>
+              <a:t>Can implement A/B testing afterwards to check if there is indeed and improvement over the old model. Do not deploy if performance drops</a:t>
+            </a:r>
+          </a:p>
+          <a:p>
+            <a:pPr lvl="2"/>
+            <a:r>
+              <a:rPr lang="en-GB" dirty="0"/>
+              <a:t>Still necessary to compare 5 fold CV in addition to test set?</a:t>
+            </a:r>
+          </a:p>
+          <a:p>
+            <a:pPr lvl="2"/>
+            <a:r>
+              <a:rPr lang="en-GB" dirty="0"/>
+              <a:t>Pseudo-Canary testing?</a:t>
+            </a:r>
+          </a:p>
+          <a:p>
+            <a:pPr lvl="2"/>
+            <a:r>
+              <a:rPr lang="en-GB" dirty="0"/>
+              <a:t>Can find hard quality gates here: https://</a:t>
+            </a:r>
+            <a:r>
+              <a:rPr lang="en-GB" dirty="0" err="1"/>
+              <a:t>mlflow.org</a:t>
+            </a:r>
+            <a:r>
+              <a:rPr lang="en-GB" dirty="0"/>
+              <a:t>/docs/3.1.3/ml/evaluation/model-eval/</a:t>
+            </a:r>
+          </a:p>
+          <a:p>
+            <a:r>
+              <a:rPr lang="en-GB" dirty="0"/>
+              <a:t>Find a way to push to production automatically, while involving </a:t>
+            </a:r>
+            <a:r>
+              <a:rPr lang="en-GB" dirty="0" err="1"/>
+              <a:t>MLFlow</a:t>
+            </a:r>
+            <a:r>
+              <a:rPr lang="en-GB" dirty="0"/>
+              <a:t> (have to do the tagging/aliasing automatically). Need to push the model to AWS ECS at the moment as well </a:t>
+            </a:r>
+            <a:r>
+              <a:rPr lang="en-GB" dirty="0">
+                <a:sym typeface="Wingdings" pitchFamily="2" charset="2"/>
+              </a:rPr>
+              <a:t> needs more thinking!</a:t>
+            </a:r>
+            <a:endParaRPr lang="en-GB" dirty="0"/>
+          </a:p>
+        </p:txBody>
+      </p:sp>
+    </p:spTree>
+    <p:extLst>
+      <p:ext uri="{BB962C8B-B14F-4D97-AF65-F5344CB8AC3E}">
+        <p14:creationId xmlns:p14="http://schemas.microsoft.com/office/powerpoint/2010/main" val="3689535318"/>
+      </p:ext>
+    </p:extLst>
+  </p:cSld>
+  <p:clrMapOvr>
+    <a:masterClrMapping/>
+  </p:clrMapOvr>
+</p:sld>
+</file>
+
+<file path=ppt/slides/slide11.xml><?xml version="1.0" encoding="utf-8"?>
+<p:sld xmlns:a="http://schemas.openxmlformats.org/drawingml/2006/main" xmlns:r="http://schemas.openxmlformats.org/officeDocument/2006/relationships" xmlns:p="http://schemas.openxmlformats.org/presentationml/2006/main">
+  <p:cSld>
+    <p:spTree>
+      <p:nvGrpSpPr>
+        <p:cNvPr id="1" name=""/>
+        <p:cNvGrpSpPr/>
+        <p:nvPr/>
+      </p:nvGrpSpPr>
+      <p:grpSpPr>
+        <a:xfrm>
+          <a:off x="0" y="0"/>
+          <a:ext cx="0" cy="0"/>
+          <a:chOff x="0" y="0"/>
+          <a:chExt cx="0" cy="0"/>
+        </a:xfrm>
+      </p:grpSpPr>
+      <p:sp>
+        <p:nvSpPr>
+          <p:cNvPr id="2" name="Title 1">
+            <a:extLst>
+              <a:ext uri="{FF2B5EF4-FFF2-40B4-BE49-F238E27FC236}">
+                <a16:creationId xmlns:a16="http://schemas.microsoft.com/office/drawing/2014/main" id="{786686E8-215A-5475-0873-B4055D121F8F}"/>
+              </a:ext>
+            </a:extLst>
+          </p:cNvPr>
+          <p:cNvSpPr>
+            <a:spLocks noGrp="1"/>
+          </p:cNvSpPr>
+          <p:nvPr>
+            <p:ph type="title"/>
+          </p:nvPr>
+        </p:nvSpPr>
+        <p:spPr/>
+        <p:txBody>
+          <a:bodyPr/>
+          <a:lstStyle/>
+          <a:p>
+            <a:r>
+              <a:rPr lang="en-GB" dirty="0"/>
               <a:t>CT (Extras)</a:t>
             </a:r>
           </a:p>
@@ -4159,7 +4471,7 @@
 </p:sld>
 </file>
 
-<file path=ppt/slides/slide11.xml><?xml version="1.0" encoding="utf-8"?>
+<file path=ppt/slides/slide12.xml><?xml version="1.0" encoding="utf-8"?>
 <p:sld xmlns:a="http://schemas.openxmlformats.org/drawingml/2006/main" xmlns:r="http://schemas.openxmlformats.org/officeDocument/2006/relationships" xmlns:p="http://schemas.openxmlformats.org/presentationml/2006/main">
   <p:cSld>
     <p:spTree>
@@ -7686,7 +7998,7 @@
         </p:spPr>
         <p:txBody>
           <a:bodyPr>
-            <a:normAutofit fontScale="77500" lnSpcReduction="20000"/>
+            <a:normAutofit fontScale="92500" lnSpcReduction="20000"/>
           </a:bodyPr>
           <a:lstStyle/>
           <a:p>
@@ -7736,29 +8048,36 @@
           <a:p>
             <a:r>
               <a:rPr lang="en-GB" dirty="0"/>
-              <a:t>Ensure the deployed app can read </a:t>
-            </a:r>
-            <a:r>
-              <a:rPr lang="en-GB"/>
-              <a:t>best model from </a:t>
+              <a:t>Ensure </a:t>
+            </a:r>
+            <a:r>
+              <a:rPr lang="en-GB" dirty="0" err="1"/>
+              <a:t>FastAPI</a:t>
             </a:r>
             <a:r>
               <a:rPr lang="en-GB" dirty="0"/>
-              <a:t>S3 </a:t>
-            </a:r>
-          </a:p>
-          <a:p>
-            <a:r>
-              <a:rPr lang="en-GB" dirty="0"/>
-              <a:t>Zeng the reported metrics</a:t>
-            </a:r>
-          </a:p>
-          <a:p>
+              <a:t> app can read best model from S3: </a:t>
+            </a:r>
+          </a:p>
+          <a:p>
+            <a:pPr lvl="1"/>
             <a:r>
               <a:rPr lang="en-GB" dirty="0">
                 <a:sym typeface="Wingdings" pitchFamily="2" charset="2"/>
               </a:rPr>
-              <a:t>Automate AWS Lambda updates using AWS CLI/</a:t>
+              <a:t>https://</a:t>
+            </a:r>
+            <a:r>
+              <a:rPr lang="en-GB" dirty="0" err="1">
+                <a:sym typeface="Wingdings" pitchFamily="2" charset="2"/>
+              </a:rPr>
+              <a:t>devopscube.com</a:t>
+            </a:r>
+            <a:r>
+              <a:rPr lang="en-GB" dirty="0">
+                <a:sym typeface="Wingdings" pitchFamily="2" charset="2"/>
+              </a:rPr>
+              <a:t>/</a:t>
             </a:r>
             <a:r>
               <a:rPr lang="en-GB" dirty="0" err="1">
@@ -7770,6 +8089,56 @@
               <a:rPr lang="en-GB" dirty="0">
                 <a:sym typeface="Wingdings" pitchFamily="2" charset="2"/>
               </a:rPr>
+              <a:t>-actions-</a:t>
+            </a:r>
+            <a:r>
+              <a:rPr lang="en-GB" dirty="0" err="1">
+                <a:sym typeface="Wingdings" pitchFamily="2" charset="2"/>
+              </a:rPr>
+              <a:t>oidc</a:t>
+            </a:r>
+            <a:r>
+              <a:rPr lang="en-GB" dirty="0">
+                <a:sym typeface="Wingdings" pitchFamily="2" charset="2"/>
+              </a:rPr>
+              <a:t>-</a:t>
+            </a:r>
+            <a:r>
+              <a:rPr lang="en-GB" dirty="0" err="1">
+                <a:sym typeface="Wingdings" pitchFamily="2" charset="2"/>
+              </a:rPr>
+              <a:t>aws</a:t>
+            </a:r>
+            <a:r>
+              <a:rPr lang="en-GB">
+                <a:sym typeface="Wingdings" pitchFamily="2" charset="2"/>
+              </a:rPr>
+              <a:t>/</a:t>
+            </a:r>
+          </a:p>
+          <a:p>
+            <a:r>
+              <a:rPr lang="en-GB">
+                <a:sym typeface="Wingdings" pitchFamily="2" charset="2"/>
+              </a:rPr>
+              <a:t>Automate </a:t>
+            </a:r>
+            <a:r>
+              <a:rPr lang="en-GB" dirty="0">
+                <a:sym typeface="Wingdings" pitchFamily="2" charset="2"/>
+              </a:rPr>
+              <a:t>AWS Lambda updates (e.g. data cleaning) using AWS CLI/</a:t>
+            </a:r>
+            <a:r>
+              <a:rPr lang="en-GB" dirty="0" err="1">
+                <a:sym typeface="Wingdings" pitchFamily="2" charset="2"/>
+              </a:rPr>
+              <a:t>github</a:t>
+            </a:r>
+            <a:r>
+              <a:rPr lang="en-GB" dirty="0">
+                <a:sym typeface="Wingdings" pitchFamily="2" charset="2"/>
+              </a:rPr>
               <a:t> actions so that don’t have to keep copy and pasting</a:t>
             </a:r>
           </a:p>
@@ -7805,79 +8174,6 @@
               </a:rPr>
               <a:t> to suggest). Perform checks while script is running as well, on top of the unit tests</a:t>
             </a:r>
-          </a:p>
-          <a:p>
-            <a:r>
-              <a:rPr lang="en-GB" dirty="0">
-                <a:sym typeface="Wingdings" pitchFamily="2" charset="2"/>
-              </a:rPr>
-              <a:t>See if can implement </a:t>
-            </a:r>
-            <a:r>
-              <a:rPr lang="en-GB" dirty="0" err="1">
-                <a:sym typeface="Wingdings" pitchFamily="2" charset="2"/>
-              </a:rPr>
-              <a:t>MLFlow</a:t>
-            </a:r>
-            <a:r>
-              <a:rPr lang="en-GB" dirty="0">
-                <a:sym typeface="Wingdings" pitchFamily="2" charset="2"/>
-              </a:rPr>
-              <a:t> if have time</a:t>
-            </a:r>
-          </a:p>
-          <a:p>
-            <a:r>
-              <a:rPr lang="en-GB" dirty="0">
-                <a:sym typeface="Wingdings" pitchFamily="2" charset="2"/>
-              </a:rPr>
-              <a:t>Logging (if have time). Get </a:t>
-            </a:r>
-            <a:r>
-              <a:rPr lang="en-GB" dirty="0" err="1">
-                <a:sym typeface="Wingdings" pitchFamily="2" charset="2"/>
-              </a:rPr>
-              <a:t>chatGPT</a:t>
-            </a:r>
-            <a:r>
-              <a:rPr lang="en-GB" dirty="0">
-                <a:sym typeface="Wingdings" pitchFamily="2" charset="2"/>
-              </a:rPr>
-              <a:t> to suggest. Used with AWS </a:t>
-            </a:r>
-            <a:r>
-              <a:rPr lang="en-GB" dirty="0" err="1">
-                <a:sym typeface="Wingdings" pitchFamily="2" charset="2"/>
-              </a:rPr>
-              <a:t>cloudwatch</a:t>
-            </a:r>
-            <a:r>
-              <a:rPr lang="en-GB" dirty="0">
-                <a:sym typeface="Wingdings" pitchFamily="2" charset="2"/>
-              </a:rPr>
-              <a:t>, but watch the costs involved. http://</a:t>
-            </a:r>
-            <a:r>
-              <a:rPr lang="en-GB" dirty="0" err="1">
-                <a:sym typeface="Wingdings" pitchFamily="2" charset="2"/>
-              </a:rPr>
-              <a:t>logging.apache.org</a:t>
-            </a:r>
-            <a:r>
-              <a:rPr lang="en-GB" dirty="0">
-                <a:sym typeface="Wingdings" pitchFamily="2" charset="2"/>
-              </a:rPr>
-              <a:t>/log4j/1.2/</a:t>
-            </a:r>
-            <a:r>
-              <a:rPr lang="en-GB" dirty="0" err="1">
-                <a:sym typeface="Wingdings" pitchFamily="2" charset="2"/>
-              </a:rPr>
-              <a:t>manual.html</a:t>
-            </a:r>
-            <a:endParaRPr lang="en-GB" dirty="0">
-              <a:sym typeface="Wingdings" pitchFamily="2" charset="2"/>
-            </a:endParaRPr>
           </a:p>
         </p:txBody>
       </p:sp>
@@ -7895,6 +8191,179 @@
 </file>
 
 <file path=ppt/slides/slide8.xml><?xml version="1.0" encoding="utf-8"?>
+<p:sld xmlns:a="http://schemas.openxmlformats.org/drawingml/2006/main" xmlns:r="http://schemas.openxmlformats.org/officeDocument/2006/relationships" xmlns:p="http://schemas.openxmlformats.org/presentationml/2006/main">
+  <p:cSld>
+    <p:spTree>
+      <p:nvGrpSpPr>
+        <p:cNvPr id="1" name=""/>
+        <p:cNvGrpSpPr/>
+        <p:nvPr/>
+      </p:nvGrpSpPr>
+      <p:grpSpPr>
+        <a:xfrm>
+          <a:off x="0" y="0"/>
+          <a:ext cx="0" cy="0"/>
+          <a:chOff x="0" y="0"/>
+          <a:chExt cx="0" cy="0"/>
+        </a:xfrm>
+      </p:grpSpPr>
+      <p:sp>
+        <p:nvSpPr>
+          <p:cNvPr id="2" name="Title 1">
+            <a:extLst>
+              <a:ext uri="{FF2B5EF4-FFF2-40B4-BE49-F238E27FC236}">
+                <a16:creationId xmlns:a16="http://schemas.microsoft.com/office/drawing/2014/main" id="{AF9DBC8A-43C7-4CED-1A5A-9AB285827153}"/>
+              </a:ext>
+            </a:extLst>
+          </p:cNvPr>
+          <p:cNvSpPr>
+            <a:spLocks noGrp="1"/>
+          </p:cNvSpPr>
+          <p:nvPr>
+            <p:ph type="title"/>
+          </p:nvPr>
+        </p:nvSpPr>
+        <p:spPr/>
+        <p:txBody>
+          <a:bodyPr/>
+          <a:lstStyle/>
+          <a:p>
+            <a:r>
+              <a:rPr lang="en-GB" dirty="0"/>
+              <a:t>TODO - Extras</a:t>
+            </a:r>
+          </a:p>
+        </p:txBody>
+      </p:sp>
+      <p:sp>
+        <p:nvSpPr>
+          <p:cNvPr id="3" name="Content Placeholder 2">
+            <a:extLst>
+              <a:ext uri="{FF2B5EF4-FFF2-40B4-BE49-F238E27FC236}">
+                <a16:creationId xmlns:a16="http://schemas.microsoft.com/office/drawing/2014/main" id="{75AE5FEA-050D-AE53-B7C2-AA771027014E}"/>
+              </a:ext>
+            </a:extLst>
+          </p:cNvPr>
+          <p:cNvSpPr>
+            <a:spLocks noGrp="1"/>
+          </p:cNvSpPr>
+          <p:nvPr>
+            <p:ph idx="1"/>
+          </p:nvPr>
+        </p:nvSpPr>
+        <p:spPr>
+          <a:xfrm>
+            <a:off x="838200" y="1690688"/>
+            <a:ext cx="10515600" cy="5167312"/>
+          </a:xfrm>
+        </p:spPr>
+        <p:txBody>
+          <a:bodyPr>
+            <a:normAutofit/>
+          </a:bodyPr>
+          <a:lstStyle/>
+          <a:p>
+            <a:r>
+              <a:rPr lang="en-GB" dirty="0">
+                <a:sym typeface="Wingdings" pitchFamily="2" charset="2"/>
+              </a:rPr>
+              <a:t>Zeng the reported metrics</a:t>
+            </a:r>
+          </a:p>
+          <a:p>
+            <a:r>
+              <a:rPr lang="en-GB" dirty="0">
+                <a:sym typeface="Wingdings" pitchFamily="2" charset="2"/>
+              </a:rPr>
+              <a:t>Do hyperparameter tuning separately</a:t>
+            </a:r>
+          </a:p>
+          <a:p>
+            <a:r>
+              <a:rPr lang="en-GB" dirty="0">
+                <a:sym typeface="Wingdings" pitchFamily="2" charset="2"/>
+              </a:rPr>
+              <a:t>See if can combine with </a:t>
+            </a:r>
+            <a:r>
+              <a:rPr lang="en-GB" dirty="0" err="1">
+                <a:sym typeface="Wingdings" pitchFamily="2" charset="2"/>
+              </a:rPr>
+              <a:t>MLFlow</a:t>
+            </a:r>
+            <a:endParaRPr lang="en-GB" dirty="0">
+              <a:sym typeface="Wingdings" pitchFamily="2" charset="2"/>
+            </a:endParaRPr>
+          </a:p>
+          <a:p>
+            <a:r>
+              <a:rPr lang="en-GB" dirty="0">
+                <a:sym typeface="Wingdings" pitchFamily="2" charset="2"/>
+              </a:rPr>
+              <a:t>Logging (if have time). Get </a:t>
+            </a:r>
+            <a:r>
+              <a:rPr lang="en-GB" dirty="0" err="1">
+                <a:sym typeface="Wingdings" pitchFamily="2" charset="2"/>
+              </a:rPr>
+              <a:t>chatGPT</a:t>
+            </a:r>
+            <a:r>
+              <a:rPr lang="en-GB" dirty="0">
+                <a:sym typeface="Wingdings" pitchFamily="2" charset="2"/>
+              </a:rPr>
+              <a:t> to suggest. Used with AWS </a:t>
+            </a:r>
+            <a:r>
+              <a:rPr lang="en-GB" dirty="0" err="1">
+                <a:sym typeface="Wingdings" pitchFamily="2" charset="2"/>
+              </a:rPr>
+              <a:t>cloudwatch</a:t>
+            </a:r>
+            <a:r>
+              <a:rPr lang="en-GB" dirty="0">
+                <a:sym typeface="Wingdings" pitchFamily="2" charset="2"/>
+              </a:rPr>
+              <a:t>, but watch the costs involved. http://</a:t>
+            </a:r>
+            <a:r>
+              <a:rPr lang="en-GB" dirty="0" err="1">
+                <a:sym typeface="Wingdings" pitchFamily="2" charset="2"/>
+              </a:rPr>
+              <a:t>logging.apache.org</a:t>
+            </a:r>
+            <a:r>
+              <a:rPr lang="en-GB" dirty="0">
+                <a:sym typeface="Wingdings" pitchFamily="2" charset="2"/>
+              </a:rPr>
+              <a:t>/log4j/1.2/</a:t>
+            </a:r>
+            <a:r>
+              <a:rPr lang="en-GB" dirty="0" err="1">
+                <a:sym typeface="Wingdings" pitchFamily="2" charset="2"/>
+              </a:rPr>
+              <a:t>manual.html</a:t>
+            </a:r>
+            <a:endParaRPr lang="en-GB" dirty="0">
+              <a:sym typeface="Wingdings" pitchFamily="2" charset="2"/>
+            </a:endParaRPr>
+          </a:p>
+        </p:txBody>
+      </p:sp>
+    </p:spTree>
+    <p:extLst>
+      <p:ext uri="{BB962C8B-B14F-4D97-AF65-F5344CB8AC3E}">
+        <p14:creationId xmlns:p14="http://schemas.microsoft.com/office/powerpoint/2010/main" val="2450686333"/>
+      </p:ext>
+    </p:extLst>
+  </p:cSld>
+  <p:clrMapOvr>
+    <a:masterClrMapping/>
+  </p:clrMapOvr>
+</p:sld>
+</file>
+
+<file path=ppt/slides/slide9.xml><?xml version="1.0" encoding="utf-8"?>
 <p:sld xmlns:a="http://schemas.openxmlformats.org/drawingml/2006/main" xmlns:r="http://schemas.openxmlformats.org/officeDocument/2006/relationships" xmlns:p="http://schemas.openxmlformats.org/presentationml/2006/main">
   <p:cSld>
     <p:spTree>
@@ -8783,233 +9252,6 @@
     <p:extLst>
       <p:ext uri="{BB962C8B-B14F-4D97-AF65-F5344CB8AC3E}">
         <p14:creationId xmlns:p14="http://schemas.microsoft.com/office/powerpoint/2010/main" val="1775362090"/>
-      </p:ext>
-    </p:extLst>
-  </p:cSld>
-  <p:clrMapOvr>
-    <a:masterClrMapping/>
-  </p:clrMapOvr>
-</p:sld>
-</file>
-
-<file path=ppt/slides/slide9.xml><?xml version="1.0" encoding="utf-8"?>
-<p:sld xmlns:a="http://schemas.openxmlformats.org/drawingml/2006/main" xmlns:r="http://schemas.openxmlformats.org/officeDocument/2006/relationships" xmlns:p="http://schemas.openxmlformats.org/presentationml/2006/main">
-  <p:cSld>
-    <p:spTree>
-      <p:nvGrpSpPr>
-        <p:cNvPr id="1" name=""/>
-        <p:cNvGrpSpPr/>
-        <p:nvPr/>
-      </p:nvGrpSpPr>
-      <p:grpSpPr>
-        <a:xfrm>
-          <a:off x="0" y="0"/>
-          <a:ext cx="0" cy="0"/>
-          <a:chOff x="0" y="0"/>
-          <a:chExt cx="0" cy="0"/>
-        </a:xfrm>
-      </p:grpSpPr>
-      <p:sp>
-        <p:nvSpPr>
-          <p:cNvPr id="2" name="Title 1">
-            <a:extLst>
-              <a:ext uri="{FF2B5EF4-FFF2-40B4-BE49-F238E27FC236}">
-                <a16:creationId xmlns:a16="http://schemas.microsoft.com/office/drawing/2014/main" id="{786686E8-215A-5475-0873-B4055D121F8F}"/>
-              </a:ext>
-            </a:extLst>
-          </p:cNvPr>
-          <p:cNvSpPr>
-            <a:spLocks noGrp="1"/>
-          </p:cNvSpPr>
-          <p:nvPr>
-            <p:ph type="title"/>
-          </p:nvPr>
-        </p:nvSpPr>
-        <p:spPr/>
-        <p:txBody>
-          <a:bodyPr/>
-          <a:lstStyle/>
-          <a:p>
-            <a:r>
-              <a:rPr lang="en-GB" dirty="0"/>
-              <a:t>CT</a:t>
-            </a:r>
-          </a:p>
-        </p:txBody>
-      </p:sp>
-      <p:sp>
-        <p:nvSpPr>
-          <p:cNvPr id="3" name="Content Placeholder 2">
-            <a:extLst>
-              <a:ext uri="{FF2B5EF4-FFF2-40B4-BE49-F238E27FC236}">
-                <a16:creationId xmlns:a16="http://schemas.microsoft.com/office/drawing/2014/main" id="{B4423546-A7E9-D0C0-C3F6-1997391AD7C0}"/>
-              </a:ext>
-            </a:extLst>
-          </p:cNvPr>
-          <p:cNvSpPr>
-            <a:spLocks noGrp="1"/>
-          </p:cNvSpPr>
-          <p:nvPr>
-            <p:ph idx="1"/>
-          </p:nvPr>
-        </p:nvSpPr>
-        <p:spPr>
-          <a:xfrm>
-            <a:off x="838200" y="1825624"/>
-            <a:ext cx="10515600" cy="5032375"/>
-          </a:xfrm>
-        </p:spPr>
-        <p:txBody>
-          <a:bodyPr>
-            <a:normAutofit fontScale="70000" lnSpcReduction="20000"/>
-          </a:bodyPr>
-          <a:lstStyle/>
-          <a:p>
-            <a:r>
-              <a:rPr lang="en-GB" dirty="0"/>
-              <a:t>[D] Factorise modelling + </a:t>
-            </a:r>
-            <a:r>
-              <a:rPr lang="en-GB" dirty="0" err="1"/>
-              <a:t>MLFlow</a:t>
-            </a:r>
-            <a:r>
-              <a:rPr lang="en-GB" dirty="0"/>
-              <a:t> code, logging results to cloud (Can be prod or </a:t>
-            </a:r>
-            <a:r>
-              <a:rPr lang="en-GB" dirty="0" err="1"/>
-              <a:t>expt</a:t>
-            </a:r>
-            <a:r>
-              <a:rPr lang="en-GB" dirty="0"/>
-              <a:t> – Tags to differentiate)</a:t>
-            </a:r>
-          </a:p>
-          <a:p>
-            <a:pPr lvl="1"/>
-            <a:r>
-              <a:rPr lang="en-GB" b="1" dirty="0"/>
-              <a:t>Objective: Hyperparameter tuning</a:t>
-            </a:r>
-          </a:p>
-          <a:p>
-            <a:r>
-              <a:rPr lang="en-GB" dirty="0"/>
-              <a:t>Retraining based on time/data ingestion @ X time unit</a:t>
-            </a:r>
-          </a:p>
-          <a:p>
-            <a:pPr lvl="1"/>
-            <a:r>
-              <a:rPr lang="en-GB" b="1" dirty="0"/>
-              <a:t>Objective: Let model capture new trends in data</a:t>
-            </a:r>
-          </a:p>
-          <a:p>
-            <a:pPr lvl="1"/>
-            <a:r>
-              <a:rPr lang="en-GB" dirty="0"/>
-              <a:t>Separate script which uses the same hyperparameters from experimentation (local), but does the comparison and retraining on AWS (Lambda?) </a:t>
-            </a:r>
-          </a:p>
-          <a:p>
-            <a:pPr lvl="1"/>
-            <a:r>
-              <a:rPr lang="en-GB" dirty="0"/>
-              <a:t>? Need to come up with the final model, trained on all data</a:t>
-            </a:r>
-          </a:p>
-          <a:p>
-            <a:pPr lvl="2"/>
-            <a:r>
-              <a:rPr lang="en-GB" dirty="0"/>
-              <a:t>Or is it still need a holdout set?</a:t>
-            </a:r>
-          </a:p>
-          <a:p>
-            <a:pPr lvl="2"/>
-            <a:r>
-              <a:rPr lang="en-GB" dirty="0"/>
-              <a:t>Train on 1~ T-1 week, test on T-1 week ~T (Is 1 week enough?)</a:t>
-            </a:r>
-          </a:p>
-          <a:p>
-            <a:pPr lvl="1"/>
-            <a:r>
-              <a:rPr lang="en-GB" dirty="0"/>
-              <a:t>Need to process data to output the delta for testing </a:t>
-            </a:r>
-            <a:r>
-              <a:rPr lang="en-GB" dirty="0">
-                <a:sym typeface="Wingdings" pitchFamily="2" charset="2"/>
-              </a:rPr>
-              <a:t> Correspond to frequency of pulling data, which corresponds to how often the data is updated</a:t>
-            </a:r>
-          </a:p>
-          <a:p>
-            <a:pPr lvl="1"/>
-            <a:r>
-              <a:rPr lang="en-GB" dirty="0"/>
-              <a:t>Can implement A/B testing afterwards to check if there is indeed and improvement over the old model. Do not deploy if performance drops</a:t>
-            </a:r>
-          </a:p>
-          <a:p>
-            <a:pPr lvl="2"/>
-            <a:r>
-              <a:rPr lang="en-GB" dirty="0"/>
-              <a:t>Still necessary to compare 5 fold CV in addition to test set?</a:t>
-            </a:r>
-          </a:p>
-          <a:p>
-            <a:pPr lvl="2"/>
-            <a:r>
-              <a:rPr lang="en-GB" dirty="0"/>
-              <a:t>Pseudo-Canary testing?</a:t>
-            </a:r>
-          </a:p>
-          <a:p>
-            <a:pPr lvl="2"/>
-            <a:r>
-              <a:rPr lang="en-GB" dirty="0"/>
-              <a:t>Can find hard quality gates here: https://</a:t>
-            </a:r>
-            <a:r>
-              <a:rPr lang="en-GB" dirty="0" err="1"/>
-              <a:t>mlflow.org</a:t>
-            </a:r>
-            <a:r>
-              <a:rPr lang="en-GB" dirty="0"/>
-              <a:t>/docs/3.1.3/ml/evaluation/model-eval/</a:t>
-            </a:r>
-          </a:p>
-          <a:p>
-            <a:r>
-              <a:rPr lang="en-GB" dirty="0"/>
-              <a:t>Find a way to push to production automatically, while involving </a:t>
-            </a:r>
-            <a:r>
-              <a:rPr lang="en-GB" dirty="0" err="1"/>
-              <a:t>MLFlow</a:t>
-            </a:r>
-            <a:r>
-              <a:rPr lang="en-GB" dirty="0"/>
-              <a:t> (have to do the tagging/aliasing automatically). Need to push the model to AWS ECS at the moment as well </a:t>
-            </a:r>
-            <a:r>
-              <a:rPr lang="en-GB" dirty="0">
-                <a:sym typeface="Wingdings" pitchFamily="2" charset="2"/>
-              </a:rPr>
-              <a:t> needs more thinking!</a:t>
-            </a:r>
-            <a:endParaRPr lang="en-GB" dirty="0"/>
-          </a:p>
-        </p:txBody>
-      </p:sp>
-    </p:spTree>
-    <p:extLst>
-      <p:ext uri="{BB962C8B-B14F-4D97-AF65-F5344CB8AC3E}">
-        <p14:creationId xmlns:p14="http://schemas.microsoft.com/office/powerpoint/2010/main" val="3689535318"/>
       </p:ext>
     </p:extLst>
   </p:cSld>

--- a/docs/Architecture Overview.pptx
+++ b/docs/Architecture Overview.pptx
@@ -8110,7 +8110,7 @@
               <a:t>aws</a:t>
             </a:r>
             <a:r>
-              <a:rPr lang="en-GB">
+              <a:rPr lang="en-GB" dirty="0">
                 <a:sym typeface="Wingdings" pitchFamily="2" charset="2"/>
               </a:rPr>
               <a:t>/</a:t>
@@ -8118,16 +8118,10 @@
           </a:p>
           <a:p>
             <a:r>
-              <a:rPr lang="en-GB">
-                <a:sym typeface="Wingdings" pitchFamily="2" charset="2"/>
-              </a:rPr>
-              <a:t>Automate </a:t>
-            </a:r>
-            <a:r>
               <a:rPr lang="en-GB" dirty="0">
                 <a:sym typeface="Wingdings" pitchFamily="2" charset="2"/>
               </a:rPr>
-              <a:t>AWS Lambda updates (e.g. data cleaning) using AWS CLI/</a:t>
+              <a:t>Automate AWS Lambda updates (e.g. data cleaning) using AWS CLI/</a:t>
             </a:r>
             <a:r>
               <a:rPr lang="en-GB" dirty="0" err="1">

--- a/docs/Architecture Overview.pptx
+++ b/docs/Architecture Overview.pptx
@@ -5,7 +5,7 @@
     <p:sldMasterId id="2147483648" r:id="rId1"/>
   </p:sldMasterIdLst>
   <p:notesMasterIdLst>
-    <p:notesMasterId r:id="rId14"/>
+    <p:notesMasterId r:id="rId15"/>
   </p:notesMasterIdLst>
   <p:sldIdLst>
     <p:sldId id="256" r:id="rId2"/>
@@ -15,11 +15,12 @@
     <p:sldId id="263" r:id="rId6"/>
     <p:sldId id="264" r:id="rId7"/>
     <p:sldId id="261" r:id="rId8"/>
-    <p:sldId id="269" r:id="rId9"/>
-    <p:sldId id="268" r:id="rId10"/>
-    <p:sldId id="265" r:id="rId11"/>
-    <p:sldId id="266" r:id="rId12"/>
-    <p:sldId id="262" r:id="rId13"/>
+    <p:sldId id="270" r:id="rId9"/>
+    <p:sldId id="269" r:id="rId10"/>
+    <p:sldId id="268" r:id="rId11"/>
+    <p:sldId id="265" r:id="rId12"/>
+    <p:sldId id="266" r:id="rId13"/>
+    <p:sldId id="262" r:id="rId14"/>
   </p:sldIdLst>
   <p:sldSz cx="12192000" cy="6858000"/>
   <p:notesSz cx="6858000" cy="9144000"/>
@@ -208,7 +209,7 @@
           <a:p>
             <a:fld id="{E1142F10-BA91-844F-94CE-8AF77115DBC9}" type="datetimeFigureOut">
               <a:rPr lang="en-GB" smtClean="0"/>
-              <a:t>13/09/2025</a:t>
+              <a:t>19/09/2025</a:t>
             </a:fld>
             <a:endParaRPr lang="en-GB"/>
           </a:p>
@@ -717,7 +718,7 @@
           <a:p>
             <a:fld id="{78293D93-78F6-7C4A-B196-7A9DF32E6281}" type="slidenum">
               <a:rPr lang="en-GB" smtClean="0"/>
-              <a:t>8</a:t>
+              <a:t>9</a:t>
             </a:fld>
             <a:endParaRPr lang="en-GB"/>
           </a:p>
@@ -883,7 +884,7 @@
           <a:p>
             <a:fld id="{3623ED18-7A4F-5248-ADF5-AAAFED4E564E}" type="datetimeFigureOut">
               <a:rPr lang="en-GB" smtClean="0"/>
-              <a:t>13/09/2025</a:t>
+              <a:t>19/09/2025</a:t>
             </a:fld>
             <a:endParaRPr lang="en-GB"/>
           </a:p>
@@ -1081,7 +1082,7 @@
           <a:p>
             <a:fld id="{3623ED18-7A4F-5248-ADF5-AAAFED4E564E}" type="datetimeFigureOut">
               <a:rPr lang="en-GB" smtClean="0"/>
-              <a:t>13/09/2025</a:t>
+              <a:t>19/09/2025</a:t>
             </a:fld>
             <a:endParaRPr lang="en-GB"/>
           </a:p>
@@ -1289,7 +1290,7 @@
           <a:p>
             <a:fld id="{3623ED18-7A4F-5248-ADF5-AAAFED4E564E}" type="datetimeFigureOut">
               <a:rPr lang="en-GB" smtClean="0"/>
-              <a:t>13/09/2025</a:t>
+              <a:t>19/09/2025</a:t>
             </a:fld>
             <a:endParaRPr lang="en-GB"/>
           </a:p>
@@ -1487,7 +1488,7 @@
           <a:p>
             <a:fld id="{3623ED18-7A4F-5248-ADF5-AAAFED4E564E}" type="datetimeFigureOut">
               <a:rPr lang="en-GB" smtClean="0"/>
-              <a:t>13/09/2025</a:t>
+              <a:t>19/09/2025</a:t>
             </a:fld>
             <a:endParaRPr lang="en-GB"/>
           </a:p>
@@ -1762,7 +1763,7 @@
           <a:p>
             <a:fld id="{3623ED18-7A4F-5248-ADF5-AAAFED4E564E}" type="datetimeFigureOut">
               <a:rPr lang="en-GB" smtClean="0"/>
-              <a:t>13/09/2025</a:t>
+              <a:t>19/09/2025</a:t>
             </a:fld>
             <a:endParaRPr lang="en-GB"/>
           </a:p>
@@ -2027,7 +2028,7 @@
           <a:p>
             <a:fld id="{3623ED18-7A4F-5248-ADF5-AAAFED4E564E}" type="datetimeFigureOut">
               <a:rPr lang="en-GB" smtClean="0"/>
-              <a:t>13/09/2025</a:t>
+              <a:t>19/09/2025</a:t>
             </a:fld>
             <a:endParaRPr lang="en-GB"/>
           </a:p>
@@ -2439,7 +2440,7 @@
           <a:p>
             <a:fld id="{3623ED18-7A4F-5248-ADF5-AAAFED4E564E}" type="datetimeFigureOut">
               <a:rPr lang="en-GB" smtClean="0"/>
-              <a:t>13/09/2025</a:t>
+              <a:t>19/09/2025</a:t>
             </a:fld>
             <a:endParaRPr lang="en-GB"/>
           </a:p>
@@ -2580,7 +2581,7 @@
           <a:p>
             <a:fld id="{3623ED18-7A4F-5248-ADF5-AAAFED4E564E}" type="datetimeFigureOut">
               <a:rPr lang="en-GB" smtClean="0"/>
-              <a:t>13/09/2025</a:t>
+              <a:t>19/09/2025</a:t>
             </a:fld>
             <a:endParaRPr lang="en-GB"/>
           </a:p>
@@ -2693,7 +2694,7 @@
           <a:p>
             <a:fld id="{3623ED18-7A4F-5248-ADF5-AAAFED4E564E}" type="datetimeFigureOut">
               <a:rPr lang="en-GB" smtClean="0"/>
-              <a:t>13/09/2025</a:t>
+              <a:t>19/09/2025</a:t>
             </a:fld>
             <a:endParaRPr lang="en-GB"/>
           </a:p>
@@ -3004,7 +3005,7 @@
           <a:p>
             <a:fld id="{3623ED18-7A4F-5248-ADF5-AAAFED4E564E}" type="datetimeFigureOut">
               <a:rPr lang="en-GB" smtClean="0"/>
-              <a:t>13/09/2025</a:t>
+              <a:t>19/09/2025</a:t>
             </a:fld>
             <a:endParaRPr lang="en-GB"/>
           </a:p>
@@ -3292,7 +3293,7 @@
           <a:p>
             <a:fld id="{3623ED18-7A4F-5248-ADF5-AAAFED4E564E}" type="datetimeFigureOut">
               <a:rPr lang="en-GB" smtClean="0"/>
-              <a:t>13/09/2025</a:t>
+              <a:t>19/09/2025</a:t>
             </a:fld>
             <a:endParaRPr lang="en-GB"/>
           </a:p>
@@ -3533,7 +3534,7 @@
           <a:p>
             <a:fld id="{3623ED18-7A4F-5248-ADF5-AAAFED4E564E}" type="datetimeFigureOut">
               <a:rPr lang="en-GB" smtClean="0"/>
-              <a:t>13/09/2025</a:t>
+              <a:t>19/09/2025</a:t>
             </a:fld>
             <a:endParaRPr lang="en-GB"/>
           </a:p>
@@ -4157,7 +4158,7 @@
           <p:cNvPr id="2" name="Title 1">
             <a:extLst>
               <a:ext uri="{FF2B5EF4-FFF2-40B4-BE49-F238E27FC236}">
-                <a16:creationId xmlns:a16="http://schemas.microsoft.com/office/drawing/2014/main" id="{786686E8-215A-5475-0873-B4055D121F8F}"/>
+                <a16:creationId xmlns:a16="http://schemas.microsoft.com/office/drawing/2014/main" id="{980208A4-9586-F936-9663-BC044141A40B}"/>
               </a:ext>
             </a:extLst>
           </p:cNvPr>
@@ -4175,184 +4176,855 @@
           <a:p>
             <a:r>
               <a:rPr lang="en-GB" dirty="0"/>
-              <a:t>CT</a:t>
-            </a:r>
-          </a:p>
-        </p:txBody>
-      </p:sp>
-      <p:sp>
-        <p:nvSpPr>
-          <p:cNvPr id="3" name="Content Placeholder 2">
-            <a:extLst>
-              <a:ext uri="{FF2B5EF4-FFF2-40B4-BE49-F238E27FC236}">
-                <a16:creationId xmlns:a16="http://schemas.microsoft.com/office/drawing/2014/main" id="{B4423546-A7E9-D0C0-C3F6-1997391AD7C0}"/>
-              </a:ext>
-            </a:extLst>
-          </p:cNvPr>
-          <p:cNvSpPr>
-            <a:spLocks noGrp="1"/>
-          </p:cNvSpPr>
-          <p:nvPr>
-            <p:ph idx="1"/>
-          </p:nvPr>
+              <a:t>Architecture for training on cloud</a:t>
+            </a:r>
+          </a:p>
+        </p:txBody>
+      </p:sp>
+      <p:sp>
+        <p:nvSpPr>
+          <p:cNvPr id="4" name="Rounded Rectangle 3">
+            <a:extLst>
+              <a:ext uri="{FF2B5EF4-FFF2-40B4-BE49-F238E27FC236}">
+                <a16:creationId xmlns:a16="http://schemas.microsoft.com/office/drawing/2014/main" id="{34391F64-C5C2-F623-071E-13D1E59EB0D1}"/>
+              </a:ext>
+            </a:extLst>
+          </p:cNvPr>
+          <p:cNvSpPr/>
+          <p:nvPr/>
         </p:nvSpPr>
         <p:spPr>
           <a:xfrm>
-            <a:off x="838200" y="1825624"/>
-            <a:ext cx="10515600" cy="5032375"/>
+            <a:off x="5513231" y="3618961"/>
+            <a:ext cx="2162577" cy="772733"/>
           </a:xfrm>
+          <a:prstGeom prst="roundRect">
+            <a:avLst/>
+          </a:prstGeom>
+          <a:solidFill>
+            <a:schemeClr val="tx2">
+              <a:lumMod val="25000"/>
+              <a:lumOff val="75000"/>
+            </a:schemeClr>
+          </a:solidFill>
+          <a:ln>
+            <a:solidFill>
+              <a:schemeClr val="accent2"/>
+            </a:solidFill>
+          </a:ln>
         </p:spPr>
-        <p:txBody>
-          <a:bodyPr>
-            <a:normAutofit fontScale="70000" lnSpcReduction="20000"/>
-          </a:bodyPr>
-          <a:lstStyle/>
-          <a:p>
-            <a:r>
-              <a:rPr lang="en-GB" dirty="0"/>
-              <a:t>[D] Factorise modelling + </a:t>
-            </a:r>
-            <a:r>
-              <a:rPr lang="en-GB" dirty="0" err="1"/>
-              <a:t>MLFlow</a:t>
-            </a:r>
-            <a:r>
-              <a:rPr lang="en-GB" dirty="0"/>
-              <a:t> code, logging results to cloud (Can be prod or </a:t>
-            </a:r>
-            <a:r>
-              <a:rPr lang="en-GB" dirty="0" err="1"/>
-              <a:t>expt</a:t>
-            </a:r>
-            <a:r>
-              <a:rPr lang="en-GB" dirty="0"/>
-              <a:t> – Tags to differentiate)</a:t>
-            </a:r>
-          </a:p>
-          <a:p>
-            <a:pPr lvl="1"/>
-            <a:r>
-              <a:rPr lang="en-GB" b="1" dirty="0"/>
-              <a:t>Objective: Hyperparameter tuning</a:t>
-            </a:r>
-          </a:p>
-          <a:p>
-            <a:r>
-              <a:rPr lang="en-GB" dirty="0"/>
-              <a:t>Retraining based on time/data ingestion @ X time unit</a:t>
-            </a:r>
-          </a:p>
-          <a:p>
-            <a:pPr lvl="1"/>
-            <a:r>
-              <a:rPr lang="en-GB" b="1" dirty="0"/>
-              <a:t>Objective: Let model capture new trends in data</a:t>
-            </a:r>
-          </a:p>
-          <a:p>
-            <a:pPr lvl="1"/>
-            <a:r>
-              <a:rPr lang="en-GB" dirty="0"/>
-              <a:t>Separate script which uses the same hyperparameters from experimentation (local), but does the comparison and retraining on AWS (Lambda?) </a:t>
-            </a:r>
-          </a:p>
-          <a:p>
-            <a:pPr lvl="1"/>
-            <a:r>
-              <a:rPr lang="en-GB" dirty="0"/>
-              <a:t>? Need to come up with the final model, trained on all data</a:t>
-            </a:r>
-          </a:p>
-          <a:p>
-            <a:pPr lvl="2"/>
-            <a:r>
-              <a:rPr lang="en-GB" dirty="0"/>
-              <a:t>Or is it still need a holdout set?</a:t>
-            </a:r>
-          </a:p>
-          <a:p>
-            <a:pPr lvl="2"/>
-            <a:r>
-              <a:rPr lang="en-GB" dirty="0"/>
-              <a:t>Train on 1~ T-1 week, test on T-1 week ~T (Is 1 week enough?)</a:t>
-            </a:r>
-          </a:p>
-          <a:p>
-            <a:pPr lvl="1"/>
-            <a:r>
-              <a:rPr lang="en-GB" dirty="0"/>
-              <a:t>Need to process data to output the delta for testing </a:t>
-            </a:r>
+        <p:style>
+          <a:lnRef idx="2">
+            <a:schemeClr val="accent1">
+              <a:shade val="15000"/>
+            </a:schemeClr>
+          </a:lnRef>
+          <a:fillRef idx="1">
+            <a:schemeClr val="accent1"/>
+          </a:fillRef>
+          <a:effectRef idx="0">
+            <a:schemeClr val="accent1"/>
+          </a:effectRef>
+          <a:fontRef idx="minor">
+            <a:schemeClr val="lt1"/>
+          </a:fontRef>
+        </p:style>
+        <p:txBody>
+          <a:bodyPr rtlCol="0" anchor="ctr"/>
+          <a:lstStyle/>
+          <a:p>
+            <a:pPr algn="ctr"/>
             <a:r>
               <a:rPr lang="en-GB" dirty="0">
-                <a:sym typeface="Wingdings" pitchFamily="2" charset="2"/>
+                <a:solidFill>
+                  <a:schemeClr val="tx1"/>
+                </a:solidFill>
               </a:rPr>
-              <a:t> Correspond to frequency of pulling data, which corresponds to how often the data is updated</a:t>
-            </a:r>
-          </a:p>
-          <a:p>
-            <a:pPr lvl="1"/>
-            <a:r>
-              <a:rPr lang="en-GB" dirty="0"/>
-              <a:t>Can implement A/B testing afterwards to check if there is indeed and improvement over the old model. Do not deploy if performance drops</a:t>
-            </a:r>
-          </a:p>
-          <a:p>
-            <a:pPr lvl="2"/>
-            <a:r>
-              <a:rPr lang="en-GB" dirty="0"/>
-              <a:t>Still necessary to compare 5 fold CV in addition to test set?</a:t>
-            </a:r>
-          </a:p>
-          <a:p>
-            <a:pPr lvl="2"/>
-            <a:r>
-              <a:rPr lang="en-GB" dirty="0"/>
-              <a:t>Pseudo-Canary testing?</a:t>
-            </a:r>
-          </a:p>
-          <a:p>
-            <a:pPr lvl="2"/>
-            <a:r>
-              <a:rPr lang="en-GB" dirty="0"/>
-              <a:t>Can find hard quality gates here: https://</a:t>
-            </a:r>
-            <a:r>
-              <a:rPr lang="en-GB" dirty="0" err="1"/>
-              <a:t>mlflow.org</a:t>
-            </a:r>
-            <a:r>
-              <a:rPr lang="en-GB" dirty="0"/>
-              <a:t>/docs/3.1.3/ml/evaluation/model-eval/</a:t>
-            </a:r>
-          </a:p>
-          <a:p>
-            <a:r>
-              <a:rPr lang="en-GB" dirty="0"/>
-              <a:t>Find a way to push to production automatically, while involving </a:t>
-            </a:r>
-            <a:r>
-              <a:rPr lang="en-GB" dirty="0" err="1"/>
-              <a:t>MLFlow</a:t>
-            </a:r>
-            <a:r>
-              <a:rPr lang="en-GB" dirty="0"/>
-              <a:t> (have to do the tagging/aliasing automatically). Need to push the model to AWS ECS at the moment as well </a:t>
-            </a:r>
+              <a:t>Cross-validation on one Lambda</a:t>
+            </a:r>
+          </a:p>
+        </p:txBody>
+      </p:sp>
+      <p:sp>
+        <p:nvSpPr>
+          <p:cNvPr id="5" name="Rounded Rectangle 4">
+            <a:extLst>
+              <a:ext uri="{FF2B5EF4-FFF2-40B4-BE49-F238E27FC236}">
+                <a16:creationId xmlns:a16="http://schemas.microsoft.com/office/drawing/2014/main" id="{C3DCB387-2AF5-32F3-9B7B-4BCF9CEC6991}"/>
+              </a:ext>
+            </a:extLst>
+          </p:cNvPr>
+          <p:cNvSpPr/>
+          <p:nvPr/>
+        </p:nvSpPr>
+        <p:spPr>
+          <a:xfrm>
+            <a:off x="8893935" y="4452529"/>
+            <a:ext cx="2162577" cy="772733"/>
+          </a:xfrm>
+          <a:prstGeom prst="roundRect">
+            <a:avLst/>
+          </a:prstGeom>
+          <a:solidFill>
+            <a:schemeClr val="tx2">
+              <a:lumMod val="25000"/>
+              <a:lumOff val="75000"/>
+            </a:schemeClr>
+          </a:solidFill>
+          <a:ln>
+            <a:solidFill>
+              <a:srgbClr val="FF0000"/>
+            </a:solidFill>
+          </a:ln>
+        </p:spPr>
+        <p:style>
+          <a:lnRef idx="2">
+            <a:schemeClr val="accent1">
+              <a:shade val="15000"/>
+            </a:schemeClr>
+          </a:lnRef>
+          <a:fillRef idx="1">
+            <a:schemeClr val="accent1"/>
+          </a:fillRef>
+          <a:effectRef idx="0">
+            <a:schemeClr val="accent1"/>
+          </a:effectRef>
+          <a:fontRef idx="minor">
+            <a:schemeClr val="lt1"/>
+          </a:fontRef>
+        </p:style>
+        <p:txBody>
+          <a:bodyPr rtlCol="0" anchor="ctr"/>
+          <a:lstStyle/>
+          <a:p>
+            <a:pPr algn="ctr"/>
             <a:r>
               <a:rPr lang="en-GB" dirty="0">
-                <a:sym typeface="Wingdings" pitchFamily="2" charset="2"/>
+                <a:solidFill>
+                  <a:schemeClr val="tx1"/>
+                </a:solidFill>
               </a:rPr>
-              <a:t> needs more thinking!</a:t>
-            </a:r>
-            <a:endParaRPr lang="en-GB" dirty="0"/>
+              <a:t>Upload best model to S3</a:t>
+            </a:r>
+          </a:p>
+        </p:txBody>
+      </p:sp>
+      <p:sp>
+        <p:nvSpPr>
+          <p:cNvPr id="8" name="Rounded Rectangle 7">
+            <a:extLst>
+              <a:ext uri="{FF2B5EF4-FFF2-40B4-BE49-F238E27FC236}">
+                <a16:creationId xmlns:a16="http://schemas.microsoft.com/office/drawing/2014/main" id="{0856A209-538D-DA17-EE82-7841A740EAE7}"/>
+              </a:ext>
+            </a:extLst>
+          </p:cNvPr>
+          <p:cNvSpPr/>
+          <p:nvPr/>
+        </p:nvSpPr>
+        <p:spPr>
+          <a:xfrm>
+            <a:off x="404074" y="3618961"/>
+            <a:ext cx="2162577" cy="772733"/>
+          </a:xfrm>
+          <a:prstGeom prst="roundRect">
+            <a:avLst/>
+          </a:prstGeom>
+          <a:solidFill>
+            <a:schemeClr val="tx2">
+              <a:lumMod val="25000"/>
+              <a:lumOff val="75000"/>
+            </a:schemeClr>
+          </a:solidFill>
+          <a:ln>
+            <a:solidFill>
+              <a:schemeClr val="tx2"/>
+            </a:solidFill>
+          </a:ln>
+        </p:spPr>
+        <p:style>
+          <a:lnRef idx="2">
+            <a:schemeClr val="accent1">
+              <a:shade val="15000"/>
+            </a:schemeClr>
+          </a:lnRef>
+          <a:fillRef idx="1">
+            <a:schemeClr val="accent1"/>
+          </a:fillRef>
+          <a:effectRef idx="0">
+            <a:schemeClr val="accent1"/>
+          </a:effectRef>
+          <a:fontRef idx="minor">
+            <a:schemeClr val="lt1"/>
+          </a:fontRef>
+        </p:style>
+        <p:txBody>
+          <a:bodyPr rtlCol="0" anchor="ctr"/>
+          <a:lstStyle/>
+          <a:p>
+            <a:pPr algn="ctr"/>
+            <a:r>
+              <a:rPr lang="en-GB" dirty="0" err="1">
+                <a:solidFill>
+                  <a:schemeClr val="tx1"/>
+                </a:solidFill>
+              </a:rPr>
+              <a:t>Github</a:t>
+            </a:r>
+            <a:r>
+              <a:rPr lang="en-GB" dirty="0">
+                <a:solidFill>
+                  <a:schemeClr val="tx1"/>
+                </a:solidFill>
+              </a:rPr>
+              <a:t> actions check for new parameters</a:t>
+            </a:r>
+          </a:p>
+        </p:txBody>
+      </p:sp>
+      <p:sp>
+        <p:nvSpPr>
+          <p:cNvPr id="9" name="Rounded Rectangle 8">
+            <a:extLst>
+              <a:ext uri="{FF2B5EF4-FFF2-40B4-BE49-F238E27FC236}">
+                <a16:creationId xmlns:a16="http://schemas.microsoft.com/office/drawing/2014/main" id="{5E6ADAEA-ADC2-EB35-46D6-05FC903CB2F2}"/>
+              </a:ext>
+            </a:extLst>
+          </p:cNvPr>
+          <p:cNvSpPr/>
+          <p:nvPr/>
+        </p:nvSpPr>
+        <p:spPr>
+          <a:xfrm>
+            <a:off x="2958652" y="3618961"/>
+            <a:ext cx="2162577" cy="772733"/>
+          </a:xfrm>
+          <a:prstGeom prst="roundRect">
+            <a:avLst/>
+          </a:prstGeom>
+          <a:solidFill>
+            <a:schemeClr val="tx2">
+              <a:lumMod val="25000"/>
+              <a:lumOff val="75000"/>
+            </a:schemeClr>
+          </a:solidFill>
+          <a:ln>
+            <a:noFill/>
+          </a:ln>
+        </p:spPr>
+        <p:style>
+          <a:lnRef idx="2">
+            <a:schemeClr val="accent1">
+              <a:shade val="15000"/>
+            </a:schemeClr>
+          </a:lnRef>
+          <a:fillRef idx="1">
+            <a:schemeClr val="accent1"/>
+          </a:fillRef>
+          <a:effectRef idx="0">
+            <a:schemeClr val="accent1"/>
+          </a:effectRef>
+          <a:fontRef idx="minor">
+            <a:schemeClr val="lt1"/>
+          </a:fontRef>
+        </p:style>
+        <p:txBody>
+          <a:bodyPr rtlCol="0" anchor="ctr"/>
+          <a:lstStyle/>
+          <a:p>
+            <a:pPr algn="ctr"/>
+            <a:r>
+              <a:rPr lang="en-GB" dirty="0">
+                <a:solidFill>
+                  <a:schemeClr val="tx1"/>
+                </a:solidFill>
+              </a:rPr>
+              <a:t>Push parameters to Lambda</a:t>
+            </a:r>
+          </a:p>
+        </p:txBody>
+      </p:sp>
+      <p:sp>
+        <p:nvSpPr>
+          <p:cNvPr id="11" name="Rounded Rectangle 10">
+            <a:extLst>
+              <a:ext uri="{FF2B5EF4-FFF2-40B4-BE49-F238E27FC236}">
+                <a16:creationId xmlns:a16="http://schemas.microsoft.com/office/drawing/2014/main" id="{6B68BF73-2AC2-7F9F-0523-DAB4D2E3A144}"/>
+              </a:ext>
+            </a:extLst>
+          </p:cNvPr>
+          <p:cNvSpPr/>
+          <p:nvPr/>
+        </p:nvSpPr>
+        <p:spPr>
+          <a:xfrm>
+            <a:off x="8893935" y="2846228"/>
+            <a:ext cx="2162577" cy="772733"/>
+          </a:xfrm>
+          <a:prstGeom prst="roundRect">
+            <a:avLst/>
+          </a:prstGeom>
+          <a:solidFill>
+            <a:schemeClr val="tx2">
+              <a:lumMod val="25000"/>
+              <a:lumOff val="75000"/>
+            </a:schemeClr>
+          </a:solidFill>
+          <a:ln>
+            <a:solidFill>
+              <a:srgbClr val="FF0000"/>
+            </a:solidFill>
+          </a:ln>
+        </p:spPr>
+        <p:style>
+          <a:lnRef idx="2">
+            <a:schemeClr val="accent1">
+              <a:shade val="15000"/>
+            </a:schemeClr>
+          </a:lnRef>
+          <a:fillRef idx="1">
+            <a:schemeClr val="accent1"/>
+          </a:fillRef>
+          <a:effectRef idx="0">
+            <a:schemeClr val="accent1"/>
+          </a:effectRef>
+          <a:fontRef idx="minor">
+            <a:schemeClr val="lt1"/>
+          </a:fontRef>
+        </p:style>
+        <p:txBody>
+          <a:bodyPr rtlCol="0" anchor="ctr"/>
+          <a:lstStyle/>
+          <a:p>
+            <a:pPr algn="ctr"/>
+            <a:r>
+              <a:rPr lang="en-GB" dirty="0">
+                <a:solidFill>
+                  <a:schemeClr val="tx1"/>
+                </a:solidFill>
+              </a:rPr>
+              <a:t>Upload results to S3</a:t>
+            </a:r>
+          </a:p>
+        </p:txBody>
+      </p:sp>
+      <p:cxnSp>
+        <p:nvCxnSpPr>
+          <p:cNvPr id="14" name="Straight Arrow Connector 13">
+            <a:extLst>
+              <a:ext uri="{FF2B5EF4-FFF2-40B4-BE49-F238E27FC236}">
+                <a16:creationId xmlns:a16="http://schemas.microsoft.com/office/drawing/2014/main" id="{2F86F29F-FCDD-B9B8-7D51-06C9DB58ADE2}"/>
+              </a:ext>
+            </a:extLst>
+          </p:cNvPr>
+          <p:cNvCxnSpPr>
+            <a:stCxn id="4" idx="3"/>
+            <a:endCxn id="11" idx="1"/>
+          </p:cNvCxnSpPr>
+          <p:nvPr/>
+        </p:nvCxnSpPr>
+        <p:spPr>
+          <a:xfrm flipV="1">
+            <a:off x="7675808" y="3232595"/>
+            <a:ext cx="1218127" cy="772733"/>
+          </a:xfrm>
+          <a:prstGeom prst="straightConnector1">
+            <a:avLst/>
+          </a:prstGeom>
+          <a:ln>
+            <a:tailEnd type="triangle"/>
+          </a:ln>
+        </p:spPr>
+        <p:style>
+          <a:lnRef idx="2">
+            <a:schemeClr val="accent1"/>
+          </a:lnRef>
+          <a:fillRef idx="0">
+            <a:schemeClr val="accent1"/>
+          </a:fillRef>
+          <a:effectRef idx="1">
+            <a:schemeClr val="accent1"/>
+          </a:effectRef>
+          <a:fontRef idx="minor">
+            <a:schemeClr val="tx1"/>
+          </a:fontRef>
+        </p:style>
+      </p:cxnSp>
+      <p:cxnSp>
+        <p:nvCxnSpPr>
+          <p:cNvPr id="16" name="Straight Arrow Connector 15">
+            <a:extLst>
+              <a:ext uri="{FF2B5EF4-FFF2-40B4-BE49-F238E27FC236}">
+                <a16:creationId xmlns:a16="http://schemas.microsoft.com/office/drawing/2014/main" id="{27F81A1E-967D-6560-AA67-B2A6EE445C7C}"/>
+              </a:ext>
+            </a:extLst>
+          </p:cNvPr>
+          <p:cNvCxnSpPr>
+            <a:stCxn id="4" idx="3"/>
+            <a:endCxn id="5" idx="1"/>
+          </p:cNvCxnSpPr>
+          <p:nvPr/>
+        </p:nvCxnSpPr>
+        <p:spPr>
+          <a:xfrm>
+            <a:off x="7675808" y="4005328"/>
+            <a:ext cx="1218127" cy="833568"/>
+          </a:xfrm>
+          <a:prstGeom prst="straightConnector1">
+            <a:avLst/>
+          </a:prstGeom>
+          <a:ln>
+            <a:tailEnd type="triangle"/>
+          </a:ln>
+        </p:spPr>
+        <p:style>
+          <a:lnRef idx="2">
+            <a:schemeClr val="accent1"/>
+          </a:lnRef>
+          <a:fillRef idx="0">
+            <a:schemeClr val="accent1"/>
+          </a:fillRef>
+          <a:effectRef idx="1">
+            <a:schemeClr val="accent1"/>
+          </a:effectRef>
+          <a:fontRef idx="minor">
+            <a:schemeClr val="tx1"/>
+          </a:fontRef>
+        </p:style>
+      </p:cxnSp>
+      <p:cxnSp>
+        <p:nvCxnSpPr>
+          <p:cNvPr id="18" name="Straight Arrow Connector 17">
+            <a:extLst>
+              <a:ext uri="{FF2B5EF4-FFF2-40B4-BE49-F238E27FC236}">
+                <a16:creationId xmlns:a16="http://schemas.microsoft.com/office/drawing/2014/main" id="{6AB98C33-3FF1-87FF-2212-5FCCA3371095}"/>
+              </a:ext>
+            </a:extLst>
+          </p:cNvPr>
+          <p:cNvCxnSpPr>
+            <a:stCxn id="8" idx="3"/>
+            <a:endCxn id="9" idx="1"/>
+          </p:cNvCxnSpPr>
+          <p:nvPr/>
+        </p:nvCxnSpPr>
+        <p:spPr>
+          <a:xfrm>
+            <a:off x="2566651" y="4005328"/>
+            <a:ext cx="392001" cy="0"/>
+          </a:xfrm>
+          <a:prstGeom prst="straightConnector1">
+            <a:avLst/>
+          </a:prstGeom>
+          <a:ln>
+            <a:tailEnd type="triangle"/>
+          </a:ln>
+        </p:spPr>
+        <p:style>
+          <a:lnRef idx="2">
+            <a:schemeClr val="accent1"/>
+          </a:lnRef>
+          <a:fillRef idx="0">
+            <a:schemeClr val="accent1"/>
+          </a:fillRef>
+          <a:effectRef idx="1">
+            <a:schemeClr val="accent1"/>
+          </a:effectRef>
+          <a:fontRef idx="minor">
+            <a:schemeClr val="tx1"/>
+          </a:fontRef>
+        </p:style>
+      </p:cxnSp>
+      <p:cxnSp>
+        <p:nvCxnSpPr>
+          <p:cNvPr id="19" name="Straight Arrow Connector 18">
+            <a:extLst>
+              <a:ext uri="{FF2B5EF4-FFF2-40B4-BE49-F238E27FC236}">
+                <a16:creationId xmlns:a16="http://schemas.microsoft.com/office/drawing/2014/main" id="{40CDCFEE-B0F1-EA02-BC72-A5A4ACBE6493}"/>
+              </a:ext>
+            </a:extLst>
+          </p:cNvPr>
+          <p:cNvCxnSpPr/>
+          <p:nvPr/>
+        </p:nvCxnSpPr>
+        <p:spPr>
+          <a:xfrm>
+            <a:off x="5121230" y="3977421"/>
+            <a:ext cx="392001" cy="0"/>
+          </a:xfrm>
+          <a:prstGeom prst="straightConnector1">
+            <a:avLst/>
+          </a:prstGeom>
+          <a:ln>
+            <a:tailEnd type="triangle"/>
+          </a:ln>
+        </p:spPr>
+        <p:style>
+          <a:lnRef idx="2">
+            <a:schemeClr val="accent1"/>
+          </a:lnRef>
+          <a:fillRef idx="0">
+            <a:schemeClr val="accent1"/>
+          </a:fillRef>
+          <a:effectRef idx="1">
+            <a:schemeClr val="accent1"/>
+          </a:effectRef>
+          <a:fontRef idx="minor">
+            <a:schemeClr val="tx1"/>
+          </a:fontRef>
+        </p:style>
+      </p:cxnSp>
+      <p:cxnSp>
+        <p:nvCxnSpPr>
+          <p:cNvPr id="20" name="Straight Arrow Connector 19">
+            <a:extLst>
+              <a:ext uri="{FF2B5EF4-FFF2-40B4-BE49-F238E27FC236}">
+                <a16:creationId xmlns:a16="http://schemas.microsoft.com/office/drawing/2014/main" id="{2B3D3DAB-0F60-9458-FA89-5DAA3721506B}"/>
+              </a:ext>
+            </a:extLst>
+          </p:cNvPr>
+          <p:cNvCxnSpPr>
+            <a:cxnSpLocks/>
+            <a:stCxn id="5" idx="2"/>
+            <a:endCxn id="23" idx="0"/>
+          </p:cNvCxnSpPr>
+          <p:nvPr/>
+        </p:nvCxnSpPr>
+        <p:spPr>
+          <a:xfrm flipH="1">
+            <a:off x="9975223" y="5225262"/>
+            <a:ext cx="1" cy="494880"/>
+          </a:xfrm>
+          <a:prstGeom prst="straightConnector1">
+            <a:avLst/>
+          </a:prstGeom>
+          <a:ln>
+            <a:tailEnd type="triangle"/>
+          </a:ln>
+        </p:spPr>
+        <p:style>
+          <a:lnRef idx="2">
+            <a:schemeClr val="accent1"/>
+          </a:lnRef>
+          <a:fillRef idx="0">
+            <a:schemeClr val="accent1"/>
+          </a:fillRef>
+          <a:effectRef idx="1">
+            <a:schemeClr val="accent1"/>
+          </a:effectRef>
+          <a:fontRef idx="minor">
+            <a:schemeClr val="tx1"/>
+          </a:fontRef>
+        </p:style>
+      </p:cxnSp>
+      <p:sp>
+        <p:nvSpPr>
+          <p:cNvPr id="23" name="Rounded Rectangle 22">
+            <a:extLst>
+              <a:ext uri="{FF2B5EF4-FFF2-40B4-BE49-F238E27FC236}">
+                <a16:creationId xmlns:a16="http://schemas.microsoft.com/office/drawing/2014/main" id="{3213F065-2C71-D9C8-816E-A923FF214EAD}"/>
+              </a:ext>
+            </a:extLst>
+          </p:cNvPr>
+          <p:cNvSpPr/>
+          <p:nvPr/>
+        </p:nvSpPr>
+        <p:spPr>
+          <a:xfrm>
+            <a:off x="8893934" y="5720142"/>
+            <a:ext cx="2162577" cy="772733"/>
+          </a:xfrm>
+          <a:prstGeom prst="roundRect">
+            <a:avLst/>
+          </a:prstGeom>
+          <a:solidFill>
+            <a:schemeClr val="tx2">
+              <a:lumMod val="25000"/>
+              <a:lumOff val="75000"/>
+            </a:schemeClr>
+          </a:solidFill>
+          <a:ln>
+            <a:noFill/>
+          </a:ln>
+        </p:spPr>
+        <p:style>
+          <a:lnRef idx="2">
+            <a:schemeClr val="accent1">
+              <a:shade val="15000"/>
+            </a:schemeClr>
+          </a:lnRef>
+          <a:fillRef idx="1">
+            <a:schemeClr val="accent1"/>
+          </a:fillRef>
+          <a:effectRef idx="0">
+            <a:schemeClr val="accent1"/>
+          </a:effectRef>
+          <a:fontRef idx="minor">
+            <a:schemeClr val="lt1"/>
+          </a:fontRef>
+        </p:style>
+        <p:txBody>
+          <a:bodyPr rtlCol="0" anchor="ctr"/>
+          <a:lstStyle/>
+          <a:p>
+            <a:pPr algn="ctr"/>
+            <a:r>
+              <a:rPr lang="en-GB" dirty="0">
+                <a:solidFill>
+                  <a:schemeClr val="tx1"/>
+                </a:solidFill>
+              </a:rPr>
+              <a:t>Best model pulled from S3 when </a:t>
+            </a:r>
+            <a:r>
+              <a:rPr lang="en-GB" dirty="0" err="1">
+                <a:solidFill>
+                  <a:schemeClr val="tx1"/>
+                </a:solidFill>
+              </a:rPr>
+              <a:t>dockerising</a:t>
+            </a:r>
+            <a:r>
+              <a:rPr lang="en-GB" dirty="0">
+                <a:solidFill>
+                  <a:schemeClr val="tx1"/>
+                </a:solidFill>
+              </a:rPr>
+              <a:t> app</a:t>
+            </a:r>
+          </a:p>
+        </p:txBody>
+      </p:sp>
+      <p:cxnSp>
+        <p:nvCxnSpPr>
+          <p:cNvPr id="31" name="Straight Arrow Connector 30">
+            <a:extLst>
+              <a:ext uri="{FF2B5EF4-FFF2-40B4-BE49-F238E27FC236}">
+                <a16:creationId xmlns:a16="http://schemas.microsoft.com/office/drawing/2014/main" id="{E6A749EF-3C91-FD0F-7961-F341F2A974C4}"/>
+              </a:ext>
+            </a:extLst>
+          </p:cNvPr>
+          <p:cNvCxnSpPr>
+            <a:cxnSpLocks/>
+            <a:stCxn id="11" idx="0"/>
+            <a:endCxn id="40" idx="2"/>
+          </p:cNvCxnSpPr>
+          <p:nvPr/>
+        </p:nvCxnSpPr>
+        <p:spPr>
+          <a:xfrm flipH="1" flipV="1">
+            <a:off x="9975222" y="2476295"/>
+            <a:ext cx="2" cy="369933"/>
+          </a:xfrm>
+          <a:prstGeom prst="straightConnector1">
+            <a:avLst/>
+          </a:prstGeom>
+          <a:ln>
+            <a:tailEnd type="triangle"/>
+          </a:ln>
+        </p:spPr>
+        <p:style>
+          <a:lnRef idx="2">
+            <a:schemeClr val="accent1"/>
+          </a:lnRef>
+          <a:fillRef idx="0">
+            <a:schemeClr val="accent1"/>
+          </a:fillRef>
+          <a:effectRef idx="1">
+            <a:schemeClr val="accent1"/>
+          </a:effectRef>
+          <a:fontRef idx="minor">
+            <a:schemeClr val="tx1"/>
+          </a:fontRef>
+        </p:style>
+      </p:cxnSp>
+      <p:sp>
+        <p:nvSpPr>
+          <p:cNvPr id="40" name="Rounded Rectangle 39">
+            <a:extLst>
+              <a:ext uri="{FF2B5EF4-FFF2-40B4-BE49-F238E27FC236}">
+                <a16:creationId xmlns:a16="http://schemas.microsoft.com/office/drawing/2014/main" id="{80973716-72A7-E917-E8E5-BF2ADE46CDC8}"/>
+              </a:ext>
+            </a:extLst>
+          </p:cNvPr>
+          <p:cNvSpPr/>
+          <p:nvPr/>
+        </p:nvSpPr>
+        <p:spPr>
+          <a:xfrm>
+            <a:off x="8893933" y="1703562"/>
+            <a:ext cx="2162577" cy="772733"/>
+          </a:xfrm>
+          <a:prstGeom prst="roundRect">
+            <a:avLst/>
+          </a:prstGeom>
+          <a:solidFill>
+            <a:schemeClr val="tx2">
+              <a:lumMod val="25000"/>
+              <a:lumOff val="75000"/>
+            </a:schemeClr>
+          </a:solidFill>
+          <a:ln>
+            <a:solidFill>
+              <a:schemeClr val="tx2"/>
+            </a:solidFill>
+          </a:ln>
+        </p:spPr>
+        <p:style>
+          <a:lnRef idx="2">
+            <a:schemeClr val="accent1">
+              <a:shade val="15000"/>
+            </a:schemeClr>
+          </a:lnRef>
+          <a:fillRef idx="1">
+            <a:schemeClr val="accent1"/>
+          </a:fillRef>
+          <a:effectRef idx="0">
+            <a:schemeClr val="accent1"/>
+          </a:effectRef>
+          <a:fontRef idx="minor">
+            <a:schemeClr val="lt1"/>
+          </a:fontRef>
+        </p:style>
+        <p:txBody>
+          <a:bodyPr rtlCol="0" anchor="ctr"/>
+          <a:lstStyle/>
+          <a:p>
+            <a:pPr algn="ctr"/>
+            <a:r>
+              <a:rPr lang="en-GB" dirty="0">
+                <a:solidFill>
+                  <a:schemeClr val="tx1"/>
+                </a:solidFill>
+              </a:rPr>
+              <a:t>Use </a:t>
+            </a:r>
+            <a:r>
+              <a:rPr lang="en-GB" dirty="0" err="1">
+                <a:solidFill>
+                  <a:schemeClr val="tx1"/>
+                </a:solidFill>
+              </a:rPr>
+              <a:t>Github</a:t>
+            </a:r>
+            <a:r>
+              <a:rPr lang="en-GB" dirty="0">
+                <a:solidFill>
+                  <a:schemeClr val="tx1"/>
+                </a:solidFill>
+              </a:rPr>
+              <a:t> actions to create MD file for results</a:t>
+            </a:r>
+          </a:p>
+        </p:txBody>
+      </p:sp>
+      <p:cxnSp>
+        <p:nvCxnSpPr>
+          <p:cNvPr id="45" name="Straight Arrow Connector 44">
+            <a:extLst>
+              <a:ext uri="{FF2B5EF4-FFF2-40B4-BE49-F238E27FC236}">
+                <a16:creationId xmlns:a16="http://schemas.microsoft.com/office/drawing/2014/main" id="{36FF0506-910F-8C0C-31FA-49F34FE7FB85}"/>
+              </a:ext>
+            </a:extLst>
+          </p:cNvPr>
+          <p:cNvCxnSpPr>
+            <a:cxnSpLocks/>
+            <a:stCxn id="40" idx="0"/>
+            <a:endCxn id="46" idx="2"/>
+          </p:cNvCxnSpPr>
+          <p:nvPr/>
+        </p:nvCxnSpPr>
+        <p:spPr>
+          <a:xfrm flipV="1">
+            <a:off x="9975222" y="1333629"/>
+            <a:ext cx="0" cy="369933"/>
+          </a:xfrm>
+          <a:prstGeom prst="straightConnector1">
+            <a:avLst/>
+          </a:prstGeom>
+          <a:ln>
+            <a:tailEnd type="triangle"/>
+          </a:ln>
+        </p:spPr>
+        <p:style>
+          <a:lnRef idx="2">
+            <a:schemeClr val="accent1"/>
+          </a:lnRef>
+          <a:fillRef idx="0">
+            <a:schemeClr val="accent1"/>
+          </a:fillRef>
+          <a:effectRef idx="1">
+            <a:schemeClr val="accent1"/>
+          </a:effectRef>
+          <a:fontRef idx="minor">
+            <a:schemeClr val="tx1"/>
+          </a:fontRef>
+        </p:style>
+      </p:cxnSp>
+      <p:sp>
+        <p:nvSpPr>
+          <p:cNvPr id="46" name="Rounded Rectangle 45">
+            <a:extLst>
+              <a:ext uri="{FF2B5EF4-FFF2-40B4-BE49-F238E27FC236}">
+                <a16:creationId xmlns:a16="http://schemas.microsoft.com/office/drawing/2014/main" id="{51AF1A92-1FEE-D339-D59B-A199EA997F30}"/>
+              </a:ext>
+            </a:extLst>
+          </p:cNvPr>
+          <p:cNvSpPr/>
+          <p:nvPr/>
+        </p:nvSpPr>
+        <p:spPr>
+          <a:xfrm>
+            <a:off x="8893933" y="560896"/>
+            <a:ext cx="2162577" cy="772733"/>
+          </a:xfrm>
+          <a:prstGeom prst="roundRect">
+            <a:avLst/>
+          </a:prstGeom>
+          <a:solidFill>
+            <a:schemeClr val="tx2">
+              <a:lumMod val="25000"/>
+              <a:lumOff val="75000"/>
+            </a:schemeClr>
+          </a:solidFill>
+          <a:ln>
+            <a:noFill/>
+          </a:ln>
+        </p:spPr>
+        <p:style>
+          <a:lnRef idx="2">
+            <a:schemeClr val="accent1">
+              <a:shade val="15000"/>
+            </a:schemeClr>
+          </a:lnRef>
+          <a:fillRef idx="1">
+            <a:schemeClr val="accent1"/>
+          </a:fillRef>
+          <a:effectRef idx="0">
+            <a:schemeClr val="accent1"/>
+          </a:effectRef>
+          <a:fontRef idx="minor">
+            <a:schemeClr val="lt1"/>
+          </a:fontRef>
+        </p:style>
+        <p:txBody>
+          <a:bodyPr rtlCol="0" anchor="ctr"/>
+          <a:lstStyle/>
+          <a:p>
+            <a:pPr algn="ctr"/>
+            <a:r>
+              <a:rPr lang="en-GB" dirty="0">
+                <a:solidFill>
+                  <a:schemeClr val="tx1"/>
+                </a:solidFill>
+              </a:rPr>
+              <a:t>Send results to Slack</a:t>
+            </a:r>
           </a:p>
         </p:txBody>
       </p:sp>
     </p:spTree>
     <p:extLst>
       <p:ext uri="{BB962C8B-B14F-4D97-AF65-F5344CB8AC3E}">
-        <p14:creationId xmlns:p14="http://schemas.microsoft.com/office/powerpoint/2010/main" val="3689535318"/>
+        <p14:creationId xmlns:p14="http://schemas.microsoft.com/office/powerpoint/2010/main" val="1775362090"/>
       </p:ext>
     </p:extLst>
   </p:cSld>
@@ -4402,6 +5074,233 @@
           <a:p>
             <a:r>
               <a:rPr lang="en-GB" dirty="0"/>
+              <a:t>CT</a:t>
+            </a:r>
+          </a:p>
+        </p:txBody>
+      </p:sp>
+      <p:sp>
+        <p:nvSpPr>
+          <p:cNvPr id="3" name="Content Placeholder 2">
+            <a:extLst>
+              <a:ext uri="{FF2B5EF4-FFF2-40B4-BE49-F238E27FC236}">
+                <a16:creationId xmlns:a16="http://schemas.microsoft.com/office/drawing/2014/main" id="{B4423546-A7E9-D0C0-C3F6-1997391AD7C0}"/>
+              </a:ext>
+            </a:extLst>
+          </p:cNvPr>
+          <p:cNvSpPr>
+            <a:spLocks noGrp="1"/>
+          </p:cNvSpPr>
+          <p:nvPr>
+            <p:ph idx="1"/>
+          </p:nvPr>
+        </p:nvSpPr>
+        <p:spPr>
+          <a:xfrm>
+            <a:off x="838200" y="1825624"/>
+            <a:ext cx="10515600" cy="5032375"/>
+          </a:xfrm>
+        </p:spPr>
+        <p:txBody>
+          <a:bodyPr>
+            <a:normAutofit fontScale="70000" lnSpcReduction="20000"/>
+          </a:bodyPr>
+          <a:lstStyle/>
+          <a:p>
+            <a:r>
+              <a:rPr lang="en-GB" dirty="0"/>
+              <a:t>[D] Factorise modelling + </a:t>
+            </a:r>
+            <a:r>
+              <a:rPr lang="en-GB" dirty="0" err="1"/>
+              <a:t>MLFlow</a:t>
+            </a:r>
+            <a:r>
+              <a:rPr lang="en-GB" dirty="0"/>
+              <a:t> code, logging results to cloud (Can be prod or </a:t>
+            </a:r>
+            <a:r>
+              <a:rPr lang="en-GB" dirty="0" err="1"/>
+              <a:t>expt</a:t>
+            </a:r>
+            <a:r>
+              <a:rPr lang="en-GB" dirty="0"/>
+              <a:t> – Tags to differentiate)</a:t>
+            </a:r>
+          </a:p>
+          <a:p>
+            <a:pPr lvl="1"/>
+            <a:r>
+              <a:rPr lang="en-GB" b="1" dirty="0"/>
+              <a:t>Objective: Hyperparameter tuning</a:t>
+            </a:r>
+          </a:p>
+          <a:p>
+            <a:r>
+              <a:rPr lang="en-GB" dirty="0"/>
+              <a:t>Retraining based on time/data ingestion @ X time unit</a:t>
+            </a:r>
+          </a:p>
+          <a:p>
+            <a:pPr lvl="1"/>
+            <a:r>
+              <a:rPr lang="en-GB" b="1" dirty="0"/>
+              <a:t>Objective: Let model capture new trends in data</a:t>
+            </a:r>
+          </a:p>
+          <a:p>
+            <a:pPr lvl="1"/>
+            <a:r>
+              <a:rPr lang="en-GB" dirty="0"/>
+              <a:t>Separate script which uses the same hyperparameters from experimentation (local), but does the comparison and retraining on AWS (Lambda?) </a:t>
+            </a:r>
+          </a:p>
+          <a:p>
+            <a:pPr lvl="1"/>
+            <a:r>
+              <a:rPr lang="en-GB" dirty="0"/>
+              <a:t>? Need to come up with the final model, trained on all data</a:t>
+            </a:r>
+          </a:p>
+          <a:p>
+            <a:pPr lvl="2"/>
+            <a:r>
+              <a:rPr lang="en-GB" dirty="0"/>
+              <a:t>Or is it still need a holdout set?</a:t>
+            </a:r>
+          </a:p>
+          <a:p>
+            <a:pPr lvl="2"/>
+            <a:r>
+              <a:rPr lang="en-GB" dirty="0"/>
+              <a:t>Train on 1~ T-1 week, test on T-1 week ~T (Is 1 week enough?)</a:t>
+            </a:r>
+          </a:p>
+          <a:p>
+            <a:pPr lvl="1"/>
+            <a:r>
+              <a:rPr lang="en-GB" dirty="0"/>
+              <a:t>Need to process data to output the delta for testing </a:t>
+            </a:r>
+            <a:r>
+              <a:rPr lang="en-GB" dirty="0">
+                <a:sym typeface="Wingdings" pitchFamily="2" charset="2"/>
+              </a:rPr>
+              <a:t> Correspond to frequency of pulling data, which corresponds to how often the data is updated</a:t>
+            </a:r>
+          </a:p>
+          <a:p>
+            <a:pPr lvl="1"/>
+            <a:r>
+              <a:rPr lang="en-GB" dirty="0"/>
+              <a:t>Can implement A/B testing afterwards to check if there is indeed and improvement over the old model. Do not deploy if performance drops</a:t>
+            </a:r>
+          </a:p>
+          <a:p>
+            <a:pPr lvl="2"/>
+            <a:r>
+              <a:rPr lang="en-GB" dirty="0"/>
+              <a:t>Still necessary to compare 5 fold CV in addition to test set?</a:t>
+            </a:r>
+          </a:p>
+          <a:p>
+            <a:pPr lvl="2"/>
+            <a:r>
+              <a:rPr lang="en-GB" dirty="0"/>
+              <a:t>Pseudo-Canary testing?</a:t>
+            </a:r>
+          </a:p>
+          <a:p>
+            <a:pPr lvl="2"/>
+            <a:r>
+              <a:rPr lang="en-GB" dirty="0"/>
+              <a:t>Can find hard quality gates here: https://</a:t>
+            </a:r>
+            <a:r>
+              <a:rPr lang="en-GB" dirty="0" err="1"/>
+              <a:t>mlflow.org</a:t>
+            </a:r>
+            <a:r>
+              <a:rPr lang="en-GB" dirty="0"/>
+              <a:t>/docs/3.1.3/ml/evaluation/model-eval/</a:t>
+            </a:r>
+          </a:p>
+          <a:p>
+            <a:r>
+              <a:rPr lang="en-GB" dirty="0"/>
+              <a:t>Find a way to push to production automatically, while involving </a:t>
+            </a:r>
+            <a:r>
+              <a:rPr lang="en-GB" dirty="0" err="1"/>
+              <a:t>MLFlow</a:t>
+            </a:r>
+            <a:r>
+              <a:rPr lang="en-GB" dirty="0"/>
+              <a:t> (have to do the tagging/aliasing automatically). Need to push the model to AWS ECS at the moment as well </a:t>
+            </a:r>
+            <a:r>
+              <a:rPr lang="en-GB" dirty="0">
+                <a:sym typeface="Wingdings" pitchFamily="2" charset="2"/>
+              </a:rPr>
+              <a:t> needs more thinking!</a:t>
+            </a:r>
+            <a:endParaRPr lang="en-GB" dirty="0"/>
+          </a:p>
+        </p:txBody>
+      </p:sp>
+    </p:spTree>
+    <p:extLst>
+      <p:ext uri="{BB962C8B-B14F-4D97-AF65-F5344CB8AC3E}">
+        <p14:creationId xmlns:p14="http://schemas.microsoft.com/office/powerpoint/2010/main" val="3689535318"/>
+      </p:ext>
+    </p:extLst>
+  </p:cSld>
+  <p:clrMapOvr>
+    <a:masterClrMapping/>
+  </p:clrMapOvr>
+</p:sld>
+</file>
+
+<file path=ppt/slides/slide12.xml><?xml version="1.0" encoding="utf-8"?>
+<p:sld xmlns:a="http://schemas.openxmlformats.org/drawingml/2006/main" xmlns:r="http://schemas.openxmlformats.org/officeDocument/2006/relationships" xmlns:p="http://schemas.openxmlformats.org/presentationml/2006/main">
+  <p:cSld>
+    <p:spTree>
+      <p:nvGrpSpPr>
+        <p:cNvPr id="1" name=""/>
+        <p:cNvGrpSpPr/>
+        <p:nvPr/>
+      </p:nvGrpSpPr>
+      <p:grpSpPr>
+        <a:xfrm>
+          <a:off x="0" y="0"/>
+          <a:ext cx="0" cy="0"/>
+          <a:chOff x="0" y="0"/>
+          <a:chExt cx="0" cy="0"/>
+        </a:xfrm>
+      </p:grpSpPr>
+      <p:sp>
+        <p:nvSpPr>
+          <p:cNvPr id="2" name="Title 1">
+            <a:extLst>
+              <a:ext uri="{FF2B5EF4-FFF2-40B4-BE49-F238E27FC236}">
+                <a16:creationId xmlns:a16="http://schemas.microsoft.com/office/drawing/2014/main" id="{786686E8-215A-5475-0873-B4055D121F8F}"/>
+              </a:ext>
+            </a:extLst>
+          </p:cNvPr>
+          <p:cNvSpPr>
+            <a:spLocks noGrp="1"/>
+          </p:cNvSpPr>
+          <p:nvPr>
+            <p:ph type="title"/>
+          </p:nvPr>
+        </p:nvSpPr>
+        <p:spPr/>
+        <p:txBody>
+          <a:bodyPr/>
+          <a:lstStyle/>
+          <a:p>
+            <a:r>
+              <a:rPr lang="en-GB" dirty="0"/>
               <a:t>CT (Extras)</a:t>
             </a:r>
           </a:p>
@@ -4471,7 +5370,7 @@
 </p:sld>
 </file>
 
-<file path=ppt/slides/slide12.xml><?xml version="1.0" encoding="utf-8"?>
+<file path=ppt/slides/slide13.xml><?xml version="1.0" encoding="utf-8"?>
 <p:sld xmlns:a="http://schemas.openxmlformats.org/drawingml/2006/main" xmlns:r="http://schemas.openxmlformats.org/officeDocument/2006/relationships" xmlns:p="http://schemas.openxmlformats.org/presentationml/2006/main">
   <p:cSld>
     <p:spTree>
@@ -8206,7 +9105,7 @@
           <p:cNvPr id="2" name="Title 1">
             <a:extLst>
               <a:ext uri="{FF2B5EF4-FFF2-40B4-BE49-F238E27FC236}">
-                <a16:creationId xmlns:a16="http://schemas.microsoft.com/office/drawing/2014/main" id="{AF9DBC8A-43C7-4CED-1A5A-9AB285827153}"/>
+                <a16:creationId xmlns:a16="http://schemas.microsoft.com/office/drawing/2014/main" id="{18D502F3-83A5-8ADC-182A-57C9F15680EE}"/>
               </a:ext>
             </a:extLst>
           </p:cNvPr>
@@ -8223,131 +9122,284 @@
           <a:lstStyle/>
           <a:p>
             <a:r>
+              <a:rPr lang="en-GB" dirty="0" err="1"/>
+              <a:t>Github</a:t>
+            </a:r>
+            <a:r>
               <a:rPr lang="en-GB" dirty="0"/>
-              <a:t>TODO - Extras</a:t>
-            </a:r>
-          </a:p>
-        </p:txBody>
-      </p:sp>
-      <p:sp>
-        <p:nvSpPr>
-          <p:cNvPr id="3" name="Content Placeholder 2">
-            <a:extLst>
-              <a:ext uri="{FF2B5EF4-FFF2-40B4-BE49-F238E27FC236}">
-                <a16:creationId xmlns:a16="http://schemas.microsoft.com/office/drawing/2014/main" id="{75AE5FEA-050D-AE53-B7C2-AA771027014E}"/>
-              </a:ext>
-            </a:extLst>
-          </p:cNvPr>
-          <p:cNvSpPr>
-            <a:spLocks noGrp="1"/>
-          </p:cNvSpPr>
-          <p:nvPr>
-            <p:ph idx="1"/>
-          </p:nvPr>
-        </p:nvSpPr>
+              <a:t> OIDC</a:t>
+            </a:r>
+          </a:p>
+        </p:txBody>
+      </p:sp>
+      <p:pic>
+        <p:nvPicPr>
+          <p:cNvPr id="1026" name="Picture 2" descr="OpenID Connect - GitHub Docs">
+            <a:extLst>
+              <a:ext uri="{FF2B5EF4-FFF2-40B4-BE49-F238E27FC236}">
+                <a16:creationId xmlns:a16="http://schemas.microsoft.com/office/drawing/2014/main" id="{4F9937C5-86B9-940C-8605-16A3EF2301A3}"/>
+              </a:ext>
+            </a:extLst>
+          </p:cNvPr>
+          <p:cNvPicPr>
+            <a:picLocks noChangeAspect="1" noChangeArrowheads="1"/>
+          </p:cNvPicPr>
+          <p:nvPr/>
+        </p:nvPicPr>
+        <p:blipFill>
+          <a:blip r:embed="rId2">
+            <a:extLst>
+              <a:ext uri="{28A0092B-C50C-407E-A947-70E740481C1C}">
+                <a14:useLocalDpi xmlns:a14="http://schemas.microsoft.com/office/drawing/2010/main" val="0"/>
+              </a:ext>
+            </a:extLst>
+          </a:blip>
+          <a:srcRect/>
+          <a:stretch>
+            <a:fillRect/>
+          </a:stretch>
+        </p:blipFill>
+        <p:spPr bwMode="auto">
+          <a:xfrm>
+            <a:off x="1654929" y="1593130"/>
+            <a:ext cx="8573288" cy="2910229"/>
+          </a:xfrm>
+          <a:prstGeom prst="rect">
+            <a:avLst/>
+          </a:prstGeom>
+          <a:noFill/>
+          <a:extLst>
+            <a:ext uri="{909E8E84-426E-40DD-AFC4-6F175D3DCCD1}">
+              <a14:hiddenFill xmlns:a14="http://schemas.microsoft.com/office/drawing/2010/main">
+                <a:solidFill>
+                  <a:srgbClr val="FFFFFF"/>
+                </a:solidFill>
+              </a14:hiddenFill>
+            </a:ext>
+          </a:extLst>
+        </p:spPr>
+      </p:pic>
+      <p:cxnSp>
+        <p:nvCxnSpPr>
+          <p:cNvPr id="18" name="Straight Arrow Connector 17">
+            <a:extLst>
+              <a:ext uri="{FF2B5EF4-FFF2-40B4-BE49-F238E27FC236}">
+                <a16:creationId xmlns:a16="http://schemas.microsoft.com/office/drawing/2014/main" id="{2077AEBC-B0CC-0CE8-AAAD-7D3FBBCE37DC}"/>
+              </a:ext>
+            </a:extLst>
+          </p:cNvPr>
+          <p:cNvCxnSpPr/>
+          <p:nvPr/>
+        </p:nvCxnSpPr>
         <p:spPr>
           <a:xfrm>
-            <a:off x="838200" y="1690688"/>
-            <a:ext cx="10515600" cy="5167312"/>
+            <a:off x="9222377" y="3592286"/>
+            <a:ext cx="0" cy="1449977"/>
           </a:xfrm>
+          <a:prstGeom prst="straightConnector1">
+            <a:avLst/>
+          </a:prstGeom>
+          <a:ln>
+            <a:tailEnd type="triangle"/>
+          </a:ln>
         </p:spPr>
-        <p:txBody>
-          <a:bodyPr>
-            <a:normAutofit/>
+        <p:style>
+          <a:lnRef idx="2">
+            <a:schemeClr val="accent1"/>
+          </a:lnRef>
+          <a:fillRef idx="0">
+            <a:schemeClr val="accent1"/>
+          </a:fillRef>
+          <a:effectRef idx="1">
+            <a:schemeClr val="accent1"/>
+          </a:effectRef>
+          <a:fontRef idx="minor">
+            <a:schemeClr val="tx1"/>
+          </a:fontRef>
+        </p:style>
+      </p:cxnSp>
+      <p:sp>
+        <p:nvSpPr>
+          <p:cNvPr id="19" name="Rectangle 18">
+            <a:extLst>
+              <a:ext uri="{FF2B5EF4-FFF2-40B4-BE49-F238E27FC236}">
+                <a16:creationId xmlns:a16="http://schemas.microsoft.com/office/drawing/2014/main" id="{0F8D3F2B-A113-E74D-560E-C2D070BCA5C8}"/>
+              </a:ext>
+            </a:extLst>
+          </p:cNvPr>
+          <p:cNvSpPr/>
+          <p:nvPr/>
+        </p:nvSpPr>
+        <p:spPr>
+          <a:xfrm>
+            <a:off x="8151222" y="5042263"/>
+            <a:ext cx="2076995" cy="849086"/>
+          </a:xfrm>
+          <a:prstGeom prst="rect">
+            <a:avLst/>
+          </a:prstGeom>
+        </p:spPr>
+        <p:style>
+          <a:lnRef idx="2">
+            <a:schemeClr val="accent1">
+              <a:shade val="15000"/>
+            </a:schemeClr>
+          </a:lnRef>
+          <a:fillRef idx="1">
+            <a:schemeClr val="accent1"/>
+          </a:fillRef>
+          <a:effectRef idx="0">
+            <a:schemeClr val="accent1"/>
+          </a:effectRef>
+          <a:fontRef idx="minor">
+            <a:schemeClr val="lt1"/>
+          </a:fontRef>
+        </p:style>
+        <p:txBody>
+          <a:bodyPr rtlCol="0" anchor="ctr"/>
+          <a:lstStyle/>
+          <a:p>
+            <a:pPr algn="ctr"/>
+            <a:r>
+              <a:rPr lang="en-GB" dirty="0"/>
+              <a:t>AWS Service (needs to be able to assume role)</a:t>
+            </a:r>
+          </a:p>
+        </p:txBody>
+      </p:sp>
+      <p:cxnSp>
+        <p:nvCxnSpPr>
+          <p:cNvPr id="21" name="Elbow Connector 20">
+            <a:extLst>
+              <a:ext uri="{FF2B5EF4-FFF2-40B4-BE49-F238E27FC236}">
+                <a16:creationId xmlns:a16="http://schemas.microsoft.com/office/drawing/2014/main" id="{3726D0C7-AF1F-FCEF-86BF-9BD41ED32AD2}"/>
+              </a:ext>
+            </a:extLst>
+          </p:cNvPr>
+          <p:cNvCxnSpPr>
+            <a:endCxn id="19" idx="1"/>
+          </p:cNvCxnSpPr>
+          <p:nvPr/>
+        </p:nvCxnSpPr>
+        <p:spPr>
+          <a:xfrm>
+            <a:off x="2769326" y="4503359"/>
+            <a:ext cx="5381896" cy="963447"/>
+          </a:xfrm>
+          <a:prstGeom prst="bentConnector3">
+            <a:avLst>
+              <a:gd name="adj1" fmla="val 243"/>
+            </a:avLst>
+          </a:prstGeom>
+          <a:ln>
+            <a:tailEnd type="triangle"/>
+          </a:ln>
+        </p:spPr>
+        <p:style>
+          <a:lnRef idx="2">
+            <a:schemeClr val="accent1"/>
+          </a:lnRef>
+          <a:fillRef idx="0">
+            <a:schemeClr val="accent1"/>
+          </a:fillRef>
+          <a:effectRef idx="1">
+            <a:schemeClr val="accent1"/>
+          </a:effectRef>
+          <a:fontRef idx="minor">
+            <a:schemeClr val="tx1"/>
+          </a:fontRef>
+        </p:style>
+      </p:cxnSp>
+      <p:sp>
+        <p:nvSpPr>
+          <p:cNvPr id="23" name="TextBox 22">
+            <a:extLst>
+              <a:ext uri="{FF2B5EF4-FFF2-40B4-BE49-F238E27FC236}">
+                <a16:creationId xmlns:a16="http://schemas.microsoft.com/office/drawing/2014/main" id="{A4EB1929-01B6-8D2E-375F-1C63F0CFDB21}"/>
+              </a:ext>
+            </a:extLst>
+          </p:cNvPr>
+          <p:cNvSpPr txBox="1"/>
+          <p:nvPr/>
+        </p:nvSpPr>
+        <p:spPr>
+          <a:xfrm>
+            <a:off x="9359536" y="3717109"/>
+            <a:ext cx="2076991" cy="1200329"/>
+          </a:xfrm>
+          <a:prstGeom prst="rect">
+            <a:avLst/>
+          </a:prstGeom>
+          <a:noFill/>
+        </p:spPr>
+        <p:txBody>
+          <a:bodyPr wrap="square" rtlCol="0">
+            <a:spAutoFit/>
           </a:bodyPr>
           <a:lstStyle/>
           <a:p>
             <a:r>
-              <a:rPr lang="en-GB" dirty="0">
-                <a:sym typeface="Wingdings" pitchFamily="2" charset="2"/>
-              </a:rPr>
-              <a:t>Zeng the reported metrics</a:t>
-            </a:r>
-          </a:p>
-          <a:p>
-            <a:r>
-              <a:rPr lang="en-GB" dirty="0">
-                <a:sym typeface="Wingdings" pitchFamily="2" charset="2"/>
-              </a:rPr>
-              <a:t>Do hyperparameter tuning separately</a:t>
-            </a:r>
-          </a:p>
-          <a:p>
-            <a:r>
-              <a:rPr lang="en-GB" dirty="0">
-                <a:sym typeface="Wingdings" pitchFamily="2" charset="2"/>
-              </a:rPr>
-              <a:t>See if can combine with </a:t>
-            </a:r>
-            <a:r>
-              <a:rPr lang="en-GB" dirty="0" err="1">
-                <a:sym typeface="Wingdings" pitchFamily="2" charset="2"/>
-              </a:rPr>
-              <a:t>MLFlow</a:t>
-            </a:r>
-            <a:endParaRPr lang="en-GB" dirty="0">
-              <a:sym typeface="Wingdings" pitchFamily="2" charset="2"/>
-            </a:endParaRPr>
-          </a:p>
-          <a:p>
-            <a:r>
-              <a:rPr lang="en-GB" dirty="0">
-                <a:sym typeface="Wingdings" pitchFamily="2" charset="2"/>
-              </a:rPr>
-              <a:t>Logging (if have time). Get </a:t>
-            </a:r>
-            <a:r>
-              <a:rPr lang="en-GB" dirty="0" err="1">
-                <a:sym typeface="Wingdings" pitchFamily="2" charset="2"/>
-              </a:rPr>
-              <a:t>chatGPT</a:t>
-            </a:r>
-            <a:r>
-              <a:rPr lang="en-GB" dirty="0">
-                <a:sym typeface="Wingdings" pitchFamily="2" charset="2"/>
-              </a:rPr>
-              <a:t> to suggest. Used with AWS </a:t>
-            </a:r>
-            <a:r>
-              <a:rPr lang="en-GB" dirty="0" err="1">
-                <a:sym typeface="Wingdings" pitchFamily="2" charset="2"/>
-              </a:rPr>
-              <a:t>cloudwatch</a:t>
-            </a:r>
-            <a:r>
-              <a:rPr lang="en-GB" dirty="0">
-                <a:sym typeface="Wingdings" pitchFamily="2" charset="2"/>
-              </a:rPr>
-              <a:t>, but watch the costs involved. http://</a:t>
-            </a:r>
-            <a:r>
-              <a:rPr lang="en-GB" dirty="0" err="1">
-                <a:sym typeface="Wingdings" pitchFamily="2" charset="2"/>
-              </a:rPr>
-              <a:t>logging.apache.org</a:t>
-            </a:r>
-            <a:r>
-              <a:rPr lang="en-GB" dirty="0">
-                <a:sym typeface="Wingdings" pitchFamily="2" charset="2"/>
-              </a:rPr>
-              <a:t>/log4j/1.2/</a:t>
-            </a:r>
-            <a:r>
-              <a:rPr lang="en-GB" dirty="0" err="1">
-                <a:sym typeface="Wingdings" pitchFamily="2" charset="2"/>
-              </a:rPr>
-              <a:t>manual.html</a:t>
-            </a:r>
-            <a:endParaRPr lang="en-GB" dirty="0">
-              <a:sym typeface="Wingdings" pitchFamily="2" charset="2"/>
-            </a:endParaRPr>
+              <a:rPr lang="en-GB" dirty="0" err="1"/>
+              <a:t>Github</a:t>
+            </a:r>
+            <a:r>
+              <a:rPr lang="en-GB" dirty="0"/>
+              <a:t> action accesses service using the </a:t>
+            </a:r>
+            <a:r>
+              <a:rPr lang="en-GB" dirty="0" err="1"/>
+              <a:t>Github</a:t>
+            </a:r>
+            <a:r>
+              <a:rPr lang="en-GB"/>
+              <a:t> role </a:t>
+            </a:r>
+            <a:r>
+              <a:rPr lang="en-GB" dirty="0"/>
+              <a:t>assumed </a:t>
+            </a:r>
+          </a:p>
+        </p:txBody>
+      </p:sp>
+      <p:sp>
+        <p:nvSpPr>
+          <p:cNvPr id="24" name="TextBox 23">
+            <a:extLst>
+              <a:ext uri="{FF2B5EF4-FFF2-40B4-BE49-F238E27FC236}">
+                <a16:creationId xmlns:a16="http://schemas.microsoft.com/office/drawing/2014/main" id="{213BE999-CDCF-A287-5350-80FF16AD9CE2}"/>
+              </a:ext>
+            </a:extLst>
+          </p:cNvPr>
+          <p:cNvSpPr txBox="1"/>
+          <p:nvPr/>
+        </p:nvSpPr>
+        <p:spPr>
+          <a:xfrm>
+            <a:off x="4569973" y="4866641"/>
+            <a:ext cx="2797478" cy="923330"/>
+          </a:xfrm>
+          <a:prstGeom prst="rect">
+            <a:avLst/>
+          </a:prstGeom>
+          <a:noFill/>
+        </p:spPr>
+        <p:txBody>
+          <a:bodyPr wrap="square" rtlCol="0">
+            <a:spAutoFit/>
+          </a:bodyPr>
+          <a:lstStyle/>
+          <a:p>
+            <a:r>
+              <a:rPr lang="en-GB" dirty="0"/>
+              <a:t>With role given which already trusts OIDC in a federated way</a:t>
+            </a:r>
           </a:p>
         </p:txBody>
       </p:sp>
     </p:spTree>
     <p:extLst>
       <p:ext uri="{BB962C8B-B14F-4D97-AF65-F5344CB8AC3E}">
-        <p14:creationId xmlns:p14="http://schemas.microsoft.com/office/powerpoint/2010/main" val="2450686333"/>
+        <p14:creationId xmlns:p14="http://schemas.microsoft.com/office/powerpoint/2010/main" val="3008732277"/>
       </p:ext>
     </p:extLst>
   </p:cSld>
@@ -8379,7 +9431,7 @@
           <p:cNvPr id="2" name="Title 1">
             <a:extLst>
               <a:ext uri="{FF2B5EF4-FFF2-40B4-BE49-F238E27FC236}">
-                <a16:creationId xmlns:a16="http://schemas.microsoft.com/office/drawing/2014/main" id="{980208A4-9586-F936-9663-BC044141A40B}"/>
+                <a16:creationId xmlns:a16="http://schemas.microsoft.com/office/drawing/2014/main" id="{AF9DBC8A-43C7-4CED-1A5A-9AB285827153}"/>
               </a:ext>
             </a:extLst>
           </p:cNvPr>
@@ -8397,855 +9449,130 @@
           <a:p>
             <a:r>
               <a:rPr lang="en-GB" dirty="0"/>
-              <a:t>Architecture for training on cloud</a:t>
-            </a:r>
-          </a:p>
-        </p:txBody>
-      </p:sp>
-      <p:sp>
-        <p:nvSpPr>
-          <p:cNvPr id="4" name="Rounded Rectangle 3">
-            <a:extLst>
-              <a:ext uri="{FF2B5EF4-FFF2-40B4-BE49-F238E27FC236}">
-                <a16:creationId xmlns:a16="http://schemas.microsoft.com/office/drawing/2014/main" id="{34391F64-C5C2-F623-071E-13D1E59EB0D1}"/>
-              </a:ext>
-            </a:extLst>
-          </p:cNvPr>
-          <p:cNvSpPr/>
-          <p:nvPr/>
+              <a:t>TODO - Extras</a:t>
+            </a:r>
+          </a:p>
+        </p:txBody>
+      </p:sp>
+      <p:sp>
+        <p:nvSpPr>
+          <p:cNvPr id="3" name="Content Placeholder 2">
+            <a:extLst>
+              <a:ext uri="{FF2B5EF4-FFF2-40B4-BE49-F238E27FC236}">
+                <a16:creationId xmlns:a16="http://schemas.microsoft.com/office/drawing/2014/main" id="{75AE5FEA-050D-AE53-B7C2-AA771027014E}"/>
+              </a:ext>
+            </a:extLst>
+          </p:cNvPr>
+          <p:cNvSpPr>
+            <a:spLocks noGrp="1"/>
+          </p:cNvSpPr>
+          <p:nvPr>
+            <p:ph idx="1"/>
+          </p:nvPr>
         </p:nvSpPr>
         <p:spPr>
           <a:xfrm>
-            <a:off x="5513231" y="3618961"/>
-            <a:ext cx="2162577" cy="772733"/>
+            <a:off x="838200" y="1690688"/>
+            <a:ext cx="10515600" cy="5167312"/>
           </a:xfrm>
-          <a:prstGeom prst="roundRect">
-            <a:avLst/>
-          </a:prstGeom>
-          <a:solidFill>
-            <a:schemeClr val="tx2">
-              <a:lumMod val="25000"/>
-              <a:lumOff val="75000"/>
-            </a:schemeClr>
-          </a:solidFill>
-          <a:ln>
-            <a:solidFill>
-              <a:schemeClr val="accent2"/>
-            </a:solidFill>
-          </a:ln>
         </p:spPr>
-        <p:style>
-          <a:lnRef idx="2">
-            <a:schemeClr val="accent1">
-              <a:shade val="15000"/>
-            </a:schemeClr>
-          </a:lnRef>
-          <a:fillRef idx="1">
-            <a:schemeClr val="accent1"/>
-          </a:fillRef>
-          <a:effectRef idx="0">
-            <a:schemeClr val="accent1"/>
-          </a:effectRef>
-          <a:fontRef idx="minor">
-            <a:schemeClr val="lt1"/>
-          </a:fontRef>
-        </p:style>
-        <p:txBody>
-          <a:bodyPr rtlCol="0" anchor="ctr"/>
-          <a:lstStyle/>
-          <a:p>
-            <a:pPr algn="ctr"/>
+        <p:txBody>
+          <a:bodyPr>
+            <a:normAutofit/>
+          </a:bodyPr>
+          <a:lstStyle/>
+          <a:p>
             <a:r>
               <a:rPr lang="en-GB" dirty="0">
-                <a:solidFill>
-                  <a:schemeClr val="tx1"/>
-                </a:solidFill>
+                <a:sym typeface="Wingdings" pitchFamily="2" charset="2"/>
               </a:rPr>
-              <a:t>Cross-validation on one Lambda</a:t>
-            </a:r>
-          </a:p>
-        </p:txBody>
-      </p:sp>
-      <p:sp>
-        <p:nvSpPr>
-          <p:cNvPr id="5" name="Rounded Rectangle 4">
-            <a:extLst>
-              <a:ext uri="{FF2B5EF4-FFF2-40B4-BE49-F238E27FC236}">
-                <a16:creationId xmlns:a16="http://schemas.microsoft.com/office/drawing/2014/main" id="{C3DCB387-2AF5-32F3-9B7B-4BCF9CEC6991}"/>
-              </a:ext>
-            </a:extLst>
-          </p:cNvPr>
-          <p:cNvSpPr/>
-          <p:nvPr/>
-        </p:nvSpPr>
-        <p:spPr>
-          <a:xfrm>
-            <a:off x="8893935" y="4452529"/>
-            <a:ext cx="2162577" cy="772733"/>
-          </a:xfrm>
-          <a:prstGeom prst="roundRect">
-            <a:avLst/>
-          </a:prstGeom>
-          <a:solidFill>
-            <a:schemeClr val="tx2">
-              <a:lumMod val="25000"/>
-              <a:lumOff val="75000"/>
-            </a:schemeClr>
-          </a:solidFill>
-          <a:ln>
-            <a:solidFill>
-              <a:srgbClr val="FF0000"/>
-            </a:solidFill>
-          </a:ln>
-        </p:spPr>
-        <p:style>
-          <a:lnRef idx="2">
-            <a:schemeClr val="accent1">
-              <a:shade val="15000"/>
-            </a:schemeClr>
-          </a:lnRef>
-          <a:fillRef idx="1">
-            <a:schemeClr val="accent1"/>
-          </a:fillRef>
-          <a:effectRef idx="0">
-            <a:schemeClr val="accent1"/>
-          </a:effectRef>
-          <a:fontRef idx="minor">
-            <a:schemeClr val="lt1"/>
-          </a:fontRef>
-        </p:style>
-        <p:txBody>
-          <a:bodyPr rtlCol="0" anchor="ctr"/>
-          <a:lstStyle/>
-          <a:p>
-            <a:pPr algn="ctr"/>
+              <a:t>Zeng the reported metrics</a:t>
+            </a:r>
+          </a:p>
+          <a:p>
             <a:r>
               <a:rPr lang="en-GB" dirty="0">
-                <a:solidFill>
-                  <a:schemeClr val="tx1"/>
-                </a:solidFill>
+                <a:sym typeface="Wingdings" pitchFamily="2" charset="2"/>
               </a:rPr>
-              <a:t>Upload best model to S3</a:t>
-            </a:r>
-          </a:p>
-        </p:txBody>
-      </p:sp>
-      <p:sp>
-        <p:nvSpPr>
-          <p:cNvPr id="8" name="Rounded Rectangle 7">
-            <a:extLst>
-              <a:ext uri="{FF2B5EF4-FFF2-40B4-BE49-F238E27FC236}">
-                <a16:creationId xmlns:a16="http://schemas.microsoft.com/office/drawing/2014/main" id="{0856A209-538D-DA17-EE82-7841A740EAE7}"/>
-              </a:ext>
-            </a:extLst>
-          </p:cNvPr>
-          <p:cNvSpPr/>
-          <p:nvPr/>
-        </p:nvSpPr>
-        <p:spPr>
-          <a:xfrm>
-            <a:off x="404074" y="3618961"/>
-            <a:ext cx="2162577" cy="772733"/>
-          </a:xfrm>
-          <a:prstGeom prst="roundRect">
-            <a:avLst/>
-          </a:prstGeom>
-          <a:solidFill>
-            <a:schemeClr val="tx2">
-              <a:lumMod val="25000"/>
-              <a:lumOff val="75000"/>
-            </a:schemeClr>
-          </a:solidFill>
-          <a:ln>
-            <a:solidFill>
-              <a:schemeClr val="tx2"/>
-            </a:solidFill>
-          </a:ln>
-        </p:spPr>
-        <p:style>
-          <a:lnRef idx="2">
-            <a:schemeClr val="accent1">
-              <a:shade val="15000"/>
-            </a:schemeClr>
-          </a:lnRef>
-          <a:fillRef idx="1">
-            <a:schemeClr val="accent1"/>
-          </a:fillRef>
-          <a:effectRef idx="0">
-            <a:schemeClr val="accent1"/>
-          </a:effectRef>
-          <a:fontRef idx="minor">
-            <a:schemeClr val="lt1"/>
-          </a:fontRef>
-        </p:style>
-        <p:txBody>
-          <a:bodyPr rtlCol="0" anchor="ctr"/>
-          <a:lstStyle/>
-          <a:p>
-            <a:pPr algn="ctr"/>
+              <a:t>Do hyperparameter tuning separately</a:t>
+            </a:r>
+          </a:p>
+          <a:p>
+            <a:r>
+              <a:rPr lang="en-GB" dirty="0">
+                <a:sym typeface="Wingdings" pitchFamily="2" charset="2"/>
+              </a:rPr>
+              <a:t>See if can combine with </a:t>
+            </a:r>
             <a:r>
               <a:rPr lang="en-GB" dirty="0" err="1">
-                <a:solidFill>
-                  <a:schemeClr val="tx1"/>
-                </a:solidFill>
+                <a:sym typeface="Wingdings" pitchFamily="2" charset="2"/>
               </a:rPr>
-              <a:t>Github</a:t>
-            </a:r>
+              <a:t>MLFlow</a:t>
+            </a:r>
+            <a:endParaRPr lang="en-GB" dirty="0">
+              <a:sym typeface="Wingdings" pitchFamily="2" charset="2"/>
+            </a:endParaRPr>
+          </a:p>
+          <a:p>
             <a:r>
               <a:rPr lang="en-GB" dirty="0">
-                <a:solidFill>
-                  <a:schemeClr val="tx1"/>
-                </a:solidFill>
+                <a:sym typeface="Wingdings" pitchFamily="2" charset="2"/>
               </a:rPr>
-              <a:t> actions check for new parameters</a:t>
-            </a:r>
-          </a:p>
-        </p:txBody>
-      </p:sp>
-      <p:sp>
-        <p:nvSpPr>
-          <p:cNvPr id="9" name="Rounded Rectangle 8">
-            <a:extLst>
-              <a:ext uri="{FF2B5EF4-FFF2-40B4-BE49-F238E27FC236}">
-                <a16:creationId xmlns:a16="http://schemas.microsoft.com/office/drawing/2014/main" id="{5E6ADAEA-ADC2-EB35-46D6-05FC903CB2F2}"/>
-              </a:ext>
-            </a:extLst>
-          </p:cNvPr>
-          <p:cNvSpPr/>
-          <p:nvPr/>
-        </p:nvSpPr>
-        <p:spPr>
-          <a:xfrm>
-            <a:off x="2958652" y="3618961"/>
-            <a:ext cx="2162577" cy="772733"/>
-          </a:xfrm>
-          <a:prstGeom prst="roundRect">
-            <a:avLst/>
-          </a:prstGeom>
-          <a:solidFill>
-            <a:schemeClr val="tx2">
-              <a:lumMod val="25000"/>
-              <a:lumOff val="75000"/>
-            </a:schemeClr>
-          </a:solidFill>
-          <a:ln>
-            <a:noFill/>
-          </a:ln>
-        </p:spPr>
-        <p:style>
-          <a:lnRef idx="2">
-            <a:schemeClr val="accent1">
-              <a:shade val="15000"/>
-            </a:schemeClr>
-          </a:lnRef>
-          <a:fillRef idx="1">
-            <a:schemeClr val="accent1"/>
-          </a:fillRef>
-          <a:effectRef idx="0">
-            <a:schemeClr val="accent1"/>
-          </a:effectRef>
-          <a:fontRef idx="minor">
-            <a:schemeClr val="lt1"/>
-          </a:fontRef>
-        </p:style>
-        <p:txBody>
-          <a:bodyPr rtlCol="0" anchor="ctr"/>
-          <a:lstStyle/>
-          <a:p>
-            <a:pPr algn="ctr"/>
+              <a:t>Logging (if have time). Get </a:t>
+            </a:r>
+            <a:r>
+              <a:rPr lang="en-GB" dirty="0" err="1">
+                <a:sym typeface="Wingdings" pitchFamily="2" charset="2"/>
+              </a:rPr>
+              <a:t>chatGPT</a:t>
+            </a:r>
             <a:r>
               <a:rPr lang="en-GB" dirty="0">
-                <a:solidFill>
-                  <a:schemeClr val="tx1"/>
-                </a:solidFill>
+                <a:sym typeface="Wingdings" pitchFamily="2" charset="2"/>
               </a:rPr>
-              <a:t>Push parameters to Lambda</a:t>
-            </a:r>
-          </a:p>
-        </p:txBody>
-      </p:sp>
-      <p:sp>
-        <p:nvSpPr>
-          <p:cNvPr id="11" name="Rounded Rectangle 10">
-            <a:extLst>
-              <a:ext uri="{FF2B5EF4-FFF2-40B4-BE49-F238E27FC236}">
-                <a16:creationId xmlns:a16="http://schemas.microsoft.com/office/drawing/2014/main" id="{6B68BF73-2AC2-7F9F-0523-DAB4D2E3A144}"/>
-              </a:ext>
-            </a:extLst>
-          </p:cNvPr>
-          <p:cNvSpPr/>
-          <p:nvPr/>
-        </p:nvSpPr>
-        <p:spPr>
-          <a:xfrm>
-            <a:off x="8893935" y="2846228"/>
-            <a:ext cx="2162577" cy="772733"/>
-          </a:xfrm>
-          <a:prstGeom prst="roundRect">
-            <a:avLst/>
-          </a:prstGeom>
-          <a:solidFill>
-            <a:schemeClr val="tx2">
-              <a:lumMod val="25000"/>
-              <a:lumOff val="75000"/>
-            </a:schemeClr>
-          </a:solidFill>
-          <a:ln>
-            <a:solidFill>
-              <a:srgbClr val="FF0000"/>
-            </a:solidFill>
-          </a:ln>
-        </p:spPr>
-        <p:style>
-          <a:lnRef idx="2">
-            <a:schemeClr val="accent1">
-              <a:shade val="15000"/>
-            </a:schemeClr>
-          </a:lnRef>
-          <a:fillRef idx="1">
-            <a:schemeClr val="accent1"/>
-          </a:fillRef>
-          <a:effectRef idx="0">
-            <a:schemeClr val="accent1"/>
-          </a:effectRef>
-          <a:fontRef idx="minor">
-            <a:schemeClr val="lt1"/>
-          </a:fontRef>
-        </p:style>
-        <p:txBody>
-          <a:bodyPr rtlCol="0" anchor="ctr"/>
-          <a:lstStyle/>
-          <a:p>
-            <a:pPr algn="ctr"/>
+              <a:t> to suggest. Used with AWS </a:t>
+            </a:r>
+            <a:r>
+              <a:rPr lang="en-GB" dirty="0" err="1">
+                <a:sym typeface="Wingdings" pitchFamily="2" charset="2"/>
+              </a:rPr>
+              <a:t>cloudwatch</a:t>
+            </a:r>
             <a:r>
               <a:rPr lang="en-GB" dirty="0">
-                <a:solidFill>
-                  <a:schemeClr val="tx1"/>
-                </a:solidFill>
+                <a:sym typeface="Wingdings" pitchFamily="2" charset="2"/>
               </a:rPr>
-              <a:t>Upload results to S3</a:t>
-            </a:r>
-          </a:p>
-        </p:txBody>
-      </p:sp>
-      <p:cxnSp>
-        <p:nvCxnSpPr>
-          <p:cNvPr id="14" name="Straight Arrow Connector 13">
-            <a:extLst>
-              <a:ext uri="{FF2B5EF4-FFF2-40B4-BE49-F238E27FC236}">
-                <a16:creationId xmlns:a16="http://schemas.microsoft.com/office/drawing/2014/main" id="{2F86F29F-FCDD-B9B8-7D51-06C9DB58ADE2}"/>
-              </a:ext>
-            </a:extLst>
-          </p:cNvPr>
-          <p:cNvCxnSpPr>
-            <a:stCxn id="4" idx="3"/>
-            <a:endCxn id="11" idx="1"/>
-          </p:cNvCxnSpPr>
-          <p:nvPr/>
-        </p:nvCxnSpPr>
-        <p:spPr>
-          <a:xfrm flipV="1">
-            <a:off x="7675808" y="3232595"/>
-            <a:ext cx="1218127" cy="772733"/>
-          </a:xfrm>
-          <a:prstGeom prst="straightConnector1">
-            <a:avLst/>
-          </a:prstGeom>
-          <a:ln>
-            <a:tailEnd type="triangle"/>
-          </a:ln>
-        </p:spPr>
-        <p:style>
-          <a:lnRef idx="2">
-            <a:schemeClr val="accent1"/>
-          </a:lnRef>
-          <a:fillRef idx="0">
-            <a:schemeClr val="accent1"/>
-          </a:fillRef>
-          <a:effectRef idx="1">
-            <a:schemeClr val="accent1"/>
-          </a:effectRef>
-          <a:fontRef idx="minor">
-            <a:schemeClr val="tx1"/>
-          </a:fontRef>
-        </p:style>
-      </p:cxnSp>
-      <p:cxnSp>
-        <p:nvCxnSpPr>
-          <p:cNvPr id="16" name="Straight Arrow Connector 15">
-            <a:extLst>
-              <a:ext uri="{FF2B5EF4-FFF2-40B4-BE49-F238E27FC236}">
-                <a16:creationId xmlns:a16="http://schemas.microsoft.com/office/drawing/2014/main" id="{27F81A1E-967D-6560-AA67-B2A6EE445C7C}"/>
-              </a:ext>
-            </a:extLst>
-          </p:cNvPr>
-          <p:cNvCxnSpPr>
-            <a:stCxn id="4" idx="3"/>
-            <a:endCxn id="5" idx="1"/>
-          </p:cNvCxnSpPr>
-          <p:nvPr/>
-        </p:nvCxnSpPr>
-        <p:spPr>
-          <a:xfrm>
-            <a:off x="7675808" y="4005328"/>
-            <a:ext cx="1218127" cy="833568"/>
-          </a:xfrm>
-          <a:prstGeom prst="straightConnector1">
-            <a:avLst/>
-          </a:prstGeom>
-          <a:ln>
-            <a:tailEnd type="triangle"/>
-          </a:ln>
-        </p:spPr>
-        <p:style>
-          <a:lnRef idx="2">
-            <a:schemeClr val="accent1"/>
-          </a:lnRef>
-          <a:fillRef idx="0">
-            <a:schemeClr val="accent1"/>
-          </a:fillRef>
-          <a:effectRef idx="1">
-            <a:schemeClr val="accent1"/>
-          </a:effectRef>
-          <a:fontRef idx="minor">
-            <a:schemeClr val="tx1"/>
-          </a:fontRef>
-        </p:style>
-      </p:cxnSp>
-      <p:cxnSp>
-        <p:nvCxnSpPr>
-          <p:cNvPr id="18" name="Straight Arrow Connector 17">
-            <a:extLst>
-              <a:ext uri="{FF2B5EF4-FFF2-40B4-BE49-F238E27FC236}">
-                <a16:creationId xmlns:a16="http://schemas.microsoft.com/office/drawing/2014/main" id="{6AB98C33-3FF1-87FF-2212-5FCCA3371095}"/>
-              </a:ext>
-            </a:extLst>
-          </p:cNvPr>
-          <p:cNvCxnSpPr>
-            <a:stCxn id="8" idx="3"/>
-            <a:endCxn id="9" idx="1"/>
-          </p:cNvCxnSpPr>
-          <p:nvPr/>
-        </p:nvCxnSpPr>
-        <p:spPr>
-          <a:xfrm>
-            <a:off x="2566651" y="4005328"/>
-            <a:ext cx="392001" cy="0"/>
-          </a:xfrm>
-          <a:prstGeom prst="straightConnector1">
-            <a:avLst/>
-          </a:prstGeom>
-          <a:ln>
-            <a:tailEnd type="triangle"/>
-          </a:ln>
-        </p:spPr>
-        <p:style>
-          <a:lnRef idx="2">
-            <a:schemeClr val="accent1"/>
-          </a:lnRef>
-          <a:fillRef idx="0">
-            <a:schemeClr val="accent1"/>
-          </a:fillRef>
-          <a:effectRef idx="1">
-            <a:schemeClr val="accent1"/>
-          </a:effectRef>
-          <a:fontRef idx="minor">
-            <a:schemeClr val="tx1"/>
-          </a:fontRef>
-        </p:style>
-      </p:cxnSp>
-      <p:cxnSp>
-        <p:nvCxnSpPr>
-          <p:cNvPr id="19" name="Straight Arrow Connector 18">
-            <a:extLst>
-              <a:ext uri="{FF2B5EF4-FFF2-40B4-BE49-F238E27FC236}">
-                <a16:creationId xmlns:a16="http://schemas.microsoft.com/office/drawing/2014/main" id="{40CDCFEE-B0F1-EA02-BC72-A5A4ACBE6493}"/>
-              </a:ext>
-            </a:extLst>
-          </p:cNvPr>
-          <p:cNvCxnSpPr/>
-          <p:nvPr/>
-        </p:nvCxnSpPr>
-        <p:spPr>
-          <a:xfrm>
-            <a:off x="5121230" y="3977421"/>
-            <a:ext cx="392001" cy="0"/>
-          </a:xfrm>
-          <a:prstGeom prst="straightConnector1">
-            <a:avLst/>
-          </a:prstGeom>
-          <a:ln>
-            <a:tailEnd type="triangle"/>
-          </a:ln>
-        </p:spPr>
-        <p:style>
-          <a:lnRef idx="2">
-            <a:schemeClr val="accent1"/>
-          </a:lnRef>
-          <a:fillRef idx="0">
-            <a:schemeClr val="accent1"/>
-          </a:fillRef>
-          <a:effectRef idx="1">
-            <a:schemeClr val="accent1"/>
-          </a:effectRef>
-          <a:fontRef idx="minor">
-            <a:schemeClr val="tx1"/>
-          </a:fontRef>
-        </p:style>
-      </p:cxnSp>
-      <p:cxnSp>
-        <p:nvCxnSpPr>
-          <p:cNvPr id="20" name="Straight Arrow Connector 19">
-            <a:extLst>
-              <a:ext uri="{FF2B5EF4-FFF2-40B4-BE49-F238E27FC236}">
-                <a16:creationId xmlns:a16="http://schemas.microsoft.com/office/drawing/2014/main" id="{2B3D3DAB-0F60-9458-FA89-5DAA3721506B}"/>
-              </a:ext>
-            </a:extLst>
-          </p:cNvPr>
-          <p:cNvCxnSpPr>
-            <a:cxnSpLocks/>
-            <a:stCxn id="5" idx="2"/>
-            <a:endCxn id="23" idx="0"/>
-          </p:cNvCxnSpPr>
-          <p:nvPr/>
-        </p:nvCxnSpPr>
-        <p:spPr>
-          <a:xfrm flipH="1">
-            <a:off x="9975223" y="5225262"/>
-            <a:ext cx="1" cy="494880"/>
-          </a:xfrm>
-          <a:prstGeom prst="straightConnector1">
-            <a:avLst/>
-          </a:prstGeom>
-          <a:ln>
-            <a:tailEnd type="triangle"/>
-          </a:ln>
-        </p:spPr>
-        <p:style>
-          <a:lnRef idx="2">
-            <a:schemeClr val="accent1"/>
-          </a:lnRef>
-          <a:fillRef idx="0">
-            <a:schemeClr val="accent1"/>
-          </a:fillRef>
-          <a:effectRef idx="1">
-            <a:schemeClr val="accent1"/>
-          </a:effectRef>
-          <a:fontRef idx="minor">
-            <a:schemeClr val="tx1"/>
-          </a:fontRef>
-        </p:style>
-      </p:cxnSp>
-      <p:sp>
-        <p:nvSpPr>
-          <p:cNvPr id="23" name="Rounded Rectangle 22">
-            <a:extLst>
-              <a:ext uri="{FF2B5EF4-FFF2-40B4-BE49-F238E27FC236}">
-                <a16:creationId xmlns:a16="http://schemas.microsoft.com/office/drawing/2014/main" id="{3213F065-2C71-D9C8-816E-A923FF214EAD}"/>
-              </a:ext>
-            </a:extLst>
-          </p:cNvPr>
-          <p:cNvSpPr/>
-          <p:nvPr/>
-        </p:nvSpPr>
-        <p:spPr>
-          <a:xfrm>
-            <a:off x="8893934" y="5720142"/>
-            <a:ext cx="2162577" cy="772733"/>
-          </a:xfrm>
-          <a:prstGeom prst="roundRect">
-            <a:avLst/>
-          </a:prstGeom>
-          <a:solidFill>
-            <a:schemeClr val="tx2">
-              <a:lumMod val="25000"/>
-              <a:lumOff val="75000"/>
-            </a:schemeClr>
-          </a:solidFill>
-          <a:ln>
-            <a:noFill/>
-          </a:ln>
-        </p:spPr>
-        <p:style>
-          <a:lnRef idx="2">
-            <a:schemeClr val="accent1">
-              <a:shade val="15000"/>
-            </a:schemeClr>
-          </a:lnRef>
-          <a:fillRef idx="1">
-            <a:schemeClr val="accent1"/>
-          </a:fillRef>
-          <a:effectRef idx="0">
-            <a:schemeClr val="accent1"/>
-          </a:effectRef>
-          <a:fontRef idx="minor">
-            <a:schemeClr val="lt1"/>
-          </a:fontRef>
-        </p:style>
-        <p:txBody>
-          <a:bodyPr rtlCol="0" anchor="ctr"/>
-          <a:lstStyle/>
-          <a:p>
-            <a:pPr algn="ctr"/>
+              <a:t>, but watch the costs involved. http://</a:t>
+            </a:r>
+            <a:r>
+              <a:rPr lang="en-GB" dirty="0" err="1">
+                <a:sym typeface="Wingdings" pitchFamily="2" charset="2"/>
+              </a:rPr>
+              <a:t>logging.apache.org</a:t>
+            </a:r>
             <a:r>
               <a:rPr lang="en-GB" dirty="0">
-                <a:solidFill>
-                  <a:schemeClr val="tx1"/>
-                </a:solidFill>
+                <a:sym typeface="Wingdings" pitchFamily="2" charset="2"/>
               </a:rPr>
-              <a:t>Best model pulled from S3 when </a:t>
+              <a:t>/log4j/1.2/</a:t>
             </a:r>
             <a:r>
               <a:rPr lang="en-GB" dirty="0" err="1">
-                <a:solidFill>
-                  <a:schemeClr val="tx1"/>
-                </a:solidFill>
+                <a:sym typeface="Wingdings" pitchFamily="2" charset="2"/>
               </a:rPr>
-              <a:t>dockerising</a:t>
-            </a:r>
-            <a:r>
-              <a:rPr lang="en-GB" dirty="0">
-                <a:solidFill>
-                  <a:schemeClr val="tx1"/>
-                </a:solidFill>
-              </a:rPr>
-              <a:t> app</a:t>
-            </a:r>
-          </a:p>
-        </p:txBody>
-      </p:sp>
-      <p:cxnSp>
-        <p:nvCxnSpPr>
-          <p:cNvPr id="31" name="Straight Arrow Connector 30">
-            <a:extLst>
-              <a:ext uri="{FF2B5EF4-FFF2-40B4-BE49-F238E27FC236}">
-                <a16:creationId xmlns:a16="http://schemas.microsoft.com/office/drawing/2014/main" id="{E6A749EF-3C91-FD0F-7961-F341F2A974C4}"/>
-              </a:ext>
-            </a:extLst>
-          </p:cNvPr>
-          <p:cNvCxnSpPr>
-            <a:cxnSpLocks/>
-            <a:stCxn id="11" idx="0"/>
-            <a:endCxn id="40" idx="2"/>
-          </p:cNvCxnSpPr>
-          <p:nvPr/>
-        </p:nvCxnSpPr>
-        <p:spPr>
-          <a:xfrm flipH="1" flipV="1">
-            <a:off x="9975222" y="2476295"/>
-            <a:ext cx="2" cy="369933"/>
-          </a:xfrm>
-          <a:prstGeom prst="straightConnector1">
-            <a:avLst/>
-          </a:prstGeom>
-          <a:ln>
-            <a:tailEnd type="triangle"/>
-          </a:ln>
-        </p:spPr>
-        <p:style>
-          <a:lnRef idx="2">
-            <a:schemeClr val="accent1"/>
-          </a:lnRef>
-          <a:fillRef idx="0">
-            <a:schemeClr val="accent1"/>
-          </a:fillRef>
-          <a:effectRef idx="1">
-            <a:schemeClr val="accent1"/>
-          </a:effectRef>
-          <a:fontRef idx="minor">
-            <a:schemeClr val="tx1"/>
-          </a:fontRef>
-        </p:style>
-      </p:cxnSp>
-      <p:sp>
-        <p:nvSpPr>
-          <p:cNvPr id="40" name="Rounded Rectangle 39">
-            <a:extLst>
-              <a:ext uri="{FF2B5EF4-FFF2-40B4-BE49-F238E27FC236}">
-                <a16:creationId xmlns:a16="http://schemas.microsoft.com/office/drawing/2014/main" id="{80973716-72A7-E917-E8E5-BF2ADE46CDC8}"/>
-              </a:ext>
-            </a:extLst>
-          </p:cNvPr>
-          <p:cNvSpPr/>
-          <p:nvPr/>
-        </p:nvSpPr>
-        <p:spPr>
-          <a:xfrm>
-            <a:off x="8893933" y="1703562"/>
-            <a:ext cx="2162577" cy="772733"/>
-          </a:xfrm>
-          <a:prstGeom prst="roundRect">
-            <a:avLst/>
-          </a:prstGeom>
-          <a:solidFill>
-            <a:schemeClr val="tx2">
-              <a:lumMod val="25000"/>
-              <a:lumOff val="75000"/>
-            </a:schemeClr>
-          </a:solidFill>
-          <a:ln>
-            <a:solidFill>
-              <a:schemeClr val="tx2"/>
-            </a:solidFill>
-          </a:ln>
-        </p:spPr>
-        <p:style>
-          <a:lnRef idx="2">
-            <a:schemeClr val="accent1">
-              <a:shade val="15000"/>
-            </a:schemeClr>
-          </a:lnRef>
-          <a:fillRef idx="1">
-            <a:schemeClr val="accent1"/>
-          </a:fillRef>
-          <a:effectRef idx="0">
-            <a:schemeClr val="accent1"/>
-          </a:effectRef>
-          <a:fontRef idx="minor">
-            <a:schemeClr val="lt1"/>
-          </a:fontRef>
-        </p:style>
-        <p:txBody>
-          <a:bodyPr rtlCol="0" anchor="ctr"/>
-          <a:lstStyle/>
-          <a:p>
-            <a:pPr algn="ctr"/>
-            <a:r>
-              <a:rPr lang="en-GB" dirty="0">
-                <a:solidFill>
-                  <a:schemeClr val="tx1"/>
-                </a:solidFill>
-              </a:rPr>
-              <a:t>Use </a:t>
-            </a:r>
-            <a:r>
-              <a:rPr lang="en-GB" dirty="0" err="1">
-                <a:solidFill>
-                  <a:schemeClr val="tx1"/>
-                </a:solidFill>
-              </a:rPr>
-              <a:t>Github</a:t>
-            </a:r>
-            <a:r>
-              <a:rPr lang="en-GB" dirty="0">
-                <a:solidFill>
-                  <a:schemeClr val="tx1"/>
-                </a:solidFill>
-              </a:rPr>
-              <a:t> actions to create MD file for results</a:t>
-            </a:r>
-          </a:p>
-        </p:txBody>
-      </p:sp>
-      <p:cxnSp>
-        <p:nvCxnSpPr>
-          <p:cNvPr id="45" name="Straight Arrow Connector 44">
-            <a:extLst>
-              <a:ext uri="{FF2B5EF4-FFF2-40B4-BE49-F238E27FC236}">
-                <a16:creationId xmlns:a16="http://schemas.microsoft.com/office/drawing/2014/main" id="{36FF0506-910F-8C0C-31FA-49F34FE7FB85}"/>
-              </a:ext>
-            </a:extLst>
-          </p:cNvPr>
-          <p:cNvCxnSpPr>
-            <a:cxnSpLocks/>
-            <a:stCxn id="40" idx="0"/>
-            <a:endCxn id="46" idx="2"/>
-          </p:cNvCxnSpPr>
-          <p:nvPr/>
-        </p:nvCxnSpPr>
-        <p:spPr>
-          <a:xfrm flipV="1">
-            <a:off x="9975222" y="1333629"/>
-            <a:ext cx="0" cy="369933"/>
-          </a:xfrm>
-          <a:prstGeom prst="straightConnector1">
-            <a:avLst/>
-          </a:prstGeom>
-          <a:ln>
-            <a:tailEnd type="triangle"/>
-          </a:ln>
-        </p:spPr>
-        <p:style>
-          <a:lnRef idx="2">
-            <a:schemeClr val="accent1"/>
-          </a:lnRef>
-          <a:fillRef idx="0">
-            <a:schemeClr val="accent1"/>
-          </a:fillRef>
-          <a:effectRef idx="1">
-            <a:schemeClr val="accent1"/>
-          </a:effectRef>
-          <a:fontRef idx="minor">
-            <a:schemeClr val="tx1"/>
-          </a:fontRef>
-        </p:style>
-      </p:cxnSp>
-      <p:sp>
-        <p:nvSpPr>
-          <p:cNvPr id="46" name="Rounded Rectangle 45">
-            <a:extLst>
-              <a:ext uri="{FF2B5EF4-FFF2-40B4-BE49-F238E27FC236}">
-                <a16:creationId xmlns:a16="http://schemas.microsoft.com/office/drawing/2014/main" id="{51AF1A92-1FEE-D339-D59B-A199EA997F30}"/>
-              </a:ext>
-            </a:extLst>
-          </p:cNvPr>
-          <p:cNvSpPr/>
-          <p:nvPr/>
-        </p:nvSpPr>
-        <p:spPr>
-          <a:xfrm>
-            <a:off x="8893933" y="560896"/>
-            <a:ext cx="2162577" cy="772733"/>
-          </a:xfrm>
-          <a:prstGeom prst="roundRect">
-            <a:avLst/>
-          </a:prstGeom>
-          <a:solidFill>
-            <a:schemeClr val="tx2">
-              <a:lumMod val="25000"/>
-              <a:lumOff val="75000"/>
-            </a:schemeClr>
-          </a:solidFill>
-          <a:ln>
-            <a:noFill/>
-          </a:ln>
-        </p:spPr>
-        <p:style>
-          <a:lnRef idx="2">
-            <a:schemeClr val="accent1">
-              <a:shade val="15000"/>
-            </a:schemeClr>
-          </a:lnRef>
-          <a:fillRef idx="1">
-            <a:schemeClr val="accent1"/>
-          </a:fillRef>
-          <a:effectRef idx="0">
-            <a:schemeClr val="accent1"/>
-          </a:effectRef>
-          <a:fontRef idx="minor">
-            <a:schemeClr val="lt1"/>
-          </a:fontRef>
-        </p:style>
-        <p:txBody>
-          <a:bodyPr rtlCol="0" anchor="ctr"/>
-          <a:lstStyle/>
-          <a:p>
-            <a:pPr algn="ctr"/>
-            <a:r>
-              <a:rPr lang="en-GB" dirty="0">
-                <a:solidFill>
-                  <a:schemeClr val="tx1"/>
-                </a:solidFill>
-              </a:rPr>
-              <a:t>Send results to Slack</a:t>
-            </a:r>
+              <a:t>manual.html</a:t>
+            </a:r>
+            <a:endParaRPr lang="en-GB" dirty="0">
+              <a:sym typeface="Wingdings" pitchFamily="2" charset="2"/>
+            </a:endParaRPr>
           </a:p>
         </p:txBody>
       </p:sp>
     </p:spTree>
     <p:extLst>
       <p:ext uri="{BB962C8B-B14F-4D97-AF65-F5344CB8AC3E}">
-        <p14:creationId xmlns:p14="http://schemas.microsoft.com/office/powerpoint/2010/main" val="1775362090"/>
+        <p14:creationId xmlns:p14="http://schemas.microsoft.com/office/powerpoint/2010/main" val="2450686333"/>
       </p:ext>
     </p:extLst>
   </p:cSld>

--- a/docs/Architecture Overview.pptx
+++ b/docs/Architecture Overview.pptx
@@ -9017,19 +9017,19 @@
           </a:p>
           <a:p>
             <a:r>
-              <a:rPr lang="en-GB" dirty="0">
+              <a:rPr lang="en-GB" strike="sngStrike" dirty="0">
                 <a:sym typeface="Wingdings" pitchFamily="2" charset="2"/>
               </a:rPr>
               <a:t>Automate AWS Lambda updates (e.g. data cleaning) using AWS CLI/</a:t>
             </a:r>
             <a:r>
-              <a:rPr lang="en-GB" dirty="0" err="1">
+              <a:rPr lang="en-GB" strike="sngStrike" dirty="0" err="1">
                 <a:sym typeface="Wingdings" pitchFamily="2" charset="2"/>
               </a:rPr>
               <a:t>github</a:t>
             </a:r>
             <a:r>
-              <a:rPr lang="en-GB" dirty="0">
+              <a:rPr lang="en-GB" strike="sngStrike" dirty="0">
                 <a:sym typeface="Wingdings" pitchFamily="2" charset="2"/>
               </a:rPr>
               <a:t> actions so that don’t have to keep copy and pasting</a:t>
@@ -9351,12 +9351,8 @@
               <a:t>Github</a:t>
             </a:r>
             <a:r>
-              <a:rPr lang="en-GB"/>
-              <a:t> role </a:t>
-            </a:r>
-            <a:r>
               <a:rPr lang="en-GB" dirty="0"/>
-              <a:t>assumed </a:t>
+              <a:t> role assumed </a:t>
             </a:r>
           </a:p>
         </p:txBody>

--- a/docs/Architecture Overview.pptx
+++ b/docs/Architecture Overview.pptx
@@ -8897,7 +8897,7 @@
         </p:spPr>
         <p:txBody>
           <a:bodyPr>
-            <a:normAutofit fontScale="92500" lnSpcReduction="20000"/>
+            <a:normAutofit fontScale="85000" lnSpcReduction="20000"/>
           </a:bodyPr>
           <a:lstStyle/>
           <a:p>
@@ -8947,69 +8947,80 @@
           <a:p>
             <a:r>
               <a:rPr lang="en-GB" dirty="0"/>
+              <a:t>How to test that docker images on docker hub </a:t>
+            </a:r>
+            <a:r>
+              <a:rPr lang="en-GB"/>
+              <a:t>works after CI/CD?</a:t>
+            </a:r>
+            <a:endParaRPr lang="en-GB" dirty="0"/>
+          </a:p>
+          <a:p>
+            <a:r>
+              <a:rPr lang="en-GB" strike="sngStrike" dirty="0"/>
               <a:t>Ensure </a:t>
             </a:r>
             <a:r>
-              <a:rPr lang="en-GB" dirty="0" err="1"/>
+              <a:rPr lang="en-GB" strike="sngStrike" dirty="0" err="1"/>
               <a:t>FastAPI</a:t>
             </a:r>
             <a:r>
-              <a:rPr lang="en-GB" dirty="0"/>
+              <a:rPr lang="en-GB" strike="sngStrike" dirty="0"/>
               <a:t> app can read best model from S3: </a:t>
             </a:r>
           </a:p>
           <a:p>
             <a:pPr lvl="1"/>
             <a:r>
-              <a:rPr lang="en-GB" dirty="0">
+              <a:rPr lang="en-GB" strike="sngStrike" dirty="0">
                 <a:sym typeface="Wingdings" pitchFamily="2" charset="2"/>
               </a:rPr>
               <a:t>https://</a:t>
             </a:r>
             <a:r>
-              <a:rPr lang="en-GB" dirty="0" err="1">
+              <a:rPr lang="en-GB" strike="sngStrike" dirty="0" err="1">
                 <a:sym typeface="Wingdings" pitchFamily="2" charset="2"/>
               </a:rPr>
               <a:t>devopscube.com</a:t>
             </a:r>
             <a:r>
-              <a:rPr lang="en-GB" dirty="0">
+              <a:rPr lang="en-GB" strike="sngStrike" dirty="0">
                 <a:sym typeface="Wingdings" pitchFamily="2" charset="2"/>
               </a:rPr>
               <a:t>/</a:t>
             </a:r>
             <a:r>
-              <a:rPr lang="en-GB" dirty="0" err="1">
+              <a:rPr lang="en-GB" strike="sngStrike" dirty="0" err="1">
                 <a:sym typeface="Wingdings" pitchFamily="2" charset="2"/>
               </a:rPr>
               <a:t>github</a:t>
             </a:r>
             <a:r>
-              <a:rPr lang="en-GB" dirty="0">
+              <a:rPr lang="en-GB" strike="sngStrike" dirty="0">
                 <a:sym typeface="Wingdings" pitchFamily="2" charset="2"/>
               </a:rPr>
               <a:t>-actions-</a:t>
             </a:r>
             <a:r>
-              <a:rPr lang="en-GB" dirty="0" err="1">
+              <a:rPr lang="en-GB" strike="sngStrike" dirty="0" err="1">
                 <a:sym typeface="Wingdings" pitchFamily="2" charset="2"/>
               </a:rPr>
               <a:t>oidc</a:t>
             </a:r>
             <a:r>
-              <a:rPr lang="en-GB" dirty="0">
+              <a:rPr lang="en-GB" strike="sngStrike" dirty="0">
                 <a:sym typeface="Wingdings" pitchFamily="2" charset="2"/>
               </a:rPr>
               <a:t>-</a:t>
             </a:r>
             <a:r>
-              <a:rPr lang="en-GB" dirty="0" err="1">
+              <a:rPr lang="en-GB" strike="sngStrike" dirty="0" err="1">
                 <a:sym typeface="Wingdings" pitchFamily="2" charset="2"/>
               </a:rPr>
               <a:t>aws</a:t>
             </a:r>
             <a:r>
-              <a:rPr lang="en-GB" dirty="0">
+              <a:rPr lang="en-GB" strike="sngStrike" dirty="0">
                 <a:sym typeface="Wingdings" pitchFamily="2" charset="2"/>
               </a:rPr>
               <a:t>/</a:t>

--- a/docs/Architecture Overview.pptx
+++ b/docs/Architecture Overview.pptx
@@ -4195,7 +4195,7 @@
         </p:nvSpPr>
         <p:spPr>
           <a:xfrm>
-            <a:off x="5513231" y="3618961"/>
+            <a:off x="4649004" y="3618961"/>
             <a:ext cx="2162577" cy="772733"/>
           </a:xfrm>
           <a:prstGeom prst="roundRect">
@@ -4209,7 +4209,7 @@
           </a:solidFill>
           <a:ln>
             <a:solidFill>
-              <a:schemeClr val="accent2"/>
+              <a:schemeClr val="tx1"/>
             </a:solidFill>
           </a:ln>
         </p:spPr>
@@ -4240,7 +4240,23 @@
                   <a:schemeClr val="tx1"/>
                 </a:solidFill>
               </a:rPr>
-              <a:t>Cross-validation on one Lambda</a:t>
+              <a:t>Cross-validation on </a:t>
+            </a:r>
+            <a:r>
+              <a:rPr lang="en-GB" dirty="0" err="1">
+                <a:solidFill>
+                  <a:schemeClr val="tx1"/>
+                </a:solidFill>
+              </a:rPr>
+              <a:t>Github</a:t>
+            </a:r>
+            <a:r>
+              <a:rPr lang="en-GB" dirty="0">
+                <a:solidFill>
+                  <a:schemeClr val="tx1"/>
+                </a:solidFill>
+              </a:rPr>
+              <a:t> actions when pushing</a:t>
             </a:r>
           </a:p>
         </p:txBody>
@@ -4323,7 +4339,7 @@
         </p:nvSpPr>
         <p:spPr>
           <a:xfrm>
-            <a:off x="404074" y="3618961"/>
+            <a:off x="838200" y="3618961"/>
             <a:ext cx="2162577" cy="772733"/>
           </a:xfrm>
           <a:prstGeom prst="roundRect">
@@ -4363,82 +4379,12 @@
           <a:p>
             <a:pPr algn="ctr"/>
             <a:r>
-              <a:rPr lang="en-GB" dirty="0" err="1">
-                <a:solidFill>
-                  <a:schemeClr val="tx1"/>
-                </a:solidFill>
-              </a:rPr>
-              <a:t>Github</a:t>
-            </a:r>
-            <a:r>
               <a:rPr lang="en-GB" dirty="0">
                 <a:solidFill>
                   <a:schemeClr val="tx1"/>
                 </a:solidFill>
               </a:rPr>
-              <a:t> actions check for new parameters</a:t>
-            </a:r>
-          </a:p>
-        </p:txBody>
-      </p:sp>
-      <p:sp>
-        <p:nvSpPr>
-          <p:cNvPr id="9" name="Rounded Rectangle 8">
-            <a:extLst>
-              <a:ext uri="{FF2B5EF4-FFF2-40B4-BE49-F238E27FC236}">
-                <a16:creationId xmlns:a16="http://schemas.microsoft.com/office/drawing/2014/main" id="{5E6ADAEA-ADC2-EB35-46D6-05FC903CB2F2}"/>
-              </a:ext>
-            </a:extLst>
-          </p:cNvPr>
-          <p:cNvSpPr/>
-          <p:nvPr/>
-        </p:nvSpPr>
-        <p:spPr>
-          <a:xfrm>
-            <a:off x="2958652" y="3618961"/>
-            <a:ext cx="2162577" cy="772733"/>
-          </a:xfrm>
-          <a:prstGeom prst="roundRect">
-            <a:avLst/>
-          </a:prstGeom>
-          <a:solidFill>
-            <a:schemeClr val="tx2">
-              <a:lumMod val="25000"/>
-              <a:lumOff val="75000"/>
-            </a:schemeClr>
-          </a:solidFill>
-          <a:ln>
-            <a:noFill/>
-          </a:ln>
-        </p:spPr>
-        <p:style>
-          <a:lnRef idx="2">
-            <a:schemeClr val="accent1">
-              <a:shade val="15000"/>
-            </a:schemeClr>
-          </a:lnRef>
-          <a:fillRef idx="1">
-            <a:schemeClr val="accent1"/>
-          </a:fillRef>
-          <a:effectRef idx="0">
-            <a:schemeClr val="accent1"/>
-          </a:effectRef>
-          <a:fontRef idx="minor">
-            <a:schemeClr val="lt1"/>
-          </a:fontRef>
-        </p:style>
-        <p:txBody>
-          <a:bodyPr rtlCol="0" anchor="ctr"/>
-          <a:lstStyle/>
-          <a:p>
-            <a:pPr algn="ctr"/>
-            <a:r>
-              <a:rPr lang="en-GB" dirty="0">
-                <a:solidFill>
-                  <a:schemeClr val="tx1"/>
-                </a:solidFill>
-              </a:rPr>
-              <a:t>Push parameters to Lambda</a:t>
+              <a:t>Define parameters on script</a:t>
             </a:r>
           </a:p>
         </p:txBody>
@@ -4524,8 +4470,8 @@
         </p:nvCxnSpPr>
         <p:spPr>
           <a:xfrm flipV="1">
-            <a:off x="7675808" y="3232595"/>
-            <a:ext cx="1218127" cy="772733"/>
+            <a:off x="6811581" y="3232595"/>
+            <a:ext cx="2082354" cy="772733"/>
           </a:xfrm>
           <a:prstGeom prst="straightConnector1">
             <a:avLst/>
@@ -4566,8 +4512,8 @@
         </p:nvCxnSpPr>
         <p:spPr>
           <a:xfrm>
-            <a:off x="7675808" y="4005328"/>
-            <a:ext cx="1218127" cy="833568"/>
+            <a:off x="6811581" y="4005328"/>
+            <a:ext cx="2082354" cy="833568"/>
           </a:xfrm>
           <a:prstGeom prst="straightConnector1">
             <a:avLst/>
@@ -4601,54 +4547,16 @@
             </a:extLst>
           </p:cNvPr>
           <p:cNvCxnSpPr>
+            <a:cxnSpLocks/>
             <a:stCxn id="8" idx="3"/>
-            <a:endCxn id="9" idx="1"/>
+            <a:endCxn id="4" idx="1"/>
           </p:cNvCxnSpPr>
           <p:nvPr/>
         </p:nvCxnSpPr>
         <p:spPr>
           <a:xfrm>
-            <a:off x="2566651" y="4005328"/>
-            <a:ext cx="392001" cy="0"/>
-          </a:xfrm>
-          <a:prstGeom prst="straightConnector1">
-            <a:avLst/>
-          </a:prstGeom>
-          <a:ln>
-            <a:tailEnd type="triangle"/>
-          </a:ln>
-        </p:spPr>
-        <p:style>
-          <a:lnRef idx="2">
-            <a:schemeClr val="accent1"/>
-          </a:lnRef>
-          <a:fillRef idx="0">
-            <a:schemeClr val="accent1"/>
-          </a:fillRef>
-          <a:effectRef idx="1">
-            <a:schemeClr val="accent1"/>
-          </a:effectRef>
-          <a:fontRef idx="minor">
-            <a:schemeClr val="tx1"/>
-          </a:fontRef>
-        </p:style>
-      </p:cxnSp>
-      <p:cxnSp>
-        <p:nvCxnSpPr>
-          <p:cNvPr id="19" name="Straight Arrow Connector 18">
-            <a:extLst>
-              <a:ext uri="{FF2B5EF4-FFF2-40B4-BE49-F238E27FC236}">
-                <a16:creationId xmlns:a16="http://schemas.microsoft.com/office/drawing/2014/main" id="{40CDCFEE-B0F1-EA02-BC72-A5A4ACBE6493}"/>
-              </a:ext>
-            </a:extLst>
-          </p:cNvPr>
-          <p:cNvCxnSpPr/>
-          <p:nvPr/>
-        </p:nvCxnSpPr>
-        <p:spPr>
-          <a:xfrm>
-            <a:off x="5121230" y="3977421"/>
-            <a:ext cx="392001" cy="0"/>
+            <a:off x="3000777" y="4005328"/>
+            <a:ext cx="1648227" cy="0"/>
           </a:xfrm>
           <a:prstGeom prst="straightConnector1">
             <a:avLst/>
@@ -8897,7 +8805,7 @@
         </p:spPr>
         <p:txBody>
           <a:bodyPr>
-            <a:normAutofit fontScale="85000" lnSpcReduction="20000"/>
+            <a:normAutofit fontScale="77500" lnSpcReduction="20000"/>
           </a:bodyPr>
           <a:lstStyle/>
           <a:p>
@@ -8945,15 +8853,18 @@
             </a:r>
           </a:p>
           <a:p>
+            <a:pPr lvl="1"/>
+            <a:r>
+              <a:rPr lang="en-GB"/>
+              <a:t>Send report to slack</a:t>
+            </a:r>
+            <a:endParaRPr lang="en-GB" dirty="0"/>
+          </a:p>
+          <a:p>
             <a:r>
               <a:rPr lang="en-GB" dirty="0"/>
-              <a:t>How to test that docker images on docker hub </a:t>
-            </a:r>
-            <a:r>
-              <a:rPr lang="en-GB"/>
-              <a:t>works after CI/CD?</a:t>
-            </a:r>
-            <a:endParaRPr lang="en-GB" dirty="0"/>
+              <a:t>How to test that docker images on docker hub works after CI/CD?</a:t>
+            </a:r>
           </a:p>
           <a:p>
             <a:r>

--- a/docs/Architecture Overview.pptx
+++ b/docs/Architecture Overview.pptx
@@ -12,12 +12,12 @@
     <p:sldId id="257" r:id="rId3"/>
     <p:sldId id="267" r:id="rId4"/>
     <p:sldId id="260" r:id="rId5"/>
-    <p:sldId id="263" r:id="rId6"/>
-    <p:sldId id="264" r:id="rId7"/>
-    <p:sldId id="261" r:id="rId8"/>
-    <p:sldId id="270" r:id="rId9"/>
+    <p:sldId id="268" r:id="rId6"/>
+    <p:sldId id="263" r:id="rId7"/>
+    <p:sldId id="264" r:id="rId8"/>
+    <p:sldId id="261" r:id="rId9"/>
     <p:sldId id="269" r:id="rId10"/>
-    <p:sldId id="268" r:id="rId11"/>
+    <p:sldId id="270" r:id="rId11"/>
     <p:sldId id="265" r:id="rId12"/>
     <p:sldId id="266" r:id="rId13"/>
     <p:sldId id="262" r:id="rId14"/>
@@ -634,7 +634,7 @@
           <a:p>
             <a:fld id="{78293D93-78F6-7C4A-B196-7A9DF32E6281}" type="slidenum">
               <a:rPr lang="en-GB" smtClean="0"/>
-              <a:t>7</a:t>
+              <a:t>8</a:t>
             </a:fld>
             <a:endParaRPr lang="en-GB"/>
           </a:p>
@@ -4158,7 +4158,7 @@
           <p:cNvPr id="2" name="Title 1">
             <a:extLst>
               <a:ext uri="{FF2B5EF4-FFF2-40B4-BE49-F238E27FC236}">
-                <a16:creationId xmlns:a16="http://schemas.microsoft.com/office/drawing/2014/main" id="{980208A4-9586-F936-9663-BC044141A40B}"/>
+                <a16:creationId xmlns:a16="http://schemas.microsoft.com/office/drawing/2014/main" id="{18D502F3-83A5-8ADC-182A-57C9F15680EE}"/>
               </a:ext>
             </a:extLst>
           </p:cNvPr>
@@ -4175,303 +4175,79 @@
           <a:lstStyle/>
           <a:p>
             <a:r>
+              <a:rPr lang="en-GB" dirty="0" err="1"/>
+              <a:t>Github</a:t>
+            </a:r>
+            <a:r>
               <a:rPr lang="en-GB" dirty="0"/>
-              <a:t>Architecture for training on cloud</a:t>
-            </a:r>
-          </a:p>
-        </p:txBody>
-      </p:sp>
-      <p:sp>
-        <p:nvSpPr>
-          <p:cNvPr id="4" name="Rounded Rectangle 3">
-            <a:extLst>
-              <a:ext uri="{FF2B5EF4-FFF2-40B4-BE49-F238E27FC236}">
-                <a16:creationId xmlns:a16="http://schemas.microsoft.com/office/drawing/2014/main" id="{34391F64-C5C2-F623-071E-13D1E59EB0D1}"/>
-              </a:ext>
-            </a:extLst>
-          </p:cNvPr>
-          <p:cNvSpPr/>
+              <a:t> OIDC</a:t>
+            </a:r>
+          </a:p>
+        </p:txBody>
+      </p:sp>
+      <p:pic>
+        <p:nvPicPr>
+          <p:cNvPr id="1026" name="Picture 2" descr="OpenID Connect - GitHub Docs">
+            <a:extLst>
+              <a:ext uri="{FF2B5EF4-FFF2-40B4-BE49-F238E27FC236}">
+                <a16:creationId xmlns:a16="http://schemas.microsoft.com/office/drawing/2014/main" id="{4F9937C5-86B9-940C-8605-16A3EF2301A3}"/>
+              </a:ext>
+            </a:extLst>
+          </p:cNvPr>
+          <p:cNvPicPr>
+            <a:picLocks noChangeAspect="1" noChangeArrowheads="1"/>
+          </p:cNvPicPr>
           <p:nvPr/>
-        </p:nvSpPr>
-        <p:spPr>
+        </p:nvPicPr>
+        <p:blipFill>
+          <a:blip r:embed="rId2">
+            <a:extLst>
+              <a:ext uri="{28A0092B-C50C-407E-A947-70E740481C1C}">
+                <a14:useLocalDpi xmlns:a14="http://schemas.microsoft.com/office/drawing/2010/main" val="0"/>
+              </a:ext>
+            </a:extLst>
+          </a:blip>
+          <a:srcRect/>
+          <a:stretch>
+            <a:fillRect/>
+          </a:stretch>
+        </p:blipFill>
+        <p:spPr bwMode="auto">
           <a:xfrm>
-            <a:off x="4649004" y="3618961"/>
-            <a:ext cx="2162577" cy="772733"/>
+            <a:off x="1654929" y="1593130"/>
+            <a:ext cx="8573288" cy="2910229"/>
           </a:xfrm>
-          <a:prstGeom prst="roundRect">
+          <a:prstGeom prst="rect">
             <a:avLst/>
           </a:prstGeom>
-          <a:solidFill>
-            <a:schemeClr val="tx2">
-              <a:lumMod val="25000"/>
-              <a:lumOff val="75000"/>
-            </a:schemeClr>
-          </a:solidFill>
-          <a:ln>
-            <a:solidFill>
-              <a:schemeClr val="tx1"/>
-            </a:solidFill>
-          </a:ln>
+          <a:noFill/>
+          <a:extLst>
+            <a:ext uri="{909E8E84-426E-40DD-AFC4-6F175D3DCCD1}">
+              <a14:hiddenFill xmlns:a14="http://schemas.microsoft.com/office/drawing/2010/main">
+                <a:solidFill>
+                  <a:srgbClr val="FFFFFF"/>
+                </a:solidFill>
+              </a14:hiddenFill>
+            </a:ext>
+          </a:extLst>
         </p:spPr>
-        <p:style>
-          <a:lnRef idx="2">
-            <a:schemeClr val="accent1">
-              <a:shade val="15000"/>
-            </a:schemeClr>
-          </a:lnRef>
-          <a:fillRef idx="1">
-            <a:schemeClr val="accent1"/>
-          </a:fillRef>
-          <a:effectRef idx="0">
-            <a:schemeClr val="accent1"/>
-          </a:effectRef>
-          <a:fontRef idx="minor">
-            <a:schemeClr val="lt1"/>
-          </a:fontRef>
-        </p:style>
-        <p:txBody>
-          <a:bodyPr rtlCol="0" anchor="ctr"/>
-          <a:lstStyle/>
-          <a:p>
-            <a:pPr algn="ctr"/>
-            <a:r>
-              <a:rPr lang="en-GB" dirty="0">
-                <a:solidFill>
-                  <a:schemeClr val="tx1"/>
-                </a:solidFill>
-              </a:rPr>
-              <a:t>Cross-validation on </a:t>
-            </a:r>
-            <a:r>
-              <a:rPr lang="en-GB" dirty="0" err="1">
-                <a:solidFill>
-                  <a:schemeClr val="tx1"/>
-                </a:solidFill>
-              </a:rPr>
-              <a:t>Github</a:t>
-            </a:r>
-            <a:r>
-              <a:rPr lang="en-GB" dirty="0">
-                <a:solidFill>
-                  <a:schemeClr val="tx1"/>
-                </a:solidFill>
-              </a:rPr>
-              <a:t> actions when pushing</a:t>
-            </a:r>
-          </a:p>
-        </p:txBody>
-      </p:sp>
-      <p:sp>
-        <p:nvSpPr>
-          <p:cNvPr id="5" name="Rounded Rectangle 4">
-            <a:extLst>
-              <a:ext uri="{FF2B5EF4-FFF2-40B4-BE49-F238E27FC236}">
-                <a16:creationId xmlns:a16="http://schemas.microsoft.com/office/drawing/2014/main" id="{C3DCB387-2AF5-32F3-9B7B-4BCF9CEC6991}"/>
-              </a:ext>
-            </a:extLst>
-          </p:cNvPr>
-          <p:cNvSpPr/>
-          <p:nvPr/>
-        </p:nvSpPr>
-        <p:spPr>
-          <a:xfrm>
-            <a:off x="8893935" y="4452529"/>
-            <a:ext cx="2162577" cy="772733"/>
-          </a:xfrm>
-          <a:prstGeom prst="roundRect">
-            <a:avLst/>
-          </a:prstGeom>
-          <a:solidFill>
-            <a:schemeClr val="tx2">
-              <a:lumMod val="25000"/>
-              <a:lumOff val="75000"/>
-            </a:schemeClr>
-          </a:solidFill>
-          <a:ln>
-            <a:solidFill>
-              <a:srgbClr val="FF0000"/>
-            </a:solidFill>
-          </a:ln>
-        </p:spPr>
-        <p:style>
-          <a:lnRef idx="2">
-            <a:schemeClr val="accent1">
-              <a:shade val="15000"/>
-            </a:schemeClr>
-          </a:lnRef>
-          <a:fillRef idx="1">
-            <a:schemeClr val="accent1"/>
-          </a:fillRef>
-          <a:effectRef idx="0">
-            <a:schemeClr val="accent1"/>
-          </a:effectRef>
-          <a:fontRef idx="minor">
-            <a:schemeClr val="lt1"/>
-          </a:fontRef>
-        </p:style>
-        <p:txBody>
-          <a:bodyPr rtlCol="0" anchor="ctr"/>
-          <a:lstStyle/>
-          <a:p>
-            <a:pPr algn="ctr"/>
-            <a:r>
-              <a:rPr lang="en-GB" dirty="0">
-                <a:solidFill>
-                  <a:schemeClr val="tx1"/>
-                </a:solidFill>
-              </a:rPr>
-              <a:t>Upload best model to S3</a:t>
-            </a:r>
-          </a:p>
-        </p:txBody>
-      </p:sp>
-      <p:sp>
-        <p:nvSpPr>
-          <p:cNvPr id="8" name="Rounded Rectangle 7">
-            <a:extLst>
-              <a:ext uri="{FF2B5EF4-FFF2-40B4-BE49-F238E27FC236}">
-                <a16:creationId xmlns:a16="http://schemas.microsoft.com/office/drawing/2014/main" id="{0856A209-538D-DA17-EE82-7841A740EAE7}"/>
-              </a:ext>
-            </a:extLst>
-          </p:cNvPr>
-          <p:cNvSpPr/>
-          <p:nvPr/>
-        </p:nvSpPr>
-        <p:spPr>
-          <a:xfrm>
-            <a:off x="838200" y="3618961"/>
-            <a:ext cx="2162577" cy="772733"/>
-          </a:xfrm>
-          <a:prstGeom prst="roundRect">
-            <a:avLst/>
-          </a:prstGeom>
-          <a:solidFill>
-            <a:schemeClr val="tx2">
-              <a:lumMod val="25000"/>
-              <a:lumOff val="75000"/>
-            </a:schemeClr>
-          </a:solidFill>
-          <a:ln>
-            <a:solidFill>
-              <a:schemeClr val="tx2"/>
-            </a:solidFill>
-          </a:ln>
-        </p:spPr>
-        <p:style>
-          <a:lnRef idx="2">
-            <a:schemeClr val="accent1">
-              <a:shade val="15000"/>
-            </a:schemeClr>
-          </a:lnRef>
-          <a:fillRef idx="1">
-            <a:schemeClr val="accent1"/>
-          </a:fillRef>
-          <a:effectRef idx="0">
-            <a:schemeClr val="accent1"/>
-          </a:effectRef>
-          <a:fontRef idx="minor">
-            <a:schemeClr val="lt1"/>
-          </a:fontRef>
-        </p:style>
-        <p:txBody>
-          <a:bodyPr rtlCol="0" anchor="ctr"/>
-          <a:lstStyle/>
-          <a:p>
-            <a:pPr algn="ctr"/>
-            <a:r>
-              <a:rPr lang="en-GB" dirty="0">
-                <a:solidFill>
-                  <a:schemeClr val="tx1"/>
-                </a:solidFill>
-              </a:rPr>
-              <a:t>Define parameters on script</a:t>
-            </a:r>
-          </a:p>
-        </p:txBody>
-      </p:sp>
-      <p:sp>
-        <p:nvSpPr>
-          <p:cNvPr id="11" name="Rounded Rectangle 10">
-            <a:extLst>
-              <a:ext uri="{FF2B5EF4-FFF2-40B4-BE49-F238E27FC236}">
-                <a16:creationId xmlns:a16="http://schemas.microsoft.com/office/drawing/2014/main" id="{6B68BF73-2AC2-7F9F-0523-DAB4D2E3A144}"/>
-              </a:ext>
-            </a:extLst>
-          </p:cNvPr>
-          <p:cNvSpPr/>
-          <p:nvPr/>
-        </p:nvSpPr>
-        <p:spPr>
-          <a:xfrm>
-            <a:off x="8893935" y="2846228"/>
-            <a:ext cx="2162577" cy="772733"/>
-          </a:xfrm>
-          <a:prstGeom prst="roundRect">
-            <a:avLst/>
-          </a:prstGeom>
-          <a:solidFill>
-            <a:schemeClr val="tx2">
-              <a:lumMod val="25000"/>
-              <a:lumOff val="75000"/>
-            </a:schemeClr>
-          </a:solidFill>
-          <a:ln>
-            <a:solidFill>
-              <a:srgbClr val="FF0000"/>
-            </a:solidFill>
-          </a:ln>
-        </p:spPr>
-        <p:style>
-          <a:lnRef idx="2">
-            <a:schemeClr val="accent1">
-              <a:shade val="15000"/>
-            </a:schemeClr>
-          </a:lnRef>
-          <a:fillRef idx="1">
-            <a:schemeClr val="accent1"/>
-          </a:fillRef>
-          <a:effectRef idx="0">
-            <a:schemeClr val="accent1"/>
-          </a:effectRef>
-          <a:fontRef idx="minor">
-            <a:schemeClr val="lt1"/>
-          </a:fontRef>
-        </p:style>
-        <p:txBody>
-          <a:bodyPr rtlCol="0" anchor="ctr"/>
-          <a:lstStyle/>
-          <a:p>
-            <a:pPr algn="ctr"/>
-            <a:r>
-              <a:rPr lang="en-GB" dirty="0">
-                <a:solidFill>
-                  <a:schemeClr val="tx1"/>
-                </a:solidFill>
-              </a:rPr>
-              <a:t>Upload results to S3</a:t>
-            </a:r>
-          </a:p>
-        </p:txBody>
-      </p:sp>
+      </p:pic>
       <p:cxnSp>
         <p:nvCxnSpPr>
-          <p:cNvPr id="14" name="Straight Arrow Connector 13">
-            <a:extLst>
-              <a:ext uri="{FF2B5EF4-FFF2-40B4-BE49-F238E27FC236}">
-                <a16:creationId xmlns:a16="http://schemas.microsoft.com/office/drawing/2014/main" id="{2F86F29F-FCDD-B9B8-7D51-06C9DB58ADE2}"/>
-              </a:ext>
-            </a:extLst>
-          </p:cNvPr>
-          <p:cNvCxnSpPr>
-            <a:stCxn id="4" idx="3"/>
-            <a:endCxn id="11" idx="1"/>
-          </p:cNvCxnSpPr>
+          <p:cNvPr id="18" name="Straight Arrow Connector 17">
+            <a:extLst>
+              <a:ext uri="{FF2B5EF4-FFF2-40B4-BE49-F238E27FC236}">
+                <a16:creationId xmlns:a16="http://schemas.microsoft.com/office/drawing/2014/main" id="{2077AEBC-B0CC-0CE8-AAAD-7D3FBBCE37DC}"/>
+              </a:ext>
+            </a:extLst>
+          </p:cNvPr>
+          <p:cNvCxnSpPr/>
           <p:nvPr/>
         </p:nvCxnSpPr>
         <p:spPr>
-          <a:xfrm flipV="1">
-            <a:off x="6811581" y="3232595"/>
-            <a:ext cx="2082354" cy="772733"/>
+          <a:xfrm>
+            <a:off x="9222377" y="3592286"/>
+            <a:ext cx="0" cy="1449977"/>
           </a:xfrm>
           <a:prstGeom prst="straightConnector1">
             <a:avLst/>
@@ -4495,28 +4271,78 @@
           </a:fontRef>
         </p:style>
       </p:cxnSp>
+      <p:sp>
+        <p:nvSpPr>
+          <p:cNvPr id="19" name="Rectangle 18">
+            <a:extLst>
+              <a:ext uri="{FF2B5EF4-FFF2-40B4-BE49-F238E27FC236}">
+                <a16:creationId xmlns:a16="http://schemas.microsoft.com/office/drawing/2014/main" id="{0F8D3F2B-A113-E74D-560E-C2D070BCA5C8}"/>
+              </a:ext>
+            </a:extLst>
+          </p:cNvPr>
+          <p:cNvSpPr/>
+          <p:nvPr/>
+        </p:nvSpPr>
+        <p:spPr>
+          <a:xfrm>
+            <a:off x="8151222" y="5042263"/>
+            <a:ext cx="2076995" cy="849086"/>
+          </a:xfrm>
+          <a:prstGeom prst="rect">
+            <a:avLst/>
+          </a:prstGeom>
+        </p:spPr>
+        <p:style>
+          <a:lnRef idx="2">
+            <a:schemeClr val="accent1">
+              <a:shade val="15000"/>
+            </a:schemeClr>
+          </a:lnRef>
+          <a:fillRef idx="1">
+            <a:schemeClr val="accent1"/>
+          </a:fillRef>
+          <a:effectRef idx="0">
+            <a:schemeClr val="accent1"/>
+          </a:effectRef>
+          <a:fontRef idx="minor">
+            <a:schemeClr val="lt1"/>
+          </a:fontRef>
+        </p:style>
+        <p:txBody>
+          <a:bodyPr rtlCol="0" anchor="ctr"/>
+          <a:lstStyle/>
+          <a:p>
+            <a:pPr algn="ctr"/>
+            <a:r>
+              <a:rPr lang="en-GB" dirty="0"/>
+              <a:t>AWS Service (needs to be able to assume role)</a:t>
+            </a:r>
+          </a:p>
+        </p:txBody>
+      </p:sp>
       <p:cxnSp>
         <p:nvCxnSpPr>
-          <p:cNvPr id="16" name="Straight Arrow Connector 15">
-            <a:extLst>
-              <a:ext uri="{FF2B5EF4-FFF2-40B4-BE49-F238E27FC236}">
-                <a16:creationId xmlns:a16="http://schemas.microsoft.com/office/drawing/2014/main" id="{27F81A1E-967D-6560-AA67-B2A6EE445C7C}"/>
+          <p:cNvPr id="21" name="Elbow Connector 20">
+            <a:extLst>
+              <a:ext uri="{FF2B5EF4-FFF2-40B4-BE49-F238E27FC236}">
+                <a16:creationId xmlns:a16="http://schemas.microsoft.com/office/drawing/2014/main" id="{3726D0C7-AF1F-FCEF-86BF-9BD41ED32AD2}"/>
               </a:ext>
             </a:extLst>
           </p:cNvPr>
           <p:cNvCxnSpPr>
-            <a:stCxn id="4" idx="3"/>
-            <a:endCxn id="5" idx="1"/>
+            <a:endCxn id="19" idx="1"/>
           </p:cNvCxnSpPr>
           <p:nvPr/>
         </p:nvCxnSpPr>
         <p:spPr>
           <a:xfrm>
-            <a:off x="6811581" y="4005328"/>
-            <a:ext cx="2082354" cy="833568"/>
+            <a:off x="2769326" y="4503359"/>
+            <a:ext cx="5381896" cy="963447"/>
           </a:xfrm>
-          <a:prstGeom prst="straightConnector1">
-            <a:avLst/>
+          <a:prstGeom prst="bentConnector3">
+            <a:avLst>
+              <a:gd name="adj1" fmla="val 243"/>
+            </a:avLst>
           </a:prstGeom>
           <a:ln>
             <a:tailEnd type="triangle"/>
@@ -4537,394 +4363,84 @@
           </a:fontRef>
         </p:style>
       </p:cxnSp>
-      <p:cxnSp>
-        <p:nvCxnSpPr>
-          <p:cNvPr id="18" name="Straight Arrow Connector 17">
-            <a:extLst>
-              <a:ext uri="{FF2B5EF4-FFF2-40B4-BE49-F238E27FC236}">
-                <a16:creationId xmlns:a16="http://schemas.microsoft.com/office/drawing/2014/main" id="{6AB98C33-3FF1-87FF-2212-5FCCA3371095}"/>
-              </a:ext>
-            </a:extLst>
-          </p:cNvPr>
-          <p:cNvCxnSpPr>
-            <a:cxnSpLocks/>
-            <a:stCxn id="8" idx="3"/>
-            <a:endCxn id="4" idx="1"/>
-          </p:cNvCxnSpPr>
+      <p:sp>
+        <p:nvSpPr>
+          <p:cNvPr id="23" name="TextBox 22">
+            <a:extLst>
+              <a:ext uri="{FF2B5EF4-FFF2-40B4-BE49-F238E27FC236}">
+                <a16:creationId xmlns:a16="http://schemas.microsoft.com/office/drawing/2014/main" id="{A4EB1929-01B6-8D2E-375F-1C63F0CFDB21}"/>
+              </a:ext>
+            </a:extLst>
+          </p:cNvPr>
+          <p:cNvSpPr txBox="1"/>
           <p:nvPr/>
-        </p:nvCxnSpPr>
+        </p:nvSpPr>
         <p:spPr>
           <a:xfrm>
-            <a:off x="3000777" y="4005328"/>
-            <a:ext cx="1648227" cy="0"/>
+            <a:off x="9359536" y="3717109"/>
+            <a:ext cx="2076991" cy="1200329"/>
           </a:xfrm>
-          <a:prstGeom prst="straightConnector1">
+          <a:prstGeom prst="rect">
             <a:avLst/>
           </a:prstGeom>
-          <a:ln>
-            <a:tailEnd type="triangle"/>
-          </a:ln>
+          <a:noFill/>
         </p:spPr>
-        <p:style>
-          <a:lnRef idx="2">
-            <a:schemeClr val="accent1"/>
-          </a:lnRef>
-          <a:fillRef idx="0">
-            <a:schemeClr val="accent1"/>
-          </a:fillRef>
-          <a:effectRef idx="1">
-            <a:schemeClr val="accent1"/>
-          </a:effectRef>
-          <a:fontRef idx="minor">
-            <a:schemeClr val="tx1"/>
-          </a:fontRef>
-        </p:style>
-      </p:cxnSp>
-      <p:cxnSp>
-        <p:nvCxnSpPr>
-          <p:cNvPr id="20" name="Straight Arrow Connector 19">
-            <a:extLst>
-              <a:ext uri="{FF2B5EF4-FFF2-40B4-BE49-F238E27FC236}">
-                <a16:creationId xmlns:a16="http://schemas.microsoft.com/office/drawing/2014/main" id="{2B3D3DAB-0F60-9458-FA89-5DAA3721506B}"/>
-              </a:ext>
-            </a:extLst>
-          </p:cNvPr>
-          <p:cNvCxnSpPr>
-            <a:cxnSpLocks/>
-            <a:stCxn id="5" idx="2"/>
-            <a:endCxn id="23" idx="0"/>
-          </p:cNvCxnSpPr>
+        <p:txBody>
+          <a:bodyPr wrap="square" rtlCol="0">
+            <a:spAutoFit/>
+          </a:bodyPr>
+          <a:lstStyle/>
+          <a:p>
+            <a:r>
+              <a:rPr lang="en-GB" dirty="0" err="1"/>
+              <a:t>Github</a:t>
+            </a:r>
+            <a:r>
+              <a:rPr lang="en-GB" dirty="0"/>
+              <a:t> action accesses service using the </a:t>
+            </a:r>
+            <a:r>
+              <a:rPr lang="en-GB" dirty="0" err="1"/>
+              <a:t>Github</a:t>
+            </a:r>
+            <a:r>
+              <a:rPr lang="en-GB" dirty="0"/>
+              <a:t> role assumed </a:t>
+            </a:r>
+          </a:p>
+        </p:txBody>
+      </p:sp>
+      <p:sp>
+        <p:nvSpPr>
+          <p:cNvPr id="24" name="TextBox 23">
+            <a:extLst>
+              <a:ext uri="{FF2B5EF4-FFF2-40B4-BE49-F238E27FC236}">
+                <a16:creationId xmlns:a16="http://schemas.microsoft.com/office/drawing/2014/main" id="{213BE999-CDCF-A287-5350-80FF16AD9CE2}"/>
+              </a:ext>
+            </a:extLst>
+          </p:cNvPr>
+          <p:cNvSpPr txBox="1"/>
           <p:nvPr/>
-        </p:nvCxnSpPr>
+        </p:nvSpPr>
         <p:spPr>
-          <a:xfrm flipH="1">
-            <a:off x="9975223" y="5225262"/>
-            <a:ext cx="1" cy="494880"/>
+          <a:xfrm>
+            <a:off x="4569973" y="4866641"/>
+            <a:ext cx="2797478" cy="923330"/>
           </a:xfrm>
-          <a:prstGeom prst="straightConnector1">
+          <a:prstGeom prst="rect">
             <a:avLst/>
           </a:prstGeom>
-          <a:ln>
-            <a:tailEnd type="triangle"/>
-          </a:ln>
+          <a:noFill/>
         </p:spPr>
-        <p:style>
-          <a:lnRef idx="2">
-            <a:schemeClr val="accent1"/>
-          </a:lnRef>
-          <a:fillRef idx="0">
-            <a:schemeClr val="accent1"/>
-          </a:fillRef>
-          <a:effectRef idx="1">
-            <a:schemeClr val="accent1"/>
-          </a:effectRef>
-          <a:fontRef idx="minor">
-            <a:schemeClr val="tx1"/>
-          </a:fontRef>
-        </p:style>
-      </p:cxnSp>
-      <p:sp>
-        <p:nvSpPr>
-          <p:cNvPr id="23" name="Rounded Rectangle 22">
-            <a:extLst>
-              <a:ext uri="{FF2B5EF4-FFF2-40B4-BE49-F238E27FC236}">
-                <a16:creationId xmlns:a16="http://schemas.microsoft.com/office/drawing/2014/main" id="{3213F065-2C71-D9C8-816E-A923FF214EAD}"/>
-              </a:ext>
-            </a:extLst>
-          </p:cNvPr>
-          <p:cNvSpPr/>
-          <p:nvPr/>
-        </p:nvSpPr>
-        <p:spPr>
-          <a:xfrm>
-            <a:off x="8893934" y="5720142"/>
-            <a:ext cx="2162577" cy="772733"/>
-          </a:xfrm>
-          <a:prstGeom prst="roundRect">
-            <a:avLst/>
-          </a:prstGeom>
-          <a:solidFill>
-            <a:schemeClr val="tx2">
-              <a:lumMod val="25000"/>
-              <a:lumOff val="75000"/>
-            </a:schemeClr>
-          </a:solidFill>
-          <a:ln>
-            <a:noFill/>
-          </a:ln>
-        </p:spPr>
-        <p:style>
-          <a:lnRef idx="2">
-            <a:schemeClr val="accent1">
-              <a:shade val="15000"/>
-            </a:schemeClr>
-          </a:lnRef>
-          <a:fillRef idx="1">
-            <a:schemeClr val="accent1"/>
-          </a:fillRef>
-          <a:effectRef idx="0">
-            <a:schemeClr val="accent1"/>
-          </a:effectRef>
-          <a:fontRef idx="minor">
-            <a:schemeClr val="lt1"/>
-          </a:fontRef>
-        </p:style>
-        <p:txBody>
-          <a:bodyPr rtlCol="0" anchor="ctr"/>
-          <a:lstStyle/>
-          <a:p>
-            <a:pPr algn="ctr"/>
-            <a:r>
-              <a:rPr lang="en-GB" dirty="0">
-                <a:solidFill>
-                  <a:schemeClr val="tx1"/>
-                </a:solidFill>
-              </a:rPr>
-              <a:t>Best model pulled from S3 when </a:t>
-            </a:r>
-            <a:r>
-              <a:rPr lang="en-GB" dirty="0" err="1">
-                <a:solidFill>
-                  <a:schemeClr val="tx1"/>
-                </a:solidFill>
-              </a:rPr>
-              <a:t>dockerising</a:t>
-            </a:r>
-            <a:r>
-              <a:rPr lang="en-GB" dirty="0">
-                <a:solidFill>
-                  <a:schemeClr val="tx1"/>
-                </a:solidFill>
-              </a:rPr>
-              <a:t> app</a:t>
-            </a:r>
-          </a:p>
-        </p:txBody>
-      </p:sp>
-      <p:cxnSp>
-        <p:nvCxnSpPr>
-          <p:cNvPr id="31" name="Straight Arrow Connector 30">
-            <a:extLst>
-              <a:ext uri="{FF2B5EF4-FFF2-40B4-BE49-F238E27FC236}">
-                <a16:creationId xmlns:a16="http://schemas.microsoft.com/office/drawing/2014/main" id="{E6A749EF-3C91-FD0F-7961-F341F2A974C4}"/>
-              </a:ext>
-            </a:extLst>
-          </p:cNvPr>
-          <p:cNvCxnSpPr>
-            <a:cxnSpLocks/>
-            <a:stCxn id="11" idx="0"/>
-            <a:endCxn id="40" idx="2"/>
-          </p:cNvCxnSpPr>
-          <p:nvPr/>
-        </p:nvCxnSpPr>
-        <p:spPr>
-          <a:xfrm flipH="1" flipV="1">
-            <a:off x="9975222" y="2476295"/>
-            <a:ext cx="2" cy="369933"/>
-          </a:xfrm>
-          <a:prstGeom prst="straightConnector1">
-            <a:avLst/>
-          </a:prstGeom>
-          <a:ln>
-            <a:tailEnd type="triangle"/>
-          </a:ln>
-        </p:spPr>
-        <p:style>
-          <a:lnRef idx="2">
-            <a:schemeClr val="accent1"/>
-          </a:lnRef>
-          <a:fillRef idx="0">
-            <a:schemeClr val="accent1"/>
-          </a:fillRef>
-          <a:effectRef idx="1">
-            <a:schemeClr val="accent1"/>
-          </a:effectRef>
-          <a:fontRef idx="minor">
-            <a:schemeClr val="tx1"/>
-          </a:fontRef>
-        </p:style>
-      </p:cxnSp>
-      <p:sp>
-        <p:nvSpPr>
-          <p:cNvPr id="40" name="Rounded Rectangle 39">
-            <a:extLst>
-              <a:ext uri="{FF2B5EF4-FFF2-40B4-BE49-F238E27FC236}">
-                <a16:creationId xmlns:a16="http://schemas.microsoft.com/office/drawing/2014/main" id="{80973716-72A7-E917-E8E5-BF2ADE46CDC8}"/>
-              </a:ext>
-            </a:extLst>
-          </p:cNvPr>
-          <p:cNvSpPr/>
-          <p:nvPr/>
-        </p:nvSpPr>
-        <p:spPr>
-          <a:xfrm>
-            <a:off x="8893933" y="1703562"/>
-            <a:ext cx="2162577" cy="772733"/>
-          </a:xfrm>
-          <a:prstGeom prst="roundRect">
-            <a:avLst/>
-          </a:prstGeom>
-          <a:solidFill>
-            <a:schemeClr val="tx2">
-              <a:lumMod val="25000"/>
-              <a:lumOff val="75000"/>
-            </a:schemeClr>
-          </a:solidFill>
-          <a:ln>
-            <a:solidFill>
-              <a:schemeClr val="tx2"/>
-            </a:solidFill>
-          </a:ln>
-        </p:spPr>
-        <p:style>
-          <a:lnRef idx="2">
-            <a:schemeClr val="accent1">
-              <a:shade val="15000"/>
-            </a:schemeClr>
-          </a:lnRef>
-          <a:fillRef idx="1">
-            <a:schemeClr val="accent1"/>
-          </a:fillRef>
-          <a:effectRef idx="0">
-            <a:schemeClr val="accent1"/>
-          </a:effectRef>
-          <a:fontRef idx="minor">
-            <a:schemeClr val="lt1"/>
-          </a:fontRef>
-        </p:style>
-        <p:txBody>
-          <a:bodyPr rtlCol="0" anchor="ctr"/>
-          <a:lstStyle/>
-          <a:p>
-            <a:pPr algn="ctr"/>
-            <a:r>
-              <a:rPr lang="en-GB" dirty="0">
-                <a:solidFill>
-                  <a:schemeClr val="tx1"/>
-                </a:solidFill>
-              </a:rPr>
-              <a:t>Use </a:t>
-            </a:r>
-            <a:r>
-              <a:rPr lang="en-GB" dirty="0" err="1">
-                <a:solidFill>
-                  <a:schemeClr val="tx1"/>
-                </a:solidFill>
-              </a:rPr>
-              <a:t>Github</a:t>
-            </a:r>
-            <a:r>
-              <a:rPr lang="en-GB" dirty="0">
-                <a:solidFill>
-                  <a:schemeClr val="tx1"/>
-                </a:solidFill>
-              </a:rPr>
-              <a:t> actions to create MD file for results</a:t>
-            </a:r>
-          </a:p>
-        </p:txBody>
-      </p:sp>
-      <p:cxnSp>
-        <p:nvCxnSpPr>
-          <p:cNvPr id="45" name="Straight Arrow Connector 44">
-            <a:extLst>
-              <a:ext uri="{FF2B5EF4-FFF2-40B4-BE49-F238E27FC236}">
-                <a16:creationId xmlns:a16="http://schemas.microsoft.com/office/drawing/2014/main" id="{36FF0506-910F-8C0C-31FA-49F34FE7FB85}"/>
-              </a:ext>
-            </a:extLst>
-          </p:cNvPr>
-          <p:cNvCxnSpPr>
-            <a:cxnSpLocks/>
-            <a:stCxn id="40" idx="0"/>
-            <a:endCxn id="46" idx="2"/>
-          </p:cNvCxnSpPr>
-          <p:nvPr/>
-        </p:nvCxnSpPr>
-        <p:spPr>
-          <a:xfrm flipV="1">
-            <a:off x="9975222" y="1333629"/>
-            <a:ext cx="0" cy="369933"/>
-          </a:xfrm>
-          <a:prstGeom prst="straightConnector1">
-            <a:avLst/>
-          </a:prstGeom>
-          <a:ln>
-            <a:tailEnd type="triangle"/>
-          </a:ln>
-        </p:spPr>
-        <p:style>
-          <a:lnRef idx="2">
-            <a:schemeClr val="accent1"/>
-          </a:lnRef>
-          <a:fillRef idx="0">
-            <a:schemeClr val="accent1"/>
-          </a:fillRef>
-          <a:effectRef idx="1">
-            <a:schemeClr val="accent1"/>
-          </a:effectRef>
-          <a:fontRef idx="minor">
-            <a:schemeClr val="tx1"/>
-          </a:fontRef>
-        </p:style>
-      </p:cxnSp>
-      <p:sp>
-        <p:nvSpPr>
-          <p:cNvPr id="46" name="Rounded Rectangle 45">
-            <a:extLst>
-              <a:ext uri="{FF2B5EF4-FFF2-40B4-BE49-F238E27FC236}">
-                <a16:creationId xmlns:a16="http://schemas.microsoft.com/office/drawing/2014/main" id="{51AF1A92-1FEE-D339-D59B-A199EA997F30}"/>
-              </a:ext>
-            </a:extLst>
-          </p:cNvPr>
-          <p:cNvSpPr/>
-          <p:nvPr/>
-        </p:nvSpPr>
-        <p:spPr>
-          <a:xfrm>
-            <a:off x="8893933" y="560896"/>
-            <a:ext cx="2162577" cy="772733"/>
-          </a:xfrm>
-          <a:prstGeom prst="roundRect">
-            <a:avLst/>
-          </a:prstGeom>
-          <a:solidFill>
-            <a:schemeClr val="tx2">
-              <a:lumMod val="25000"/>
-              <a:lumOff val="75000"/>
-            </a:schemeClr>
-          </a:solidFill>
-          <a:ln>
-            <a:noFill/>
-          </a:ln>
-        </p:spPr>
-        <p:style>
-          <a:lnRef idx="2">
-            <a:schemeClr val="accent1">
-              <a:shade val="15000"/>
-            </a:schemeClr>
-          </a:lnRef>
-          <a:fillRef idx="1">
-            <a:schemeClr val="accent1"/>
-          </a:fillRef>
-          <a:effectRef idx="0">
-            <a:schemeClr val="accent1"/>
-          </a:effectRef>
-          <a:fontRef idx="minor">
-            <a:schemeClr val="lt1"/>
-          </a:fontRef>
-        </p:style>
-        <p:txBody>
-          <a:bodyPr rtlCol="0" anchor="ctr"/>
-          <a:lstStyle/>
-          <a:p>
-            <a:pPr algn="ctr"/>
-            <a:r>
-              <a:rPr lang="en-GB" dirty="0">
-                <a:solidFill>
-                  <a:schemeClr val="tx1"/>
-                </a:solidFill>
-              </a:rPr>
-              <a:t>Send results to Slack</a:t>
+        <p:txBody>
+          <a:bodyPr wrap="square" rtlCol="0">
+            <a:spAutoFit/>
+          </a:bodyPr>
+          <a:lstStyle/>
+          <a:p>
+            <a:r>
+              <a:rPr lang="en-GB" dirty="0"/>
+              <a:t>With role given which already trusts OIDC in a federated way</a:t>
             </a:r>
           </a:p>
         </p:txBody>
@@ -4932,7 +4448,7 @@
     </p:spTree>
     <p:extLst>
       <p:ext uri="{BB962C8B-B14F-4D97-AF65-F5344CB8AC3E}">
-        <p14:creationId xmlns:p14="http://schemas.microsoft.com/office/powerpoint/2010/main" val="1775362090"/>
+        <p14:creationId xmlns:p14="http://schemas.microsoft.com/office/powerpoint/2010/main" val="3008732277"/>
       </p:ext>
     </p:extLst>
   </p:cSld>
@@ -6295,7 +5811,7 @@
         <p:spPr>
           <a:xfrm>
             <a:off x="3942144" y="2590065"/>
-            <a:ext cx="2414384" cy="1006997"/>
+            <a:ext cx="2414384" cy="1426763"/>
           </a:xfrm>
           <a:prstGeom prst="roundRect">
             <a:avLst/>
@@ -6324,19 +5840,16 @@
             <a:pPr algn="ctr"/>
             <a:r>
               <a:rPr lang="en-GB" dirty="0"/>
-              <a:t>Model training &amp; output champion model </a:t>
-            </a:r>
-            <a:r>
-              <a:rPr lang="en-GB" b="1" dirty="0">
-                <a:solidFill>
-                  <a:schemeClr val="accent2">
-                    <a:lumMod val="40000"/>
-                    <a:lumOff val="60000"/>
-                  </a:schemeClr>
-                </a:solidFill>
-              </a:rPr>
-              <a:t>locally</a:t>
-            </a:r>
+              <a:t>Model hyperparameter tuning &amp; output champion model to S3</a:t>
+            </a:r>
+            <a:endParaRPr lang="en-GB" b="1" dirty="0">
+              <a:solidFill>
+                <a:schemeClr val="accent2">
+                  <a:lumMod val="40000"/>
+                  <a:lumOff val="60000"/>
+                </a:schemeClr>
+              </a:solidFill>
+            </a:endParaRPr>
           </a:p>
         </p:txBody>
       </p:sp>
@@ -6400,7 +5913,7 @@
         </p:nvGrpSpPr>
         <p:grpSpPr>
           <a:xfrm>
-            <a:off x="7964819" y="3592744"/>
+            <a:off x="7964819" y="4016828"/>
             <a:ext cx="1429538" cy="882994"/>
             <a:chOff x="8477318" y="3594775"/>
             <a:chExt cx="1429538" cy="882994"/>
@@ -6660,8 +6173,8 @@
         </p:nvSpPr>
         <p:spPr>
           <a:xfrm>
-            <a:off x="7825951" y="2755461"/>
-            <a:ext cx="1748563" cy="686336"/>
+            <a:off x="7825951" y="2755460"/>
+            <a:ext cx="1748563" cy="1121697"/>
           </a:xfrm>
           <a:prstGeom prst="roundRect">
             <a:avLst/>
@@ -6758,8 +6271,8 @@
         </p:nvSpPr>
         <p:spPr>
           <a:xfrm>
-            <a:off x="7746251" y="2628702"/>
-            <a:ext cx="1904284" cy="1990411"/>
+            <a:off x="7746251" y="2628703"/>
+            <a:ext cx="1904284" cy="2435946"/>
           </a:xfrm>
           <a:prstGeom prst="rect">
             <a:avLst/>
@@ -6810,7 +6323,7 @@
         </p:nvSpPr>
         <p:spPr>
           <a:xfrm>
-            <a:off x="7568752" y="4722207"/>
+            <a:off x="7568752" y="5112273"/>
             <a:ext cx="2259282" cy="369332"/>
           </a:xfrm>
           <a:prstGeom prst="rect">
@@ -6957,36 +6470,6 @@
           <a:xfrm>
             <a:off x="7821405" y="1753676"/>
             <a:ext cx="791374" cy="872325"/>
-          </a:xfrm>
-          <a:prstGeom prst="rect">
-            <a:avLst/>
-          </a:prstGeom>
-        </p:spPr>
-      </p:pic>
-      <p:pic>
-        <p:nvPicPr>
-          <p:cNvPr id="26" name="Picture 25" descr="A blue and black logo&#10;&#10;Description automatically generated">
-            <a:extLst>
-              <a:ext uri="{FF2B5EF4-FFF2-40B4-BE49-F238E27FC236}">
-                <a16:creationId xmlns:a16="http://schemas.microsoft.com/office/drawing/2014/main" id="{835A849E-3EF8-80CF-4689-BCB4D9A0877A}"/>
-              </a:ext>
-            </a:extLst>
-          </p:cNvPr>
-          <p:cNvPicPr>
-            <a:picLocks noChangeAspect="1"/>
-          </p:cNvPicPr>
-          <p:nvPr/>
-        </p:nvPicPr>
-        <p:blipFill>
-          <a:blip r:embed="rId9"/>
-          <a:stretch>
-            <a:fillRect/>
-          </a:stretch>
-        </p:blipFill>
-        <p:spPr>
-          <a:xfrm>
-            <a:off x="4571700" y="1987571"/>
-            <a:ext cx="1244173" cy="456049"/>
           </a:xfrm>
           <a:prstGeom prst="rect">
             <a:avLst/>
@@ -7216,10 +6699,10 @@
           <p:nvPr/>
         </p:nvPicPr>
         <p:blipFill>
-          <a:blip r:embed="rId10">
+          <a:blip r:embed="rId9">
             <a:extLst>
               <a:ext uri="{96DAC541-7B7A-43D3-8B79-37D633B846F1}">
-                <asvg:svgBlip xmlns:asvg="http://schemas.microsoft.com/office/drawing/2016/SVG/main" r:embed="rId11"/>
+                <asvg:svgBlip xmlns:asvg="http://schemas.microsoft.com/office/drawing/2016/SVG/main" r:embed="rId10"/>
               </a:ext>
             </a:extLst>
           </a:blip>
@@ -7252,7 +6735,7 @@
           <p:nvPr/>
         </p:nvPicPr>
         <p:blipFill>
-          <a:blip r:embed="rId12">
+          <a:blip r:embed="rId11">
             <a:extLst>
               <a:ext uri="{28A0092B-C50C-407E-A947-70E740481C1C}">
                 <a14:useLocalDpi xmlns:a14="http://schemas.microsoft.com/office/drawing/2010/main" val="0"/>
@@ -7299,7 +6782,7 @@
           <p:nvPr/>
         </p:nvPicPr>
         <p:blipFill>
-          <a:blip r:embed="rId13">
+          <a:blip r:embed="rId12">
             <a:extLst>
               <a:ext uri="{28A0092B-C50C-407E-A947-70E740481C1C}">
                 <a14:useLocalDpi xmlns:a14="http://schemas.microsoft.com/office/drawing/2010/main" val="0"/>
@@ -7402,7 +6885,7 @@
           <p:nvPr/>
         </p:nvPicPr>
         <p:blipFill>
-          <a:blip r:embed="rId14">
+          <a:blip r:embed="rId13">
             <a:extLst>
               <a:ext uri="{28A0092B-C50C-407E-A947-70E740481C1C}">
                 <a14:useLocalDpi xmlns:a14="http://schemas.microsoft.com/office/drawing/2010/main" val="0"/>
@@ -7449,7 +6932,7 @@
           <p:nvPr/>
         </p:nvPicPr>
         <p:blipFill>
-          <a:blip r:embed="rId15">
+          <a:blip r:embed="rId14">
             <a:extLst>
               <a:ext uri="{28A0092B-C50C-407E-A947-70E740481C1C}">
                 <a14:useLocalDpi xmlns:a14="http://schemas.microsoft.com/office/drawing/2010/main" val="0"/>
@@ -7481,109 +6964,133 @@
           </a:extLst>
         </p:spPr>
       </p:pic>
-      <p:sp>
-        <p:nvSpPr>
-          <p:cNvPr id="6" name="Oval 5">
-            <a:extLst>
-              <a:ext uri="{FF2B5EF4-FFF2-40B4-BE49-F238E27FC236}">
-                <a16:creationId xmlns:a16="http://schemas.microsoft.com/office/drawing/2014/main" id="{1DAE028E-7601-552A-F216-4E69207A9AF8}"/>
-              </a:ext>
-            </a:extLst>
-          </p:cNvPr>
-          <p:cNvSpPr/>
+      <p:pic>
+        <p:nvPicPr>
+          <p:cNvPr id="4" name="Picture 4" descr="GitHub Actions documentation - GitHub Docs">
+            <a:extLst>
+              <a:ext uri="{FF2B5EF4-FFF2-40B4-BE49-F238E27FC236}">
+                <a16:creationId xmlns:a16="http://schemas.microsoft.com/office/drawing/2014/main" id="{4FA508FA-3372-00E2-106A-9F6A626EE3BB}"/>
+              </a:ext>
+            </a:extLst>
+          </p:cNvPr>
+          <p:cNvPicPr>
+            <a:picLocks noChangeAspect="1" noChangeArrowheads="1"/>
+          </p:cNvPicPr>
           <p:nvPr/>
-        </p:nvSpPr>
-        <p:spPr>
+        </p:nvPicPr>
+        <p:blipFill>
+          <a:blip r:embed="rId13">
+            <a:extLst>
+              <a:ext uri="{28A0092B-C50C-407E-A947-70E740481C1C}">
+                <a14:useLocalDpi xmlns:a14="http://schemas.microsoft.com/office/drawing/2010/main" val="0"/>
+              </a:ext>
+            </a:extLst>
+          </a:blip>
+          <a:srcRect/>
+          <a:stretch>
+            <a:fillRect/>
+          </a:stretch>
+        </p:blipFill>
+        <p:spPr bwMode="auto">
           <a:xfrm>
-            <a:off x="447778" y="1551084"/>
-            <a:ext cx="990768" cy="990768"/>
+            <a:off x="4251553" y="1794717"/>
+            <a:ext cx="661320" cy="661320"/>
           </a:xfrm>
-          <a:prstGeom prst="ellipse">
+          <a:prstGeom prst="rect">
             <a:avLst/>
           </a:prstGeom>
           <a:noFill/>
-          <a:ln>
-            <a:solidFill>
-              <a:srgbClr val="C00000"/>
-            </a:solidFill>
-            <a:prstDash val="sysDash"/>
-          </a:ln>
+          <a:extLst>
+            <a:ext uri="{909E8E84-426E-40DD-AFC4-6F175D3DCCD1}">
+              <a14:hiddenFill xmlns:a14="http://schemas.microsoft.com/office/drawing/2010/main">
+                <a:solidFill>
+                  <a:srgbClr val="FFFFFF"/>
+                </a:solidFill>
+              </a14:hiddenFill>
+            </a:ext>
+          </a:extLst>
         </p:spPr>
-        <p:style>
-          <a:lnRef idx="2">
-            <a:schemeClr val="accent1">
-              <a:shade val="15000"/>
-            </a:schemeClr>
-          </a:lnRef>
-          <a:fillRef idx="1">
-            <a:schemeClr val="accent1"/>
-          </a:fillRef>
-          <a:effectRef idx="0">
-            <a:schemeClr val="accent1"/>
-          </a:effectRef>
-          <a:fontRef idx="minor">
-            <a:schemeClr val="lt1"/>
-          </a:fontRef>
-        </p:style>
-        <p:txBody>
-          <a:bodyPr rtlCol="0" anchor="ctr"/>
-          <a:lstStyle/>
-          <a:p>
-            <a:pPr algn="ctr"/>
-            <a:endParaRPr lang="en-GB"/>
-          </a:p>
-        </p:txBody>
-      </p:sp>
-      <p:sp>
-        <p:nvSpPr>
-          <p:cNvPr id="7" name="Oval 6">
-            <a:extLst>
-              <a:ext uri="{FF2B5EF4-FFF2-40B4-BE49-F238E27FC236}">
-                <a16:creationId xmlns:a16="http://schemas.microsoft.com/office/drawing/2014/main" id="{CB24A546-7A4B-2237-A9E8-68500520FCE8}"/>
-              </a:ext>
-            </a:extLst>
-          </p:cNvPr>
-          <p:cNvSpPr/>
+      </p:pic>
+      <p:pic>
+        <p:nvPicPr>
+          <p:cNvPr id="5" name="Picture 4">
+            <a:extLst>
+              <a:ext uri="{FF2B5EF4-FFF2-40B4-BE49-F238E27FC236}">
+                <a16:creationId xmlns:a16="http://schemas.microsoft.com/office/drawing/2014/main" id="{ABE3CE36-E895-46B6-1EBB-A5AB2F7B7103}"/>
+              </a:ext>
+            </a:extLst>
+          </p:cNvPr>
+          <p:cNvPicPr>
+            <a:picLocks noChangeAspect="1" noChangeArrowheads="1"/>
+          </p:cNvPicPr>
           <p:nvPr/>
-        </p:nvSpPr>
-        <p:spPr>
+        </p:nvPicPr>
+        <p:blipFill>
+          <a:blip r:embed="rId11">
+            <a:extLst>
+              <a:ext uri="{28A0092B-C50C-407E-A947-70E740481C1C}">
+                <a14:useLocalDpi xmlns:a14="http://schemas.microsoft.com/office/drawing/2010/main" val="0"/>
+              </a:ext>
+            </a:extLst>
+          </a:blip>
+          <a:srcRect/>
+          <a:stretch>
+            <a:fillRect/>
+          </a:stretch>
+        </p:blipFill>
+        <p:spPr bwMode="auto">
           <a:xfrm>
-            <a:off x="3621193" y="1482583"/>
-            <a:ext cx="3028399" cy="3028399"/>
+            <a:off x="5254074" y="1679877"/>
+            <a:ext cx="702462" cy="840620"/>
           </a:xfrm>
-          <a:prstGeom prst="ellipse">
+          <a:prstGeom prst="rect">
             <a:avLst/>
           </a:prstGeom>
           <a:noFill/>
-          <a:ln>
-            <a:solidFill>
-              <a:srgbClr val="C00000"/>
-            </a:solidFill>
-            <a:prstDash val="sysDash"/>
-          </a:ln>
+          <a:extLst>
+            <a:ext uri="{909E8E84-426E-40DD-AFC4-6F175D3DCCD1}">
+              <a14:hiddenFill xmlns:a14="http://schemas.microsoft.com/office/drawing/2010/main">
+                <a:solidFill>
+                  <a:srgbClr val="FFFFFF"/>
+                </a:solidFill>
+              </a14:hiddenFill>
+            </a:ext>
+          </a:extLst>
         </p:spPr>
-        <p:style>
-          <a:lnRef idx="2">
-            <a:schemeClr val="accent1">
-              <a:shade val="15000"/>
-            </a:schemeClr>
-          </a:lnRef>
-          <a:fillRef idx="1">
-            <a:schemeClr val="accent1"/>
-          </a:fillRef>
-          <a:effectRef idx="0">
-            <a:schemeClr val="accent1"/>
-          </a:effectRef>
-          <a:fontRef idx="minor">
-            <a:schemeClr val="lt1"/>
-          </a:fontRef>
-        </p:style>
-        <p:txBody>
-          <a:bodyPr rtlCol="0" anchor="ctr"/>
+      </p:pic>
+      <p:sp>
+        <p:nvSpPr>
+          <p:cNvPr id="10" name="TextBox 9">
+            <a:extLst>
+              <a:ext uri="{FF2B5EF4-FFF2-40B4-BE49-F238E27FC236}">
+                <a16:creationId xmlns:a16="http://schemas.microsoft.com/office/drawing/2014/main" id="{42C6AE17-925A-F54F-9587-8FB0695FB72C}"/>
+              </a:ext>
+            </a:extLst>
+          </p:cNvPr>
+          <p:cNvSpPr txBox="1"/>
+          <p:nvPr/>
+        </p:nvSpPr>
+        <p:spPr>
+          <a:xfrm>
+            <a:off x="7918156" y="3248903"/>
+            <a:ext cx="1678870" cy="646331"/>
+          </a:xfrm>
+          <a:prstGeom prst="rect">
+            <a:avLst/>
+          </a:prstGeom>
+          <a:noFill/>
+        </p:spPr>
+        <p:txBody>
+          <a:bodyPr wrap="square" rtlCol="0">
+            <a:spAutoFit/>
+          </a:bodyPr>
           <a:lstStyle/>
           <a:p>
             <a:pPr algn="ctr"/>
-            <a:endParaRPr lang="en-GB"/>
+            <a:r>
+              <a:rPr lang="en-GB" dirty="0"/>
+              <a:t>+ the model from S3</a:t>
+            </a:r>
           </a:p>
         </p:txBody>
       </p:sp>
@@ -7699,7 +7206,7 @@
                                 </p:cTn>
                               </p:par>
                               <p:par>
-                                <p:cTn id="11" presetID="1" presetClass="entr" presetSubtype="0" fill="hold" nodeType="withEffect">
+                                <p:cTn id="11" presetID="1" presetClass="entr" presetSubtype="0" fill="hold" grpId="0" nodeType="withEffect">
                                   <p:stCondLst>
                                     <p:cond delay="0"/>
                                   </p:stCondLst>
@@ -7712,7 +7219,7 @@
                                           </p:stCondLst>
                                         </p:cTn>
                                         <p:tgtEl>
-                                          <p:spTgt spid="26"/>
+                                          <p:spTgt spid="40"/>
                                         </p:tgtEl>
                                         <p:attrNameLst>
                                           <p:attrName>style.visibility</p:attrName>
@@ -7739,7 +7246,7 @@
                                           </p:stCondLst>
                                         </p:cTn>
                                         <p:tgtEl>
-                                          <p:spTgt spid="40"/>
+                                          <p:spTgt spid="41"/>
                                         </p:tgtEl>
                                         <p:attrNameLst>
                                           <p:attrName>style.visibility</p:attrName>
@@ -7753,7 +7260,7 @@
                                 </p:cTn>
                               </p:par>
                               <p:par>
-                                <p:cTn id="15" presetID="1" presetClass="entr" presetSubtype="0" fill="hold" grpId="0" nodeType="withEffect">
+                                <p:cTn id="15" presetID="1" presetClass="entr" presetSubtype="0" fill="hold" nodeType="withEffect">
                                   <p:stCondLst>
                                     <p:cond delay="0"/>
                                   </p:stCondLst>
@@ -7766,7 +7273,7 @@
                                           </p:stCondLst>
                                         </p:cTn>
                                         <p:tgtEl>
-                                          <p:spTgt spid="41"/>
+                                          <p:spTgt spid="42"/>
                                         </p:tgtEl>
                                         <p:attrNameLst>
                                           <p:attrName>style.visibility</p:attrName>
@@ -7793,7 +7300,7 @@
                                           </p:stCondLst>
                                         </p:cTn>
                                         <p:tgtEl>
-                                          <p:spTgt spid="42"/>
+                                          <p:spTgt spid="43"/>
                                         </p:tgtEl>
                                         <p:attrNameLst>
                                           <p:attrName>style.visibility</p:attrName>
@@ -7820,33 +7327,6 @@
                                           </p:stCondLst>
                                         </p:cTn>
                                         <p:tgtEl>
-                                          <p:spTgt spid="43"/>
-                                        </p:tgtEl>
-                                        <p:attrNameLst>
-                                          <p:attrName>style.visibility</p:attrName>
-                                        </p:attrNameLst>
-                                      </p:cBhvr>
-                                      <p:to>
-                                        <p:strVal val="visible"/>
-                                      </p:to>
-                                    </p:set>
-                                  </p:childTnLst>
-                                </p:cTn>
-                              </p:par>
-                              <p:par>
-                                <p:cTn id="21" presetID="1" presetClass="entr" presetSubtype="0" fill="hold" nodeType="withEffect">
-                                  <p:stCondLst>
-                                    <p:cond delay="0"/>
-                                  </p:stCondLst>
-                                  <p:childTnLst>
-                                    <p:set>
-                                      <p:cBhvr>
-                                        <p:cTn id="22" dur="1" fill="hold">
-                                          <p:stCondLst>
-                                            <p:cond delay="0"/>
-                                          </p:stCondLst>
-                                        </p:cTn>
-                                        <p:tgtEl>
                                           <p:spTgt spid="1026"/>
                                         </p:tgtEl>
                                         <p:attrNameLst>
@@ -7861,14 +7341,14 @@
                                 </p:cTn>
                               </p:par>
                               <p:par>
-                                <p:cTn id="23" presetID="1" presetClass="entr" presetSubtype="0" fill="hold" grpId="0" nodeType="withEffect">
+                                <p:cTn id="21" presetID="1" presetClass="entr" presetSubtype="0" fill="hold" grpId="0" nodeType="withEffect">
                                   <p:stCondLst>
                                     <p:cond delay="0"/>
                                   </p:stCondLst>
                                   <p:childTnLst>
                                     <p:set>
                                       <p:cBhvr>
-                                        <p:cTn id="24" dur="1" fill="hold">
+                                        <p:cTn id="22" dur="1" fill="hold">
                                           <p:stCondLst>
                                             <p:cond delay="0"/>
                                           </p:stCondLst>
@@ -7894,26 +7374,26 @@
                     </p:cTn>
                   </p:par>
                   <p:par>
-                    <p:cTn id="25" fill="hold">
+                    <p:cTn id="23" fill="hold">
                       <p:stCondLst>
                         <p:cond delay="indefinite"/>
                       </p:stCondLst>
                       <p:childTnLst>
                         <p:par>
-                          <p:cTn id="26" fill="hold">
+                          <p:cTn id="24" fill="hold">
                             <p:stCondLst>
                               <p:cond delay="0"/>
                             </p:stCondLst>
                             <p:childTnLst>
                               <p:par>
-                                <p:cTn id="27" presetID="1" presetClass="entr" presetSubtype="0" fill="hold" nodeType="clickEffect">
+                                <p:cTn id="25" presetID="1" presetClass="entr" presetSubtype="0" fill="hold" nodeType="clickEffect">
                                   <p:stCondLst>
                                     <p:cond delay="0"/>
                                   </p:stCondLst>
                                   <p:childTnLst>
                                     <p:set>
                                       <p:cBhvr>
-                                        <p:cTn id="28" dur="1" fill="hold">
+                                        <p:cTn id="26" dur="1" fill="hold">
                                           <p:stCondLst>
                                             <p:cond delay="0"/>
                                           </p:stCondLst>
@@ -7933,7 +7413,34 @@
                                 </p:cTn>
                               </p:par>
                               <p:par>
-                                <p:cTn id="29" presetID="1" presetClass="entr" presetSubtype="0" fill="hold" grpId="0" nodeType="withEffect">
+                                <p:cTn id="27" presetID="1" presetClass="entr" presetSubtype="0" fill="hold" grpId="0" nodeType="withEffect">
+                                  <p:stCondLst>
+                                    <p:cond delay="0"/>
+                                  </p:stCondLst>
+                                  <p:childTnLst>
+                                    <p:set>
+                                      <p:cBhvr>
+                                        <p:cTn id="28" dur="1" fill="hold">
+                                          <p:stCondLst>
+                                            <p:cond delay="0"/>
+                                          </p:stCondLst>
+                                        </p:cTn>
+                                        <p:tgtEl>
+                                          <p:spTgt spid="3"/>
+                                        </p:tgtEl>
+                                        <p:attrNameLst>
+                                          <p:attrName>style.visibility</p:attrName>
+                                        </p:attrNameLst>
+                                      </p:cBhvr>
+                                      <p:to>
+                                        <p:strVal val="visible"/>
+                                      </p:to>
+                                    </p:set>
+                                  </p:childTnLst>
+                                </p:cTn>
+                              </p:par>
+                              <p:par>
+                                <p:cTn id="29" presetID="1" presetClass="entr" presetSubtype="0" fill="hold" nodeType="withEffect">
                                   <p:stCondLst>
                                     <p:cond delay="0"/>
                                   </p:stCondLst>
@@ -7946,7 +7453,7 @@
                                           </p:stCondLst>
                                         </p:cTn>
                                         <p:tgtEl>
-                                          <p:spTgt spid="3"/>
+                                          <p:spTgt spid="45"/>
                                         </p:tgtEl>
                                         <p:attrNameLst>
                                           <p:attrName>style.visibility</p:attrName>
@@ -7973,33 +7480,6 @@
                                           </p:stCondLst>
                                         </p:cTn>
                                         <p:tgtEl>
-                                          <p:spTgt spid="45"/>
-                                        </p:tgtEl>
-                                        <p:attrNameLst>
-                                          <p:attrName>style.visibility</p:attrName>
-                                        </p:attrNameLst>
-                                      </p:cBhvr>
-                                      <p:to>
-                                        <p:strVal val="visible"/>
-                                      </p:to>
-                                    </p:set>
-                                  </p:childTnLst>
-                                </p:cTn>
-                              </p:par>
-                              <p:par>
-                                <p:cTn id="33" presetID="1" presetClass="entr" presetSubtype="0" fill="hold" nodeType="withEffect">
-                                  <p:stCondLst>
-                                    <p:cond delay="0"/>
-                                  </p:stCondLst>
-                                  <p:childTnLst>
-                                    <p:set>
-                                      <p:cBhvr>
-                                        <p:cTn id="34" dur="1" fill="hold">
-                                          <p:stCondLst>
-                                            <p:cond delay="0"/>
-                                          </p:stCondLst>
-                                        </p:cTn>
-                                        <p:tgtEl>
                                           <p:spTgt spid="27"/>
                                         </p:tgtEl>
                                         <p:attrNameLst>
@@ -8014,14 +7494,14 @@
                                 </p:cTn>
                               </p:par>
                               <p:par>
-                                <p:cTn id="35" presetID="1" presetClass="entr" presetSubtype="0" fill="hold" grpId="0" nodeType="withEffect">
+                                <p:cTn id="33" presetID="1" presetClass="entr" presetSubtype="0" fill="hold" grpId="0" nodeType="withEffect">
                                   <p:stCondLst>
                                     <p:cond delay="0"/>
                                   </p:stCondLst>
                                   <p:childTnLst>
                                     <p:set>
                                       <p:cBhvr>
-                                        <p:cTn id="36" dur="1" fill="hold">
+                                        <p:cTn id="34" dur="1" fill="hold">
                                           <p:stCondLst>
                                             <p:cond delay="0"/>
                                           </p:stCondLst>
@@ -8041,7 +7521,34 @@
                                 </p:cTn>
                               </p:par>
                               <p:par>
-                                <p:cTn id="37" presetID="1" presetClass="entr" presetSubtype="0" fill="hold" nodeType="withEffect">
+                                <p:cTn id="35" presetID="1" presetClass="entr" presetSubtype="0" fill="hold" nodeType="withEffect">
+                                  <p:stCondLst>
+                                    <p:cond delay="0"/>
+                                  </p:stCondLst>
+                                  <p:childTnLst>
+                                    <p:set>
+                                      <p:cBhvr>
+                                        <p:cTn id="36" dur="1" fill="hold">
+                                          <p:stCondLst>
+                                            <p:cond delay="0"/>
+                                          </p:stCondLst>
+                                        </p:cTn>
+                                        <p:tgtEl>
+                                          <p:spTgt spid="3090"/>
+                                        </p:tgtEl>
+                                        <p:attrNameLst>
+                                          <p:attrName>style.visibility</p:attrName>
+                                        </p:attrNameLst>
+                                      </p:cBhvr>
+                                      <p:to>
+                                        <p:strVal val="visible"/>
+                                      </p:to>
+                                    </p:set>
+                                  </p:childTnLst>
+                                </p:cTn>
+                              </p:par>
+                              <p:par>
+                                <p:cTn id="37" presetID="1" presetClass="entr" presetSubtype="0" fill="hold" grpId="0" nodeType="withEffect">
                                   <p:stCondLst>
                                     <p:cond delay="0"/>
                                   </p:stCondLst>
@@ -8054,7 +7561,7 @@
                                           </p:stCondLst>
                                         </p:cTn>
                                         <p:tgtEl>
-                                          <p:spTgt spid="3090"/>
+                                          <p:spTgt spid="48"/>
                                         </p:tgtEl>
                                         <p:attrNameLst>
                                           <p:attrName>style.visibility</p:attrName>
@@ -8081,7 +7588,7 @@
                                           </p:stCondLst>
                                         </p:cTn>
                                         <p:tgtEl>
-                                          <p:spTgt spid="48"/>
+                                          <p:spTgt spid="51"/>
                                         </p:tgtEl>
                                         <p:attrNameLst>
                                           <p:attrName>style.visibility</p:attrName>
@@ -8108,7 +7615,7 @@
                                           </p:stCondLst>
                                         </p:cTn>
                                         <p:tgtEl>
-                                          <p:spTgt spid="51"/>
+                                          <p:spTgt spid="54"/>
                                         </p:tgtEl>
                                         <p:attrNameLst>
                                           <p:attrName>style.visibility</p:attrName>
@@ -8135,7 +7642,7 @@
                                           </p:stCondLst>
                                         </p:cTn>
                                         <p:tgtEl>
-                                          <p:spTgt spid="54"/>
+                                          <p:spTgt spid="55"/>
                                         </p:tgtEl>
                                         <p:attrNameLst>
                                           <p:attrName>style.visibility</p:attrName>
@@ -8149,7 +7656,7 @@
                                 </p:cTn>
                               </p:par>
                               <p:par>
-                                <p:cTn id="45" presetID="1" presetClass="entr" presetSubtype="0" fill="hold" grpId="0" nodeType="withEffect">
+                                <p:cTn id="45" presetID="1" presetClass="entr" presetSubtype="0" fill="hold" nodeType="withEffect">
                                   <p:stCondLst>
                                     <p:cond delay="0"/>
                                   </p:stCondLst>
@@ -8162,7 +7669,7 @@
                                           </p:stCondLst>
                                         </p:cTn>
                                         <p:tgtEl>
-                                          <p:spTgt spid="55"/>
+                                          <p:spTgt spid="21"/>
                                         </p:tgtEl>
                                         <p:attrNameLst>
                                           <p:attrName>style.visibility</p:attrName>
@@ -8189,7 +7696,7 @@
                                           </p:stCondLst>
                                         </p:cTn>
                                         <p:tgtEl>
-                                          <p:spTgt spid="21"/>
+                                          <p:spTgt spid="1028"/>
                                         </p:tgtEl>
                                         <p:attrNameLst>
                                           <p:attrName>style.visibility</p:attrName>
@@ -8216,7 +7723,7 @@
                                           </p:stCondLst>
                                         </p:cTn>
                                         <p:tgtEl>
-                                          <p:spTgt spid="1028"/>
+                                          <p:spTgt spid="1030"/>
                                         </p:tgtEl>
                                         <p:attrNameLst>
                                           <p:attrName>style.visibility</p:attrName>
@@ -8243,52 +7750,7 @@
                                           </p:stCondLst>
                                         </p:cTn>
                                         <p:tgtEl>
-                                          <p:spTgt spid="1030"/>
-                                        </p:tgtEl>
-                                        <p:attrNameLst>
-                                          <p:attrName>style.visibility</p:attrName>
-                                        </p:attrNameLst>
-                                      </p:cBhvr>
-                                      <p:to>
-                                        <p:strVal val="visible"/>
-                                      </p:to>
-                                    </p:set>
-                                  </p:childTnLst>
-                                </p:cTn>
-                              </p:par>
-                            </p:childTnLst>
-                          </p:cTn>
-                        </p:par>
-                      </p:childTnLst>
-                    </p:cTn>
-                  </p:par>
-                  <p:par>
-                    <p:cTn id="53" fill="hold">
-                      <p:stCondLst>
-                        <p:cond delay="indefinite"/>
-                      </p:stCondLst>
-                      <p:childTnLst>
-                        <p:par>
-                          <p:cTn id="54" fill="hold">
-                            <p:stCondLst>
-                              <p:cond delay="0"/>
-                            </p:stCondLst>
-                            <p:childTnLst>
-                              <p:par>
-                                <p:cTn id="55" presetID="1" presetClass="entr" presetSubtype="0" fill="hold" grpId="0" nodeType="clickEffect">
-                                  <p:stCondLst>
-                                    <p:cond delay="0"/>
-                                  </p:stCondLst>
-                                  <p:childTnLst>
-                                    <p:set>
-                                      <p:cBhvr>
-                                        <p:cTn id="56" dur="1" fill="hold">
-                                          <p:stCondLst>
-                                            <p:cond delay="0"/>
-                                          </p:stCondLst>
-                                        </p:cTn>
-                                        <p:tgtEl>
-                                          <p:spTgt spid="7"/>
+                                          <p:spTgt spid="4"/>
                                         </p:tgtEl>
                                         <p:attrNameLst>
                                           <p:attrName>style.visibility</p:attrName>
@@ -8302,20 +7764,47 @@
                                 </p:cTn>
                               </p:par>
                               <p:par>
-                                <p:cTn id="57" presetID="1" presetClass="entr" presetSubtype="0" fill="hold" grpId="0" nodeType="withEffect">
+                                <p:cTn id="53" presetID="1" presetClass="entr" presetSubtype="0" fill="hold" nodeType="withEffect">
                                   <p:stCondLst>
                                     <p:cond delay="0"/>
                                   </p:stCondLst>
                                   <p:childTnLst>
                                     <p:set>
                                       <p:cBhvr>
-                                        <p:cTn id="58" dur="1" fill="hold">
+                                        <p:cTn id="54" dur="1" fill="hold">
                                           <p:stCondLst>
                                             <p:cond delay="0"/>
                                           </p:stCondLst>
                                         </p:cTn>
                                         <p:tgtEl>
-                                          <p:spTgt spid="6"/>
+                                          <p:spTgt spid="5"/>
+                                        </p:tgtEl>
+                                        <p:attrNameLst>
+                                          <p:attrName>style.visibility</p:attrName>
+                                        </p:attrNameLst>
+                                      </p:cBhvr>
+                                      <p:to>
+                                        <p:strVal val="visible"/>
+                                      </p:to>
+                                    </p:set>
+                                  </p:childTnLst>
+                                </p:cTn>
+                              </p:par>
+                              <p:par>
+                                <p:cTn id="55" presetID="1" presetClass="entr" presetSubtype="0" fill="hold" grpId="0" nodeType="withEffect">
+                                  <p:stCondLst>
+                                    <p:cond delay="0"/>
+                                  </p:stCondLst>
+                                  <p:childTnLst>
+                                    <p:set>
+                                      <p:cBhvr>
+                                        <p:cTn id="56" dur="1" fill="hold">
+                                          <p:stCondLst>
+                                            <p:cond delay="0"/>
+                                          </p:stCondLst>
+                                        </p:cTn>
+                                        <p:tgtEl>
+                                          <p:spTgt spid="10"/>
                                         </p:tgtEl>
                                         <p:attrNameLst>
                                           <p:attrName>style.visibility</p:attrName>
@@ -8368,8 +7857,7 @@
       <p:bldP spid="40" grpId="0" animBg="1"/>
       <p:bldP spid="41" grpId="0" animBg="1"/>
       <p:bldP spid="46" grpId="0" animBg="1"/>
-      <p:bldP spid="6" grpId="0" animBg="1"/>
-      <p:bldP spid="7" grpId="0" animBg="1"/>
+      <p:bldP spid="10" grpId="0"/>
     </p:bldLst>
   </p:timing>
 </p:sld>
@@ -8397,7 +7885,7 @@
           <p:cNvPr id="2" name="Title 1">
             <a:extLst>
               <a:ext uri="{FF2B5EF4-FFF2-40B4-BE49-F238E27FC236}">
-                <a16:creationId xmlns:a16="http://schemas.microsoft.com/office/drawing/2014/main" id="{E2F977AF-15E1-2268-873D-1E5AE0F60B5D}"/>
+                <a16:creationId xmlns:a16="http://schemas.microsoft.com/office/drawing/2014/main" id="{980208A4-9586-F936-9663-BC044141A40B}"/>
               </a:ext>
             </a:extLst>
           </p:cNvPr>
@@ -8415,73 +7903,765 @@
           <a:p>
             <a:r>
               <a:rPr lang="en-GB" dirty="0"/>
-              <a:t>CI</a:t>
-            </a:r>
-          </a:p>
-        </p:txBody>
-      </p:sp>
-      <p:sp>
-        <p:nvSpPr>
-          <p:cNvPr id="3" name="Content Placeholder 2">
-            <a:extLst>
-              <a:ext uri="{FF2B5EF4-FFF2-40B4-BE49-F238E27FC236}">
-                <a16:creationId xmlns:a16="http://schemas.microsoft.com/office/drawing/2014/main" id="{3548B6C1-087A-2338-16C8-1F30B0A7EDEC}"/>
-              </a:ext>
-            </a:extLst>
-          </p:cNvPr>
-          <p:cNvSpPr>
-            <a:spLocks noGrp="1"/>
-          </p:cNvSpPr>
-          <p:nvPr>
-            <p:ph idx="1"/>
-          </p:nvPr>
+              <a:t>Architecture for training on cloud</a:t>
+            </a:r>
+          </a:p>
+        </p:txBody>
+      </p:sp>
+      <p:sp>
+        <p:nvSpPr>
+          <p:cNvPr id="4" name="Rounded Rectangle 3">
+            <a:extLst>
+              <a:ext uri="{FF2B5EF4-FFF2-40B4-BE49-F238E27FC236}">
+                <a16:creationId xmlns:a16="http://schemas.microsoft.com/office/drawing/2014/main" id="{34391F64-C5C2-F623-071E-13D1E59EB0D1}"/>
+              </a:ext>
+            </a:extLst>
+          </p:cNvPr>
+          <p:cNvSpPr/>
+          <p:nvPr/>
         </p:nvSpPr>
         <p:spPr>
           <a:xfrm>
-            <a:off x="838200" y="1460500"/>
-            <a:ext cx="10515600" cy="5397500"/>
+            <a:off x="4649004" y="2834379"/>
+            <a:ext cx="2162577" cy="772733"/>
           </a:xfrm>
+          <a:prstGeom prst="roundRect">
+            <a:avLst/>
+          </a:prstGeom>
+          <a:solidFill>
+            <a:schemeClr val="tx2">
+              <a:lumMod val="25000"/>
+              <a:lumOff val="75000"/>
+            </a:schemeClr>
+          </a:solidFill>
+          <a:ln>
+            <a:solidFill>
+              <a:schemeClr val="tx1"/>
+            </a:solidFill>
+          </a:ln>
         </p:spPr>
-        <p:txBody>
-          <a:bodyPr>
-            <a:normAutofit/>
-          </a:bodyPr>
-          <a:lstStyle/>
-          <a:p>
-            <a:r>
-              <a:rPr lang="en-GB" dirty="0"/>
-              <a:t>Objective: Whenever want to update file on GitHub, to use a template for a sequence of events, which takes into account testing, and also reporting of the results of the push. </a:t>
-            </a:r>
-          </a:p>
-          <a:p>
-            <a:r>
-              <a:rPr lang="en-GB" dirty="0" err="1"/>
-              <a:t>Makefile</a:t>
-            </a:r>
-            <a:r>
-              <a:rPr lang="en-GB" dirty="0"/>
-              <a:t> is the recipe, while the YAML file is the skeleton while pulls from the recipe + decides the environment variables which is fed into the recipe</a:t>
-            </a:r>
-          </a:p>
-          <a:p>
-            <a:endParaRPr lang="en-GB" dirty="0"/>
-          </a:p>
-          <a:p>
-            <a:r>
-              <a:rPr lang="en-GB" b="1" dirty="0"/>
-              <a:t>Implemented for</a:t>
-            </a:r>
-            <a:r>
-              <a:rPr lang="en-GB" dirty="0"/>
-              <a:t>: Model prediction</a:t>
-            </a:r>
-          </a:p>
-        </p:txBody>
-      </p:sp>
+        <p:style>
+          <a:lnRef idx="2">
+            <a:schemeClr val="accent1">
+              <a:shade val="15000"/>
+            </a:schemeClr>
+          </a:lnRef>
+          <a:fillRef idx="1">
+            <a:schemeClr val="accent1"/>
+          </a:fillRef>
+          <a:effectRef idx="0">
+            <a:schemeClr val="accent1"/>
+          </a:effectRef>
+          <a:fontRef idx="minor">
+            <a:schemeClr val="lt1"/>
+          </a:fontRef>
+        </p:style>
+        <p:txBody>
+          <a:bodyPr rtlCol="0" anchor="ctr"/>
+          <a:lstStyle/>
+          <a:p>
+            <a:pPr algn="ctr"/>
+            <a:r>
+              <a:rPr lang="en-GB" dirty="0">
+                <a:solidFill>
+                  <a:schemeClr val="tx1"/>
+                </a:solidFill>
+              </a:rPr>
+              <a:t>Cross-validation on </a:t>
+            </a:r>
+            <a:r>
+              <a:rPr lang="en-GB" dirty="0" err="1">
+                <a:solidFill>
+                  <a:schemeClr val="tx1"/>
+                </a:solidFill>
+              </a:rPr>
+              <a:t>Github</a:t>
+            </a:r>
+            <a:r>
+              <a:rPr lang="en-GB" dirty="0">
+                <a:solidFill>
+                  <a:schemeClr val="tx1"/>
+                </a:solidFill>
+              </a:rPr>
+              <a:t> actions when pushing</a:t>
+            </a:r>
+          </a:p>
+        </p:txBody>
+      </p:sp>
+      <p:sp>
+        <p:nvSpPr>
+          <p:cNvPr id="5" name="Rounded Rectangle 4">
+            <a:extLst>
+              <a:ext uri="{FF2B5EF4-FFF2-40B4-BE49-F238E27FC236}">
+                <a16:creationId xmlns:a16="http://schemas.microsoft.com/office/drawing/2014/main" id="{C3DCB387-2AF5-32F3-9B7B-4BCF9CEC6991}"/>
+              </a:ext>
+            </a:extLst>
+          </p:cNvPr>
+          <p:cNvSpPr/>
+          <p:nvPr/>
+        </p:nvSpPr>
+        <p:spPr>
+          <a:xfrm>
+            <a:off x="8893935" y="4452529"/>
+            <a:ext cx="2162577" cy="772733"/>
+          </a:xfrm>
+          <a:prstGeom prst="roundRect">
+            <a:avLst/>
+          </a:prstGeom>
+          <a:solidFill>
+            <a:schemeClr val="tx2">
+              <a:lumMod val="25000"/>
+              <a:lumOff val="75000"/>
+            </a:schemeClr>
+          </a:solidFill>
+          <a:ln>
+            <a:solidFill>
+              <a:srgbClr val="FF0000"/>
+            </a:solidFill>
+          </a:ln>
+        </p:spPr>
+        <p:style>
+          <a:lnRef idx="2">
+            <a:schemeClr val="accent1">
+              <a:shade val="15000"/>
+            </a:schemeClr>
+          </a:lnRef>
+          <a:fillRef idx="1">
+            <a:schemeClr val="accent1"/>
+          </a:fillRef>
+          <a:effectRef idx="0">
+            <a:schemeClr val="accent1"/>
+          </a:effectRef>
+          <a:fontRef idx="minor">
+            <a:schemeClr val="lt1"/>
+          </a:fontRef>
+        </p:style>
+        <p:txBody>
+          <a:bodyPr rtlCol="0" anchor="ctr"/>
+          <a:lstStyle/>
+          <a:p>
+            <a:pPr algn="ctr"/>
+            <a:r>
+              <a:rPr lang="en-GB" dirty="0">
+                <a:solidFill>
+                  <a:schemeClr val="tx1"/>
+                </a:solidFill>
+              </a:rPr>
+              <a:t>Upload best model to S3</a:t>
+            </a:r>
+          </a:p>
+        </p:txBody>
+      </p:sp>
+      <p:sp>
+        <p:nvSpPr>
+          <p:cNvPr id="8" name="Rounded Rectangle 7">
+            <a:extLst>
+              <a:ext uri="{FF2B5EF4-FFF2-40B4-BE49-F238E27FC236}">
+                <a16:creationId xmlns:a16="http://schemas.microsoft.com/office/drawing/2014/main" id="{0856A209-538D-DA17-EE82-7841A740EAE7}"/>
+              </a:ext>
+            </a:extLst>
+          </p:cNvPr>
+          <p:cNvSpPr/>
+          <p:nvPr/>
+        </p:nvSpPr>
+        <p:spPr>
+          <a:xfrm>
+            <a:off x="838200" y="2834378"/>
+            <a:ext cx="2162577" cy="772733"/>
+          </a:xfrm>
+          <a:prstGeom prst="roundRect">
+            <a:avLst/>
+          </a:prstGeom>
+          <a:solidFill>
+            <a:schemeClr val="tx2">
+              <a:lumMod val="25000"/>
+              <a:lumOff val="75000"/>
+            </a:schemeClr>
+          </a:solidFill>
+          <a:ln>
+            <a:solidFill>
+              <a:schemeClr val="tx2"/>
+            </a:solidFill>
+          </a:ln>
+        </p:spPr>
+        <p:style>
+          <a:lnRef idx="2">
+            <a:schemeClr val="accent1">
+              <a:shade val="15000"/>
+            </a:schemeClr>
+          </a:lnRef>
+          <a:fillRef idx="1">
+            <a:schemeClr val="accent1"/>
+          </a:fillRef>
+          <a:effectRef idx="0">
+            <a:schemeClr val="accent1"/>
+          </a:effectRef>
+          <a:fontRef idx="minor">
+            <a:schemeClr val="lt1"/>
+          </a:fontRef>
+        </p:style>
+        <p:txBody>
+          <a:bodyPr rtlCol="0" anchor="ctr"/>
+          <a:lstStyle/>
+          <a:p>
+            <a:pPr algn="ctr"/>
+            <a:r>
+              <a:rPr lang="en-GB" dirty="0">
+                <a:solidFill>
+                  <a:schemeClr val="tx1"/>
+                </a:solidFill>
+              </a:rPr>
+              <a:t>Define parameters on script</a:t>
+            </a:r>
+          </a:p>
+        </p:txBody>
+      </p:sp>
+      <p:cxnSp>
+        <p:nvCxnSpPr>
+          <p:cNvPr id="14" name="Straight Arrow Connector 13">
+            <a:extLst>
+              <a:ext uri="{FF2B5EF4-FFF2-40B4-BE49-F238E27FC236}">
+                <a16:creationId xmlns:a16="http://schemas.microsoft.com/office/drawing/2014/main" id="{2F86F29F-FCDD-B9B8-7D51-06C9DB58ADE2}"/>
+              </a:ext>
+            </a:extLst>
+          </p:cNvPr>
+          <p:cNvCxnSpPr>
+            <a:cxnSpLocks/>
+            <a:stCxn id="4" idx="3"/>
+            <a:endCxn id="40" idx="1"/>
+          </p:cNvCxnSpPr>
+          <p:nvPr/>
+        </p:nvCxnSpPr>
+        <p:spPr>
+          <a:xfrm>
+            <a:off x="6811581" y="3220746"/>
+            <a:ext cx="2082352" cy="35829"/>
+          </a:xfrm>
+          <a:prstGeom prst="straightConnector1">
+            <a:avLst/>
+          </a:prstGeom>
+          <a:ln>
+            <a:tailEnd type="triangle"/>
+          </a:ln>
+        </p:spPr>
+        <p:style>
+          <a:lnRef idx="2">
+            <a:schemeClr val="accent1"/>
+          </a:lnRef>
+          <a:fillRef idx="0">
+            <a:schemeClr val="accent1"/>
+          </a:fillRef>
+          <a:effectRef idx="1">
+            <a:schemeClr val="accent1"/>
+          </a:effectRef>
+          <a:fontRef idx="minor">
+            <a:schemeClr val="tx1"/>
+          </a:fontRef>
+        </p:style>
+      </p:cxnSp>
+      <p:cxnSp>
+        <p:nvCxnSpPr>
+          <p:cNvPr id="16" name="Straight Arrow Connector 15">
+            <a:extLst>
+              <a:ext uri="{FF2B5EF4-FFF2-40B4-BE49-F238E27FC236}">
+                <a16:creationId xmlns:a16="http://schemas.microsoft.com/office/drawing/2014/main" id="{27F81A1E-967D-6560-AA67-B2A6EE445C7C}"/>
+              </a:ext>
+            </a:extLst>
+          </p:cNvPr>
+          <p:cNvCxnSpPr>
+            <a:cxnSpLocks/>
+            <a:stCxn id="4" idx="2"/>
+            <a:endCxn id="27" idx="0"/>
+          </p:cNvCxnSpPr>
+          <p:nvPr/>
+        </p:nvCxnSpPr>
+        <p:spPr>
+          <a:xfrm flipH="1">
+            <a:off x="5730292" y="3607112"/>
+            <a:ext cx="1" cy="845416"/>
+          </a:xfrm>
+          <a:prstGeom prst="straightConnector1">
+            <a:avLst/>
+          </a:prstGeom>
+          <a:ln>
+            <a:tailEnd type="triangle"/>
+          </a:ln>
+        </p:spPr>
+        <p:style>
+          <a:lnRef idx="2">
+            <a:schemeClr val="accent1"/>
+          </a:lnRef>
+          <a:fillRef idx="0">
+            <a:schemeClr val="accent1"/>
+          </a:fillRef>
+          <a:effectRef idx="1">
+            <a:schemeClr val="accent1"/>
+          </a:effectRef>
+          <a:fontRef idx="minor">
+            <a:schemeClr val="tx1"/>
+          </a:fontRef>
+        </p:style>
+      </p:cxnSp>
+      <p:cxnSp>
+        <p:nvCxnSpPr>
+          <p:cNvPr id="18" name="Straight Arrow Connector 17">
+            <a:extLst>
+              <a:ext uri="{FF2B5EF4-FFF2-40B4-BE49-F238E27FC236}">
+                <a16:creationId xmlns:a16="http://schemas.microsoft.com/office/drawing/2014/main" id="{6AB98C33-3FF1-87FF-2212-5FCCA3371095}"/>
+              </a:ext>
+            </a:extLst>
+          </p:cNvPr>
+          <p:cNvCxnSpPr>
+            <a:cxnSpLocks/>
+            <a:stCxn id="8" idx="3"/>
+            <a:endCxn id="4" idx="1"/>
+          </p:cNvCxnSpPr>
+          <p:nvPr/>
+        </p:nvCxnSpPr>
+        <p:spPr>
+          <a:xfrm>
+            <a:off x="3000777" y="3220745"/>
+            <a:ext cx="1648227" cy="1"/>
+          </a:xfrm>
+          <a:prstGeom prst="straightConnector1">
+            <a:avLst/>
+          </a:prstGeom>
+          <a:ln>
+            <a:tailEnd type="triangle"/>
+          </a:ln>
+        </p:spPr>
+        <p:style>
+          <a:lnRef idx="2">
+            <a:schemeClr val="accent1"/>
+          </a:lnRef>
+          <a:fillRef idx="0">
+            <a:schemeClr val="accent1"/>
+          </a:fillRef>
+          <a:effectRef idx="1">
+            <a:schemeClr val="accent1"/>
+          </a:effectRef>
+          <a:fontRef idx="minor">
+            <a:schemeClr val="tx1"/>
+          </a:fontRef>
+        </p:style>
+      </p:cxnSp>
+      <p:cxnSp>
+        <p:nvCxnSpPr>
+          <p:cNvPr id="20" name="Straight Arrow Connector 19">
+            <a:extLst>
+              <a:ext uri="{FF2B5EF4-FFF2-40B4-BE49-F238E27FC236}">
+                <a16:creationId xmlns:a16="http://schemas.microsoft.com/office/drawing/2014/main" id="{2B3D3DAB-0F60-9458-FA89-5DAA3721506B}"/>
+              </a:ext>
+            </a:extLst>
+          </p:cNvPr>
+          <p:cNvCxnSpPr>
+            <a:cxnSpLocks/>
+            <a:stCxn id="5" idx="2"/>
+            <a:endCxn id="23" idx="0"/>
+          </p:cNvCxnSpPr>
+          <p:nvPr/>
+        </p:nvCxnSpPr>
+        <p:spPr>
+          <a:xfrm flipH="1">
+            <a:off x="9975223" y="5225262"/>
+            <a:ext cx="1" cy="494880"/>
+          </a:xfrm>
+          <a:prstGeom prst="straightConnector1">
+            <a:avLst/>
+          </a:prstGeom>
+          <a:ln>
+            <a:tailEnd type="triangle"/>
+          </a:ln>
+        </p:spPr>
+        <p:style>
+          <a:lnRef idx="2">
+            <a:schemeClr val="accent1"/>
+          </a:lnRef>
+          <a:fillRef idx="0">
+            <a:schemeClr val="accent1"/>
+          </a:fillRef>
+          <a:effectRef idx="1">
+            <a:schemeClr val="accent1"/>
+          </a:effectRef>
+          <a:fontRef idx="minor">
+            <a:schemeClr val="tx1"/>
+          </a:fontRef>
+        </p:style>
+      </p:cxnSp>
+      <p:sp>
+        <p:nvSpPr>
+          <p:cNvPr id="23" name="Rounded Rectangle 22">
+            <a:extLst>
+              <a:ext uri="{FF2B5EF4-FFF2-40B4-BE49-F238E27FC236}">
+                <a16:creationId xmlns:a16="http://schemas.microsoft.com/office/drawing/2014/main" id="{3213F065-2C71-D9C8-816E-A923FF214EAD}"/>
+              </a:ext>
+            </a:extLst>
+          </p:cNvPr>
+          <p:cNvSpPr/>
+          <p:nvPr/>
+        </p:nvSpPr>
+        <p:spPr>
+          <a:xfrm>
+            <a:off x="8893934" y="5720142"/>
+            <a:ext cx="2162577" cy="772733"/>
+          </a:xfrm>
+          <a:prstGeom prst="roundRect">
+            <a:avLst/>
+          </a:prstGeom>
+          <a:solidFill>
+            <a:schemeClr val="tx2">
+              <a:lumMod val="25000"/>
+              <a:lumOff val="75000"/>
+            </a:schemeClr>
+          </a:solidFill>
+          <a:ln>
+            <a:noFill/>
+          </a:ln>
+        </p:spPr>
+        <p:style>
+          <a:lnRef idx="2">
+            <a:schemeClr val="accent1">
+              <a:shade val="15000"/>
+            </a:schemeClr>
+          </a:lnRef>
+          <a:fillRef idx="1">
+            <a:schemeClr val="accent1"/>
+          </a:fillRef>
+          <a:effectRef idx="0">
+            <a:schemeClr val="accent1"/>
+          </a:effectRef>
+          <a:fontRef idx="minor">
+            <a:schemeClr val="lt1"/>
+          </a:fontRef>
+        </p:style>
+        <p:txBody>
+          <a:bodyPr rtlCol="0" anchor="ctr"/>
+          <a:lstStyle/>
+          <a:p>
+            <a:pPr algn="ctr"/>
+            <a:r>
+              <a:rPr lang="en-GB" dirty="0">
+                <a:solidFill>
+                  <a:schemeClr val="tx1"/>
+                </a:solidFill>
+              </a:rPr>
+              <a:t>Best model pulled from S3 when </a:t>
+            </a:r>
+            <a:r>
+              <a:rPr lang="en-GB" dirty="0" err="1">
+                <a:solidFill>
+                  <a:schemeClr val="tx1"/>
+                </a:solidFill>
+              </a:rPr>
+              <a:t>dockerising</a:t>
+            </a:r>
+            <a:r>
+              <a:rPr lang="en-GB" dirty="0">
+                <a:solidFill>
+                  <a:schemeClr val="tx1"/>
+                </a:solidFill>
+              </a:rPr>
+              <a:t> app</a:t>
+            </a:r>
+          </a:p>
+        </p:txBody>
+      </p:sp>
+      <p:sp>
+        <p:nvSpPr>
+          <p:cNvPr id="40" name="Rounded Rectangle 39">
+            <a:extLst>
+              <a:ext uri="{FF2B5EF4-FFF2-40B4-BE49-F238E27FC236}">
+                <a16:creationId xmlns:a16="http://schemas.microsoft.com/office/drawing/2014/main" id="{80973716-72A7-E917-E8E5-BF2ADE46CDC8}"/>
+              </a:ext>
+            </a:extLst>
+          </p:cNvPr>
+          <p:cNvSpPr/>
+          <p:nvPr/>
+        </p:nvSpPr>
+        <p:spPr>
+          <a:xfrm>
+            <a:off x="8893933" y="2870208"/>
+            <a:ext cx="2162577" cy="772733"/>
+          </a:xfrm>
+          <a:prstGeom prst="roundRect">
+            <a:avLst/>
+          </a:prstGeom>
+          <a:solidFill>
+            <a:schemeClr val="tx2">
+              <a:lumMod val="25000"/>
+              <a:lumOff val="75000"/>
+            </a:schemeClr>
+          </a:solidFill>
+          <a:ln>
+            <a:solidFill>
+              <a:schemeClr val="tx2"/>
+            </a:solidFill>
+          </a:ln>
+        </p:spPr>
+        <p:style>
+          <a:lnRef idx="2">
+            <a:schemeClr val="accent1">
+              <a:shade val="15000"/>
+            </a:schemeClr>
+          </a:lnRef>
+          <a:fillRef idx="1">
+            <a:schemeClr val="accent1"/>
+          </a:fillRef>
+          <a:effectRef idx="0">
+            <a:schemeClr val="accent1"/>
+          </a:effectRef>
+          <a:fontRef idx="minor">
+            <a:schemeClr val="lt1"/>
+          </a:fontRef>
+        </p:style>
+        <p:txBody>
+          <a:bodyPr rtlCol="0" anchor="ctr"/>
+          <a:lstStyle/>
+          <a:p>
+            <a:pPr algn="ctr"/>
+            <a:r>
+              <a:rPr lang="en-GB" dirty="0">
+                <a:solidFill>
+                  <a:schemeClr val="tx1"/>
+                </a:solidFill>
+              </a:rPr>
+              <a:t>Use </a:t>
+            </a:r>
+            <a:r>
+              <a:rPr lang="en-GB" dirty="0" err="1">
+                <a:solidFill>
+                  <a:schemeClr val="tx1"/>
+                </a:solidFill>
+              </a:rPr>
+              <a:t>Github</a:t>
+            </a:r>
+            <a:r>
+              <a:rPr lang="en-GB" dirty="0">
+                <a:solidFill>
+                  <a:schemeClr val="tx1"/>
+                </a:solidFill>
+              </a:rPr>
+              <a:t> actions to create MD file for results</a:t>
+            </a:r>
+          </a:p>
+        </p:txBody>
+      </p:sp>
+      <p:cxnSp>
+        <p:nvCxnSpPr>
+          <p:cNvPr id="45" name="Straight Arrow Connector 44">
+            <a:extLst>
+              <a:ext uri="{FF2B5EF4-FFF2-40B4-BE49-F238E27FC236}">
+                <a16:creationId xmlns:a16="http://schemas.microsoft.com/office/drawing/2014/main" id="{36FF0506-910F-8C0C-31FA-49F34FE7FB85}"/>
+              </a:ext>
+            </a:extLst>
+          </p:cNvPr>
+          <p:cNvCxnSpPr>
+            <a:cxnSpLocks/>
+            <a:stCxn id="40" idx="0"/>
+            <a:endCxn id="46" idx="2"/>
+          </p:cNvCxnSpPr>
+          <p:nvPr/>
+        </p:nvCxnSpPr>
+        <p:spPr>
+          <a:xfrm flipV="1">
+            <a:off x="9975222" y="2500275"/>
+            <a:ext cx="0" cy="369933"/>
+          </a:xfrm>
+          <a:prstGeom prst="straightConnector1">
+            <a:avLst/>
+          </a:prstGeom>
+          <a:ln>
+            <a:tailEnd type="triangle"/>
+          </a:ln>
+        </p:spPr>
+        <p:style>
+          <a:lnRef idx="2">
+            <a:schemeClr val="accent1"/>
+          </a:lnRef>
+          <a:fillRef idx="0">
+            <a:schemeClr val="accent1"/>
+          </a:fillRef>
+          <a:effectRef idx="1">
+            <a:schemeClr val="accent1"/>
+          </a:effectRef>
+          <a:fontRef idx="minor">
+            <a:schemeClr val="tx1"/>
+          </a:fontRef>
+        </p:style>
+      </p:cxnSp>
+      <p:sp>
+        <p:nvSpPr>
+          <p:cNvPr id="46" name="Rounded Rectangle 45">
+            <a:extLst>
+              <a:ext uri="{FF2B5EF4-FFF2-40B4-BE49-F238E27FC236}">
+                <a16:creationId xmlns:a16="http://schemas.microsoft.com/office/drawing/2014/main" id="{51AF1A92-1FEE-D339-D59B-A199EA997F30}"/>
+              </a:ext>
+            </a:extLst>
+          </p:cNvPr>
+          <p:cNvSpPr/>
+          <p:nvPr/>
+        </p:nvSpPr>
+        <p:spPr>
+          <a:xfrm>
+            <a:off x="8893933" y="1727542"/>
+            <a:ext cx="2162577" cy="772733"/>
+          </a:xfrm>
+          <a:prstGeom prst="roundRect">
+            <a:avLst/>
+          </a:prstGeom>
+          <a:solidFill>
+            <a:schemeClr val="tx2">
+              <a:lumMod val="25000"/>
+              <a:lumOff val="75000"/>
+            </a:schemeClr>
+          </a:solidFill>
+          <a:ln>
+            <a:noFill/>
+          </a:ln>
+        </p:spPr>
+        <p:style>
+          <a:lnRef idx="2">
+            <a:schemeClr val="accent1">
+              <a:shade val="15000"/>
+            </a:schemeClr>
+          </a:lnRef>
+          <a:fillRef idx="1">
+            <a:schemeClr val="accent1"/>
+          </a:fillRef>
+          <a:effectRef idx="0">
+            <a:schemeClr val="accent1"/>
+          </a:effectRef>
+          <a:fontRef idx="minor">
+            <a:schemeClr val="lt1"/>
+          </a:fontRef>
+        </p:style>
+        <p:txBody>
+          <a:bodyPr rtlCol="0" anchor="ctr"/>
+          <a:lstStyle/>
+          <a:p>
+            <a:pPr algn="ctr"/>
+            <a:r>
+              <a:rPr lang="en-GB" dirty="0">
+                <a:solidFill>
+                  <a:schemeClr val="tx1"/>
+                </a:solidFill>
+              </a:rPr>
+              <a:t>Send results to Slack</a:t>
+            </a:r>
+          </a:p>
+        </p:txBody>
+      </p:sp>
+      <p:sp>
+        <p:nvSpPr>
+          <p:cNvPr id="27" name="Rounded Rectangle 26">
+            <a:extLst>
+              <a:ext uri="{FF2B5EF4-FFF2-40B4-BE49-F238E27FC236}">
+                <a16:creationId xmlns:a16="http://schemas.microsoft.com/office/drawing/2014/main" id="{021267BB-CEB1-33EC-E34C-69831AAF036D}"/>
+              </a:ext>
+            </a:extLst>
+          </p:cNvPr>
+          <p:cNvSpPr/>
+          <p:nvPr/>
+        </p:nvSpPr>
+        <p:spPr>
+          <a:xfrm>
+            <a:off x="4649003" y="4452528"/>
+            <a:ext cx="2162577" cy="772733"/>
+          </a:xfrm>
+          <a:prstGeom prst="roundRect">
+            <a:avLst/>
+          </a:prstGeom>
+          <a:solidFill>
+            <a:schemeClr val="tx2">
+              <a:lumMod val="25000"/>
+              <a:lumOff val="75000"/>
+            </a:schemeClr>
+          </a:solidFill>
+          <a:ln>
+            <a:solidFill>
+              <a:schemeClr val="tx1"/>
+            </a:solidFill>
+          </a:ln>
+        </p:spPr>
+        <p:style>
+          <a:lnRef idx="2">
+            <a:schemeClr val="accent1">
+              <a:shade val="15000"/>
+            </a:schemeClr>
+          </a:lnRef>
+          <a:fillRef idx="1">
+            <a:schemeClr val="accent1"/>
+          </a:fillRef>
+          <a:effectRef idx="0">
+            <a:schemeClr val="accent1"/>
+          </a:effectRef>
+          <a:fontRef idx="minor">
+            <a:schemeClr val="lt1"/>
+          </a:fontRef>
+        </p:style>
+        <p:txBody>
+          <a:bodyPr rtlCol="0" anchor="ctr"/>
+          <a:lstStyle/>
+          <a:p>
+            <a:pPr algn="ctr"/>
+            <a:r>
+              <a:rPr lang="en-GB" dirty="0">
+                <a:solidFill>
+                  <a:schemeClr val="tx1"/>
+                </a:solidFill>
+              </a:rPr>
+              <a:t>Retrain best model</a:t>
+            </a:r>
+          </a:p>
+        </p:txBody>
+      </p:sp>
+      <p:cxnSp>
+        <p:nvCxnSpPr>
+          <p:cNvPr id="36" name="Straight Arrow Connector 35">
+            <a:extLst>
+              <a:ext uri="{FF2B5EF4-FFF2-40B4-BE49-F238E27FC236}">
+                <a16:creationId xmlns:a16="http://schemas.microsoft.com/office/drawing/2014/main" id="{9B3CEB2E-8B88-1168-700F-3A0F2D03D608}"/>
+              </a:ext>
+            </a:extLst>
+          </p:cNvPr>
+          <p:cNvCxnSpPr>
+            <a:cxnSpLocks/>
+            <a:stCxn id="27" idx="3"/>
+            <a:endCxn id="5" idx="1"/>
+          </p:cNvCxnSpPr>
+          <p:nvPr/>
+        </p:nvCxnSpPr>
+        <p:spPr>
+          <a:xfrm>
+            <a:off x="6811580" y="4838895"/>
+            <a:ext cx="2082355" cy="1"/>
+          </a:xfrm>
+          <a:prstGeom prst="straightConnector1">
+            <a:avLst/>
+          </a:prstGeom>
+          <a:ln>
+            <a:tailEnd type="triangle"/>
+          </a:ln>
+        </p:spPr>
+        <p:style>
+          <a:lnRef idx="2">
+            <a:schemeClr val="accent1"/>
+          </a:lnRef>
+          <a:fillRef idx="0">
+            <a:schemeClr val="accent1"/>
+          </a:fillRef>
+          <a:effectRef idx="1">
+            <a:schemeClr val="accent1"/>
+          </a:effectRef>
+          <a:fontRef idx="minor">
+            <a:schemeClr val="tx1"/>
+          </a:fontRef>
+        </p:style>
+      </p:cxnSp>
     </p:spTree>
     <p:extLst>
       <p:ext uri="{BB962C8B-B14F-4D97-AF65-F5344CB8AC3E}">
-        <p14:creationId xmlns:p14="http://schemas.microsoft.com/office/powerpoint/2010/main" val="2062299650"/>
+        <p14:creationId xmlns:p14="http://schemas.microsoft.com/office/powerpoint/2010/main" val="1775362090"/>
       </p:ext>
     </p:extLst>
   </p:cSld>
@@ -8513,7 +8693,7 @@
           <p:cNvPr id="2" name="Title 1">
             <a:extLst>
               <a:ext uri="{FF2B5EF4-FFF2-40B4-BE49-F238E27FC236}">
-                <a16:creationId xmlns:a16="http://schemas.microsoft.com/office/drawing/2014/main" id="{9FEE4046-886D-9760-43E3-091562716F37}"/>
+                <a16:creationId xmlns:a16="http://schemas.microsoft.com/office/drawing/2014/main" id="{E2F977AF-15E1-2268-873D-1E5AE0F60B5D}"/>
               </a:ext>
             </a:extLst>
           </p:cNvPr>
@@ -8531,7 +8711,7 @@
           <a:p>
             <a:r>
               <a:rPr lang="en-GB" dirty="0"/>
-              <a:t>Unit testing</a:t>
+              <a:t>CI</a:t>
             </a:r>
           </a:p>
         </p:txBody>
@@ -8541,7 +8721,7 @@
           <p:cNvPr id="3" name="Content Placeholder 2">
             <a:extLst>
               <a:ext uri="{FF2B5EF4-FFF2-40B4-BE49-F238E27FC236}">
-                <a16:creationId xmlns:a16="http://schemas.microsoft.com/office/drawing/2014/main" id="{863CE142-1366-CF7C-3229-8616CF38F173}"/>
+                <a16:creationId xmlns:a16="http://schemas.microsoft.com/office/drawing/2014/main" id="{3548B6C1-087A-2338-16C8-1F30B0A7EDEC}"/>
               </a:ext>
             </a:extLst>
           </p:cNvPr>
@@ -8554,8 +8734,8 @@
         </p:nvSpPr>
         <p:spPr>
           <a:xfrm>
-            <a:off x="838200" y="1825624"/>
-            <a:ext cx="10515600" cy="5032375"/>
+            <a:off x="838200" y="1460500"/>
+            <a:ext cx="10515600" cy="5397500"/>
           </a:xfrm>
         </p:spPr>
         <p:txBody>
@@ -8566,167 +8746,38 @@
           <a:p>
             <a:r>
               <a:rPr lang="en-GB" dirty="0"/>
-              <a:t>Objective: Get the smallest possible unit of your code, and ensure that those units (e.g. functions, methods) work. Can proceed on to integration testing where the units interact with one another</a:t>
-            </a:r>
-          </a:p>
-          <a:p>
-            <a:pPr lvl="1"/>
+              <a:t>Objective: Whenever want to update file on GitHub, to use a template for a sequence of events, which takes into account testing, and also reporting of the results of the push. </a:t>
+            </a:r>
+          </a:p>
+          <a:p>
+            <a:r>
+              <a:rPr lang="en-GB" dirty="0" err="1"/>
+              <a:t>Makefile</a:t>
+            </a:r>
             <a:r>
               <a:rPr lang="en-GB" dirty="0"/>
-              <a:t>Can be split into </a:t>
-            </a:r>
-            <a:r>
-              <a:rPr lang="en-GB" dirty="0" err="1"/>
-              <a:t>MLOps</a:t>
+              <a:t> is the recipe, while the YAML file is the skeleton while pulls from the recipe + decides the environment variables which is fed into the recipe</a:t>
+            </a:r>
+          </a:p>
+          <a:p>
+            <a:endParaRPr lang="en-GB" dirty="0"/>
+          </a:p>
+          <a:p>
+            <a:r>
+              <a:rPr lang="en-GB" b="1" dirty="0"/>
+              <a:t>Implemented for</a:t>
             </a:r>
             <a:r>
               <a:rPr lang="en-GB" dirty="0"/>
-              <a:t> segments. Each segment have diff considerations</a:t>
-            </a:r>
-          </a:p>
-          <a:p>
-            <a:pPr lvl="2"/>
-            <a:r>
-              <a:rPr lang="en-SG" b="0" i="0" u="none" strike="noStrike" dirty="0">
-                <a:solidFill>
-                  <a:srgbClr val="333D42"/>
-                </a:solidFill>
-                <a:effectLst/>
-                <a:highlight>
-                  <a:srgbClr val="FFFFFF"/>
-                </a:highlight>
-                <a:latin typeface="-apple-system"/>
-              </a:rPr>
-              <a:t>Data Engineering</a:t>
-            </a:r>
-            <a:r>
-              <a:rPr lang="en-GB" b="0" i="0" u="none" strike="noStrike" dirty="0">
-                <a:solidFill>
-                  <a:srgbClr val="333D42"/>
-                </a:solidFill>
-                <a:effectLst/>
-                <a:highlight>
-                  <a:srgbClr val="FFFFFF"/>
-                </a:highlight>
-                <a:latin typeface="-apple-system"/>
-              </a:rPr>
-              <a:t>: hardcode an input to pass into this function and leverage </a:t>
-            </a:r>
-            <a:r>
-              <a:rPr lang="en-GB" b="0" i="0" u="none" strike="noStrike" dirty="0" err="1">
-                <a:solidFill>
-                  <a:srgbClr val="333D42"/>
-                </a:solidFill>
-                <a:effectLst/>
-                <a:highlight>
-                  <a:srgbClr val="FFFFFF"/>
-                </a:highlight>
-                <a:latin typeface="-apple-system"/>
-              </a:rPr>
-              <a:t>Pytest</a:t>
-            </a:r>
-            <a:r>
-              <a:rPr lang="en-GB" b="0" i="0" u="none" strike="noStrike" dirty="0">
-                <a:solidFill>
-                  <a:srgbClr val="333D42"/>
-                </a:solidFill>
-                <a:effectLst/>
-                <a:highlight>
-                  <a:srgbClr val="FFFFFF"/>
-                </a:highlight>
-                <a:latin typeface="-apple-system"/>
-              </a:rPr>
-              <a:t>/</a:t>
-            </a:r>
-            <a:r>
-              <a:rPr lang="en-GB" b="0" i="0" u="none" strike="noStrike" dirty="0" err="1">
-                <a:solidFill>
-                  <a:srgbClr val="333D42"/>
-                </a:solidFill>
-                <a:effectLst/>
-                <a:highlight>
-                  <a:srgbClr val="FFFFFF"/>
-                </a:highlight>
-                <a:latin typeface="-apple-system"/>
-              </a:rPr>
-              <a:t>unittest</a:t>
-            </a:r>
-            <a:r>
-              <a:rPr lang="en-GB" b="0" i="0" u="none" strike="noStrike" dirty="0">
-                <a:solidFill>
-                  <a:srgbClr val="333D42"/>
-                </a:solidFill>
-                <a:effectLst/>
-                <a:highlight>
-                  <a:srgbClr val="FFFFFF"/>
-                </a:highlight>
-                <a:latin typeface="-apple-system"/>
-              </a:rPr>
-              <a:t> to check for the exact output. Check handling of</a:t>
-            </a:r>
-            <a:r>
-              <a:rPr lang="en-SG" b="0" i="0" u="none" strike="noStrike" dirty="0">
-                <a:solidFill>
-                  <a:srgbClr val="333D42"/>
-                </a:solidFill>
-                <a:effectLst/>
-                <a:highlight>
-                  <a:srgbClr val="FFFFFF"/>
-                </a:highlight>
-                <a:latin typeface="-apple-system"/>
-              </a:rPr>
-              <a:t> edge cases</a:t>
-            </a:r>
-            <a:endParaRPr lang="en-GB" b="0" i="0" u="none" strike="noStrike" dirty="0">
-              <a:solidFill>
-                <a:srgbClr val="333D42"/>
-              </a:solidFill>
-              <a:effectLst/>
-              <a:highlight>
-                <a:srgbClr val="FFFFFF"/>
-              </a:highlight>
-              <a:latin typeface="-apple-system"/>
-            </a:endParaRPr>
-          </a:p>
-          <a:p>
-            <a:pPr lvl="2"/>
-            <a:r>
-              <a:rPr lang="en-SG" b="0" i="0" u="none" strike="noStrike" dirty="0">
-                <a:solidFill>
-                  <a:srgbClr val="333D42"/>
-                </a:solidFill>
-                <a:effectLst/>
-                <a:highlight>
-                  <a:srgbClr val="FFFFFF"/>
-                </a:highlight>
-                <a:latin typeface="-apple-system"/>
-              </a:rPr>
-              <a:t>??Model Training: check for successful predictions on training data to a degree of accuracy based on your evaluation metric</a:t>
-            </a:r>
-          </a:p>
-          <a:p>
-            <a:pPr lvl="2"/>
-            <a:r>
-              <a:rPr lang="en-SG" b="0" i="0" u="none" strike="noStrike" dirty="0">
-                <a:solidFill>
-                  <a:srgbClr val="333D42"/>
-                </a:solidFill>
-                <a:effectLst/>
-                <a:highlight>
-                  <a:srgbClr val="FFFFFF"/>
-                </a:highlight>
-                <a:latin typeface="-apple-system"/>
-              </a:rPr>
-              <a:t>[D] Model Serving: Combination of the 2 above + ensure that frontend works</a:t>
-            </a:r>
-            <a:endParaRPr lang="en-GB" dirty="0"/>
+              <a:t>: Model prediction</a:t>
+            </a:r>
           </a:p>
         </p:txBody>
       </p:sp>
     </p:spTree>
     <p:extLst>
       <p:ext uri="{BB962C8B-B14F-4D97-AF65-F5344CB8AC3E}">
-        <p14:creationId xmlns:p14="http://schemas.microsoft.com/office/powerpoint/2010/main" val="4237085510"/>
+        <p14:creationId xmlns:p14="http://schemas.microsoft.com/office/powerpoint/2010/main" val="2062299650"/>
       </p:ext>
     </p:extLst>
   </p:cSld>
@@ -8758,7 +8809,7 @@
           <p:cNvPr id="2" name="Title 1">
             <a:extLst>
               <a:ext uri="{FF2B5EF4-FFF2-40B4-BE49-F238E27FC236}">
-                <a16:creationId xmlns:a16="http://schemas.microsoft.com/office/drawing/2014/main" id="{AF9DBC8A-43C7-4CED-1A5A-9AB285827153}"/>
+                <a16:creationId xmlns:a16="http://schemas.microsoft.com/office/drawing/2014/main" id="{9FEE4046-886D-9760-43E3-091562716F37}"/>
               </a:ext>
             </a:extLst>
           </p:cNvPr>
@@ -8776,7 +8827,7 @@
           <a:p>
             <a:r>
               <a:rPr lang="en-GB" dirty="0"/>
-              <a:t>TODO</a:t>
+              <a:t>Unit testing</a:t>
             </a:r>
           </a:p>
         </p:txBody>
@@ -8786,7 +8837,7 @@
           <p:cNvPr id="3" name="Content Placeholder 2">
             <a:extLst>
               <a:ext uri="{FF2B5EF4-FFF2-40B4-BE49-F238E27FC236}">
-                <a16:creationId xmlns:a16="http://schemas.microsoft.com/office/drawing/2014/main" id="{75AE5FEA-050D-AE53-B7C2-AA771027014E}"/>
+                <a16:creationId xmlns:a16="http://schemas.microsoft.com/office/drawing/2014/main" id="{863CE142-1366-CF7C-3229-8616CF38F173}"/>
               </a:ext>
             </a:extLst>
           </p:cNvPr>
@@ -8799,203 +8850,179 @@
         </p:nvSpPr>
         <p:spPr>
           <a:xfrm>
-            <a:off x="838200" y="1690688"/>
-            <a:ext cx="10515600" cy="5167312"/>
+            <a:off x="838200" y="1825624"/>
+            <a:ext cx="10515600" cy="5032375"/>
           </a:xfrm>
         </p:spPr>
         <p:txBody>
           <a:bodyPr>
-            <a:normAutofit fontScale="77500" lnSpcReduction="20000"/>
+            <a:normAutofit/>
           </a:bodyPr>
           <a:lstStyle/>
           <a:p>
             <a:r>
-              <a:rPr lang="en-GB" strike="sngStrike" dirty="0"/>
-              <a:t>Pull </a:t>
-            </a:r>
-            <a:r>
-              <a:rPr lang="en-GB" strike="sngStrike" dirty="0" err="1"/>
-              <a:t>ct</a:t>
-            </a:r>
-            <a:r>
-              <a:rPr lang="en-GB" strike="sngStrike" dirty="0"/>
-              <a:t> to main. Just work on main from there</a:t>
-            </a:r>
-          </a:p>
-          <a:p>
-            <a:r>
               <a:rPr lang="en-GB" dirty="0"/>
-              <a:t>Automate both the CV and Final modelling on cloud (AWS Lambda, </a:t>
+              <a:t>Objective: Get the smallest possible unit of your code, and ensure that those units (e.g. functions, methods) work. Can proceed on to integration testing where the units interact with one another</a:t>
+            </a:r>
+          </a:p>
+          <a:p>
+            <a:pPr lvl="1"/>
+            <a:r>
+              <a:rPr lang="en-GB" dirty="0"/>
+              <a:t>Can be split into </a:t>
             </a:r>
             <a:r>
               <a:rPr lang="en-GB" dirty="0" err="1"/>
-              <a:t>github</a:t>
+              <a:t>MLOps</a:t>
             </a:r>
             <a:r>
               <a:rPr lang="en-GB" dirty="0"/>
-              <a:t> actions, whatever). Try to merge with </a:t>
-            </a:r>
-            <a:r>
-              <a:rPr lang="en-GB" dirty="0" err="1"/>
-              <a:t>MLFlow</a:t>
-            </a:r>
-            <a:r>
-              <a:rPr lang="en-GB" dirty="0"/>
-              <a:t> if can, otherwise just do reporting separately. Importantly, give scores + important charts. </a:t>
-            </a:r>
-            <a:r>
-              <a:rPr lang="en-GB" dirty="0" err="1"/>
-              <a:t>Rmb</a:t>
-            </a:r>
-            <a:r>
-              <a:rPr lang="en-GB" dirty="0"/>
-              <a:t> to ensure S3 storing model has version tracking on</a:t>
-            </a:r>
-          </a:p>
-          <a:p>
-            <a:pPr lvl="1"/>
-            <a:r>
-              <a:rPr lang="en-GB"/>
-              <a:t>Send report to slack</a:t>
-            </a:r>
-            <a:endParaRPr lang="en-GB" dirty="0"/>
-          </a:p>
-          <a:p>
-            <a:r>
-              <a:rPr lang="en-GB" dirty="0"/>
-              <a:t>How to test that docker images on docker hub works after CI/CD?</a:t>
-            </a:r>
-          </a:p>
-          <a:p>
-            <a:r>
-              <a:rPr lang="en-GB" strike="sngStrike" dirty="0"/>
-              <a:t>Ensure </a:t>
-            </a:r>
-            <a:r>
-              <a:rPr lang="en-GB" strike="sngStrike" dirty="0" err="1"/>
-              <a:t>FastAPI</a:t>
-            </a:r>
-            <a:r>
-              <a:rPr lang="en-GB" strike="sngStrike" dirty="0"/>
-              <a:t> app can read best model from S3: </a:t>
-            </a:r>
-          </a:p>
-          <a:p>
-            <a:pPr lvl="1"/>
-            <a:r>
-              <a:rPr lang="en-GB" strike="sngStrike" dirty="0">
-                <a:sym typeface="Wingdings" pitchFamily="2" charset="2"/>
+              <a:t> segments. Each segment have diff considerations</a:t>
+            </a:r>
+          </a:p>
+          <a:p>
+            <a:pPr lvl="2"/>
+            <a:r>
+              <a:rPr lang="en-SG" b="0" i="0" u="none" strike="noStrike" dirty="0">
+                <a:solidFill>
+                  <a:srgbClr val="333D42"/>
+                </a:solidFill>
+                <a:effectLst/>
+                <a:highlight>
+                  <a:srgbClr val="FFFFFF"/>
+                </a:highlight>
+                <a:latin typeface="-apple-system"/>
               </a:rPr>
-              <a:t>https://</a:t>
-            </a:r>
-            <a:r>
-              <a:rPr lang="en-GB" strike="sngStrike" dirty="0" err="1">
-                <a:sym typeface="Wingdings" pitchFamily="2" charset="2"/>
+              <a:t>Data Engineering</a:t>
+            </a:r>
+            <a:r>
+              <a:rPr lang="en-GB" b="0" i="0" u="none" strike="noStrike" dirty="0">
+                <a:solidFill>
+                  <a:srgbClr val="333D42"/>
+                </a:solidFill>
+                <a:effectLst/>
+                <a:highlight>
+                  <a:srgbClr val="FFFFFF"/>
+                </a:highlight>
+                <a:latin typeface="-apple-system"/>
               </a:rPr>
-              <a:t>devopscube.com</a:t>
-            </a:r>
-            <a:r>
-              <a:rPr lang="en-GB" strike="sngStrike" dirty="0">
-                <a:sym typeface="Wingdings" pitchFamily="2" charset="2"/>
+              <a:t>: hardcode an input to pass into this function and leverage </a:t>
+            </a:r>
+            <a:r>
+              <a:rPr lang="en-GB" b="0" i="0" u="none" strike="noStrike" dirty="0" err="1">
+                <a:solidFill>
+                  <a:srgbClr val="333D42"/>
+                </a:solidFill>
+                <a:effectLst/>
+                <a:highlight>
+                  <a:srgbClr val="FFFFFF"/>
+                </a:highlight>
+                <a:latin typeface="-apple-system"/>
+              </a:rPr>
+              <a:t>Pytest</a:t>
+            </a:r>
+            <a:r>
+              <a:rPr lang="en-GB" b="0" i="0" u="none" strike="noStrike" dirty="0">
+                <a:solidFill>
+                  <a:srgbClr val="333D42"/>
+                </a:solidFill>
+                <a:effectLst/>
+                <a:highlight>
+                  <a:srgbClr val="FFFFFF"/>
+                </a:highlight>
+                <a:latin typeface="-apple-system"/>
               </a:rPr>
               <a:t>/</a:t>
             </a:r>
             <a:r>
-              <a:rPr lang="en-GB" strike="sngStrike" dirty="0" err="1">
-                <a:sym typeface="Wingdings" pitchFamily="2" charset="2"/>
+              <a:rPr lang="en-GB" b="0" i="0" u="none" strike="noStrike" dirty="0" err="1">
+                <a:solidFill>
+                  <a:srgbClr val="333D42"/>
+                </a:solidFill>
+                <a:effectLst/>
+                <a:highlight>
+                  <a:srgbClr val="FFFFFF"/>
+                </a:highlight>
+                <a:latin typeface="-apple-system"/>
               </a:rPr>
-              <a:t>github</a:t>
-            </a:r>
-            <a:r>
-              <a:rPr lang="en-GB" strike="sngStrike" dirty="0">
-                <a:sym typeface="Wingdings" pitchFamily="2" charset="2"/>
+              <a:t>unittest</a:t>
+            </a:r>
+            <a:r>
+              <a:rPr lang="en-GB" b="0" i="0" u="none" strike="noStrike" dirty="0">
+                <a:solidFill>
+                  <a:srgbClr val="333D42"/>
+                </a:solidFill>
+                <a:effectLst/>
+                <a:highlight>
+                  <a:srgbClr val="FFFFFF"/>
+                </a:highlight>
+                <a:latin typeface="-apple-system"/>
               </a:rPr>
-              <a:t>-actions-</a:t>
-            </a:r>
-            <a:r>
-              <a:rPr lang="en-GB" strike="sngStrike" dirty="0" err="1">
-                <a:sym typeface="Wingdings" pitchFamily="2" charset="2"/>
+              <a:t> to check for the exact output. Check handling of</a:t>
+            </a:r>
+            <a:r>
+              <a:rPr lang="en-SG" b="0" i="0" u="none" strike="noStrike" dirty="0">
+                <a:solidFill>
+                  <a:srgbClr val="333D42"/>
+                </a:solidFill>
+                <a:effectLst/>
+                <a:highlight>
+                  <a:srgbClr val="FFFFFF"/>
+                </a:highlight>
+                <a:latin typeface="-apple-system"/>
               </a:rPr>
-              <a:t>oidc</a:t>
-            </a:r>
-            <a:r>
-              <a:rPr lang="en-GB" strike="sngStrike" dirty="0">
-                <a:sym typeface="Wingdings" pitchFamily="2" charset="2"/>
+              <a:t> edge cases</a:t>
+            </a:r>
+            <a:endParaRPr lang="en-GB" b="0" i="0" u="none" strike="noStrike" dirty="0">
+              <a:solidFill>
+                <a:srgbClr val="333D42"/>
+              </a:solidFill>
+              <a:effectLst/>
+              <a:highlight>
+                <a:srgbClr val="FFFFFF"/>
+              </a:highlight>
+              <a:latin typeface="-apple-system"/>
+            </a:endParaRPr>
+          </a:p>
+          <a:p>
+            <a:pPr lvl="2"/>
+            <a:r>
+              <a:rPr lang="en-SG" b="0" i="0" u="none" strike="noStrike" dirty="0">
+                <a:solidFill>
+                  <a:srgbClr val="333D42"/>
+                </a:solidFill>
+                <a:effectLst/>
+                <a:highlight>
+                  <a:srgbClr val="FFFFFF"/>
+                </a:highlight>
+                <a:latin typeface="-apple-system"/>
               </a:rPr>
-              <a:t>-</a:t>
-            </a:r>
-            <a:r>
-              <a:rPr lang="en-GB" strike="sngStrike" dirty="0" err="1">
-                <a:sym typeface="Wingdings" pitchFamily="2" charset="2"/>
+              <a:t>??Model Training: check for successful predictions on training data to a degree of accuracy based on your evaluation metric</a:t>
+            </a:r>
+          </a:p>
+          <a:p>
+            <a:pPr lvl="2"/>
+            <a:r>
+              <a:rPr lang="en-SG" b="0" i="0" u="none" strike="noStrike" dirty="0">
+                <a:solidFill>
+                  <a:srgbClr val="333D42"/>
+                </a:solidFill>
+                <a:effectLst/>
+                <a:highlight>
+                  <a:srgbClr val="FFFFFF"/>
+                </a:highlight>
+                <a:latin typeface="-apple-system"/>
               </a:rPr>
-              <a:t>aws</a:t>
-            </a:r>
-            <a:r>
-              <a:rPr lang="en-GB" strike="sngStrike" dirty="0">
-                <a:sym typeface="Wingdings" pitchFamily="2" charset="2"/>
-              </a:rPr>
-              <a:t>/</a:t>
-            </a:r>
-          </a:p>
-          <a:p>
-            <a:r>
-              <a:rPr lang="en-GB" strike="sngStrike" dirty="0">
-                <a:sym typeface="Wingdings" pitchFamily="2" charset="2"/>
-              </a:rPr>
-              <a:t>Automate AWS Lambda updates (e.g. data cleaning) using AWS CLI/</a:t>
-            </a:r>
-            <a:r>
-              <a:rPr lang="en-GB" strike="sngStrike" dirty="0" err="1">
-                <a:sym typeface="Wingdings" pitchFamily="2" charset="2"/>
-              </a:rPr>
-              <a:t>github</a:t>
-            </a:r>
-            <a:r>
-              <a:rPr lang="en-GB" strike="sngStrike" dirty="0">
-                <a:sym typeface="Wingdings" pitchFamily="2" charset="2"/>
-              </a:rPr>
-              <a:t> actions so that don’t have to keep copy and pasting</a:t>
-            </a:r>
-          </a:p>
-          <a:p>
-            <a:r>
-              <a:rPr lang="en-GB" dirty="0">
-                <a:sym typeface="Wingdings" pitchFamily="2" charset="2"/>
-              </a:rPr>
-              <a:t>Download new data filtered by date, process and then append to existing feature store</a:t>
+              <a:t>[D] Model Serving: Combination of the 2 above + ensure that frontend works</a:t>
             </a:r>
             <a:endParaRPr lang="en-GB" dirty="0"/>
-          </a:p>
-          <a:p>
-            <a:r>
-              <a:rPr lang="en-GB" dirty="0"/>
-              <a:t>Code robustness: Work on unit testing </a:t>
-            </a:r>
-            <a:r>
-              <a:rPr lang="en-GB" dirty="0">
-                <a:sym typeface="Wingdings" pitchFamily="2" charset="2"/>
-              </a:rPr>
-              <a:t> Data + others. Robust tests. Practice one unit test per PR. Think about when to use try-except statements (get </a:t>
-            </a:r>
-            <a:r>
-              <a:rPr lang="en-GB" dirty="0" err="1">
-                <a:sym typeface="Wingdings" pitchFamily="2" charset="2"/>
-              </a:rPr>
-              <a:t>chatgpt</a:t>
-            </a:r>
-            <a:r>
-              <a:rPr lang="en-GB" dirty="0">
-                <a:sym typeface="Wingdings" pitchFamily="2" charset="2"/>
-              </a:rPr>
-              <a:t> to suggest). Perform checks while script is running as well, on top of the unit tests</a:t>
-            </a:r>
           </a:p>
         </p:txBody>
       </p:sp>
     </p:spTree>
     <p:extLst>
       <p:ext uri="{BB962C8B-B14F-4D97-AF65-F5344CB8AC3E}">
-        <p14:creationId xmlns:p14="http://schemas.microsoft.com/office/powerpoint/2010/main" val="1044767826"/>
+        <p14:creationId xmlns:p14="http://schemas.microsoft.com/office/powerpoint/2010/main" val="4237085510"/>
       </p:ext>
     </p:extLst>
   </p:cSld>
@@ -9027,7 +9054,7 @@
           <p:cNvPr id="2" name="Title 1">
             <a:extLst>
               <a:ext uri="{FF2B5EF4-FFF2-40B4-BE49-F238E27FC236}">
-                <a16:creationId xmlns:a16="http://schemas.microsoft.com/office/drawing/2014/main" id="{18D502F3-83A5-8ADC-182A-57C9F15680EE}"/>
+                <a16:creationId xmlns:a16="http://schemas.microsoft.com/office/drawing/2014/main" id="{AF9DBC8A-43C7-4CED-1A5A-9AB285827153}"/>
               </a:ext>
             </a:extLst>
           </p:cNvPr>
@@ -9044,272 +9071,225 @@
           <a:lstStyle/>
           <a:p>
             <a:r>
-              <a:rPr lang="en-GB" dirty="0" err="1"/>
-              <a:t>Github</a:t>
-            </a:r>
-            <a:r>
               <a:rPr lang="en-GB" dirty="0"/>
-              <a:t> OIDC</a:t>
-            </a:r>
-          </a:p>
-        </p:txBody>
-      </p:sp>
-      <p:pic>
-        <p:nvPicPr>
-          <p:cNvPr id="1026" name="Picture 2" descr="OpenID Connect - GitHub Docs">
-            <a:extLst>
-              <a:ext uri="{FF2B5EF4-FFF2-40B4-BE49-F238E27FC236}">
-                <a16:creationId xmlns:a16="http://schemas.microsoft.com/office/drawing/2014/main" id="{4F9937C5-86B9-940C-8605-16A3EF2301A3}"/>
-              </a:ext>
-            </a:extLst>
-          </p:cNvPr>
-          <p:cNvPicPr>
-            <a:picLocks noChangeAspect="1" noChangeArrowheads="1"/>
-          </p:cNvPicPr>
-          <p:nvPr/>
-        </p:nvPicPr>
-        <p:blipFill>
-          <a:blip r:embed="rId2">
-            <a:extLst>
-              <a:ext uri="{28A0092B-C50C-407E-A947-70E740481C1C}">
-                <a14:useLocalDpi xmlns:a14="http://schemas.microsoft.com/office/drawing/2010/main" val="0"/>
-              </a:ext>
-            </a:extLst>
-          </a:blip>
-          <a:srcRect/>
-          <a:stretch>
-            <a:fillRect/>
-          </a:stretch>
-        </p:blipFill>
-        <p:spPr bwMode="auto">
-          <a:xfrm>
-            <a:off x="1654929" y="1593130"/>
-            <a:ext cx="8573288" cy="2910229"/>
-          </a:xfrm>
-          <a:prstGeom prst="rect">
-            <a:avLst/>
-          </a:prstGeom>
-          <a:noFill/>
-          <a:extLst>
-            <a:ext uri="{909E8E84-426E-40DD-AFC4-6F175D3DCCD1}">
-              <a14:hiddenFill xmlns:a14="http://schemas.microsoft.com/office/drawing/2010/main">
-                <a:solidFill>
-                  <a:srgbClr val="FFFFFF"/>
-                </a:solidFill>
-              </a14:hiddenFill>
-            </a:ext>
-          </a:extLst>
-        </p:spPr>
-      </p:pic>
-      <p:cxnSp>
-        <p:nvCxnSpPr>
-          <p:cNvPr id="18" name="Straight Arrow Connector 17">
-            <a:extLst>
-              <a:ext uri="{FF2B5EF4-FFF2-40B4-BE49-F238E27FC236}">
-                <a16:creationId xmlns:a16="http://schemas.microsoft.com/office/drawing/2014/main" id="{2077AEBC-B0CC-0CE8-AAAD-7D3FBBCE37DC}"/>
-              </a:ext>
-            </a:extLst>
-          </p:cNvPr>
-          <p:cNvCxnSpPr/>
-          <p:nvPr/>
-        </p:nvCxnSpPr>
+              <a:t>TODO</a:t>
+            </a:r>
+          </a:p>
+        </p:txBody>
+      </p:sp>
+      <p:sp>
+        <p:nvSpPr>
+          <p:cNvPr id="3" name="Content Placeholder 2">
+            <a:extLst>
+              <a:ext uri="{FF2B5EF4-FFF2-40B4-BE49-F238E27FC236}">
+                <a16:creationId xmlns:a16="http://schemas.microsoft.com/office/drawing/2014/main" id="{75AE5FEA-050D-AE53-B7C2-AA771027014E}"/>
+              </a:ext>
+            </a:extLst>
+          </p:cNvPr>
+          <p:cNvSpPr>
+            <a:spLocks noGrp="1"/>
+          </p:cNvSpPr>
+          <p:nvPr>
+            <p:ph idx="1"/>
+          </p:nvPr>
+        </p:nvSpPr>
         <p:spPr>
           <a:xfrm>
-            <a:off x="9222377" y="3592286"/>
-            <a:ext cx="0" cy="1449977"/>
+            <a:off x="838200" y="1690688"/>
+            <a:ext cx="10515600" cy="5167312"/>
           </a:xfrm>
-          <a:prstGeom prst="straightConnector1">
-            <a:avLst/>
-          </a:prstGeom>
-          <a:ln>
-            <a:tailEnd type="triangle"/>
-          </a:ln>
         </p:spPr>
-        <p:style>
-          <a:lnRef idx="2">
-            <a:schemeClr val="accent1"/>
-          </a:lnRef>
-          <a:fillRef idx="0">
-            <a:schemeClr val="accent1"/>
-          </a:fillRef>
-          <a:effectRef idx="1">
-            <a:schemeClr val="accent1"/>
-          </a:effectRef>
-          <a:fontRef idx="minor">
-            <a:schemeClr val="tx1"/>
-          </a:fontRef>
-        </p:style>
-      </p:cxnSp>
-      <p:sp>
-        <p:nvSpPr>
-          <p:cNvPr id="19" name="Rectangle 18">
-            <a:extLst>
-              <a:ext uri="{FF2B5EF4-FFF2-40B4-BE49-F238E27FC236}">
-                <a16:creationId xmlns:a16="http://schemas.microsoft.com/office/drawing/2014/main" id="{0F8D3F2B-A113-E74D-560E-C2D070BCA5C8}"/>
-              </a:ext>
-            </a:extLst>
-          </p:cNvPr>
-          <p:cNvSpPr/>
-          <p:nvPr/>
-        </p:nvSpPr>
-        <p:spPr>
-          <a:xfrm>
-            <a:off x="8151222" y="5042263"/>
-            <a:ext cx="2076995" cy="849086"/>
-          </a:xfrm>
-          <a:prstGeom prst="rect">
-            <a:avLst/>
-          </a:prstGeom>
-        </p:spPr>
-        <p:style>
-          <a:lnRef idx="2">
-            <a:schemeClr val="accent1">
-              <a:shade val="15000"/>
-            </a:schemeClr>
-          </a:lnRef>
-          <a:fillRef idx="1">
-            <a:schemeClr val="accent1"/>
-          </a:fillRef>
-          <a:effectRef idx="0">
-            <a:schemeClr val="accent1"/>
-          </a:effectRef>
-          <a:fontRef idx="minor">
-            <a:schemeClr val="lt1"/>
-          </a:fontRef>
-        </p:style>
-        <p:txBody>
-          <a:bodyPr rtlCol="0" anchor="ctr"/>
-          <a:lstStyle/>
-          <a:p>
-            <a:pPr algn="ctr"/>
+        <p:txBody>
+          <a:bodyPr>
+            <a:normAutofit fontScale="77500" lnSpcReduction="20000"/>
+          </a:bodyPr>
+          <a:lstStyle/>
+          <a:p>
+            <a:r>
+              <a:rPr lang="en-GB" strike="sngStrike" dirty="0"/>
+              <a:t>Pull </a:t>
+            </a:r>
+            <a:r>
+              <a:rPr lang="en-GB" strike="sngStrike" dirty="0" err="1"/>
+              <a:t>ct</a:t>
+            </a:r>
+            <a:r>
+              <a:rPr lang="en-GB" strike="sngStrike" dirty="0"/>
+              <a:t> to main. Just work on main from there</a:t>
+            </a:r>
+          </a:p>
+          <a:p>
+            <a:r>
+              <a:rPr lang="en-GB" strike="sngStrike" dirty="0"/>
+              <a:t>Automate both the CV and Final modelling on cloud (AWS Lambda, </a:t>
+            </a:r>
+            <a:r>
+              <a:rPr lang="en-GB" strike="sngStrike" dirty="0" err="1"/>
+              <a:t>github</a:t>
+            </a:r>
+            <a:r>
+              <a:rPr lang="en-GB" strike="sngStrike" dirty="0"/>
+              <a:t> actions, whatever). Importantly, give scores + </a:t>
+            </a:r>
+            <a:r>
+              <a:rPr lang="en-GB" strike="sngStrike" dirty="0" err="1"/>
+              <a:t>iTry</a:t>
+            </a:r>
+            <a:r>
+              <a:rPr lang="en-GB" strike="sngStrike" dirty="0"/>
+              <a:t> to merge with </a:t>
+            </a:r>
+            <a:r>
+              <a:rPr lang="en-GB" strike="sngStrike" dirty="0" err="1"/>
+              <a:t>MLFlow</a:t>
+            </a:r>
+            <a:r>
+              <a:rPr lang="en-GB" strike="sngStrike" dirty="0"/>
+              <a:t> if can, otherwise just do reporting separately. Important charts. </a:t>
+            </a:r>
+            <a:r>
+              <a:rPr lang="en-GB" strike="sngStrike" dirty="0" err="1"/>
+              <a:t>Rmb</a:t>
+            </a:r>
+            <a:r>
+              <a:rPr lang="en-GB" strike="sngStrike" dirty="0"/>
+              <a:t> to ensure S3 storing model has version tracking on</a:t>
+            </a:r>
+          </a:p>
+          <a:p>
             <a:r>
               <a:rPr lang="en-GB" dirty="0"/>
-              <a:t>AWS Service (needs to be able to assume role)</a:t>
-            </a:r>
-          </a:p>
-        </p:txBody>
-      </p:sp>
-      <p:cxnSp>
-        <p:nvCxnSpPr>
-          <p:cNvPr id="21" name="Elbow Connector 20">
-            <a:extLst>
-              <a:ext uri="{FF2B5EF4-FFF2-40B4-BE49-F238E27FC236}">
-                <a16:creationId xmlns:a16="http://schemas.microsoft.com/office/drawing/2014/main" id="{3726D0C7-AF1F-FCEF-86BF-9BD41ED32AD2}"/>
-              </a:ext>
-            </a:extLst>
-          </p:cNvPr>
-          <p:cNvCxnSpPr>
-            <a:endCxn id="19" idx="1"/>
-          </p:cNvCxnSpPr>
-          <p:nvPr/>
-        </p:nvCxnSpPr>
-        <p:spPr>
-          <a:xfrm>
-            <a:off x="2769326" y="4503359"/>
-            <a:ext cx="5381896" cy="963447"/>
-          </a:xfrm>
-          <a:prstGeom prst="bentConnector3">
-            <a:avLst>
-              <a:gd name="adj1" fmla="val 243"/>
-            </a:avLst>
-          </a:prstGeom>
-          <a:ln>
-            <a:tailEnd type="triangle"/>
-          </a:ln>
-        </p:spPr>
-        <p:style>
-          <a:lnRef idx="2">
-            <a:schemeClr val="accent1"/>
-          </a:lnRef>
-          <a:fillRef idx="0">
-            <a:schemeClr val="accent1"/>
-          </a:fillRef>
-          <a:effectRef idx="1">
-            <a:schemeClr val="accent1"/>
-          </a:effectRef>
-          <a:fontRef idx="minor">
-            <a:schemeClr val="tx1"/>
-          </a:fontRef>
-        </p:style>
-      </p:cxnSp>
-      <p:sp>
-        <p:nvSpPr>
-          <p:cNvPr id="23" name="TextBox 22">
-            <a:extLst>
-              <a:ext uri="{FF2B5EF4-FFF2-40B4-BE49-F238E27FC236}">
-                <a16:creationId xmlns:a16="http://schemas.microsoft.com/office/drawing/2014/main" id="{A4EB1929-01B6-8D2E-375F-1C63F0CFDB21}"/>
-              </a:ext>
-            </a:extLst>
-          </p:cNvPr>
-          <p:cNvSpPr txBox="1"/>
-          <p:nvPr/>
-        </p:nvSpPr>
-        <p:spPr>
-          <a:xfrm>
-            <a:off x="9359536" y="3717109"/>
-            <a:ext cx="2076991" cy="1200329"/>
-          </a:xfrm>
-          <a:prstGeom prst="rect">
-            <a:avLst/>
-          </a:prstGeom>
-          <a:noFill/>
-        </p:spPr>
-        <p:txBody>
-          <a:bodyPr wrap="square" rtlCol="0">
-            <a:spAutoFit/>
-          </a:bodyPr>
-          <a:lstStyle/>
-          <a:p>
-            <a:r>
-              <a:rPr lang="en-GB" dirty="0" err="1"/>
-              <a:t>Github</a:t>
-            </a:r>
+              <a:t>How to test that docker images on docker hub works after CI/CD?</a:t>
+            </a:r>
+          </a:p>
+          <a:p>
             <a:r>
               <a:rPr lang="en-GB" dirty="0"/>
-              <a:t> action accesses service using the </a:t>
-            </a:r>
-            <a:r>
-              <a:rPr lang="en-GB" dirty="0" err="1"/>
-              <a:t>Github</a:t>
-            </a:r>
+              <a:t>Retraining champion model</a:t>
+            </a:r>
+          </a:p>
+          <a:p>
+            <a:r>
+              <a:rPr lang="en-GB" strike="sngStrike" dirty="0"/>
+              <a:t>Ensure </a:t>
+            </a:r>
+            <a:r>
+              <a:rPr lang="en-GB" strike="sngStrike" dirty="0" err="1"/>
+              <a:t>FastAPI</a:t>
+            </a:r>
+            <a:r>
+              <a:rPr lang="en-GB" strike="sngStrike" dirty="0"/>
+              <a:t> app can read best model from S3: </a:t>
+            </a:r>
+          </a:p>
+          <a:p>
+            <a:pPr lvl="1"/>
+            <a:r>
+              <a:rPr lang="en-GB" strike="sngStrike" dirty="0">
+                <a:sym typeface="Wingdings" pitchFamily="2" charset="2"/>
+              </a:rPr>
+              <a:t>https://</a:t>
+            </a:r>
+            <a:r>
+              <a:rPr lang="en-GB" strike="sngStrike" dirty="0" err="1">
+                <a:sym typeface="Wingdings" pitchFamily="2" charset="2"/>
+              </a:rPr>
+              <a:t>devopscube.com</a:t>
+            </a:r>
+            <a:r>
+              <a:rPr lang="en-GB" strike="sngStrike" dirty="0">
+                <a:sym typeface="Wingdings" pitchFamily="2" charset="2"/>
+              </a:rPr>
+              <a:t>/</a:t>
+            </a:r>
+            <a:r>
+              <a:rPr lang="en-GB" strike="sngStrike" dirty="0" err="1">
+                <a:sym typeface="Wingdings" pitchFamily="2" charset="2"/>
+              </a:rPr>
+              <a:t>github</a:t>
+            </a:r>
+            <a:r>
+              <a:rPr lang="en-GB" strike="sngStrike" dirty="0">
+                <a:sym typeface="Wingdings" pitchFamily="2" charset="2"/>
+              </a:rPr>
+              <a:t>-actions-</a:t>
+            </a:r>
+            <a:r>
+              <a:rPr lang="en-GB" strike="sngStrike" dirty="0" err="1">
+                <a:sym typeface="Wingdings" pitchFamily="2" charset="2"/>
+              </a:rPr>
+              <a:t>oidc</a:t>
+            </a:r>
+            <a:r>
+              <a:rPr lang="en-GB" strike="sngStrike" dirty="0">
+                <a:sym typeface="Wingdings" pitchFamily="2" charset="2"/>
+              </a:rPr>
+              <a:t>-</a:t>
+            </a:r>
+            <a:r>
+              <a:rPr lang="en-GB" strike="sngStrike" dirty="0" err="1">
+                <a:sym typeface="Wingdings" pitchFamily="2" charset="2"/>
+              </a:rPr>
+              <a:t>aws</a:t>
+            </a:r>
+            <a:r>
+              <a:rPr lang="en-GB" strike="sngStrike" dirty="0">
+                <a:sym typeface="Wingdings" pitchFamily="2" charset="2"/>
+              </a:rPr>
+              <a:t>/</a:t>
+            </a:r>
+          </a:p>
+          <a:p>
+            <a:r>
+              <a:rPr lang="en-GB" strike="sngStrike" dirty="0">
+                <a:sym typeface="Wingdings" pitchFamily="2" charset="2"/>
+              </a:rPr>
+              <a:t>Automate AWS Lambda updates (e.g. data cleaning) using AWS CLI/</a:t>
+            </a:r>
+            <a:r>
+              <a:rPr lang="en-GB" strike="sngStrike" dirty="0" err="1">
+                <a:sym typeface="Wingdings" pitchFamily="2" charset="2"/>
+              </a:rPr>
+              <a:t>github</a:t>
+            </a:r>
+            <a:r>
+              <a:rPr lang="en-GB" strike="sngStrike" dirty="0">
+                <a:sym typeface="Wingdings" pitchFamily="2" charset="2"/>
+              </a:rPr>
+              <a:t> actions so that don’t have to keep copy and pasting</a:t>
+            </a:r>
+          </a:p>
+          <a:p>
+            <a:r>
+              <a:rPr lang="en-GB" dirty="0">
+                <a:sym typeface="Wingdings" pitchFamily="2" charset="2"/>
+              </a:rPr>
+              <a:t>Download new data filtered by date, process and then append to existing feature store</a:t>
+            </a:r>
+            <a:endParaRPr lang="en-GB" dirty="0"/>
+          </a:p>
+          <a:p>
             <a:r>
               <a:rPr lang="en-GB" dirty="0"/>
-              <a:t> role assumed </a:t>
-            </a:r>
-          </a:p>
-        </p:txBody>
-      </p:sp>
-      <p:sp>
-        <p:nvSpPr>
-          <p:cNvPr id="24" name="TextBox 23">
-            <a:extLst>
-              <a:ext uri="{FF2B5EF4-FFF2-40B4-BE49-F238E27FC236}">
-                <a16:creationId xmlns:a16="http://schemas.microsoft.com/office/drawing/2014/main" id="{213BE999-CDCF-A287-5350-80FF16AD9CE2}"/>
-              </a:ext>
-            </a:extLst>
-          </p:cNvPr>
-          <p:cNvSpPr txBox="1"/>
-          <p:nvPr/>
-        </p:nvSpPr>
-        <p:spPr>
-          <a:xfrm>
-            <a:off x="4569973" y="4866641"/>
-            <a:ext cx="2797478" cy="923330"/>
-          </a:xfrm>
-          <a:prstGeom prst="rect">
-            <a:avLst/>
-          </a:prstGeom>
-          <a:noFill/>
-        </p:spPr>
-        <p:txBody>
-          <a:bodyPr wrap="square" rtlCol="0">
-            <a:spAutoFit/>
-          </a:bodyPr>
-          <a:lstStyle/>
-          <a:p>
-            <a:r>
-              <a:rPr lang="en-GB" dirty="0"/>
-              <a:t>With role given which already trusts OIDC in a federated way</a:t>
+              <a:t>Code robustness: Work on unit testing </a:t>
+            </a:r>
+            <a:r>
+              <a:rPr lang="en-GB" dirty="0">
+                <a:sym typeface="Wingdings" pitchFamily="2" charset="2"/>
+              </a:rPr>
+              <a:t> Data + others. Robust tests. Practice one unit test per PR. Think about when to use try-except statements (get </a:t>
+            </a:r>
+            <a:r>
+              <a:rPr lang="en-GB" dirty="0" err="1">
+                <a:sym typeface="Wingdings" pitchFamily="2" charset="2"/>
+              </a:rPr>
+              <a:t>chatgpt</a:t>
+            </a:r>
+            <a:r>
+              <a:rPr lang="en-GB" dirty="0">
+                <a:sym typeface="Wingdings" pitchFamily="2" charset="2"/>
+              </a:rPr>
+              <a:t> to suggest). Perform checks while script is running as well, on top of the unit tests</a:t>
             </a:r>
           </a:p>
         </p:txBody>
@@ -9317,7 +9297,7 @@
     </p:spTree>
     <p:extLst>
       <p:ext uri="{BB962C8B-B14F-4D97-AF65-F5344CB8AC3E}">
-        <p14:creationId xmlns:p14="http://schemas.microsoft.com/office/powerpoint/2010/main" val="3008732277"/>
+        <p14:creationId xmlns:p14="http://schemas.microsoft.com/office/powerpoint/2010/main" val="1044767826"/>
       </p:ext>
     </p:extLst>
   </p:cSld>
@@ -9404,22 +9384,6 @@
               <a:rPr lang="en-GB" dirty="0">
                 <a:sym typeface="Wingdings" pitchFamily="2" charset="2"/>
               </a:rPr>
-              <a:t>Zeng the reported metrics</a:t>
-            </a:r>
-          </a:p>
-          <a:p>
-            <a:r>
-              <a:rPr lang="en-GB" dirty="0">
-                <a:sym typeface="Wingdings" pitchFamily="2" charset="2"/>
-              </a:rPr>
-              <a:t>Do hyperparameter tuning separately</a:t>
-            </a:r>
-          </a:p>
-          <a:p>
-            <a:r>
-              <a:rPr lang="en-GB" dirty="0">
-                <a:sym typeface="Wingdings" pitchFamily="2" charset="2"/>
-              </a:rPr>
               <a:t>See if can combine with </a:t>
             </a:r>
             <a:r>
@@ -9427,6 +9391,23 @@
                 <a:sym typeface="Wingdings" pitchFamily="2" charset="2"/>
               </a:rPr>
               <a:t>MLFlow</a:t>
+            </a:r>
+            <a:endParaRPr lang="en-GB" dirty="0">
+              <a:sym typeface="Wingdings" pitchFamily="2" charset="2"/>
+            </a:endParaRPr>
+          </a:p>
+          <a:p>
+            <a:r>
+              <a:rPr lang="en-GB" dirty="0"/>
+              <a:t>Send </a:t>
+            </a:r>
+            <a:r>
+              <a:rPr lang="en-GB" dirty="0" err="1"/>
+              <a:t>hyperparam</a:t>
+            </a:r>
+            <a:r>
+              <a:rPr lang="en-GB" dirty="0"/>
+              <a:t> tuning report to Slack</a:t>
             </a:r>
             <a:endParaRPr lang="en-GB" dirty="0">
               <a:sym typeface="Wingdings" pitchFamily="2" charset="2"/>

--- a/docs/Architecture Overview.pptx
+++ b/docs/Architecture Overview.pptx
@@ -5,7 +5,7 @@
     <p:sldMasterId id="2147483648" r:id="rId1"/>
   </p:sldMasterIdLst>
   <p:notesMasterIdLst>
-    <p:notesMasterId r:id="rId15"/>
+    <p:notesMasterId r:id="rId17"/>
   </p:notesMasterIdLst>
   <p:sldIdLst>
     <p:sldId id="256" r:id="rId2"/>
@@ -17,10 +17,12 @@
     <p:sldId id="264" r:id="rId8"/>
     <p:sldId id="261" r:id="rId9"/>
     <p:sldId id="269" r:id="rId10"/>
-    <p:sldId id="270" r:id="rId11"/>
-    <p:sldId id="265" r:id="rId12"/>
-    <p:sldId id="266" r:id="rId13"/>
-    <p:sldId id="262" r:id="rId14"/>
+    <p:sldId id="265" r:id="rId11"/>
+    <p:sldId id="266" r:id="rId12"/>
+    <p:sldId id="262" r:id="rId13"/>
+    <p:sldId id="271" r:id="rId14"/>
+    <p:sldId id="272" r:id="rId15"/>
+    <p:sldId id="270" r:id="rId16"/>
   </p:sldIdLst>
   <p:sldSz cx="12192000" cy="6858000"/>
   <p:notesSz cx="6858000" cy="9144000"/>
@@ -4158,6 +4160,1051 @@
           <p:cNvPr id="2" name="Title 1">
             <a:extLst>
               <a:ext uri="{FF2B5EF4-FFF2-40B4-BE49-F238E27FC236}">
+                <a16:creationId xmlns:a16="http://schemas.microsoft.com/office/drawing/2014/main" id="{786686E8-215A-5475-0873-B4055D121F8F}"/>
+              </a:ext>
+            </a:extLst>
+          </p:cNvPr>
+          <p:cNvSpPr>
+            <a:spLocks noGrp="1"/>
+          </p:cNvSpPr>
+          <p:nvPr>
+            <p:ph type="title"/>
+          </p:nvPr>
+        </p:nvSpPr>
+        <p:spPr/>
+        <p:txBody>
+          <a:bodyPr/>
+          <a:lstStyle/>
+          <a:p>
+            <a:r>
+              <a:rPr lang="en-GB" dirty="0"/>
+              <a:t>CT</a:t>
+            </a:r>
+          </a:p>
+        </p:txBody>
+      </p:sp>
+      <p:sp>
+        <p:nvSpPr>
+          <p:cNvPr id="3" name="Content Placeholder 2">
+            <a:extLst>
+              <a:ext uri="{FF2B5EF4-FFF2-40B4-BE49-F238E27FC236}">
+                <a16:creationId xmlns:a16="http://schemas.microsoft.com/office/drawing/2014/main" id="{B4423546-A7E9-D0C0-C3F6-1997391AD7C0}"/>
+              </a:ext>
+            </a:extLst>
+          </p:cNvPr>
+          <p:cNvSpPr>
+            <a:spLocks noGrp="1"/>
+          </p:cNvSpPr>
+          <p:nvPr>
+            <p:ph idx="1"/>
+          </p:nvPr>
+        </p:nvSpPr>
+        <p:spPr>
+          <a:xfrm>
+            <a:off x="838200" y="1825624"/>
+            <a:ext cx="10515600" cy="5032375"/>
+          </a:xfrm>
+        </p:spPr>
+        <p:txBody>
+          <a:bodyPr>
+            <a:normAutofit fontScale="92500" lnSpcReduction="20000"/>
+          </a:bodyPr>
+          <a:lstStyle/>
+          <a:p>
+            <a:r>
+              <a:rPr lang="en-GB" dirty="0"/>
+              <a:t>Retraining based on time/data ingestion @ X time unit</a:t>
+            </a:r>
+          </a:p>
+          <a:p>
+            <a:pPr lvl="1"/>
+            <a:r>
+              <a:rPr lang="en-GB" b="1" dirty="0"/>
+              <a:t>Objective: Let model capture new trends in data, refresh model with same hyperparameters</a:t>
+            </a:r>
+          </a:p>
+          <a:p>
+            <a:pPr lvl="1"/>
+            <a:r>
+              <a:rPr lang="en-GB" dirty="0"/>
+              <a:t>Need to have data processed to output the delta for testing </a:t>
+            </a:r>
+            <a:r>
+              <a:rPr lang="en-GB" dirty="0">
+                <a:sym typeface="Wingdings" pitchFamily="2" charset="2"/>
+              </a:rPr>
+              <a:t> Correspond to frequency of pulling data, which corresponds to how often the data is updated. Don’t train if have too little </a:t>
+            </a:r>
+            <a:r>
+              <a:rPr lang="en-GB">
+                <a:sym typeface="Wingdings" pitchFamily="2" charset="2"/>
+              </a:rPr>
+              <a:t>data for test set</a:t>
+            </a:r>
+            <a:endParaRPr lang="en-GB" dirty="0"/>
+          </a:p>
+          <a:p>
+            <a:pPr lvl="1"/>
+            <a:r>
+              <a:rPr lang="en-GB" dirty="0"/>
+              <a:t>Separate script which uses the same hyperparameters from experimentation (local), but does the comparison and retraining on AWS (Lambda?) </a:t>
+            </a:r>
+          </a:p>
+          <a:p>
+            <a:pPr lvl="1"/>
+            <a:r>
+              <a:rPr lang="en-GB" dirty="0"/>
+              <a:t>? Need to come up with the final model, trained on all data</a:t>
+            </a:r>
+          </a:p>
+          <a:p>
+            <a:pPr lvl="2"/>
+            <a:r>
+              <a:rPr lang="en-GB" dirty="0"/>
+              <a:t>Or is it still need a holdout set?</a:t>
+            </a:r>
+          </a:p>
+          <a:p>
+            <a:pPr lvl="2"/>
+            <a:r>
+              <a:rPr lang="en-GB" dirty="0"/>
+              <a:t>Train on 1~ T-1 week, test on T-1 week ~T (Is 1 week enough?)</a:t>
+            </a:r>
+          </a:p>
+          <a:p>
+            <a:pPr lvl="1"/>
+            <a:r>
+              <a:rPr lang="en-GB" dirty="0"/>
+              <a:t>Implement A/B testing afterwards to check if there is indeed and improvement over the old model. Do not deploy if performance drops</a:t>
+            </a:r>
+          </a:p>
+          <a:p>
+            <a:pPr lvl="2"/>
+            <a:r>
+              <a:rPr lang="en-GB" dirty="0"/>
+              <a:t>Still necessary to compare 5 fold CV in addition to test set?</a:t>
+            </a:r>
+          </a:p>
+          <a:p>
+            <a:pPr lvl="2"/>
+            <a:r>
+              <a:rPr lang="en-GB" dirty="0"/>
+              <a:t>Pseudo-Canary testing?</a:t>
+            </a:r>
+          </a:p>
+          <a:p>
+            <a:pPr lvl="2"/>
+            <a:r>
+              <a:rPr lang="en-GB" dirty="0"/>
+              <a:t>Can find hard quality gates here: https://</a:t>
+            </a:r>
+            <a:r>
+              <a:rPr lang="en-GB" dirty="0" err="1"/>
+              <a:t>mlflow.org</a:t>
+            </a:r>
+            <a:r>
+              <a:rPr lang="en-GB" dirty="0"/>
+              <a:t>/docs/3.1.3/ml/evaluation/model-eval/</a:t>
+            </a:r>
+          </a:p>
+        </p:txBody>
+      </p:sp>
+      <p:sp>
+        <p:nvSpPr>
+          <p:cNvPr id="4" name="Rectangle 3">
+            <a:extLst>
+              <a:ext uri="{FF2B5EF4-FFF2-40B4-BE49-F238E27FC236}">
+                <a16:creationId xmlns:a16="http://schemas.microsoft.com/office/drawing/2014/main" id="{2D353EA7-6F98-A6AC-D6EB-CE7E49900F60}"/>
+              </a:ext>
+            </a:extLst>
+          </p:cNvPr>
+          <p:cNvSpPr/>
+          <p:nvPr/>
+        </p:nvSpPr>
+        <p:spPr>
+          <a:xfrm>
+            <a:off x="4807131" y="495754"/>
+            <a:ext cx="3095898" cy="327206"/>
+          </a:xfrm>
+          <a:prstGeom prst="rect">
+            <a:avLst/>
+          </a:prstGeom>
+        </p:spPr>
+        <p:style>
+          <a:lnRef idx="2">
+            <a:schemeClr val="accent1">
+              <a:shade val="15000"/>
+            </a:schemeClr>
+          </a:lnRef>
+          <a:fillRef idx="1">
+            <a:schemeClr val="accent1"/>
+          </a:fillRef>
+          <a:effectRef idx="0">
+            <a:schemeClr val="accent1"/>
+          </a:effectRef>
+          <a:fontRef idx="minor">
+            <a:schemeClr val="lt1"/>
+          </a:fontRef>
+        </p:style>
+        <p:txBody>
+          <a:bodyPr rtlCol="0" anchor="ctr"/>
+          <a:lstStyle/>
+          <a:p>
+            <a:pPr algn="ctr"/>
+            <a:r>
+              <a:rPr lang="en-GB" dirty="0"/>
+              <a:t>Train-Validation</a:t>
+            </a:r>
+          </a:p>
+        </p:txBody>
+      </p:sp>
+      <p:sp>
+        <p:nvSpPr>
+          <p:cNvPr id="5" name="Rectangle 4">
+            <a:extLst>
+              <a:ext uri="{FF2B5EF4-FFF2-40B4-BE49-F238E27FC236}">
+                <a16:creationId xmlns:a16="http://schemas.microsoft.com/office/drawing/2014/main" id="{CAA164F5-77DD-0E74-4524-E2D878665865}"/>
+              </a:ext>
+            </a:extLst>
+          </p:cNvPr>
+          <p:cNvSpPr/>
+          <p:nvPr/>
+        </p:nvSpPr>
+        <p:spPr>
+          <a:xfrm>
+            <a:off x="7903029" y="495754"/>
+            <a:ext cx="755468" cy="327206"/>
+          </a:xfrm>
+          <a:prstGeom prst="rect">
+            <a:avLst/>
+          </a:prstGeom>
+          <a:solidFill>
+            <a:schemeClr val="accent2"/>
+          </a:solidFill>
+        </p:spPr>
+        <p:style>
+          <a:lnRef idx="2">
+            <a:schemeClr val="accent1">
+              <a:shade val="15000"/>
+            </a:schemeClr>
+          </a:lnRef>
+          <a:fillRef idx="1">
+            <a:schemeClr val="accent1"/>
+          </a:fillRef>
+          <a:effectRef idx="0">
+            <a:schemeClr val="accent1"/>
+          </a:effectRef>
+          <a:fontRef idx="minor">
+            <a:schemeClr val="lt1"/>
+          </a:fontRef>
+        </p:style>
+        <p:txBody>
+          <a:bodyPr rtlCol="0" anchor="ctr"/>
+          <a:lstStyle/>
+          <a:p>
+            <a:pPr algn="ctr"/>
+            <a:r>
+              <a:rPr lang="en-GB" dirty="0"/>
+              <a:t>Test</a:t>
+            </a:r>
+          </a:p>
+        </p:txBody>
+      </p:sp>
+      <p:sp>
+        <p:nvSpPr>
+          <p:cNvPr id="6" name="TextBox 5">
+            <a:extLst>
+              <a:ext uri="{FF2B5EF4-FFF2-40B4-BE49-F238E27FC236}">
+                <a16:creationId xmlns:a16="http://schemas.microsoft.com/office/drawing/2014/main" id="{FE926106-4760-484A-5BC4-61D3D943CE13}"/>
+              </a:ext>
+            </a:extLst>
+          </p:cNvPr>
+          <p:cNvSpPr txBox="1"/>
+          <p:nvPr/>
+        </p:nvSpPr>
+        <p:spPr>
+          <a:xfrm>
+            <a:off x="4441371" y="156755"/>
+            <a:ext cx="766355" cy="369332"/>
+          </a:xfrm>
+          <a:prstGeom prst="rect">
+            <a:avLst/>
+          </a:prstGeom>
+          <a:noFill/>
+        </p:spPr>
+        <p:txBody>
+          <a:bodyPr wrap="square" rtlCol="0">
+            <a:spAutoFit/>
+          </a:bodyPr>
+          <a:lstStyle/>
+          <a:p>
+            <a:r>
+              <a:rPr lang="en-GB" dirty="0"/>
+              <a:t>T=W0</a:t>
+            </a:r>
+          </a:p>
+        </p:txBody>
+      </p:sp>
+      <p:sp>
+        <p:nvSpPr>
+          <p:cNvPr id="7" name="TextBox 6">
+            <a:extLst>
+              <a:ext uri="{FF2B5EF4-FFF2-40B4-BE49-F238E27FC236}">
+                <a16:creationId xmlns:a16="http://schemas.microsoft.com/office/drawing/2014/main" id="{937C3058-374B-9DEC-72C2-D2B55FD41645}"/>
+              </a:ext>
+            </a:extLst>
+          </p:cNvPr>
+          <p:cNvSpPr txBox="1"/>
+          <p:nvPr/>
+        </p:nvSpPr>
+        <p:spPr>
+          <a:xfrm>
+            <a:off x="7602582" y="156755"/>
+            <a:ext cx="1003663" cy="369332"/>
+          </a:xfrm>
+          <a:prstGeom prst="rect">
+            <a:avLst/>
+          </a:prstGeom>
+          <a:noFill/>
+        </p:spPr>
+        <p:txBody>
+          <a:bodyPr wrap="square" rtlCol="0">
+            <a:spAutoFit/>
+          </a:bodyPr>
+          <a:lstStyle/>
+          <a:p>
+            <a:r>
+              <a:rPr lang="en-GB" dirty="0"/>
+              <a:t>T=W-1</a:t>
+            </a:r>
+          </a:p>
+        </p:txBody>
+      </p:sp>
+      <p:sp>
+        <p:nvSpPr>
+          <p:cNvPr id="8" name="TextBox 7">
+            <a:extLst>
+              <a:ext uri="{FF2B5EF4-FFF2-40B4-BE49-F238E27FC236}">
+                <a16:creationId xmlns:a16="http://schemas.microsoft.com/office/drawing/2014/main" id="{E6230534-B302-25B5-A87D-00556C86F7A9}"/>
+              </a:ext>
+            </a:extLst>
+          </p:cNvPr>
+          <p:cNvSpPr txBox="1"/>
+          <p:nvPr/>
+        </p:nvSpPr>
+        <p:spPr>
+          <a:xfrm>
+            <a:off x="8309065" y="156755"/>
+            <a:ext cx="1003663" cy="369332"/>
+          </a:xfrm>
+          <a:prstGeom prst="rect">
+            <a:avLst/>
+          </a:prstGeom>
+          <a:noFill/>
+        </p:spPr>
+        <p:txBody>
+          <a:bodyPr wrap="square" rtlCol="0">
+            <a:spAutoFit/>
+          </a:bodyPr>
+          <a:lstStyle/>
+          <a:p>
+            <a:r>
+              <a:rPr lang="en-GB" dirty="0"/>
+              <a:t>T=W</a:t>
+            </a:r>
+          </a:p>
+        </p:txBody>
+      </p:sp>
+      <p:sp>
+        <p:nvSpPr>
+          <p:cNvPr id="9" name="Rectangle 8">
+            <a:extLst>
+              <a:ext uri="{FF2B5EF4-FFF2-40B4-BE49-F238E27FC236}">
+                <a16:creationId xmlns:a16="http://schemas.microsoft.com/office/drawing/2014/main" id="{D4ED5634-7F4C-59DD-6865-1EB2F485551A}"/>
+              </a:ext>
+            </a:extLst>
+          </p:cNvPr>
+          <p:cNvSpPr/>
+          <p:nvPr/>
+        </p:nvSpPr>
+        <p:spPr>
+          <a:xfrm>
+            <a:off x="4807131" y="1261451"/>
+            <a:ext cx="3851366" cy="327206"/>
+          </a:xfrm>
+          <a:prstGeom prst="rect">
+            <a:avLst/>
+          </a:prstGeom>
+        </p:spPr>
+        <p:style>
+          <a:lnRef idx="2">
+            <a:schemeClr val="accent1">
+              <a:shade val="15000"/>
+            </a:schemeClr>
+          </a:lnRef>
+          <a:fillRef idx="1">
+            <a:schemeClr val="accent1"/>
+          </a:fillRef>
+          <a:effectRef idx="0">
+            <a:schemeClr val="accent1"/>
+          </a:effectRef>
+          <a:fontRef idx="minor">
+            <a:schemeClr val="lt1"/>
+          </a:fontRef>
+        </p:style>
+        <p:txBody>
+          <a:bodyPr rtlCol="0" anchor="ctr"/>
+          <a:lstStyle/>
+          <a:p>
+            <a:pPr algn="ctr"/>
+            <a:r>
+              <a:rPr lang="en-GB" dirty="0"/>
+              <a:t>Train-Validation</a:t>
+            </a:r>
+          </a:p>
+        </p:txBody>
+      </p:sp>
+      <p:sp>
+        <p:nvSpPr>
+          <p:cNvPr id="10" name="Rectangle 9">
+            <a:extLst>
+              <a:ext uri="{FF2B5EF4-FFF2-40B4-BE49-F238E27FC236}">
+                <a16:creationId xmlns:a16="http://schemas.microsoft.com/office/drawing/2014/main" id="{3BE8DD13-2B20-8A69-4615-9924A8C0D2F1}"/>
+              </a:ext>
+            </a:extLst>
+          </p:cNvPr>
+          <p:cNvSpPr/>
+          <p:nvPr/>
+        </p:nvSpPr>
+        <p:spPr>
+          <a:xfrm>
+            <a:off x="8662853" y="1261451"/>
+            <a:ext cx="755468" cy="327206"/>
+          </a:xfrm>
+          <a:prstGeom prst="rect">
+            <a:avLst/>
+          </a:prstGeom>
+          <a:solidFill>
+            <a:schemeClr val="accent2"/>
+          </a:solidFill>
+        </p:spPr>
+        <p:style>
+          <a:lnRef idx="2">
+            <a:schemeClr val="accent1">
+              <a:shade val="15000"/>
+            </a:schemeClr>
+          </a:lnRef>
+          <a:fillRef idx="1">
+            <a:schemeClr val="accent1"/>
+          </a:fillRef>
+          <a:effectRef idx="0">
+            <a:schemeClr val="accent1"/>
+          </a:effectRef>
+          <a:fontRef idx="minor">
+            <a:schemeClr val="lt1"/>
+          </a:fontRef>
+        </p:style>
+        <p:txBody>
+          <a:bodyPr rtlCol="0" anchor="ctr"/>
+          <a:lstStyle/>
+          <a:p>
+            <a:pPr algn="ctr"/>
+            <a:r>
+              <a:rPr lang="en-GB" dirty="0"/>
+              <a:t>Test</a:t>
+            </a:r>
+          </a:p>
+        </p:txBody>
+      </p:sp>
+      <p:sp>
+        <p:nvSpPr>
+          <p:cNvPr id="12" name="TextBox 11">
+            <a:extLst>
+              <a:ext uri="{FF2B5EF4-FFF2-40B4-BE49-F238E27FC236}">
+                <a16:creationId xmlns:a16="http://schemas.microsoft.com/office/drawing/2014/main" id="{5F40C0DB-D95C-FAE8-8F29-6320B3B45FD0}"/>
+              </a:ext>
+            </a:extLst>
+          </p:cNvPr>
+          <p:cNvSpPr txBox="1"/>
+          <p:nvPr/>
+        </p:nvSpPr>
+        <p:spPr>
+          <a:xfrm>
+            <a:off x="9040587" y="922452"/>
+            <a:ext cx="1003663" cy="369332"/>
+          </a:xfrm>
+          <a:prstGeom prst="rect">
+            <a:avLst/>
+          </a:prstGeom>
+          <a:noFill/>
+        </p:spPr>
+        <p:txBody>
+          <a:bodyPr wrap="square" rtlCol="0">
+            <a:spAutoFit/>
+          </a:bodyPr>
+          <a:lstStyle/>
+          <a:p>
+            <a:r>
+              <a:rPr lang="en-GB" dirty="0"/>
+              <a:t>T=W+1</a:t>
+            </a:r>
+          </a:p>
+        </p:txBody>
+      </p:sp>
+      <p:sp>
+        <p:nvSpPr>
+          <p:cNvPr id="13" name="TextBox 12">
+            <a:extLst>
+              <a:ext uri="{FF2B5EF4-FFF2-40B4-BE49-F238E27FC236}">
+                <a16:creationId xmlns:a16="http://schemas.microsoft.com/office/drawing/2014/main" id="{C4789309-7B1A-93E7-3D29-7EB3E99D0FF8}"/>
+              </a:ext>
+            </a:extLst>
+          </p:cNvPr>
+          <p:cNvSpPr txBox="1"/>
+          <p:nvPr/>
+        </p:nvSpPr>
+        <p:spPr>
+          <a:xfrm>
+            <a:off x="8309065" y="922452"/>
+            <a:ext cx="1003663" cy="369332"/>
+          </a:xfrm>
+          <a:prstGeom prst="rect">
+            <a:avLst/>
+          </a:prstGeom>
+          <a:noFill/>
+        </p:spPr>
+        <p:txBody>
+          <a:bodyPr wrap="square" rtlCol="0">
+            <a:spAutoFit/>
+          </a:bodyPr>
+          <a:lstStyle/>
+          <a:p>
+            <a:r>
+              <a:rPr lang="en-GB" dirty="0"/>
+              <a:t>T=W</a:t>
+            </a:r>
+          </a:p>
+        </p:txBody>
+      </p:sp>
+    </p:spTree>
+    <p:extLst>
+      <p:ext uri="{BB962C8B-B14F-4D97-AF65-F5344CB8AC3E}">
+        <p14:creationId xmlns:p14="http://schemas.microsoft.com/office/powerpoint/2010/main" val="3689535318"/>
+      </p:ext>
+    </p:extLst>
+  </p:cSld>
+  <p:clrMapOvr>
+    <a:masterClrMapping/>
+  </p:clrMapOvr>
+</p:sld>
+</file>
+
+<file path=ppt/slides/slide11.xml><?xml version="1.0" encoding="utf-8"?>
+<p:sld xmlns:a="http://schemas.openxmlformats.org/drawingml/2006/main" xmlns:r="http://schemas.openxmlformats.org/officeDocument/2006/relationships" xmlns:p="http://schemas.openxmlformats.org/presentationml/2006/main">
+  <p:cSld>
+    <p:spTree>
+      <p:nvGrpSpPr>
+        <p:cNvPr id="1" name=""/>
+        <p:cNvGrpSpPr/>
+        <p:nvPr/>
+      </p:nvGrpSpPr>
+      <p:grpSpPr>
+        <a:xfrm>
+          <a:off x="0" y="0"/>
+          <a:ext cx="0" cy="0"/>
+          <a:chOff x="0" y="0"/>
+          <a:chExt cx="0" cy="0"/>
+        </a:xfrm>
+      </p:grpSpPr>
+      <p:sp>
+        <p:nvSpPr>
+          <p:cNvPr id="2" name="Title 1">
+            <a:extLst>
+              <a:ext uri="{FF2B5EF4-FFF2-40B4-BE49-F238E27FC236}">
+                <a16:creationId xmlns:a16="http://schemas.microsoft.com/office/drawing/2014/main" id="{786686E8-215A-5475-0873-B4055D121F8F}"/>
+              </a:ext>
+            </a:extLst>
+          </p:cNvPr>
+          <p:cNvSpPr>
+            <a:spLocks noGrp="1"/>
+          </p:cNvSpPr>
+          <p:nvPr>
+            <p:ph type="title"/>
+          </p:nvPr>
+        </p:nvSpPr>
+        <p:spPr/>
+        <p:txBody>
+          <a:bodyPr/>
+          <a:lstStyle/>
+          <a:p>
+            <a:r>
+              <a:rPr lang="en-GB" dirty="0"/>
+              <a:t>CT (Extras)</a:t>
+            </a:r>
+          </a:p>
+        </p:txBody>
+      </p:sp>
+      <p:sp>
+        <p:nvSpPr>
+          <p:cNvPr id="3" name="Content Placeholder 2">
+            <a:extLst>
+              <a:ext uri="{FF2B5EF4-FFF2-40B4-BE49-F238E27FC236}">
+                <a16:creationId xmlns:a16="http://schemas.microsoft.com/office/drawing/2014/main" id="{B4423546-A7E9-D0C0-C3F6-1997391AD7C0}"/>
+              </a:ext>
+            </a:extLst>
+          </p:cNvPr>
+          <p:cNvSpPr>
+            <a:spLocks noGrp="1"/>
+          </p:cNvSpPr>
+          <p:nvPr>
+            <p:ph idx="1"/>
+          </p:nvPr>
+        </p:nvSpPr>
+        <p:spPr>
+          <a:xfrm>
+            <a:off x="838200" y="1825624"/>
+            <a:ext cx="10515600" cy="5032375"/>
+          </a:xfrm>
+        </p:spPr>
+        <p:txBody>
+          <a:bodyPr>
+            <a:normAutofit/>
+          </a:bodyPr>
+          <a:lstStyle/>
+          <a:p>
+            <a:r>
+              <a:rPr lang="en-GB" dirty="0"/>
+              <a:t>Error analysis + Logging</a:t>
+            </a:r>
+          </a:p>
+          <a:p>
+            <a:r>
+              <a:rPr lang="en-GB" dirty="0" err="1"/>
+              <a:t>BentoML</a:t>
+            </a:r>
+            <a:r>
+              <a:rPr lang="en-GB" dirty="0"/>
+              <a:t> for batched inference/serving</a:t>
+            </a:r>
+          </a:p>
+          <a:p>
+            <a:endParaRPr lang="en-GB" dirty="0"/>
+          </a:p>
+          <a:p>
+            <a:endParaRPr lang="en-GB" dirty="0"/>
+          </a:p>
+        </p:txBody>
+      </p:sp>
+    </p:spTree>
+    <p:extLst>
+      <p:ext uri="{BB962C8B-B14F-4D97-AF65-F5344CB8AC3E}">
+        <p14:creationId xmlns:p14="http://schemas.microsoft.com/office/powerpoint/2010/main" val="1577909886"/>
+      </p:ext>
+    </p:extLst>
+  </p:cSld>
+  <p:clrMapOvr>
+    <a:masterClrMapping/>
+  </p:clrMapOvr>
+</p:sld>
+</file>
+
+<file path=ppt/slides/slide12.xml><?xml version="1.0" encoding="utf-8"?>
+<p:sld xmlns:a="http://schemas.openxmlformats.org/drawingml/2006/main" xmlns:r="http://schemas.openxmlformats.org/officeDocument/2006/relationships" xmlns:p="http://schemas.openxmlformats.org/presentationml/2006/main">
+  <p:cSld>
+    <p:spTree>
+      <p:nvGrpSpPr>
+        <p:cNvPr id="1" name=""/>
+        <p:cNvGrpSpPr/>
+        <p:nvPr/>
+      </p:nvGrpSpPr>
+      <p:grpSpPr>
+        <a:xfrm>
+          <a:off x="0" y="0"/>
+          <a:ext cx="0" cy="0"/>
+          <a:chOff x="0" y="0"/>
+          <a:chExt cx="0" cy="0"/>
+        </a:xfrm>
+      </p:grpSpPr>
+      <p:sp>
+        <p:nvSpPr>
+          <p:cNvPr id="2" name="Title 1">
+            <a:extLst>
+              <a:ext uri="{FF2B5EF4-FFF2-40B4-BE49-F238E27FC236}">
+                <a16:creationId xmlns:a16="http://schemas.microsoft.com/office/drawing/2014/main" id="{937C3745-3ED5-B341-514E-449E9EBB7B0F}"/>
+              </a:ext>
+            </a:extLst>
+          </p:cNvPr>
+          <p:cNvSpPr>
+            <a:spLocks noGrp="1"/>
+          </p:cNvSpPr>
+          <p:nvPr>
+            <p:ph type="title"/>
+          </p:nvPr>
+        </p:nvSpPr>
+        <p:spPr/>
+        <p:txBody>
+          <a:bodyPr/>
+          <a:lstStyle/>
+          <a:p>
+            <a:endParaRPr lang="en-GB"/>
+          </a:p>
+        </p:txBody>
+      </p:sp>
+      <p:sp>
+        <p:nvSpPr>
+          <p:cNvPr id="3" name="Content Placeholder 2">
+            <a:extLst>
+              <a:ext uri="{FF2B5EF4-FFF2-40B4-BE49-F238E27FC236}">
+                <a16:creationId xmlns:a16="http://schemas.microsoft.com/office/drawing/2014/main" id="{A529D087-0E66-EE94-16A4-36EE05BA482A}"/>
+              </a:ext>
+            </a:extLst>
+          </p:cNvPr>
+          <p:cNvSpPr>
+            <a:spLocks noGrp="1"/>
+          </p:cNvSpPr>
+          <p:nvPr>
+            <p:ph idx="1"/>
+          </p:nvPr>
+        </p:nvSpPr>
+        <p:spPr/>
+        <p:txBody>
+          <a:bodyPr/>
+          <a:lstStyle/>
+          <a:p>
+            <a:endParaRPr lang="en-GB"/>
+          </a:p>
+        </p:txBody>
+      </p:sp>
+      <p:pic>
+        <p:nvPicPr>
+          <p:cNvPr id="4" name="Picture 3">
+            <a:extLst>
+              <a:ext uri="{FF2B5EF4-FFF2-40B4-BE49-F238E27FC236}">
+                <a16:creationId xmlns:a16="http://schemas.microsoft.com/office/drawing/2014/main" id="{D218059D-CF53-BEF7-4E93-22C3723FEAE6}"/>
+              </a:ext>
+            </a:extLst>
+          </p:cNvPr>
+          <p:cNvPicPr>
+            <a:picLocks noChangeAspect="1"/>
+          </p:cNvPicPr>
+          <p:nvPr/>
+        </p:nvPicPr>
+        <p:blipFill>
+          <a:blip r:embed="rId2"/>
+          <a:stretch>
+            <a:fillRect/>
+          </a:stretch>
+        </p:blipFill>
+        <p:spPr>
+          <a:xfrm>
+            <a:off x="2209800" y="2311400"/>
+            <a:ext cx="7772400" cy="2235200"/>
+          </a:xfrm>
+          <a:prstGeom prst="rect">
+            <a:avLst/>
+          </a:prstGeom>
+        </p:spPr>
+      </p:pic>
+    </p:spTree>
+    <p:extLst>
+      <p:ext uri="{BB962C8B-B14F-4D97-AF65-F5344CB8AC3E}">
+        <p14:creationId xmlns:p14="http://schemas.microsoft.com/office/powerpoint/2010/main" val="3270788167"/>
+      </p:ext>
+    </p:extLst>
+  </p:cSld>
+  <p:clrMapOvr>
+    <a:masterClrMapping/>
+  </p:clrMapOvr>
+</p:sld>
+</file>
+
+<file path=ppt/slides/slide13.xml><?xml version="1.0" encoding="utf-8"?>
+<p:sld xmlns:a="http://schemas.openxmlformats.org/drawingml/2006/main" xmlns:r="http://schemas.openxmlformats.org/officeDocument/2006/relationships" xmlns:p="http://schemas.openxmlformats.org/presentationml/2006/main">
+  <p:cSld>
+    <p:spTree>
+      <p:nvGrpSpPr>
+        <p:cNvPr id="1" name=""/>
+        <p:cNvGrpSpPr/>
+        <p:nvPr/>
+      </p:nvGrpSpPr>
+      <p:grpSpPr>
+        <a:xfrm>
+          <a:off x="0" y="0"/>
+          <a:ext cx="0" cy="0"/>
+          <a:chOff x="0" y="0"/>
+          <a:chExt cx="0" cy="0"/>
+        </a:xfrm>
+      </p:grpSpPr>
+      <p:sp>
+        <p:nvSpPr>
+          <p:cNvPr id="2" name="Title 1">
+            <a:extLst>
+              <a:ext uri="{FF2B5EF4-FFF2-40B4-BE49-F238E27FC236}">
+                <a16:creationId xmlns:a16="http://schemas.microsoft.com/office/drawing/2014/main" id="{545CD8A3-F67B-F152-6859-710A8C8A5902}"/>
+              </a:ext>
+            </a:extLst>
+          </p:cNvPr>
+          <p:cNvSpPr>
+            <a:spLocks noGrp="1"/>
+          </p:cNvSpPr>
+          <p:nvPr>
+            <p:ph type="title"/>
+          </p:nvPr>
+        </p:nvSpPr>
+        <p:spPr/>
+        <p:txBody>
+          <a:bodyPr/>
+          <a:lstStyle/>
+          <a:p>
+            <a:r>
+              <a:rPr lang="en-GB" dirty="0"/>
+              <a:t>Testing</a:t>
+            </a:r>
+          </a:p>
+        </p:txBody>
+      </p:sp>
+      <p:sp>
+        <p:nvSpPr>
+          <p:cNvPr id="3" name="Content Placeholder 2">
+            <a:extLst>
+              <a:ext uri="{FF2B5EF4-FFF2-40B4-BE49-F238E27FC236}">
+                <a16:creationId xmlns:a16="http://schemas.microsoft.com/office/drawing/2014/main" id="{16DFF41D-AF3F-48E8-56D7-177693E7B63F}"/>
+              </a:ext>
+            </a:extLst>
+          </p:cNvPr>
+          <p:cNvSpPr>
+            <a:spLocks noGrp="1"/>
+          </p:cNvSpPr>
+          <p:nvPr>
+            <p:ph idx="1"/>
+          </p:nvPr>
+        </p:nvSpPr>
+        <p:spPr/>
+        <p:txBody>
+          <a:bodyPr/>
+          <a:lstStyle/>
+          <a:p>
+            <a:r>
+              <a:rPr lang="en-GB" dirty="0"/>
+              <a:t>App code</a:t>
+            </a:r>
+          </a:p>
+          <a:p>
+            <a:pPr lvl="1"/>
+            <a:r>
+              <a:rPr lang="en-GB" dirty="0"/>
+              <a:t>Docker containers</a:t>
+            </a:r>
+          </a:p>
+          <a:p>
+            <a:pPr lvl="1"/>
+            <a:r>
+              <a:rPr lang="en-GB" dirty="0"/>
+              <a:t>Code itself</a:t>
+            </a:r>
+          </a:p>
+          <a:p>
+            <a:r>
+              <a:rPr lang="en-GB" dirty="0"/>
+              <a:t>ML code</a:t>
+            </a:r>
+          </a:p>
+          <a:p>
+            <a:r>
+              <a:rPr lang="en-GB" dirty="0"/>
+              <a:t>Data processing</a:t>
+            </a:r>
+          </a:p>
+          <a:p>
+            <a:pPr lvl="1"/>
+            <a:r>
+              <a:rPr lang="en-GB" dirty="0"/>
+              <a:t>Data</a:t>
+            </a:r>
+          </a:p>
+          <a:p>
+            <a:pPr lvl="1"/>
+            <a:r>
+              <a:rPr lang="en-GB" dirty="0"/>
+              <a:t>AWS components</a:t>
+            </a:r>
+          </a:p>
+          <a:p>
+            <a:r>
+              <a:rPr lang="en-GB" dirty="0"/>
+              <a:t>Model</a:t>
+            </a:r>
+          </a:p>
+        </p:txBody>
+      </p:sp>
+    </p:spTree>
+    <p:extLst>
+      <p:ext uri="{BB962C8B-B14F-4D97-AF65-F5344CB8AC3E}">
+        <p14:creationId xmlns:p14="http://schemas.microsoft.com/office/powerpoint/2010/main" val="267414957"/>
+      </p:ext>
+    </p:extLst>
+  </p:cSld>
+  <p:clrMapOvr>
+    <a:masterClrMapping/>
+  </p:clrMapOvr>
+</p:sld>
+</file>
+
+<file path=ppt/slides/slide14.xml><?xml version="1.0" encoding="utf-8"?>
+<p:sld xmlns:a="http://schemas.openxmlformats.org/drawingml/2006/main" xmlns:r="http://schemas.openxmlformats.org/officeDocument/2006/relationships" xmlns:p="http://schemas.openxmlformats.org/presentationml/2006/main">
+  <p:cSld>
+    <p:spTree>
+      <p:nvGrpSpPr>
+        <p:cNvPr id="1" name=""/>
+        <p:cNvGrpSpPr/>
+        <p:nvPr/>
+      </p:nvGrpSpPr>
+      <p:grpSpPr>
+        <a:xfrm>
+          <a:off x="0" y="0"/>
+          <a:ext cx="0" cy="0"/>
+          <a:chOff x="0" y="0"/>
+          <a:chExt cx="0" cy="0"/>
+        </a:xfrm>
+      </p:grpSpPr>
+      <p:sp>
+        <p:nvSpPr>
+          <p:cNvPr id="2" name="Title 1">
+            <a:extLst>
+              <a:ext uri="{FF2B5EF4-FFF2-40B4-BE49-F238E27FC236}">
+                <a16:creationId xmlns:a16="http://schemas.microsoft.com/office/drawing/2014/main" id="{0CB8E99E-2237-9A17-529F-93481248424B}"/>
+              </a:ext>
+            </a:extLst>
+          </p:cNvPr>
+          <p:cNvSpPr>
+            <a:spLocks noGrp="1"/>
+          </p:cNvSpPr>
+          <p:nvPr>
+            <p:ph type="title"/>
+          </p:nvPr>
+        </p:nvSpPr>
+        <p:spPr/>
+        <p:txBody>
+          <a:bodyPr/>
+          <a:lstStyle/>
+          <a:p>
+            <a:r>
+              <a:rPr lang="en-GB" dirty="0"/>
+              <a:t>Logging</a:t>
+            </a:r>
+          </a:p>
+        </p:txBody>
+      </p:sp>
+      <p:sp>
+        <p:nvSpPr>
+          <p:cNvPr id="3" name="Content Placeholder 2">
+            <a:extLst>
+              <a:ext uri="{FF2B5EF4-FFF2-40B4-BE49-F238E27FC236}">
+                <a16:creationId xmlns:a16="http://schemas.microsoft.com/office/drawing/2014/main" id="{18A64FA7-2368-A2E8-916F-DE29961926E6}"/>
+              </a:ext>
+            </a:extLst>
+          </p:cNvPr>
+          <p:cNvSpPr>
+            <a:spLocks noGrp="1"/>
+          </p:cNvSpPr>
+          <p:nvPr>
+            <p:ph idx="1"/>
+          </p:nvPr>
+        </p:nvSpPr>
+        <p:spPr/>
+        <p:txBody>
+          <a:bodyPr/>
+          <a:lstStyle/>
+          <a:p>
+            <a:r>
+              <a:rPr lang="en-GB" dirty="0">
+                <a:sym typeface="Wingdings" pitchFamily="2" charset="2"/>
+              </a:rPr>
+              <a:t>Logging (if have time). Get </a:t>
+            </a:r>
+            <a:r>
+              <a:rPr lang="en-GB" dirty="0" err="1">
+                <a:sym typeface="Wingdings" pitchFamily="2" charset="2"/>
+              </a:rPr>
+              <a:t>chatGPT</a:t>
+            </a:r>
+            <a:r>
+              <a:rPr lang="en-GB" dirty="0">
+                <a:sym typeface="Wingdings" pitchFamily="2" charset="2"/>
+              </a:rPr>
+              <a:t> to suggest. Used with AWS </a:t>
+            </a:r>
+            <a:r>
+              <a:rPr lang="en-GB" dirty="0" err="1">
+                <a:sym typeface="Wingdings" pitchFamily="2" charset="2"/>
+              </a:rPr>
+              <a:t>cloudwatch</a:t>
+            </a:r>
+            <a:r>
+              <a:rPr lang="en-GB" dirty="0">
+                <a:sym typeface="Wingdings" pitchFamily="2" charset="2"/>
+              </a:rPr>
+              <a:t>, but watch the costs involved. http://</a:t>
+            </a:r>
+            <a:r>
+              <a:rPr lang="en-GB" dirty="0" err="1">
+                <a:sym typeface="Wingdings" pitchFamily="2" charset="2"/>
+              </a:rPr>
+              <a:t>logging.apache.org</a:t>
+            </a:r>
+            <a:r>
+              <a:rPr lang="en-GB" dirty="0">
+                <a:sym typeface="Wingdings" pitchFamily="2" charset="2"/>
+              </a:rPr>
+              <a:t>/log4j/1.2/</a:t>
+            </a:r>
+            <a:r>
+              <a:rPr lang="en-GB" dirty="0" err="1">
+                <a:sym typeface="Wingdings" pitchFamily="2" charset="2"/>
+              </a:rPr>
+              <a:t>manual.html</a:t>
+            </a:r>
+            <a:endParaRPr lang="en-GB" dirty="0">
+              <a:sym typeface="Wingdings" pitchFamily="2" charset="2"/>
+            </a:endParaRPr>
+          </a:p>
+        </p:txBody>
+      </p:sp>
+    </p:spTree>
+    <p:extLst>
+      <p:ext uri="{BB962C8B-B14F-4D97-AF65-F5344CB8AC3E}">
+        <p14:creationId xmlns:p14="http://schemas.microsoft.com/office/powerpoint/2010/main" val="3688653898"/>
+      </p:ext>
+    </p:extLst>
+  </p:cSld>
+  <p:clrMapOvr>
+    <a:masterClrMapping/>
+  </p:clrMapOvr>
+</p:sld>
+</file>
+
+<file path=ppt/slides/slide15.xml><?xml version="1.0" encoding="utf-8"?>
+<p:sld xmlns:a="http://schemas.openxmlformats.org/drawingml/2006/main" xmlns:r="http://schemas.openxmlformats.org/officeDocument/2006/relationships" xmlns:p="http://schemas.openxmlformats.org/presentationml/2006/main">
+  <p:cSld>
+    <p:spTree>
+      <p:nvGrpSpPr>
+        <p:cNvPr id="1" name=""/>
+        <p:cNvGrpSpPr/>
+        <p:nvPr/>
+      </p:nvGrpSpPr>
+      <p:grpSpPr>
+        <a:xfrm>
+          <a:off x="0" y="0"/>
+          <a:ext cx="0" cy="0"/>
+          <a:chOff x="0" y="0"/>
+          <a:chExt cx="0" cy="0"/>
+        </a:xfrm>
+      </p:grpSpPr>
+      <p:sp>
+        <p:nvSpPr>
+          <p:cNvPr id="2" name="Title 1">
+            <a:extLst>
+              <a:ext uri="{FF2B5EF4-FFF2-40B4-BE49-F238E27FC236}">
                 <a16:creationId xmlns:a16="http://schemas.microsoft.com/office/drawing/2014/main" id="{18D502F3-83A5-8ADC-182A-57C9F15680EE}"/>
               </a:ext>
             </a:extLst>
@@ -4449,452 +5496,6 @@
     <p:extLst>
       <p:ext uri="{BB962C8B-B14F-4D97-AF65-F5344CB8AC3E}">
         <p14:creationId xmlns:p14="http://schemas.microsoft.com/office/powerpoint/2010/main" val="3008732277"/>
-      </p:ext>
-    </p:extLst>
-  </p:cSld>
-  <p:clrMapOvr>
-    <a:masterClrMapping/>
-  </p:clrMapOvr>
-</p:sld>
-</file>
-
-<file path=ppt/slides/slide11.xml><?xml version="1.0" encoding="utf-8"?>
-<p:sld xmlns:a="http://schemas.openxmlformats.org/drawingml/2006/main" xmlns:r="http://schemas.openxmlformats.org/officeDocument/2006/relationships" xmlns:p="http://schemas.openxmlformats.org/presentationml/2006/main">
-  <p:cSld>
-    <p:spTree>
-      <p:nvGrpSpPr>
-        <p:cNvPr id="1" name=""/>
-        <p:cNvGrpSpPr/>
-        <p:nvPr/>
-      </p:nvGrpSpPr>
-      <p:grpSpPr>
-        <a:xfrm>
-          <a:off x="0" y="0"/>
-          <a:ext cx="0" cy="0"/>
-          <a:chOff x="0" y="0"/>
-          <a:chExt cx="0" cy="0"/>
-        </a:xfrm>
-      </p:grpSpPr>
-      <p:sp>
-        <p:nvSpPr>
-          <p:cNvPr id="2" name="Title 1">
-            <a:extLst>
-              <a:ext uri="{FF2B5EF4-FFF2-40B4-BE49-F238E27FC236}">
-                <a16:creationId xmlns:a16="http://schemas.microsoft.com/office/drawing/2014/main" id="{786686E8-215A-5475-0873-B4055D121F8F}"/>
-              </a:ext>
-            </a:extLst>
-          </p:cNvPr>
-          <p:cNvSpPr>
-            <a:spLocks noGrp="1"/>
-          </p:cNvSpPr>
-          <p:nvPr>
-            <p:ph type="title"/>
-          </p:nvPr>
-        </p:nvSpPr>
-        <p:spPr/>
-        <p:txBody>
-          <a:bodyPr/>
-          <a:lstStyle/>
-          <a:p>
-            <a:r>
-              <a:rPr lang="en-GB" dirty="0"/>
-              <a:t>CT</a:t>
-            </a:r>
-          </a:p>
-        </p:txBody>
-      </p:sp>
-      <p:sp>
-        <p:nvSpPr>
-          <p:cNvPr id="3" name="Content Placeholder 2">
-            <a:extLst>
-              <a:ext uri="{FF2B5EF4-FFF2-40B4-BE49-F238E27FC236}">
-                <a16:creationId xmlns:a16="http://schemas.microsoft.com/office/drawing/2014/main" id="{B4423546-A7E9-D0C0-C3F6-1997391AD7C0}"/>
-              </a:ext>
-            </a:extLst>
-          </p:cNvPr>
-          <p:cNvSpPr>
-            <a:spLocks noGrp="1"/>
-          </p:cNvSpPr>
-          <p:nvPr>
-            <p:ph idx="1"/>
-          </p:nvPr>
-        </p:nvSpPr>
-        <p:spPr>
-          <a:xfrm>
-            <a:off x="838200" y="1825624"/>
-            <a:ext cx="10515600" cy="5032375"/>
-          </a:xfrm>
-        </p:spPr>
-        <p:txBody>
-          <a:bodyPr>
-            <a:normAutofit fontScale="70000" lnSpcReduction="20000"/>
-          </a:bodyPr>
-          <a:lstStyle/>
-          <a:p>
-            <a:r>
-              <a:rPr lang="en-GB" dirty="0"/>
-              <a:t>[D] Factorise modelling + </a:t>
-            </a:r>
-            <a:r>
-              <a:rPr lang="en-GB" dirty="0" err="1"/>
-              <a:t>MLFlow</a:t>
-            </a:r>
-            <a:r>
-              <a:rPr lang="en-GB" dirty="0"/>
-              <a:t> code, logging results to cloud (Can be prod or </a:t>
-            </a:r>
-            <a:r>
-              <a:rPr lang="en-GB" dirty="0" err="1"/>
-              <a:t>expt</a:t>
-            </a:r>
-            <a:r>
-              <a:rPr lang="en-GB" dirty="0"/>
-              <a:t> – Tags to differentiate)</a:t>
-            </a:r>
-          </a:p>
-          <a:p>
-            <a:pPr lvl="1"/>
-            <a:r>
-              <a:rPr lang="en-GB" b="1" dirty="0"/>
-              <a:t>Objective: Hyperparameter tuning</a:t>
-            </a:r>
-          </a:p>
-          <a:p>
-            <a:r>
-              <a:rPr lang="en-GB" dirty="0"/>
-              <a:t>Retraining based on time/data ingestion @ X time unit</a:t>
-            </a:r>
-          </a:p>
-          <a:p>
-            <a:pPr lvl="1"/>
-            <a:r>
-              <a:rPr lang="en-GB" b="1" dirty="0"/>
-              <a:t>Objective: Let model capture new trends in data</a:t>
-            </a:r>
-          </a:p>
-          <a:p>
-            <a:pPr lvl="1"/>
-            <a:r>
-              <a:rPr lang="en-GB" dirty="0"/>
-              <a:t>Separate script which uses the same hyperparameters from experimentation (local), but does the comparison and retraining on AWS (Lambda?) </a:t>
-            </a:r>
-          </a:p>
-          <a:p>
-            <a:pPr lvl="1"/>
-            <a:r>
-              <a:rPr lang="en-GB" dirty="0"/>
-              <a:t>? Need to come up with the final model, trained on all data</a:t>
-            </a:r>
-          </a:p>
-          <a:p>
-            <a:pPr lvl="2"/>
-            <a:r>
-              <a:rPr lang="en-GB" dirty="0"/>
-              <a:t>Or is it still need a holdout set?</a:t>
-            </a:r>
-          </a:p>
-          <a:p>
-            <a:pPr lvl="2"/>
-            <a:r>
-              <a:rPr lang="en-GB" dirty="0"/>
-              <a:t>Train on 1~ T-1 week, test on T-1 week ~T (Is 1 week enough?)</a:t>
-            </a:r>
-          </a:p>
-          <a:p>
-            <a:pPr lvl="1"/>
-            <a:r>
-              <a:rPr lang="en-GB" dirty="0"/>
-              <a:t>Need to process data to output the delta for testing </a:t>
-            </a:r>
-            <a:r>
-              <a:rPr lang="en-GB" dirty="0">
-                <a:sym typeface="Wingdings" pitchFamily="2" charset="2"/>
-              </a:rPr>
-              <a:t> Correspond to frequency of pulling data, which corresponds to how often the data is updated</a:t>
-            </a:r>
-          </a:p>
-          <a:p>
-            <a:pPr lvl="1"/>
-            <a:r>
-              <a:rPr lang="en-GB" dirty="0"/>
-              <a:t>Can implement A/B testing afterwards to check if there is indeed and improvement over the old model. Do not deploy if performance drops</a:t>
-            </a:r>
-          </a:p>
-          <a:p>
-            <a:pPr lvl="2"/>
-            <a:r>
-              <a:rPr lang="en-GB" dirty="0"/>
-              <a:t>Still necessary to compare 5 fold CV in addition to test set?</a:t>
-            </a:r>
-          </a:p>
-          <a:p>
-            <a:pPr lvl="2"/>
-            <a:r>
-              <a:rPr lang="en-GB" dirty="0"/>
-              <a:t>Pseudo-Canary testing?</a:t>
-            </a:r>
-          </a:p>
-          <a:p>
-            <a:pPr lvl="2"/>
-            <a:r>
-              <a:rPr lang="en-GB" dirty="0"/>
-              <a:t>Can find hard quality gates here: https://</a:t>
-            </a:r>
-            <a:r>
-              <a:rPr lang="en-GB" dirty="0" err="1"/>
-              <a:t>mlflow.org</a:t>
-            </a:r>
-            <a:r>
-              <a:rPr lang="en-GB" dirty="0"/>
-              <a:t>/docs/3.1.3/ml/evaluation/model-eval/</a:t>
-            </a:r>
-          </a:p>
-          <a:p>
-            <a:r>
-              <a:rPr lang="en-GB" dirty="0"/>
-              <a:t>Find a way to push to production automatically, while involving </a:t>
-            </a:r>
-            <a:r>
-              <a:rPr lang="en-GB" dirty="0" err="1"/>
-              <a:t>MLFlow</a:t>
-            </a:r>
-            <a:r>
-              <a:rPr lang="en-GB" dirty="0"/>
-              <a:t> (have to do the tagging/aliasing automatically). Need to push the model to AWS ECS at the moment as well </a:t>
-            </a:r>
-            <a:r>
-              <a:rPr lang="en-GB" dirty="0">
-                <a:sym typeface="Wingdings" pitchFamily="2" charset="2"/>
-              </a:rPr>
-              <a:t> needs more thinking!</a:t>
-            </a:r>
-            <a:endParaRPr lang="en-GB" dirty="0"/>
-          </a:p>
-        </p:txBody>
-      </p:sp>
-    </p:spTree>
-    <p:extLst>
-      <p:ext uri="{BB962C8B-B14F-4D97-AF65-F5344CB8AC3E}">
-        <p14:creationId xmlns:p14="http://schemas.microsoft.com/office/powerpoint/2010/main" val="3689535318"/>
-      </p:ext>
-    </p:extLst>
-  </p:cSld>
-  <p:clrMapOvr>
-    <a:masterClrMapping/>
-  </p:clrMapOvr>
-</p:sld>
-</file>
-
-<file path=ppt/slides/slide12.xml><?xml version="1.0" encoding="utf-8"?>
-<p:sld xmlns:a="http://schemas.openxmlformats.org/drawingml/2006/main" xmlns:r="http://schemas.openxmlformats.org/officeDocument/2006/relationships" xmlns:p="http://schemas.openxmlformats.org/presentationml/2006/main">
-  <p:cSld>
-    <p:spTree>
-      <p:nvGrpSpPr>
-        <p:cNvPr id="1" name=""/>
-        <p:cNvGrpSpPr/>
-        <p:nvPr/>
-      </p:nvGrpSpPr>
-      <p:grpSpPr>
-        <a:xfrm>
-          <a:off x="0" y="0"/>
-          <a:ext cx="0" cy="0"/>
-          <a:chOff x="0" y="0"/>
-          <a:chExt cx="0" cy="0"/>
-        </a:xfrm>
-      </p:grpSpPr>
-      <p:sp>
-        <p:nvSpPr>
-          <p:cNvPr id="2" name="Title 1">
-            <a:extLst>
-              <a:ext uri="{FF2B5EF4-FFF2-40B4-BE49-F238E27FC236}">
-                <a16:creationId xmlns:a16="http://schemas.microsoft.com/office/drawing/2014/main" id="{786686E8-215A-5475-0873-B4055D121F8F}"/>
-              </a:ext>
-            </a:extLst>
-          </p:cNvPr>
-          <p:cNvSpPr>
-            <a:spLocks noGrp="1"/>
-          </p:cNvSpPr>
-          <p:nvPr>
-            <p:ph type="title"/>
-          </p:nvPr>
-        </p:nvSpPr>
-        <p:spPr/>
-        <p:txBody>
-          <a:bodyPr/>
-          <a:lstStyle/>
-          <a:p>
-            <a:r>
-              <a:rPr lang="en-GB" dirty="0"/>
-              <a:t>CT (Extras)</a:t>
-            </a:r>
-          </a:p>
-        </p:txBody>
-      </p:sp>
-      <p:sp>
-        <p:nvSpPr>
-          <p:cNvPr id="3" name="Content Placeholder 2">
-            <a:extLst>
-              <a:ext uri="{FF2B5EF4-FFF2-40B4-BE49-F238E27FC236}">
-                <a16:creationId xmlns:a16="http://schemas.microsoft.com/office/drawing/2014/main" id="{B4423546-A7E9-D0C0-C3F6-1997391AD7C0}"/>
-              </a:ext>
-            </a:extLst>
-          </p:cNvPr>
-          <p:cNvSpPr>
-            <a:spLocks noGrp="1"/>
-          </p:cNvSpPr>
-          <p:nvPr>
-            <p:ph idx="1"/>
-          </p:nvPr>
-        </p:nvSpPr>
-        <p:spPr>
-          <a:xfrm>
-            <a:off x="838200" y="1825624"/>
-            <a:ext cx="10515600" cy="5032375"/>
-          </a:xfrm>
-        </p:spPr>
-        <p:txBody>
-          <a:bodyPr>
-            <a:normAutofit/>
-          </a:bodyPr>
-          <a:lstStyle/>
-          <a:p>
-            <a:r>
-              <a:rPr lang="en-GB" dirty="0"/>
-              <a:t>Error analysis + Logging</a:t>
-            </a:r>
-          </a:p>
-          <a:p>
-            <a:r>
-              <a:rPr lang="en-GB" dirty="0" err="1"/>
-              <a:t>BentoML</a:t>
-            </a:r>
-            <a:r>
-              <a:rPr lang="en-GB" dirty="0"/>
-              <a:t> for batched inference/serving</a:t>
-            </a:r>
-          </a:p>
-          <a:p>
-            <a:endParaRPr lang="en-GB" dirty="0"/>
-          </a:p>
-          <a:p>
-            <a:endParaRPr lang="en-GB" dirty="0"/>
-          </a:p>
-        </p:txBody>
-      </p:sp>
-    </p:spTree>
-    <p:extLst>
-      <p:ext uri="{BB962C8B-B14F-4D97-AF65-F5344CB8AC3E}">
-        <p14:creationId xmlns:p14="http://schemas.microsoft.com/office/powerpoint/2010/main" val="1577909886"/>
-      </p:ext>
-    </p:extLst>
-  </p:cSld>
-  <p:clrMapOvr>
-    <a:masterClrMapping/>
-  </p:clrMapOvr>
-</p:sld>
-</file>
-
-<file path=ppt/slides/slide13.xml><?xml version="1.0" encoding="utf-8"?>
-<p:sld xmlns:a="http://schemas.openxmlformats.org/drawingml/2006/main" xmlns:r="http://schemas.openxmlformats.org/officeDocument/2006/relationships" xmlns:p="http://schemas.openxmlformats.org/presentationml/2006/main">
-  <p:cSld>
-    <p:spTree>
-      <p:nvGrpSpPr>
-        <p:cNvPr id="1" name=""/>
-        <p:cNvGrpSpPr/>
-        <p:nvPr/>
-      </p:nvGrpSpPr>
-      <p:grpSpPr>
-        <a:xfrm>
-          <a:off x="0" y="0"/>
-          <a:ext cx="0" cy="0"/>
-          <a:chOff x="0" y="0"/>
-          <a:chExt cx="0" cy="0"/>
-        </a:xfrm>
-      </p:grpSpPr>
-      <p:sp>
-        <p:nvSpPr>
-          <p:cNvPr id="2" name="Title 1">
-            <a:extLst>
-              <a:ext uri="{FF2B5EF4-FFF2-40B4-BE49-F238E27FC236}">
-                <a16:creationId xmlns:a16="http://schemas.microsoft.com/office/drawing/2014/main" id="{937C3745-3ED5-B341-514E-449E9EBB7B0F}"/>
-              </a:ext>
-            </a:extLst>
-          </p:cNvPr>
-          <p:cNvSpPr>
-            <a:spLocks noGrp="1"/>
-          </p:cNvSpPr>
-          <p:nvPr>
-            <p:ph type="title"/>
-          </p:nvPr>
-        </p:nvSpPr>
-        <p:spPr/>
-        <p:txBody>
-          <a:bodyPr/>
-          <a:lstStyle/>
-          <a:p>
-            <a:endParaRPr lang="en-GB"/>
-          </a:p>
-        </p:txBody>
-      </p:sp>
-      <p:sp>
-        <p:nvSpPr>
-          <p:cNvPr id="3" name="Content Placeholder 2">
-            <a:extLst>
-              <a:ext uri="{FF2B5EF4-FFF2-40B4-BE49-F238E27FC236}">
-                <a16:creationId xmlns:a16="http://schemas.microsoft.com/office/drawing/2014/main" id="{A529D087-0E66-EE94-16A4-36EE05BA482A}"/>
-              </a:ext>
-            </a:extLst>
-          </p:cNvPr>
-          <p:cNvSpPr>
-            <a:spLocks noGrp="1"/>
-          </p:cNvSpPr>
-          <p:nvPr>
-            <p:ph idx="1"/>
-          </p:nvPr>
-        </p:nvSpPr>
-        <p:spPr/>
-        <p:txBody>
-          <a:bodyPr/>
-          <a:lstStyle/>
-          <a:p>
-            <a:endParaRPr lang="en-GB"/>
-          </a:p>
-        </p:txBody>
-      </p:sp>
-      <p:pic>
-        <p:nvPicPr>
-          <p:cNvPr id="4" name="Picture 3">
-            <a:extLst>
-              <a:ext uri="{FF2B5EF4-FFF2-40B4-BE49-F238E27FC236}">
-                <a16:creationId xmlns:a16="http://schemas.microsoft.com/office/drawing/2014/main" id="{D218059D-CF53-BEF7-4E93-22C3723FEAE6}"/>
-              </a:ext>
-            </a:extLst>
-          </p:cNvPr>
-          <p:cNvPicPr>
-            <a:picLocks noChangeAspect="1"/>
-          </p:cNvPicPr>
-          <p:nvPr/>
-        </p:nvPicPr>
-        <p:blipFill>
-          <a:blip r:embed="rId2"/>
-          <a:stretch>
-            <a:fillRect/>
-          </a:stretch>
-        </p:blipFill>
-        <p:spPr>
-          <a:xfrm>
-            <a:off x="2209800" y="2311400"/>
-            <a:ext cx="7772400" cy="2235200"/>
-          </a:xfrm>
-          <a:prstGeom prst="rect">
-            <a:avLst/>
-          </a:prstGeom>
-        </p:spPr>
-      </p:pic>
-    </p:spTree>
-    <p:extLst>
-      <p:ext uri="{BB962C8B-B14F-4D97-AF65-F5344CB8AC3E}">
-        <p14:creationId xmlns:p14="http://schemas.microsoft.com/office/powerpoint/2010/main" val="3270788167"/>
       </p:ext>
     </p:extLst>
   </p:cSld>
@@ -8546,7 +9147,7 @@
                   <a:schemeClr val="tx1"/>
                 </a:solidFill>
               </a:rPr>
-              <a:t>Send results to Slack</a:t>
+              <a:t>Send results to Telegram channel</a:t>
             </a:r>
           </a:p>
         </p:txBody>
@@ -8769,7 +9370,7 @@
             </a:r>
             <a:r>
               <a:rPr lang="en-GB" dirty="0"/>
-              <a:t>: Model prediction</a:t>
+              <a:t>: Model prediction, app deployment, deploying AWS Lambda functions</a:t>
             </a:r>
           </a:p>
         </p:txBody>
@@ -9101,7 +9702,7 @@
         </p:spPr>
         <p:txBody>
           <a:bodyPr>
-            <a:normAutofit fontScale="77500" lnSpcReduction="20000"/>
+            <a:normAutofit fontScale="85000" lnSpcReduction="20000"/>
           </a:bodyPr>
           <a:lstStyle/>
           <a:p>
@@ -9154,18 +9755,6 @@
             <a:r>
               <a:rPr lang="en-GB" strike="sngStrike" dirty="0"/>
               <a:t> to ensure S3 storing model has version tracking on</a:t>
-            </a:r>
-          </a:p>
-          <a:p>
-            <a:r>
-              <a:rPr lang="en-GB" dirty="0"/>
-              <a:t>How to test that docker images on docker hub works after CI/CD?</a:t>
-            </a:r>
-          </a:p>
-          <a:p>
-            <a:r>
-              <a:rPr lang="en-GB" dirty="0"/>
-              <a:t>Retraining champion model</a:t>
             </a:r>
           </a:p>
           <a:p>
@@ -9258,6 +9847,15 @@
               </a:rPr>
               <a:t> actions so that don’t have to keep copy and pasting</a:t>
             </a:r>
+          </a:p>
+          <a:p>
+            <a:r>
+              <a:rPr lang="en-GB" dirty="0"/>
+              <a:t>Retraining champion model</a:t>
+            </a:r>
+            <a:endParaRPr lang="en-GB" dirty="0">
+              <a:sym typeface="Wingdings" pitchFamily="2" charset="2"/>
+            </a:endParaRPr>
           </a:p>
           <a:p>
             <a:r>
@@ -9381,23 +9979,6 @@
           <a:lstStyle/>
           <a:p>
             <a:r>
-              <a:rPr lang="en-GB" dirty="0">
-                <a:sym typeface="Wingdings" pitchFamily="2" charset="2"/>
-              </a:rPr>
-              <a:t>See if can combine with </a:t>
-            </a:r>
-            <a:r>
-              <a:rPr lang="en-GB" dirty="0" err="1">
-                <a:sym typeface="Wingdings" pitchFamily="2" charset="2"/>
-              </a:rPr>
-              <a:t>MLFlow</a:t>
-            </a:r>
-            <a:endParaRPr lang="en-GB" dirty="0">
-              <a:sym typeface="Wingdings" pitchFamily="2" charset="2"/>
-            </a:endParaRPr>
-          </a:p>
-          <a:p>
-            <a:r>
               <a:rPr lang="en-GB" dirty="0"/>
               <a:t>Send </a:t>
             </a:r>
@@ -9409,62 +9990,6 @@
               <a:rPr lang="en-GB" dirty="0"/>
               <a:t> tuning report to Slack</a:t>
             </a:r>
-            <a:endParaRPr lang="en-GB" dirty="0">
-              <a:sym typeface="Wingdings" pitchFamily="2" charset="2"/>
-            </a:endParaRPr>
-          </a:p>
-          <a:p>
-            <a:r>
-              <a:rPr lang="en-GB" dirty="0">
-                <a:sym typeface="Wingdings" pitchFamily="2" charset="2"/>
-              </a:rPr>
-              <a:t>Logging (if have time). Get </a:t>
-            </a:r>
-            <a:r>
-              <a:rPr lang="en-GB" dirty="0" err="1">
-                <a:sym typeface="Wingdings" pitchFamily="2" charset="2"/>
-              </a:rPr>
-              <a:t>chatGPT</a:t>
-            </a:r>
-            <a:r>
-              <a:rPr lang="en-GB" dirty="0">
-                <a:sym typeface="Wingdings" pitchFamily="2" charset="2"/>
-              </a:rPr>
-              <a:t> to suggest. Used with AWS </a:t>
-            </a:r>
-            <a:r>
-              <a:rPr lang="en-GB" dirty="0" err="1">
-                <a:sym typeface="Wingdings" pitchFamily="2" charset="2"/>
-              </a:rPr>
-              <a:t>cloudwatch</a:t>
-            </a:r>
-            <a:r>
-              <a:rPr lang="en-GB" dirty="0">
-                <a:sym typeface="Wingdings" pitchFamily="2" charset="2"/>
-              </a:rPr>
-              <a:t>, but watch the costs involved. http://</a:t>
-            </a:r>
-            <a:r>
-              <a:rPr lang="en-GB" dirty="0" err="1">
-                <a:sym typeface="Wingdings" pitchFamily="2" charset="2"/>
-              </a:rPr>
-              <a:t>logging.apache.org</a:t>
-            </a:r>
-            <a:r>
-              <a:rPr lang="en-GB" dirty="0">
-                <a:sym typeface="Wingdings" pitchFamily="2" charset="2"/>
-              </a:rPr>
-              <a:t>/log4j/1.2/</a:t>
-            </a:r>
-            <a:r>
-              <a:rPr lang="en-GB" dirty="0" err="1">
-                <a:sym typeface="Wingdings" pitchFamily="2" charset="2"/>
-              </a:rPr>
-              <a:t>manual.html</a:t>
-            </a:r>
-            <a:endParaRPr lang="en-GB" dirty="0">
-              <a:sym typeface="Wingdings" pitchFamily="2" charset="2"/>
-            </a:endParaRPr>
           </a:p>
         </p:txBody>
       </p:sp>

--- a/docs/Architecture Overview.pptx
+++ b/docs/Architecture Overview.pptx
@@ -15,12 +15,12 @@
     <p:sldId id="268" r:id="rId6"/>
     <p:sldId id="263" r:id="rId7"/>
     <p:sldId id="264" r:id="rId8"/>
-    <p:sldId id="261" r:id="rId9"/>
-    <p:sldId id="269" r:id="rId10"/>
-    <p:sldId id="265" r:id="rId11"/>
-    <p:sldId id="266" r:id="rId12"/>
-    <p:sldId id="262" r:id="rId13"/>
-    <p:sldId id="271" r:id="rId14"/>
+    <p:sldId id="271" r:id="rId9"/>
+    <p:sldId id="261" r:id="rId10"/>
+    <p:sldId id="269" r:id="rId11"/>
+    <p:sldId id="265" r:id="rId12"/>
+    <p:sldId id="266" r:id="rId13"/>
+    <p:sldId id="262" r:id="rId14"/>
     <p:sldId id="272" r:id="rId15"/>
     <p:sldId id="270" r:id="rId16"/>
   </p:sldIdLst>
@@ -636,7 +636,7 @@
           <a:p>
             <a:fld id="{78293D93-78F6-7C4A-B196-7A9DF32E6281}" type="slidenum">
               <a:rPr lang="en-GB" smtClean="0"/>
-              <a:t>8</a:t>
+              <a:t>9</a:t>
             </a:fld>
             <a:endParaRPr lang="en-GB"/>
           </a:p>
@@ -720,7 +720,7 @@
           <a:p>
             <a:fld id="{78293D93-78F6-7C4A-B196-7A9DF32E6281}" type="slidenum">
               <a:rPr lang="en-GB" smtClean="0"/>
-              <a:t>9</a:t>
+              <a:t>10</a:t>
             </a:fld>
             <a:endParaRPr lang="en-GB"/>
           </a:p>
@@ -4160,7 +4160,7 @@
           <p:cNvPr id="2" name="Title 1">
             <a:extLst>
               <a:ext uri="{FF2B5EF4-FFF2-40B4-BE49-F238E27FC236}">
-                <a16:creationId xmlns:a16="http://schemas.microsoft.com/office/drawing/2014/main" id="{786686E8-215A-5475-0873-B4055D121F8F}"/>
+                <a16:creationId xmlns:a16="http://schemas.microsoft.com/office/drawing/2014/main" id="{AF9DBC8A-43C7-4CED-1A5A-9AB285827153}"/>
               </a:ext>
             </a:extLst>
           </p:cNvPr>
@@ -4178,7 +4178,7 @@
           <a:p>
             <a:r>
               <a:rPr lang="en-GB" dirty="0"/>
-              <a:t>CT</a:t>
+              <a:t>TODO - Extras</a:t>
             </a:r>
           </a:p>
         </p:txBody>
@@ -4188,7 +4188,7 @@
           <p:cNvPr id="3" name="Content Placeholder 2">
             <a:extLst>
               <a:ext uri="{FF2B5EF4-FFF2-40B4-BE49-F238E27FC236}">
-                <a16:creationId xmlns:a16="http://schemas.microsoft.com/office/drawing/2014/main" id="{B4423546-A7E9-D0C0-C3F6-1997391AD7C0}"/>
+                <a16:creationId xmlns:a16="http://schemas.microsoft.com/office/drawing/2014/main" id="{75AE5FEA-050D-AE53-B7C2-AA771027014E}"/>
               </a:ext>
             </a:extLst>
           </p:cNvPr>
@@ -4201,13 +4201,114 @@
         </p:nvSpPr>
         <p:spPr>
           <a:xfrm>
+            <a:off x="838200" y="1690688"/>
+            <a:ext cx="10515600" cy="5167312"/>
+          </a:xfrm>
+        </p:spPr>
+        <p:txBody>
+          <a:bodyPr>
+            <a:normAutofit/>
+          </a:bodyPr>
+          <a:lstStyle/>
+          <a:p>
+            <a:r>
+              <a:rPr lang="en-GB" dirty="0"/>
+              <a:t>Send </a:t>
+            </a:r>
+            <a:r>
+              <a:rPr lang="en-GB" dirty="0" err="1"/>
+              <a:t>hyperparam</a:t>
+            </a:r>
+            <a:r>
+              <a:rPr lang="en-GB" dirty="0"/>
+              <a:t> tuning report to Slack</a:t>
+            </a:r>
+          </a:p>
+        </p:txBody>
+      </p:sp>
+    </p:spTree>
+    <p:extLst>
+      <p:ext uri="{BB962C8B-B14F-4D97-AF65-F5344CB8AC3E}">
+        <p14:creationId xmlns:p14="http://schemas.microsoft.com/office/powerpoint/2010/main" val="2450686333"/>
+      </p:ext>
+    </p:extLst>
+  </p:cSld>
+  <p:clrMapOvr>
+    <a:masterClrMapping/>
+  </p:clrMapOvr>
+</p:sld>
+</file>
+
+<file path=ppt/slides/slide11.xml><?xml version="1.0" encoding="utf-8"?>
+<p:sld xmlns:a="http://schemas.openxmlformats.org/drawingml/2006/main" xmlns:r="http://schemas.openxmlformats.org/officeDocument/2006/relationships" xmlns:p="http://schemas.openxmlformats.org/presentationml/2006/main">
+  <p:cSld>
+    <p:spTree>
+      <p:nvGrpSpPr>
+        <p:cNvPr id="1" name=""/>
+        <p:cNvGrpSpPr/>
+        <p:nvPr/>
+      </p:nvGrpSpPr>
+      <p:grpSpPr>
+        <a:xfrm>
+          <a:off x="0" y="0"/>
+          <a:ext cx="0" cy="0"/>
+          <a:chOff x="0" y="0"/>
+          <a:chExt cx="0" cy="0"/>
+        </a:xfrm>
+      </p:grpSpPr>
+      <p:sp>
+        <p:nvSpPr>
+          <p:cNvPr id="2" name="Title 1">
+            <a:extLst>
+              <a:ext uri="{FF2B5EF4-FFF2-40B4-BE49-F238E27FC236}">
+                <a16:creationId xmlns:a16="http://schemas.microsoft.com/office/drawing/2014/main" id="{786686E8-215A-5475-0873-B4055D121F8F}"/>
+              </a:ext>
+            </a:extLst>
+          </p:cNvPr>
+          <p:cNvSpPr>
+            <a:spLocks noGrp="1"/>
+          </p:cNvSpPr>
+          <p:nvPr>
+            <p:ph type="title"/>
+          </p:nvPr>
+        </p:nvSpPr>
+        <p:spPr/>
+        <p:txBody>
+          <a:bodyPr/>
+          <a:lstStyle/>
+          <a:p>
+            <a:r>
+              <a:rPr lang="en-GB" dirty="0"/>
+              <a:t>CT</a:t>
+            </a:r>
+          </a:p>
+        </p:txBody>
+      </p:sp>
+      <p:sp>
+        <p:nvSpPr>
+          <p:cNvPr id="3" name="Content Placeholder 2">
+            <a:extLst>
+              <a:ext uri="{FF2B5EF4-FFF2-40B4-BE49-F238E27FC236}">
+                <a16:creationId xmlns:a16="http://schemas.microsoft.com/office/drawing/2014/main" id="{B4423546-A7E9-D0C0-C3F6-1997391AD7C0}"/>
+              </a:ext>
+            </a:extLst>
+          </p:cNvPr>
+          <p:cNvSpPr>
+            <a:spLocks noGrp="1"/>
+          </p:cNvSpPr>
+          <p:nvPr>
+            <p:ph idx="1"/>
+          </p:nvPr>
+        </p:nvSpPr>
+        <p:spPr>
+          <a:xfrm>
             <a:off x="838200" y="1825624"/>
             <a:ext cx="10515600" cy="5032375"/>
           </a:xfrm>
         </p:spPr>
         <p:txBody>
           <a:bodyPr>
-            <a:normAutofit fontScale="92500" lnSpcReduction="20000"/>
+            <a:normAutofit lnSpcReduction="10000"/>
           </a:bodyPr>
           <a:lstStyle/>
           <a:p>
@@ -4227,27 +4328,15 @@
             <a:pPr lvl="1"/>
             <a:r>
               <a:rPr lang="en-GB" dirty="0"/>
-              <a:t>Need to have data processed to output the delta for testing </a:t>
-            </a:r>
-            <a:r>
-              <a:rPr lang="en-GB" dirty="0">
-                <a:sym typeface="Wingdings" pitchFamily="2" charset="2"/>
-              </a:rPr>
-              <a:t> Correspond to frequency of pulling data, which corresponds to how often the data is updated. Don’t train if have too little </a:t>
-            </a:r>
-            <a:r>
-              <a:rPr lang="en-GB">
-                <a:sym typeface="Wingdings" pitchFamily="2" charset="2"/>
-              </a:rPr>
-              <a:t>data for test set</a:t>
-            </a:r>
-            <a:endParaRPr lang="en-GB" dirty="0"/>
-          </a:p>
-          <a:p>
-            <a:pPr lvl="1"/>
+              <a:t>Separate script which uses the same hyperparameters from experimentation (</a:t>
+            </a:r>
+            <a:r>
+              <a:rPr lang="en-GB" dirty="0" err="1"/>
+              <a:t>Github</a:t>
+            </a:r>
             <a:r>
               <a:rPr lang="en-GB" dirty="0"/>
-              <a:t>Separate script which uses the same hyperparameters from experimentation (local), but does the comparison and retraining on AWS (Lambda?) </a:t>
+              <a:t> actions), but does the comparison and retraining on AWS (Lambda?) </a:t>
             </a:r>
           </a:p>
           <a:p>
@@ -4440,7 +4529,7 @@
           <a:p>
             <a:r>
               <a:rPr lang="en-GB" dirty="0"/>
-              <a:t>T=W0</a:t>
+              <a:t>T=M0</a:t>
             </a:r>
           </a:p>
         </p:txBody>
@@ -4475,7 +4564,7 @@
           <a:p>
             <a:r>
               <a:rPr lang="en-GB" dirty="0"/>
-              <a:t>T=W-1</a:t>
+              <a:t>T=M-1</a:t>
             </a:r>
           </a:p>
         </p:txBody>
@@ -4510,128 +4599,68 @@
           <a:p>
             <a:r>
               <a:rPr lang="en-GB" dirty="0"/>
-              <a:t>T=W</a:t>
-            </a:r>
-          </a:p>
-        </p:txBody>
-      </p:sp>
-      <p:sp>
-        <p:nvSpPr>
-          <p:cNvPr id="9" name="Rectangle 8">
-            <a:extLst>
-              <a:ext uri="{FF2B5EF4-FFF2-40B4-BE49-F238E27FC236}">
-                <a16:creationId xmlns:a16="http://schemas.microsoft.com/office/drawing/2014/main" id="{D4ED5634-7F4C-59DD-6865-1EB2F485551A}"/>
-              </a:ext>
-            </a:extLst>
-          </p:cNvPr>
-          <p:cNvSpPr/>
+              <a:t>T=M</a:t>
+            </a:r>
+          </a:p>
+        </p:txBody>
+      </p:sp>
+      <p:cxnSp>
+        <p:nvCxnSpPr>
+          <p:cNvPr id="15" name="Straight Arrow Connector 14">
+            <a:extLst>
+              <a:ext uri="{FF2B5EF4-FFF2-40B4-BE49-F238E27FC236}">
+                <a16:creationId xmlns:a16="http://schemas.microsoft.com/office/drawing/2014/main" id="{1693394D-3D58-9A9E-CF02-9AB5EDD6AE4D}"/>
+              </a:ext>
+            </a:extLst>
+          </p:cNvPr>
+          <p:cNvCxnSpPr>
+            <a:cxnSpLocks/>
+          </p:cNvCxnSpPr>
           <p:nvPr/>
-        </p:nvSpPr>
+        </p:nvCxnSpPr>
         <p:spPr>
-          <a:xfrm>
-            <a:off x="4807131" y="1261451"/>
-            <a:ext cx="3851366" cy="327206"/>
+          <a:xfrm flipV="1">
+            <a:off x="8643261" y="641038"/>
+            <a:ext cx="783770" cy="1203"/>
           </a:xfrm>
-          <a:prstGeom prst="rect">
+          <a:prstGeom prst="straightConnector1">
             <a:avLst/>
           </a:prstGeom>
+          <a:ln>
+            <a:tailEnd type="triangle"/>
+          </a:ln>
         </p:spPr>
         <p:style>
           <a:lnRef idx="2">
-            <a:schemeClr val="accent1">
-              <a:shade val="15000"/>
-            </a:schemeClr>
+            <a:schemeClr val="accent1"/>
           </a:lnRef>
-          <a:fillRef idx="1">
+          <a:fillRef idx="0">
             <a:schemeClr val="accent1"/>
           </a:fillRef>
-          <a:effectRef idx="0">
+          <a:effectRef idx="1">
             <a:schemeClr val="accent1"/>
           </a:effectRef>
           <a:fontRef idx="minor">
-            <a:schemeClr val="lt1"/>
+            <a:schemeClr val="tx1"/>
           </a:fontRef>
         </p:style>
-        <p:txBody>
-          <a:bodyPr rtlCol="0" anchor="ctr"/>
-          <a:lstStyle/>
-          <a:p>
-            <a:pPr algn="ctr"/>
-            <a:r>
-              <a:rPr lang="en-GB" dirty="0"/>
-              <a:t>Train-Validation</a:t>
-            </a:r>
-          </a:p>
-        </p:txBody>
-      </p:sp>
-      <p:sp>
-        <p:nvSpPr>
-          <p:cNvPr id="10" name="Rectangle 9">
-            <a:extLst>
-              <a:ext uri="{FF2B5EF4-FFF2-40B4-BE49-F238E27FC236}">
-                <a16:creationId xmlns:a16="http://schemas.microsoft.com/office/drawing/2014/main" id="{3BE8DD13-2B20-8A69-4615-9924A8C0D2F1}"/>
-              </a:ext>
-            </a:extLst>
-          </p:cNvPr>
-          <p:cNvSpPr/>
+      </p:cxnSp>
+      <p:sp>
+        <p:nvSpPr>
+          <p:cNvPr id="16" name="TextBox 15">
+            <a:extLst>
+              <a:ext uri="{FF2B5EF4-FFF2-40B4-BE49-F238E27FC236}">
+                <a16:creationId xmlns:a16="http://schemas.microsoft.com/office/drawing/2014/main" id="{8E273A23-3D0B-8905-94A6-BAD8ED0D9518}"/>
+              </a:ext>
+            </a:extLst>
+          </p:cNvPr>
+          <p:cNvSpPr txBox="1"/>
           <p:nvPr/>
         </p:nvSpPr>
         <p:spPr>
           <a:xfrm>
-            <a:off x="8662853" y="1261451"/>
-            <a:ext cx="755468" cy="327206"/>
-          </a:xfrm>
-          <a:prstGeom prst="rect">
-            <a:avLst/>
-          </a:prstGeom>
-          <a:solidFill>
-            <a:schemeClr val="accent2"/>
-          </a:solidFill>
-        </p:spPr>
-        <p:style>
-          <a:lnRef idx="2">
-            <a:schemeClr val="accent1">
-              <a:shade val="15000"/>
-            </a:schemeClr>
-          </a:lnRef>
-          <a:fillRef idx="1">
-            <a:schemeClr val="accent1"/>
-          </a:fillRef>
-          <a:effectRef idx="0">
-            <a:schemeClr val="accent1"/>
-          </a:effectRef>
-          <a:fontRef idx="minor">
-            <a:schemeClr val="lt1"/>
-          </a:fontRef>
-        </p:style>
-        <p:txBody>
-          <a:bodyPr rtlCol="0" anchor="ctr"/>
-          <a:lstStyle/>
-          <a:p>
-            <a:pPr algn="ctr"/>
-            <a:r>
-              <a:rPr lang="en-GB" dirty="0"/>
-              <a:t>Test</a:t>
-            </a:r>
-          </a:p>
-        </p:txBody>
-      </p:sp>
-      <p:sp>
-        <p:nvSpPr>
-          <p:cNvPr id="12" name="TextBox 11">
-            <a:extLst>
-              <a:ext uri="{FF2B5EF4-FFF2-40B4-BE49-F238E27FC236}">
-                <a16:creationId xmlns:a16="http://schemas.microsoft.com/office/drawing/2014/main" id="{5F40C0DB-D95C-FAE8-8F29-6320B3B45FD0}"/>
-              </a:ext>
-            </a:extLst>
-          </p:cNvPr>
-          <p:cNvSpPr txBox="1"/>
-          <p:nvPr/>
-        </p:nvSpPr>
-        <p:spPr>
-          <a:xfrm>
-            <a:off x="9040587" y="922452"/>
-            <a:ext cx="1003663" cy="369332"/>
+            <a:off x="9427031" y="245093"/>
+            <a:ext cx="1989909" cy="1477328"/>
           </a:xfrm>
           <a:prstGeom prst="rect">
             <a:avLst/>
@@ -4646,17 +4675,65 @@
           <a:p>
             <a:r>
               <a:rPr lang="en-GB" dirty="0"/>
-              <a:t>T=W+1</a:t>
-            </a:r>
-          </a:p>
-        </p:txBody>
-      </p:sp>
-      <p:sp>
-        <p:nvSpPr>
-          <p:cNvPr id="13" name="TextBox 12">
-            <a:extLst>
-              <a:ext uri="{FF2B5EF4-FFF2-40B4-BE49-F238E27FC236}">
-                <a16:creationId xmlns:a16="http://schemas.microsoft.com/office/drawing/2014/main" id="{C4789309-7B1A-93E7-3D29-7EB3E99D0FF8}"/>
+              <a:t>- Compare optimised models</a:t>
+            </a:r>
+          </a:p>
+          <a:p>
+            <a:r>
+              <a:rPr lang="en-GB" dirty="0"/>
+              <a:t>- Compare old (on S3) and retrained model</a:t>
+            </a:r>
+          </a:p>
+        </p:txBody>
+      </p:sp>
+      <p:cxnSp>
+        <p:nvCxnSpPr>
+          <p:cNvPr id="17" name="Straight Arrow Connector 16">
+            <a:extLst>
+              <a:ext uri="{FF2B5EF4-FFF2-40B4-BE49-F238E27FC236}">
+                <a16:creationId xmlns:a16="http://schemas.microsoft.com/office/drawing/2014/main" id="{F4CB6E33-820A-59BF-DEAC-595EEFFA0A1E}"/>
+              </a:ext>
+            </a:extLst>
+          </p:cNvPr>
+          <p:cNvCxnSpPr>
+            <a:cxnSpLocks/>
+            <a:stCxn id="4" idx="2"/>
+          </p:cNvCxnSpPr>
+          <p:nvPr/>
+        </p:nvCxnSpPr>
+        <p:spPr>
+          <a:xfrm>
+            <a:off x="6355080" y="822960"/>
+            <a:ext cx="0" cy="419103"/>
+          </a:xfrm>
+          <a:prstGeom prst="straightConnector1">
+            <a:avLst/>
+          </a:prstGeom>
+          <a:ln>
+            <a:tailEnd type="triangle"/>
+          </a:ln>
+        </p:spPr>
+        <p:style>
+          <a:lnRef idx="2">
+            <a:schemeClr val="accent1"/>
+          </a:lnRef>
+          <a:fillRef idx="0">
+            <a:schemeClr val="accent1"/>
+          </a:fillRef>
+          <a:effectRef idx="1">
+            <a:schemeClr val="accent1"/>
+          </a:effectRef>
+          <a:fontRef idx="minor">
+            <a:schemeClr val="tx1"/>
+          </a:fontRef>
+        </p:style>
+      </p:cxnSp>
+      <p:sp>
+        <p:nvSpPr>
+          <p:cNvPr id="20" name="TextBox 19">
+            <a:extLst>
+              <a:ext uri="{FF2B5EF4-FFF2-40B4-BE49-F238E27FC236}">
+                <a16:creationId xmlns:a16="http://schemas.microsoft.com/office/drawing/2014/main" id="{7AA0925F-86EB-7D53-6C64-6B17835C22C6}"/>
               </a:ext>
             </a:extLst>
           </p:cNvPr>
@@ -4665,8 +4742,8 @@
         </p:nvSpPr>
         <p:spPr>
           <a:xfrm>
-            <a:off x="8309065" y="922452"/>
-            <a:ext cx="1003663" cy="369332"/>
+            <a:off x="5538648" y="1242063"/>
+            <a:ext cx="1907173" cy="646331"/>
           </a:xfrm>
           <a:prstGeom prst="rect">
             <a:avLst/>
@@ -4681,7 +4758,7 @@
           <a:p>
             <a:r>
               <a:rPr lang="en-GB" dirty="0"/>
-              <a:t>T=W</a:t>
+              <a:t>Get best set of hyperparameters</a:t>
             </a:r>
           </a:p>
         </p:txBody>
@@ -4690,115 +4767,6 @@
     <p:extLst>
       <p:ext uri="{BB962C8B-B14F-4D97-AF65-F5344CB8AC3E}">
         <p14:creationId xmlns:p14="http://schemas.microsoft.com/office/powerpoint/2010/main" val="3689535318"/>
-      </p:ext>
-    </p:extLst>
-  </p:cSld>
-  <p:clrMapOvr>
-    <a:masterClrMapping/>
-  </p:clrMapOvr>
-</p:sld>
-</file>
-
-<file path=ppt/slides/slide11.xml><?xml version="1.0" encoding="utf-8"?>
-<p:sld xmlns:a="http://schemas.openxmlformats.org/drawingml/2006/main" xmlns:r="http://schemas.openxmlformats.org/officeDocument/2006/relationships" xmlns:p="http://schemas.openxmlformats.org/presentationml/2006/main">
-  <p:cSld>
-    <p:spTree>
-      <p:nvGrpSpPr>
-        <p:cNvPr id="1" name=""/>
-        <p:cNvGrpSpPr/>
-        <p:nvPr/>
-      </p:nvGrpSpPr>
-      <p:grpSpPr>
-        <a:xfrm>
-          <a:off x="0" y="0"/>
-          <a:ext cx="0" cy="0"/>
-          <a:chOff x="0" y="0"/>
-          <a:chExt cx="0" cy="0"/>
-        </a:xfrm>
-      </p:grpSpPr>
-      <p:sp>
-        <p:nvSpPr>
-          <p:cNvPr id="2" name="Title 1">
-            <a:extLst>
-              <a:ext uri="{FF2B5EF4-FFF2-40B4-BE49-F238E27FC236}">
-                <a16:creationId xmlns:a16="http://schemas.microsoft.com/office/drawing/2014/main" id="{786686E8-215A-5475-0873-B4055D121F8F}"/>
-              </a:ext>
-            </a:extLst>
-          </p:cNvPr>
-          <p:cNvSpPr>
-            <a:spLocks noGrp="1"/>
-          </p:cNvSpPr>
-          <p:nvPr>
-            <p:ph type="title"/>
-          </p:nvPr>
-        </p:nvSpPr>
-        <p:spPr/>
-        <p:txBody>
-          <a:bodyPr/>
-          <a:lstStyle/>
-          <a:p>
-            <a:r>
-              <a:rPr lang="en-GB" dirty="0"/>
-              <a:t>CT (Extras)</a:t>
-            </a:r>
-          </a:p>
-        </p:txBody>
-      </p:sp>
-      <p:sp>
-        <p:nvSpPr>
-          <p:cNvPr id="3" name="Content Placeholder 2">
-            <a:extLst>
-              <a:ext uri="{FF2B5EF4-FFF2-40B4-BE49-F238E27FC236}">
-                <a16:creationId xmlns:a16="http://schemas.microsoft.com/office/drawing/2014/main" id="{B4423546-A7E9-D0C0-C3F6-1997391AD7C0}"/>
-              </a:ext>
-            </a:extLst>
-          </p:cNvPr>
-          <p:cNvSpPr>
-            <a:spLocks noGrp="1"/>
-          </p:cNvSpPr>
-          <p:nvPr>
-            <p:ph idx="1"/>
-          </p:nvPr>
-        </p:nvSpPr>
-        <p:spPr>
-          <a:xfrm>
-            <a:off x="838200" y="1825624"/>
-            <a:ext cx="10515600" cy="5032375"/>
-          </a:xfrm>
-        </p:spPr>
-        <p:txBody>
-          <a:bodyPr>
-            <a:normAutofit/>
-          </a:bodyPr>
-          <a:lstStyle/>
-          <a:p>
-            <a:r>
-              <a:rPr lang="en-GB" dirty="0"/>
-              <a:t>Error analysis + Logging</a:t>
-            </a:r>
-          </a:p>
-          <a:p>
-            <a:r>
-              <a:rPr lang="en-GB" dirty="0" err="1"/>
-              <a:t>BentoML</a:t>
-            </a:r>
-            <a:r>
-              <a:rPr lang="en-GB" dirty="0"/>
-              <a:t> for batched inference/serving</a:t>
-            </a:r>
-          </a:p>
-          <a:p>
-            <a:endParaRPr lang="en-GB" dirty="0"/>
-          </a:p>
-          <a:p>
-            <a:endParaRPr lang="en-GB" dirty="0"/>
-          </a:p>
-        </p:txBody>
-      </p:sp>
-    </p:spTree>
-    <p:extLst>
-      <p:ext uri="{BB962C8B-B14F-4D97-AF65-F5344CB8AC3E}">
-        <p14:creationId xmlns:p14="http://schemas.microsoft.com/office/powerpoint/2010/main" val="1577909886"/>
       </p:ext>
     </p:extLst>
   </p:cSld>
@@ -4830,7 +4798,7 @@
           <p:cNvPr id="2" name="Title 1">
             <a:extLst>
               <a:ext uri="{FF2B5EF4-FFF2-40B4-BE49-F238E27FC236}">
-                <a16:creationId xmlns:a16="http://schemas.microsoft.com/office/drawing/2014/main" id="{937C3745-3ED5-B341-514E-449E9EBB7B0F}"/>
+                <a16:creationId xmlns:a16="http://schemas.microsoft.com/office/drawing/2014/main" id="{786686E8-215A-5475-0873-B4055D121F8F}"/>
               </a:ext>
             </a:extLst>
           </p:cNvPr>
@@ -4846,7 +4814,10 @@
           <a:bodyPr/>
           <a:lstStyle/>
           <a:p>
-            <a:endParaRPr lang="en-GB"/>
+            <a:r>
+              <a:rPr lang="en-GB" dirty="0"/>
+              <a:t>CT (Extras)</a:t>
+            </a:r>
           </a:p>
         </p:txBody>
       </p:sp>
@@ -4855,7 +4826,7 @@
           <p:cNvPr id="3" name="Content Placeholder 2">
             <a:extLst>
               <a:ext uri="{FF2B5EF4-FFF2-40B4-BE49-F238E27FC236}">
-                <a16:creationId xmlns:a16="http://schemas.microsoft.com/office/drawing/2014/main" id="{A529D087-0E66-EE94-16A4-36EE05BA482A}"/>
+                <a16:creationId xmlns:a16="http://schemas.microsoft.com/office/drawing/2014/main" id="{B4423546-A7E9-D0C0-C3F6-1997391AD7C0}"/>
               </a:ext>
             </a:extLst>
           </p:cNvPr>
@@ -4866,49 +4837,45 @@
             <p:ph idx="1"/>
           </p:nvPr>
         </p:nvSpPr>
-        <p:spPr/>
-        <p:txBody>
-          <a:bodyPr/>
-          <a:lstStyle/>
-          <a:p>
-            <a:endParaRPr lang="en-GB"/>
-          </a:p>
-        </p:txBody>
-      </p:sp>
-      <p:pic>
-        <p:nvPicPr>
-          <p:cNvPr id="4" name="Picture 3">
-            <a:extLst>
-              <a:ext uri="{FF2B5EF4-FFF2-40B4-BE49-F238E27FC236}">
-                <a16:creationId xmlns:a16="http://schemas.microsoft.com/office/drawing/2014/main" id="{D218059D-CF53-BEF7-4E93-22C3723FEAE6}"/>
-              </a:ext>
-            </a:extLst>
-          </p:cNvPr>
-          <p:cNvPicPr>
-            <a:picLocks noChangeAspect="1"/>
-          </p:cNvPicPr>
-          <p:nvPr/>
-        </p:nvPicPr>
-        <p:blipFill>
-          <a:blip r:embed="rId2"/>
-          <a:stretch>
-            <a:fillRect/>
-          </a:stretch>
-        </p:blipFill>
         <p:spPr>
           <a:xfrm>
-            <a:off x="2209800" y="2311400"/>
-            <a:ext cx="7772400" cy="2235200"/>
+            <a:off x="838200" y="1825624"/>
+            <a:ext cx="10515600" cy="5032375"/>
           </a:xfrm>
-          <a:prstGeom prst="rect">
-            <a:avLst/>
-          </a:prstGeom>
         </p:spPr>
-      </p:pic>
+        <p:txBody>
+          <a:bodyPr>
+            <a:normAutofit/>
+          </a:bodyPr>
+          <a:lstStyle/>
+          <a:p>
+            <a:r>
+              <a:rPr lang="en-GB" dirty="0"/>
+              <a:t>Error analysis + Logging</a:t>
+            </a:r>
+          </a:p>
+          <a:p>
+            <a:r>
+              <a:rPr lang="en-GB" dirty="0" err="1"/>
+              <a:t>BentoML</a:t>
+            </a:r>
+            <a:r>
+              <a:rPr lang="en-GB" dirty="0"/>
+              <a:t> for batched inference/serving</a:t>
+            </a:r>
+          </a:p>
+          <a:p>
+            <a:endParaRPr lang="en-GB" dirty="0"/>
+          </a:p>
+          <a:p>
+            <a:endParaRPr lang="en-GB" dirty="0"/>
+          </a:p>
+        </p:txBody>
+      </p:sp>
     </p:spTree>
     <p:extLst>
       <p:ext uri="{BB962C8B-B14F-4D97-AF65-F5344CB8AC3E}">
-        <p14:creationId xmlns:p14="http://schemas.microsoft.com/office/powerpoint/2010/main" val="3270788167"/>
+        <p14:creationId xmlns:p14="http://schemas.microsoft.com/office/powerpoint/2010/main" val="1577909886"/>
       </p:ext>
     </p:extLst>
   </p:cSld>
@@ -4940,7 +4907,7 @@
           <p:cNvPr id="2" name="Title 1">
             <a:extLst>
               <a:ext uri="{FF2B5EF4-FFF2-40B4-BE49-F238E27FC236}">
-                <a16:creationId xmlns:a16="http://schemas.microsoft.com/office/drawing/2014/main" id="{545CD8A3-F67B-F152-6859-710A8C8A5902}"/>
+                <a16:creationId xmlns:a16="http://schemas.microsoft.com/office/drawing/2014/main" id="{937C3745-3ED5-B341-514E-449E9EBB7B0F}"/>
               </a:ext>
             </a:extLst>
           </p:cNvPr>
@@ -4956,10 +4923,7 @@
           <a:bodyPr/>
           <a:lstStyle/>
           <a:p>
-            <a:r>
-              <a:rPr lang="en-GB" dirty="0"/>
-              <a:t>Testing</a:t>
-            </a:r>
+            <a:endParaRPr lang="en-GB"/>
           </a:p>
         </p:txBody>
       </p:sp>
@@ -4968,7 +4932,7 @@
           <p:cNvPr id="3" name="Content Placeholder 2">
             <a:extLst>
               <a:ext uri="{FF2B5EF4-FFF2-40B4-BE49-F238E27FC236}">
-                <a16:creationId xmlns:a16="http://schemas.microsoft.com/office/drawing/2014/main" id="{16DFF41D-AF3F-48E8-56D7-177693E7B63F}"/>
+                <a16:creationId xmlns:a16="http://schemas.microsoft.com/office/drawing/2014/main" id="{A529D087-0E66-EE94-16A4-36EE05BA482A}"/>
               </a:ext>
             </a:extLst>
           </p:cNvPr>
@@ -4984,63 +4948,44 @@
           <a:bodyPr/>
           <a:lstStyle/>
           <a:p>
-            <a:r>
-              <a:rPr lang="en-GB" dirty="0"/>
-              <a:t>App code</a:t>
-            </a:r>
-          </a:p>
-          <a:p>
-            <a:pPr lvl="1"/>
-            <a:r>
-              <a:rPr lang="en-GB" dirty="0"/>
-              <a:t>Docker containers</a:t>
-            </a:r>
-          </a:p>
-          <a:p>
-            <a:pPr lvl="1"/>
-            <a:r>
-              <a:rPr lang="en-GB" dirty="0"/>
-              <a:t>Code itself</a:t>
-            </a:r>
-          </a:p>
-          <a:p>
-            <a:r>
-              <a:rPr lang="en-GB" dirty="0"/>
-              <a:t>ML code</a:t>
-            </a:r>
-          </a:p>
-          <a:p>
-            <a:r>
-              <a:rPr lang="en-GB" dirty="0"/>
-              <a:t>Data processing</a:t>
-            </a:r>
-          </a:p>
-          <a:p>
-            <a:pPr lvl="1"/>
-            <a:r>
-              <a:rPr lang="en-GB" dirty="0"/>
-              <a:t>Data</a:t>
-            </a:r>
-          </a:p>
-          <a:p>
-            <a:pPr lvl="1"/>
-            <a:r>
-              <a:rPr lang="en-GB" dirty="0"/>
-              <a:t>AWS components</a:t>
-            </a:r>
-          </a:p>
-          <a:p>
-            <a:r>
-              <a:rPr lang="en-GB" dirty="0"/>
-              <a:t>Model</a:t>
-            </a:r>
-          </a:p>
-        </p:txBody>
-      </p:sp>
+            <a:endParaRPr lang="en-GB"/>
+          </a:p>
+        </p:txBody>
+      </p:sp>
+      <p:pic>
+        <p:nvPicPr>
+          <p:cNvPr id="4" name="Picture 3">
+            <a:extLst>
+              <a:ext uri="{FF2B5EF4-FFF2-40B4-BE49-F238E27FC236}">
+                <a16:creationId xmlns:a16="http://schemas.microsoft.com/office/drawing/2014/main" id="{D218059D-CF53-BEF7-4E93-22C3723FEAE6}"/>
+              </a:ext>
+            </a:extLst>
+          </p:cNvPr>
+          <p:cNvPicPr>
+            <a:picLocks noChangeAspect="1"/>
+          </p:cNvPicPr>
+          <p:nvPr/>
+        </p:nvPicPr>
+        <p:blipFill>
+          <a:blip r:embed="rId2"/>
+          <a:stretch>
+            <a:fillRect/>
+          </a:stretch>
+        </p:blipFill>
+        <p:spPr>
+          <a:xfrm>
+            <a:off x="2209800" y="2311400"/>
+            <a:ext cx="7772400" cy="2235200"/>
+          </a:xfrm>
+          <a:prstGeom prst="rect">
+            <a:avLst/>
+          </a:prstGeom>
+        </p:spPr>
+      </p:pic>
     </p:spTree>
     <p:extLst>
       <p:ext uri="{BB962C8B-B14F-4D97-AF65-F5344CB8AC3E}">
-        <p14:creationId xmlns:p14="http://schemas.microsoft.com/office/powerpoint/2010/main" val="267414957"/>
+        <p14:creationId xmlns:p14="http://schemas.microsoft.com/office/powerpoint/2010/main" val="3270788167"/>
       </p:ext>
     </p:extLst>
   </p:cSld>
@@ -9655,7 +9600,7 @@
           <p:cNvPr id="2" name="Title 1">
             <a:extLst>
               <a:ext uri="{FF2B5EF4-FFF2-40B4-BE49-F238E27FC236}">
-                <a16:creationId xmlns:a16="http://schemas.microsoft.com/office/drawing/2014/main" id="{AF9DBC8A-43C7-4CED-1A5A-9AB285827153}"/>
+                <a16:creationId xmlns:a16="http://schemas.microsoft.com/office/drawing/2014/main" id="{545CD8A3-F67B-F152-6859-710A8C8A5902}"/>
               </a:ext>
             </a:extLst>
           </p:cNvPr>
@@ -9672,9 +9617,10 @@
           <a:lstStyle/>
           <a:p>
             <a:r>
-              <a:rPr lang="en-GB" dirty="0"/>
-              <a:t>TODO</a:t>
-            </a:r>
+              <a:rPr lang="en-GB"/>
+              <a:t>Testing to do</a:t>
+            </a:r>
+            <a:endParaRPr lang="en-GB" dirty="0"/>
           </a:p>
         </p:txBody>
       </p:sp>
@@ -9683,7 +9629,7 @@
           <p:cNvPr id="3" name="Content Placeholder 2">
             <a:extLst>
               <a:ext uri="{FF2B5EF4-FFF2-40B4-BE49-F238E27FC236}">
-                <a16:creationId xmlns:a16="http://schemas.microsoft.com/office/drawing/2014/main" id="{75AE5FEA-050D-AE53-B7C2-AA771027014E}"/>
+                <a16:creationId xmlns:a16="http://schemas.microsoft.com/office/drawing/2014/main" id="{16DFF41D-AF3F-48E8-56D7-177693E7B63F}"/>
               </a:ext>
             </a:extLst>
           </p:cNvPr>
@@ -9694,200 +9640,85 @@
             <p:ph idx="1"/>
           </p:nvPr>
         </p:nvSpPr>
-        <p:spPr>
-          <a:xfrm>
-            <a:off x="838200" y="1690688"/>
-            <a:ext cx="10515600" cy="5167312"/>
-          </a:xfrm>
-        </p:spPr>
+        <p:spPr/>
         <p:txBody>
           <a:bodyPr>
-            <a:normAutofit fontScale="85000" lnSpcReduction="20000"/>
+            <a:normAutofit/>
           </a:bodyPr>
           <a:lstStyle/>
           <a:p>
             <a:r>
-              <a:rPr lang="en-GB" strike="sngStrike" dirty="0"/>
-              <a:t>Pull </a:t>
-            </a:r>
-            <a:r>
-              <a:rPr lang="en-GB" strike="sngStrike" dirty="0" err="1"/>
-              <a:t>ct</a:t>
-            </a:r>
-            <a:r>
-              <a:rPr lang="en-GB" strike="sngStrike" dirty="0"/>
-              <a:t> to main. Just work on main from there</a:t>
-            </a:r>
-          </a:p>
-          <a:p>
-            <a:r>
-              <a:rPr lang="en-GB" strike="sngStrike" dirty="0"/>
-              <a:t>Automate both the CV and Final modelling on cloud (AWS Lambda, </a:t>
-            </a:r>
-            <a:r>
-              <a:rPr lang="en-GB" strike="sngStrike" dirty="0" err="1"/>
-              <a:t>github</a:t>
-            </a:r>
-            <a:r>
-              <a:rPr lang="en-GB" strike="sngStrike" dirty="0"/>
-              <a:t> actions, whatever). Importantly, give scores + </a:t>
-            </a:r>
-            <a:r>
-              <a:rPr lang="en-GB" strike="sngStrike" dirty="0" err="1"/>
-              <a:t>iTry</a:t>
-            </a:r>
-            <a:r>
-              <a:rPr lang="en-GB" strike="sngStrike" dirty="0"/>
-              <a:t> to merge with </a:t>
-            </a:r>
-            <a:r>
-              <a:rPr lang="en-GB" strike="sngStrike" dirty="0" err="1"/>
-              <a:t>MLFlow</a:t>
-            </a:r>
-            <a:r>
-              <a:rPr lang="en-GB" strike="sngStrike" dirty="0"/>
-              <a:t> if can, otherwise just do reporting separately. Important charts. </a:t>
-            </a:r>
-            <a:r>
-              <a:rPr lang="en-GB" strike="sngStrike" dirty="0" err="1"/>
-              <a:t>Rmb</a:t>
-            </a:r>
-            <a:r>
-              <a:rPr lang="en-GB" strike="sngStrike" dirty="0"/>
-              <a:t> to ensure S3 storing model has version tracking on</a:t>
-            </a:r>
-          </a:p>
-          <a:p>
-            <a:r>
-              <a:rPr lang="en-GB" strike="sngStrike" dirty="0"/>
-              <a:t>Ensure </a:t>
-            </a:r>
-            <a:r>
-              <a:rPr lang="en-GB" strike="sngStrike" dirty="0" err="1"/>
-              <a:t>FastAPI</a:t>
-            </a:r>
-            <a:r>
-              <a:rPr lang="en-GB" strike="sngStrike" dirty="0"/>
-              <a:t> app can read best model from S3: </a:t>
+              <a:rPr lang="en-GB" dirty="0"/>
+              <a:t>Code</a:t>
             </a:r>
           </a:p>
           <a:p>
             <a:pPr lvl="1"/>
             <a:r>
-              <a:rPr lang="en-GB" strike="sngStrike" dirty="0">
-                <a:sym typeface="Wingdings" pitchFamily="2" charset="2"/>
-              </a:rPr>
-              <a:t>https://</a:t>
-            </a:r>
-            <a:r>
-              <a:rPr lang="en-GB" strike="sngStrike" dirty="0" err="1">
-                <a:sym typeface="Wingdings" pitchFamily="2" charset="2"/>
-              </a:rPr>
-              <a:t>devopscube.com</a:t>
-            </a:r>
-            <a:r>
-              <a:rPr lang="en-GB" strike="sngStrike" dirty="0">
-                <a:sym typeface="Wingdings" pitchFamily="2" charset="2"/>
-              </a:rPr>
-              <a:t>/</a:t>
-            </a:r>
-            <a:r>
-              <a:rPr lang="en-GB" strike="sngStrike" dirty="0" err="1">
-                <a:sym typeface="Wingdings" pitchFamily="2" charset="2"/>
-              </a:rPr>
-              <a:t>github</a:t>
-            </a:r>
-            <a:r>
-              <a:rPr lang="en-GB" strike="sngStrike" dirty="0">
-                <a:sym typeface="Wingdings" pitchFamily="2" charset="2"/>
-              </a:rPr>
-              <a:t>-actions-</a:t>
-            </a:r>
-            <a:r>
-              <a:rPr lang="en-GB" strike="sngStrike" dirty="0" err="1">
-                <a:sym typeface="Wingdings" pitchFamily="2" charset="2"/>
-              </a:rPr>
-              <a:t>oidc</a:t>
-            </a:r>
-            <a:r>
-              <a:rPr lang="en-GB" strike="sngStrike" dirty="0">
-                <a:sym typeface="Wingdings" pitchFamily="2" charset="2"/>
-              </a:rPr>
-              <a:t>-</a:t>
-            </a:r>
-            <a:r>
-              <a:rPr lang="en-GB" strike="sngStrike" dirty="0" err="1">
-                <a:sym typeface="Wingdings" pitchFamily="2" charset="2"/>
-              </a:rPr>
-              <a:t>aws</a:t>
-            </a:r>
-            <a:r>
-              <a:rPr lang="en-GB" strike="sngStrike" dirty="0">
-                <a:sym typeface="Wingdings" pitchFamily="2" charset="2"/>
-              </a:rPr>
-              <a:t>/</a:t>
-            </a:r>
-          </a:p>
-          <a:p>
-            <a:r>
-              <a:rPr lang="en-GB" strike="sngStrike" dirty="0">
-                <a:sym typeface="Wingdings" pitchFamily="2" charset="2"/>
-              </a:rPr>
-              <a:t>Automate AWS Lambda updates (e.g. data cleaning) using AWS CLI/</a:t>
-            </a:r>
-            <a:r>
-              <a:rPr lang="en-GB" strike="sngStrike" dirty="0" err="1">
-                <a:sym typeface="Wingdings" pitchFamily="2" charset="2"/>
-              </a:rPr>
-              <a:t>github</a:t>
-            </a:r>
-            <a:r>
-              <a:rPr lang="en-GB" strike="sngStrike" dirty="0">
-                <a:sym typeface="Wingdings" pitchFamily="2" charset="2"/>
-              </a:rPr>
-              <a:t> actions so that don’t have to keep copy and pasting</a:t>
-            </a:r>
-          </a:p>
-          <a:p>
-            <a:r>
               <a:rPr lang="en-GB" dirty="0"/>
-              <a:t>Retraining champion model</a:t>
-            </a:r>
-            <a:endParaRPr lang="en-GB" dirty="0">
-              <a:sym typeface="Wingdings" pitchFamily="2" charset="2"/>
-            </a:endParaRPr>
-          </a:p>
-          <a:p>
-            <a:r>
-              <a:rPr lang="en-GB" dirty="0">
-                <a:sym typeface="Wingdings" pitchFamily="2" charset="2"/>
-              </a:rPr>
-              <a:t>Download new data filtered by date, process and then append to existing feature store</a:t>
-            </a:r>
-            <a:endParaRPr lang="en-GB" dirty="0"/>
-          </a:p>
-          <a:p>
+              <a:t>App</a:t>
+            </a:r>
+          </a:p>
+          <a:p>
+            <a:pPr lvl="2"/>
             <a:r>
               <a:rPr lang="en-GB" dirty="0"/>
-              <a:t>Code robustness: Work on unit testing </a:t>
-            </a:r>
-            <a:r>
-              <a:rPr lang="en-GB" dirty="0">
-                <a:sym typeface="Wingdings" pitchFamily="2" charset="2"/>
-              </a:rPr>
-              <a:t> Data + others. Robust tests. Practice one unit test per PR. Think about when to use try-except statements (get </a:t>
-            </a:r>
-            <a:r>
-              <a:rPr lang="en-GB" dirty="0" err="1">
-                <a:sym typeface="Wingdings" pitchFamily="2" charset="2"/>
-              </a:rPr>
-              <a:t>chatgpt</a:t>
-            </a:r>
-            <a:r>
-              <a:rPr lang="en-GB" dirty="0">
-                <a:sym typeface="Wingdings" pitchFamily="2" charset="2"/>
-              </a:rPr>
-              <a:t> to suggest). Perform checks while script is running as well, on top of the unit tests</a:t>
+              <a:t>Docker containers</a:t>
+            </a:r>
+          </a:p>
+          <a:p>
+            <a:pPr lvl="2"/>
+            <a:r>
+              <a:rPr lang="en-GB" dirty="0"/>
+              <a:t>Code itself</a:t>
+            </a:r>
+          </a:p>
+          <a:p>
+            <a:pPr lvl="1"/>
+            <a:r>
+              <a:rPr lang="en-GB" dirty="0"/>
+              <a:t>ML scripts</a:t>
+            </a:r>
+          </a:p>
+          <a:p>
+            <a:pPr lvl="1"/>
+            <a:r>
+              <a:rPr lang="en-GB" dirty="0"/>
+              <a:t>Data processing code</a:t>
+            </a:r>
+          </a:p>
+          <a:p>
+            <a:pPr lvl="2"/>
+            <a:r>
+              <a:rPr lang="en-GB" dirty="0"/>
+              <a:t>Data</a:t>
+            </a:r>
+          </a:p>
+          <a:p>
+            <a:pPr lvl="2"/>
+            <a:r>
+              <a:rPr lang="en-GB" dirty="0"/>
+              <a:t>AWS components</a:t>
+            </a:r>
+          </a:p>
+          <a:p>
+            <a:r>
+              <a:rPr lang="en-GB" dirty="0"/>
+              <a:t>Model</a:t>
+            </a:r>
+          </a:p>
+          <a:p>
+            <a:pPr lvl="1"/>
+            <a:r>
+              <a:rPr lang="en-GB" dirty="0"/>
+              <a:t>Can make prediction</a:t>
+            </a:r>
+          </a:p>
+          <a:p>
+            <a:pPr lvl="1"/>
+            <a:r>
+              <a:rPr lang="en-GB" dirty="0"/>
+              <a:t>Prediction makes sense</a:t>
             </a:r>
           </a:p>
         </p:txBody>
@@ -9895,7 +9726,7 @@
     </p:spTree>
     <p:extLst>
       <p:ext uri="{BB962C8B-B14F-4D97-AF65-F5344CB8AC3E}">
-        <p14:creationId xmlns:p14="http://schemas.microsoft.com/office/powerpoint/2010/main" val="1044767826"/>
+        <p14:creationId xmlns:p14="http://schemas.microsoft.com/office/powerpoint/2010/main" val="267414957"/>
       </p:ext>
     </p:extLst>
   </p:cSld>
@@ -9945,7 +9776,7 @@
           <a:p>
             <a:r>
               <a:rPr lang="en-GB" dirty="0"/>
-              <a:t>TODO - Extras</a:t>
+              <a:t>TODO</a:t>
             </a:r>
           </a:p>
         </p:txBody>
@@ -9974,21 +9805,192 @@
         </p:spPr>
         <p:txBody>
           <a:bodyPr>
-            <a:normAutofit/>
+            <a:normAutofit fontScale="85000" lnSpcReduction="20000"/>
           </a:bodyPr>
           <a:lstStyle/>
           <a:p>
             <a:r>
+              <a:rPr lang="en-GB" strike="sngStrike" dirty="0"/>
+              <a:t>Pull </a:t>
+            </a:r>
+            <a:r>
+              <a:rPr lang="en-GB" strike="sngStrike" dirty="0" err="1"/>
+              <a:t>ct</a:t>
+            </a:r>
+            <a:r>
+              <a:rPr lang="en-GB" strike="sngStrike" dirty="0"/>
+              <a:t> to main. Just work on main from there</a:t>
+            </a:r>
+          </a:p>
+          <a:p>
+            <a:r>
+              <a:rPr lang="en-GB" strike="sngStrike" dirty="0"/>
+              <a:t>Automate both the CV and Final modelling on cloud (AWS Lambda, </a:t>
+            </a:r>
+            <a:r>
+              <a:rPr lang="en-GB" strike="sngStrike" dirty="0" err="1"/>
+              <a:t>github</a:t>
+            </a:r>
+            <a:r>
+              <a:rPr lang="en-GB" strike="sngStrike" dirty="0"/>
+              <a:t> actions, whatever). Importantly, give scores + </a:t>
+            </a:r>
+            <a:r>
+              <a:rPr lang="en-GB" strike="sngStrike" dirty="0" err="1"/>
+              <a:t>iTry</a:t>
+            </a:r>
+            <a:r>
+              <a:rPr lang="en-GB" strike="sngStrike" dirty="0"/>
+              <a:t> to merge with </a:t>
+            </a:r>
+            <a:r>
+              <a:rPr lang="en-GB" strike="sngStrike" dirty="0" err="1"/>
+              <a:t>MLFlow</a:t>
+            </a:r>
+            <a:r>
+              <a:rPr lang="en-GB" strike="sngStrike" dirty="0"/>
+              <a:t> if can, otherwise just do reporting separately. Important charts. </a:t>
+            </a:r>
+            <a:r>
+              <a:rPr lang="en-GB" strike="sngStrike" dirty="0" err="1"/>
+              <a:t>Rmb</a:t>
+            </a:r>
+            <a:r>
+              <a:rPr lang="en-GB" strike="sngStrike" dirty="0"/>
+              <a:t> to ensure S3 storing model has version tracking on</a:t>
+            </a:r>
+          </a:p>
+          <a:p>
+            <a:r>
+              <a:rPr lang="en-GB" strike="sngStrike" dirty="0"/>
+              <a:t>Ensure </a:t>
+            </a:r>
+            <a:r>
+              <a:rPr lang="en-GB" strike="sngStrike" dirty="0" err="1"/>
+              <a:t>FastAPI</a:t>
+            </a:r>
+            <a:r>
+              <a:rPr lang="en-GB" strike="sngStrike" dirty="0"/>
+              <a:t> app can read best model from S3: </a:t>
+            </a:r>
+          </a:p>
+          <a:p>
+            <a:pPr lvl="1"/>
+            <a:r>
+              <a:rPr lang="en-GB" strike="sngStrike" dirty="0">
+                <a:sym typeface="Wingdings" pitchFamily="2" charset="2"/>
+              </a:rPr>
+              <a:t>https://</a:t>
+            </a:r>
+            <a:r>
+              <a:rPr lang="en-GB" strike="sngStrike" dirty="0" err="1">
+                <a:sym typeface="Wingdings" pitchFamily="2" charset="2"/>
+              </a:rPr>
+              <a:t>devopscube.com</a:t>
+            </a:r>
+            <a:r>
+              <a:rPr lang="en-GB" strike="sngStrike" dirty="0">
+                <a:sym typeface="Wingdings" pitchFamily="2" charset="2"/>
+              </a:rPr>
+              <a:t>/</a:t>
+            </a:r>
+            <a:r>
+              <a:rPr lang="en-GB" strike="sngStrike" dirty="0" err="1">
+                <a:sym typeface="Wingdings" pitchFamily="2" charset="2"/>
+              </a:rPr>
+              <a:t>github</a:t>
+            </a:r>
+            <a:r>
+              <a:rPr lang="en-GB" strike="sngStrike" dirty="0">
+                <a:sym typeface="Wingdings" pitchFamily="2" charset="2"/>
+              </a:rPr>
+              <a:t>-actions-</a:t>
+            </a:r>
+            <a:r>
+              <a:rPr lang="en-GB" strike="sngStrike" dirty="0" err="1">
+                <a:sym typeface="Wingdings" pitchFamily="2" charset="2"/>
+              </a:rPr>
+              <a:t>oidc</a:t>
+            </a:r>
+            <a:r>
+              <a:rPr lang="en-GB" strike="sngStrike" dirty="0">
+                <a:sym typeface="Wingdings" pitchFamily="2" charset="2"/>
+              </a:rPr>
+              <a:t>-</a:t>
+            </a:r>
+            <a:r>
+              <a:rPr lang="en-GB" strike="sngStrike" dirty="0" err="1">
+                <a:sym typeface="Wingdings" pitchFamily="2" charset="2"/>
+              </a:rPr>
+              <a:t>aws</a:t>
+            </a:r>
+            <a:r>
+              <a:rPr lang="en-GB" strike="sngStrike" dirty="0">
+                <a:sym typeface="Wingdings" pitchFamily="2" charset="2"/>
+              </a:rPr>
+              <a:t>/</a:t>
+            </a:r>
+          </a:p>
+          <a:p>
+            <a:r>
+              <a:rPr lang="en-GB" strike="sngStrike" dirty="0">
+                <a:sym typeface="Wingdings" pitchFamily="2" charset="2"/>
+              </a:rPr>
+              <a:t>Automate AWS Lambda updates (e.g. data cleaning) using AWS CLI/</a:t>
+            </a:r>
+            <a:r>
+              <a:rPr lang="en-GB" strike="sngStrike" dirty="0" err="1">
+                <a:sym typeface="Wingdings" pitchFamily="2" charset="2"/>
+              </a:rPr>
+              <a:t>github</a:t>
+            </a:r>
+            <a:r>
+              <a:rPr lang="en-GB" strike="sngStrike" dirty="0">
+                <a:sym typeface="Wingdings" pitchFamily="2" charset="2"/>
+              </a:rPr>
+              <a:t> actions so that don’t have to keep copy and pasting</a:t>
+            </a:r>
+          </a:p>
+          <a:p>
+            <a:r>
               <a:rPr lang="en-GB" dirty="0"/>
-              <a:t>Send </a:t>
-            </a:r>
-            <a:r>
-              <a:rPr lang="en-GB" dirty="0" err="1"/>
-              <a:t>hyperparam</a:t>
-            </a:r>
+              <a:t>Retraining champion model</a:t>
+            </a:r>
+            <a:endParaRPr lang="en-GB" dirty="0">
+              <a:sym typeface="Wingdings" pitchFamily="2" charset="2"/>
+            </a:endParaRPr>
+          </a:p>
+          <a:p>
+            <a:r>
+              <a:rPr lang="en-GB" dirty="0">
+                <a:sym typeface="Wingdings" pitchFamily="2" charset="2"/>
+              </a:rPr>
+              <a:t>Download new data filtered by date, process and then append to existing feature store</a:t>
+            </a:r>
+            <a:endParaRPr lang="en-GB" dirty="0"/>
+          </a:p>
+          <a:p>
             <a:r>
               <a:rPr lang="en-GB" dirty="0"/>
-              <a:t> tuning report to Slack</a:t>
+              <a:t>Code robustness: Work on unit testing </a:t>
+            </a:r>
+            <a:r>
+              <a:rPr lang="en-GB" dirty="0">
+                <a:sym typeface="Wingdings" pitchFamily="2" charset="2"/>
+              </a:rPr>
+              <a:t> Data + others. Robust tests. Practice one unit test per PR. Think about when to use try-except statements (get </a:t>
+            </a:r>
+            <a:r>
+              <a:rPr lang="en-GB" dirty="0" err="1">
+                <a:sym typeface="Wingdings" pitchFamily="2" charset="2"/>
+              </a:rPr>
+              <a:t>chatgpt</a:t>
+            </a:r>
+            <a:r>
+              <a:rPr lang="en-GB" dirty="0">
+                <a:sym typeface="Wingdings" pitchFamily="2" charset="2"/>
+              </a:rPr>
+              <a:t> to suggest). Perform checks while script is running as well, on top of the unit tests</a:t>
             </a:r>
           </a:p>
         </p:txBody>
@@ -9996,7 +9998,7 @@
     </p:spTree>
     <p:extLst>
       <p:ext uri="{BB962C8B-B14F-4D97-AF65-F5344CB8AC3E}">
-        <p14:creationId xmlns:p14="http://schemas.microsoft.com/office/powerpoint/2010/main" val="2450686333"/>
+        <p14:creationId xmlns:p14="http://schemas.microsoft.com/office/powerpoint/2010/main" val="1044767826"/>
       </p:ext>
     </p:extLst>
   </p:cSld>

--- a/docs/Architecture Overview.pptx
+++ b/docs/Architecture Overview.pptx
@@ -5,7 +5,7 @@
     <p:sldMasterId id="2147483648" r:id="rId1"/>
   </p:sldMasterIdLst>
   <p:notesMasterIdLst>
-    <p:notesMasterId r:id="rId17"/>
+    <p:notesMasterId r:id="rId18"/>
   </p:notesMasterIdLst>
   <p:sldIdLst>
     <p:sldId id="256" r:id="rId2"/>
@@ -13,16 +13,17 @@
     <p:sldId id="267" r:id="rId4"/>
     <p:sldId id="260" r:id="rId5"/>
     <p:sldId id="268" r:id="rId6"/>
-    <p:sldId id="263" r:id="rId7"/>
-    <p:sldId id="264" r:id="rId8"/>
-    <p:sldId id="271" r:id="rId9"/>
-    <p:sldId id="261" r:id="rId10"/>
-    <p:sldId id="269" r:id="rId11"/>
-    <p:sldId id="265" r:id="rId12"/>
-    <p:sldId id="266" r:id="rId13"/>
-    <p:sldId id="262" r:id="rId14"/>
-    <p:sldId id="272" r:id="rId15"/>
-    <p:sldId id="270" r:id="rId16"/>
+    <p:sldId id="261" r:id="rId7"/>
+    <p:sldId id="269" r:id="rId8"/>
+    <p:sldId id="265" r:id="rId9"/>
+    <p:sldId id="273" r:id="rId10"/>
+    <p:sldId id="266" r:id="rId11"/>
+    <p:sldId id="263" r:id="rId12"/>
+    <p:sldId id="264" r:id="rId13"/>
+    <p:sldId id="271" r:id="rId14"/>
+    <p:sldId id="262" r:id="rId15"/>
+    <p:sldId id="272" r:id="rId16"/>
+    <p:sldId id="270" r:id="rId17"/>
   </p:sldIdLst>
   <p:sldSz cx="12192000" cy="6858000"/>
   <p:notesSz cx="6858000" cy="9144000"/>
@@ -636,7 +637,7 @@
           <a:p>
             <a:fld id="{78293D93-78F6-7C4A-B196-7A9DF32E6281}" type="slidenum">
               <a:rPr lang="en-GB" smtClean="0"/>
-              <a:t>9</a:t>
+              <a:t>6</a:t>
             </a:fld>
             <a:endParaRPr lang="en-GB"/>
           </a:p>
@@ -720,7 +721,7 @@
           <a:p>
             <a:fld id="{78293D93-78F6-7C4A-B196-7A9DF32E6281}" type="slidenum">
               <a:rPr lang="en-GB" smtClean="0"/>
-              <a:t>10</a:t>
+              <a:t>7</a:t>
             </a:fld>
             <a:endParaRPr lang="en-GB"/>
           </a:p>
@@ -4160,7 +4161,7 @@
           <p:cNvPr id="2" name="Title 1">
             <a:extLst>
               <a:ext uri="{FF2B5EF4-FFF2-40B4-BE49-F238E27FC236}">
-                <a16:creationId xmlns:a16="http://schemas.microsoft.com/office/drawing/2014/main" id="{AF9DBC8A-43C7-4CED-1A5A-9AB285827153}"/>
+                <a16:creationId xmlns:a16="http://schemas.microsoft.com/office/drawing/2014/main" id="{786686E8-215A-5475-0873-B4055D121F8F}"/>
               </a:ext>
             </a:extLst>
           </p:cNvPr>
@@ -4178,7 +4179,7 @@
           <a:p>
             <a:r>
               <a:rPr lang="en-GB" dirty="0"/>
-              <a:t>TODO - Extras</a:t>
+              <a:t>CT (Extras)</a:t>
             </a:r>
           </a:p>
         </p:txBody>
@@ -4188,7 +4189,7 @@
           <p:cNvPr id="3" name="Content Placeholder 2">
             <a:extLst>
               <a:ext uri="{FF2B5EF4-FFF2-40B4-BE49-F238E27FC236}">
-                <a16:creationId xmlns:a16="http://schemas.microsoft.com/office/drawing/2014/main" id="{75AE5FEA-050D-AE53-B7C2-AA771027014E}"/>
+                <a16:creationId xmlns:a16="http://schemas.microsoft.com/office/drawing/2014/main" id="{B4423546-A7E9-D0C0-C3F6-1997391AD7C0}"/>
               </a:ext>
             </a:extLst>
           </p:cNvPr>
@@ -4201,8 +4202,8 @@
         </p:nvSpPr>
         <p:spPr>
           <a:xfrm>
-            <a:off x="838200" y="1690688"/>
-            <a:ext cx="10515600" cy="5167312"/>
+            <a:off x="838200" y="1825624"/>
+            <a:ext cx="10515600" cy="5032375"/>
           </a:xfrm>
         </p:spPr>
         <p:txBody>
@@ -4213,23 +4214,31 @@
           <a:p>
             <a:r>
               <a:rPr lang="en-GB" dirty="0"/>
-              <a:t>Send </a:t>
-            </a:r>
+              <a:t>Error analysis + Logging</a:t>
+            </a:r>
+          </a:p>
+          <a:p>
             <a:r>
               <a:rPr lang="en-GB" dirty="0" err="1"/>
-              <a:t>hyperparam</a:t>
+              <a:t>BentoML</a:t>
             </a:r>
             <a:r>
               <a:rPr lang="en-GB" dirty="0"/>
-              <a:t> tuning report to Slack</a:t>
-            </a:r>
+              <a:t> for batched inference/serving</a:t>
+            </a:r>
+          </a:p>
+          <a:p>
+            <a:endParaRPr lang="en-GB" dirty="0"/>
+          </a:p>
+          <a:p>
+            <a:endParaRPr lang="en-GB" dirty="0"/>
           </a:p>
         </p:txBody>
       </p:sp>
     </p:spTree>
     <p:extLst>
       <p:ext uri="{BB962C8B-B14F-4D97-AF65-F5344CB8AC3E}">
-        <p14:creationId xmlns:p14="http://schemas.microsoft.com/office/powerpoint/2010/main" val="2450686333"/>
+        <p14:creationId xmlns:p14="http://schemas.microsoft.com/office/powerpoint/2010/main" val="1577909886"/>
       </p:ext>
     </p:extLst>
   </p:cSld>
@@ -4261,7 +4270,7 @@
           <p:cNvPr id="2" name="Title 1">
             <a:extLst>
               <a:ext uri="{FF2B5EF4-FFF2-40B4-BE49-F238E27FC236}">
-                <a16:creationId xmlns:a16="http://schemas.microsoft.com/office/drawing/2014/main" id="{786686E8-215A-5475-0873-B4055D121F8F}"/>
+                <a16:creationId xmlns:a16="http://schemas.microsoft.com/office/drawing/2014/main" id="{E2F977AF-15E1-2268-873D-1E5AE0F60B5D}"/>
               </a:ext>
             </a:extLst>
           </p:cNvPr>
@@ -4279,7 +4288,7 @@
           <a:p>
             <a:r>
               <a:rPr lang="en-GB" dirty="0"/>
-              <a:t>CT</a:t>
+              <a:t>CI</a:t>
             </a:r>
           </a:p>
         </p:txBody>
@@ -4289,7 +4298,7 @@
           <p:cNvPr id="3" name="Content Placeholder 2">
             <a:extLst>
               <a:ext uri="{FF2B5EF4-FFF2-40B4-BE49-F238E27FC236}">
-                <a16:creationId xmlns:a16="http://schemas.microsoft.com/office/drawing/2014/main" id="{B4423546-A7E9-D0C0-C3F6-1997391AD7C0}"/>
+                <a16:creationId xmlns:a16="http://schemas.microsoft.com/office/drawing/2014/main" id="{3548B6C1-087A-2338-16C8-1F30B0A7EDEC}"/>
               </a:ext>
             </a:extLst>
           </p:cNvPr>
@@ -4302,463 +4311,42 @@
         </p:nvSpPr>
         <p:spPr>
           <a:xfrm>
-            <a:off x="838200" y="1825624"/>
-            <a:ext cx="10515600" cy="5032375"/>
+            <a:off x="838200" y="1460500"/>
+            <a:ext cx="10515600" cy="5397500"/>
           </a:xfrm>
         </p:spPr>
         <p:txBody>
           <a:bodyPr>
-            <a:normAutofit lnSpcReduction="10000"/>
+            <a:normAutofit/>
           </a:bodyPr>
           <a:lstStyle/>
           <a:p>
             <a:r>
               <a:rPr lang="en-GB" dirty="0"/>
-              <a:t>Retraining based on time/data ingestion @ X time unit</a:t>
-            </a:r>
-          </a:p>
-          <a:p>
-            <a:pPr lvl="1"/>
+              <a:t>Objective: Whenever want to update file on GitHub, to use a template for a sequence of events, which takes into account testing, and also reporting of the results of the push. </a:t>
+            </a:r>
+          </a:p>
+          <a:p>
+            <a:r>
+              <a:rPr lang="en-GB" dirty="0" err="1"/>
+              <a:t>Makefile</a:t>
+            </a:r>
+            <a:r>
+              <a:rPr lang="en-GB" dirty="0"/>
+              <a:t> is the recipe, while the YAML file is the skeleton while pulls from the recipe + decides the environment variables which is fed into the recipe</a:t>
+            </a:r>
+          </a:p>
+          <a:p>
+            <a:endParaRPr lang="en-GB" dirty="0"/>
+          </a:p>
+          <a:p>
             <a:r>
               <a:rPr lang="en-GB" b="1" dirty="0"/>
-              <a:t>Objective: Let model capture new trends in data, refresh model with same hyperparameters</a:t>
-            </a:r>
-          </a:p>
-          <a:p>
-            <a:pPr lvl="1"/>
+              <a:t>Implemented for</a:t>
+            </a:r>
             <a:r>
               <a:rPr lang="en-GB" dirty="0"/>
-              <a:t>Separate script which uses the same hyperparameters from experimentation (</a:t>
-            </a:r>
-            <a:r>
-              <a:rPr lang="en-GB" dirty="0" err="1"/>
-              <a:t>Github</a:t>
-            </a:r>
-            <a:r>
-              <a:rPr lang="en-GB" dirty="0"/>
-              <a:t> actions), but does the comparison and retraining on AWS (Lambda?) </a:t>
-            </a:r>
-          </a:p>
-          <a:p>
-            <a:pPr lvl="1"/>
-            <a:r>
-              <a:rPr lang="en-GB" dirty="0"/>
-              <a:t>? Need to come up with the final model, trained on all data</a:t>
-            </a:r>
-          </a:p>
-          <a:p>
-            <a:pPr lvl="2"/>
-            <a:r>
-              <a:rPr lang="en-GB" dirty="0"/>
-              <a:t>Or is it still need a holdout set?</a:t>
-            </a:r>
-          </a:p>
-          <a:p>
-            <a:pPr lvl="2"/>
-            <a:r>
-              <a:rPr lang="en-GB" dirty="0"/>
-              <a:t>Train on 1~ T-1 week, test on T-1 week ~T (Is 1 week enough?)</a:t>
-            </a:r>
-          </a:p>
-          <a:p>
-            <a:pPr lvl="1"/>
-            <a:r>
-              <a:rPr lang="en-GB" dirty="0"/>
-              <a:t>Implement A/B testing afterwards to check if there is indeed and improvement over the old model. Do not deploy if performance drops</a:t>
-            </a:r>
-          </a:p>
-          <a:p>
-            <a:pPr lvl="2"/>
-            <a:r>
-              <a:rPr lang="en-GB" dirty="0"/>
-              <a:t>Still necessary to compare 5 fold CV in addition to test set?</a:t>
-            </a:r>
-          </a:p>
-          <a:p>
-            <a:pPr lvl="2"/>
-            <a:r>
-              <a:rPr lang="en-GB" dirty="0"/>
-              <a:t>Pseudo-Canary testing?</a:t>
-            </a:r>
-          </a:p>
-          <a:p>
-            <a:pPr lvl="2"/>
-            <a:r>
-              <a:rPr lang="en-GB" dirty="0"/>
-              <a:t>Can find hard quality gates here: https://</a:t>
-            </a:r>
-            <a:r>
-              <a:rPr lang="en-GB" dirty="0" err="1"/>
-              <a:t>mlflow.org</a:t>
-            </a:r>
-            <a:r>
-              <a:rPr lang="en-GB" dirty="0"/>
-              <a:t>/docs/3.1.3/ml/evaluation/model-eval/</a:t>
-            </a:r>
-          </a:p>
-        </p:txBody>
-      </p:sp>
-      <p:sp>
-        <p:nvSpPr>
-          <p:cNvPr id="4" name="Rectangle 3">
-            <a:extLst>
-              <a:ext uri="{FF2B5EF4-FFF2-40B4-BE49-F238E27FC236}">
-                <a16:creationId xmlns:a16="http://schemas.microsoft.com/office/drawing/2014/main" id="{2D353EA7-6F98-A6AC-D6EB-CE7E49900F60}"/>
-              </a:ext>
-            </a:extLst>
-          </p:cNvPr>
-          <p:cNvSpPr/>
-          <p:nvPr/>
-        </p:nvSpPr>
-        <p:spPr>
-          <a:xfrm>
-            <a:off x="4807131" y="495754"/>
-            <a:ext cx="3095898" cy="327206"/>
-          </a:xfrm>
-          <a:prstGeom prst="rect">
-            <a:avLst/>
-          </a:prstGeom>
-        </p:spPr>
-        <p:style>
-          <a:lnRef idx="2">
-            <a:schemeClr val="accent1">
-              <a:shade val="15000"/>
-            </a:schemeClr>
-          </a:lnRef>
-          <a:fillRef idx="1">
-            <a:schemeClr val="accent1"/>
-          </a:fillRef>
-          <a:effectRef idx="0">
-            <a:schemeClr val="accent1"/>
-          </a:effectRef>
-          <a:fontRef idx="minor">
-            <a:schemeClr val="lt1"/>
-          </a:fontRef>
-        </p:style>
-        <p:txBody>
-          <a:bodyPr rtlCol="0" anchor="ctr"/>
-          <a:lstStyle/>
-          <a:p>
-            <a:pPr algn="ctr"/>
-            <a:r>
-              <a:rPr lang="en-GB" dirty="0"/>
-              <a:t>Train-Validation</a:t>
-            </a:r>
-          </a:p>
-        </p:txBody>
-      </p:sp>
-      <p:sp>
-        <p:nvSpPr>
-          <p:cNvPr id="5" name="Rectangle 4">
-            <a:extLst>
-              <a:ext uri="{FF2B5EF4-FFF2-40B4-BE49-F238E27FC236}">
-                <a16:creationId xmlns:a16="http://schemas.microsoft.com/office/drawing/2014/main" id="{CAA164F5-77DD-0E74-4524-E2D878665865}"/>
-              </a:ext>
-            </a:extLst>
-          </p:cNvPr>
-          <p:cNvSpPr/>
-          <p:nvPr/>
-        </p:nvSpPr>
-        <p:spPr>
-          <a:xfrm>
-            <a:off x="7903029" y="495754"/>
-            <a:ext cx="755468" cy="327206"/>
-          </a:xfrm>
-          <a:prstGeom prst="rect">
-            <a:avLst/>
-          </a:prstGeom>
-          <a:solidFill>
-            <a:schemeClr val="accent2"/>
-          </a:solidFill>
-        </p:spPr>
-        <p:style>
-          <a:lnRef idx="2">
-            <a:schemeClr val="accent1">
-              <a:shade val="15000"/>
-            </a:schemeClr>
-          </a:lnRef>
-          <a:fillRef idx="1">
-            <a:schemeClr val="accent1"/>
-          </a:fillRef>
-          <a:effectRef idx="0">
-            <a:schemeClr val="accent1"/>
-          </a:effectRef>
-          <a:fontRef idx="minor">
-            <a:schemeClr val="lt1"/>
-          </a:fontRef>
-        </p:style>
-        <p:txBody>
-          <a:bodyPr rtlCol="0" anchor="ctr"/>
-          <a:lstStyle/>
-          <a:p>
-            <a:pPr algn="ctr"/>
-            <a:r>
-              <a:rPr lang="en-GB" dirty="0"/>
-              <a:t>Test</a:t>
-            </a:r>
-          </a:p>
-        </p:txBody>
-      </p:sp>
-      <p:sp>
-        <p:nvSpPr>
-          <p:cNvPr id="6" name="TextBox 5">
-            <a:extLst>
-              <a:ext uri="{FF2B5EF4-FFF2-40B4-BE49-F238E27FC236}">
-                <a16:creationId xmlns:a16="http://schemas.microsoft.com/office/drawing/2014/main" id="{FE926106-4760-484A-5BC4-61D3D943CE13}"/>
-              </a:ext>
-            </a:extLst>
-          </p:cNvPr>
-          <p:cNvSpPr txBox="1"/>
-          <p:nvPr/>
-        </p:nvSpPr>
-        <p:spPr>
-          <a:xfrm>
-            <a:off x="4441371" y="156755"/>
-            <a:ext cx="766355" cy="369332"/>
-          </a:xfrm>
-          <a:prstGeom prst="rect">
-            <a:avLst/>
-          </a:prstGeom>
-          <a:noFill/>
-        </p:spPr>
-        <p:txBody>
-          <a:bodyPr wrap="square" rtlCol="0">
-            <a:spAutoFit/>
-          </a:bodyPr>
-          <a:lstStyle/>
-          <a:p>
-            <a:r>
-              <a:rPr lang="en-GB" dirty="0"/>
-              <a:t>T=M0</a:t>
-            </a:r>
-          </a:p>
-        </p:txBody>
-      </p:sp>
-      <p:sp>
-        <p:nvSpPr>
-          <p:cNvPr id="7" name="TextBox 6">
-            <a:extLst>
-              <a:ext uri="{FF2B5EF4-FFF2-40B4-BE49-F238E27FC236}">
-                <a16:creationId xmlns:a16="http://schemas.microsoft.com/office/drawing/2014/main" id="{937C3058-374B-9DEC-72C2-D2B55FD41645}"/>
-              </a:ext>
-            </a:extLst>
-          </p:cNvPr>
-          <p:cNvSpPr txBox="1"/>
-          <p:nvPr/>
-        </p:nvSpPr>
-        <p:spPr>
-          <a:xfrm>
-            <a:off x="7602582" y="156755"/>
-            <a:ext cx="1003663" cy="369332"/>
-          </a:xfrm>
-          <a:prstGeom prst="rect">
-            <a:avLst/>
-          </a:prstGeom>
-          <a:noFill/>
-        </p:spPr>
-        <p:txBody>
-          <a:bodyPr wrap="square" rtlCol="0">
-            <a:spAutoFit/>
-          </a:bodyPr>
-          <a:lstStyle/>
-          <a:p>
-            <a:r>
-              <a:rPr lang="en-GB" dirty="0"/>
-              <a:t>T=M-1</a:t>
-            </a:r>
-          </a:p>
-        </p:txBody>
-      </p:sp>
-      <p:sp>
-        <p:nvSpPr>
-          <p:cNvPr id="8" name="TextBox 7">
-            <a:extLst>
-              <a:ext uri="{FF2B5EF4-FFF2-40B4-BE49-F238E27FC236}">
-                <a16:creationId xmlns:a16="http://schemas.microsoft.com/office/drawing/2014/main" id="{E6230534-B302-25B5-A87D-00556C86F7A9}"/>
-              </a:ext>
-            </a:extLst>
-          </p:cNvPr>
-          <p:cNvSpPr txBox="1"/>
-          <p:nvPr/>
-        </p:nvSpPr>
-        <p:spPr>
-          <a:xfrm>
-            <a:off x="8309065" y="156755"/>
-            <a:ext cx="1003663" cy="369332"/>
-          </a:xfrm>
-          <a:prstGeom prst="rect">
-            <a:avLst/>
-          </a:prstGeom>
-          <a:noFill/>
-        </p:spPr>
-        <p:txBody>
-          <a:bodyPr wrap="square" rtlCol="0">
-            <a:spAutoFit/>
-          </a:bodyPr>
-          <a:lstStyle/>
-          <a:p>
-            <a:r>
-              <a:rPr lang="en-GB" dirty="0"/>
-              <a:t>T=M</a:t>
-            </a:r>
-          </a:p>
-        </p:txBody>
-      </p:sp>
-      <p:cxnSp>
-        <p:nvCxnSpPr>
-          <p:cNvPr id="15" name="Straight Arrow Connector 14">
-            <a:extLst>
-              <a:ext uri="{FF2B5EF4-FFF2-40B4-BE49-F238E27FC236}">
-                <a16:creationId xmlns:a16="http://schemas.microsoft.com/office/drawing/2014/main" id="{1693394D-3D58-9A9E-CF02-9AB5EDD6AE4D}"/>
-              </a:ext>
-            </a:extLst>
-          </p:cNvPr>
-          <p:cNvCxnSpPr>
-            <a:cxnSpLocks/>
-          </p:cNvCxnSpPr>
-          <p:nvPr/>
-        </p:nvCxnSpPr>
-        <p:spPr>
-          <a:xfrm flipV="1">
-            <a:off x="8643261" y="641038"/>
-            <a:ext cx="783770" cy="1203"/>
-          </a:xfrm>
-          <a:prstGeom prst="straightConnector1">
-            <a:avLst/>
-          </a:prstGeom>
-          <a:ln>
-            <a:tailEnd type="triangle"/>
-          </a:ln>
-        </p:spPr>
-        <p:style>
-          <a:lnRef idx="2">
-            <a:schemeClr val="accent1"/>
-          </a:lnRef>
-          <a:fillRef idx="0">
-            <a:schemeClr val="accent1"/>
-          </a:fillRef>
-          <a:effectRef idx="1">
-            <a:schemeClr val="accent1"/>
-          </a:effectRef>
-          <a:fontRef idx="minor">
-            <a:schemeClr val="tx1"/>
-          </a:fontRef>
-        </p:style>
-      </p:cxnSp>
-      <p:sp>
-        <p:nvSpPr>
-          <p:cNvPr id="16" name="TextBox 15">
-            <a:extLst>
-              <a:ext uri="{FF2B5EF4-FFF2-40B4-BE49-F238E27FC236}">
-                <a16:creationId xmlns:a16="http://schemas.microsoft.com/office/drawing/2014/main" id="{8E273A23-3D0B-8905-94A6-BAD8ED0D9518}"/>
-              </a:ext>
-            </a:extLst>
-          </p:cNvPr>
-          <p:cNvSpPr txBox="1"/>
-          <p:nvPr/>
-        </p:nvSpPr>
-        <p:spPr>
-          <a:xfrm>
-            <a:off x="9427031" y="245093"/>
-            <a:ext cx="1989909" cy="1477328"/>
-          </a:xfrm>
-          <a:prstGeom prst="rect">
-            <a:avLst/>
-          </a:prstGeom>
-          <a:noFill/>
-        </p:spPr>
-        <p:txBody>
-          <a:bodyPr wrap="square" rtlCol="0">
-            <a:spAutoFit/>
-          </a:bodyPr>
-          <a:lstStyle/>
-          <a:p>
-            <a:r>
-              <a:rPr lang="en-GB" dirty="0"/>
-              <a:t>- Compare optimised models</a:t>
-            </a:r>
-          </a:p>
-          <a:p>
-            <a:r>
-              <a:rPr lang="en-GB" dirty="0"/>
-              <a:t>- Compare old (on S3) and retrained model</a:t>
-            </a:r>
-          </a:p>
-        </p:txBody>
-      </p:sp>
-      <p:cxnSp>
-        <p:nvCxnSpPr>
-          <p:cNvPr id="17" name="Straight Arrow Connector 16">
-            <a:extLst>
-              <a:ext uri="{FF2B5EF4-FFF2-40B4-BE49-F238E27FC236}">
-                <a16:creationId xmlns:a16="http://schemas.microsoft.com/office/drawing/2014/main" id="{F4CB6E33-820A-59BF-DEAC-595EEFFA0A1E}"/>
-              </a:ext>
-            </a:extLst>
-          </p:cNvPr>
-          <p:cNvCxnSpPr>
-            <a:cxnSpLocks/>
-            <a:stCxn id="4" idx="2"/>
-          </p:cNvCxnSpPr>
-          <p:nvPr/>
-        </p:nvCxnSpPr>
-        <p:spPr>
-          <a:xfrm>
-            <a:off x="6355080" y="822960"/>
-            <a:ext cx="0" cy="419103"/>
-          </a:xfrm>
-          <a:prstGeom prst="straightConnector1">
-            <a:avLst/>
-          </a:prstGeom>
-          <a:ln>
-            <a:tailEnd type="triangle"/>
-          </a:ln>
-        </p:spPr>
-        <p:style>
-          <a:lnRef idx="2">
-            <a:schemeClr val="accent1"/>
-          </a:lnRef>
-          <a:fillRef idx="0">
-            <a:schemeClr val="accent1"/>
-          </a:fillRef>
-          <a:effectRef idx="1">
-            <a:schemeClr val="accent1"/>
-          </a:effectRef>
-          <a:fontRef idx="minor">
-            <a:schemeClr val="tx1"/>
-          </a:fontRef>
-        </p:style>
-      </p:cxnSp>
-      <p:sp>
-        <p:nvSpPr>
-          <p:cNvPr id="20" name="TextBox 19">
-            <a:extLst>
-              <a:ext uri="{FF2B5EF4-FFF2-40B4-BE49-F238E27FC236}">
-                <a16:creationId xmlns:a16="http://schemas.microsoft.com/office/drawing/2014/main" id="{7AA0925F-86EB-7D53-6C64-6B17835C22C6}"/>
-              </a:ext>
-            </a:extLst>
-          </p:cNvPr>
-          <p:cNvSpPr txBox="1"/>
-          <p:nvPr/>
-        </p:nvSpPr>
-        <p:spPr>
-          <a:xfrm>
-            <a:off x="5538648" y="1242063"/>
-            <a:ext cx="1907173" cy="646331"/>
-          </a:xfrm>
-          <a:prstGeom prst="rect">
-            <a:avLst/>
-          </a:prstGeom>
-          <a:noFill/>
-        </p:spPr>
-        <p:txBody>
-          <a:bodyPr wrap="square" rtlCol="0">
-            <a:spAutoFit/>
-          </a:bodyPr>
-          <a:lstStyle/>
-          <a:p>
-            <a:r>
-              <a:rPr lang="en-GB" dirty="0"/>
-              <a:t>Get best set of hyperparameters</a:t>
+              <a:t>: Model prediction, app deployment, deploying AWS Lambda functions</a:t>
             </a:r>
           </a:p>
         </p:txBody>
@@ -4766,7 +4354,7 @@
     </p:spTree>
     <p:extLst>
       <p:ext uri="{BB962C8B-B14F-4D97-AF65-F5344CB8AC3E}">
-        <p14:creationId xmlns:p14="http://schemas.microsoft.com/office/powerpoint/2010/main" val="3689535318"/>
+        <p14:creationId xmlns:p14="http://schemas.microsoft.com/office/powerpoint/2010/main" val="2062299650"/>
       </p:ext>
     </p:extLst>
   </p:cSld>
@@ -4798,7 +4386,7 @@
           <p:cNvPr id="2" name="Title 1">
             <a:extLst>
               <a:ext uri="{FF2B5EF4-FFF2-40B4-BE49-F238E27FC236}">
-                <a16:creationId xmlns:a16="http://schemas.microsoft.com/office/drawing/2014/main" id="{786686E8-215A-5475-0873-B4055D121F8F}"/>
+                <a16:creationId xmlns:a16="http://schemas.microsoft.com/office/drawing/2014/main" id="{9FEE4046-886D-9760-43E3-091562716F37}"/>
               </a:ext>
             </a:extLst>
           </p:cNvPr>
@@ -4816,7 +4404,7 @@
           <a:p>
             <a:r>
               <a:rPr lang="en-GB" dirty="0"/>
-              <a:t>CT (Extras)</a:t>
+              <a:t>Unit testing</a:t>
             </a:r>
           </a:p>
         </p:txBody>
@@ -4826,7 +4414,7 @@
           <p:cNvPr id="3" name="Content Placeholder 2">
             <a:extLst>
               <a:ext uri="{FF2B5EF4-FFF2-40B4-BE49-F238E27FC236}">
-                <a16:creationId xmlns:a16="http://schemas.microsoft.com/office/drawing/2014/main" id="{B4423546-A7E9-D0C0-C3F6-1997391AD7C0}"/>
+                <a16:creationId xmlns:a16="http://schemas.microsoft.com/office/drawing/2014/main" id="{863CE142-1366-CF7C-3229-8616CF38F173}"/>
               </a:ext>
             </a:extLst>
           </p:cNvPr>
@@ -4851,23 +4439,159 @@
           <a:p>
             <a:r>
               <a:rPr lang="en-GB" dirty="0"/>
-              <a:t>Error analysis + Logging</a:t>
-            </a:r>
-          </a:p>
-          <a:p>
+              <a:t>Objective: Get the smallest possible unit of your code, and ensure that those units (e.g. functions, methods) work. Can proceed on to integration testing where the units interact with one another</a:t>
+            </a:r>
+          </a:p>
+          <a:p>
+            <a:pPr lvl="1"/>
+            <a:r>
+              <a:rPr lang="en-GB" dirty="0"/>
+              <a:t>Can be split into </a:t>
+            </a:r>
             <a:r>
               <a:rPr lang="en-GB" dirty="0" err="1"/>
-              <a:t>BentoML</a:t>
+              <a:t>MLOps</a:t>
             </a:r>
             <a:r>
               <a:rPr lang="en-GB" dirty="0"/>
-              <a:t> for batched inference/serving</a:t>
-            </a:r>
-          </a:p>
-          <a:p>
-            <a:endParaRPr lang="en-GB" dirty="0"/>
-          </a:p>
-          <a:p>
+              <a:t> segments. Each segment have diff considerations</a:t>
+            </a:r>
+          </a:p>
+          <a:p>
+            <a:pPr lvl="2"/>
+            <a:r>
+              <a:rPr lang="en-SG" b="0" i="0" u="none" strike="noStrike" dirty="0">
+                <a:solidFill>
+                  <a:srgbClr val="333D42"/>
+                </a:solidFill>
+                <a:effectLst/>
+                <a:highlight>
+                  <a:srgbClr val="FFFFFF"/>
+                </a:highlight>
+                <a:latin typeface="-apple-system"/>
+              </a:rPr>
+              <a:t>Data Engineering</a:t>
+            </a:r>
+            <a:r>
+              <a:rPr lang="en-GB" b="0" i="0" u="none" strike="noStrike" dirty="0">
+                <a:solidFill>
+                  <a:srgbClr val="333D42"/>
+                </a:solidFill>
+                <a:effectLst/>
+                <a:highlight>
+                  <a:srgbClr val="FFFFFF"/>
+                </a:highlight>
+                <a:latin typeface="-apple-system"/>
+              </a:rPr>
+              <a:t>: hardcode an input to pass into this function and leverage </a:t>
+            </a:r>
+            <a:r>
+              <a:rPr lang="en-GB" b="0" i="0" u="none" strike="noStrike" dirty="0" err="1">
+                <a:solidFill>
+                  <a:srgbClr val="333D42"/>
+                </a:solidFill>
+                <a:effectLst/>
+                <a:highlight>
+                  <a:srgbClr val="FFFFFF"/>
+                </a:highlight>
+                <a:latin typeface="-apple-system"/>
+              </a:rPr>
+              <a:t>Pytest</a:t>
+            </a:r>
+            <a:r>
+              <a:rPr lang="en-GB" b="0" i="0" u="none" strike="noStrike" dirty="0">
+                <a:solidFill>
+                  <a:srgbClr val="333D42"/>
+                </a:solidFill>
+                <a:effectLst/>
+                <a:highlight>
+                  <a:srgbClr val="FFFFFF"/>
+                </a:highlight>
+                <a:latin typeface="-apple-system"/>
+              </a:rPr>
+              <a:t>/</a:t>
+            </a:r>
+            <a:r>
+              <a:rPr lang="en-GB" b="0" i="0" u="none" strike="noStrike" dirty="0" err="1">
+                <a:solidFill>
+                  <a:srgbClr val="333D42"/>
+                </a:solidFill>
+                <a:effectLst/>
+                <a:highlight>
+                  <a:srgbClr val="FFFFFF"/>
+                </a:highlight>
+                <a:latin typeface="-apple-system"/>
+              </a:rPr>
+              <a:t>unittest</a:t>
+            </a:r>
+            <a:r>
+              <a:rPr lang="en-GB" b="0" i="0" u="none" strike="noStrike" dirty="0">
+                <a:solidFill>
+                  <a:srgbClr val="333D42"/>
+                </a:solidFill>
+                <a:effectLst/>
+                <a:highlight>
+                  <a:srgbClr val="FFFFFF"/>
+                </a:highlight>
+                <a:latin typeface="-apple-system"/>
+              </a:rPr>
+              <a:t> to check for the exact output. Check handling of</a:t>
+            </a:r>
+            <a:r>
+              <a:rPr lang="en-SG" b="0" i="0" u="none" strike="noStrike" dirty="0">
+                <a:solidFill>
+                  <a:srgbClr val="333D42"/>
+                </a:solidFill>
+                <a:effectLst/>
+                <a:highlight>
+                  <a:srgbClr val="FFFFFF"/>
+                </a:highlight>
+                <a:latin typeface="-apple-system"/>
+              </a:rPr>
+              <a:t> edge cases</a:t>
+            </a:r>
+            <a:endParaRPr lang="en-GB" b="0" i="0" u="none" strike="noStrike" dirty="0">
+              <a:solidFill>
+                <a:srgbClr val="333D42"/>
+              </a:solidFill>
+              <a:effectLst/>
+              <a:highlight>
+                <a:srgbClr val="FFFFFF"/>
+              </a:highlight>
+              <a:latin typeface="-apple-system"/>
+            </a:endParaRPr>
+          </a:p>
+          <a:p>
+            <a:pPr lvl="2"/>
+            <a:r>
+              <a:rPr lang="en-SG" b="0" i="0" u="none" strike="noStrike" dirty="0">
+                <a:solidFill>
+                  <a:srgbClr val="333D42"/>
+                </a:solidFill>
+                <a:effectLst/>
+                <a:highlight>
+                  <a:srgbClr val="FFFFFF"/>
+                </a:highlight>
+                <a:latin typeface="-apple-system"/>
+              </a:rPr>
+              <a:t>??Model Training: check for successful predictions on training data to a degree of accuracy based on your evaluation metric</a:t>
+            </a:r>
+          </a:p>
+          <a:p>
+            <a:pPr lvl="2"/>
+            <a:r>
+              <a:rPr lang="en-SG" b="0" i="0" u="none" strike="noStrike" dirty="0">
+                <a:solidFill>
+                  <a:srgbClr val="333D42"/>
+                </a:solidFill>
+                <a:effectLst/>
+                <a:highlight>
+                  <a:srgbClr val="FFFFFF"/>
+                </a:highlight>
+                <a:latin typeface="-apple-system"/>
+              </a:rPr>
+              <a:t>[D] Model Serving: Combination of the 2 above + ensure that frontend works</a:t>
+            </a:r>
             <a:endParaRPr lang="en-GB" dirty="0"/>
           </a:p>
         </p:txBody>
@@ -4875,7 +4599,7 @@
     </p:spTree>
     <p:extLst>
       <p:ext uri="{BB962C8B-B14F-4D97-AF65-F5344CB8AC3E}">
-        <p14:creationId xmlns:p14="http://schemas.microsoft.com/office/powerpoint/2010/main" val="1577909886"/>
+        <p14:creationId xmlns:p14="http://schemas.microsoft.com/office/powerpoint/2010/main" val="4237085510"/>
       </p:ext>
     </p:extLst>
   </p:cSld>
@@ -4907,7 +4631,7 @@
           <p:cNvPr id="2" name="Title 1">
             <a:extLst>
               <a:ext uri="{FF2B5EF4-FFF2-40B4-BE49-F238E27FC236}">
-                <a16:creationId xmlns:a16="http://schemas.microsoft.com/office/drawing/2014/main" id="{937C3745-3ED5-B341-514E-449E9EBB7B0F}"/>
+                <a16:creationId xmlns:a16="http://schemas.microsoft.com/office/drawing/2014/main" id="{545CD8A3-F67B-F152-6859-710A8C8A5902}"/>
               </a:ext>
             </a:extLst>
           </p:cNvPr>
@@ -4923,7 +4647,10 @@
           <a:bodyPr/>
           <a:lstStyle/>
           <a:p>
-            <a:endParaRPr lang="en-GB"/>
+            <a:r>
+              <a:rPr lang="en-GB" dirty="0"/>
+              <a:t>Testing to do</a:t>
+            </a:r>
           </a:p>
         </p:txBody>
       </p:sp>
@@ -4932,7 +4659,7 @@
           <p:cNvPr id="3" name="Content Placeholder 2">
             <a:extLst>
               <a:ext uri="{FF2B5EF4-FFF2-40B4-BE49-F238E27FC236}">
-                <a16:creationId xmlns:a16="http://schemas.microsoft.com/office/drawing/2014/main" id="{A529D087-0E66-EE94-16A4-36EE05BA482A}"/>
+                <a16:creationId xmlns:a16="http://schemas.microsoft.com/office/drawing/2014/main" id="{16DFF41D-AF3F-48E8-56D7-177693E7B63F}"/>
               </a:ext>
             </a:extLst>
           </p:cNvPr>
@@ -4945,47 +4672,91 @@
         </p:nvSpPr>
         <p:spPr/>
         <p:txBody>
-          <a:bodyPr/>
-          <a:lstStyle/>
-          <a:p>
-            <a:endParaRPr lang="en-GB"/>
-          </a:p>
-        </p:txBody>
-      </p:sp>
-      <p:pic>
-        <p:nvPicPr>
-          <p:cNvPr id="4" name="Picture 3">
-            <a:extLst>
-              <a:ext uri="{FF2B5EF4-FFF2-40B4-BE49-F238E27FC236}">
-                <a16:creationId xmlns:a16="http://schemas.microsoft.com/office/drawing/2014/main" id="{D218059D-CF53-BEF7-4E93-22C3723FEAE6}"/>
-              </a:ext>
-            </a:extLst>
-          </p:cNvPr>
-          <p:cNvPicPr>
-            <a:picLocks noChangeAspect="1"/>
-          </p:cNvPicPr>
-          <p:nvPr/>
-        </p:nvPicPr>
-        <p:blipFill>
-          <a:blip r:embed="rId2"/>
-          <a:stretch>
-            <a:fillRect/>
-          </a:stretch>
-        </p:blipFill>
-        <p:spPr>
-          <a:xfrm>
-            <a:off x="2209800" y="2311400"/>
-            <a:ext cx="7772400" cy="2235200"/>
-          </a:xfrm>
-          <a:prstGeom prst="rect">
-            <a:avLst/>
-          </a:prstGeom>
-        </p:spPr>
-      </p:pic>
+          <a:bodyPr>
+            <a:normAutofit/>
+          </a:bodyPr>
+          <a:lstStyle/>
+          <a:p>
+            <a:r>
+              <a:rPr lang="en-GB" dirty="0"/>
+              <a:t>Code</a:t>
+            </a:r>
+          </a:p>
+          <a:p>
+            <a:pPr lvl="1"/>
+            <a:r>
+              <a:rPr lang="en-GB" dirty="0"/>
+              <a:t>App</a:t>
+            </a:r>
+          </a:p>
+          <a:p>
+            <a:pPr lvl="2"/>
+            <a:r>
+              <a:rPr lang="en-GB" dirty="0"/>
+              <a:t>Docker containers</a:t>
+            </a:r>
+          </a:p>
+          <a:p>
+            <a:pPr lvl="2"/>
+            <a:r>
+              <a:rPr lang="en-GB" dirty="0"/>
+              <a:t>Code itself</a:t>
+            </a:r>
+          </a:p>
+          <a:p>
+            <a:pPr lvl="1"/>
+            <a:r>
+              <a:rPr lang="en-GB" dirty="0"/>
+              <a:t>ML scripts</a:t>
+            </a:r>
+          </a:p>
+          <a:p>
+            <a:pPr lvl="1"/>
+            <a:r>
+              <a:rPr lang="en-GB" dirty="0"/>
+              <a:t>Data processing code</a:t>
+            </a:r>
+          </a:p>
+          <a:p>
+            <a:pPr lvl="2"/>
+            <a:r>
+              <a:rPr lang="en-GB" dirty="0"/>
+              <a:t>Data</a:t>
+            </a:r>
+          </a:p>
+          <a:p>
+            <a:pPr lvl="2"/>
+            <a:r>
+              <a:rPr lang="en-GB" dirty="0"/>
+              <a:t>AWS components</a:t>
+            </a:r>
+          </a:p>
+          <a:p>
+            <a:r>
+              <a:rPr lang="en-GB" dirty="0"/>
+              <a:t>Model</a:t>
+            </a:r>
+          </a:p>
+          <a:p>
+            <a:pPr lvl="1"/>
+            <a:r>
+              <a:rPr lang="en-GB" dirty="0"/>
+              <a:t>Can make prediction</a:t>
+            </a:r>
+          </a:p>
+          <a:p>
+            <a:pPr lvl="1"/>
+            <a:r>
+              <a:rPr lang="en-GB" dirty="0"/>
+              <a:t>Prediction makes sense</a:t>
+            </a:r>
+          </a:p>
+        </p:txBody>
+      </p:sp>
     </p:spTree>
     <p:extLst>
       <p:ext uri="{BB962C8B-B14F-4D97-AF65-F5344CB8AC3E}">
-        <p14:creationId xmlns:p14="http://schemas.microsoft.com/office/powerpoint/2010/main" val="3270788167"/>
+        <p14:creationId xmlns:p14="http://schemas.microsoft.com/office/powerpoint/2010/main" val="267414957"/>
       </p:ext>
     </p:extLst>
   </p:cSld>
@@ -5017,6 +4788,116 @@
           <p:cNvPr id="2" name="Title 1">
             <a:extLst>
               <a:ext uri="{FF2B5EF4-FFF2-40B4-BE49-F238E27FC236}">
+                <a16:creationId xmlns:a16="http://schemas.microsoft.com/office/drawing/2014/main" id="{937C3745-3ED5-B341-514E-449E9EBB7B0F}"/>
+              </a:ext>
+            </a:extLst>
+          </p:cNvPr>
+          <p:cNvSpPr>
+            <a:spLocks noGrp="1"/>
+          </p:cNvSpPr>
+          <p:nvPr>
+            <p:ph type="title"/>
+          </p:nvPr>
+        </p:nvSpPr>
+        <p:spPr/>
+        <p:txBody>
+          <a:bodyPr/>
+          <a:lstStyle/>
+          <a:p>
+            <a:endParaRPr lang="en-GB"/>
+          </a:p>
+        </p:txBody>
+      </p:sp>
+      <p:sp>
+        <p:nvSpPr>
+          <p:cNvPr id="3" name="Content Placeholder 2">
+            <a:extLst>
+              <a:ext uri="{FF2B5EF4-FFF2-40B4-BE49-F238E27FC236}">
+                <a16:creationId xmlns:a16="http://schemas.microsoft.com/office/drawing/2014/main" id="{A529D087-0E66-EE94-16A4-36EE05BA482A}"/>
+              </a:ext>
+            </a:extLst>
+          </p:cNvPr>
+          <p:cNvSpPr>
+            <a:spLocks noGrp="1"/>
+          </p:cNvSpPr>
+          <p:nvPr>
+            <p:ph idx="1"/>
+          </p:nvPr>
+        </p:nvSpPr>
+        <p:spPr/>
+        <p:txBody>
+          <a:bodyPr/>
+          <a:lstStyle/>
+          <a:p>
+            <a:endParaRPr lang="en-GB"/>
+          </a:p>
+        </p:txBody>
+      </p:sp>
+      <p:pic>
+        <p:nvPicPr>
+          <p:cNvPr id="4" name="Picture 3">
+            <a:extLst>
+              <a:ext uri="{FF2B5EF4-FFF2-40B4-BE49-F238E27FC236}">
+                <a16:creationId xmlns:a16="http://schemas.microsoft.com/office/drawing/2014/main" id="{D218059D-CF53-BEF7-4E93-22C3723FEAE6}"/>
+              </a:ext>
+            </a:extLst>
+          </p:cNvPr>
+          <p:cNvPicPr>
+            <a:picLocks noChangeAspect="1"/>
+          </p:cNvPicPr>
+          <p:nvPr/>
+        </p:nvPicPr>
+        <p:blipFill>
+          <a:blip r:embed="rId2"/>
+          <a:stretch>
+            <a:fillRect/>
+          </a:stretch>
+        </p:blipFill>
+        <p:spPr>
+          <a:xfrm>
+            <a:off x="2209800" y="2311400"/>
+            <a:ext cx="7772400" cy="2235200"/>
+          </a:xfrm>
+          <a:prstGeom prst="rect">
+            <a:avLst/>
+          </a:prstGeom>
+        </p:spPr>
+      </p:pic>
+    </p:spTree>
+    <p:extLst>
+      <p:ext uri="{BB962C8B-B14F-4D97-AF65-F5344CB8AC3E}">
+        <p14:creationId xmlns:p14="http://schemas.microsoft.com/office/powerpoint/2010/main" val="3270788167"/>
+      </p:ext>
+    </p:extLst>
+  </p:cSld>
+  <p:clrMapOvr>
+    <a:masterClrMapping/>
+  </p:clrMapOvr>
+</p:sld>
+</file>
+
+<file path=ppt/slides/slide15.xml><?xml version="1.0" encoding="utf-8"?>
+<p:sld xmlns:a="http://schemas.openxmlformats.org/drawingml/2006/main" xmlns:r="http://schemas.openxmlformats.org/officeDocument/2006/relationships" xmlns:p="http://schemas.openxmlformats.org/presentationml/2006/main">
+  <p:cSld>
+    <p:spTree>
+      <p:nvGrpSpPr>
+        <p:cNvPr id="1" name=""/>
+        <p:cNvGrpSpPr/>
+        <p:nvPr/>
+      </p:nvGrpSpPr>
+      <p:grpSpPr>
+        <a:xfrm>
+          <a:off x="0" y="0"/>
+          <a:ext cx="0" cy="0"/>
+          <a:chOff x="0" y="0"/>
+          <a:chExt cx="0" cy="0"/>
+        </a:xfrm>
+      </p:grpSpPr>
+      <p:sp>
+        <p:nvSpPr>
+          <p:cNvPr id="2" name="Title 1">
+            <a:extLst>
+              <a:ext uri="{FF2B5EF4-FFF2-40B4-BE49-F238E27FC236}">
                 <a16:creationId xmlns:a16="http://schemas.microsoft.com/office/drawing/2014/main" id="{0CB8E99E-2237-9A17-529F-93481248424B}"/>
               </a:ext>
             </a:extLst>
@@ -5128,7 +5009,7 @@
 </p:sld>
 </file>
 
-<file path=ppt/slides/slide15.xml><?xml version="1.0" encoding="utf-8"?>
+<file path=ppt/slides/slide16.xml><?xml version="1.0" encoding="utf-8"?>
 <p:sld xmlns:a="http://schemas.openxmlformats.org/drawingml/2006/main" xmlns:r="http://schemas.openxmlformats.org/officeDocument/2006/relationships" xmlns:p="http://schemas.openxmlformats.org/presentationml/2006/main">
   <p:cSld>
     <p:spTree>
@@ -8480,7 +8361,7 @@
               <a:lumOff val="75000"/>
             </a:schemeClr>
           </a:solidFill>
-          <a:ln>
+          <a:ln w="38100">
             <a:solidFill>
               <a:schemeClr val="tx1"/>
             </a:solidFill>
@@ -8560,7 +8441,7 @@
               <a:lumOff val="75000"/>
             </a:schemeClr>
           </a:solidFill>
-          <a:ln>
+          <a:ln w="38100">
             <a:solidFill>
               <a:srgbClr val="FF0000"/>
             </a:solidFill>
@@ -8624,7 +8505,7 @@
               <a:lumOff val="75000"/>
             </a:schemeClr>
           </a:solidFill>
-          <a:ln>
+          <a:ln w="38100">
             <a:solidFill>
               <a:schemeClr val="tx2"/>
             </a:solidFill>
@@ -8686,7 +8567,7 @@
           <a:prstGeom prst="straightConnector1">
             <a:avLst/>
           </a:prstGeom>
-          <a:ln>
+          <a:ln w="19050">
             <a:tailEnd type="triangle"/>
           </a:ln>
         </p:spPr>
@@ -8729,7 +8610,7 @@
           <a:prstGeom prst="straightConnector1">
             <a:avLst/>
           </a:prstGeom>
-          <a:ln>
+          <a:ln w="38100">
             <a:tailEnd type="triangle"/>
           </a:ln>
         </p:spPr>
@@ -8772,7 +8653,7 @@
           <a:prstGeom prst="straightConnector1">
             <a:avLst/>
           </a:prstGeom>
-          <a:ln>
+          <a:ln w="19050">
             <a:tailEnd type="triangle"/>
           </a:ln>
         </p:spPr>
@@ -8815,7 +8696,7 @@
           <a:prstGeom prst="straightConnector1">
             <a:avLst/>
           </a:prstGeom>
-          <a:ln>
+          <a:ln w="38100">
             <a:tailEnd type="triangle"/>
           </a:ln>
         </p:spPr>
@@ -8860,8 +8741,10 @@
               <a:lumOff val="75000"/>
             </a:schemeClr>
           </a:solidFill>
-          <a:ln>
-            <a:noFill/>
+          <a:ln w="38100">
+            <a:solidFill>
+              <a:srgbClr val="FF0000"/>
+            </a:solidFill>
           </a:ln>
         </p:spPr>
         <p:style>
@@ -8938,7 +8821,7 @@
               <a:lumOff val="75000"/>
             </a:schemeClr>
           </a:solidFill>
-          <a:ln>
+          <a:ln w="38100">
             <a:solidFill>
               <a:schemeClr val="tx2"/>
             </a:solidFill>
@@ -9016,7 +8899,7 @@
           <a:prstGeom prst="straightConnector1">
             <a:avLst/>
           </a:prstGeom>
-          <a:ln>
+          <a:ln w="38100">
             <a:tailEnd type="triangle"/>
           </a:ln>
         </p:spPr>
@@ -9061,8 +8944,10 @@
               <a:lumOff val="75000"/>
             </a:schemeClr>
           </a:solidFill>
-          <a:ln>
-            <a:noFill/>
+          <a:ln w="38100">
+            <a:solidFill>
+              <a:schemeClr val="accent1"/>
+            </a:solidFill>
           </a:ln>
         </p:spPr>
         <p:style>
@@ -9123,7 +9008,7 @@
               <a:lumOff val="75000"/>
             </a:schemeClr>
           </a:solidFill>
-          <a:ln>
+          <a:ln w="38100">
             <a:solidFill>
               <a:schemeClr val="tx1"/>
             </a:solidFill>
@@ -9185,7 +9070,7 @@
           <a:prstGeom prst="straightConnector1">
             <a:avLst/>
           </a:prstGeom>
-          <a:ln>
+          <a:ln w="19050">
             <a:tailEnd type="triangle"/>
           </a:ln>
         </p:spPr>
@@ -9239,7 +9124,7 @@
           <p:cNvPr id="2" name="Title 1">
             <a:extLst>
               <a:ext uri="{FF2B5EF4-FFF2-40B4-BE49-F238E27FC236}">
-                <a16:creationId xmlns:a16="http://schemas.microsoft.com/office/drawing/2014/main" id="{E2F977AF-15E1-2268-873D-1E5AE0F60B5D}"/>
+                <a16:creationId xmlns:a16="http://schemas.microsoft.com/office/drawing/2014/main" id="{AF9DBC8A-43C7-4CED-1A5A-9AB285827153}"/>
               </a:ext>
             </a:extLst>
           </p:cNvPr>
@@ -9257,7 +9142,7 @@
           <a:p>
             <a:r>
               <a:rPr lang="en-GB" dirty="0"/>
-              <a:t>CI</a:t>
+              <a:t>TODO</a:t>
             </a:r>
           </a:p>
         </p:txBody>
@@ -9267,7 +9152,7 @@
           <p:cNvPr id="3" name="Content Placeholder 2">
             <a:extLst>
               <a:ext uri="{FF2B5EF4-FFF2-40B4-BE49-F238E27FC236}">
-                <a16:creationId xmlns:a16="http://schemas.microsoft.com/office/drawing/2014/main" id="{3548B6C1-087A-2338-16C8-1F30B0A7EDEC}"/>
+                <a16:creationId xmlns:a16="http://schemas.microsoft.com/office/drawing/2014/main" id="{75AE5FEA-050D-AE53-B7C2-AA771027014E}"/>
               </a:ext>
             </a:extLst>
           </p:cNvPr>
@@ -9280,42 +9165,198 @@
         </p:nvSpPr>
         <p:spPr>
           <a:xfrm>
-            <a:off x="838200" y="1460500"/>
-            <a:ext cx="10515600" cy="5397500"/>
+            <a:off x="838200" y="1690688"/>
+            <a:ext cx="10515600" cy="5167312"/>
           </a:xfrm>
         </p:spPr>
         <p:txBody>
           <a:bodyPr>
-            <a:normAutofit/>
+            <a:normAutofit fontScale="85000" lnSpcReduction="20000"/>
           </a:bodyPr>
           <a:lstStyle/>
           <a:p>
             <a:r>
+              <a:rPr lang="en-GB" strike="sngStrike" dirty="0"/>
+              <a:t>Pull </a:t>
+            </a:r>
+            <a:r>
+              <a:rPr lang="en-GB" strike="sngStrike" dirty="0" err="1"/>
+              <a:t>ct</a:t>
+            </a:r>
+            <a:r>
+              <a:rPr lang="en-GB" strike="sngStrike" dirty="0"/>
+              <a:t> to main. Just work on main from there</a:t>
+            </a:r>
+          </a:p>
+          <a:p>
+            <a:r>
+              <a:rPr lang="en-GB" strike="sngStrike" dirty="0"/>
+              <a:t>Automate both the CV and Final modelling on cloud (AWS Lambda, </a:t>
+            </a:r>
+            <a:r>
+              <a:rPr lang="en-GB" strike="sngStrike" dirty="0" err="1"/>
+              <a:t>github</a:t>
+            </a:r>
+            <a:r>
+              <a:rPr lang="en-GB" strike="sngStrike" dirty="0"/>
+              <a:t> actions, whatever). Importantly, give scores + </a:t>
+            </a:r>
+            <a:r>
+              <a:rPr lang="en-GB" strike="sngStrike" dirty="0" err="1"/>
+              <a:t>iTry</a:t>
+            </a:r>
+            <a:r>
+              <a:rPr lang="en-GB" strike="sngStrike" dirty="0"/>
+              <a:t> to merge with </a:t>
+            </a:r>
+            <a:r>
+              <a:rPr lang="en-GB" strike="sngStrike" dirty="0" err="1"/>
+              <a:t>MLFlow</a:t>
+            </a:r>
+            <a:r>
+              <a:rPr lang="en-GB" strike="sngStrike" dirty="0"/>
+              <a:t> if can, otherwise just do reporting separately. Important charts. </a:t>
+            </a:r>
+            <a:r>
+              <a:rPr lang="en-GB" strike="sngStrike" dirty="0" err="1"/>
+              <a:t>Rmb</a:t>
+            </a:r>
+            <a:r>
+              <a:rPr lang="en-GB" strike="sngStrike" dirty="0"/>
+              <a:t> to ensure S3 storing model has version tracking on</a:t>
+            </a:r>
+          </a:p>
+          <a:p>
+            <a:r>
+              <a:rPr lang="en-GB" strike="sngStrike" dirty="0"/>
+              <a:t>Ensure </a:t>
+            </a:r>
+            <a:r>
+              <a:rPr lang="en-GB" strike="sngStrike" dirty="0" err="1"/>
+              <a:t>FastAPI</a:t>
+            </a:r>
+            <a:r>
+              <a:rPr lang="en-GB" strike="sngStrike" dirty="0"/>
+              <a:t> app can read best model from S3: </a:t>
+            </a:r>
+          </a:p>
+          <a:p>
+            <a:pPr lvl="1"/>
+            <a:r>
+              <a:rPr lang="en-GB" strike="sngStrike" dirty="0">
+                <a:sym typeface="Wingdings" pitchFamily="2" charset="2"/>
+              </a:rPr>
+              <a:t>https://</a:t>
+            </a:r>
+            <a:r>
+              <a:rPr lang="en-GB" strike="sngStrike" dirty="0" err="1">
+                <a:sym typeface="Wingdings" pitchFamily="2" charset="2"/>
+              </a:rPr>
+              <a:t>devopscube.com</a:t>
+            </a:r>
+            <a:r>
+              <a:rPr lang="en-GB" strike="sngStrike" dirty="0">
+                <a:sym typeface="Wingdings" pitchFamily="2" charset="2"/>
+              </a:rPr>
+              <a:t>/</a:t>
+            </a:r>
+            <a:r>
+              <a:rPr lang="en-GB" strike="sngStrike" dirty="0" err="1">
+                <a:sym typeface="Wingdings" pitchFamily="2" charset="2"/>
+              </a:rPr>
+              <a:t>github</a:t>
+            </a:r>
+            <a:r>
+              <a:rPr lang="en-GB" strike="sngStrike" dirty="0">
+                <a:sym typeface="Wingdings" pitchFamily="2" charset="2"/>
+              </a:rPr>
+              <a:t>-actions-</a:t>
+            </a:r>
+            <a:r>
+              <a:rPr lang="en-GB" strike="sngStrike" dirty="0" err="1">
+                <a:sym typeface="Wingdings" pitchFamily="2" charset="2"/>
+              </a:rPr>
+              <a:t>oidc</a:t>
+            </a:r>
+            <a:r>
+              <a:rPr lang="en-GB" strike="sngStrike" dirty="0">
+                <a:sym typeface="Wingdings" pitchFamily="2" charset="2"/>
+              </a:rPr>
+              <a:t>-</a:t>
+            </a:r>
+            <a:r>
+              <a:rPr lang="en-GB" strike="sngStrike" dirty="0" err="1">
+                <a:sym typeface="Wingdings" pitchFamily="2" charset="2"/>
+              </a:rPr>
+              <a:t>aws</a:t>
+            </a:r>
+            <a:r>
+              <a:rPr lang="en-GB" strike="sngStrike" dirty="0">
+                <a:sym typeface="Wingdings" pitchFamily="2" charset="2"/>
+              </a:rPr>
+              <a:t>/</a:t>
+            </a:r>
+          </a:p>
+          <a:p>
+            <a:r>
+              <a:rPr lang="en-GB" strike="sngStrike" dirty="0">
+                <a:sym typeface="Wingdings" pitchFamily="2" charset="2"/>
+              </a:rPr>
+              <a:t>Automate AWS Lambda updates (e.g. data cleaning) using AWS CLI/</a:t>
+            </a:r>
+            <a:r>
+              <a:rPr lang="en-GB" strike="sngStrike" dirty="0" err="1">
+                <a:sym typeface="Wingdings" pitchFamily="2" charset="2"/>
+              </a:rPr>
+              <a:t>github</a:t>
+            </a:r>
+            <a:r>
+              <a:rPr lang="en-GB" strike="sngStrike" dirty="0">
+                <a:sym typeface="Wingdings" pitchFamily="2" charset="2"/>
+              </a:rPr>
+              <a:t> actions so that don’t have to keep copy and pasting</a:t>
+            </a:r>
+          </a:p>
+          <a:p>
+            <a:r>
               <a:rPr lang="en-GB" dirty="0"/>
-              <a:t>Objective: Whenever want to update file on GitHub, to use a template for a sequence of events, which takes into account testing, and also reporting of the results of the push. </a:t>
-            </a:r>
-          </a:p>
-          <a:p>
-            <a:r>
-              <a:rPr lang="en-GB" dirty="0" err="1"/>
-              <a:t>Makefile</a:t>
-            </a:r>
+              <a:t>Retraining champion model</a:t>
+            </a:r>
+            <a:endParaRPr lang="en-GB" dirty="0">
+              <a:sym typeface="Wingdings" pitchFamily="2" charset="2"/>
+            </a:endParaRPr>
+          </a:p>
+          <a:p>
+            <a:r>
+              <a:rPr lang="en-GB" dirty="0">
+                <a:sym typeface="Wingdings" pitchFamily="2" charset="2"/>
+              </a:rPr>
+              <a:t>Download new data filtered by date, process and then append to existing feature store</a:t>
+            </a:r>
+            <a:endParaRPr lang="en-GB" dirty="0"/>
+          </a:p>
+          <a:p>
             <a:r>
               <a:rPr lang="en-GB" dirty="0"/>
-              <a:t> is the recipe, while the YAML file is the skeleton while pulls from the recipe + decides the environment variables which is fed into the recipe</a:t>
-            </a:r>
-          </a:p>
-          <a:p>
-            <a:endParaRPr lang="en-GB" dirty="0"/>
-          </a:p>
-          <a:p>
-            <a:r>
-              <a:rPr lang="en-GB" b="1" dirty="0"/>
-              <a:t>Implemented for</a:t>
-            </a:r>
-            <a:r>
-              <a:rPr lang="en-GB" dirty="0"/>
-              <a:t>: Model prediction, app deployment, deploying AWS Lambda functions</a:t>
+              <a:t>Code robustness: Work on unit testing </a:t>
+            </a:r>
+            <a:r>
+              <a:rPr lang="en-GB" dirty="0">
+                <a:sym typeface="Wingdings" pitchFamily="2" charset="2"/>
+              </a:rPr>
+              <a:t> Data + others. Robust tests. Practice one unit test per PR. Think about when to use try-except statements (get </a:t>
+            </a:r>
+            <a:r>
+              <a:rPr lang="en-GB" dirty="0" err="1">
+                <a:sym typeface="Wingdings" pitchFamily="2" charset="2"/>
+              </a:rPr>
+              <a:t>chatgpt</a:t>
+            </a:r>
+            <a:r>
+              <a:rPr lang="en-GB" dirty="0">
+                <a:sym typeface="Wingdings" pitchFamily="2" charset="2"/>
+              </a:rPr>
+              <a:t> to suggest). Perform checks while script is running as well, on top of the unit tests</a:t>
             </a:r>
           </a:p>
         </p:txBody>
@@ -9323,7 +9364,7 @@
     </p:spTree>
     <p:extLst>
       <p:ext uri="{BB962C8B-B14F-4D97-AF65-F5344CB8AC3E}">
-        <p14:creationId xmlns:p14="http://schemas.microsoft.com/office/powerpoint/2010/main" val="2062299650"/>
+        <p14:creationId xmlns:p14="http://schemas.microsoft.com/office/powerpoint/2010/main" val="1044767826"/>
       </p:ext>
     </p:extLst>
   </p:cSld>
@@ -9355,7 +9396,7 @@
           <p:cNvPr id="2" name="Title 1">
             <a:extLst>
               <a:ext uri="{FF2B5EF4-FFF2-40B4-BE49-F238E27FC236}">
-                <a16:creationId xmlns:a16="http://schemas.microsoft.com/office/drawing/2014/main" id="{9FEE4046-886D-9760-43E3-091562716F37}"/>
+                <a16:creationId xmlns:a16="http://schemas.microsoft.com/office/drawing/2014/main" id="{AF9DBC8A-43C7-4CED-1A5A-9AB285827153}"/>
               </a:ext>
             </a:extLst>
           </p:cNvPr>
@@ -9373,7 +9414,7 @@
           <a:p>
             <a:r>
               <a:rPr lang="en-GB" dirty="0"/>
-              <a:t>Unit testing</a:t>
+              <a:t>TODO - Extras</a:t>
             </a:r>
           </a:p>
         </p:txBody>
@@ -9383,7 +9424,7 @@
           <p:cNvPr id="3" name="Content Placeholder 2">
             <a:extLst>
               <a:ext uri="{FF2B5EF4-FFF2-40B4-BE49-F238E27FC236}">
-                <a16:creationId xmlns:a16="http://schemas.microsoft.com/office/drawing/2014/main" id="{863CE142-1366-CF7C-3229-8616CF38F173}"/>
+                <a16:creationId xmlns:a16="http://schemas.microsoft.com/office/drawing/2014/main" id="{75AE5FEA-050D-AE53-B7C2-AA771027014E}"/>
               </a:ext>
             </a:extLst>
           </p:cNvPr>
@@ -9396,8 +9437,8 @@
         </p:nvSpPr>
         <p:spPr>
           <a:xfrm>
-            <a:off x="838200" y="1825624"/>
-            <a:ext cx="10515600" cy="5032375"/>
+            <a:off x="838200" y="1690688"/>
+            <a:ext cx="10515600" cy="5167312"/>
           </a:xfrm>
         </p:spPr>
         <p:txBody>
@@ -9408,167 +9449,23 @@
           <a:p>
             <a:r>
               <a:rPr lang="en-GB" dirty="0"/>
-              <a:t>Objective: Get the smallest possible unit of your code, and ensure that those units (e.g. functions, methods) work. Can proceed on to integration testing where the units interact with one another</a:t>
-            </a:r>
-          </a:p>
-          <a:p>
-            <a:pPr lvl="1"/>
+              <a:t>Send </a:t>
+            </a:r>
+            <a:r>
+              <a:rPr lang="en-GB" dirty="0" err="1"/>
+              <a:t>hyperparam</a:t>
+            </a:r>
             <a:r>
               <a:rPr lang="en-GB" dirty="0"/>
-              <a:t>Can be split into </a:t>
-            </a:r>
-            <a:r>
-              <a:rPr lang="en-GB" dirty="0" err="1"/>
-              <a:t>MLOps</a:t>
-            </a:r>
-            <a:r>
-              <a:rPr lang="en-GB" dirty="0"/>
-              <a:t> segments. Each segment have diff considerations</a:t>
-            </a:r>
-          </a:p>
-          <a:p>
-            <a:pPr lvl="2"/>
-            <a:r>
-              <a:rPr lang="en-SG" b="0" i="0" u="none" strike="noStrike" dirty="0">
-                <a:solidFill>
-                  <a:srgbClr val="333D42"/>
-                </a:solidFill>
-                <a:effectLst/>
-                <a:highlight>
-                  <a:srgbClr val="FFFFFF"/>
-                </a:highlight>
-                <a:latin typeface="-apple-system"/>
-              </a:rPr>
-              <a:t>Data Engineering</a:t>
-            </a:r>
-            <a:r>
-              <a:rPr lang="en-GB" b="0" i="0" u="none" strike="noStrike" dirty="0">
-                <a:solidFill>
-                  <a:srgbClr val="333D42"/>
-                </a:solidFill>
-                <a:effectLst/>
-                <a:highlight>
-                  <a:srgbClr val="FFFFFF"/>
-                </a:highlight>
-                <a:latin typeface="-apple-system"/>
-              </a:rPr>
-              <a:t>: hardcode an input to pass into this function and leverage </a:t>
-            </a:r>
-            <a:r>
-              <a:rPr lang="en-GB" b="0" i="0" u="none" strike="noStrike" dirty="0" err="1">
-                <a:solidFill>
-                  <a:srgbClr val="333D42"/>
-                </a:solidFill>
-                <a:effectLst/>
-                <a:highlight>
-                  <a:srgbClr val="FFFFFF"/>
-                </a:highlight>
-                <a:latin typeface="-apple-system"/>
-              </a:rPr>
-              <a:t>Pytest</a:t>
-            </a:r>
-            <a:r>
-              <a:rPr lang="en-GB" b="0" i="0" u="none" strike="noStrike" dirty="0">
-                <a:solidFill>
-                  <a:srgbClr val="333D42"/>
-                </a:solidFill>
-                <a:effectLst/>
-                <a:highlight>
-                  <a:srgbClr val="FFFFFF"/>
-                </a:highlight>
-                <a:latin typeface="-apple-system"/>
-              </a:rPr>
-              <a:t>/</a:t>
-            </a:r>
-            <a:r>
-              <a:rPr lang="en-GB" b="0" i="0" u="none" strike="noStrike" dirty="0" err="1">
-                <a:solidFill>
-                  <a:srgbClr val="333D42"/>
-                </a:solidFill>
-                <a:effectLst/>
-                <a:highlight>
-                  <a:srgbClr val="FFFFFF"/>
-                </a:highlight>
-                <a:latin typeface="-apple-system"/>
-              </a:rPr>
-              <a:t>unittest</a:t>
-            </a:r>
-            <a:r>
-              <a:rPr lang="en-GB" b="0" i="0" u="none" strike="noStrike" dirty="0">
-                <a:solidFill>
-                  <a:srgbClr val="333D42"/>
-                </a:solidFill>
-                <a:effectLst/>
-                <a:highlight>
-                  <a:srgbClr val="FFFFFF"/>
-                </a:highlight>
-                <a:latin typeface="-apple-system"/>
-              </a:rPr>
-              <a:t> to check for the exact output. Check handling of</a:t>
-            </a:r>
-            <a:r>
-              <a:rPr lang="en-SG" b="0" i="0" u="none" strike="noStrike" dirty="0">
-                <a:solidFill>
-                  <a:srgbClr val="333D42"/>
-                </a:solidFill>
-                <a:effectLst/>
-                <a:highlight>
-                  <a:srgbClr val="FFFFFF"/>
-                </a:highlight>
-                <a:latin typeface="-apple-system"/>
-              </a:rPr>
-              <a:t> edge cases</a:t>
-            </a:r>
-            <a:endParaRPr lang="en-GB" b="0" i="0" u="none" strike="noStrike" dirty="0">
-              <a:solidFill>
-                <a:srgbClr val="333D42"/>
-              </a:solidFill>
-              <a:effectLst/>
-              <a:highlight>
-                <a:srgbClr val="FFFFFF"/>
-              </a:highlight>
-              <a:latin typeface="-apple-system"/>
-            </a:endParaRPr>
-          </a:p>
-          <a:p>
-            <a:pPr lvl="2"/>
-            <a:r>
-              <a:rPr lang="en-SG" b="0" i="0" u="none" strike="noStrike" dirty="0">
-                <a:solidFill>
-                  <a:srgbClr val="333D42"/>
-                </a:solidFill>
-                <a:effectLst/>
-                <a:highlight>
-                  <a:srgbClr val="FFFFFF"/>
-                </a:highlight>
-                <a:latin typeface="-apple-system"/>
-              </a:rPr>
-              <a:t>??Model Training: check for successful predictions on training data to a degree of accuracy based on your evaluation metric</a:t>
-            </a:r>
-          </a:p>
-          <a:p>
-            <a:pPr lvl="2"/>
-            <a:r>
-              <a:rPr lang="en-SG" b="0" i="0" u="none" strike="noStrike" dirty="0">
-                <a:solidFill>
-                  <a:srgbClr val="333D42"/>
-                </a:solidFill>
-                <a:effectLst/>
-                <a:highlight>
-                  <a:srgbClr val="FFFFFF"/>
-                </a:highlight>
-                <a:latin typeface="-apple-system"/>
-              </a:rPr>
-              <a:t>[D] Model Serving: Combination of the 2 above + ensure that frontend works</a:t>
-            </a:r>
-            <a:endParaRPr lang="en-GB" dirty="0"/>
+              <a:t> tuning report to Slack</a:t>
+            </a:r>
           </a:p>
         </p:txBody>
       </p:sp>
     </p:spTree>
     <p:extLst>
       <p:ext uri="{BB962C8B-B14F-4D97-AF65-F5344CB8AC3E}">
-        <p14:creationId xmlns:p14="http://schemas.microsoft.com/office/powerpoint/2010/main" val="4237085510"/>
+        <p14:creationId xmlns:p14="http://schemas.microsoft.com/office/powerpoint/2010/main" val="2450686333"/>
       </p:ext>
     </p:extLst>
   </p:cSld>
@@ -9600,7 +9497,7 @@
           <p:cNvPr id="2" name="Title 1">
             <a:extLst>
               <a:ext uri="{FF2B5EF4-FFF2-40B4-BE49-F238E27FC236}">
-                <a16:creationId xmlns:a16="http://schemas.microsoft.com/office/drawing/2014/main" id="{545CD8A3-F67B-F152-6859-710A8C8A5902}"/>
+                <a16:creationId xmlns:a16="http://schemas.microsoft.com/office/drawing/2014/main" id="{786686E8-215A-5475-0873-B4055D121F8F}"/>
               </a:ext>
             </a:extLst>
           </p:cNvPr>
@@ -9617,10 +9514,9 @@
           <a:lstStyle/>
           <a:p>
             <a:r>
-              <a:rPr lang="en-GB"/>
-              <a:t>Testing to do</a:t>
-            </a:r>
-            <a:endParaRPr lang="en-GB" dirty="0"/>
+              <a:rPr lang="en-GB" dirty="0"/>
+              <a:t>CT</a:t>
+            </a:r>
           </a:p>
         </p:txBody>
       </p:sp>
@@ -9629,7 +9525,7 @@
           <p:cNvPr id="3" name="Content Placeholder 2">
             <a:extLst>
               <a:ext uri="{FF2B5EF4-FFF2-40B4-BE49-F238E27FC236}">
-                <a16:creationId xmlns:a16="http://schemas.microsoft.com/office/drawing/2014/main" id="{16DFF41D-AF3F-48E8-56D7-177693E7B63F}"/>
+                <a16:creationId xmlns:a16="http://schemas.microsoft.com/office/drawing/2014/main" id="{B4423546-A7E9-D0C0-C3F6-1997391AD7C0}"/>
               </a:ext>
             </a:extLst>
           </p:cNvPr>
@@ -9640,7 +9536,12 @@
             <p:ph idx="1"/>
           </p:nvPr>
         </p:nvSpPr>
-        <p:spPr/>
+        <p:spPr>
+          <a:xfrm>
+            <a:off x="838200" y="1825624"/>
+            <a:ext cx="10515600" cy="5032375"/>
+          </a:xfrm>
+        </p:spPr>
         <p:txBody>
           <a:bodyPr>
             <a:normAutofit/>
@@ -9649,76 +9550,498 @@
           <a:p>
             <a:r>
               <a:rPr lang="en-GB" dirty="0"/>
-              <a:t>Code</a:t>
+              <a:t>Retraining based on time/data ingestion @ X time unit</a:t>
             </a:r>
           </a:p>
           <a:p>
             <a:pPr lvl="1"/>
             <a:r>
+              <a:rPr lang="en-GB" b="1" dirty="0"/>
+              <a:t>Objective: Let model capture new trends in data, refresh model with same hyperparameters</a:t>
+            </a:r>
+          </a:p>
+          <a:p>
+            <a:pPr lvl="1"/>
+            <a:r>
               <a:rPr lang="en-GB" dirty="0"/>
-              <a:t>App</a:t>
+              <a:t>Separate script which uses the same hyperparameters from experimentation (</a:t>
+            </a:r>
+            <a:r>
+              <a:rPr lang="en-GB" dirty="0" err="1"/>
+              <a:t>Github</a:t>
+            </a:r>
+            <a:r>
+              <a:rPr lang="en-GB" dirty="0"/>
+              <a:t> actions), but does the comparison and retraining on AWS Lambda </a:t>
+            </a:r>
+          </a:p>
+          <a:p>
+            <a:pPr lvl="1"/>
+            <a:r>
+              <a:rPr lang="en-GB" dirty="0"/>
+              <a:t>Train-</a:t>
+            </a:r>
+            <a:r>
+              <a:rPr lang="en-GB" dirty="0" err="1"/>
+              <a:t>valudate</a:t>
+            </a:r>
+            <a:endParaRPr lang="en-GB" dirty="0"/>
+          </a:p>
+          <a:p>
+            <a:pPr lvl="1"/>
+            <a:r>
+              <a:rPr lang="en-GB" dirty="0"/>
+              <a:t>Implement A/B testing afterwards to check if there is indeed and improvement over the old model. Do not deploy if performance drops</a:t>
             </a:r>
           </a:p>
           <a:p>
             <a:pPr lvl="2"/>
             <a:r>
               <a:rPr lang="en-GB" dirty="0"/>
-              <a:t>Docker containers</a:t>
+              <a:t>Still necessary to compare 5 fold CV in addition to test set?</a:t>
             </a:r>
           </a:p>
           <a:p>
             <a:pPr lvl="2"/>
             <a:r>
               <a:rPr lang="en-GB" dirty="0"/>
-              <a:t>Code itself</a:t>
-            </a:r>
-          </a:p>
-          <a:p>
-            <a:pPr lvl="1"/>
+              <a:t>Pseudo-Canary testing?</a:t>
+            </a:r>
+          </a:p>
+          <a:p>
+            <a:pPr lvl="2"/>
             <a:r>
               <a:rPr lang="en-GB" dirty="0"/>
-              <a:t>ML scripts</a:t>
-            </a:r>
-          </a:p>
-          <a:p>
-            <a:pPr lvl="1"/>
+              <a:t>Can find hard quality gates here: https://</a:t>
+            </a:r>
+            <a:r>
+              <a:rPr lang="en-GB" dirty="0" err="1"/>
+              <a:t>mlflow.org</a:t>
+            </a:r>
             <a:r>
               <a:rPr lang="en-GB" dirty="0"/>
-              <a:t>Data processing code</a:t>
-            </a:r>
-          </a:p>
-          <a:p>
-            <a:pPr lvl="2"/>
+              <a:t>/docs/3.1.3/ml/evaluation/model-eval/</a:t>
+            </a:r>
+          </a:p>
+        </p:txBody>
+      </p:sp>
+      <p:sp>
+        <p:nvSpPr>
+          <p:cNvPr id="4" name="Rectangle 3">
+            <a:extLst>
+              <a:ext uri="{FF2B5EF4-FFF2-40B4-BE49-F238E27FC236}">
+                <a16:creationId xmlns:a16="http://schemas.microsoft.com/office/drawing/2014/main" id="{2D353EA7-6F98-A6AC-D6EB-CE7E49900F60}"/>
+              </a:ext>
+            </a:extLst>
+          </p:cNvPr>
+          <p:cNvSpPr/>
+          <p:nvPr/>
+        </p:nvSpPr>
+        <p:spPr>
+          <a:xfrm>
+            <a:off x="4491454" y="495754"/>
+            <a:ext cx="2638690" cy="327206"/>
+          </a:xfrm>
+          <a:prstGeom prst="rect">
+            <a:avLst/>
+          </a:prstGeom>
+        </p:spPr>
+        <p:style>
+          <a:lnRef idx="2">
+            <a:schemeClr val="accent1">
+              <a:shade val="15000"/>
+            </a:schemeClr>
+          </a:lnRef>
+          <a:fillRef idx="1">
+            <a:schemeClr val="accent1"/>
+          </a:fillRef>
+          <a:effectRef idx="0">
+            <a:schemeClr val="accent1"/>
+          </a:effectRef>
+          <a:fontRef idx="minor">
+            <a:schemeClr val="lt1"/>
+          </a:fontRef>
+        </p:style>
+        <p:txBody>
+          <a:bodyPr rtlCol="0" anchor="ctr"/>
+          <a:lstStyle/>
+          <a:p>
+            <a:pPr algn="ctr"/>
             <a:r>
               <a:rPr lang="en-GB" dirty="0"/>
-              <a:t>Data</a:t>
-            </a:r>
-          </a:p>
-          <a:p>
-            <a:pPr lvl="2"/>
+              <a:t>Train-Validation</a:t>
+            </a:r>
+          </a:p>
+        </p:txBody>
+      </p:sp>
+      <p:sp>
+        <p:nvSpPr>
+          <p:cNvPr id="5" name="Rectangle 4">
+            <a:extLst>
+              <a:ext uri="{FF2B5EF4-FFF2-40B4-BE49-F238E27FC236}">
+                <a16:creationId xmlns:a16="http://schemas.microsoft.com/office/drawing/2014/main" id="{CAA164F5-77DD-0E74-4524-E2D878665865}"/>
+              </a:ext>
+            </a:extLst>
+          </p:cNvPr>
+          <p:cNvSpPr/>
+          <p:nvPr/>
+        </p:nvSpPr>
+        <p:spPr>
+          <a:xfrm>
+            <a:off x="7903029" y="495754"/>
+            <a:ext cx="755468" cy="327206"/>
+          </a:xfrm>
+          <a:prstGeom prst="rect">
+            <a:avLst/>
+          </a:prstGeom>
+          <a:solidFill>
+            <a:schemeClr val="accent2"/>
+          </a:solidFill>
+          <a:ln>
+            <a:prstDash val="dash"/>
+          </a:ln>
+        </p:spPr>
+        <p:style>
+          <a:lnRef idx="2">
+            <a:schemeClr val="accent1">
+              <a:shade val="15000"/>
+            </a:schemeClr>
+          </a:lnRef>
+          <a:fillRef idx="1">
+            <a:schemeClr val="accent1"/>
+          </a:fillRef>
+          <a:effectRef idx="0">
+            <a:schemeClr val="accent1"/>
+          </a:effectRef>
+          <a:fontRef idx="minor">
+            <a:schemeClr val="lt1"/>
+          </a:fontRef>
+        </p:style>
+        <p:txBody>
+          <a:bodyPr rtlCol="0" anchor="ctr"/>
+          <a:lstStyle/>
+          <a:p>
+            <a:pPr algn="ctr"/>
             <a:r>
               <a:rPr lang="en-GB" dirty="0"/>
-              <a:t>AWS components</a:t>
-            </a:r>
-          </a:p>
+              <a:t>A/B</a:t>
+            </a:r>
+          </a:p>
+        </p:txBody>
+      </p:sp>
+      <p:sp>
+        <p:nvSpPr>
+          <p:cNvPr id="6" name="TextBox 5">
+            <a:extLst>
+              <a:ext uri="{FF2B5EF4-FFF2-40B4-BE49-F238E27FC236}">
+                <a16:creationId xmlns:a16="http://schemas.microsoft.com/office/drawing/2014/main" id="{FE926106-4760-484A-5BC4-61D3D943CE13}"/>
+              </a:ext>
+            </a:extLst>
+          </p:cNvPr>
+          <p:cNvSpPr txBox="1"/>
+          <p:nvPr/>
+        </p:nvSpPr>
+        <p:spPr>
+          <a:xfrm>
+            <a:off x="4206241" y="156755"/>
+            <a:ext cx="766355" cy="369332"/>
+          </a:xfrm>
+          <a:prstGeom prst="rect">
+            <a:avLst/>
+          </a:prstGeom>
+          <a:noFill/>
+        </p:spPr>
+        <p:txBody>
+          <a:bodyPr wrap="square" rtlCol="0">
+            <a:spAutoFit/>
+          </a:bodyPr>
+          <a:lstStyle/>
           <a:p>
             <a:r>
               <a:rPr lang="en-GB" dirty="0"/>
-              <a:t>Model</a:t>
-            </a:r>
-          </a:p>
-          <a:p>
-            <a:pPr lvl="1"/>
+              <a:t>T=M0</a:t>
+            </a:r>
+          </a:p>
+        </p:txBody>
+      </p:sp>
+      <p:sp>
+        <p:nvSpPr>
+          <p:cNvPr id="7" name="TextBox 6">
+            <a:extLst>
+              <a:ext uri="{FF2B5EF4-FFF2-40B4-BE49-F238E27FC236}">
+                <a16:creationId xmlns:a16="http://schemas.microsoft.com/office/drawing/2014/main" id="{937C3058-374B-9DEC-72C2-D2B55FD41645}"/>
+              </a:ext>
+            </a:extLst>
+          </p:cNvPr>
+          <p:cNvSpPr txBox="1"/>
+          <p:nvPr/>
+        </p:nvSpPr>
+        <p:spPr>
+          <a:xfrm>
+            <a:off x="7563393" y="156755"/>
+            <a:ext cx="1003663" cy="369332"/>
+          </a:xfrm>
+          <a:prstGeom prst="rect">
+            <a:avLst/>
+          </a:prstGeom>
+          <a:noFill/>
+        </p:spPr>
+        <p:txBody>
+          <a:bodyPr wrap="square" rtlCol="0">
+            <a:spAutoFit/>
+          </a:bodyPr>
+          <a:lstStyle/>
+          <a:p>
             <a:r>
               <a:rPr lang="en-GB" dirty="0"/>
-              <a:t>Can make prediction</a:t>
-            </a:r>
-          </a:p>
-          <a:p>
-            <a:pPr lvl="1"/>
+              <a:t>T=M</a:t>
+            </a:r>
+          </a:p>
+        </p:txBody>
+      </p:sp>
+      <p:cxnSp>
+        <p:nvCxnSpPr>
+          <p:cNvPr id="15" name="Straight Arrow Connector 14">
+            <a:extLst>
+              <a:ext uri="{FF2B5EF4-FFF2-40B4-BE49-F238E27FC236}">
+                <a16:creationId xmlns:a16="http://schemas.microsoft.com/office/drawing/2014/main" id="{1693394D-3D58-9A9E-CF02-9AB5EDD6AE4D}"/>
+              </a:ext>
+            </a:extLst>
+          </p:cNvPr>
+          <p:cNvCxnSpPr>
+            <a:cxnSpLocks/>
+          </p:cNvCxnSpPr>
+          <p:nvPr/>
+        </p:nvCxnSpPr>
+        <p:spPr>
+          <a:xfrm flipV="1">
+            <a:off x="8643261" y="641038"/>
+            <a:ext cx="783770" cy="1203"/>
+          </a:xfrm>
+          <a:prstGeom prst="straightConnector1">
+            <a:avLst/>
+          </a:prstGeom>
+          <a:ln>
+            <a:tailEnd type="triangle"/>
+          </a:ln>
+        </p:spPr>
+        <p:style>
+          <a:lnRef idx="2">
+            <a:schemeClr val="accent1"/>
+          </a:lnRef>
+          <a:fillRef idx="0">
+            <a:schemeClr val="accent1"/>
+          </a:fillRef>
+          <a:effectRef idx="1">
+            <a:schemeClr val="accent1"/>
+          </a:effectRef>
+          <a:fontRef idx="minor">
+            <a:schemeClr val="tx1"/>
+          </a:fontRef>
+        </p:style>
+      </p:cxnSp>
+      <p:sp>
+        <p:nvSpPr>
+          <p:cNvPr id="16" name="TextBox 15">
+            <a:extLst>
+              <a:ext uri="{FF2B5EF4-FFF2-40B4-BE49-F238E27FC236}">
+                <a16:creationId xmlns:a16="http://schemas.microsoft.com/office/drawing/2014/main" id="{8E273A23-3D0B-8905-94A6-BAD8ED0D9518}"/>
+              </a:ext>
+            </a:extLst>
+          </p:cNvPr>
+          <p:cNvSpPr txBox="1"/>
+          <p:nvPr/>
+        </p:nvSpPr>
+        <p:spPr>
+          <a:xfrm>
+            <a:off x="9427031" y="245093"/>
+            <a:ext cx="1989909" cy="1477328"/>
+          </a:xfrm>
+          <a:prstGeom prst="rect">
+            <a:avLst/>
+          </a:prstGeom>
+          <a:noFill/>
+        </p:spPr>
+        <p:txBody>
+          <a:bodyPr wrap="square" rtlCol="0">
+            <a:spAutoFit/>
+          </a:bodyPr>
+          <a:lstStyle/>
+          <a:p>
             <a:r>
               <a:rPr lang="en-GB" dirty="0"/>
-              <a:t>Prediction makes sense</a:t>
+              <a:t>- Compare optimised models</a:t>
+            </a:r>
+          </a:p>
+          <a:p>
+            <a:r>
+              <a:rPr lang="en-GB" dirty="0"/>
+              <a:t>- Compare old (on S3) and retrained model</a:t>
+            </a:r>
+          </a:p>
+        </p:txBody>
+      </p:sp>
+      <p:cxnSp>
+        <p:nvCxnSpPr>
+          <p:cNvPr id="17" name="Straight Arrow Connector 16">
+            <a:extLst>
+              <a:ext uri="{FF2B5EF4-FFF2-40B4-BE49-F238E27FC236}">
+                <a16:creationId xmlns:a16="http://schemas.microsoft.com/office/drawing/2014/main" id="{F4CB6E33-820A-59BF-DEAC-595EEFFA0A1E}"/>
+              </a:ext>
+            </a:extLst>
+          </p:cNvPr>
+          <p:cNvCxnSpPr>
+            <a:cxnSpLocks/>
+            <a:stCxn id="4" idx="2"/>
+            <a:endCxn id="20" idx="0"/>
+          </p:cNvCxnSpPr>
+          <p:nvPr/>
+        </p:nvCxnSpPr>
+        <p:spPr>
+          <a:xfrm>
+            <a:off x="5810799" y="822960"/>
+            <a:ext cx="0" cy="253130"/>
+          </a:xfrm>
+          <a:prstGeom prst="straightConnector1">
+            <a:avLst/>
+          </a:prstGeom>
+          <a:ln>
+            <a:tailEnd type="triangle"/>
+          </a:ln>
+        </p:spPr>
+        <p:style>
+          <a:lnRef idx="2">
+            <a:schemeClr val="accent1"/>
+          </a:lnRef>
+          <a:fillRef idx="0">
+            <a:schemeClr val="accent1"/>
+          </a:fillRef>
+          <a:effectRef idx="1">
+            <a:schemeClr val="accent1"/>
+          </a:effectRef>
+          <a:fontRef idx="minor">
+            <a:schemeClr val="tx1"/>
+          </a:fontRef>
+        </p:style>
+      </p:cxnSp>
+      <p:sp>
+        <p:nvSpPr>
+          <p:cNvPr id="20" name="TextBox 19">
+            <a:extLst>
+              <a:ext uri="{FF2B5EF4-FFF2-40B4-BE49-F238E27FC236}">
+                <a16:creationId xmlns:a16="http://schemas.microsoft.com/office/drawing/2014/main" id="{7AA0925F-86EB-7D53-6C64-6B17835C22C6}"/>
+              </a:ext>
+            </a:extLst>
+          </p:cNvPr>
+          <p:cNvSpPr txBox="1"/>
+          <p:nvPr/>
+        </p:nvSpPr>
+        <p:spPr>
+          <a:xfrm>
+            <a:off x="4857212" y="1076090"/>
+            <a:ext cx="1907173" cy="646331"/>
+          </a:xfrm>
+          <a:prstGeom prst="rect">
+            <a:avLst/>
+          </a:prstGeom>
+          <a:noFill/>
+        </p:spPr>
+        <p:txBody>
+          <a:bodyPr wrap="square" rtlCol="0">
+            <a:spAutoFit/>
+          </a:bodyPr>
+          <a:lstStyle/>
+          <a:p>
+            <a:r>
+              <a:rPr lang="en-GB" dirty="0"/>
+              <a:t>Get best set of hyperparameters</a:t>
+            </a:r>
+          </a:p>
+        </p:txBody>
+      </p:sp>
+      <p:sp>
+        <p:nvSpPr>
+          <p:cNvPr id="22" name="Rectangle 21">
+            <a:extLst>
+              <a:ext uri="{FF2B5EF4-FFF2-40B4-BE49-F238E27FC236}">
+                <a16:creationId xmlns:a16="http://schemas.microsoft.com/office/drawing/2014/main" id="{7762C2A9-689C-F57C-30C0-2A5AD354AE9C}"/>
+              </a:ext>
+            </a:extLst>
+          </p:cNvPr>
+          <p:cNvSpPr/>
+          <p:nvPr/>
+        </p:nvSpPr>
+        <p:spPr>
+          <a:xfrm>
+            <a:off x="7139943" y="495754"/>
+            <a:ext cx="755468" cy="327206"/>
+          </a:xfrm>
+          <a:prstGeom prst="rect">
+            <a:avLst/>
+          </a:prstGeom>
+          <a:solidFill>
+            <a:schemeClr val="accent4"/>
+          </a:solidFill>
+        </p:spPr>
+        <p:style>
+          <a:lnRef idx="2">
+            <a:schemeClr val="accent1">
+              <a:shade val="15000"/>
+            </a:schemeClr>
+          </a:lnRef>
+          <a:fillRef idx="1">
+            <a:schemeClr val="accent1"/>
+          </a:fillRef>
+          <a:effectRef idx="0">
+            <a:schemeClr val="accent1"/>
+          </a:effectRef>
+          <a:fontRef idx="minor">
+            <a:schemeClr val="lt1"/>
+          </a:fontRef>
+        </p:style>
+        <p:txBody>
+          <a:bodyPr rtlCol="0" anchor="ctr"/>
+          <a:lstStyle/>
+          <a:p>
+            <a:pPr algn="ctr"/>
+            <a:r>
+              <a:rPr lang="en-GB" dirty="0"/>
+              <a:t>Test</a:t>
+            </a:r>
+          </a:p>
+        </p:txBody>
+      </p:sp>
+      <p:sp>
+        <p:nvSpPr>
+          <p:cNvPr id="25" name="TextBox 24">
+            <a:extLst>
+              <a:ext uri="{FF2B5EF4-FFF2-40B4-BE49-F238E27FC236}">
+                <a16:creationId xmlns:a16="http://schemas.microsoft.com/office/drawing/2014/main" id="{64CD6A7F-0504-E745-8A79-432D4911DA24}"/>
+              </a:ext>
+            </a:extLst>
+          </p:cNvPr>
+          <p:cNvSpPr txBox="1"/>
+          <p:nvPr/>
+        </p:nvSpPr>
+        <p:spPr>
+          <a:xfrm>
+            <a:off x="6785063" y="153389"/>
+            <a:ext cx="1003663" cy="369332"/>
+          </a:xfrm>
+          <a:prstGeom prst="rect">
+            <a:avLst/>
+          </a:prstGeom>
+          <a:noFill/>
+        </p:spPr>
+        <p:txBody>
+          <a:bodyPr wrap="square" rtlCol="0">
+            <a:spAutoFit/>
+          </a:bodyPr>
+          <a:lstStyle/>
+          <a:p>
+            <a:r>
+              <a:rPr lang="en-GB" dirty="0"/>
+              <a:t>T=M-1</a:t>
             </a:r>
           </a:p>
         </p:txBody>
@@ -9726,7 +10049,7 @@
     </p:spTree>
     <p:extLst>
       <p:ext uri="{BB962C8B-B14F-4D97-AF65-F5344CB8AC3E}">
-        <p14:creationId xmlns:p14="http://schemas.microsoft.com/office/powerpoint/2010/main" val="267414957"/>
+        <p14:creationId xmlns:p14="http://schemas.microsoft.com/office/powerpoint/2010/main" val="3689535318"/>
       </p:ext>
     </p:extLst>
   </p:cSld>
@@ -9758,7 +10081,7 @@
           <p:cNvPr id="2" name="Title 1">
             <a:extLst>
               <a:ext uri="{FF2B5EF4-FFF2-40B4-BE49-F238E27FC236}">
-                <a16:creationId xmlns:a16="http://schemas.microsoft.com/office/drawing/2014/main" id="{AF9DBC8A-43C7-4CED-1A5A-9AB285827153}"/>
+                <a16:creationId xmlns:a16="http://schemas.microsoft.com/office/drawing/2014/main" id="{A6503889-B644-6D43-FF43-A075FC905774}"/>
               </a:ext>
             </a:extLst>
           </p:cNvPr>
@@ -9776,229 +10099,637 @@
           <a:p>
             <a:r>
               <a:rPr lang="en-GB" dirty="0"/>
-              <a:t>TODO</a:t>
-            </a:r>
-          </a:p>
-        </p:txBody>
-      </p:sp>
-      <p:sp>
-        <p:nvSpPr>
-          <p:cNvPr id="3" name="Content Placeholder 2">
-            <a:extLst>
-              <a:ext uri="{FF2B5EF4-FFF2-40B4-BE49-F238E27FC236}">
-                <a16:creationId xmlns:a16="http://schemas.microsoft.com/office/drawing/2014/main" id="{75AE5FEA-050D-AE53-B7C2-AA771027014E}"/>
-              </a:ext>
-            </a:extLst>
-          </p:cNvPr>
-          <p:cNvSpPr>
-            <a:spLocks noGrp="1"/>
-          </p:cNvSpPr>
-          <p:nvPr>
-            <p:ph idx="1"/>
-          </p:nvPr>
+              <a:t>Retraining</a:t>
+            </a:r>
+          </a:p>
+        </p:txBody>
+      </p:sp>
+      <p:sp>
+        <p:nvSpPr>
+          <p:cNvPr id="4" name="Rounded Rectangle 3">
+            <a:extLst>
+              <a:ext uri="{FF2B5EF4-FFF2-40B4-BE49-F238E27FC236}">
+                <a16:creationId xmlns:a16="http://schemas.microsoft.com/office/drawing/2014/main" id="{2CCEDC67-1814-EC85-563E-9AEA47E6A991}"/>
+              </a:ext>
+            </a:extLst>
+          </p:cNvPr>
+          <p:cNvSpPr/>
+          <p:nvPr/>
         </p:nvSpPr>
         <p:spPr>
           <a:xfrm>
-            <a:off x="838200" y="1690688"/>
-            <a:ext cx="10515600" cy="5167312"/>
-          </a:xfrm>
-        </p:spPr>
-        <p:txBody>
-          <a:bodyPr>
-            <a:normAutofit fontScale="85000" lnSpcReduction="20000"/>
-          </a:bodyPr>
-          <a:lstStyle/>
-          <a:p>
-            <a:r>
-              <a:rPr lang="en-GB" strike="sngStrike" dirty="0"/>
-              <a:t>Pull </a:t>
-            </a:r>
-            <a:r>
-              <a:rPr lang="en-GB" strike="sngStrike" dirty="0" err="1"/>
-              <a:t>ct</a:t>
-            </a:r>
-            <a:r>
-              <a:rPr lang="en-GB" strike="sngStrike" dirty="0"/>
-              <a:t> to main. Just work on main from there</a:t>
-            </a:r>
-          </a:p>
-          <a:p>
-            <a:r>
-              <a:rPr lang="en-GB" strike="sngStrike" dirty="0"/>
-              <a:t>Automate both the CV and Final modelling on cloud (AWS Lambda, </a:t>
-            </a:r>
-            <a:r>
-              <a:rPr lang="en-GB" strike="sngStrike" dirty="0" err="1"/>
-              <a:t>github</a:t>
-            </a:r>
-            <a:r>
-              <a:rPr lang="en-GB" strike="sngStrike" dirty="0"/>
-              <a:t> actions, whatever). Importantly, give scores + </a:t>
-            </a:r>
-            <a:r>
-              <a:rPr lang="en-GB" strike="sngStrike" dirty="0" err="1"/>
-              <a:t>iTry</a:t>
-            </a:r>
-            <a:r>
-              <a:rPr lang="en-GB" strike="sngStrike" dirty="0"/>
-              <a:t> to merge with </a:t>
-            </a:r>
-            <a:r>
-              <a:rPr lang="en-GB" strike="sngStrike" dirty="0" err="1"/>
-              <a:t>MLFlow</a:t>
-            </a:r>
-            <a:r>
-              <a:rPr lang="en-GB" strike="sngStrike" dirty="0"/>
-              <a:t> if can, otherwise just do reporting separately. Important charts. </a:t>
-            </a:r>
-            <a:r>
-              <a:rPr lang="en-GB" strike="sngStrike" dirty="0" err="1"/>
-              <a:t>Rmb</a:t>
-            </a:r>
-            <a:r>
-              <a:rPr lang="en-GB" strike="sngStrike" dirty="0"/>
-              <a:t> to ensure S3 storing model has version tracking on</a:t>
-            </a:r>
-          </a:p>
-          <a:p>
-            <a:r>
-              <a:rPr lang="en-GB" strike="sngStrike" dirty="0"/>
-              <a:t>Ensure </a:t>
-            </a:r>
-            <a:r>
-              <a:rPr lang="en-GB" strike="sngStrike" dirty="0" err="1"/>
-              <a:t>FastAPI</a:t>
-            </a:r>
-            <a:r>
-              <a:rPr lang="en-GB" strike="sngStrike" dirty="0"/>
-              <a:t> app can read best model from S3: </a:t>
-            </a:r>
-          </a:p>
-          <a:p>
-            <a:pPr lvl="1"/>
-            <a:r>
-              <a:rPr lang="en-GB" strike="sngStrike" dirty="0">
-                <a:sym typeface="Wingdings" pitchFamily="2" charset="2"/>
-              </a:rPr>
-              <a:t>https://</a:t>
-            </a:r>
-            <a:r>
-              <a:rPr lang="en-GB" strike="sngStrike" dirty="0" err="1">
-                <a:sym typeface="Wingdings" pitchFamily="2" charset="2"/>
-              </a:rPr>
-              <a:t>devopscube.com</a:t>
-            </a:r>
-            <a:r>
-              <a:rPr lang="en-GB" strike="sngStrike" dirty="0">
-                <a:sym typeface="Wingdings" pitchFamily="2" charset="2"/>
-              </a:rPr>
-              <a:t>/</a:t>
-            </a:r>
-            <a:r>
-              <a:rPr lang="en-GB" strike="sngStrike" dirty="0" err="1">
-                <a:sym typeface="Wingdings" pitchFamily="2" charset="2"/>
-              </a:rPr>
-              <a:t>github</a:t>
-            </a:r>
-            <a:r>
-              <a:rPr lang="en-GB" strike="sngStrike" dirty="0">
-                <a:sym typeface="Wingdings" pitchFamily="2" charset="2"/>
-              </a:rPr>
-              <a:t>-actions-</a:t>
-            </a:r>
-            <a:r>
-              <a:rPr lang="en-GB" strike="sngStrike" dirty="0" err="1">
-                <a:sym typeface="Wingdings" pitchFamily="2" charset="2"/>
-              </a:rPr>
-              <a:t>oidc</a:t>
-            </a:r>
-            <a:r>
-              <a:rPr lang="en-GB" strike="sngStrike" dirty="0">
-                <a:sym typeface="Wingdings" pitchFamily="2" charset="2"/>
-              </a:rPr>
-              <a:t>-</a:t>
-            </a:r>
-            <a:r>
-              <a:rPr lang="en-GB" strike="sngStrike" dirty="0" err="1">
-                <a:sym typeface="Wingdings" pitchFamily="2" charset="2"/>
-              </a:rPr>
-              <a:t>aws</a:t>
-            </a:r>
-            <a:r>
-              <a:rPr lang="en-GB" strike="sngStrike" dirty="0">
-                <a:sym typeface="Wingdings" pitchFamily="2" charset="2"/>
-              </a:rPr>
-              <a:t>/</a:t>
-            </a:r>
-          </a:p>
-          <a:p>
-            <a:r>
-              <a:rPr lang="en-GB" strike="sngStrike" dirty="0">
-                <a:sym typeface="Wingdings" pitchFamily="2" charset="2"/>
-              </a:rPr>
-              <a:t>Automate AWS Lambda updates (e.g. data cleaning) using AWS CLI/</a:t>
-            </a:r>
-            <a:r>
-              <a:rPr lang="en-GB" strike="sngStrike" dirty="0" err="1">
-                <a:sym typeface="Wingdings" pitchFamily="2" charset="2"/>
-              </a:rPr>
-              <a:t>github</a:t>
-            </a:r>
-            <a:r>
-              <a:rPr lang="en-GB" strike="sngStrike" dirty="0">
-                <a:sym typeface="Wingdings" pitchFamily="2" charset="2"/>
-              </a:rPr>
-              <a:t> actions so that don’t have to keep copy and pasting</a:t>
-            </a:r>
-          </a:p>
-          <a:p>
+            <a:off x="838200" y="2416629"/>
+            <a:ext cx="2087880" cy="1012371"/>
+          </a:xfrm>
+          <a:prstGeom prst="roundRect">
+            <a:avLst/>
+          </a:prstGeom>
+          <a:solidFill>
+            <a:schemeClr val="accent1"/>
+          </a:solidFill>
+        </p:spPr>
+        <p:style>
+          <a:lnRef idx="2">
+            <a:schemeClr val="accent1">
+              <a:shade val="15000"/>
+            </a:schemeClr>
+          </a:lnRef>
+          <a:fillRef idx="1">
+            <a:schemeClr val="accent1"/>
+          </a:fillRef>
+          <a:effectRef idx="0">
+            <a:schemeClr val="accent1"/>
+          </a:effectRef>
+          <a:fontRef idx="minor">
+            <a:schemeClr val="lt1"/>
+          </a:fontRef>
+        </p:style>
+        <p:txBody>
+          <a:bodyPr rtlCol="0" anchor="ctr"/>
+          <a:lstStyle/>
+          <a:p>
+            <a:pPr algn="ctr"/>
             <a:r>
               <a:rPr lang="en-GB" dirty="0"/>
-              <a:t>Retraining champion model</a:t>
-            </a:r>
-            <a:endParaRPr lang="en-GB" dirty="0">
-              <a:sym typeface="Wingdings" pitchFamily="2" charset="2"/>
-            </a:endParaRPr>
-          </a:p>
-          <a:p>
-            <a:r>
-              <a:rPr lang="en-GB" dirty="0">
-                <a:sym typeface="Wingdings" pitchFamily="2" charset="2"/>
-              </a:rPr>
-              <a:t>Download new data filtered by date, process and then append to existing feature store</a:t>
-            </a:r>
-            <a:endParaRPr lang="en-GB" dirty="0"/>
-          </a:p>
-          <a:p>
+              <a:t>Take champion model from S3</a:t>
+            </a:r>
+          </a:p>
+        </p:txBody>
+      </p:sp>
+      <p:sp>
+        <p:nvSpPr>
+          <p:cNvPr id="5" name="Rounded Rectangle 4">
+            <a:extLst>
+              <a:ext uri="{FF2B5EF4-FFF2-40B4-BE49-F238E27FC236}">
+                <a16:creationId xmlns:a16="http://schemas.microsoft.com/office/drawing/2014/main" id="{1B5480D8-AC7A-EC9A-F024-6ACBD248499A}"/>
+              </a:ext>
+            </a:extLst>
+          </p:cNvPr>
+          <p:cNvSpPr/>
+          <p:nvPr/>
+        </p:nvSpPr>
+        <p:spPr>
+          <a:xfrm>
+            <a:off x="3407229" y="2416629"/>
+            <a:ext cx="2087880" cy="1012371"/>
+          </a:xfrm>
+          <a:prstGeom prst="roundRect">
+            <a:avLst/>
+          </a:prstGeom>
+          <a:solidFill>
+            <a:schemeClr val="accent1"/>
+          </a:solidFill>
+        </p:spPr>
+        <p:style>
+          <a:lnRef idx="2">
+            <a:schemeClr val="accent1">
+              <a:shade val="15000"/>
+            </a:schemeClr>
+          </a:lnRef>
+          <a:fillRef idx="1">
+            <a:schemeClr val="accent1"/>
+          </a:fillRef>
+          <a:effectRef idx="0">
+            <a:schemeClr val="accent1"/>
+          </a:effectRef>
+          <a:fontRef idx="minor">
+            <a:schemeClr val="lt1"/>
+          </a:fontRef>
+        </p:style>
+        <p:txBody>
+          <a:bodyPr rtlCol="0" anchor="ctr"/>
+          <a:lstStyle/>
+          <a:p>
+            <a:pPr algn="ctr"/>
             <a:r>
               <a:rPr lang="en-GB" dirty="0"/>
-              <a:t>Code robustness: Work on unit testing </a:t>
-            </a:r>
-            <a:r>
-              <a:rPr lang="en-GB" dirty="0">
-                <a:sym typeface="Wingdings" pitchFamily="2" charset="2"/>
-              </a:rPr>
-              <a:t> Data + others. Robust tests. Practice one unit test per PR. Think about when to use try-except statements (get </a:t>
-            </a:r>
-            <a:r>
-              <a:rPr lang="en-GB" dirty="0" err="1">
-                <a:sym typeface="Wingdings" pitchFamily="2" charset="2"/>
-              </a:rPr>
-              <a:t>chatgpt</a:t>
-            </a:r>
-            <a:r>
-              <a:rPr lang="en-GB" dirty="0">
-                <a:sym typeface="Wingdings" pitchFamily="2" charset="2"/>
-              </a:rPr>
-              <a:t> to suggest). Perform checks while script is running as well, on top of the unit tests</a:t>
-            </a:r>
-          </a:p>
-        </p:txBody>
-      </p:sp>
+              <a:t>Retrain based on train + test</a:t>
+            </a:r>
+          </a:p>
+        </p:txBody>
+      </p:sp>
+      <p:sp>
+        <p:nvSpPr>
+          <p:cNvPr id="6" name="Rounded Rectangle 5">
+            <a:extLst>
+              <a:ext uri="{FF2B5EF4-FFF2-40B4-BE49-F238E27FC236}">
+                <a16:creationId xmlns:a16="http://schemas.microsoft.com/office/drawing/2014/main" id="{9CFDBB71-63FA-71B9-AAB2-B1597B9F76D5}"/>
+              </a:ext>
+            </a:extLst>
+          </p:cNvPr>
+          <p:cNvSpPr/>
+          <p:nvPr/>
+        </p:nvSpPr>
+        <p:spPr>
+          <a:xfrm>
+            <a:off x="5976258" y="2416629"/>
+            <a:ext cx="2087880" cy="1012371"/>
+          </a:xfrm>
+          <a:prstGeom prst="roundRect">
+            <a:avLst/>
+          </a:prstGeom>
+          <a:solidFill>
+            <a:schemeClr val="accent1"/>
+          </a:solidFill>
+        </p:spPr>
+        <p:style>
+          <a:lnRef idx="2">
+            <a:schemeClr val="accent1">
+              <a:shade val="15000"/>
+            </a:schemeClr>
+          </a:lnRef>
+          <a:fillRef idx="1">
+            <a:schemeClr val="accent1"/>
+          </a:fillRef>
+          <a:effectRef idx="0">
+            <a:schemeClr val="accent1"/>
+          </a:effectRef>
+          <a:fontRef idx="minor">
+            <a:schemeClr val="lt1"/>
+          </a:fontRef>
+        </p:style>
+        <p:txBody>
+          <a:bodyPr rtlCol="0" anchor="ctr"/>
+          <a:lstStyle/>
+          <a:p>
+            <a:pPr algn="ctr"/>
+            <a:r>
+              <a:rPr lang="en-GB" dirty="0"/>
+              <a:t>A/B or rule based testing to see lift</a:t>
+            </a:r>
+          </a:p>
+        </p:txBody>
+      </p:sp>
+      <p:sp>
+        <p:nvSpPr>
+          <p:cNvPr id="7" name="Rounded Rectangle 6">
+            <a:extLst>
+              <a:ext uri="{FF2B5EF4-FFF2-40B4-BE49-F238E27FC236}">
+                <a16:creationId xmlns:a16="http://schemas.microsoft.com/office/drawing/2014/main" id="{44DC9DBC-FDFE-1436-8DF4-326AF43F81F9}"/>
+              </a:ext>
+            </a:extLst>
+          </p:cNvPr>
+          <p:cNvSpPr/>
+          <p:nvPr/>
+        </p:nvSpPr>
+        <p:spPr>
+          <a:xfrm>
+            <a:off x="8545287" y="2416629"/>
+            <a:ext cx="2087880" cy="1012371"/>
+          </a:xfrm>
+          <a:prstGeom prst="roundRect">
+            <a:avLst/>
+          </a:prstGeom>
+          <a:solidFill>
+            <a:schemeClr val="accent1"/>
+          </a:solidFill>
+        </p:spPr>
+        <p:style>
+          <a:lnRef idx="2">
+            <a:schemeClr val="accent1">
+              <a:shade val="15000"/>
+            </a:schemeClr>
+          </a:lnRef>
+          <a:fillRef idx="1">
+            <a:schemeClr val="accent1"/>
+          </a:fillRef>
+          <a:effectRef idx="0">
+            <a:schemeClr val="accent1"/>
+          </a:effectRef>
+          <a:fontRef idx="minor">
+            <a:schemeClr val="lt1"/>
+          </a:fontRef>
+        </p:style>
+        <p:txBody>
+          <a:bodyPr rtlCol="0" anchor="ctr"/>
+          <a:lstStyle/>
+          <a:p>
+            <a:pPr algn="ctr"/>
+            <a:r>
+              <a:rPr lang="en-GB" dirty="0"/>
+              <a:t>Translate to business metrics</a:t>
+            </a:r>
+          </a:p>
+        </p:txBody>
+      </p:sp>
+      <p:sp>
+        <p:nvSpPr>
+          <p:cNvPr id="8" name="Rounded Rectangle 7">
+            <a:extLst>
+              <a:ext uri="{FF2B5EF4-FFF2-40B4-BE49-F238E27FC236}">
+                <a16:creationId xmlns:a16="http://schemas.microsoft.com/office/drawing/2014/main" id="{772402C2-3655-9B19-6978-DB5E31C84753}"/>
+              </a:ext>
+            </a:extLst>
+          </p:cNvPr>
+          <p:cNvSpPr/>
+          <p:nvPr/>
+        </p:nvSpPr>
+        <p:spPr>
+          <a:xfrm>
+            <a:off x="8545287" y="3792923"/>
+            <a:ext cx="2087880" cy="1012371"/>
+          </a:xfrm>
+          <a:prstGeom prst="roundRect">
+            <a:avLst/>
+          </a:prstGeom>
+          <a:solidFill>
+            <a:schemeClr val="accent1"/>
+          </a:solidFill>
+        </p:spPr>
+        <p:style>
+          <a:lnRef idx="2">
+            <a:schemeClr val="accent1">
+              <a:shade val="15000"/>
+            </a:schemeClr>
+          </a:lnRef>
+          <a:fillRef idx="1">
+            <a:schemeClr val="accent1"/>
+          </a:fillRef>
+          <a:effectRef idx="0">
+            <a:schemeClr val="accent1"/>
+          </a:effectRef>
+          <a:fontRef idx="minor">
+            <a:schemeClr val="lt1"/>
+          </a:fontRef>
+        </p:style>
+        <p:txBody>
+          <a:bodyPr rtlCol="0" anchor="ctr"/>
+          <a:lstStyle/>
+          <a:p>
+            <a:pPr algn="ctr"/>
+            <a:r>
+              <a:rPr lang="en-GB" dirty="0"/>
+              <a:t>?? Route for manual review</a:t>
+            </a:r>
+          </a:p>
+        </p:txBody>
+      </p:sp>
+      <p:sp>
+        <p:nvSpPr>
+          <p:cNvPr id="9" name="Rounded Rectangle 8">
+            <a:extLst>
+              <a:ext uri="{FF2B5EF4-FFF2-40B4-BE49-F238E27FC236}">
+                <a16:creationId xmlns:a16="http://schemas.microsoft.com/office/drawing/2014/main" id="{6522B1A6-501C-E5F7-3C63-E31C43480CC1}"/>
+              </a:ext>
+            </a:extLst>
+          </p:cNvPr>
+          <p:cNvSpPr/>
+          <p:nvPr/>
+        </p:nvSpPr>
+        <p:spPr>
+          <a:xfrm>
+            <a:off x="8545287" y="5167312"/>
+            <a:ext cx="2087880" cy="1012371"/>
+          </a:xfrm>
+          <a:prstGeom prst="roundRect">
+            <a:avLst/>
+          </a:prstGeom>
+          <a:solidFill>
+            <a:schemeClr val="accent1"/>
+          </a:solidFill>
+        </p:spPr>
+        <p:style>
+          <a:lnRef idx="2">
+            <a:schemeClr val="accent1">
+              <a:shade val="15000"/>
+            </a:schemeClr>
+          </a:lnRef>
+          <a:fillRef idx="1">
+            <a:schemeClr val="accent1"/>
+          </a:fillRef>
+          <a:effectRef idx="0">
+            <a:schemeClr val="accent1"/>
+          </a:effectRef>
+          <a:fontRef idx="minor">
+            <a:schemeClr val="lt1"/>
+          </a:fontRef>
+        </p:style>
+        <p:txBody>
+          <a:bodyPr rtlCol="0" anchor="ctr"/>
+          <a:lstStyle/>
+          <a:p>
+            <a:pPr algn="ctr"/>
+            <a:r>
+              <a:rPr lang="en-GB" dirty="0"/>
+              <a:t>Push to S3</a:t>
+            </a:r>
+          </a:p>
+        </p:txBody>
+      </p:sp>
+      <p:sp>
+        <p:nvSpPr>
+          <p:cNvPr id="11" name="Rounded Rectangle 10">
+            <a:extLst>
+              <a:ext uri="{FF2B5EF4-FFF2-40B4-BE49-F238E27FC236}">
+                <a16:creationId xmlns:a16="http://schemas.microsoft.com/office/drawing/2014/main" id="{BB4CC1CF-EE8E-31C8-D110-1D1D6E74023C}"/>
+              </a:ext>
+            </a:extLst>
+          </p:cNvPr>
+          <p:cNvSpPr/>
+          <p:nvPr/>
+        </p:nvSpPr>
+        <p:spPr>
+          <a:xfrm>
+            <a:off x="838200" y="4154941"/>
+            <a:ext cx="2087880" cy="1012371"/>
+          </a:xfrm>
+          <a:prstGeom prst="roundRect">
+            <a:avLst/>
+          </a:prstGeom>
+          <a:solidFill>
+            <a:schemeClr val="accent1"/>
+          </a:solidFill>
+        </p:spPr>
+        <p:style>
+          <a:lnRef idx="2">
+            <a:schemeClr val="accent1">
+              <a:shade val="15000"/>
+            </a:schemeClr>
+          </a:lnRef>
+          <a:fillRef idx="1">
+            <a:schemeClr val="accent1"/>
+          </a:fillRef>
+          <a:effectRef idx="0">
+            <a:schemeClr val="accent1"/>
+          </a:effectRef>
+          <a:fontRef idx="minor">
+            <a:schemeClr val="lt1"/>
+          </a:fontRef>
+        </p:style>
+        <p:txBody>
+          <a:bodyPr rtlCol="0" anchor="ctr"/>
+          <a:lstStyle/>
+          <a:p>
+            <a:pPr algn="ctr"/>
+            <a:r>
+              <a:rPr lang="en-GB" dirty="0"/>
+              <a:t>TBC: Check data drift/shift</a:t>
+            </a:r>
+          </a:p>
+        </p:txBody>
+      </p:sp>
+      <p:cxnSp>
+        <p:nvCxnSpPr>
+          <p:cNvPr id="12" name="Straight Arrow Connector 11">
+            <a:extLst>
+              <a:ext uri="{FF2B5EF4-FFF2-40B4-BE49-F238E27FC236}">
+                <a16:creationId xmlns:a16="http://schemas.microsoft.com/office/drawing/2014/main" id="{D1246BA4-5129-1F55-05E4-0C8F0215F060}"/>
+              </a:ext>
+            </a:extLst>
+          </p:cNvPr>
+          <p:cNvCxnSpPr>
+            <a:cxnSpLocks/>
+            <a:stCxn id="4" idx="3"/>
+            <a:endCxn id="5" idx="1"/>
+          </p:cNvCxnSpPr>
+          <p:nvPr/>
+        </p:nvCxnSpPr>
+        <p:spPr>
+          <a:xfrm>
+            <a:off x="2926080" y="2922815"/>
+            <a:ext cx="481149" cy="0"/>
+          </a:xfrm>
+          <a:prstGeom prst="straightConnector1">
+            <a:avLst/>
+          </a:prstGeom>
+          <a:ln>
+            <a:tailEnd type="triangle"/>
+          </a:ln>
+        </p:spPr>
+        <p:style>
+          <a:lnRef idx="2">
+            <a:schemeClr val="accent1"/>
+          </a:lnRef>
+          <a:fillRef idx="0">
+            <a:schemeClr val="accent1"/>
+          </a:fillRef>
+          <a:effectRef idx="1">
+            <a:schemeClr val="accent1"/>
+          </a:effectRef>
+          <a:fontRef idx="minor">
+            <a:schemeClr val="tx1"/>
+          </a:fontRef>
+        </p:style>
+      </p:cxnSp>
+      <p:cxnSp>
+        <p:nvCxnSpPr>
+          <p:cNvPr id="15" name="Straight Arrow Connector 14">
+            <a:extLst>
+              <a:ext uri="{FF2B5EF4-FFF2-40B4-BE49-F238E27FC236}">
+                <a16:creationId xmlns:a16="http://schemas.microsoft.com/office/drawing/2014/main" id="{3E136E0D-A917-9DFA-8B45-FE6A38AD8B18}"/>
+              </a:ext>
+            </a:extLst>
+          </p:cNvPr>
+          <p:cNvCxnSpPr>
+            <a:cxnSpLocks/>
+            <a:stCxn id="5" idx="3"/>
+            <a:endCxn id="6" idx="1"/>
+          </p:cNvCxnSpPr>
+          <p:nvPr/>
+        </p:nvCxnSpPr>
+        <p:spPr>
+          <a:xfrm>
+            <a:off x="5495109" y="2922815"/>
+            <a:ext cx="481149" cy="0"/>
+          </a:xfrm>
+          <a:prstGeom prst="straightConnector1">
+            <a:avLst/>
+          </a:prstGeom>
+          <a:ln>
+            <a:tailEnd type="triangle"/>
+          </a:ln>
+        </p:spPr>
+        <p:style>
+          <a:lnRef idx="2">
+            <a:schemeClr val="accent1"/>
+          </a:lnRef>
+          <a:fillRef idx="0">
+            <a:schemeClr val="accent1"/>
+          </a:fillRef>
+          <a:effectRef idx="1">
+            <a:schemeClr val="accent1"/>
+          </a:effectRef>
+          <a:fontRef idx="minor">
+            <a:schemeClr val="tx1"/>
+          </a:fontRef>
+        </p:style>
+      </p:cxnSp>
+      <p:cxnSp>
+        <p:nvCxnSpPr>
+          <p:cNvPr id="18" name="Straight Arrow Connector 17">
+            <a:extLst>
+              <a:ext uri="{FF2B5EF4-FFF2-40B4-BE49-F238E27FC236}">
+                <a16:creationId xmlns:a16="http://schemas.microsoft.com/office/drawing/2014/main" id="{3B55936F-871C-2EEC-BD5A-9B3D3D558D4B}"/>
+              </a:ext>
+            </a:extLst>
+          </p:cNvPr>
+          <p:cNvCxnSpPr>
+            <a:cxnSpLocks/>
+            <a:stCxn id="6" idx="3"/>
+            <a:endCxn id="7" idx="1"/>
+          </p:cNvCxnSpPr>
+          <p:nvPr/>
+        </p:nvCxnSpPr>
+        <p:spPr>
+          <a:xfrm>
+            <a:off x="8064138" y="2922815"/>
+            <a:ext cx="481149" cy="0"/>
+          </a:xfrm>
+          <a:prstGeom prst="straightConnector1">
+            <a:avLst/>
+          </a:prstGeom>
+          <a:ln>
+            <a:tailEnd type="triangle"/>
+          </a:ln>
+        </p:spPr>
+        <p:style>
+          <a:lnRef idx="2">
+            <a:schemeClr val="accent1"/>
+          </a:lnRef>
+          <a:fillRef idx="0">
+            <a:schemeClr val="accent1"/>
+          </a:fillRef>
+          <a:effectRef idx="1">
+            <a:schemeClr val="accent1"/>
+          </a:effectRef>
+          <a:fontRef idx="minor">
+            <a:schemeClr val="tx1"/>
+          </a:fontRef>
+        </p:style>
+      </p:cxnSp>
+      <p:cxnSp>
+        <p:nvCxnSpPr>
+          <p:cNvPr id="21" name="Straight Arrow Connector 20">
+            <a:extLst>
+              <a:ext uri="{FF2B5EF4-FFF2-40B4-BE49-F238E27FC236}">
+                <a16:creationId xmlns:a16="http://schemas.microsoft.com/office/drawing/2014/main" id="{A0C0CA5A-47B5-704F-8833-269A426BD852}"/>
+              </a:ext>
+            </a:extLst>
+          </p:cNvPr>
+          <p:cNvCxnSpPr>
+            <a:cxnSpLocks/>
+            <a:stCxn id="11" idx="3"/>
+            <a:endCxn id="5" idx="1"/>
+          </p:cNvCxnSpPr>
+          <p:nvPr/>
+        </p:nvCxnSpPr>
+        <p:spPr>
+          <a:xfrm flipV="1">
+            <a:off x="2926080" y="2922815"/>
+            <a:ext cx="481149" cy="1738312"/>
+          </a:xfrm>
+          <a:prstGeom prst="straightConnector1">
+            <a:avLst/>
+          </a:prstGeom>
+          <a:ln>
+            <a:tailEnd type="triangle"/>
+          </a:ln>
+        </p:spPr>
+        <p:style>
+          <a:lnRef idx="2">
+            <a:schemeClr val="accent1"/>
+          </a:lnRef>
+          <a:fillRef idx="0">
+            <a:schemeClr val="accent1"/>
+          </a:fillRef>
+          <a:effectRef idx="1">
+            <a:schemeClr val="accent1"/>
+          </a:effectRef>
+          <a:fontRef idx="minor">
+            <a:schemeClr val="tx1"/>
+          </a:fontRef>
+        </p:style>
+      </p:cxnSp>
+      <p:cxnSp>
+        <p:nvCxnSpPr>
+          <p:cNvPr id="24" name="Straight Arrow Connector 23">
+            <a:extLst>
+              <a:ext uri="{FF2B5EF4-FFF2-40B4-BE49-F238E27FC236}">
+                <a16:creationId xmlns:a16="http://schemas.microsoft.com/office/drawing/2014/main" id="{5D116722-350B-5ED2-FEDC-61CA93E34798}"/>
+              </a:ext>
+            </a:extLst>
+          </p:cNvPr>
+          <p:cNvCxnSpPr>
+            <a:cxnSpLocks/>
+            <a:stCxn id="7" idx="2"/>
+            <a:endCxn id="8" idx="0"/>
+          </p:cNvCxnSpPr>
+          <p:nvPr/>
+        </p:nvCxnSpPr>
+        <p:spPr>
+          <a:xfrm>
+            <a:off x="9589227" y="3429000"/>
+            <a:ext cx="0" cy="363923"/>
+          </a:xfrm>
+          <a:prstGeom prst="straightConnector1">
+            <a:avLst/>
+          </a:prstGeom>
+          <a:ln>
+            <a:tailEnd type="triangle"/>
+          </a:ln>
+        </p:spPr>
+        <p:style>
+          <a:lnRef idx="2">
+            <a:schemeClr val="accent1"/>
+          </a:lnRef>
+          <a:fillRef idx="0">
+            <a:schemeClr val="accent1"/>
+          </a:fillRef>
+          <a:effectRef idx="1">
+            <a:schemeClr val="accent1"/>
+          </a:effectRef>
+          <a:fontRef idx="minor">
+            <a:schemeClr val="tx1"/>
+          </a:fontRef>
+        </p:style>
+      </p:cxnSp>
+      <p:cxnSp>
+        <p:nvCxnSpPr>
+          <p:cNvPr id="27" name="Straight Arrow Connector 26">
+            <a:extLst>
+              <a:ext uri="{FF2B5EF4-FFF2-40B4-BE49-F238E27FC236}">
+                <a16:creationId xmlns:a16="http://schemas.microsoft.com/office/drawing/2014/main" id="{2E9954FA-C69E-211A-B02E-93A9307C927B}"/>
+              </a:ext>
+            </a:extLst>
+          </p:cNvPr>
+          <p:cNvCxnSpPr>
+            <a:cxnSpLocks/>
+            <a:stCxn id="8" idx="2"/>
+            <a:endCxn id="9" idx="0"/>
+          </p:cNvCxnSpPr>
+          <p:nvPr/>
+        </p:nvCxnSpPr>
+        <p:spPr>
+          <a:xfrm>
+            <a:off x="9589227" y="4805294"/>
+            <a:ext cx="0" cy="362018"/>
+          </a:xfrm>
+          <a:prstGeom prst="straightConnector1">
+            <a:avLst/>
+          </a:prstGeom>
+          <a:ln>
+            <a:tailEnd type="triangle"/>
+          </a:ln>
+        </p:spPr>
+        <p:style>
+          <a:lnRef idx="2">
+            <a:schemeClr val="accent1"/>
+          </a:lnRef>
+          <a:fillRef idx="0">
+            <a:schemeClr val="accent1"/>
+          </a:fillRef>
+          <a:effectRef idx="1">
+            <a:schemeClr val="accent1"/>
+          </a:effectRef>
+          <a:fontRef idx="minor">
+            <a:schemeClr val="tx1"/>
+          </a:fontRef>
+        </p:style>
+      </p:cxnSp>
     </p:spTree>
     <p:extLst>
       <p:ext uri="{BB962C8B-B14F-4D97-AF65-F5344CB8AC3E}">
-        <p14:creationId xmlns:p14="http://schemas.microsoft.com/office/powerpoint/2010/main" val="1044767826"/>
+        <p14:creationId xmlns:p14="http://schemas.microsoft.com/office/powerpoint/2010/main" val="192491550"/>
       </p:ext>
     </p:extLst>
   </p:cSld>

--- a/docs/Architecture Overview.pptx
+++ b/docs/Architecture Overview.pptx
@@ -5,7 +5,7 @@
     <p:sldMasterId id="2147483648" r:id="rId1"/>
   </p:sldMasterIdLst>
   <p:notesMasterIdLst>
-    <p:notesMasterId r:id="rId18"/>
+    <p:notesMasterId r:id="rId19"/>
   </p:notesMasterIdLst>
   <p:sldIdLst>
     <p:sldId id="256" r:id="rId2"/>
@@ -21,9 +21,10 @@
     <p:sldId id="263" r:id="rId12"/>
     <p:sldId id="264" r:id="rId13"/>
     <p:sldId id="271" r:id="rId14"/>
-    <p:sldId id="262" r:id="rId15"/>
-    <p:sldId id="272" r:id="rId16"/>
-    <p:sldId id="270" r:id="rId17"/>
+    <p:sldId id="274" r:id="rId15"/>
+    <p:sldId id="262" r:id="rId16"/>
+    <p:sldId id="272" r:id="rId17"/>
+    <p:sldId id="270" r:id="rId18"/>
   </p:sldIdLst>
   <p:sldSz cx="12192000" cy="6858000"/>
   <p:notesSz cx="6858000" cy="9144000"/>
@@ -4788,7 +4789,7 @@
           <p:cNvPr id="2" name="Title 1">
             <a:extLst>
               <a:ext uri="{FF2B5EF4-FFF2-40B4-BE49-F238E27FC236}">
-                <a16:creationId xmlns:a16="http://schemas.microsoft.com/office/drawing/2014/main" id="{937C3745-3ED5-B341-514E-449E9EBB7B0F}"/>
+                <a16:creationId xmlns:a16="http://schemas.microsoft.com/office/drawing/2014/main" id="{584DB416-7268-A591-AF71-9028C5B7E3E1}"/>
               </a:ext>
             </a:extLst>
           </p:cNvPr>
@@ -4804,7 +4805,10 @@
           <a:bodyPr/>
           <a:lstStyle/>
           <a:p>
-            <a:endParaRPr lang="en-GB"/>
+            <a:r>
+              <a:rPr lang="en-GB" dirty="0"/>
+              <a:t>Continuous Monitoring</a:t>
+            </a:r>
           </a:p>
         </p:txBody>
       </p:sp>
@@ -4813,7 +4817,7 @@
           <p:cNvPr id="3" name="Content Placeholder 2">
             <a:extLst>
               <a:ext uri="{FF2B5EF4-FFF2-40B4-BE49-F238E27FC236}">
-                <a16:creationId xmlns:a16="http://schemas.microsoft.com/office/drawing/2014/main" id="{A529D087-0E66-EE94-16A4-36EE05BA482A}"/>
+                <a16:creationId xmlns:a16="http://schemas.microsoft.com/office/drawing/2014/main" id="{2AA9A4AE-BC52-67E4-8970-94027BFC8177}"/>
               </a:ext>
             </a:extLst>
           </p:cNvPr>
@@ -4829,44 +4833,24 @@
           <a:bodyPr/>
           <a:lstStyle/>
           <a:p>
-            <a:endParaRPr lang="en-GB"/>
-          </a:p>
-        </p:txBody>
-      </p:sp>
-      <p:pic>
-        <p:nvPicPr>
-          <p:cNvPr id="4" name="Picture 3">
-            <a:extLst>
-              <a:ext uri="{FF2B5EF4-FFF2-40B4-BE49-F238E27FC236}">
-                <a16:creationId xmlns:a16="http://schemas.microsoft.com/office/drawing/2014/main" id="{D218059D-CF53-BEF7-4E93-22C3723FEAE6}"/>
-              </a:ext>
-            </a:extLst>
-          </p:cNvPr>
-          <p:cNvPicPr>
-            <a:picLocks noChangeAspect="1"/>
-          </p:cNvPicPr>
-          <p:nvPr/>
-        </p:nvPicPr>
-        <p:blipFill>
-          <a:blip r:embed="rId2"/>
-          <a:stretch>
-            <a:fillRect/>
-          </a:stretch>
-        </p:blipFill>
-        <p:spPr>
-          <a:xfrm>
-            <a:off x="2209800" y="2311400"/>
-            <a:ext cx="7772400" cy="2235200"/>
-          </a:xfrm>
-          <a:prstGeom prst="rect">
-            <a:avLst/>
-          </a:prstGeom>
-        </p:spPr>
-      </p:pic>
+            <a:r>
+              <a:rPr lang="en-GB" dirty="0"/>
+              <a:t>To implement as a layer above CT. If CM triggers something </a:t>
+            </a:r>
+            <a:r>
+              <a:rPr lang="en-GB" dirty="0">
+                <a:sym typeface="Wingdings" pitchFamily="2" charset="2"/>
+              </a:rPr>
+              <a:t> then test for CT</a:t>
+            </a:r>
+            <a:endParaRPr lang="en-GB" dirty="0"/>
+          </a:p>
+        </p:txBody>
+      </p:sp>
     </p:spTree>
     <p:extLst>
       <p:ext uri="{BB962C8B-B14F-4D97-AF65-F5344CB8AC3E}">
-        <p14:creationId xmlns:p14="http://schemas.microsoft.com/office/powerpoint/2010/main" val="3270788167"/>
+        <p14:creationId xmlns:p14="http://schemas.microsoft.com/office/powerpoint/2010/main" val="1083061491"/>
       </p:ext>
     </p:extLst>
   </p:cSld>
@@ -4898,6 +4882,116 @@
           <p:cNvPr id="2" name="Title 1">
             <a:extLst>
               <a:ext uri="{FF2B5EF4-FFF2-40B4-BE49-F238E27FC236}">
+                <a16:creationId xmlns:a16="http://schemas.microsoft.com/office/drawing/2014/main" id="{937C3745-3ED5-B341-514E-449E9EBB7B0F}"/>
+              </a:ext>
+            </a:extLst>
+          </p:cNvPr>
+          <p:cNvSpPr>
+            <a:spLocks noGrp="1"/>
+          </p:cNvSpPr>
+          <p:nvPr>
+            <p:ph type="title"/>
+          </p:nvPr>
+        </p:nvSpPr>
+        <p:spPr/>
+        <p:txBody>
+          <a:bodyPr/>
+          <a:lstStyle/>
+          <a:p>
+            <a:endParaRPr lang="en-GB"/>
+          </a:p>
+        </p:txBody>
+      </p:sp>
+      <p:sp>
+        <p:nvSpPr>
+          <p:cNvPr id="3" name="Content Placeholder 2">
+            <a:extLst>
+              <a:ext uri="{FF2B5EF4-FFF2-40B4-BE49-F238E27FC236}">
+                <a16:creationId xmlns:a16="http://schemas.microsoft.com/office/drawing/2014/main" id="{A529D087-0E66-EE94-16A4-36EE05BA482A}"/>
+              </a:ext>
+            </a:extLst>
+          </p:cNvPr>
+          <p:cNvSpPr>
+            <a:spLocks noGrp="1"/>
+          </p:cNvSpPr>
+          <p:nvPr>
+            <p:ph idx="1"/>
+          </p:nvPr>
+        </p:nvSpPr>
+        <p:spPr/>
+        <p:txBody>
+          <a:bodyPr/>
+          <a:lstStyle/>
+          <a:p>
+            <a:endParaRPr lang="en-GB"/>
+          </a:p>
+        </p:txBody>
+      </p:sp>
+      <p:pic>
+        <p:nvPicPr>
+          <p:cNvPr id="4" name="Picture 3">
+            <a:extLst>
+              <a:ext uri="{FF2B5EF4-FFF2-40B4-BE49-F238E27FC236}">
+                <a16:creationId xmlns:a16="http://schemas.microsoft.com/office/drawing/2014/main" id="{D218059D-CF53-BEF7-4E93-22C3723FEAE6}"/>
+              </a:ext>
+            </a:extLst>
+          </p:cNvPr>
+          <p:cNvPicPr>
+            <a:picLocks noChangeAspect="1"/>
+          </p:cNvPicPr>
+          <p:nvPr/>
+        </p:nvPicPr>
+        <p:blipFill>
+          <a:blip r:embed="rId2"/>
+          <a:stretch>
+            <a:fillRect/>
+          </a:stretch>
+        </p:blipFill>
+        <p:spPr>
+          <a:xfrm>
+            <a:off x="2209800" y="2311400"/>
+            <a:ext cx="7772400" cy="2235200"/>
+          </a:xfrm>
+          <a:prstGeom prst="rect">
+            <a:avLst/>
+          </a:prstGeom>
+        </p:spPr>
+      </p:pic>
+    </p:spTree>
+    <p:extLst>
+      <p:ext uri="{BB962C8B-B14F-4D97-AF65-F5344CB8AC3E}">
+        <p14:creationId xmlns:p14="http://schemas.microsoft.com/office/powerpoint/2010/main" val="3270788167"/>
+      </p:ext>
+    </p:extLst>
+  </p:cSld>
+  <p:clrMapOvr>
+    <a:masterClrMapping/>
+  </p:clrMapOvr>
+</p:sld>
+</file>
+
+<file path=ppt/slides/slide16.xml><?xml version="1.0" encoding="utf-8"?>
+<p:sld xmlns:a="http://schemas.openxmlformats.org/drawingml/2006/main" xmlns:r="http://schemas.openxmlformats.org/officeDocument/2006/relationships" xmlns:p="http://schemas.openxmlformats.org/presentationml/2006/main">
+  <p:cSld>
+    <p:spTree>
+      <p:nvGrpSpPr>
+        <p:cNvPr id="1" name=""/>
+        <p:cNvGrpSpPr/>
+        <p:nvPr/>
+      </p:nvGrpSpPr>
+      <p:grpSpPr>
+        <a:xfrm>
+          <a:off x="0" y="0"/>
+          <a:ext cx="0" cy="0"/>
+          <a:chOff x="0" y="0"/>
+          <a:chExt cx="0" cy="0"/>
+        </a:xfrm>
+      </p:grpSpPr>
+      <p:sp>
+        <p:nvSpPr>
+          <p:cNvPr id="2" name="Title 1">
+            <a:extLst>
+              <a:ext uri="{FF2B5EF4-FFF2-40B4-BE49-F238E27FC236}">
                 <a16:creationId xmlns:a16="http://schemas.microsoft.com/office/drawing/2014/main" id="{0CB8E99E-2237-9A17-529F-93481248424B}"/>
               </a:ext>
             </a:extLst>
@@ -5009,7 +5103,7 @@
 </p:sld>
 </file>
 
-<file path=ppt/slides/slide16.xml><?xml version="1.0" encoding="utf-8"?>
+<file path=ppt/slides/slide17.xml><?xml version="1.0" encoding="utf-8"?>
 <p:sld xmlns:a="http://schemas.openxmlformats.org/drawingml/2006/main" xmlns:r="http://schemas.openxmlformats.org/officeDocument/2006/relationships" xmlns:p="http://schemas.openxmlformats.org/presentationml/2006/main">
   <p:cSld>
     <p:spTree>

--- a/docs/Architecture Overview.pptx
+++ b/docs/Architecture Overview.pptx
@@ -9135,7 +9135,7 @@
                   <a:schemeClr val="tx1"/>
                 </a:solidFill>
               </a:rPr>
-              <a:t>Retrain best model</a:t>
+              <a:t>Retrain best model using same script</a:t>
             </a:r>
           </a:p>
         </p:txBody>
@@ -9413,21 +9413,36 @@
           </a:p>
           <a:p>
             <a:r>
-              <a:rPr lang="en-GB" dirty="0"/>
+              <a:rPr lang="en-GB" strike="sngStrike" dirty="0"/>
               <a:t>Retraining champion model</a:t>
             </a:r>
-            <a:endParaRPr lang="en-GB" dirty="0">
+            <a:endParaRPr lang="en-GB" strike="sngStrike" dirty="0">
               <a:sym typeface="Wingdings" pitchFamily="2" charset="2"/>
             </a:endParaRPr>
           </a:p>
           <a:p>
             <a:r>
-              <a:rPr lang="en-GB" dirty="0">
+              <a:rPr lang="en-GB" strike="sngStrike" dirty="0">
                 <a:sym typeface="Wingdings" pitchFamily="2" charset="2"/>
               </a:rPr>
-              <a:t>Download new data filtered by date, process and then append to existing feature store</a:t>
-            </a:r>
-            <a:endParaRPr lang="en-GB" dirty="0"/>
+              <a:t>Download new data filtered by date, process and then append to existing feature store (</a:t>
+            </a:r>
+            <a:r>
+              <a:rPr lang="en-GB" strike="sngStrike" dirty="0">
+                <a:solidFill>
+                  <a:srgbClr val="FF0000"/>
+                </a:solidFill>
+                <a:sym typeface="Wingdings" pitchFamily="2" charset="2"/>
+              </a:rPr>
+              <a:t>cannot be done, missing date of update</a:t>
+            </a:r>
+            <a:r>
+              <a:rPr lang="en-GB" strike="sngStrike" dirty="0">
+                <a:sym typeface="Wingdings" pitchFamily="2" charset="2"/>
+              </a:rPr>
+              <a:t>)</a:t>
+            </a:r>
+            <a:endParaRPr lang="en-GB" strike="sngStrike" dirty="0"/>
           </a:p>
           <a:p>
             <a:r>
@@ -9673,13 +9688,8 @@
             <a:pPr lvl="1"/>
             <a:r>
               <a:rPr lang="en-GB" dirty="0"/>
-              <a:t>Train-</a:t>
-            </a:r>
-            <a:r>
-              <a:rPr lang="en-GB" dirty="0" err="1"/>
-              <a:t>valudate</a:t>
-            </a:r>
-            <a:endParaRPr lang="en-GB" dirty="0"/>
+              <a:t>Train-validate</a:t>
+            </a:r>
           </a:p>
           <a:p>
             <a:pPr lvl="1"/>
@@ -10212,7 +10222,7 @@
         </p:nvSpPr>
         <p:spPr>
           <a:xfrm>
-            <a:off x="838200" y="2416629"/>
+            <a:off x="2146738" y="2729821"/>
             <a:ext cx="2087880" cy="1012371"/>
           </a:xfrm>
           <a:prstGeom prst="roundRect">
@@ -10245,7 +10255,7 @@
             <a:pPr algn="ctr"/>
             <a:r>
               <a:rPr lang="en-GB" dirty="0"/>
-              <a:t>Take champion model from S3</a:t>
+              <a:t>AWS Lambda loads champion model from S3</a:t>
             </a:r>
           </a:p>
         </p:txBody>
@@ -10264,7 +10274,7 @@
         </p:nvSpPr>
         <p:spPr>
           <a:xfrm>
-            <a:off x="3407229" y="2416629"/>
+            <a:off x="4715767" y="2729821"/>
             <a:ext cx="2087880" cy="1012371"/>
           </a:xfrm>
           <a:prstGeom prst="roundRect">
@@ -10297,7 +10307,7 @@
             <a:pPr algn="ctr"/>
             <a:r>
               <a:rPr lang="en-GB" dirty="0"/>
-              <a:t>Retrain based on train + test</a:t>
+              <a:t>Retrain challenger model based on train + test + retraining test</a:t>
             </a:r>
           </a:p>
         </p:txBody>
@@ -10316,7 +10326,7 @@
         </p:nvSpPr>
         <p:spPr>
           <a:xfrm>
-            <a:off x="5976258" y="2416629"/>
+            <a:off x="7284796" y="2729821"/>
             <a:ext cx="2087880" cy="1012371"/>
           </a:xfrm>
           <a:prstGeom prst="roundRect">
@@ -10349,17 +10359,17 @@
             <a:pPr algn="ctr"/>
             <a:r>
               <a:rPr lang="en-GB" dirty="0"/>
-              <a:t>A/B or rule based testing to see lift</a:t>
-            </a:r>
-          </a:p>
-        </p:txBody>
-      </p:sp>
-      <p:sp>
-        <p:nvSpPr>
-          <p:cNvPr id="7" name="Rounded Rectangle 6">
-            <a:extLst>
-              <a:ext uri="{FF2B5EF4-FFF2-40B4-BE49-F238E27FC236}">
-                <a16:creationId xmlns:a16="http://schemas.microsoft.com/office/drawing/2014/main" id="{44DC9DBC-FDFE-1436-8DF4-326AF43F81F9}"/>
+              <a:t>Threshold of 5% improvement</a:t>
+            </a:r>
+          </a:p>
+        </p:txBody>
+      </p:sp>
+      <p:sp>
+        <p:nvSpPr>
+          <p:cNvPr id="9" name="Rounded Rectangle 8">
+            <a:extLst>
+              <a:ext uri="{FF2B5EF4-FFF2-40B4-BE49-F238E27FC236}">
+                <a16:creationId xmlns:a16="http://schemas.microsoft.com/office/drawing/2014/main" id="{6522B1A6-501C-E5F7-3C63-E31C43480CC1}"/>
               </a:ext>
             </a:extLst>
           </p:cNvPr>
@@ -10368,7 +10378,7 @@
         </p:nvSpPr>
         <p:spPr>
           <a:xfrm>
-            <a:off x="8545287" y="2416629"/>
+            <a:off x="9853825" y="2729820"/>
             <a:ext cx="2087880" cy="1012371"/>
           </a:xfrm>
           <a:prstGeom prst="roundRect">
@@ -10401,17 +10411,17 @@
             <a:pPr algn="ctr"/>
             <a:r>
               <a:rPr lang="en-GB" dirty="0"/>
-              <a:t>Translate to business metrics</a:t>
-            </a:r>
-          </a:p>
-        </p:txBody>
-      </p:sp>
-      <p:sp>
-        <p:nvSpPr>
-          <p:cNvPr id="8" name="Rounded Rectangle 7">
-            <a:extLst>
-              <a:ext uri="{FF2B5EF4-FFF2-40B4-BE49-F238E27FC236}">
-                <a16:creationId xmlns:a16="http://schemas.microsoft.com/office/drawing/2014/main" id="{772402C2-3655-9B19-6978-DB5E31C84753}"/>
+              <a:t>Push challenger to S3 if it wins</a:t>
+            </a:r>
+          </a:p>
+        </p:txBody>
+      </p:sp>
+      <p:sp>
+        <p:nvSpPr>
+          <p:cNvPr id="11" name="Rounded Rectangle 10">
+            <a:extLst>
+              <a:ext uri="{FF2B5EF4-FFF2-40B4-BE49-F238E27FC236}">
+                <a16:creationId xmlns:a16="http://schemas.microsoft.com/office/drawing/2014/main" id="{BB4CC1CF-EE8E-31C8-D110-1D1D6E74023C}"/>
               </a:ext>
             </a:extLst>
           </p:cNvPr>
@@ -10420,111 +10430,7 @@
         </p:nvSpPr>
         <p:spPr>
           <a:xfrm>
-            <a:off x="8545287" y="3792923"/>
-            <a:ext cx="2087880" cy="1012371"/>
-          </a:xfrm>
-          <a:prstGeom prst="roundRect">
-            <a:avLst/>
-          </a:prstGeom>
-          <a:solidFill>
-            <a:schemeClr val="accent1"/>
-          </a:solidFill>
-        </p:spPr>
-        <p:style>
-          <a:lnRef idx="2">
-            <a:schemeClr val="accent1">
-              <a:shade val="15000"/>
-            </a:schemeClr>
-          </a:lnRef>
-          <a:fillRef idx="1">
-            <a:schemeClr val="accent1"/>
-          </a:fillRef>
-          <a:effectRef idx="0">
-            <a:schemeClr val="accent1"/>
-          </a:effectRef>
-          <a:fontRef idx="minor">
-            <a:schemeClr val="lt1"/>
-          </a:fontRef>
-        </p:style>
-        <p:txBody>
-          <a:bodyPr rtlCol="0" anchor="ctr"/>
-          <a:lstStyle/>
-          <a:p>
-            <a:pPr algn="ctr"/>
-            <a:r>
-              <a:rPr lang="en-GB" dirty="0"/>
-              <a:t>?? Route for manual review</a:t>
-            </a:r>
-          </a:p>
-        </p:txBody>
-      </p:sp>
-      <p:sp>
-        <p:nvSpPr>
-          <p:cNvPr id="9" name="Rounded Rectangle 8">
-            <a:extLst>
-              <a:ext uri="{FF2B5EF4-FFF2-40B4-BE49-F238E27FC236}">
-                <a16:creationId xmlns:a16="http://schemas.microsoft.com/office/drawing/2014/main" id="{6522B1A6-501C-E5F7-3C63-E31C43480CC1}"/>
-              </a:ext>
-            </a:extLst>
-          </p:cNvPr>
-          <p:cNvSpPr/>
-          <p:nvPr/>
-        </p:nvSpPr>
-        <p:spPr>
-          <a:xfrm>
-            <a:off x="8545287" y="5167312"/>
-            <a:ext cx="2087880" cy="1012371"/>
-          </a:xfrm>
-          <a:prstGeom prst="roundRect">
-            <a:avLst/>
-          </a:prstGeom>
-          <a:solidFill>
-            <a:schemeClr val="accent1"/>
-          </a:solidFill>
-        </p:spPr>
-        <p:style>
-          <a:lnRef idx="2">
-            <a:schemeClr val="accent1">
-              <a:shade val="15000"/>
-            </a:schemeClr>
-          </a:lnRef>
-          <a:fillRef idx="1">
-            <a:schemeClr val="accent1"/>
-          </a:fillRef>
-          <a:effectRef idx="0">
-            <a:schemeClr val="accent1"/>
-          </a:effectRef>
-          <a:fontRef idx="minor">
-            <a:schemeClr val="lt1"/>
-          </a:fontRef>
-        </p:style>
-        <p:txBody>
-          <a:bodyPr rtlCol="0" anchor="ctr"/>
-          <a:lstStyle/>
-          <a:p>
-            <a:pPr algn="ctr"/>
-            <a:r>
-              <a:rPr lang="en-GB" dirty="0"/>
-              <a:t>Push to S3</a:t>
-            </a:r>
-          </a:p>
-        </p:txBody>
-      </p:sp>
-      <p:sp>
-        <p:nvSpPr>
-          <p:cNvPr id="11" name="Rounded Rectangle 10">
-            <a:extLst>
-              <a:ext uri="{FF2B5EF4-FFF2-40B4-BE49-F238E27FC236}">
-                <a16:creationId xmlns:a16="http://schemas.microsoft.com/office/drawing/2014/main" id="{BB4CC1CF-EE8E-31C8-D110-1D1D6E74023C}"/>
-              </a:ext>
-            </a:extLst>
-          </p:cNvPr>
-          <p:cNvSpPr/>
-          <p:nvPr/>
-        </p:nvSpPr>
-        <p:spPr>
-          <a:xfrm>
-            <a:off x="838200" y="4154941"/>
+            <a:off x="2146738" y="4468133"/>
             <a:ext cx="2087880" cy="1012371"/>
           </a:xfrm>
           <a:prstGeom prst="roundRect">
@@ -10580,7 +10486,7 @@
         </p:nvCxnSpPr>
         <p:spPr>
           <a:xfrm>
-            <a:off x="2926080" y="2922815"/>
+            <a:off x="4234618" y="3236007"/>
             <a:ext cx="481149" cy="0"/>
           </a:xfrm>
           <a:prstGeom prst="straightConnector1">
@@ -10623,7 +10529,7 @@
         </p:nvCxnSpPr>
         <p:spPr>
           <a:xfrm>
-            <a:off x="5495109" y="2922815"/>
+            <a:off x="6803647" y="3236007"/>
             <a:ext cx="481149" cy="0"/>
           </a:xfrm>
           <a:prstGeom prst="straightConnector1">
@@ -10660,16 +10566,110 @@
           <p:cNvCxnSpPr>
             <a:cxnSpLocks/>
             <a:stCxn id="6" idx="3"/>
-            <a:endCxn id="7" idx="1"/>
+            <a:endCxn id="9" idx="1"/>
           </p:cNvCxnSpPr>
           <p:nvPr/>
         </p:nvCxnSpPr>
         <p:spPr>
+          <a:xfrm flipV="1">
+            <a:off x="9372676" y="3236006"/>
+            <a:ext cx="481149" cy="1"/>
+          </a:xfrm>
+          <a:prstGeom prst="straightConnector1">
+            <a:avLst/>
+          </a:prstGeom>
+          <a:ln>
+            <a:tailEnd type="triangle"/>
+          </a:ln>
+        </p:spPr>
+        <p:style>
+          <a:lnRef idx="2">
+            <a:schemeClr val="accent1"/>
+          </a:lnRef>
+          <a:fillRef idx="0">
+            <a:schemeClr val="accent1"/>
+          </a:fillRef>
+          <a:effectRef idx="1">
+            <a:schemeClr val="accent1"/>
+          </a:effectRef>
+          <a:fontRef idx="minor">
+            <a:schemeClr val="tx1"/>
+          </a:fontRef>
+        </p:style>
+      </p:cxnSp>
+      <p:sp>
+        <p:nvSpPr>
+          <p:cNvPr id="33" name="Rounded Rectangle 32">
+            <a:extLst>
+              <a:ext uri="{FF2B5EF4-FFF2-40B4-BE49-F238E27FC236}">
+                <a16:creationId xmlns:a16="http://schemas.microsoft.com/office/drawing/2014/main" id="{C484CA52-A95C-FCD0-F365-FA7F9542E6C8}"/>
+              </a:ext>
+            </a:extLst>
+          </p:cNvPr>
+          <p:cNvSpPr/>
+          <p:nvPr/>
+        </p:nvSpPr>
+        <p:spPr>
           <a:xfrm>
-            <a:off x="8064138" y="2922815"/>
-            <a:ext cx="481149" cy="0"/>
-          </a:xfrm>
-          <a:prstGeom prst="straightConnector1">
+            <a:off x="533400" y="1560854"/>
+            <a:ext cx="2087880" cy="1012371"/>
+          </a:xfrm>
+          <a:prstGeom prst="roundRect">
+            <a:avLst/>
+          </a:prstGeom>
+          <a:solidFill>
+            <a:schemeClr val="accent1"/>
+          </a:solidFill>
+        </p:spPr>
+        <p:style>
+          <a:lnRef idx="2">
+            <a:schemeClr val="accent1">
+              <a:shade val="15000"/>
+            </a:schemeClr>
+          </a:lnRef>
+          <a:fillRef idx="1">
+            <a:schemeClr val="accent1"/>
+          </a:fillRef>
+          <a:effectRef idx="0">
+            <a:schemeClr val="accent1"/>
+          </a:effectRef>
+          <a:fontRef idx="minor">
+            <a:schemeClr val="lt1"/>
+          </a:fontRef>
+        </p:style>
+        <p:txBody>
+          <a:bodyPr rtlCol="0" anchor="ctr"/>
+          <a:lstStyle/>
+          <a:p>
+            <a:pPr algn="ctr"/>
+            <a:r>
+              <a:rPr lang="en-GB" dirty="0"/>
+              <a:t>With new data pulled weekly on S3</a:t>
+            </a:r>
+          </a:p>
+        </p:txBody>
+      </p:sp>
+      <p:cxnSp>
+        <p:nvCxnSpPr>
+          <p:cNvPr id="35" name="Elbow Connector 34">
+            <a:extLst>
+              <a:ext uri="{FF2B5EF4-FFF2-40B4-BE49-F238E27FC236}">
+                <a16:creationId xmlns:a16="http://schemas.microsoft.com/office/drawing/2014/main" id="{7EF46BE1-A142-DA15-C6F0-1D1F13EFF7E1}"/>
+              </a:ext>
+            </a:extLst>
+          </p:cNvPr>
+          <p:cNvCxnSpPr>
+            <a:stCxn id="33" idx="2"/>
+            <a:endCxn id="4" idx="1"/>
+          </p:cNvCxnSpPr>
+          <p:nvPr/>
+        </p:nvCxnSpPr>
+        <p:spPr>
+          <a:xfrm rot="16200000" flipH="1">
+            <a:off x="1530648" y="2619917"/>
+            <a:ext cx="662782" cy="569398"/>
+          </a:xfrm>
+          <a:prstGeom prst="bentConnector2">
             <a:avLst/>
           </a:prstGeom>
           <a:ln>
@@ -10693,26 +10693,26 @@
       </p:cxnSp>
       <p:cxnSp>
         <p:nvCxnSpPr>
-          <p:cNvPr id="21" name="Straight Arrow Connector 20">
-            <a:extLst>
-              <a:ext uri="{FF2B5EF4-FFF2-40B4-BE49-F238E27FC236}">
-                <a16:creationId xmlns:a16="http://schemas.microsoft.com/office/drawing/2014/main" id="{A0C0CA5A-47B5-704F-8833-269A426BD852}"/>
+          <p:cNvPr id="36" name="Elbow Connector 35">
+            <a:extLst>
+              <a:ext uri="{FF2B5EF4-FFF2-40B4-BE49-F238E27FC236}">
+                <a16:creationId xmlns:a16="http://schemas.microsoft.com/office/drawing/2014/main" id="{C32A4EEC-DE60-5CFF-B4F9-A0E82DC3EF4D}"/>
               </a:ext>
             </a:extLst>
           </p:cNvPr>
           <p:cNvCxnSpPr>
             <a:cxnSpLocks/>
-            <a:stCxn id="11" idx="3"/>
-            <a:endCxn id="5" idx="1"/>
+            <a:stCxn id="33" idx="2"/>
+            <a:endCxn id="11" idx="1"/>
           </p:cNvCxnSpPr>
           <p:nvPr/>
         </p:nvCxnSpPr>
         <p:spPr>
-          <a:xfrm flipV="1">
-            <a:off x="2926080" y="2922815"/>
-            <a:ext cx="481149" cy="1738312"/>
-          </a:xfrm>
-          <a:prstGeom prst="straightConnector1">
+          <a:xfrm rot="16200000" flipH="1">
+            <a:off x="661492" y="3489073"/>
+            <a:ext cx="2401094" cy="569398"/>
+          </a:xfrm>
+          <a:prstGeom prst="bentConnector2">
             <a:avLst/>
           </a:prstGeom>
           <a:ln>
@@ -10734,92 +10734,74 @@
           </a:fontRef>
         </p:style>
       </p:cxnSp>
-      <p:cxnSp>
-        <p:nvCxnSpPr>
-          <p:cNvPr id="24" name="Straight Arrow Connector 23">
-            <a:extLst>
-              <a:ext uri="{FF2B5EF4-FFF2-40B4-BE49-F238E27FC236}">
-                <a16:creationId xmlns:a16="http://schemas.microsoft.com/office/drawing/2014/main" id="{5D116722-350B-5ED2-FEDC-61CA93E34798}"/>
-              </a:ext>
-            </a:extLst>
-          </p:cNvPr>
-          <p:cNvCxnSpPr>
-            <a:cxnSpLocks/>
-            <a:stCxn id="7" idx="2"/>
-            <a:endCxn id="8" idx="0"/>
-          </p:cNvCxnSpPr>
+      <p:sp>
+        <p:nvSpPr>
+          <p:cNvPr id="40" name="TextBox 39">
+            <a:extLst>
+              <a:ext uri="{FF2B5EF4-FFF2-40B4-BE49-F238E27FC236}">
+                <a16:creationId xmlns:a16="http://schemas.microsoft.com/office/drawing/2014/main" id="{91F52619-D3DE-F07A-2D90-54A7256990C4}"/>
+              </a:ext>
+            </a:extLst>
+          </p:cNvPr>
+          <p:cNvSpPr txBox="1"/>
           <p:nvPr/>
-        </p:nvCxnSpPr>
+        </p:nvSpPr>
         <p:spPr>
           <a:xfrm>
-            <a:off x="9589227" y="3429000"/>
-            <a:ext cx="0" cy="363923"/>
-          </a:xfrm>
-          <a:prstGeom prst="straightConnector1">
+            <a:off x="6858000" y="5139559"/>
+            <a:ext cx="184731" cy="369332"/>
+          </a:xfrm>
+          <a:prstGeom prst="rect">
             <a:avLst/>
           </a:prstGeom>
-          <a:ln>
-            <a:tailEnd type="triangle"/>
-          </a:ln>
-        </p:spPr>
-        <p:style>
-          <a:lnRef idx="2">
-            <a:schemeClr val="accent1"/>
-          </a:lnRef>
-          <a:fillRef idx="0">
-            <a:schemeClr val="accent1"/>
-          </a:fillRef>
-          <a:effectRef idx="1">
-            <a:schemeClr val="accent1"/>
-          </a:effectRef>
-          <a:fontRef idx="minor">
-            <a:schemeClr val="tx1"/>
-          </a:fontRef>
-        </p:style>
-      </p:cxnSp>
-      <p:cxnSp>
-        <p:nvCxnSpPr>
-          <p:cNvPr id="27" name="Straight Arrow Connector 26">
-            <a:extLst>
-              <a:ext uri="{FF2B5EF4-FFF2-40B4-BE49-F238E27FC236}">
-                <a16:creationId xmlns:a16="http://schemas.microsoft.com/office/drawing/2014/main" id="{2E9954FA-C69E-211A-B02E-93A9307C927B}"/>
-              </a:ext>
-            </a:extLst>
-          </p:cNvPr>
-          <p:cNvCxnSpPr>
-            <a:cxnSpLocks/>
-            <a:stCxn id="8" idx="2"/>
-            <a:endCxn id="9" idx="0"/>
-          </p:cNvCxnSpPr>
+          <a:noFill/>
+        </p:spPr>
+        <p:txBody>
+          <a:bodyPr wrap="none" rtlCol="0">
+            <a:spAutoFit/>
+          </a:bodyPr>
+          <a:lstStyle/>
+          <a:p>
+            <a:endParaRPr lang="en-GB" dirty="0"/>
+          </a:p>
+        </p:txBody>
+      </p:sp>
+      <p:pic>
+        <p:nvPicPr>
+          <p:cNvPr id="43" name="Graphic 42">
+            <a:extLst>
+              <a:ext uri="{FF2B5EF4-FFF2-40B4-BE49-F238E27FC236}">
+                <a16:creationId xmlns:a16="http://schemas.microsoft.com/office/drawing/2014/main" id="{02911A7A-37B5-EFF1-591B-FB7B6B6E1D20}"/>
+              </a:ext>
+            </a:extLst>
+          </p:cNvPr>
+          <p:cNvPicPr>
+            <a:picLocks noChangeAspect="1"/>
+          </p:cNvPicPr>
           <p:nvPr/>
-        </p:nvCxnSpPr>
+        </p:nvPicPr>
+        <p:blipFill>
+          <a:blip r:embed="rId2">
+            <a:extLst>
+              <a:ext uri="{96DAC541-7B7A-43D3-8B79-37D633B846F1}">
+                <asvg:svgBlip xmlns:asvg="http://schemas.microsoft.com/office/drawing/2016/SVG/main" r:embed="rId3"/>
+              </a:ext>
+            </a:extLst>
+          </a:blip>
+          <a:stretch>
+            <a:fillRect/>
+          </a:stretch>
+        </p:blipFill>
         <p:spPr>
           <a:xfrm>
-            <a:off x="9589227" y="4805294"/>
-            <a:ext cx="0" cy="362018"/>
-          </a:xfrm>
-          <a:prstGeom prst="straightConnector1">
+            <a:off x="3528705" y="1870588"/>
+            <a:ext cx="791374" cy="872325"/>
+          </a:xfrm>
+          <a:prstGeom prst="rect">
             <a:avLst/>
           </a:prstGeom>
-          <a:ln>
-            <a:tailEnd type="triangle"/>
-          </a:ln>
-        </p:spPr>
-        <p:style>
-          <a:lnRef idx="2">
-            <a:schemeClr val="accent1"/>
-          </a:lnRef>
-          <a:fillRef idx="0">
-            <a:schemeClr val="accent1"/>
-          </a:fillRef>
-          <a:effectRef idx="1">
-            <a:schemeClr val="accent1"/>
-          </a:effectRef>
-          <a:fontRef idx="minor">
-            <a:schemeClr val="tx1"/>
-          </a:fontRef>
-        </p:style>
-      </p:cxnSp>
+        </p:spPr>
+      </p:pic>
     </p:spTree>
     <p:extLst>
       <p:ext uri="{BB962C8B-B14F-4D97-AF65-F5344CB8AC3E}">
@@ -10830,6 +10812,84 @@
   <p:clrMapOvr>
     <a:masterClrMapping/>
   </p:clrMapOvr>
+  <p:timing>
+    <p:tnLst>
+      <p:par>
+        <p:cTn id="1" dur="indefinite" restart="never" nodeType="tmRoot">
+          <p:childTnLst>
+            <p:seq concurrent="1" nextAc="seek">
+              <p:cTn id="2" dur="indefinite" nodeType="mainSeq">
+                <p:childTnLst>
+                  <p:par>
+                    <p:cTn id="3" fill="hold">
+                      <p:stCondLst>
+                        <p:cond delay="indefinite"/>
+                        <p:cond evt="onBegin" delay="0">
+                          <p:tn val="2"/>
+                        </p:cond>
+                      </p:stCondLst>
+                      <p:childTnLst>
+                        <p:par>
+                          <p:cTn id="4" fill="hold">
+                            <p:stCondLst>
+                              <p:cond delay="0"/>
+                            </p:stCondLst>
+                            <p:childTnLst>
+                              <p:par>
+                                <p:cTn id="5" presetID="1" presetClass="entr" presetSubtype="0" fill="hold" nodeType="withEffect">
+                                  <p:stCondLst>
+                                    <p:cond delay="0"/>
+                                  </p:stCondLst>
+                                  <p:childTnLst>
+                                    <p:set>
+                                      <p:cBhvr>
+                                        <p:cTn id="6" dur="1" fill="hold">
+                                          <p:stCondLst>
+                                            <p:cond delay="0"/>
+                                          </p:stCondLst>
+                                        </p:cTn>
+                                        <p:tgtEl>
+                                          <p:spTgt spid="43"/>
+                                        </p:tgtEl>
+                                        <p:attrNameLst>
+                                          <p:attrName>style.visibility</p:attrName>
+                                        </p:attrNameLst>
+                                      </p:cBhvr>
+                                      <p:to>
+                                        <p:strVal val="visible"/>
+                                      </p:to>
+                                    </p:set>
+                                  </p:childTnLst>
+                                </p:cTn>
+                              </p:par>
+                            </p:childTnLst>
+                          </p:cTn>
+                        </p:par>
+                      </p:childTnLst>
+                    </p:cTn>
+                  </p:par>
+                </p:childTnLst>
+              </p:cTn>
+              <p:prevCondLst>
+                <p:cond evt="onPrev" delay="0">
+                  <p:tgtEl>
+                    <p:sldTgt/>
+                  </p:tgtEl>
+                </p:cond>
+              </p:prevCondLst>
+              <p:nextCondLst>
+                <p:cond evt="onNext" delay="0">
+                  <p:tgtEl>
+                    <p:sldTgt/>
+                  </p:tgtEl>
+                </p:cond>
+              </p:nextCondLst>
+            </p:seq>
+          </p:childTnLst>
+        </p:cTn>
+      </p:par>
+    </p:tnLst>
+  </p:timing>
 </p:sld>
 </file>
 

--- a/docs/Architecture Overview.pptx
+++ b/docs/Architecture Overview.pptx
@@ -5,7 +5,7 @@
     <p:sldMasterId id="2147483648" r:id="rId1"/>
   </p:sldMasterIdLst>
   <p:notesMasterIdLst>
-    <p:notesMasterId r:id="rId19"/>
+    <p:notesMasterId r:id="rId17"/>
   </p:notesMasterIdLst>
   <p:sldIdLst>
     <p:sldId id="256" r:id="rId2"/>
@@ -14,17 +14,15 @@
     <p:sldId id="260" r:id="rId5"/>
     <p:sldId id="268" r:id="rId6"/>
     <p:sldId id="261" r:id="rId7"/>
-    <p:sldId id="269" r:id="rId8"/>
-    <p:sldId id="265" r:id="rId9"/>
-    <p:sldId id="273" r:id="rId10"/>
-    <p:sldId id="266" r:id="rId11"/>
+    <p:sldId id="271" r:id="rId8"/>
+    <p:sldId id="269" r:id="rId9"/>
+    <p:sldId id="265" r:id="rId10"/>
+    <p:sldId id="273" r:id="rId11"/>
     <p:sldId id="263" r:id="rId12"/>
     <p:sldId id="264" r:id="rId13"/>
-    <p:sldId id="271" r:id="rId14"/>
-    <p:sldId id="274" r:id="rId15"/>
-    <p:sldId id="262" r:id="rId16"/>
-    <p:sldId id="272" r:id="rId17"/>
-    <p:sldId id="270" r:id="rId18"/>
+    <p:sldId id="262" r:id="rId14"/>
+    <p:sldId id="272" r:id="rId15"/>
+    <p:sldId id="270" r:id="rId16"/>
   </p:sldIdLst>
   <p:sldSz cx="12192000" cy="6858000"/>
   <p:notesSz cx="6858000" cy="9144000"/>
@@ -722,7 +720,7 @@
           <a:p>
             <a:fld id="{78293D93-78F6-7C4A-B196-7A9DF32E6281}" type="slidenum">
               <a:rPr lang="en-GB" smtClean="0"/>
-              <a:t>7</a:t>
+              <a:t>8</a:t>
             </a:fld>
             <a:endParaRPr lang="en-GB"/>
           </a:p>
@@ -4162,7 +4160,7 @@
           <p:cNvPr id="2" name="Title 1">
             <a:extLst>
               <a:ext uri="{FF2B5EF4-FFF2-40B4-BE49-F238E27FC236}">
-                <a16:creationId xmlns:a16="http://schemas.microsoft.com/office/drawing/2014/main" id="{786686E8-215A-5475-0873-B4055D121F8F}"/>
+                <a16:creationId xmlns:a16="http://schemas.microsoft.com/office/drawing/2014/main" id="{A6503889-B644-6D43-FF43-A075FC905774}"/>
               </a:ext>
             </a:extLst>
           </p:cNvPr>
@@ -4180,72 +4178,693 @@
           <a:p>
             <a:r>
               <a:rPr lang="en-GB" dirty="0"/>
-              <a:t>CT (Extras)</a:t>
-            </a:r>
-          </a:p>
-        </p:txBody>
-      </p:sp>
-      <p:sp>
-        <p:nvSpPr>
-          <p:cNvPr id="3" name="Content Placeholder 2">
-            <a:extLst>
-              <a:ext uri="{FF2B5EF4-FFF2-40B4-BE49-F238E27FC236}">
-                <a16:creationId xmlns:a16="http://schemas.microsoft.com/office/drawing/2014/main" id="{B4423546-A7E9-D0C0-C3F6-1997391AD7C0}"/>
-              </a:ext>
-            </a:extLst>
-          </p:cNvPr>
-          <p:cNvSpPr>
-            <a:spLocks noGrp="1"/>
-          </p:cNvSpPr>
-          <p:nvPr>
-            <p:ph idx="1"/>
-          </p:nvPr>
+              <a:t>Retraining</a:t>
+            </a:r>
+          </a:p>
+        </p:txBody>
+      </p:sp>
+      <p:sp>
+        <p:nvSpPr>
+          <p:cNvPr id="4" name="Rounded Rectangle 3">
+            <a:extLst>
+              <a:ext uri="{FF2B5EF4-FFF2-40B4-BE49-F238E27FC236}">
+                <a16:creationId xmlns:a16="http://schemas.microsoft.com/office/drawing/2014/main" id="{2CCEDC67-1814-EC85-563E-9AEA47E6A991}"/>
+              </a:ext>
+            </a:extLst>
+          </p:cNvPr>
+          <p:cNvSpPr/>
+          <p:nvPr/>
         </p:nvSpPr>
         <p:spPr>
           <a:xfrm>
-            <a:off x="838200" y="1825624"/>
-            <a:ext cx="10515600" cy="5032375"/>
-          </a:xfrm>
-        </p:spPr>
-        <p:txBody>
-          <a:bodyPr>
-            <a:normAutofit/>
+            <a:off x="2146738" y="2729821"/>
+            <a:ext cx="2087880" cy="1012371"/>
+          </a:xfrm>
+          <a:prstGeom prst="roundRect">
+            <a:avLst/>
+          </a:prstGeom>
+          <a:solidFill>
+            <a:schemeClr val="accent1"/>
+          </a:solidFill>
+        </p:spPr>
+        <p:style>
+          <a:lnRef idx="2">
+            <a:schemeClr val="accent1">
+              <a:shade val="15000"/>
+            </a:schemeClr>
+          </a:lnRef>
+          <a:fillRef idx="1">
+            <a:schemeClr val="accent1"/>
+          </a:fillRef>
+          <a:effectRef idx="0">
+            <a:schemeClr val="accent1"/>
+          </a:effectRef>
+          <a:fontRef idx="minor">
+            <a:schemeClr val="lt1"/>
+          </a:fontRef>
+        </p:style>
+        <p:txBody>
+          <a:bodyPr rtlCol="0" anchor="ctr"/>
+          <a:lstStyle/>
+          <a:p>
+            <a:pPr algn="ctr"/>
+            <a:r>
+              <a:rPr lang="en-GB" dirty="0"/>
+              <a:t>AWS Lambda loads champion model from S3</a:t>
+            </a:r>
+          </a:p>
+        </p:txBody>
+      </p:sp>
+      <p:sp>
+        <p:nvSpPr>
+          <p:cNvPr id="5" name="Rounded Rectangle 4">
+            <a:extLst>
+              <a:ext uri="{FF2B5EF4-FFF2-40B4-BE49-F238E27FC236}">
+                <a16:creationId xmlns:a16="http://schemas.microsoft.com/office/drawing/2014/main" id="{1B5480D8-AC7A-EC9A-F024-6ACBD248499A}"/>
+              </a:ext>
+            </a:extLst>
+          </p:cNvPr>
+          <p:cNvSpPr/>
+          <p:nvPr/>
+        </p:nvSpPr>
+        <p:spPr>
+          <a:xfrm>
+            <a:off x="4715767" y="2729821"/>
+            <a:ext cx="2087880" cy="1012371"/>
+          </a:xfrm>
+          <a:prstGeom prst="roundRect">
+            <a:avLst/>
+          </a:prstGeom>
+          <a:solidFill>
+            <a:schemeClr val="accent1"/>
+          </a:solidFill>
+        </p:spPr>
+        <p:style>
+          <a:lnRef idx="2">
+            <a:schemeClr val="accent1">
+              <a:shade val="15000"/>
+            </a:schemeClr>
+          </a:lnRef>
+          <a:fillRef idx="1">
+            <a:schemeClr val="accent1"/>
+          </a:fillRef>
+          <a:effectRef idx="0">
+            <a:schemeClr val="accent1"/>
+          </a:effectRef>
+          <a:fontRef idx="minor">
+            <a:schemeClr val="lt1"/>
+          </a:fontRef>
+        </p:style>
+        <p:txBody>
+          <a:bodyPr rtlCol="0" anchor="ctr"/>
+          <a:lstStyle/>
+          <a:p>
+            <a:pPr algn="ctr"/>
+            <a:r>
+              <a:rPr lang="en-GB" dirty="0"/>
+              <a:t>Retrain challenger model based on train + test + retraining test</a:t>
+            </a:r>
+          </a:p>
+        </p:txBody>
+      </p:sp>
+      <p:sp>
+        <p:nvSpPr>
+          <p:cNvPr id="6" name="Rounded Rectangle 5">
+            <a:extLst>
+              <a:ext uri="{FF2B5EF4-FFF2-40B4-BE49-F238E27FC236}">
+                <a16:creationId xmlns:a16="http://schemas.microsoft.com/office/drawing/2014/main" id="{9CFDBB71-63FA-71B9-AAB2-B1597B9F76D5}"/>
+              </a:ext>
+            </a:extLst>
+          </p:cNvPr>
+          <p:cNvSpPr/>
+          <p:nvPr/>
+        </p:nvSpPr>
+        <p:spPr>
+          <a:xfrm>
+            <a:off x="7284796" y="2729821"/>
+            <a:ext cx="2087880" cy="1012371"/>
+          </a:xfrm>
+          <a:prstGeom prst="roundRect">
+            <a:avLst/>
+          </a:prstGeom>
+          <a:solidFill>
+            <a:schemeClr val="accent1"/>
+          </a:solidFill>
+        </p:spPr>
+        <p:style>
+          <a:lnRef idx="2">
+            <a:schemeClr val="accent1">
+              <a:shade val="15000"/>
+            </a:schemeClr>
+          </a:lnRef>
+          <a:fillRef idx="1">
+            <a:schemeClr val="accent1"/>
+          </a:fillRef>
+          <a:effectRef idx="0">
+            <a:schemeClr val="accent1"/>
+          </a:effectRef>
+          <a:fontRef idx="minor">
+            <a:schemeClr val="lt1"/>
+          </a:fontRef>
+        </p:style>
+        <p:txBody>
+          <a:bodyPr rtlCol="0" anchor="ctr"/>
+          <a:lstStyle/>
+          <a:p>
+            <a:pPr algn="ctr"/>
+            <a:r>
+              <a:rPr lang="en-GB" dirty="0"/>
+              <a:t>Threshold of 5% improvement</a:t>
+            </a:r>
+          </a:p>
+        </p:txBody>
+      </p:sp>
+      <p:sp>
+        <p:nvSpPr>
+          <p:cNvPr id="9" name="Rounded Rectangle 8">
+            <a:extLst>
+              <a:ext uri="{FF2B5EF4-FFF2-40B4-BE49-F238E27FC236}">
+                <a16:creationId xmlns:a16="http://schemas.microsoft.com/office/drawing/2014/main" id="{6522B1A6-501C-E5F7-3C63-E31C43480CC1}"/>
+              </a:ext>
+            </a:extLst>
+          </p:cNvPr>
+          <p:cNvSpPr/>
+          <p:nvPr/>
+        </p:nvSpPr>
+        <p:spPr>
+          <a:xfrm>
+            <a:off x="9853825" y="2729820"/>
+            <a:ext cx="2087880" cy="1012371"/>
+          </a:xfrm>
+          <a:prstGeom prst="roundRect">
+            <a:avLst/>
+          </a:prstGeom>
+          <a:solidFill>
+            <a:schemeClr val="accent1"/>
+          </a:solidFill>
+        </p:spPr>
+        <p:style>
+          <a:lnRef idx="2">
+            <a:schemeClr val="accent1">
+              <a:shade val="15000"/>
+            </a:schemeClr>
+          </a:lnRef>
+          <a:fillRef idx="1">
+            <a:schemeClr val="accent1"/>
+          </a:fillRef>
+          <a:effectRef idx="0">
+            <a:schemeClr val="accent1"/>
+          </a:effectRef>
+          <a:fontRef idx="minor">
+            <a:schemeClr val="lt1"/>
+          </a:fontRef>
+        </p:style>
+        <p:txBody>
+          <a:bodyPr rtlCol="0" anchor="ctr"/>
+          <a:lstStyle/>
+          <a:p>
+            <a:pPr algn="ctr"/>
+            <a:r>
+              <a:rPr lang="en-GB" dirty="0"/>
+              <a:t>Push challenger to S3 if it wins</a:t>
+            </a:r>
+          </a:p>
+        </p:txBody>
+      </p:sp>
+      <p:sp>
+        <p:nvSpPr>
+          <p:cNvPr id="11" name="Rounded Rectangle 10">
+            <a:extLst>
+              <a:ext uri="{FF2B5EF4-FFF2-40B4-BE49-F238E27FC236}">
+                <a16:creationId xmlns:a16="http://schemas.microsoft.com/office/drawing/2014/main" id="{BB4CC1CF-EE8E-31C8-D110-1D1D6E74023C}"/>
+              </a:ext>
+            </a:extLst>
+          </p:cNvPr>
+          <p:cNvSpPr/>
+          <p:nvPr/>
+        </p:nvSpPr>
+        <p:spPr>
+          <a:xfrm>
+            <a:off x="2146738" y="4468133"/>
+            <a:ext cx="2087880" cy="1012371"/>
+          </a:xfrm>
+          <a:prstGeom prst="roundRect">
+            <a:avLst/>
+          </a:prstGeom>
+          <a:solidFill>
+            <a:schemeClr val="accent1"/>
+          </a:solidFill>
+        </p:spPr>
+        <p:style>
+          <a:lnRef idx="2">
+            <a:schemeClr val="accent1">
+              <a:shade val="15000"/>
+            </a:schemeClr>
+          </a:lnRef>
+          <a:fillRef idx="1">
+            <a:schemeClr val="accent1"/>
+          </a:fillRef>
+          <a:effectRef idx="0">
+            <a:schemeClr val="accent1"/>
+          </a:effectRef>
+          <a:fontRef idx="minor">
+            <a:schemeClr val="lt1"/>
+          </a:fontRef>
+        </p:style>
+        <p:txBody>
+          <a:bodyPr rtlCol="0" anchor="ctr"/>
+          <a:lstStyle/>
+          <a:p>
+            <a:pPr algn="ctr"/>
+            <a:r>
+              <a:rPr lang="en-GB" dirty="0"/>
+              <a:t>TBC: Check data drift/shift</a:t>
+            </a:r>
+          </a:p>
+        </p:txBody>
+      </p:sp>
+      <p:cxnSp>
+        <p:nvCxnSpPr>
+          <p:cNvPr id="12" name="Straight Arrow Connector 11">
+            <a:extLst>
+              <a:ext uri="{FF2B5EF4-FFF2-40B4-BE49-F238E27FC236}">
+                <a16:creationId xmlns:a16="http://schemas.microsoft.com/office/drawing/2014/main" id="{D1246BA4-5129-1F55-05E4-0C8F0215F060}"/>
+              </a:ext>
+            </a:extLst>
+          </p:cNvPr>
+          <p:cNvCxnSpPr>
+            <a:cxnSpLocks/>
+            <a:stCxn id="4" idx="3"/>
+            <a:endCxn id="5" idx="1"/>
+          </p:cNvCxnSpPr>
+          <p:nvPr/>
+        </p:nvCxnSpPr>
+        <p:spPr>
+          <a:xfrm>
+            <a:off x="4234618" y="3236007"/>
+            <a:ext cx="481149" cy="0"/>
+          </a:xfrm>
+          <a:prstGeom prst="straightConnector1">
+            <a:avLst/>
+          </a:prstGeom>
+          <a:ln>
+            <a:tailEnd type="triangle"/>
+          </a:ln>
+        </p:spPr>
+        <p:style>
+          <a:lnRef idx="2">
+            <a:schemeClr val="accent1"/>
+          </a:lnRef>
+          <a:fillRef idx="0">
+            <a:schemeClr val="accent1"/>
+          </a:fillRef>
+          <a:effectRef idx="1">
+            <a:schemeClr val="accent1"/>
+          </a:effectRef>
+          <a:fontRef idx="minor">
+            <a:schemeClr val="tx1"/>
+          </a:fontRef>
+        </p:style>
+      </p:cxnSp>
+      <p:cxnSp>
+        <p:nvCxnSpPr>
+          <p:cNvPr id="15" name="Straight Arrow Connector 14">
+            <a:extLst>
+              <a:ext uri="{FF2B5EF4-FFF2-40B4-BE49-F238E27FC236}">
+                <a16:creationId xmlns:a16="http://schemas.microsoft.com/office/drawing/2014/main" id="{3E136E0D-A917-9DFA-8B45-FE6A38AD8B18}"/>
+              </a:ext>
+            </a:extLst>
+          </p:cNvPr>
+          <p:cNvCxnSpPr>
+            <a:cxnSpLocks/>
+            <a:stCxn id="5" idx="3"/>
+            <a:endCxn id="6" idx="1"/>
+          </p:cNvCxnSpPr>
+          <p:nvPr/>
+        </p:nvCxnSpPr>
+        <p:spPr>
+          <a:xfrm>
+            <a:off x="6803647" y="3236007"/>
+            <a:ext cx="481149" cy="0"/>
+          </a:xfrm>
+          <a:prstGeom prst="straightConnector1">
+            <a:avLst/>
+          </a:prstGeom>
+          <a:ln>
+            <a:tailEnd type="triangle"/>
+          </a:ln>
+        </p:spPr>
+        <p:style>
+          <a:lnRef idx="2">
+            <a:schemeClr val="accent1"/>
+          </a:lnRef>
+          <a:fillRef idx="0">
+            <a:schemeClr val="accent1"/>
+          </a:fillRef>
+          <a:effectRef idx="1">
+            <a:schemeClr val="accent1"/>
+          </a:effectRef>
+          <a:fontRef idx="minor">
+            <a:schemeClr val="tx1"/>
+          </a:fontRef>
+        </p:style>
+      </p:cxnSp>
+      <p:cxnSp>
+        <p:nvCxnSpPr>
+          <p:cNvPr id="18" name="Straight Arrow Connector 17">
+            <a:extLst>
+              <a:ext uri="{FF2B5EF4-FFF2-40B4-BE49-F238E27FC236}">
+                <a16:creationId xmlns:a16="http://schemas.microsoft.com/office/drawing/2014/main" id="{3B55936F-871C-2EEC-BD5A-9B3D3D558D4B}"/>
+              </a:ext>
+            </a:extLst>
+          </p:cNvPr>
+          <p:cNvCxnSpPr>
+            <a:cxnSpLocks/>
+            <a:stCxn id="6" idx="3"/>
+            <a:endCxn id="9" idx="1"/>
+          </p:cNvCxnSpPr>
+          <p:nvPr/>
+        </p:nvCxnSpPr>
+        <p:spPr>
+          <a:xfrm flipV="1">
+            <a:off x="9372676" y="3236006"/>
+            <a:ext cx="481149" cy="1"/>
+          </a:xfrm>
+          <a:prstGeom prst="straightConnector1">
+            <a:avLst/>
+          </a:prstGeom>
+          <a:ln>
+            <a:tailEnd type="triangle"/>
+          </a:ln>
+        </p:spPr>
+        <p:style>
+          <a:lnRef idx="2">
+            <a:schemeClr val="accent1"/>
+          </a:lnRef>
+          <a:fillRef idx="0">
+            <a:schemeClr val="accent1"/>
+          </a:fillRef>
+          <a:effectRef idx="1">
+            <a:schemeClr val="accent1"/>
+          </a:effectRef>
+          <a:fontRef idx="minor">
+            <a:schemeClr val="tx1"/>
+          </a:fontRef>
+        </p:style>
+      </p:cxnSp>
+      <p:sp>
+        <p:nvSpPr>
+          <p:cNvPr id="33" name="Rounded Rectangle 32">
+            <a:extLst>
+              <a:ext uri="{FF2B5EF4-FFF2-40B4-BE49-F238E27FC236}">
+                <a16:creationId xmlns:a16="http://schemas.microsoft.com/office/drawing/2014/main" id="{C484CA52-A95C-FCD0-F365-FA7F9542E6C8}"/>
+              </a:ext>
+            </a:extLst>
+          </p:cNvPr>
+          <p:cNvSpPr/>
+          <p:nvPr/>
+        </p:nvSpPr>
+        <p:spPr>
+          <a:xfrm>
+            <a:off x="533400" y="1560854"/>
+            <a:ext cx="2087880" cy="1012371"/>
+          </a:xfrm>
+          <a:prstGeom prst="roundRect">
+            <a:avLst/>
+          </a:prstGeom>
+          <a:solidFill>
+            <a:schemeClr val="accent1"/>
+          </a:solidFill>
+        </p:spPr>
+        <p:style>
+          <a:lnRef idx="2">
+            <a:schemeClr val="accent1">
+              <a:shade val="15000"/>
+            </a:schemeClr>
+          </a:lnRef>
+          <a:fillRef idx="1">
+            <a:schemeClr val="accent1"/>
+          </a:fillRef>
+          <a:effectRef idx="0">
+            <a:schemeClr val="accent1"/>
+          </a:effectRef>
+          <a:fontRef idx="minor">
+            <a:schemeClr val="lt1"/>
+          </a:fontRef>
+        </p:style>
+        <p:txBody>
+          <a:bodyPr rtlCol="0" anchor="ctr"/>
+          <a:lstStyle/>
+          <a:p>
+            <a:pPr algn="ctr"/>
+            <a:r>
+              <a:rPr lang="en-GB" dirty="0"/>
+              <a:t>With new data pulled weekly on S3</a:t>
+            </a:r>
+          </a:p>
+        </p:txBody>
+      </p:sp>
+      <p:cxnSp>
+        <p:nvCxnSpPr>
+          <p:cNvPr id="35" name="Elbow Connector 34">
+            <a:extLst>
+              <a:ext uri="{FF2B5EF4-FFF2-40B4-BE49-F238E27FC236}">
+                <a16:creationId xmlns:a16="http://schemas.microsoft.com/office/drawing/2014/main" id="{7EF46BE1-A142-DA15-C6F0-1D1F13EFF7E1}"/>
+              </a:ext>
+            </a:extLst>
+          </p:cNvPr>
+          <p:cNvCxnSpPr>
+            <a:stCxn id="33" idx="2"/>
+            <a:endCxn id="4" idx="1"/>
+          </p:cNvCxnSpPr>
+          <p:nvPr/>
+        </p:nvCxnSpPr>
+        <p:spPr>
+          <a:xfrm rot="16200000" flipH="1">
+            <a:off x="1530648" y="2619917"/>
+            <a:ext cx="662782" cy="569398"/>
+          </a:xfrm>
+          <a:prstGeom prst="bentConnector2">
+            <a:avLst/>
+          </a:prstGeom>
+          <a:ln>
+            <a:tailEnd type="triangle"/>
+          </a:ln>
+        </p:spPr>
+        <p:style>
+          <a:lnRef idx="2">
+            <a:schemeClr val="accent1"/>
+          </a:lnRef>
+          <a:fillRef idx="0">
+            <a:schemeClr val="accent1"/>
+          </a:fillRef>
+          <a:effectRef idx="1">
+            <a:schemeClr val="accent1"/>
+          </a:effectRef>
+          <a:fontRef idx="minor">
+            <a:schemeClr val="tx1"/>
+          </a:fontRef>
+        </p:style>
+      </p:cxnSp>
+      <p:cxnSp>
+        <p:nvCxnSpPr>
+          <p:cNvPr id="36" name="Elbow Connector 35">
+            <a:extLst>
+              <a:ext uri="{FF2B5EF4-FFF2-40B4-BE49-F238E27FC236}">
+                <a16:creationId xmlns:a16="http://schemas.microsoft.com/office/drawing/2014/main" id="{C32A4EEC-DE60-5CFF-B4F9-A0E82DC3EF4D}"/>
+              </a:ext>
+            </a:extLst>
+          </p:cNvPr>
+          <p:cNvCxnSpPr>
+            <a:cxnSpLocks/>
+            <a:stCxn id="33" idx="2"/>
+            <a:endCxn id="11" idx="1"/>
+          </p:cNvCxnSpPr>
+          <p:nvPr/>
+        </p:nvCxnSpPr>
+        <p:spPr>
+          <a:xfrm rot="16200000" flipH="1">
+            <a:off x="661492" y="3489073"/>
+            <a:ext cx="2401094" cy="569398"/>
+          </a:xfrm>
+          <a:prstGeom prst="bentConnector2">
+            <a:avLst/>
+          </a:prstGeom>
+          <a:ln>
+            <a:tailEnd type="triangle"/>
+          </a:ln>
+        </p:spPr>
+        <p:style>
+          <a:lnRef idx="2">
+            <a:schemeClr val="accent1"/>
+          </a:lnRef>
+          <a:fillRef idx="0">
+            <a:schemeClr val="accent1"/>
+          </a:fillRef>
+          <a:effectRef idx="1">
+            <a:schemeClr val="accent1"/>
+          </a:effectRef>
+          <a:fontRef idx="minor">
+            <a:schemeClr val="tx1"/>
+          </a:fontRef>
+        </p:style>
+      </p:cxnSp>
+      <p:sp>
+        <p:nvSpPr>
+          <p:cNvPr id="40" name="TextBox 39">
+            <a:extLst>
+              <a:ext uri="{FF2B5EF4-FFF2-40B4-BE49-F238E27FC236}">
+                <a16:creationId xmlns:a16="http://schemas.microsoft.com/office/drawing/2014/main" id="{91F52619-D3DE-F07A-2D90-54A7256990C4}"/>
+              </a:ext>
+            </a:extLst>
+          </p:cNvPr>
+          <p:cNvSpPr txBox="1"/>
+          <p:nvPr/>
+        </p:nvSpPr>
+        <p:spPr>
+          <a:xfrm>
+            <a:off x="6858000" y="5139559"/>
+            <a:ext cx="184731" cy="369332"/>
+          </a:xfrm>
+          <a:prstGeom prst="rect">
+            <a:avLst/>
+          </a:prstGeom>
+          <a:noFill/>
+        </p:spPr>
+        <p:txBody>
+          <a:bodyPr wrap="none" rtlCol="0">
+            <a:spAutoFit/>
           </a:bodyPr>
           <a:lstStyle/>
           <a:p>
-            <a:r>
-              <a:rPr lang="en-GB" dirty="0"/>
-              <a:t>Error analysis + Logging</a:t>
-            </a:r>
-          </a:p>
-          <a:p>
-            <a:r>
-              <a:rPr lang="en-GB" dirty="0" err="1"/>
-              <a:t>BentoML</a:t>
-            </a:r>
-            <a:r>
-              <a:rPr lang="en-GB" dirty="0"/>
-              <a:t> for batched inference/serving</a:t>
-            </a:r>
-          </a:p>
-          <a:p>
             <a:endParaRPr lang="en-GB" dirty="0"/>
           </a:p>
-          <a:p>
-            <a:endParaRPr lang="en-GB" dirty="0"/>
-          </a:p>
-        </p:txBody>
-      </p:sp>
+        </p:txBody>
+      </p:sp>
+      <p:pic>
+        <p:nvPicPr>
+          <p:cNvPr id="43" name="Graphic 42">
+            <a:extLst>
+              <a:ext uri="{FF2B5EF4-FFF2-40B4-BE49-F238E27FC236}">
+                <a16:creationId xmlns:a16="http://schemas.microsoft.com/office/drawing/2014/main" id="{02911A7A-37B5-EFF1-591B-FB7B6B6E1D20}"/>
+              </a:ext>
+            </a:extLst>
+          </p:cNvPr>
+          <p:cNvPicPr>
+            <a:picLocks noChangeAspect="1"/>
+          </p:cNvPicPr>
+          <p:nvPr/>
+        </p:nvPicPr>
+        <p:blipFill>
+          <a:blip r:embed="rId2">
+            <a:extLst>
+              <a:ext uri="{96DAC541-7B7A-43D3-8B79-37D633B846F1}">
+                <asvg:svgBlip xmlns:asvg="http://schemas.microsoft.com/office/drawing/2016/SVG/main" r:embed="rId3"/>
+              </a:ext>
+            </a:extLst>
+          </a:blip>
+          <a:stretch>
+            <a:fillRect/>
+          </a:stretch>
+        </p:blipFill>
+        <p:spPr>
+          <a:xfrm>
+            <a:off x="3528705" y="1870588"/>
+            <a:ext cx="791374" cy="872325"/>
+          </a:xfrm>
+          <a:prstGeom prst="rect">
+            <a:avLst/>
+          </a:prstGeom>
+        </p:spPr>
+      </p:pic>
     </p:spTree>
     <p:extLst>
       <p:ext uri="{BB962C8B-B14F-4D97-AF65-F5344CB8AC3E}">
-        <p14:creationId xmlns:p14="http://schemas.microsoft.com/office/powerpoint/2010/main" val="1577909886"/>
+        <p14:creationId xmlns:p14="http://schemas.microsoft.com/office/powerpoint/2010/main" val="192491550"/>
       </p:ext>
     </p:extLst>
   </p:cSld>
   <p:clrMapOvr>
     <a:masterClrMapping/>
   </p:clrMapOvr>
+  <p:timing>
+    <p:tnLst>
+      <p:par>
+        <p:cTn id="1" dur="indefinite" restart="never" nodeType="tmRoot">
+          <p:childTnLst>
+            <p:seq concurrent="1" nextAc="seek">
+              <p:cTn id="2" dur="indefinite" nodeType="mainSeq">
+                <p:childTnLst>
+                  <p:par>
+                    <p:cTn id="3" fill="hold">
+                      <p:stCondLst>
+                        <p:cond delay="indefinite"/>
+                        <p:cond evt="onBegin" delay="0">
+                          <p:tn val="2"/>
+                        </p:cond>
+                      </p:stCondLst>
+                      <p:childTnLst>
+                        <p:par>
+                          <p:cTn id="4" fill="hold">
+                            <p:stCondLst>
+                              <p:cond delay="0"/>
+                            </p:stCondLst>
+                            <p:childTnLst>
+                              <p:par>
+                                <p:cTn id="5" presetID="1" presetClass="entr" presetSubtype="0" fill="hold" nodeType="withEffect">
+                                  <p:stCondLst>
+                                    <p:cond delay="0"/>
+                                  </p:stCondLst>
+                                  <p:childTnLst>
+                                    <p:set>
+                                      <p:cBhvr>
+                                        <p:cTn id="6" dur="1" fill="hold">
+                                          <p:stCondLst>
+                                            <p:cond delay="0"/>
+                                          </p:stCondLst>
+                                        </p:cTn>
+                                        <p:tgtEl>
+                                          <p:spTgt spid="43"/>
+                                        </p:tgtEl>
+                                        <p:attrNameLst>
+                                          <p:attrName>style.visibility</p:attrName>
+                                        </p:attrNameLst>
+                                      </p:cBhvr>
+                                      <p:to>
+                                        <p:strVal val="visible"/>
+                                      </p:to>
+                                    </p:set>
+                                  </p:childTnLst>
+                                </p:cTn>
+                              </p:par>
+                            </p:childTnLst>
+                          </p:cTn>
+                        </p:par>
+                      </p:childTnLst>
+                    </p:cTn>
+                  </p:par>
+                </p:childTnLst>
+              </p:cTn>
+              <p:prevCondLst>
+                <p:cond evt="onPrev" delay="0">
+                  <p:tgtEl>
+                    <p:sldTgt/>
+                  </p:tgtEl>
+                </p:cond>
+              </p:prevCondLst>
+              <p:nextCondLst>
+                <p:cond evt="onNext" delay="0">
+                  <p:tgtEl>
+                    <p:sldTgt/>
+                  </p:tgtEl>
+                </p:cond>
+              </p:nextCondLst>
+            </p:seq>
+          </p:childTnLst>
+        </p:cTn>
+      </p:par>
+    </p:tnLst>
+  </p:timing>
 </p:sld>
 </file>
 
@@ -4632,7 +5251,7 @@
           <p:cNvPr id="2" name="Title 1">
             <a:extLst>
               <a:ext uri="{FF2B5EF4-FFF2-40B4-BE49-F238E27FC236}">
-                <a16:creationId xmlns:a16="http://schemas.microsoft.com/office/drawing/2014/main" id="{545CD8A3-F67B-F152-6859-710A8C8A5902}"/>
+                <a16:creationId xmlns:a16="http://schemas.microsoft.com/office/drawing/2014/main" id="{937C3745-3ED5-B341-514E-449E9EBB7B0F}"/>
               </a:ext>
             </a:extLst>
           </p:cNvPr>
@@ -4648,10 +5267,7 @@
           <a:bodyPr/>
           <a:lstStyle/>
           <a:p>
-            <a:r>
-              <a:rPr lang="en-GB" dirty="0"/>
-              <a:t>Testing to do</a:t>
-            </a:r>
+            <a:endParaRPr lang="en-GB"/>
           </a:p>
         </p:txBody>
       </p:sp>
@@ -4660,7 +5276,7 @@
           <p:cNvPr id="3" name="Content Placeholder 2">
             <a:extLst>
               <a:ext uri="{FF2B5EF4-FFF2-40B4-BE49-F238E27FC236}">
-                <a16:creationId xmlns:a16="http://schemas.microsoft.com/office/drawing/2014/main" id="{16DFF41D-AF3F-48E8-56D7-177693E7B63F}"/>
+                <a16:creationId xmlns:a16="http://schemas.microsoft.com/office/drawing/2014/main" id="{A529D087-0E66-EE94-16A4-36EE05BA482A}"/>
               </a:ext>
             </a:extLst>
           </p:cNvPr>
@@ -4673,91 +5289,47 @@
         </p:nvSpPr>
         <p:spPr/>
         <p:txBody>
-          <a:bodyPr>
-            <a:normAutofit/>
-          </a:bodyPr>
-          <a:lstStyle/>
-          <a:p>
-            <a:r>
-              <a:rPr lang="en-GB" dirty="0"/>
-              <a:t>Code</a:t>
-            </a:r>
-          </a:p>
-          <a:p>
-            <a:pPr lvl="1"/>
-            <a:r>
-              <a:rPr lang="en-GB" dirty="0"/>
-              <a:t>App</a:t>
-            </a:r>
-          </a:p>
-          <a:p>
-            <a:pPr lvl="2"/>
-            <a:r>
-              <a:rPr lang="en-GB" dirty="0"/>
-              <a:t>Docker containers</a:t>
-            </a:r>
-          </a:p>
-          <a:p>
-            <a:pPr lvl="2"/>
-            <a:r>
-              <a:rPr lang="en-GB" dirty="0"/>
-              <a:t>Code itself</a:t>
-            </a:r>
-          </a:p>
-          <a:p>
-            <a:pPr lvl="1"/>
-            <a:r>
-              <a:rPr lang="en-GB" dirty="0"/>
-              <a:t>ML scripts</a:t>
-            </a:r>
-          </a:p>
-          <a:p>
-            <a:pPr lvl="1"/>
-            <a:r>
-              <a:rPr lang="en-GB" dirty="0"/>
-              <a:t>Data processing code</a:t>
-            </a:r>
-          </a:p>
-          <a:p>
-            <a:pPr lvl="2"/>
-            <a:r>
-              <a:rPr lang="en-GB" dirty="0"/>
-              <a:t>Data</a:t>
-            </a:r>
-          </a:p>
-          <a:p>
-            <a:pPr lvl="2"/>
-            <a:r>
-              <a:rPr lang="en-GB" dirty="0"/>
-              <a:t>AWS components</a:t>
-            </a:r>
-          </a:p>
-          <a:p>
-            <a:r>
-              <a:rPr lang="en-GB" dirty="0"/>
-              <a:t>Model</a:t>
-            </a:r>
-          </a:p>
-          <a:p>
-            <a:pPr lvl="1"/>
-            <a:r>
-              <a:rPr lang="en-GB" dirty="0"/>
-              <a:t>Can make prediction</a:t>
-            </a:r>
-          </a:p>
-          <a:p>
-            <a:pPr lvl="1"/>
-            <a:r>
-              <a:rPr lang="en-GB" dirty="0"/>
-              <a:t>Prediction makes sense</a:t>
-            </a:r>
-          </a:p>
-        </p:txBody>
-      </p:sp>
+          <a:bodyPr/>
+          <a:lstStyle/>
+          <a:p>
+            <a:endParaRPr lang="en-GB"/>
+          </a:p>
+        </p:txBody>
+      </p:sp>
+      <p:pic>
+        <p:nvPicPr>
+          <p:cNvPr id="4" name="Picture 3">
+            <a:extLst>
+              <a:ext uri="{FF2B5EF4-FFF2-40B4-BE49-F238E27FC236}">
+                <a16:creationId xmlns:a16="http://schemas.microsoft.com/office/drawing/2014/main" id="{D218059D-CF53-BEF7-4E93-22C3723FEAE6}"/>
+              </a:ext>
+            </a:extLst>
+          </p:cNvPr>
+          <p:cNvPicPr>
+            <a:picLocks noChangeAspect="1"/>
+          </p:cNvPicPr>
+          <p:nvPr/>
+        </p:nvPicPr>
+        <p:blipFill>
+          <a:blip r:embed="rId2"/>
+          <a:stretch>
+            <a:fillRect/>
+          </a:stretch>
+        </p:blipFill>
+        <p:spPr>
+          <a:xfrm>
+            <a:off x="2209800" y="2311400"/>
+            <a:ext cx="7772400" cy="2235200"/>
+          </a:xfrm>
+          <a:prstGeom prst="rect">
+            <a:avLst/>
+          </a:prstGeom>
+        </p:spPr>
+      </p:pic>
     </p:spTree>
     <p:extLst>
       <p:ext uri="{BB962C8B-B14F-4D97-AF65-F5344CB8AC3E}">
-        <p14:creationId xmlns:p14="http://schemas.microsoft.com/office/powerpoint/2010/main" val="267414957"/>
+        <p14:creationId xmlns:p14="http://schemas.microsoft.com/office/powerpoint/2010/main" val="3270788167"/>
       </p:ext>
     </p:extLst>
   </p:cSld>
@@ -4789,209 +5361,6 @@
           <p:cNvPr id="2" name="Title 1">
             <a:extLst>
               <a:ext uri="{FF2B5EF4-FFF2-40B4-BE49-F238E27FC236}">
-                <a16:creationId xmlns:a16="http://schemas.microsoft.com/office/drawing/2014/main" id="{584DB416-7268-A591-AF71-9028C5B7E3E1}"/>
-              </a:ext>
-            </a:extLst>
-          </p:cNvPr>
-          <p:cNvSpPr>
-            <a:spLocks noGrp="1"/>
-          </p:cNvSpPr>
-          <p:nvPr>
-            <p:ph type="title"/>
-          </p:nvPr>
-        </p:nvSpPr>
-        <p:spPr/>
-        <p:txBody>
-          <a:bodyPr/>
-          <a:lstStyle/>
-          <a:p>
-            <a:r>
-              <a:rPr lang="en-GB" dirty="0"/>
-              <a:t>Continuous Monitoring</a:t>
-            </a:r>
-          </a:p>
-        </p:txBody>
-      </p:sp>
-      <p:sp>
-        <p:nvSpPr>
-          <p:cNvPr id="3" name="Content Placeholder 2">
-            <a:extLst>
-              <a:ext uri="{FF2B5EF4-FFF2-40B4-BE49-F238E27FC236}">
-                <a16:creationId xmlns:a16="http://schemas.microsoft.com/office/drawing/2014/main" id="{2AA9A4AE-BC52-67E4-8970-94027BFC8177}"/>
-              </a:ext>
-            </a:extLst>
-          </p:cNvPr>
-          <p:cNvSpPr>
-            <a:spLocks noGrp="1"/>
-          </p:cNvSpPr>
-          <p:nvPr>
-            <p:ph idx="1"/>
-          </p:nvPr>
-        </p:nvSpPr>
-        <p:spPr/>
-        <p:txBody>
-          <a:bodyPr/>
-          <a:lstStyle/>
-          <a:p>
-            <a:r>
-              <a:rPr lang="en-GB" dirty="0"/>
-              <a:t>To implement as a layer above CT. If CM triggers something </a:t>
-            </a:r>
-            <a:r>
-              <a:rPr lang="en-GB" dirty="0">
-                <a:sym typeface="Wingdings" pitchFamily="2" charset="2"/>
-              </a:rPr>
-              <a:t> then test for CT</a:t>
-            </a:r>
-            <a:endParaRPr lang="en-GB" dirty="0"/>
-          </a:p>
-        </p:txBody>
-      </p:sp>
-    </p:spTree>
-    <p:extLst>
-      <p:ext uri="{BB962C8B-B14F-4D97-AF65-F5344CB8AC3E}">
-        <p14:creationId xmlns:p14="http://schemas.microsoft.com/office/powerpoint/2010/main" val="1083061491"/>
-      </p:ext>
-    </p:extLst>
-  </p:cSld>
-  <p:clrMapOvr>
-    <a:masterClrMapping/>
-  </p:clrMapOvr>
-</p:sld>
-</file>
-
-<file path=ppt/slides/slide15.xml><?xml version="1.0" encoding="utf-8"?>
-<p:sld xmlns:a="http://schemas.openxmlformats.org/drawingml/2006/main" xmlns:r="http://schemas.openxmlformats.org/officeDocument/2006/relationships" xmlns:p="http://schemas.openxmlformats.org/presentationml/2006/main">
-  <p:cSld>
-    <p:spTree>
-      <p:nvGrpSpPr>
-        <p:cNvPr id="1" name=""/>
-        <p:cNvGrpSpPr/>
-        <p:nvPr/>
-      </p:nvGrpSpPr>
-      <p:grpSpPr>
-        <a:xfrm>
-          <a:off x="0" y="0"/>
-          <a:ext cx="0" cy="0"/>
-          <a:chOff x="0" y="0"/>
-          <a:chExt cx="0" cy="0"/>
-        </a:xfrm>
-      </p:grpSpPr>
-      <p:sp>
-        <p:nvSpPr>
-          <p:cNvPr id="2" name="Title 1">
-            <a:extLst>
-              <a:ext uri="{FF2B5EF4-FFF2-40B4-BE49-F238E27FC236}">
-                <a16:creationId xmlns:a16="http://schemas.microsoft.com/office/drawing/2014/main" id="{937C3745-3ED5-B341-514E-449E9EBB7B0F}"/>
-              </a:ext>
-            </a:extLst>
-          </p:cNvPr>
-          <p:cNvSpPr>
-            <a:spLocks noGrp="1"/>
-          </p:cNvSpPr>
-          <p:nvPr>
-            <p:ph type="title"/>
-          </p:nvPr>
-        </p:nvSpPr>
-        <p:spPr/>
-        <p:txBody>
-          <a:bodyPr/>
-          <a:lstStyle/>
-          <a:p>
-            <a:endParaRPr lang="en-GB"/>
-          </a:p>
-        </p:txBody>
-      </p:sp>
-      <p:sp>
-        <p:nvSpPr>
-          <p:cNvPr id="3" name="Content Placeholder 2">
-            <a:extLst>
-              <a:ext uri="{FF2B5EF4-FFF2-40B4-BE49-F238E27FC236}">
-                <a16:creationId xmlns:a16="http://schemas.microsoft.com/office/drawing/2014/main" id="{A529D087-0E66-EE94-16A4-36EE05BA482A}"/>
-              </a:ext>
-            </a:extLst>
-          </p:cNvPr>
-          <p:cNvSpPr>
-            <a:spLocks noGrp="1"/>
-          </p:cNvSpPr>
-          <p:nvPr>
-            <p:ph idx="1"/>
-          </p:nvPr>
-        </p:nvSpPr>
-        <p:spPr/>
-        <p:txBody>
-          <a:bodyPr/>
-          <a:lstStyle/>
-          <a:p>
-            <a:endParaRPr lang="en-GB"/>
-          </a:p>
-        </p:txBody>
-      </p:sp>
-      <p:pic>
-        <p:nvPicPr>
-          <p:cNvPr id="4" name="Picture 3">
-            <a:extLst>
-              <a:ext uri="{FF2B5EF4-FFF2-40B4-BE49-F238E27FC236}">
-                <a16:creationId xmlns:a16="http://schemas.microsoft.com/office/drawing/2014/main" id="{D218059D-CF53-BEF7-4E93-22C3723FEAE6}"/>
-              </a:ext>
-            </a:extLst>
-          </p:cNvPr>
-          <p:cNvPicPr>
-            <a:picLocks noChangeAspect="1"/>
-          </p:cNvPicPr>
-          <p:nvPr/>
-        </p:nvPicPr>
-        <p:blipFill>
-          <a:blip r:embed="rId2"/>
-          <a:stretch>
-            <a:fillRect/>
-          </a:stretch>
-        </p:blipFill>
-        <p:spPr>
-          <a:xfrm>
-            <a:off x="2209800" y="2311400"/>
-            <a:ext cx="7772400" cy="2235200"/>
-          </a:xfrm>
-          <a:prstGeom prst="rect">
-            <a:avLst/>
-          </a:prstGeom>
-        </p:spPr>
-      </p:pic>
-    </p:spTree>
-    <p:extLst>
-      <p:ext uri="{BB962C8B-B14F-4D97-AF65-F5344CB8AC3E}">
-        <p14:creationId xmlns:p14="http://schemas.microsoft.com/office/powerpoint/2010/main" val="3270788167"/>
-      </p:ext>
-    </p:extLst>
-  </p:cSld>
-  <p:clrMapOvr>
-    <a:masterClrMapping/>
-  </p:clrMapOvr>
-</p:sld>
-</file>
-
-<file path=ppt/slides/slide16.xml><?xml version="1.0" encoding="utf-8"?>
-<p:sld xmlns:a="http://schemas.openxmlformats.org/drawingml/2006/main" xmlns:r="http://schemas.openxmlformats.org/officeDocument/2006/relationships" xmlns:p="http://schemas.openxmlformats.org/presentationml/2006/main">
-  <p:cSld>
-    <p:spTree>
-      <p:nvGrpSpPr>
-        <p:cNvPr id="1" name=""/>
-        <p:cNvGrpSpPr/>
-        <p:nvPr/>
-      </p:nvGrpSpPr>
-      <p:grpSpPr>
-        <a:xfrm>
-          <a:off x="0" y="0"/>
-          <a:ext cx="0" cy="0"/>
-          <a:chOff x="0" y="0"/>
-          <a:chExt cx="0" cy="0"/>
-        </a:xfrm>
-      </p:grpSpPr>
-      <p:sp>
-        <p:nvSpPr>
-          <p:cNvPr id="2" name="Title 1">
-            <a:extLst>
-              <a:ext uri="{FF2B5EF4-FFF2-40B4-BE49-F238E27FC236}">
                 <a16:creationId xmlns:a16="http://schemas.microsoft.com/office/drawing/2014/main" id="{0CB8E99E-2237-9A17-529F-93481248424B}"/>
               </a:ext>
             </a:extLst>
@@ -5103,7 +5472,7 @@
 </p:sld>
 </file>
 
-<file path=ppt/slides/slide17.xml><?xml version="1.0" encoding="utf-8"?>
+<file path=ppt/slides/slide15.xml><?xml version="1.0" encoding="utf-8"?>
 <p:sld xmlns:a="http://schemas.openxmlformats.org/drawingml/2006/main" xmlns:r="http://schemas.openxmlformats.org/officeDocument/2006/relationships" xmlns:p="http://schemas.openxmlformats.org/presentationml/2006/main">
   <p:cSld>
     <p:spTree>
@@ -9442,7 +9811,6 @@
               </a:rPr>
               <a:t>)</a:t>
             </a:r>
-            <a:endParaRPr lang="en-GB" strike="sngStrike" dirty="0"/>
           </a:p>
           <a:p>
             <a:r>
@@ -9505,7 +9873,7 @@
           <p:cNvPr id="2" name="Title 1">
             <a:extLst>
               <a:ext uri="{FF2B5EF4-FFF2-40B4-BE49-F238E27FC236}">
-                <a16:creationId xmlns:a16="http://schemas.microsoft.com/office/drawing/2014/main" id="{AF9DBC8A-43C7-4CED-1A5A-9AB285827153}"/>
+                <a16:creationId xmlns:a16="http://schemas.microsoft.com/office/drawing/2014/main" id="{545CD8A3-F67B-F152-6859-710A8C8A5902}"/>
               </a:ext>
             </a:extLst>
           </p:cNvPr>
@@ -9523,7 +9891,7 @@
           <a:p>
             <a:r>
               <a:rPr lang="en-GB" dirty="0"/>
-              <a:t>TODO - Extras</a:t>
+              <a:t>Testing to do</a:t>
             </a:r>
           </a:p>
         </p:txBody>
@@ -9533,7 +9901,7 @@
           <p:cNvPr id="3" name="Content Placeholder 2">
             <a:extLst>
               <a:ext uri="{FF2B5EF4-FFF2-40B4-BE49-F238E27FC236}">
-                <a16:creationId xmlns:a16="http://schemas.microsoft.com/office/drawing/2014/main" id="{75AE5FEA-050D-AE53-B7C2-AA771027014E}"/>
+                <a16:creationId xmlns:a16="http://schemas.microsoft.com/office/drawing/2014/main" id="{16DFF41D-AF3F-48E8-56D7-177693E7B63F}"/>
               </a:ext>
             </a:extLst>
           </p:cNvPr>
@@ -9546,8 +9914,8 @@
         </p:nvSpPr>
         <p:spPr>
           <a:xfrm>
-            <a:off x="838200" y="1690688"/>
-            <a:ext cx="10515600" cy="5167312"/>
+            <a:off x="838200" y="1825625"/>
+            <a:ext cx="10515600" cy="5032376"/>
           </a:xfrm>
         </p:spPr>
         <p:txBody>
@@ -9558,15 +9926,119 @@
           <a:p>
             <a:r>
               <a:rPr lang="en-GB" dirty="0"/>
-              <a:t>Send </a:t>
+              <a:t>Code</a:t>
+            </a:r>
+          </a:p>
+          <a:p>
+            <a:pPr lvl="1"/>
+            <a:r>
+              <a:rPr lang="en-GB" dirty="0"/>
+              <a:t>Data processing code</a:t>
+            </a:r>
+          </a:p>
+          <a:p>
+            <a:pPr lvl="2"/>
+            <a:r>
+              <a:rPr lang="en-GB" dirty="0"/>
+              <a:t>Data validity e.g. new values</a:t>
+            </a:r>
+          </a:p>
+          <a:p>
+            <a:pPr lvl="2"/>
+            <a:r>
+              <a:rPr lang="en-GB" dirty="0"/>
+              <a:t>AWS Lambda: https://</a:t>
             </a:r>
             <a:r>
               <a:rPr lang="en-GB" dirty="0" err="1"/>
-              <a:t>hyperparam</a:t>
+              <a:t>docs.aws.amazon.com</a:t>
             </a:r>
             <a:r>
               <a:rPr lang="en-GB" dirty="0"/>
-              <a:t> tuning report to Slack</a:t>
+              <a:t>/lambda/latest/dg/python-</a:t>
+            </a:r>
+            <a:r>
+              <a:rPr lang="en-GB" dirty="0" err="1"/>
+              <a:t>testing.html</a:t>
+            </a:r>
+            <a:endParaRPr lang="en-GB" dirty="0"/>
+          </a:p>
+          <a:p>
+            <a:pPr lvl="3"/>
+            <a:r>
+              <a:rPr lang="en-GB" dirty="0"/>
+              <a:t>https://</a:t>
+            </a:r>
+            <a:r>
+              <a:rPr lang="en-GB" dirty="0" err="1"/>
+              <a:t>github.com</a:t>
+            </a:r>
+            <a:r>
+              <a:rPr lang="en-GB" dirty="0"/>
+              <a:t>/</a:t>
+            </a:r>
+            <a:r>
+              <a:rPr lang="en-GB" dirty="0" err="1"/>
+              <a:t>aws</a:t>
+            </a:r>
+            <a:r>
+              <a:rPr lang="en-GB" dirty="0"/>
+              <a:t>-samples/serverless-test-samples</a:t>
+            </a:r>
+          </a:p>
+          <a:p>
+            <a:pPr lvl="3"/>
+            <a:r>
+              <a:rPr lang="en-GB" dirty="0"/>
+              <a:t>Docker + Zip</a:t>
+            </a:r>
+          </a:p>
+          <a:p>
+            <a:pPr lvl="1"/>
+            <a:r>
+              <a:rPr lang="en-GB" dirty="0"/>
+              <a:t>App</a:t>
+            </a:r>
+          </a:p>
+          <a:p>
+            <a:pPr lvl="2"/>
+            <a:r>
+              <a:rPr lang="en-GB" dirty="0"/>
+              <a:t>AWS ECS: Docker containers + their interaction</a:t>
+            </a:r>
+          </a:p>
+          <a:p>
+            <a:pPr lvl="2"/>
+            <a:r>
+              <a:rPr lang="en-GB" dirty="0"/>
+              <a:t>Code itself</a:t>
+            </a:r>
+          </a:p>
+          <a:p>
+            <a:pPr lvl="1"/>
+            <a:r>
+              <a:rPr lang="en-GB" dirty="0"/>
+              <a:t>ML scripts</a:t>
+            </a:r>
+          </a:p>
+          <a:p>
+            <a:r>
+              <a:rPr lang="en-GB" dirty="0"/>
+              <a:t>Model</a:t>
+            </a:r>
+          </a:p>
+          <a:p>
+            <a:pPr lvl="1"/>
+            <a:r>
+              <a:rPr lang="en-GB" dirty="0"/>
+              <a:t>Can make prediction</a:t>
+            </a:r>
+          </a:p>
+          <a:p>
+            <a:pPr lvl="1"/>
+            <a:r>
+              <a:rPr lang="en-GB" dirty="0"/>
+              <a:t>Prediction makes sense</a:t>
             </a:r>
           </a:p>
         </p:txBody>
@@ -9574,7 +10046,7 @@
     </p:spTree>
     <p:extLst>
       <p:ext uri="{BB962C8B-B14F-4D97-AF65-F5344CB8AC3E}">
-        <p14:creationId xmlns:p14="http://schemas.microsoft.com/office/powerpoint/2010/main" val="2450686333"/>
+        <p14:creationId xmlns:p14="http://schemas.microsoft.com/office/powerpoint/2010/main" val="267414957"/>
       </p:ext>
     </p:extLst>
   </p:cSld>
@@ -9606,7 +10078,7 @@
           <p:cNvPr id="2" name="Title 1">
             <a:extLst>
               <a:ext uri="{FF2B5EF4-FFF2-40B4-BE49-F238E27FC236}">
-                <a16:creationId xmlns:a16="http://schemas.microsoft.com/office/drawing/2014/main" id="{786686E8-215A-5475-0873-B4055D121F8F}"/>
+                <a16:creationId xmlns:a16="http://schemas.microsoft.com/office/drawing/2014/main" id="{AF9DBC8A-43C7-4CED-1A5A-9AB285827153}"/>
               </a:ext>
             </a:extLst>
           </p:cNvPr>
@@ -9624,7 +10096,7 @@
           <a:p>
             <a:r>
               <a:rPr lang="en-GB" dirty="0"/>
-              <a:t>CT</a:t>
+              <a:t>TODO - Extras</a:t>
             </a:r>
           </a:p>
         </p:txBody>
@@ -9634,7 +10106,7 @@
           <p:cNvPr id="3" name="Content Placeholder 2">
             <a:extLst>
               <a:ext uri="{FF2B5EF4-FFF2-40B4-BE49-F238E27FC236}">
-                <a16:creationId xmlns:a16="http://schemas.microsoft.com/office/drawing/2014/main" id="{B4423546-A7E9-D0C0-C3F6-1997391AD7C0}"/>
+                <a16:creationId xmlns:a16="http://schemas.microsoft.com/office/drawing/2014/main" id="{75AE5FEA-050D-AE53-B7C2-AA771027014E}"/>
               </a:ext>
             </a:extLst>
           </p:cNvPr>
@@ -9647,8 +10119,8 @@
         </p:nvSpPr>
         <p:spPr>
           <a:xfrm>
-            <a:off x="838200" y="1825624"/>
-            <a:ext cx="10515600" cy="5032375"/>
+            <a:off x="838200" y="1690688"/>
+            <a:ext cx="10515600" cy="5167312"/>
           </a:xfrm>
         </p:spPr>
         <p:txBody>
@@ -9659,493 +10131,28 @@
           <a:p>
             <a:r>
               <a:rPr lang="en-GB" dirty="0"/>
-              <a:t>Retraining based on time/data ingestion @ X time unit</a:t>
-            </a:r>
-          </a:p>
-          <a:p>
-            <a:pPr lvl="1"/>
-            <a:r>
-              <a:rPr lang="en-GB" b="1" dirty="0"/>
-              <a:t>Objective: Let model capture new trends in data, refresh model with same hyperparameters</a:t>
-            </a:r>
-          </a:p>
-          <a:p>
-            <a:pPr lvl="1"/>
+              <a:t>To implement CM as a layer above CT. If CM triggers something </a:t>
+            </a:r>
+            <a:r>
+              <a:rPr lang="en-GB" dirty="0">
+                <a:sym typeface="Wingdings" pitchFamily="2" charset="2"/>
+              </a:rPr>
+              <a:t> then test for threshold in performance</a:t>
+            </a:r>
+            <a:endParaRPr lang="en-GB" dirty="0"/>
+          </a:p>
+          <a:p>
             <a:r>
               <a:rPr lang="en-GB" dirty="0"/>
-              <a:t>Separate script which uses the same hyperparameters from experimentation (</a:t>
+              <a:t>Send </a:t>
             </a:r>
             <a:r>
               <a:rPr lang="en-GB" dirty="0" err="1"/>
-              <a:t>Github</a:t>
+              <a:t>hyperparam</a:t>
             </a:r>
             <a:r>
               <a:rPr lang="en-GB" dirty="0"/>
-              <a:t> actions), but does the comparison and retraining on AWS Lambda </a:t>
-            </a:r>
-          </a:p>
-          <a:p>
-            <a:pPr lvl="1"/>
-            <a:r>
-              <a:rPr lang="en-GB" dirty="0"/>
-              <a:t>Train-validate</a:t>
-            </a:r>
-          </a:p>
-          <a:p>
-            <a:pPr lvl="1"/>
-            <a:r>
-              <a:rPr lang="en-GB" dirty="0"/>
-              <a:t>Implement A/B testing afterwards to check if there is indeed and improvement over the old model. Do not deploy if performance drops</a:t>
-            </a:r>
-          </a:p>
-          <a:p>
-            <a:pPr lvl="2"/>
-            <a:r>
-              <a:rPr lang="en-GB" dirty="0"/>
-              <a:t>Still necessary to compare 5 fold CV in addition to test set?</a:t>
-            </a:r>
-          </a:p>
-          <a:p>
-            <a:pPr lvl="2"/>
-            <a:r>
-              <a:rPr lang="en-GB" dirty="0"/>
-              <a:t>Pseudo-Canary testing?</a:t>
-            </a:r>
-          </a:p>
-          <a:p>
-            <a:pPr lvl="2"/>
-            <a:r>
-              <a:rPr lang="en-GB" dirty="0"/>
-              <a:t>Can find hard quality gates here: https://</a:t>
-            </a:r>
-            <a:r>
-              <a:rPr lang="en-GB" dirty="0" err="1"/>
-              <a:t>mlflow.org</a:t>
-            </a:r>
-            <a:r>
-              <a:rPr lang="en-GB" dirty="0"/>
-              <a:t>/docs/3.1.3/ml/evaluation/model-eval/</a:t>
-            </a:r>
-          </a:p>
-        </p:txBody>
-      </p:sp>
-      <p:sp>
-        <p:nvSpPr>
-          <p:cNvPr id="4" name="Rectangle 3">
-            <a:extLst>
-              <a:ext uri="{FF2B5EF4-FFF2-40B4-BE49-F238E27FC236}">
-                <a16:creationId xmlns:a16="http://schemas.microsoft.com/office/drawing/2014/main" id="{2D353EA7-6F98-A6AC-D6EB-CE7E49900F60}"/>
-              </a:ext>
-            </a:extLst>
-          </p:cNvPr>
-          <p:cNvSpPr/>
-          <p:nvPr/>
-        </p:nvSpPr>
-        <p:spPr>
-          <a:xfrm>
-            <a:off x="4491454" y="495754"/>
-            <a:ext cx="2638690" cy="327206"/>
-          </a:xfrm>
-          <a:prstGeom prst="rect">
-            <a:avLst/>
-          </a:prstGeom>
-        </p:spPr>
-        <p:style>
-          <a:lnRef idx="2">
-            <a:schemeClr val="accent1">
-              <a:shade val="15000"/>
-            </a:schemeClr>
-          </a:lnRef>
-          <a:fillRef idx="1">
-            <a:schemeClr val="accent1"/>
-          </a:fillRef>
-          <a:effectRef idx="0">
-            <a:schemeClr val="accent1"/>
-          </a:effectRef>
-          <a:fontRef idx="minor">
-            <a:schemeClr val="lt1"/>
-          </a:fontRef>
-        </p:style>
-        <p:txBody>
-          <a:bodyPr rtlCol="0" anchor="ctr"/>
-          <a:lstStyle/>
-          <a:p>
-            <a:pPr algn="ctr"/>
-            <a:r>
-              <a:rPr lang="en-GB" dirty="0"/>
-              <a:t>Train-Validation</a:t>
-            </a:r>
-          </a:p>
-        </p:txBody>
-      </p:sp>
-      <p:sp>
-        <p:nvSpPr>
-          <p:cNvPr id="5" name="Rectangle 4">
-            <a:extLst>
-              <a:ext uri="{FF2B5EF4-FFF2-40B4-BE49-F238E27FC236}">
-                <a16:creationId xmlns:a16="http://schemas.microsoft.com/office/drawing/2014/main" id="{CAA164F5-77DD-0E74-4524-E2D878665865}"/>
-              </a:ext>
-            </a:extLst>
-          </p:cNvPr>
-          <p:cNvSpPr/>
-          <p:nvPr/>
-        </p:nvSpPr>
-        <p:spPr>
-          <a:xfrm>
-            <a:off x="7903029" y="495754"/>
-            <a:ext cx="755468" cy="327206"/>
-          </a:xfrm>
-          <a:prstGeom prst="rect">
-            <a:avLst/>
-          </a:prstGeom>
-          <a:solidFill>
-            <a:schemeClr val="accent2"/>
-          </a:solidFill>
-          <a:ln>
-            <a:prstDash val="dash"/>
-          </a:ln>
-        </p:spPr>
-        <p:style>
-          <a:lnRef idx="2">
-            <a:schemeClr val="accent1">
-              <a:shade val="15000"/>
-            </a:schemeClr>
-          </a:lnRef>
-          <a:fillRef idx="1">
-            <a:schemeClr val="accent1"/>
-          </a:fillRef>
-          <a:effectRef idx="0">
-            <a:schemeClr val="accent1"/>
-          </a:effectRef>
-          <a:fontRef idx="minor">
-            <a:schemeClr val="lt1"/>
-          </a:fontRef>
-        </p:style>
-        <p:txBody>
-          <a:bodyPr rtlCol="0" anchor="ctr"/>
-          <a:lstStyle/>
-          <a:p>
-            <a:pPr algn="ctr"/>
-            <a:r>
-              <a:rPr lang="en-GB" dirty="0"/>
-              <a:t>A/B</a:t>
-            </a:r>
-          </a:p>
-        </p:txBody>
-      </p:sp>
-      <p:sp>
-        <p:nvSpPr>
-          <p:cNvPr id="6" name="TextBox 5">
-            <a:extLst>
-              <a:ext uri="{FF2B5EF4-FFF2-40B4-BE49-F238E27FC236}">
-                <a16:creationId xmlns:a16="http://schemas.microsoft.com/office/drawing/2014/main" id="{FE926106-4760-484A-5BC4-61D3D943CE13}"/>
-              </a:ext>
-            </a:extLst>
-          </p:cNvPr>
-          <p:cNvSpPr txBox="1"/>
-          <p:nvPr/>
-        </p:nvSpPr>
-        <p:spPr>
-          <a:xfrm>
-            <a:off x="4206241" y="156755"/>
-            <a:ext cx="766355" cy="369332"/>
-          </a:xfrm>
-          <a:prstGeom prst="rect">
-            <a:avLst/>
-          </a:prstGeom>
-          <a:noFill/>
-        </p:spPr>
-        <p:txBody>
-          <a:bodyPr wrap="square" rtlCol="0">
-            <a:spAutoFit/>
-          </a:bodyPr>
-          <a:lstStyle/>
-          <a:p>
-            <a:r>
-              <a:rPr lang="en-GB" dirty="0"/>
-              <a:t>T=M0</a:t>
-            </a:r>
-          </a:p>
-        </p:txBody>
-      </p:sp>
-      <p:sp>
-        <p:nvSpPr>
-          <p:cNvPr id="7" name="TextBox 6">
-            <a:extLst>
-              <a:ext uri="{FF2B5EF4-FFF2-40B4-BE49-F238E27FC236}">
-                <a16:creationId xmlns:a16="http://schemas.microsoft.com/office/drawing/2014/main" id="{937C3058-374B-9DEC-72C2-D2B55FD41645}"/>
-              </a:ext>
-            </a:extLst>
-          </p:cNvPr>
-          <p:cNvSpPr txBox="1"/>
-          <p:nvPr/>
-        </p:nvSpPr>
-        <p:spPr>
-          <a:xfrm>
-            <a:off x="7563393" y="156755"/>
-            <a:ext cx="1003663" cy="369332"/>
-          </a:xfrm>
-          <a:prstGeom prst="rect">
-            <a:avLst/>
-          </a:prstGeom>
-          <a:noFill/>
-        </p:spPr>
-        <p:txBody>
-          <a:bodyPr wrap="square" rtlCol="0">
-            <a:spAutoFit/>
-          </a:bodyPr>
-          <a:lstStyle/>
-          <a:p>
-            <a:r>
-              <a:rPr lang="en-GB" dirty="0"/>
-              <a:t>T=M</a:t>
-            </a:r>
-          </a:p>
-        </p:txBody>
-      </p:sp>
-      <p:cxnSp>
-        <p:nvCxnSpPr>
-          <p:cNvPr id="15" name="Straight Arrow Connector 14">
-            <a:extLst>
-              <a:ext uri="{FF2B5EF4-FFF2-40B4-BE49-F238E27FC236}">
-                <a16:creationId xmlns:a16="http://schemas.microsoft.com/office/drawing/2014/main" id="{1693394D-3D58-9A9E-CF02-9AB5EDD6AE4D}"/>
-              </a:ext>
-            </a:extLst>
-          </p:cNvPr>
-          <p:cNvCxnSpPr>
-            <a:cxnSpLocks/>
-          </p:cNvCxnSpPr>
-          <p:nvPr/>
-        </p:nvCxnSpPr>
-        <p:spPr>
-          <a:xfrm flipV="1">
-            <a:off x="8643261" y="641038"/>
-            <a:ext cx="783770" cy="1203"/>
-          </a:xfrm>
-          <a:prstGeom prst="straightConnector1">
-            <a:avLst/>
-          </a:prstGeom>
-          <a:ln>
-            <a:tailEnd type="triangle"/>
-          </a:ln>
-        </p:spPr>
-        <p:style>
-          <a:lnRef idx="2">
-            <a:schemeClr val="accent1"/>
-          </a:lnRef>
-          <a:fillRef idx="0">
-            <a:schemeClr val="accent1"/>
-          </a:fillRef>
-          <a:effectRef idx="1">
-            <a:schemeClr val="accent1"/>
-          </a:effectRef>
-          <a:fontRef idx="minor">
-            <a:schemeClr val="tx1"/>
-          </a:fontRef>
-        </p:style>
-      </p:cxnSp>
-      <p:sp>
-        <p:nvSpPr>
-          <p:cNvPr id="16" name="TextBox 15">
-            <a:extLst>
-              <a:ext uri="{FF2B5EF4-FFF2-40B4-BE49-F238E27FC236}">
-                <a16:creationId xmlns:a16="http://schemas.microsoft.com/office/drawing/2014/main" id="{8E273A23-3D0B-8905-94A6-BAD8ED0D9518}"/>
-              </a:ext>
-            </a:extLst>
-          </p:cNvPr>
-          <p:cNvSpPr txBox="1"/>
-          <p:nvPr/>
-        </p:nvSpPr>
-        <p:spPr>
-          <a:xfrm>
-            <a:off x="9427031" y="245093"/>
-            <a:ext cx="1989909" cy="1477328"/>
-          </a:xfrm>
-          <a:prstGeom prst="rect">
-            <a:avLst/>
-          </a:prstGeom>
-          <a:noFill/>
-        </p:spPr>
-        <p:txBody>
-          <a:bodyPr wrap="square" rtlCol="0">
-            <a:spAutoFit/>
-          </a:bodyPr>
-          <a:lstStyle/>
-          <a:p>
-            <a:r>
-              <a:rPr lang="en-GB" dirty="0"/>
-              <a:t>- Compare optimised models</a:t>
-            </a:r>
-          </a:p>
-          <a:p>
-            <a:r>
-              <a:rPr lang="en-GB" dirty="0"/>
-              <a:t>- Compare old (on S3) and retrained model</a:t>
-            </a:r>
-          </a:p>
-        </p:txBody>
-      </p:sp>
-      <p:cxnSp>
-        <p:nvCxnSpPr>
-          <p:cNvPr id="17" name="Straight Arrow Connector 16">
-            <a:extLst>
-              <a:ext uri="{FF2B5EF4-FFF2-40B4-BE49-F238E27FC236}">
-                <a16:creationId xmlns:a16="http://schemas.microsoft.com/office/drawing/2014/main" id="{F4CB6E33-820A-59BF-DEAC-595EEFFA0A1E}"/>
-              </a:ext>
-            </a:extLst>
-          </p:cNvPr>
-          <p:cNvCxnSpPr>
-            <a:cxnSpLocks/>
-            <a:stCxn id="4" idx="2"/>
-            <a:endCxn id="20" idx="0"/>
-          </p:cNvCxnSpPr>
-          <p:nvPr/>
-        </p:nvCxnSpPr>
-        <p:spPr>
-          <a:xfrm>
-            <a:off x="5810799" y="822960"/>
-            <a:ext cx="0" cy="253130"/>
-          </a:xfrm>
-          <a:prstGeom prst="straightConnector1">
-            <a:avLst/>
-          </a:prstGeom>
-          <a:ln>
-            <a:tailEnd type="triangle"/>
-          </a:ln>
-        </p:spPr>
-        <p:style>
-          <a:lnRef idx="2">
-            <a:schemeClr val="accent1"/>
-          </a:lnRef>
-          <a:fillRef idx="0">
-            <a:schemeClr val="accent1"/>
-          </a:fillRef>
-          <a:effectRef idx="1">
-            <a:schemeClr val="accent1"/>
-          </a:effectRef>
-          <a:fontRef idx="minor">
-            <a:schemeClr val="tx1"/>
-          </a:fontRef>
-        </p:style>
-      </p:cxnSp>
-      <p:sp>
-        <p:nvSpPr>
-          <p:cNvPr id="20" name="TextBox 19">
-            <a:extLst>
-              <a:ext uri="{FF2B5EF4-FFF2-40B4-BE49-F238E27FC236}">
-                <a16:creationId xmlns:a16="http://schemas.microsoft.com/office/drawing/2014/main" id="{7AA0925F-86EB-7D53-6C64-6B17835C22C6}"/>
-              </a:ext>
-            </a:extLst>
-          </p:cNvPr>
-          <p:cNvSpPr txBox="1"/>
-          <p:nvPr/>
-        </p:nvSpPr>
-        <p:spPr>
-          <a:xfrm>
-            <a:off x="4857212" y="1076090"/>
-            <a:ext cx="1907173" cy="646331"/>
-          </a:xfrm>
-          <a:prstGeom prst="rect">
-            <a:avLst/>
-          </a:prstGeom>
-          <a:noFill/>
-        </p:spPr>
-        <p:txBody>
-          <a:bodyPr wrap="square" rtlCol="0">
-            <a:spAutoFit/>
-          </a:bodyPr>
-          <a:lstStyle/>
-          <a:p>
-            <a:r>
-              <a:rPr lang="en-GB" dirty="0"/>
-              <a:t>Get best set of hyperparameters</a:t>
-            </a:r>
-          </a:p>
-        </p:txBody>
-      </p:sp>
-      <p:sp>
-        <p:nvSpPr>
-          <p:cNvPr id="22" name="Rectangle 21">
-            <a:extLst>
-              <a:ext uri="{FF2B5EF4-FFF2-40B4-BE49-F238E27FC236}">
-                <a16:creationId xmlns:a16="http://schemas.microsoft.com/office/drawing/2014/main" id="{7762C2A9-689C-F57C-30C0-2A5AD354AE9C}"/>
-              </a:ext>
-            </a:extLst>
-          </p:cNvPr>
-          <p:cNvSpPr/>
-          <p:nvPr/>
-        </p:nvSpPr>
-        <p:spPr>
-          <a:xfrm>
-            <a:off x="7139943" y="495754"/>
-            <a:ext cx="755468" cy="327206"/>
-          </a:xfrm>
-          <a:prstGeom prst="rect">
-            <a:avLst/>
-          </a:prstGeom>
-          <a:solidFill>
-            <a:schemeClr val="accent4"/>
-          </a:solidFill>
-        </p:spPr>
-        <p:style>
-          <a:lnRef idx="2">
-            <a:schemeClr val="accent1">
-              <a:shade val="15000"/>
-            </a:schemeClr>
-          </a:lnRef>
-          <a:fillRef idx="1">
-            <a:schemeClr val="accent1"/>
-          </a:fillRef>
-          <a:effectRef idx="0">
-            <a:schemeClr val="accent1"/>
-          </a:effectRef>
-          <a:fontRef idx="minor">
-            <a:schemeClr val="lt1"/>
-          </a:fontRef>
-        </p:style>
-        <p:txBody>
-          <a:bodyPr rtlCol="0" anchor="ctr"/>
-          <a:lstStyle/>
-          <a:p>
-            <a:pPr algn="ctr"/>
-            <a:r>
-              <a:rPr lang="en-GB" dirty="0"/>
-              <a:t>Test</a:t>
-            </a:r>
-          </a:p>
-        </p:txBody>
-      </p:sp>
-      <p:sp>
-        <p:nvSpPr>
-          <p:cNvPr id="25" name="TextBox 24">
-            <a:extLst>
-              <a:ext uri="{FF2B5EF4-FFF2-40B4-BE49-F238E27FC236}">
-                <a16:creationId xmlns:a16="http://schemas.microsoft.com/office/drawing/2014/main" id="{64CD6A7F-0504-E745-8A79-432D4911DA24}"/>
-              </a:ext>
-            </a:extLst>
-          </p:cNvPr>
-          <p:cNvSpPr txBox="1"/>
-          <p:nvPr/>
-        </p:nvSpPr>
-        <p:spPr>
-          <a:xfrm>
-            <a:off x="6785063" y="153389"/>
-            <a:ext cx="1003663" cy="369332"/>
-          </a:xfrm>
-          <a:prstGeom prst="rect">
-            <a:avLst/>
-          </a:prstGeom>
-          <a:noFill/>
-        </p:spPr>
-        <p:txBody>
-          <a:bodyPr wrap="square" rtlCol="0">
-            <a:spAutoFit/>
-          </a:bodyPr>
-          <a:lstStyle/>
-          <a:p>
-            <a:r>
-              <a:rPr lang="en-GB" dirty="0"/>
-              <a:t>T=M-1</a:t>
+              <a:t> tuning report to Slack</a:t>
             </a:r>
           </a:p>
         </p:txBody>
@@ -10153,7 +10160,7 @@
     </p:spTree>
     <p:extLst>
       <p:ext uri="{BB962C8B-B14F-4D97-AF65-F5344CB8AC3E}">
-        <p14:creationId xmlns:p14="http://schemas.microsoft.com/office/powerpoint/2010/main" val="3689535318"/>
+        <p14:creationId xmlns:p14="http://schemas.microsoft.com/office/powerpoint/2010/main" val="2450686333"/>
       </p:ext>
     </p:extLst>
   </p:cSld>
@@ -10185,7 +10192,7 @@
           <p:cNvPr id="2" name="Title 1">
             <a:extLst>
               <a:ext uri="{FF2B5EF4-FFF2-40B4-BE49-F238E27FC236}">
-                <a16:creationId xmlns:a16="http://schemas.microsoft.com/office/drawing/2014/main" id="{A6503889-B644-6D43-FF43-A075FC905774}"/>
+                <a16:creationId xmlns:a16="http://schemas.microsoft.com/office/drawing/2014/main" id="{786686E8-215A-5475-0873-B4055D121F8F}"/>
               </a:ext>
             </a:extLst>
           </p:cNvPr>
@@ -10203,17 +10210,117 @@
           <a:p>
             <a:r>
               <a:rPr lang="en-GB" dirty="0"/>
-              <a:t>Retraining</a:t>
-            </a:r>
-          </a:p>
-        </p:txBody>
-      </p:sp>
-      <p:sp>
-        <p:nvSpPr>
-          <p:cNvPr id="4" name="Rounded Rectangle 3">
-            <a:extLst>
-              <a:ext uri="{FF2B5EF4-FFF2-40B4-BE49-F238E27FC236}">
-                <a16:creationId xmlns:a16="http://schemas.microsoft.com/office/drawing/2014/main" id="{2CCEDC67-1814-EC85-563E-9AEA47E6A991}"/>
+              <a:t>CT</a:t>
+            </a:r>
+          </a:p>
+        </p:txBody>
+      </p:sp>
+      <p:sp>
+        <p:nvSpPr>
+          <p:cNvPr id="3" name="Content Placeholder 2">
+            <a:extLst>
+              <a:ext uri="{FF2B5EF4-FFF2-40B4-BE49-F238E27FC236}">
+                <a16:creationId xmlns:a16="http://schemas.microsoft.com/office/drawing/2014/main" id="{B4423546-A7E9-D0C0-C3F6-1997391AD7C0}"/>
+              </a:ext>
+            </a:extLst>
+          </p:cNvPr>
+          <p:cNvSpPr>
+            <a:spLocks noGrp="1"/>
+          </p:cNvSpPr>
+          <p:nvPr>
+            <p:ph idx="1"/>
+          </p:nvPr>
+        </p:nvSpPr>
+        <p:spPr>
+          <a:xfrm>
+            <a:off x="838200" y="1825624"/>
+            <a:ext cx="10515600" cy="5032375"/>
+          </a:xfrm>
+        </p:spPr>
+        <p:txBody>
+          <a:bodyPr>
+            <a:normAutofit/>
+          </a:bodyPr>
+          <a:lstStyle/>
+          <a:p>
+            <a:r>
+              <a:rPr lang="en-GB" dirty="0"/>
+              <a:t>Retraining based on time/data ingestion @ X time unit</a:t>
+            </a:r>
+          </a:p>
+          <a:p>
+            <a:pPr lvl="1"/>
+            <a:r>
+              <a:rPr lang="en-GB" b="1" dirty="0"/>
+              <a:t>Objective: Let model capture new trends in data, refresh model with same hyperparameters</a:t>
+            </a:r>
+          </a:p>
+          <a:p>
+            <a:pPr lvl="1"/>
+            <a:r>
+              <a:rPr lang="en-GB" dirty="0"/>
+              <a:t>Separate script which uses the same hyperparameters from experimentation (</a:t>
+            </a:r>
+            <a:r>
+              <a:rPr lang="en-GB" dirty="0" err="1"/>
+              <a:t>Github</a:t>
+            </a:r>
+            <a:r>
+              <a:rPr lang="en-GB" dirty="0"/>
+              <a:t> actions), but does the comparison and retraining on AWS Lambda </a:t>
+            </a:r>
+          </a:p>
+          <a:p>
+            <a:pPr lvl="1"/>
+            <a:r>
+              <a:rPr lang="en-GB" dirty="0"/>
+              <a:t>Train-validate</a:t>
+            </a:r>
+          </a:p>
+          <a:p>
+            <a:pPr lvl="1"/>
+            <a:r>
+              <a:rPr lang="en-GB" dirty="0"/>
+              <a:t>Implement A/B testing afterwards to check if there is indeed and improvement over the old model. Do not deploy if performance drops</a:t>
+            </a:r>
+          </a:p>
+          <a:p>
+            <a:pPr lvl="2"/>
+            <a:r>
+              <a:rPr lang="en-GB" dirty="0"/>
+              <a:t>Still necessary to compare 5 fold CV in addition to test set?</a:t>
+            </a:r>
+          </a:p>
+          <a:p>
+            <a:pPr lvl="2"/>
+            <a:r>
+              <a:rPr lang="en-GB" dirty="0"/>
+              <a:t>Pseudo-Canary testing?</a:t>
+            </a:r>
+          </a:p>
+          <a:p>
+            <a:pPr lvl="2"/>
+            <a:r>
+              <a:rPr lang="en-GB" dirty="0"/>
+              <a:t>Can find hard quality gates here: https://</a:t>
+            </a:r>
+            <a:r>
+              <a:rPr lang="en-GB" dirty="0" err="1"/>
+              <a:t>mlflow.org</a:t>
+            </a:r>
+            <a:r>
+              <a:rPr lang="en-GB" dirty="0"/>
+              <a:t>/docs/3.1.3/ml/evaluation/model-eval/</a:t>
+            </a:r>
+          </a:p>
+        </p:txBody>
+      </p:sp>
+      <p:sp>
+        <p:nvSpPr>
+          <p:cNvPr id="4" name="Rectangle 3">
+            <a:extLst>
+              <a:ext uri="{FF2B5EF4-FFF2-40B4-BE49-F238E27FC236}">
+                <a16:creationId xmlns:a16="http://schemas.microsoft.com/office/drawing/2014/main" id="{2D353EA7-6F98-A6AC-D6EB-CE7E49900F60}"/>
               </a:ext>
             </a:extLst>
           </p:cNvPr>
@@ -10222,15 +10329,12 @@
         </p:nvSpPr>
         <p:spPr>
           <a:xfrm>
-            <a:off x="2146738" y="2729821"/>
-            <a:ext cx="2087880" cy="1012371"/>
-          </a:xfrm>
-          <a:prstGeom prst="roundRect">
+            <a:off x="4491454" y="495754"/>
+            <a:ext cx="2638690" cy="327206"/>
+          </a:xfrm>
+          <a:prstGeom prst="rect">
             <a:avLst/>
           </a:prstGeom>
-          <a:solidFill>
-            <a:schemeClr val="accent1"/>
-          </a:solidFill>
         </p:spPr>
         <p:style>
           <a:lnRef idx="2">
@@ -10255,17 +10359,17 @@
             <a:pPr algn="ctr"/>
             <a:r>
               <a:rPr lang="en-GB" dirty="0"/>
-              <a:t>AWS Lambda loads champion model from S3</a:t>
-            </a:r>
-          </a:p>
-        </p:txBody>
-      </p:sp>
-      <p:sp>
-        <p:nvSpPr>
-          <p:cNvPr id="5" name="Rounded Rectangle 4">
-            <a:extLst>
-              <a:ext uri="{FF2B5EF4-FFF2-40B4-BE49-F238E27FC236}">
-                <a16:creationId xmlns:a16="http://schemas.microsoft.com/office/drawing/2014/main" id="{1B5480D8-AC7A-EC9A-F024-6ACBD248499A}"/>
+              <a:t>Train-Validation</a:t>
+            </a:r>
+          </a:p>
+        </p:txBody>
+      </p:sp>
+      <p:sp>
+        <p:nvSpPr>
+          <p:cNvPr id="5" name="Rectangle 4">
+            <a:extLst>
+              <a:ext uri="{FF2B5EF4-FFF2-40B4-BE49-F238E27FC236}">
+                <a16:creationId xmlns:a16="http://schemas.microsoft.com/office/drawing/2014/main" id="{CAA164F5-77DD-0E74-4524-E2D878665865}"/>
               </a:ext>
             </a:extLst>
           </p:cNvPr>
@@ -10274,15 +10378,18 @@
         </p:nvSpPr>
         <p:spPr>
           <a:xfrm>
-            <a:off x="4715767" y="2729821"/>
-            <a:ext cx="2087880" cy="1012371"/>
-          </a:xfrm>
-          <a:prstGeom prst="roundRect">
+            <a:off x="7903029" y="495754"/>
+            <a:ext cx="755468" cy="327206"/>
+          </a:xfrm>
+          <a:prstGeom prst="rect">
             <a:avLst/>
           </a:prstGeom>
           <a:solidFill>
-            <a:schemeClr val="accent1"/>
+            <a:schemeClr val="accent2"/>
           </a:solidFill>
+          <a:ln>
+            <a:prstDash val="dash"/>
+          </a:ln>
         </p:spPr>
         <p:style>
           <a:lnRef idx="2">
@@ -10307,17 +10414,247 @@
             <a:pPr algn="ctr"/>
             <a:r>
               <a:rPr lang="en-GB" dirty="0"/>
-              <a:t>Retrain challenger model based on train + test + retraining test</a:t>
-            </a:r>
-          </a:p>
-        </p:txBody>
-      </p:sp>
-      <p:sp>
-        <p:nvSpPr>
-          <p:cNvPr id="6" name="Rounded Rectangle 5">
-            <a:extLst>
-              <a:ext uri="{FF2B5EF4-FFF2-40B4-BE49-F238E27FC236}">
-                <a16:creationId xmlns:a16="http://schemas.microsoft.com/office/drawing/2014/main" id="{9CFDBB71-63FA-71B9-AAB2-B1597B9F76D5}"/>
+              <a:t>A/B</a:t>
+            </a:r>
+          </a:p>
+        </p:txBody>
+      </p:sp>
+      <p:sp>
+        <p:nvSpPr>
+          <p:cNvPr id="6" name="TextBox 5">
+            <a:extLst>
+              <a:ext uri="{FF2B5EF4-FFF2-40B4-BE49-F238E27FC236}">
+                <a16:creationId xmlns:a16="http://schemas.microsoft.com/office/drawing/2014/main" id="{FE926106-4760-484A-5BC4-61D3D943CE13}"/>
+              </a:ext>
+            </a:extLst>
+          </p:cNvPr>
+          <p:cNvSpPr txBox="1"/>
+          <p:nvPr/>
+        </p:nvSpPr>
+        <p:spPr>
+          <a:xfrm>
+            <a:off x="4206241" y="156755"/>
+            <a:ext cx="766355" cy="369332"/>
+          </a:xfrm>
+          <a:prstGeom prst="rect">
+            <a:avLst/>
+          </a:prstGeom>
+          <a:noFill/>
+        </p:spPr>
+        <p:txBody>
+          <a:bodyPr wrap="square" rtlCol="0">
+            <a:spAutoFit/>
+          </a:bodyPr>
+          <a:lstStyle/>
+          <a:p>
+            <a:r>
+              <a:rPr lang="en-GB" dirty="0"/>
+              <a:t>T=M0</a:t>
+            </a:r>
+          </a:p>
+        </p:txBody>
+      </p:sp>
+      <p:sp>
+        <p:nvSpPr>
+          <p:cNvPr id="7" name="TextBox 6">
+            <a:extLst>
+              <a:ext uri="{FF2B5EF4-FFF2-40B4-BE49-F238E27FC236}">
+                <a16:creationId xmlns:a16="http://schemas.microsoft.com/office/drawing/2014/main" id="{937C3058-374B-9DEC-72C2-D2B55FD41645}"/>
+              </a:ext>
+            </a:extLst>
+          </p:cNvPr>
+          <p:cNvSpPr txBox="1"/>
+          <p:nvPr/>
+        </p:nvSpPr>
+        <p:spPr>
+          <a:xfrm>
+            <a:off x="7563393" y="156755"/>
+            <a:ext cx="1003663" cy="369332"/>
+          </a:xfrm>
+          <a:prstGeom prst="rect">
+            <a:avLst/>
+          </a:prstGeom>
+          <a:noFill/>
+        </p:spPr>
+        <p:txBody>
+          <a:bodyPr wrap="square" rtlCol="0">
+            <a:spAutoFit/>
+          </a:bodyPr>
+          <a:lstStyle/>
+          <a:p>
+            <a:r>
+              <a:rPr lang="en-GB" dirty="0"/>
+              <a:t>T=M</a:t>
+            </a:r>
+          </a:p>
+        </p:txBody>
+      </p:sp>
+      <p:cxnSp>
+        <p:nvCxnSpPr>
+          <p:cNvPr id="15" name="Straight Arrow Connector 14">
+            <a:extLst>
+              <a:ext uri="{FF2B5EF4-FFF2-40B4-BE49-F238E27FC236}">
+                <a16:creationId xmlns:a16="http://schemas.microsoft.com/office/drawing/2014/main" id="{1693394D-3D58-9A9E-CF02-9AB5EDD6AE4D}"/>
+              </a:ext>
+            </a:extLst>
+          </p:cNvPr>
+          <p:cNvCxnSpPr>
+            <a:cxnSpLocks/>
+          </p:cNvCxnSpPr>
+          <p:nvPr/>
+        </p:nvCxnSpPr>
+        <p:spPr>
+          <a:xfrm flipV="1">
+            <a:off x="8643261" y="641038"/>
+            <a:ext cx="783770" cy="1203"/>
+          </a:xfrm>
+          <a:prstGeom prst="straightConnector1">
+            <a:avLst/>
+          </a:prstGeom>
+          <a:ln>
+            <a:tailEnd type="triangle"/>
+          </a:ln>
+        </p:spPr>
+        <p:style>
+          <a:lnRef idx="2">
+            <a:schemeClr val="accent1"/>
+          </a:lnRef>
+          <a:fillRef idx="0">
+            <a:schemeClr val="accent1"/>
+          </a:fillRef>
+          <a:effectRef idx="1">
+            <a:schemeClr val="accent1"/>
+          </a:effectRef>
+          <a:fontRef idx="minor">
+            <a:schemeClr val="tx1"/>
+          </a:fontRef>
+        </p:style>
+      </p:cxnSp>
+      <p:sp>
+        <p:nvSpPr>
+          <p:cNvPr id="16" name="TextBox 15">
+            <a:extLst>
+              <a:ext uri="{FF2B5EF4-FFF2-40B4-BE49-F238E27FC236}">
+                <a16:creationId xmlns:a16="http://schemas.microsoft.com/office/drawing/2014/main" id="{8E273A23-3D0B-8905-94A6-BAD8ED0D9518}"/>
+              </a:ext>
+            </a:extLst>
+          </p:cNvPr>
+          <p:cNvSpPr txBox="1"/>
+          <p:nvPr/>
+        </p:nvSpPr>
+        <p:spPr>
+          <a:xfrm>
+            <a:off x="9427031" y="245093"/>
+            <a:ext cx="1989909" cy="1477328"/>
+          </a:xfrm>
+          <a:prstGeom prst="rect">
+            <a:avLst/>
+          </a:prstGeom>
+          <a:noFill/>
+        </p:spPr>
+        <p:txBody>
+          <a:bodyPr wrap="square" rtlCol="0">
+            <a:spAutoFit/>
+          </a:bodyPr>
+          <a:lstStyle/>
+          <a:p>
+            <a:r>
+              <a:rPr lang="en-GB" dirty="0"/>
+              <a:t>- Compare optimised models</a:t>
+            </a:r>
+          </a:p>
+          <a:p>
+            <a:r>
+              <a:rPr lang="en-GB" dirty="0"/>
+              <a:t>- Compare old (on S3) and retrained model</a:t>
+            </a:r>
+          </a:p>
+        </p:txBody>
+      </p:sp>
+      <p:cxnSp>
+        <p:nvCxnSpPr>
+          <p:cNvPr id="17" name="Straight Arrow Connector 16">
+            <a:extLst>
+              <a:ext uri="{FF2B5EF4-FFF2-40B4-BE49-F238E27FC236}">
+                <a16:creationId xmlns:a16="http://schemas.microsoft.com/office/drawing/2014/main" id="{F4CB6E33-820A-59BF-DEAC-595EEFFA0A1E}"/>
+              </a:ext>
+            </a:extLst>
+          </p:cNvPr>
+          <p:cNvCxnSpPr>
+            <a:cxnSpLocks/>
+            <a:stCxn id="4" idx="2"/>
+            <a:endCxn id="20" idx="0"/>
+          </p:cNvCxnSpPr>
+          <p:nvPr/>
+        </p:nvCxnSpPr>
+        <p:spPr>
+          <a:xfrm>
+            <a:off x="5810799" y="822960"/>
+            <a:ext cx="0" cy="253130"/>
+          </a:xfrm>
+          <a:prstGeom prst="straightConnector1">
+            <a:avLst/>
+          </a:prstGeom>
+          <a:ln>
+            <a:tailEnd type="triangle"/>
+          </a:ln>
+        </p:spPr>
+        <p:style>
+          <a:lnRef idx="2">
+            <a:schemeClr val="accent1"/>
+          </a:lnRef>
+          <a:fillRef idx="0">
+            <a:schemeClr val="accent1"/>
+          </a:fillRef>
+          <a:effectRef idx="1">
+            <a:schemeClr val="accent1"/>
+          </a:effectRef>
+          <a:fontRef idx="minor">
+            <a:schemeClr val="tx1"/>
+          </a:fontRef>
+        </p:style>
+      </p:cxnSp>
+      <p:sp>
+        <p:nvSpPr>
+          <p:cNvPr id="20" name="TextBox 19">
+            <a:extLst>
+              <a:ext uri="{FF2B5EF4-FFF2-40B4-BE49-F238E27FC236}">
+                <a16:creationId xmlns:a16="http://schemas.microsoft.com/office/drawing/2014/main" id="{7AA0925F-86EB-7D53-6C64-6B17835C22C6}"/>
+              </a:ext>
+            </a:extLst>
+          </p:cNvPr>
+          <p:cNvSpPr txBox="1"/>
+          <p:nvPr/>
+        </p:nvSpPr>
+        <p:spPr>
+          <a:xfrm>
+            <a:off x="4857212" y="1076090"/>
+            <a:ext cx="1907173" cy="646331"/>
+          </a:xfrm>
+          <a:prstGeom prst="rect">
+            <a:avLst/>
+          </a:prstGeom>
+          <a:noFill/>
+        </p:spPr>
+        <p:txBody>
+          <a:bodyPr wrap="square" rtlCol="0">
+            <a:spAutoFit/>
+          </a:bodyPr>
+          <a:lstStyle/>
+          <a:p>
+            <a:r>
+              <a:rPr lang="en-GB" dirty="0"/>
+              <a:t>Get best set of hyperparameters</a:t>
+            </a:r>
+          </a:p>
+        </p:txBody>
+      </p:sp>
+      <p:sp>
+        <p:nvSpPr>
+          <p:cNvPr id="22" name="Rectangle 21">
+            <a:extLst>
+              <a:ext uri="{FF2B5EF4-FFF2-40B4-BE49-F238E27FC236}">
+                <a16:creationId xmlns:a16="http://schemas.microsoft.com/office/drawing/2014/main" id="{7762C2A9-689C-F57C-30C0-2A5AD354AE9C}"/>
               </a:ext>
             </a:extLst>
           </p:cNvPr>
@@ -10326,14 +10663,14 @@
         </p:nvSpPr>
         <p:spPr>
           <a:xfrm>
-            <a:off x="7284796" y="2729821"/>
-            <a:ext cx="2087880" cy="1012371"/>
-          </a:xfrm>
-          <a:prstGeom prst="roundRect">
+            <a:off x="7139943" y="495754"/>
+            <a:ext cx="755468" cy="327206"/>
+          </a:xfrm>
+          <a:prstGeom prst="rect">
             <a:avLst/>
           </a:prstGeom>
           <a:solidFill>
-            <a:schemeClr val="accent1"/>
+            <a:schemeClr val="accent4"/>
           </a:solidFill>
         </p:spPr>
         <p:style>
@@ -10359,397 +10696,27 @@
             <a:pPr algn="ctr"/>
             <a:r>
               <a:rPr lang="en-GB" dirty="0"/>
-              <a:t>Threshold of 5% improvement</a:t>
-            </a:r>
-          </a:p>
-        </p:txBody>
-      </p:sp>
-      <p:sp>
-        <p:nvSpPr>
-          <p:cNvPr id="9" name="Rounded Rectangle 8">
-            <a:extLst>
-              <a:ext uri="{FF2B5EF4-FFF2-40B4-BE49-F238E27FC236}">
-                <a16:creationId xmlns:a16="http://schemas.microsoft.com/office/drawing/2014/main" id="{6522B1A6-501C-E5F7-3C63-E31C43480CC1}"/>
-              </a:ext>
-            </a:extLst>
-          </p:cNvPr>
-          <p:cNvSpPr/>
+              <a:t>Test</a:t>
+            </a:r>
+          </a:p>
+        </p:txBody>
+      </p:sp>
+      <p:sp>
+        <p:nvSpPr>
+          <p:cNvPr id="25" name="TextBox 24">
+            <a:extLst>
+              <a:ext uri="{FF2B5EF4-FFF2-40B4-BE49-F238E27FC236}">
+                <a16:creationId xmlns:a16="http://schemas.microsoft.com/office/drawing/2014/main" id="{64CD6A7F-0504-E745-8A79-432D4911DA24}"/>
+              </a:ext>
+            </a:extLst>
+          </p:cNvPr>
+          <p:cNvSpPr txBox="1"/>
           <p:nvPr/>
         </p:nvSpPr>
         <p:spPr>
           <a:xfrm>
-            <a:off x="9853825" y="2729820"/>
-            <a:ext cx="2087880" cy="1012371"/>
-          </a:xfrm>
-          <a:prstGeom prst="roundRect">
-            <a:avLst/>
-          </a:prstGeom>
-          <a:solidFill>
-            <a:schemeClr val="accent1"/>
-          </a:solidFill>
-        </p:spPr>
-        <p:style>
-          <a:lnRef idx="2">
-            <a:schemeClr val="accent1">
-              <a:shade val="15000"/>
-            </a:schemeClr>
-          </a:lnRef>
-          <a:fillRef idx="1">
-            <a:schemeClr val="accent1"/>
-          </a:fillRef>
-          <a:effectRef idx="0">
-            <a:schemeClr val="accent1"/>
-          </a:effectRef>
-          <a:fontRef idx="minor">
-            <a:schemeClr val="lt1"/>
-          </a:fontRef>
-        </p:style>
-        <p:txBody>
-          <a:bodyPr rtlCol="0" anchor="ctr"/>
-          <a:lstStyle/>
-          <a:p>
-            <a:pPr algn="ctr"/>
-            <a:r>
-              <a:rPr lang="en-GB" dirty="0"/>
-              <a:t>Push challenger to S3 if it wins</a:t>
-            </a:r>
-          </a:p>
-        </p:txBody>
-      </p:sp>
-      <p:sp>
-        <p:nvSpPr>
-          <p:cNvPr id="11" name="Rounded Rectangle 10">
-            <a:extLst>
-              <a:ext uri="{FF2B5EF4-FFF2-40B4-BE49-F238E27FC236}">
-                <a16:creationId xmlns:a16="http://schemas.microsoft.com/office/drawing/2014/main" id="{BB4CC1CF-EE8E-31C8-D110-1D1D6E74023C}"/>
-              </a:ext>
-            </a:extLst>
-          </p:cNvPr>
-          <p:cNvSpPr/>
-          <p:nvPr/>
-        </p:nvSpPr>
-        <p:spPr>
-          <a:xfrm>
-            <a:off x="2146738" y="4468133"/>
-            <a:ext cx="2087880" cy="1012371"/>
-          </a:xfrm>
-          <a:prstGeom prst="roundRect">
-            <a:avLst/>
-          </a:prstGeom>
-          <a:solidFill>
-            <a:schemeClr val="accent1"/>
-          </a:solidFill>
-        </p:spPr>
-        <p:style>
-          <a:lnRef idx="2">
-            <a:schemeClr val="accent1">
-              <a:shade val="15000"/>
-            </a:schemeClr>
-          </a:lnRef>
-          <a:fillRef idx="1">
-            <a:schemeClr val="accent1"/>
-          </a:fillRef>
-          <a:effectRef idx="0">
-            <a:schemeClr val="accent1"/>
-          </a:effectRef>
-          <a:fontRef idx="minor">
-            <a:schemeClr val="lt1"/>
-          </a:fontRef>
-        </p:style>
-        <p:txBody>
-          <a:bodyPr rtlCol="0" anchor="ctr"/>
-          <a:lstStyle/>
-          <a:p>
-            <a:pPr algn="ctr"/>
-            <a:r>
-              <a:rPr lang="en-GB" dirty="0"/>
-              <a:t>TBC: Check data drift/shift</a:t>
-            </a:r>
-          </a:p>
-        </p:txBody>
-      </p:sp>
-      <p:cxnSp>
-        <p:nvCxnSpPr>
-          <p:cNvPr id="12" name="Straight Arrow Connector 11">
-            <a:extLst>
-              <a:ext uri="{FF2B5EF4-FFF2-40B4-BE49-F238E27FC236}">
-                <a16:creationId xmlns:a16="http://schemas.microsoft.com/office/drawing/2014/main" id="{D1246BA4-5129-1F55-05E4-0C8F0215F060}"/>
-              </a:ext>
-            </a:extLst>
-          </p:cNvPr>
-          <p:cNvCxnSpPr>
-            <a:cxnSpLocks/>
-            <a:stCxn id="4" idx="3"/>
-            <a:endCxn id="5" idx="1"/>
-          </p:cNvCxnSpPr>
-          <p:nvPr/>
-        </p:nvCxnSpPr>
-        <p:spPr>
-          <a:xfrm>
-            <a:off x="4234618" y="3236007"/>
-            <a:ext cx="481149" cy="0"/>
-          </a:xfrm>
-          <a:prstGeom prst="straightConnector1">
-            <a:avLst/>
-          </a:prstGeom>
-          <a:ln>
-            <a:tailEnd type="triangle"/>
-          </a:ln>
-        </p:spPr>
-        <p:style>
-          <a:lnRef idx="2">
-            <a:schemeClr val="accent1"/>
-          </a:lnRef>
-          <a:fillRef idx="0">
-            <a:schemeClr val="accent1"/>
-          </a:fillRef>
-          <a:effectRef idx="1">
-            <a:schemeClr val="accent1"/>
-          </a:effectRef>
-          <a:fontRef idx="minor">
-            <a:schemeClr val="tx1"/>
-          </a:fontRef>
-        </p:style>
-      </p:cxnSp>
-      <p:cxnSp>
-        <p:nvCxnSpPr>
-          <p:cNvPr id="15" name="Straight Arrow Connector 14">
-            <a:extLst>
-              <a:ext uri="{FF2B5EF4-FFF2-40B4-BE49-F238E27FC236}">
-                <a16:creationId xmlns:a16="http://schemas.microsoft.com/office/drawing/2014/main" id="{3E136E0D-A917-9DFA-8B45-FE6A38AD8B18}"/>
-              </a:ext>
-            </a:extLst>
-          </p:cNvPr>
-          <p:cNvCxnSpPr>
-            <a:cxnSpLocks/>
-            <a:stCxn id="5" idx="3"/>
-            <a:endCxn id="6" idx="1"/>
-          </p:cNvCxnSpPr>
-          <p:nvPr/>
-        </p:nvCxnSpPr>
-        <p:spPr>
-          <a:xfrm>
-            <a:off x="6803647" y="3236007"/>
-            <a:ext cx="481149" cy="0"/>
-          </a:xfrm>
-          <a:prstGeom prst="straightConnector1">
-            <a:avLst/>
-          </a:prstGeom>
-          <a:ln>
-            <a:tailEnd type="triangle"/>
-          </a:ln>
-        </p:spPr>
-        <p:style>
-          <a:lnRef idx="2">
-            <a:schemeClr val="accent1"/>
-          </a:lnRef>
-          <a:fillRef idx="0">
-            <a:schemeClr val="accent1"/>
-          </a:fillRef>
-          <a:effectRef idx="1">
-            <a:schemeClr val="accent1"/>
-          </a:effectRef>
-          <a:fontRef idx="minor">
-            <a:schemeClr val="tx1"/>
-          </a:fontRef>
-        </p:style>
-      </p:cxnSp>
-      <p:cxnSp>
-        <p:nvCxnSpPr>
-          <p:cNvPr id="18" name="Straight Arrow Connector 17">
-            <a:extLst>
-              <a:ext uri="{FF2B5EF4-FFF2-40B4-BE49-F238E27FC236}">
-                <a16:creationId xmlns:a16="http://schemas.microsoft.com/office/drawing/2014/main" id="{3B55936F-871C-2EEC-BD5A-9B3D3D558D4B}"/>
-              </a:ext>
-            </a:extLst>
-          </p:cNvPr>
-          <p:cNvCxnSpPr>
-            <a:cxnSpLocks/>
-            <a:stCxn id="6" idx="3"/>
-            <a:endCxn id="9" idx="1"/>
-          </p:cNvCxnSpPr>
-          <p:nvPr/>
-        </p:nvCxnSpPr>
-        <p:spPr>
-          <a:xfrm flipV="1">
-            <a:off x="9372676" y="3236006"/>
-            <a:ext cx="481149" cy="1"/>
-          </a:xfrm>
-          <a:prstGeom prst="straightConnector1">
-            <a:avLst/>
-          </a:prstGeom>
-          <a:ln>
-            <a:tailEnd type="triangle"/>
-          </a:ln>
-        </p:spPr>
-        <p:style>
-          <a:lnRef idx="2">
-            <a:schemeClr val="accent1"/>
-          </a:lnRef>
-          <a:fillRef idx="0">
-            <a:schemeClr val="accent1"/>
-          </a:fillRef>
-          <a:effectRef idx="1">
-            <a:schemeClr val="accent1"/>
-          </a:effectRef>
-          <a:fontRef idx="minor">
-            <a:schemeClr val="tx1"/>
-          </a:fontRef>
-        </p:style>
-      </p:cxnSp>
-      <p:sp>
-        <p:nvSpPr>
-          <p:cNvPr id="33" name="Rounded Rectangle 32">
-            <a:extLst>
-              <a:ext uri="{FF2B5EF4-FFF2-40B4-BE49-F238E27FC236}">
-                <a16:creationId xmlns:a16="http://schemas.microsoft.com/office/drawing/2014/main" id="{C484CA52-A95C-FCD0-F365-FA7F9542E6C8}"/>
-              </a:ext>
-            </a:extLst>
-          </p:cNvPr>
-          <p:cNvSpPr/>
-          <p:nvPr/>
-        </p:nvSpPr>
-        <p:spPr>
-          <a:xfrm>
-            <a:off x="533400" y="1560854"/>
-            <a:ext cx="2087880" cy="1012371"/>
-          </a:xfrm>
-          <a:prstGeom prst="roundRect">
-            <a:avLst/>
-          </a:prstGeom>
-          <a:solidFill>
-            <a:schemeClr val="accent1"/>
-          </a:solidFill>
-        </p:spPr>
-        <p:style>
-          <a:lnRef idx="2">
-            <a:schemeClr val="accent1">
-              <a:shade val="15000"/>
-            </a:schemeClr>
-          </a:lnRef>
-          <a:fillRef idx="1">
-            <a:schemeClr val="accent1"/>
-          </a:fillRef>
-          <a:effectRef idx="0">
-            <a:schemeClr val="accent1"/>
-          </a:effectRef>
-          <a:fontRef idx="minor">
-            <a:schemeClr val="lt1"/>
-          </a:fontRef>
-        </p:style>
-        <p:txBody>
-          <a:bodyPr rtlCol="0" anchor="ctr"/>
-          <a:lstStyle/>
-          <a:p>
-            <a:pPr algn="ctr"/>
-            <a:r>
-              <a:rPr lang="en-GB" dirty="0"/>
-              <a:t>With new data pulled weekly on S3</a:t>
-            </a:r>
-          </a:p>
-        </p:txBody>
-      </p:sp>
-      <p:cxnSp>
-        <p:nvCxnSpPr>
-          <p:cNvPr id="35" name="Elbow Connector 34">
-            <a:extLst>
-              <a:ext uri="{FF2B5EF4-FFF2-40B4-BE49-F238E27FC236}">
-                <a16:creationId xmlns:a16="http://schemas.microsoft.com/office/drawing/2014/main" id="{7EF46BE1-A142-DA15-C6F0-1D1F13EFF7E1}"/>
-              </a:ext>
-            </a:extLst>
-          </p:cNvPr>
-          <p:cNvCxnSpPr>
-            <a:stCxn id="33" idx="2"/>
-            <a:endCxn id="4" idx="1"/>
-          </p:cNvCxnSpPr>
-          <p:nvPr/>
-        </p:nvCxnSpPr>
-        <p:spPr>
-          <a:xfrm rot="16200000" flipH="1">
-            <a:off x="1530648" y="2619917"/>
-            <a:ext cx="662782" cy="569398"/>
-          </a:xfrm>
-          <a:prstGeom prst="bentConnector2">
-            <a:avLst/>
-          </a:prstGeom>
-          <a:ln>
-            <a:tailEnd type="triangle"/>
-          </a:ln>
-        </p:spPr>
-        <p:style>
-          <a:lnRef idx="2">
-            <a:schemeClr val="accent1"/>
-          </a:lnRef>
-          <a:fillRef idx="0">
-            <a:schemeClr val="accent1"/>
-          </a:fillRef>
-          <a:effectRef idx="1">
-            <a:schemeClr val="accent1"/>
-          </a:effectRef>
-          <a:fontRef idx="minor">
-            <a:schemeClr val="tx1"/>
-          </a:fontRef>
-        </p:style>
-      </p:cxnSp>
-      <p:cxnSp>
-        <p:nvCxnSpPr>
-          <p:cNvPr id="36" name="Elbow Connector 35">
-            <a:extLst>
-              <a:ext uri="{FF2B5EF4-FFF2-40B4-BE49-F238E27FC236}">
-                <a16:creationId xmlns:a16="http://schemas.microsoft.com/office/drawing/2014/main" id="{C32A4EEC-DE60-5CFF-B4F9-A0E82DC3EF4D}"/>
-              </a:ext>
-            </a:extLst>
-          </p:cNvPr>
-          <p:cNvCxnSpPr>
-            <a:cxnSpLocks/>
-            <a:stCxn id="33" idx="2"/>
-            <a:endCxn id="11" idx="1"/>
-          </p:cNvCxnSpPr>
-          <p:nvPr/>
-        </p:nvCxnSpPr>
-        <p:spPr>
-          <a:xfrm rot="16200000" flipH="1">
-            <a:off x="661492" y="3489073"/>
-            <a:ext cx="2401094" cy="569398"/>
-          </a:xfrm>
-          <a:prstGeom prst="bentConnector2">
-            <a:avLst/>
-          </a:prstGeom>
-          <a:ln>
-            <a:tailEnd type="triangle"/>
-          </a:ln>
-        </p:spPr>
-        <p:style>
-          <a:lnRef idx="2">
-            <a:schemeClr val="accent1"/>
-          </a:lnRef>
-          <a:fillRef idx="0">
-            <a:schemeClr val="accent1"/>
-          </a:fillRef>
-          <a:effectRef idx="1">
-            <a:schemeClr val="accent1"/>
-          </a:effectRef>
-          <a:fontRef idx="minor">
-            <a:schemeClr val="tx1"/>
-          </a:fontRef>
-        </p:style>
-      </p:cxnSp>
-      <p:sp>
-        <p:nvSpPr>
-          <p:cNvPr id="40" name="TextBox 39">
-            <a:extLst>
-              <a:ext uri="{FF2B5EF4-FFF2-40B4-BE49-F238E27FC236}">
-                <a16:creationId xmlns:a16="http://schemas.microsoft.com/office/drawing/2014/main" id="{91F52619-D3DE-F07A-2D90-54A7256990C4}"/>
-              </a:ext>
-            </a:extLst>
-          </p:cNvPr>
-          <p:cNvSpPr txBox="1"/>
-          <p:nvPr/>
-        </p:nvSpPr>
-        <p:spPr>
-          <a:xfrm>
-            <a:off x="6858000" y="5139559"/>
-            <a:ext cx="184731" cy="369332"/>
+            <a:off x="6785063" y="153389"/>
+            <a:ext cx="1003663" cy="369332"/>
           </a:xfrm>
           <a:prstGeom prst="rect">
             <a:avLst/>
@@ -10757,139 +10724,28 @@
           <a:noFill/>
         </p:spPr>
         <p:txBody>
-          <a:bodyPr wrap="none" rtlCol="0">
+          <a:bodyPr wrap="square" rtlCol="0">
             <a:spAutoFit/>
           </a:bodyPr>
           <a:lstStyle/>
           <a:p>
-            <a:endParaRPr lang="en-GB" dirty="0"/>
-          </a:p>
-        </p:txBody>
-      </p:sp>
-      <p:pic>
-        <p:nvPicPr>
-          <p:cNvPr id="43" name="Graphic 42">
-            <a:extLst>
-              <a:ext uri="{FF2B5EF4-FFF2-40B4-BE49-F238E27FC236}">
-                <a16:creationId xmlns:a16="http://schemas.microsoft.com/office/drawing/2014/main" id="{02911A7A-37B5-EFF1-591B-FB7B6B6E1D20}"/>
-              </a:ext>
-            </a:extLst>
-          </p:cNvPr>
-          <p:cNvPicPr>
-            <a:picLocks noChangeAspect="1"/>
-          </p:cNvPicPr>
-          <p:nvPr/>
-        </p:nvPicPr>
-        <p:blipFill>
-          <a:blip r:embed="rId2">
-            <a:extLst>
-              <a:ext uri="{96DAC541-7B7A-43D3-8B79-37D633B846F1}">
-                <asvg:svgBlip xmlns:asvg="http://schemas.microsoft.com/office/drawing/2016/SVG/main" r:embed="rId3"/>
-              </a:ext>
-            </a:extLst>
-          </a:blip>
-          <a:stretch>
-            <a:fillRect/>
-          </a:stretch>
-        </p:blipFill>
-        <p:spPr>
-          <a:xfrm>
-            <a:off x="3528705" y="1870588"/>
-            <a:ext cx="791374" cy="872325"/>
-          </a:xfrm>
-          <a:prstGeom prst="rect">
-            <a:avLst/>
-          </a:prstGeom>
-        </p:spPr>
-      </p:pic>
+            <a:r>
+              <a:rPr lang="en-GB" dirty="0"/>
+              <a:t>T=M-1</a:t>
+            </a:r>
+          </a:p>
+        </p:txBody>
+      </p:sp>
     </p:spTree>
     <p:extLst>
       <p:ext uri="{BB962C8B-B14F-4D97-AF65-F5344CB8AC3E}">
-        <p14:creationId xmlns:p14="http://schemas.microsoft.com/office/powerpoint/2010/main" val="192491550"/>
+        <p14:creationId xmlns:p14="http://schemas.microsoft.com/office/powerpoint/2010/main" val="3689535318"/>
       </p:ext>
     </p:extLst>
   </p:cSld>
   <p:clrMapOvr>
     <a:masterClrMapping/>
   </p:clrMapOvr>
-  <p:timing>
-    <p:tnLst>
-      <p:par>
-        <p:cTn id="1" dur="indefinite" restart="never" nodeType="tmRoot">
-          <p:childTnLst>
-            <p:seq concurrent="1" nextAc="seek">
-              <p:cTn id="2" dur="indefinite" nodeType="mainSeq">
-                <p:childTnLst>
-                  <p:par>
-                    <p:cTn id="3" fill="hold">
-                      <p:stCondLst>
-                        <p:cond delay="indefinite"/>
-                        <p:cond evt="onBegin" delay="0">
-                          <p:tn val="2"/>
-                        </p:cond>
-                      </p:stCondLst>
-                      <p:childTnLst>
-                        <p:par>
-                          <p:cTn id="4" fill="hold">
-                            <p:stCondLst>
-                              <p:cond delay="0"/>
-                            </p:stCondLst>
-                            <p:childTnLst>
-                              <p:par>
-                                <p:cTn id="5" presetID="1" presetClass="entr" presetSubtype="0" fill="hold" nodeType="withEffect">
-                                  <p:stCondLst>
-                                    <p:cond delay="0"/>
-                                  </p:stCondLst>
-                                  <p:childTnLst>
-                                    <p:set>
-                                      <p:cBhvr>
-                                        <p:cTn id="6" dur="1" fill="hold">
-                                          <p:stCondLst>
-                                            <p:cond delay="0"/>
-                                          </p:stCondLst>
-                                        </p:cTn>
-                                        <p:tgtEl>
-                                          <p:spTgt spid="43"/>
-                                        </p:tgtEl>
-                                        <p:attrNameLst>
-                                          <p:attrName>style.visibility</p:attrName>
-                                        </p:attrNameLst>
-                                      </p:cBhvr>
-                                      <p:to>
-                                        <p:strVal val="visible"/>
-                                      </p:to>
-                                    </p:set>
-                                  </p:childTnLst>
-                                </p:cTn>
-                              </p:par>
-                            </p:childTnLst>
-                          </p:cTn>
-                        </p:par>
-                      </p:childTnLst>
-                    </p:cTn>
-                  </p:par>
-                </p:childTnLst>
-              </p:cTn>
-              <p:prevCondLst>
-                <p:cond evt="onPrev" delay="0">
-                  <p:tgtEl>
-                    <p:sldTgt/>
-                  </p:tgtEl>
-                </p:cond>
-              </p:prevCondLst>
-              <p:nextCondLst>
-                <p:cond evt="onNext" delay="0">
-                  <p:tgtEl>
-                    <p:sldTgt/>
-                  </p:tgtEl>
-                </p:cond>
-              </p:nextCondLst>
-            </p:seq>
-          </p:childTnLst>
-        </p:cTn>
-      </p:par>
-    </p:tnLst>
-  </p:timing>
 </p:sld>
 </file>
 

--- a/docs/Architecture Overview.pptx
+++ b/docs/Architecture Overview.pptx
@@ -211,7 +211,7 @@
           <a:p>
             <a:fld id="{E1142F10-BA91-844F-94CE-8AF77115DBC9}" type="datetimeFigureOut">
               <a:rPr lang="en-GB" smtClean="0"/>
-              <a:t>19/09/2025</a:t>
+              <a:t>06/10/2025</a:t>
             </a:fld>
             <a:endParaRPr lang="en-GB"/>
           </a:p>
@@ -886,7 +886,7 @@
           <a:p>
             <a:fld id="{3623ED18-7A4F-5248-ADF5-AAAFED4E564E}" type="datetimeFigureOut">
               <a:rPr lang="en-GB" smtClean="0"/>
-              <a:t>19/09/2025</a:t>
+              <a:t>06/10/2025</a:t>
             </a:fld>
             <a:endParaRPr lang="en-GB"/>
           </a:p>
@@ -1084,7 +1084,7 @@
           <a:p>
             <a:fld id="{3623ED18-7A4F-5248-ADF5-AAAFED4E564E}" type="datetimeFigureOut">
               <a:rPr lang="en-GB" smtClean="0"/>
-              <a:t>19/09/2025</a:t>
+              <a:t>06/10/2025</a:t>
             </a:fld>
             <a:endParaRPr lang="en-GB"/>
           </a:p>
@@ -1292,7 +1292,7 @@
           <a:p>
             <a:fld id="{3623ED18-7A4F-5248-ADF5-AAAFED4E564E}" type="datetimeFigureOut">
               <a:rPr lang="en-GB" smtClean="0"/>
-              <a:t>19/09/2025</a:t>
+              <a:t>06/10/2025</a:t>
             </a:fld>
             <a:endParaRPr lang="en-GB"/>
           </a:p>
@@ -1490,7 +1490,7 @@
           <a:p>
             <a:fld id="{3623ED18-7A4F-5248-ADF5-AAAFED4E564E}" type="datetimeFigureOut">
               <a:rPr lang="en-GB" smtClean="0"/>
-              <a:t>19/09/2025</a:t>
+              <a:t>06/10/2025</a:t>
             </a:fld>
             <a:endParaRPr lang="en-GB"/>
           </a:p>
@@ -1765,7 +1765,7 @@
           <a:p>
             <a:fld id="{3623ED18-7A4F-5248-ADF5-AAAFED4E564E}" type="datetimeFigureOut">
               <a:rPr lang="en-GB" smtClean="0"/>
-              <a:t>19/09/2025</a:t>
+              <a:t>06/10/2025</a:t>
             </a:fld>
             <a:endParaRPr lang="en-GB"/>
           </a:p>
@@ -2030,7 +2030,7 @@
           <a:p>
             <a:fld id="{3623ED18-7A4F-5248-ADF5-AAAFED4E564E}" type="datetimeFigureOut">
               <a:rPr lang="en-GB" smtClean="0"/>
-              <a:t>19/09/2025</a:t>
+              <a:t>06/10/2025</a:t>
             </a:fld>
             <a:endParaRPr lang="en-GB"/>
           </a:p>
@@ -2442,7 +2442,7 @@
           <a:p>
             <a:fld id="{3623ED18-7A4F-5248-ADF5-AAAFED4E564E}" type="datetimeFigureOut">
               <a:rPr lang="en-GB" smtClean="0"/>
-              <a:t>19/09/2025</a:t>
+              <a:t>06/10/2025</a:t>
             </a:fld>
             <a:endParaRPr lang="en-GB"/>
           </a:p>
@@ -2583,7 +2583,7 @@
           <a:p>
             <a:fld id="{3623ED18-7A4F-5248-ADF5-AAAFED4E564E}" type="datetimeFigureOut">
               <a:rPr lang="en-GB" smtClean="0"/>
-              <a:t>19/09/2025</a:t>
+              <a:t>06/10/2025</a:t>
             </a:fld>
             <a:endParaRPr lang="en-GB"/>
           </a:p>
@@ -2696,7 +2696,7 @@
           <a:p>
             <a:fld id="{3623ED18-7A4F-5248-ADF5-AAAFED4E564E}" type="datetimeFigureOut">
               <a:rPr lang="en-GB" smtClean="0"/>
-              <a:t>19/09/2025</a:t>
+              <a:t>06/10/2025</a:t>
             </a:fld>
             <a:endParaRPr lang="en-GB"/>
           </a:p>
@@ -3007,7 +3007,7 @@
           <a:p>
             <a:fld id="{3623ED18-7A4F-5248-ADF5-AAAFED4E564E}" type="datetimeFigureOut">
               <a:rPr lang="en-GB" smtClean="0"/>
-              <a:t>19/09/2025</a:t>
+              <a:t>06/10/2025</a:t>
             </a:fld>
             <a:endParaRPr lang="en-GB"/>
           </a:p>
@@ -3295,7 +3295,7 @@
           <a:p>
             <a:fld id="{3623ED18-7A4F-5248-ADF5-AAAFED4E564E}" type="datetimeFigureOut">
               <a:rPr lang="en-GB" smtClean="0"/>
-              <a:t>19/09/2025</a:t>
+              <a:t>06/10/2025</a:t>
             </a:fld>
             <a:endParaRPr lang="en-GB"/>
           </a:p>
@@ -3536,7 +3536,7 @@
           <a:p>
             <a:fld id="{3623ED18-7A4F-5248-ADF5-AAAFED4E564E}" type="datetimeFigureOut">
               <a:rPr lang="en-GB" smtClean="0"/>
-              <a:t>19/09/2025</a:t>
+              <a:t>06/10/2025</a:t>
             </a:fld>
             <a:endParaRPr lang="en-GB"/>
           </a:p>
@@ -4406,7 +4406,7 @@
         <p:spPr>
           <a:xfrm>
             <a:off x="2146738" y="4468133"/>
-            <a:ext cx="2087880" cy="1012371"/>
+            <a:ext cx="7225938" cy="1318710"/>
           </a:xfrm>
           <a:prstGeom prst="roundRect">
             <a:avLst/>
@@ -4438,7 +4438,14 @@
             <a:pPr algn="ctr"/>
             <a:r>
               <a:rPr lang="en-GB" dirty="0"/>
-              <a:t>TBC: Check data drift/shift</a:t>
+              <a:t>Check data drift on processed data (train vs test)</a:t>
+            </a:r>
+          </a:p>
+          <a:p>
+            <a:pPr algn="ctr"/>
+            <a:r>
+              <a:rPr lang="en-GB" dirty="0"/>
+              <a:t>- Ensure that test set is not much different from train set</a:t>
             </a:r>
           </a:p>
         </p:txBody>
@@ -4684,8 +4691,8 @@
         </p:nvCxnSpPr>
         <p:spPr>
           <a:xfrm rot="16200000" flipH="1">
-            <a:off x="661492" y="3489073"/>
-            <a:ext cx="2401094" cy="569398"/>
+            <a:off x="584908" y="3565657"/>
+            <a:ext cx="2554263" cy="569398"/>
           </a:xfrm>
           <a:prstGeom prst="bentConnector2">
             <a:avLst/>

--- a/docs/Architecture Overview.pptx
+++ b/docs/Architecture Overview.pptx
@@ -4784,6 +4784,85 @@
           </a:prstGeom>
         </p:spPr>
       </p:pic>
+      <p:cxnSp>
+        <p:nvCxnSpPr>
+          <p:cNvPr id="8" name="Straight Arrow Connector 7">
+            <a:extLst>
+              <a:ext uri="{FF2B5EF4-FFF2-40B4-BE49-F238E27FC236}">
+                <a16:creationId xmlns:a16="http://schemas.microsoft.com/office/drawing/2014/main" id="{9BC47E37-B6ED-793A-7443-582BD290CF86}"/>
+              </a:ext>
+            </a:extLst>
+          </p:cNvPr>
+          <p:cNvCxnSpPr>
+            <a:cxnSpLocks/>
+            <a:stCxn id="11" idx="0"/>
+            <a:endCxn id="5" idx="2"/>
+          </p:cNvCxnSpPr>
+          <p:nvPr/>
+        </p:nvCxnSpPr>
+        <p:spPr>
+          <a:xfrm flipV="1">
+            <a:off x="5759707" y="3742192"/>
+            <a:ext cx="0" cy="725941"/>
+          </a:xfrm>
+          <a:prstGeom prst="straightConnector1">
+            <a:avLst/>
+          </a:prstGeom>
+          <a:ln>
+            <a:prstDash val="dash"/>
+            <a:tailEnd type="triangle"/>
+          </a:ln>
+        </p:spPr>
+        <p:style>
+          <a:lnRef idx="2">
+            <a:schemeClr val="accent1"/>
+          </a:lnRef>
+          <a:fillRef idx="0">
+            <a:schemeClr val="accent1"/>
+          </a:fillRef>
+          <a:effectRef idx="1">
+            <a:schemeClr val="accent1"/>
+          </a:effectRef>
+          <a:fontRef idx="minor">
+            <a:schemeClr val="tx1"/>
+          </a:fontRef>
+        </p:style>
+      </p:cxnSp>
+      <p:sp>
+        <p:nvSpPr>
+          <p:cNvPr id="16" name="TextBox 15">
+            <a:extLst>
+              <a:ext uri="{FF2B5EF4-FFF2-40B4-BE49-F238E27FC236}">
+                <a16:creationId xmlns:a16="http://schemas.microsoft.com/office/drawing/2014/main" id="{8C2A9067-7678-7292-4E45-52C5D561CD32}"/>
+              </a:ext>
+            </a:extLst>
+          </p:cNvPr>
+          <p:cNvSpPr txBox="1"/>
+          <p:nvPr/>
+        </p:nvSpPr>
+        <p:spPr>
+          <a:xfrm>
+            <a:off x="5893601" y="3920496"/>
+            <a:ext cx="1820091" cy="369332"/>
+          </a:xfrm>
+          <a:prstGeom prst="rect">
+            <a:avLst/>
+          </a:prstGeom>
+          <a:noFill/>
+        </p:spPr>
+        <p:txBody>
+          <a:bodyPr wrap="square" rtlCol="0">
+            <a:spAutoFit/>
+          </a:bodyPr>
+          <a:lstStyle/>
+          <a:p>
+            <a:r>
+              <a:rPr lang="en-GB" dirty="0"/>
+              <a:t>Trigger?</a:t>
+            </a:r>
+          </a:p>
+        </p:txBody>
+      </p:sp>
     </p:spTree>
     <p:extLst>
       <p:ext uri="{BB962C8B-B14F-4D97-AF65-F5344CB8AC3E}">
@@ -8800,7 +8879,15 @@
           <a:p>
             <a:r>
               <a:rPr lang="en-GB" dirty="0"/>
-              <a:t>Architecture for training on cloud</a:t>
+              <a:t>Architecture </a:t>
+            </a:r>
+            <a:r>
+              <a:rPr lang="en-GB"/>
+              <a:t>for param tuning </a:t>
+            </a:r>
+            <a:r>
+              <a:rPr lang="en-GB" dirty="0"/>
+              <a:t>on cloud</a:t>
             </a:r>
           </a:p>
         </p:txBody>
@@ -9947,7 +10034,7 @@
             <a:pPr lvl="2"/>
             <a:r>
               <a:rPr lang="en-GB" dirty="0"/>
-              <a:t>Data validity e.g. new values</a:t>
+              <a:t>[D] Data validity e.g. new values</a:t>
             </a:r>
           </a:p>
           <a:p>
@@ -10025,7 +10112,7 @@
             <a:pPr lvl="1"/>
             <a:r>
               <a:rPr lang="en-GB" dirty="0"/>
-              <a:t>ML scripts</a:t>
+              <a:t>? ML scripts</a:t>
             </a:r>
           </a:p>
           <a:p>

--- a/docs/Architecture Overview.pptx
+++ b/docs/Architecture Overview.pptx
@@ -5,7 +5,7 @@
     <p:sldMasterId id="2147483648" r:id="rId1"/>
   </p:sldMasterIdLst>
   <p:notesMasterIdLst>
-    <p:notesMasterId r:id="rId17"/>
+    <p:notesMasterId r:id="rId16"/>
   </p:notesMasterIdLst>
   <p:sldIdLst>
     <p:sldId id="256" r:id="rId2"/>
@@ -15,14 +15,13 @@
     <p:sldId id="268" r:id="rId6"/>
     <p:sldId id="261" r:id="rId7"/>
     <p:sldId id="271" r:id="rId8"/>
-    <p:sldId id="269" r:id="rId9"/>
-    <p:sldId id="265" r:id="rId10"/>
+    <p:sldId id="265" r:id="rId9"/>
+    <p:sldId id="263" r:id="rId10"/>
     <p:sldId id="273" r:id="rId11"/>
-    <p:sldId id="263" r:id="rId12"/>
-    <p:sldId id="264" r:id="rId13"/>
-    <p:sldId id="262" r:id="rId14"/>
-    <p:sldId id="272" r:id="rId15"/>
-    <p:sldId id="270" r:id="rId16"/>
+    <p:sldId id="269" r:id="rId12"/>
+    <p:sldId id="262" r:id="rId13"/>
+    <p:sldId id="272" r:id="rId14"/>
+    <p:sldId id="270" r:id="rId15"/>
   </p:sldIdLst>
   <p:sldSz cx="12192000" cy="6858000"/>
   <p:notesSz cx="6858000" cy="9144000"/>
@@ -720,7 +719,7 @@
           <a:p>
             <a:fld id="{78293D93-78F6-7C4A-B196-7A9DF32E6281}" type="slidenum">
               <a:rPr lang="en-GB" smtClean="0"/>
-              <a:t>8</a:t>
+              <a:t>11</a:t>
             </a:fld>
             <a:endParaRPr lang="en-GB"/>
           </a:p>
@@ -4438,14 +4437,27 @@
             <a:pPr algn="ctr"/>
             <a:r>
               <a:rPr lang="en-GB" dirty="0"/>
-              <a:t>Check data drift on processed data (train vs test)</a:t>
-            </a:r>
-          </a:p>
-          <a:p>
-            <a:pPr algn="ctr"/>
+              <a:t>Data validation: Check for data drift on processed data</a:t>
+            </a:r>
+          </a:p>
+          <a:p>
+            <a:pPr marL="285750" indent="-285750" algn="ctr">
+              <a:buFontTx/>
+              <a:buChar char="-"/>
+            </a:pPr>
             <a:r>
               <a:rPr lang="en-GB" dirty="0"/>
-              <a:t>- Ensure that test set is not much different from train set</a:t>
+              <a:t>Numeric columns: Population Stability Index (PSI)</a:t>
+            </a:r>
+          </a:p>
+          <a:p>
+            <a:pPr marL="285750" indent="-285750" algn="ctr">
+              <a:buFontTx/>
+              <a:buChar char="-"/>
+            </a:pPr>
+            <a:r>
+              <a:rPr lang="en-GB" dirty="0"/>
+              <a:t>Categorical columns: Just check for new values</a:t>
             </a:r>
           </a:p>
         </p:txBody>
@@ -4633,23 +4645,24 @@
       </p:sp>
       <p:cxnSp>
         <p:nvCxnSpPr>
-          <p:cNvPr id="35" name="Elbow Connector 34">
-            <a:extLst>
-              <a:ext uri="{FF2B5EF4-FFF2-40B4-BE49-F238E27FC236}">
-                <a16:creationId xmlns:a16="http://schemas.microsoft.com/office/drawing/2014/main" id="{7EF46BE1-A142-DA15-C6F0-1D1F13EFF7E1}"/>
+          <p:cNvPr id="36" name="Elbow Connector 35">
+            <a:extLst>
+              <a:ext uri="{FF2B5EF4-FFF2-40B4-BE49-F238E27FC236}">
+                <a16:creationId xmlns:a16="http://schemas.microsoft.com/office/drawing/2014/main" id="{C32A4EEC-DE60-5CFF-B4F9-A0E82DC3EF4D}"/>
               </a:ext>
             </a:extLst>
           </p:cNvPr>
           <p:cNvCxnSpPr>
+            <a:cxnSpLocks/>
             <a:stCxn id="33" idx="2"/>
-            <a:endCxn id="4" idx="1"/>
+            <a:endCxn id="11" idx="1"/>
           </p:cNvCxnSpPr>
           <p:nvPr/>
         </p:nvCxnSpPr>
         <p:spPr>
           <a:xfrm rot="16200000" flipH="1">
-            <a:off x="1530648" y="2619917"/>
-            <a:ext cx="662782" cy="569398"/>
+            <a:off x="584908" y="3565657"/>
+            <a:ext cx="2554263" cy="569398"/>
           </a:xfrm>
           <a:prstGeom prst="bentConnector2">
             <a:avLst/>
@@ -4673,31 +4686,101 @@
           </a:fontRef>
         </p:style>
       </p:cxnSp>
+      <p:sp>
+        <p:nvSpPr>
+          <p:cNvPr id="40" name="TextBox 39">
+            <a:extLst>
+              <a:ext uri="{FF2B5EF4-FFF2-40B4-BE49-F238E27FC236}">
+                <a16:creationId xmlns:a16="http://schemas.microsoft.com/office/drawing/2014/main" id="{91F52619-D3DE-F07A-2D90-54A7256990C4}"/>
+              </a:ext>
+            </a:extLst>
+          </p:cNvPr>
+          <p:cNvSpPr txBox="1"/>
+          <p:nvPr/>
+        </p:nvSpPr>
+        <p:spPr>
+          <a:xfrm>
+            <a:off x="6858000" y="5139559"/>
+            <a:ext cx="184731" cy="369332"/>
+          </a:xfrm>
+          <a:prstGeom prst="rect">
+            <a:avLst/>
+          </a:prstGeom>
+          <a:noFill/>
+        </p:spPr>
+        <p:txBody>
+          <a:bodyPr wrap="none" rtlCol="0">
+            <a:spAutoFit/>
+          </a:bodyPr>
+          <a:lstStyle/>
+          <a:p>
+            <a:endParaRPr lang="en-GB" dirty="0"/>
+          </a:p>
+        </p:txBody>
+      </p:sp>
+      <p:pic>
+        <p:nvPicPr>
+          <p:cNvPr id="43" name="Graphic 42">
+            <a:extLst>
+              <a:ext uri="{FF2B5EF4-FFF2-40B4-BE49-F238E27FC236}">
+                <a16:creationId xmlns:a16="http://schemas.microsoft.com/office/drawing/2014/main" id="{02911A7A-37B5-EFF1-591B-FB7B6B6E1D20}"/>
+              </a:ext>
+            </a:extLst>
+          </p:cNvPr>
+          <p:cNvPicPr>
+            <a:picLocks noChangeAspect="1"/>
+          </p:cNvPicPr>
+          <p:nvPr/>
+        </p:nvPicPr>
+        <p:blipFill>
+          <a:blip r:embed="rId2">
+            <a:extLst>
+              <a:ext uri="{96DAC541-7B7A-43D3-8B79-37D633B846F1}">
+                <asvg:svgBlip xmlns:asvg="http://schemas.microsoft.com/office/drawing/2016/SVG/main" r:embed="rId3"/>
+              </a:ext>
+            </a:extLst>
+          </a:blip>
+          <a:stretch>
+            <a:fillRect/>
+          </a:stretch>
+        </p:blipFill>
+        <p:spPr>
+          <a:xfrm>
+            <a:off x="3624321" y="1882995"/>
+            <a:ext cx="791374" cy="872325"/>
+          </a:xfrm>
+          <a:prstGeom prst="rect">
+            <a:avLst/>
+          </a:prstGeom>
+        </p:spPr>
+      </p:pic>
       <p:cxnSp>
         <p:nvCxnSpPr>
-          <p:cNvPr id="36" name="Elbow Connector 35">
-            <a:extLst>
-              <a:ext uri="{FF2B5EF4-FFF2-40B4-BE49-F238E27FC236}">
-                <a16:creationId xmlns:a16="http://schemas.microsoft.com/office/drawing/2014/main" id="{C32A4EEC-DE60-5CFF-B4F9-A0E82DC3EF4D}"/>
+          <p:cNvPr id="8" name="Straight Arrow Connector 7">
+            <a:extLst>
+              <a:ext uri="{FF2B5EF4-FFF2-40B4-BE49-F238E27FC236}">
+                <a16:creationId xmlns:a16="http://schemas.microsoft.com/office/drawing/2014/main" id="{9BC47E37-B6ED-793A-7443-582BD290CF86}"/>
               </a:ext>
             </a:extLst>
           </p:cNvPr>
           <p:cNvCxnSpPr>
             <a:cxnSpLocks/>
-            <a:stCxn id="33" idx="2"/>
-            <a:endCxn id="11" idx="1"/>
           </p:cNvCxnSpPr>
           <p:nvPr/>
         </p:nvCxnSpPr>
         <p:spPr>
-          <a:xfrm rot="16200000" flipH="1">
-            <a:off x="584908" y="3565657"/>
-            <a:ext cx="2554263" cy="569398"/>
-          </a:xfrm>
-          <a:prstGeom prst="bentConnector2">
+          <a:xfrm flipV="1">
+            <a:off x="3190679" y="3742192"/>
+            <a:ext cx="0" cy="725941"/>
+          </a:xfrm>
+          <a:prstGeom prst="straightConnector1">
             <a:avLst/>
           </a:prstGeom>
           <a:ln>
+            <a:solidFill>
+              <a:schemeClr val="accent1"/>
+            </a:solidFill>
+            <a:prstDash val="dash"/>
             <a:tailEnd type="triangle"/>
           </a:ln>
         </p:spPr>
@@ -4716,44 +4799,12 @@
           </a:fontRef>
         </p:style>
       </p:cxnSp>
-      <p:sp>
-        <p:nvSpPr>
-          <p:cNvPr id="40" name="TextBox 39">
-            <a:extLst>
-              <a:ext uri="{FF2B5EF4-FFF2-40B4-BE49-F238E27FC236}">
-                <a16:creationId xmlns:a16="http://schemas.microsoft.com/office/drawing/2014/main" id="{91F52619-D3DE-F07A-2D90-54A7256990C4}"/>
-              </a:ext>
-            </a:extLst>
-          </p:cNvPr>
-          <p:cNvSpPr txBox="1"/>
-          <p:nvPr/>
-        </p:nvSpPr>
-        <p:spPr>
-          <a:xfrm>
-            <a:off x="6858000" y="5139559"/>
-            <a:ext cx="184731" cy="369332"/>
-          </a:xfrm>
-          <a:prstGeom prst="rect">
-            <a:avLst/>
-          </a:prstGeom>
-          <a:noFill/>
-        </p:spPr>
-        <p:txBody>
-          <a:bodyPr wrap="none" rtlCol="0">
-            <a:spAutoFit/>
-          </a:bodyPr>
-          <a:lstStyle/>
-          <a:p>
-            <a:endParaRPr lang="en-GB" dirty="0"/>
-          </a:p>
-        </p:txBody>
-      </p:sp>
       <p:pic>
         <p:nvPicPr>
-          <p:cNvPr id="43" name="Graphic 42">
-            <a:extLst>
-              <a:ext uri="{FF2B5EF4-FFF2-40B4-BE49-F238E27FC236}">
-                <a16:creationId xmlns:a16="http://schemas.microsoft.com/office/drawing/2014/main" id="{02911A7A-37B5-EFF1-591B-FB7B6B6E1D20}"/>
+          <p:cNvPr id="19" name="Graphic 18">
+            <a:extLst>
+              <a:ext uri="{FF2B5EF4-FFF2-40B4-BE49-F238E27FC236}">
+                <a16:creationId xmlns:a16="http://schemas.microsoft.com/office/drawing/2014/main" id="{EB2018B8-C075-A9AB-C083-6CBC1F786DCE}"/>
               </a:ext>
             </a:extLst>
           </p:cNvPr>
@@ -4763,10 +4814,10 @@
           <p:nvPr/>
         </p:nvPicPr>
         <p:blipFill>
-          <a:blip r:embed="rId2">
+          <a:blip r:embed="rId4">
             <a:extLst>
               <a:ext uri="{96DAC541-7B7A-43D3-8B79-37D633B846F1}">
-                <asvg:svgBlip xmlns:asvg="http://schemas.microsoft.com/office/drawing/2016/SVG/main" r:embed="rId3"/>
+                <asvg:svgBlip xmlns:asvg="http://schemas.microsoft.com/office/drawing/2016/SVG/main" r:embed="rId5"/>
               </a:ext>
             </a:extLst>
           </a:blip>
@@ -4776,93 +4827,14 @@
         </p:blipFill>
         <p:spPr>
           <a:xfrm>
-            <a:off x="3528705" y="1870588"/>
-            <a:ext cx="791374" cy="872325"/>
+            <a:off x="2959084" y="2093056"/>
+            <a:ext cx="463188" cy="474059"/>
           </a:xfrm>
           <a:prstGeom prst="rect">
             <a:avLst/>
           </a:prstGeom>
         </p:spPr>
       </p:pic>
-      <p:cxnSp>
-        <p:nvCxnSpPr>
-          <p:cNvPr id="8" name="Straight Arrow Connector 7">
-            <a:extLst>
-              <a:ext uri="{FF2B5EF4-FFF2-40B4-BE49-F238E27FC236}">
-                <a16:creationId xmlns:a16="http://schemas.microsoft.com/office/drawing/2014/main" id="{9BC47E37-B6ED-793A-7443-582BD290CF86}"/>
-              </a:ext>
-            </a:extLst>
-          </p:cNvPr>
-          <p:cNvCxnSpPr>
-            <a:cxnSpLocks/>
-            <a:stCxn id="11" idx="0"/>
-            <a:endCxn id="5" idx="2"/>
-          </p:cNvCxnSpPr>
-          <p:nvPr/>
-        </p:nvCxnSpPr>
-        <p:spPr>
-          <a:xfrm flipV="1">
-            <a:off x="5759707" y="3742192"/>
-            <a:ext cx="0" cy="725941"/>
-          </a:xfrm>
-          <a:prstGeom prst="straightConnector1">
-            <a:avLst/>
-          </a:prstGeom>
-          <a:ln>
-            <a:prstDash val="dash"/>
-            <a:tailEnd type="triangle"/>
-          </a:ln>
-        </p:spPr>
-        <p:style>
-          <a:lnRef idx="2">
-            <a:schemeClr val="accent1"/>
-          </a:lnRef>
-          <a:fillRef idx="0">
-            <a:schemeClr val="accent1"/>
-          </a:fillRef>
-          <a:effectRef idx="1">
-            <a:schemeClr val="accent1"/>
-          </a:effectRef>
-          <a:fontRef idx="minor">
-            <a:schemeClr val="tx1"/>
-          </a:fontRef>
-        </p:style>
-      </p:cxnSp>
-      <p:sp>
-        <p:nvSpPr>
-          <p:cNvPr id="16" name="TextBox 15">
-            <a:extLst>
-              <a:ext uri="{FF2B5EF4-FFF2-40B4-BE49-F238E27FC236}">
-                <a16:creationId xmlns:a16="http://schemas.microsoft.com/office/drawing/2014/main" id="{8C2A9067-7678-7292-4E45-52C5D561CD32}"/>
-              </a:ext>
-            </a:extLst>
-          </p:cNvPr>
-          <p:cNvSpPr txBox="1"/>
-          <p:nvPr/>
-        </p:nvSpPr>
-        <p:spPr>
-          <a:xfrm>
-            <a:off x="5893601" y="3920496"/>
-            <a:ext cx="1820091" cy="369332"/>
-          </a:xfrm>
-          <a:prstGeom prst="rect">
-            <a:avLst/>
-          </a:prstGeom>
-          <a:noFill/>
-        </p:spPr>
-        <p:txBody>
-          <a:bodyPr wrap="square" rtlCol="0">
-            <a:spAutoFit/>
-          </a:bodyPr>
-          <a:lstStyle/>
-          <a:p>
-            <a:r>
-              <a:rPr lang="en-GB" dirty="0"/>
-              <a:t>Trigger?</a:t>
-            </a:r>
-          </a:p>
-        </p:txBody>
-      </p:sp>
     </p:spTree>
     <p:extLst>
       <p:ext uri="{BB962C8B-B14F-4D97-AF65-F5344CB8AC3E}">
@@ -4923,6 +4895,33 @@
                                   </p:childTnLst>
                                 </p:cTn>
                               </p:par>
+                              <p:par>
+                                <p:cTn id="7" presetID="1" presetClass="entr" presetSubtype="0" fill="hold" nodeType="withEffect">
+                                  <p:stCondLst>
+                                    <p:cond delay="0"/>
+                                  </p:stCondLst>
+                                  <p:childTnLst>
+                                    <p:set>
+                                      <p:cBhvr>
+                                        <p:cTn id="8" dur="1" fill="hold">
+                                          <p:stCondLst>
+                                            <p:cond delay="0"/>
+                                          </p:stCondLst>
+                                        </p:cTn>
+                                        <p:tgtEl>
+                                          <p:spTgt spid="19"/>
+                                        </p:tgtEl>
+                                        <p:attrNameLst>
+                                          <p:attrName>style.visibility</p:attrName>
+                                        </p:attrNameLst>
+                                      </p:cBhvr>
+                                      <p:to>
+                                        <p:strVal val="visible"/>
+                                      </p:to>
+                                    </p:set>
+                                  </p:childTnLst>
+                                </p:cTn>
+                              </p:par>
                             </p:childTnLst>
                           </p:cTn>
                         </p:par>
@@ -4976,7 +4975,7 @@
           <p:cNvPr id="2" name="Title 1">
             <a:extLst>
               <a:ext uri="{FF2B5EF4-FFF2-40B4-BE49-F238E27FC236}">
-                <a16:creationId xmlns:a16="http://schemas.microsoft.com/office/drawing/2014/main" id="{E2F977AF-15E1-2268-873D-1E5AE0F60B5D}"/>
+                <a16:creationId xmlns:a16="http://schemas.microsoft.com/office/drawing/2014/main" id="{AF9DBC8A-43C7-4CED-1A5A-9AB285827153}"/>
               </a:ext>
             </a:extLst>
           </p:cNvPr>
@@ -4994,7 +4993,7 @@
           <a:p>
             <a:r>
               <a:rPr lang="en-GB" dirty="0"/>
-              <a:t>CI</a:t>
+              <a:t>TODO</a:t>
             </a:r>
           </a:p>
         </p:txBody>
@@ -5004,7 +5003,7 @@
           <p:cNvPr id="3" name="Content Placeholder 2">
             <a:extLst>
               <a:ext uri="{FF2B5EF4-FFF2-40B4-BE49-F238E27FC236}">
-                <a16:creationId xmlns:a16="http://schemas.microsoft.com/office/drawing/2014/main" id="{3548B6C1-087A-2338-16C8-1F30B0A7EDEC}"/>
+                <a16:creationId xmlns:a16="http://schemas.microsoft.com/office/drawing/2014/main" id="{75AE5FEA-050D-AE53-B7C2-AA771027014E}"/>
               </a:ext>
             </a:extLst>
           </p:cNvPr>
@@ -5017,42 +5016,187 @@
         </p:nvSpPr>
         <p:spPr>
           <a:xfrm>
-            <a:off x="838200" y="1460500"/>
-            <a:ext cx="10515600" cy="5397500"/>
+            <a:off x="838200" y="1495380"/>
+            <a:ext cx="10515600" cy="5362620"/>
           </a:xfrm>
         </p:spPr>
         <p:txBody>
           <a:bodyPr>
-            <a:normAutofit/>
+            <a:normAutofit fontScale="85000" lnSpcReduction="20000"/>
           </a:bodyPr>
           <a:lstStyle/>
           <a:p>
             <a:r>
               <a:rPr lang="en-GB" dirty="0"/>
-              <a:t>Objective: Whenever want to update file on GitHub, to use a template for a sequence of events, which takes into account testing, and also reporting of the results of the push. </a:t>
-            </a:r>
-          </a:p>
-          <a:p>
+              <a:t>[D] 1 day: To implement CM as a layer above CT. If CM triggers something </a:t>
+            </a:r>
+            <a:r>
+              <a:rPr lang="en-GB" dirty="0">
+                <a:sym typeface="Wingdings" pitchFamily="2" charset="2"/>
+              </a:rPr>
+              <a:t> then test for threshold in performance</a:t>
+            </a:r>
+          </a:p>
+          <a:p>
+            <a:pPr lvl="1"/>
+            <a:r>
+              <a:rPr lang="en-GB" dirty="0"/>
+              <a:t>Check for concept drift – Continuous monitoring: https://</a:t>
+            </a:r>
             <a:r>
               <a:rPr lang="en-GB" dirty="0" err="1"/>
-              <a:t>Makefile</a:t>
+              <a:t>www.evidentlyai.com</a:t>
             </a:r>
             <a:r>
               <a:rPr lang="en-GB" dirty="0"/>
-              <a:t> is the recipe, while the YAML file is the skeleton while pulls from the recipe + decides the environment variables which is fed into the recipe</a:t>
-            </a:r>
-          </a:p>
-          <a:p>
-            <a:endParaRPr lang="en-GB" dirty="0"/>
-          </a:p>
-          <a:p>
-            <a:r>
-              <a:rPr lang="en-GB" b="1" dirty="0"/>
-              <a:t>Implemented for</a:t>
-            </a:r>
+              <a:t>/ml-in-production/concept-drift</a:t>
+            </a:r>
+          </a:p>
+          <a:p>
+            <a:pPr lvl="1"/>
             <a:r>
               <a:rPr lang="en-GB" dirty="0"/>
-              <a:t>: Model prediction, app deployment, deploying AWS Lambda functions</a:t>
+              <a:t>Compile concepts for model monitoring: https://</a:t>
+            </a:r>
+            <a:r>
+              <a:rPr lang="en-GB" dirty="0" err="1"/>
+              <a:t>www.reddit.com</a:t>
+            </a:r>
+            <a:r>
+              <a:rPr lang="en-GB" dirty="0"/>
+              <a:t>/r/</a:t>
+            </a:r>
+            <a:r>
+              <a:rPr lang="en-GB" dirty="0" err="1"/>
+              <a:t>mlops</a:t>
+            </a:r>
+            <a:r>
+              <a:rPr lang="en-GB" dirty="0"/>
+              <a:t>/comments/15z3bfo/</a:t>
+            </a:r>
+            <a:r>
+              <a:rPr lang="en-GB" dirty="0" err="1"/>
+              <a:t>model_performance_in_production</a:t>
+            </a:r>
+            <a:r>
+              <a:rPr lang="en-GB" dirty="0"/>
+              <a:t>/</a:t>
+            </a:r>
+          </a:p>
+          <a:p>
+            <a:r>
+              <a:rPr lang="en-GB" dirty="0"/>
+              <a:t>2 days: Complete testing + How to test and deploy </a:t>
+            </a:r>
+            <a:r>
+              <a:rPr lang="en-GB" dirty="0" err="1"/>
+              <a:t>streamlit</a:t>
+            </a:r>
+            <a:r>
+              <a:rPr lang="en-GB" dirty="0"/>
+              <a:t> + </a:t>
+            </a:r>
+            <a:r>
+              <a:rPr lang="en-GB" dirty="0" err="1"/>
+              <a:t>fastAPI</a:t>
+            </a:r>
+            <a:r>
+              <a:rPr lang="en-GB" dirty="0"/>
+              <a:t> more robustly</a:t>
+            </a:r>
+          </a:p>
+          <a:p>
+            <a:r>
+              <a:rPr lang="en-GB" dirty="0"/>
+              <a:t>2 days: Change hyperparameter tuning to include</a:t>
+            </a:r>
+          </a:p>
+          <a:p>
+            <a:pPr lvl="1"/>
+            <a:r>
+              <a:rPr lang="en-GB" dirty="0" err="1"/>
+              <a:t>Config.py</a:t>
+            </a:r>
+            <a:r>
+              <a:rPr lang="en-GB" dirty="0"/>
+              <a:t> to define parameters for different models</a:t>
+            </a:r>
+          </a:p>
+          <a:p>
+            <a:pPr lvl="1"/>
+            <a:r>
+              <a:rPr lang="en-GB" dirty="0"/>
+              <a:t>Hyperparameter tuning script to load </a:t>
+            </a:r>
+            <a:r>
+              <a:rPr lang="en-GB" dirty="0" err="1"/>
+              <a:t>config.py</a:t>
+            </a:r>
+            <a:r>
+              <a:rPr lang="en-GB" dirty="0"/>
+              <a:t> and test all models at once</a:t>
+            </a:r>
+          </a:p>
+          <a:p>
+            <a:pPr lvl="2"/>
+            <a:r>
+              <a:rPr lang="en-GB" dirty="0" err="1"/>
+              <a:t>Hyperparam</a:t>
+            </a:r>
+            <a:r>
+              <a:rPr lang="en-GB" dirty="0"/>
+              <a:t> mode: to output </a:t>
+            </a:r>
+            <a:r>
+              <a:rPr lang="en-GB" dirty="0" err="1"/>
+              <a:t>json</a:t>
+            </a:r>
+            <a:r>
+              <a:rPr lang="en-GB" dirty="0"/>
+              <a:t> file of best </a:t>
+            </a:r>
+            <a:r>
+              <a:rPr lang="en-GB" dirty="0" err="1"/>
+              <a:t>hyperparams</a:t>
+            </a:r>
+            <a:r>
+              <a:rPr lang="en-GB" dirty="0"/>
+              <a:t> and model</a:t>
+            </a:r>
+          </a:p>
+          <a:p>
+            <a:pPr lvl="2"/>
+            <a:r>
+              <a:rPr lang="en-GB" dirty="0"/>
+              <a:t>Output final mode: </a:t>
+            </a:r>
+            <a:r>
+              <a:rPr lang="en-GB" dirty="0" err="1"/>
+              <a:t>Github</a:t>
+            </a:r>
+            <a:r>
+              <a:rPr lang="en-GB" dirty="0"/>
+              <a:t> actions workflow to change argument of script to output best model, using cli. To seek approval on </a:t>
+            </a:r>
+            <a:r>
+              <a:rPr lang="en-GB" dirty="0" err="1"/>
+              <a:t>Github</a:t>
+            </a:r>
+            <a:r>
+              <a:rPr lang="en-GB" dirty="0"/>
+              <a:t> before uploading best model to S3</a:t>
+            </a:r>
+          </a:p>
+          <a:p>
+            <a:r>
+              <a:rPr lang="en-GB" dirty="0"/>
+              <a:t>1 day: CT: Think a bit more about the business point of view, metrics to use, wrt importance of AB testing and also pros and cons of retraining often</a:t>
+            </a:r>
+          </a:p>
+          <a:p>
+            <a:r>
+              <a:rPr lang="en-GB" dirty="0"/>
+              <a:t>Logging</a:t>
             </a:r>
           </a:p>
         </p:txBody>
@@ -5060,7 +5204,7 @@
     </p:spTree>
     <p:extLst>
       <p:ext uri="{BB962C8B-B14F-4D97-AF65-F5344CB8AC3E}">
-        <p14:creationId xmlns:p14="http://schemas.microsoft.com/office/powerpoint/2010/main" val="2062299650"/>
+        <p14:creationId xmlns:p14="http://schemas.microsoft.com/office/powerpoint/2010/main" val="2450686333"/>
       </p:ext>
     </p:extLst>
   </p:cSld>
@@ -5092,7 +5236,7 @@
           <p:cNvPr id="2" name="Title 1">
             <a:extLst>
               <a:ext uri="{FF2B5EF4-FFF2-40B4-BE49-F238E27FC236}">
-                <a16:creationId xmlns:a16="http://schemas.microsoft.com/office/drawing/2014/main" id="{9FEE4046-886D-9760-43E3-091562716F37}"/>
+                <a16:creationId xmlns:a16="http://schemas.microsoft.com/office/drawing/2014/main" id="{937C3745-3ED5-B341-514E-449E9EBB7B0F}"/>
               </a:ext>
             </a:extLst>
           </p:cNvPr>
@@ -5108,10 +5252,7 @@
           <a:bodyPr/>
           <a:lstStyle/>
           <a:p>
-            <a:r>
-              <a:rPr lang="en-GB" dirty="0"/>
-              <a:t>Unit testing</a:t>
-            </a:r>
+            <a:endParaRPr lang="en-GB"/>
           </a:p>
         </p:txBody>
       </p:sp>
@@ -5120,7 +5261,7 @@
           <p:cNvPr id="3" name="Content Placeholder 2">
             <a:extLst>
               <a:ext uri="{FF2B5EF4-FFF2-40B4-BE49-F238E27FC236}">
-                <a16:creationId xmlns:a16="http://schemas.microsoft.com/office/drawing/2014/main" id="{863CE142-1366-CF7C-3229-8616CF38F173}"/>
+                <a16:creationId xmlns:a16="http://schemas.microsoft.com/office/drawing/2014/main" id="{A529D087-0E66-EE94-16A4-36EE05BA482A}"/>
               </a:ext>
             </a:extLst>
           </p:cNvPr>
@@ -5131,181 +5272,49 @@
             <p:ph idx="1"/>
           </p:nvPr>
         </p:nvSpPr>
+        <p:spPr/>
+        <p:txBody>
+          <a:bodyPr/>
+          <a:lstStyle/>
+          <a:p>
+            <a:endParaRPr lang="en-GB"/>
+          </a:p>
+        </p:txBody>
+      </p:sp>
+      <p:pic>
+        <p:nvPicPr>
+          <p:cNvPr id="4" name="Picture 3">
+            <a:extLst>
+              <a:ext uri="{FF2B5EF4-FFF2-40B4-BE49-F238E27FC236}">
+                <a16:creationId xmlns:a16="http://schemas.microsoft.com/office/drawing/2014/main" id="{D218059D-CF53-BEF7-4E93-22C3723FEAE6}"/>
+              </a:ext>
+            </a:extLst>
+          </p:cNvPr>
+          <p:cNvPicPr>
+            <a:picLocks noChangeAspect="1"/>
+          </p:cNvPicPr>
+          <p:nvPr/>
+        </p:nvPicPr>
+        <p:blipFill>
+          <a:blip r:embed="rId2"/>
+          <a:stretch>
+            <a:fillRect/>
+          </a:stretch>
+        </p:blipFill>
         <p:spPr>
           <a:xfrm>
-            <a:off x="838200" y="1825624"/>
-            <a:ext cx="10515600" cy="5032375"/>
-          </a:xfrm>
-        </p:spPr>
-        <p:txBody>
-          <a:bodyPr>
-            <a:normAutofit/>
-          </a:bodyPr>
-          <a:lstStyle/>
-          <a:p>
-            <a:r>
-              <a:rPr lang="en-GB" dirty="0"/>
-              <a:t>Objective: Get the smallest possible unit of your code, and ensure that those units (e.g. functions, methods) work. Can proceed on to integration testing where the units interact with one another</a:t>
-            </a:r>
-          </a:p>
-          <a:p>
-            <a:pPr lvl="1"/>
-            <a:r>
-              <a:rPr lang="en-GB" dirty="0"/>
-              <a:t>Can be split into </a:t>
-            </a:r>
-            <a:r>
-              <a:rPr lang="en-GB" dirty="0" err="1"/>
-              <a:t>MLOps</a:t>
-            </a:r>
-            <a:r>
-              <a:rPr lang="en-GB" dirty="0"/>
-              <a:t> segments. Each segment have diff considerations</a:t>
-            </a:r>
-          </a:p>
-          <a:p>
-            <a:pPr lvl="2"/>
-            <a:r>
-              <a:rPr lang="en-SG" b="0" i="0" u="none" strike="noStrike" dirty="0">
-                <a:solidFill>
-                  <a:srgbClr val="333D42"/>
-                </a:solidFill>
-                <a:effectLst/>
-                <a:highlight>
-                  <a:srgbClr val="FFFFFF"/>
-                </a:highlight>
-                <a:latin typeface="-apple-system"/>
-              </a:rPr>
-              <a:t>Data Engineering</a:t>
-            </a:r>
-            <a:r>
-              <a:rPr lang="en-GB" b="0" i="0" u="none" strike="noStrike" dirty="0">
-                <a:solidFill>
-                  <a:srgbClr val="333D42"/>
-                </a:solidFill>
-                <a:effectLst/>
-                <a:highlight>
-                  <a:srgbClr val="FFFFFF"/>
-                </a:highlight>
-                <a:latin typeface="-apple-system"/>
-              </a:rPr>
-              <a:t>: hardcode an input to pass into this function and leverage </a:t>
-            </a:r>
-            <a:r>
-              <a:rPr lang="en-GB" b="0" i="0" u="none" strike="noStrike" dirty="0" err="1">
-                <a:solidFill>
-                  <a:srgbClr val="333D42"/>
-                </a:solidFill>
-                <a:effectLst/>
-                <a:highlight>
-                  <a:srgbClr val="FFFFFF"/>
-                </a:highlight>
-                <a:latin typeface="-apple-system"/>
-              </a:rPr>
-              <a:t>Pytest</a:t>
-            </a:r>
-            <a:r>
-              <a:rPr lang="en-GB" b="0" i="0" u="none" strike="noStrike" dirty="0">
-                <a:solidFill>
-                  <a:srgbClr val="333D42"/>
-                </a:solidFill>
-                <a:effectLst/>
-                <a:highlight>
-                  <a:srgbClr val="FFFFFF"/>
-                </a:highlight>
-                <a:latin typeface="-apple-system"/>
-              </a:rPr>
-              <a:t>/</a:t>
-            </a:r>
-            <a:r>
-              <a:rPr lang="en-GB" b="0" i="0" u="none" strike="noStrike" dirty="0" err="1">
-                <a:solidFill>
-                  <a:srgbClr val="333D42"/>
-                </a:solidFill>
-                <a:effectLst/>
-                <a:highlight>
-                  <a:srgbClr val="FFFFFF"/>
-                </a:highlight>
-                <a:latin typeface="-apple-system"/>
-              </a:rPr>
-              <a:t>unittest</a:t>
-            </a:r>
-            <a:r>
-              <a:rPr lang="en-GB" b="0" i="0" u="none" strike="noStrike" dirty="0">
-                <a:solidFill>
-                  <a:srgbClr val="333D42"/>
-                </a:solidFill>
-                <a:effectLst/>
-                <a:highlight>
-                  <a:srgbClr val="FFFFFF"/>
-                </a:highlight>
-                <a:latin typeface="-apple-system"/>
-              </a:rPr>
-              <a:t> to check for the exact output. Check handling of</a:t>
-            </a:r>
-            <a:r>
-              <a:rPr lang="en-SG" b="0" i="0" u="none" strike="noStrike" dirty="0">
-                <a:solidFill>
-                  <a:srgbClr val="333D42"/>
-                </a:solidFill>
-                <a:effectLst/>
-                <a:highlight>
-                  <a:srgbClr val="FFFFFF"/>
-                </a:highlight>
-                <a:latin typeface="-apple-system"/>
-              </a:rPr>
-              <a:t> edge cases</a:t>
-            </a:r>
-            <a:endParaRPr lang="en-GB" b="0" i="0" u="none" strike="noStrike" dirty="0">
-              <a:solidFill>
-                <a:srgbClr val="333D42"/>
-              </a:solidFill>
-              <a:effectLst/>
-              <a:highlight>
-                <a:srgbClr val="FFFFFF"/>
-              </a:highlight>
-              <a:latin typeface="-apple-system"/>
-            </a:endParaRPr>
-          </a:p>
-          <a:p>
-            <a:pPr lvl="2"/>
-            <a:r>
-              <a:rPr lang="en-SG" b="0" i="0" u="none" strike="noStrike" dirty="0">
-                <a:solidFill>
-                  <a:srgbClr val="333D42"/>
-                </a:solidFill>
-                <a:effectLst/>
-                <a:highlight>
-                  <a:srgbClr val="FFFFFF"/>
-                </a:highlight>
-                <a:latin typeface="-apple-system"/>
-              </a:rPr>
-              <a:t>??Model Training: check for successful predictions on training data to a degree of accuracy based on your evaluation metric</a:t>
-            </a:r>
-          </a:p>
-          <a:p>
-            <a:pPr lvl="2"/>
-            <a:r>
-              <a:rPr lang="en-SG" b="0" i="0" u="none" strike="noStrike" dirty="0">
-                <a:solidFill>
-                  <a:srgbClr val="333D42"/>
-                </a:solidFill>
-                <a:effectLst/>
-                <a:highlight>
-                  <a:srgbClr val="FFFFFF"/>
-                </a:highlight>
-                <a:latin typeface="-apple-system"/>
-              </a:rPr>
-              <a:t>[D] Model Serving: Combination of the 2 above + ensure that frontend works</a:t>
-            </a:r>
-            <a:endParaRPr lang="en-GB" dirty="0"/>
-          </a:p>
-        </p:txBody>
-      </p:sp>
+            <a:off x="2209800" y="2311400"/>
+            <a:ext cx="7772400" cy="2235200"/>
+          </a:xfrm>
+          <a:prstGeom prst="rect">
+            <a:avLst/>
+          </a:prstGeom>
+        </p:spPr>
+      </p:pic>
     </p:spTree>
     <p:extLst>
       <p:ext uri="{BB962C8B-B14F-4D97-AF65-F5344CB8AC3E}">
-        <p14:creationId xmlns:p14="http://schemas.microsoft.com/office/powerpoint/2010/main" val="4237085510"/>
+        <p14:creationId xmlns:p14="http://schemas.microsoft.com/office/powerpoint/2010/main" val="3270788167"/>
       </p:ext>
     </p:extLst>
   </p:cSld>
@@ -5337,116 +5346,6 @@
           <p:cNvPr id="2" name="Title 1">
             <a:extLst>
               <a:ext uri="{FF2B5EF4-FFF2-40B4-BE49-F238E27FC236}">
-                <a16:creationId xmlns:a16="http://schemas.microsoft.com/office/drawing/2014/main" id="{937C3745-3ED5-B341-514E-449E9EBB7B0F}"/>
-              </a:ext>
-            </a:extLst>
-          </p:cNvPr>
-          <p:cNvSpPr>
-            <a:spLocks noGrp="1"/>
-          </p:cNvSpPr>
-          <p:nvPr>
-            <p:ph type="title"/>
-          </p:nvPr>
-        </p:nvSpPr>
-        <p:spPr/>
-        <p:txBody>
-          <a:bodyPr/>
-          <a:lstStyle/>
-          <a:p>
-            <a:endParaRPr lang="en-GB"/>
-          </a:p>
-        </p:txBody>
-      </p:sp>
-      <p:sp>
-        <p:nvSpPr>
-          <p:cNvPr id="3" name="Content Placeholder 2">
-            <a:extLst>
-              <a:ext uri="{FF2B5EF4-FFF2-40B4-BE49-F238E27FC236}">
-                <a16:creationId xmlns:a16="http://schemas.microsoft.com/office/drawing/2014/main" id="{A529D087-0E66-EE94-16A4-36EE05BA482A}"/>
-              </a:ext>
-            </a:extLst>
-          </p:cNvPr>
-          <p:cNvSpPr>
-            <a:spLocks noGrp="1"/>
-          </p:cNvSpPr>
-          <p:nvPr>
-            <p:ph idx="1"/>
-          </p:nvPr>
-        </p:nvSpPr>
-        <p:spPr/>
-        <p:txBody>
-          <a:bodyPr/>
-          <a:lstStyle/>
-          <a:p>
-            <a:endParaRPr lang="en-GB"/>
-          </a:p>
-        </p:txBody>
-      </p:sp>
-      <p:pic>
-        <p:nvPicPr>
-          <p:cNvPr id="4" name="Picture 3">
-            <a:extLst>
-              <a:ext uri="{FF2B5EF4-FFF2-40B4-BE49-F238E27FC236}">
-                <a16:creationId xmlns:a16="http://schemas.microsoft.com/office/drawing/2014/main" id="{D218059D-CF53-BEF7-4E93-22C3723FEAE6}"/>
-              </a:ext>
-            </a:extLst>
-          </p:cNvPr>
-          <p:cNvPicPr>
-            <a:picLocks noChangeAspect="1"/>
-          </p:cNvPicPr>
-          <p:nvPr/>
-        </p:nvPicPr>
-        <p:blipFill>
-          <a:blip r:embed="rId2"/>
-          <a:stretch>
-            <a:fillRect/>
-          </a:stretch>
-        </p:blipFill>
-        <p:spPr>
-          <a:xfrm>
-            <a:off x="2209800" y="2311400"/>
-            <a:ext cx="7772400" cy="2235200"/>
-          </a:xfrm>
-          <a:prstGeom prst="rect">
-            <a:avLst/>
-          </a:prstGeom>
-        </p:spPr>
-      </p:pic>
-    </p:spTree>
-    <p:extLst>
-      <p:ext uri="{BB962C8B-B14F-4D97-AF65-F5344CB8AC3E}">
-        <p14:creationId xmlns:p14="http://schemas.microsoft.com/office/powerpoint/2010/main" val="3270788167"/>
-      </p:ext>
-    </p:extLst>
-  </p:cSld>
-  <p:clrMapOvr>
-    <a:masterClrMapping/>
-  </p:clrMapOvr>
-</p:sld>
-</file>
-
-<file path=ppt/slides/slide14.xml><?xml version="1.0" encoding="utf-8"?>
-<p:sld xmlns:a="http://schemas.openxmlformats.org/drawingml/2006/main" xmlns:r="http://schemas.openxmlformats.org/officeDocument/2006/relationships" xmlns:p="http://schemas.openxmlformats.org/presentationml/2006/main">
-  <p:cSld>
-    <p:spTree>
-      <p:nvGrpSpPr>
-        <p:cNvPr id="1" name=""/>
-        <p:cNvGrpSpPr/>
-        <p:nvPr/>
-      </p:nvGrpSpPr>
-      <p:grpSpPr>
-        <a:xfrm>
-          <a:off x="0" y="0"/>
-          <a:ext cx="0" cy="0"/>
-          <a:chOff x="0" y="0"/>
-          <a:chExt cx="0" cy="0"/>
-        </a:xfrm>
-      </p:grpSpPr>
-      <p:sp>
-        <p:nvSpPr>
-          <p:cNvPr id="2" name="Title 1">
-            <a:extLst>
-              <a:ext uri="{FF2B5EF4-FFF2-40B4-BE49-F238E27FC236}">
                 <a16:creationId xmlns:a16="http://schemas.microsoft.com/office/drawing/2014/main" id="{0CB8E99E-2237-9A17-529F-93481248424B}"/>
               </a:ext>
             </a:extLst>
@@ -5558,7 +5457,7 @@
 </p:sld>
 </file>
 
-<file path=ppt/slides/slide15.xml><?xml version="1.0" encoding="utf-8"?>
+<file path=ppt/slides/slide14.xml><?xml version="1.0" encoding="utf-8"?>
 <p:sld xmlns:a="http://schemas.openxmlformats.org/drawingml/2006/main" xmlns:r="http://schemas.openxmlformats.org/officeDocument/2006/relationships" xmlns:p="http://schemas.openxmlformats.org/presentationml/2006/main">
   <p:cSld>
     <p:spTree>
@@ -8879,15 +8778,7 @@
           <a:p>
             <a:r>
               <a:rPr lang="en-GB" dirty="0"/>
-              <a:t>Architecture </a:t>
-            </a:r>
-            <a:r>
-              <a:rPr lang="en-GB"/>
-              <a:t>for param tuning </a:t>
-            </a:r>
-            <a:r>
-              <a:rPr lang="en-GB" dirty="0"/>
-              <a:t>on cloud</a:t>
+              <a:t>Architecture for param tuning on cloud</a:t>
             </a:r>
           </a:p>
         </p:txBody>
@@ -8906,7 +8797,7 @@
         </p:nvSpPr>
         <p:spPr>
           <a:xfrm>
-            <a:off x="4649004" y="2834379"/>
+            <a:off x="4649004" y="2142045"/>
             <a:ext cx="2162577" cy="772733"/>
           </a:xfrm>
           <a:prstGeom prst="roundRect">
@@ -8919,9 +8810,7 @@
             </a:schemeClr>
           </a:solidFill>
           <a:ln w="38100">
-            <a:solidFill>
-              <a:schemeClr val="tx1"/>
-            </a:solidFill>
+            <a:noFill/>
           </a:ln>
         </p:spPr>
         <p:style>
@@ -8951,7 +8840,7 @@
                   <a:schemeClr val="tx1"/>
                 </a:solidFill>
               </a:rPr>
-              <a:t>Cross-validation on </a:t>
+              <a:t>Param tuning on </a:t>
             </a:r>
             <a:r>
               <a:rPr lang="en-GB" dirty="0" err="1">
@@ -8986,7 +8875,7 @@
         </p:nvSpPr>
         <p:spPr>
           <a:xfrm>
-            <a:off x="8893935" y="4452529"/>
+            <a:off x="8893935" y="3760195"/>
             <a:ext cx="2162577" cy="772733"/>
           </a:xfrm>
           <a:prstGeom prst="roundRect">
@@ -8999,9 +8888,7 @@
             </a:schemeClr>
           </a:solidFill>
           <a:ln w="38100">
-            <a:solidFill>
-              <a:srgbClr val="FF0000"/>
-            </a:solidFill>
+            <a:noFill/>
           </a:ln>
         </p:spPr>
         <p:style>
@@ -9050,7 +8937,7 @@
         </p:nvSpPr>
         <p:spPr>
           <a:xfrm>
-            <a:off x="838200" y="2834378"/>
+            <a:off x="838200" y="2142044"/>
             <a:ext cx="2162577" cy="772733"/>
           </a:xfrm>
           <a:prstGeom prst="roundRect">
@@ -9063,9 +8950,7 @@
             </a:schemeClr>
           </a:solidFill>
           <a:ln w="38100">
-            <a:solidFill>
-              <a:schemeClr val="tx2"/>
-            </a:solidFill>
+            <a:noFill/>
           </a:ln>
         </p:spPr>
         <p:style>
@@ -9118,7 +9003,7 @@
         </p:nvCxnSpPr>
         <p:spPr>
           <a:xfrm>
-            <a:off x="6811581" y="3220746"/>
+            <a:off x="6811581" y="2528412"/>
             <a:ext cx="2082352" cy="35829"/>
           </a:xfrm>
           <a:prstGeom prst="straightConnector1">
@@ -9161,13 +9046,13 @@
         </p:nvCxnSpPr>
         <p:spPr>
           <a:xfrm flipH="1">
-            <a:off x="5730292" y="3607112"/>
+            <a:off x="5730292" y="2914778"/>
             <a:ext cx="1" cy="845416"/>
           </a:xfrm>
           <a:prstGeom prst="straightConnector1">
             <a:avLst/>
           </a:prstGeom>
-          <a:ln w="38100">
+          <a:ln w="19050">
             <a:tailEnd type="triangle"/>
           </a:ln>
         </p:spPr>
@@ -9204,7 +9089,7 @@
         </p:nvCxnSpPr>
         <p:spPr>
           <a:xfrm>
-            <a:off x="3000777" y="3220745"/>
+            <a:off x="3000777" y="2528411"/>
             <a:ext cx="1648227" cy="1"/>
           </a:xfrm>
           <a:prstGeom prst="straightConnector1">
@@ -9229,49 +9114,6 @@
           </a:fontRef>
         </p:style>
       </p:cxnSp>
-      <p:cxnSp>
-        <p:nvCxnSpPr>
-          <p:cNvPr id="20" name="Straight Arrow Connector 19">
-            <a:extLst>
-              <a:ext uri="{FF2B5EF4-FFF2-40B4-BE49-F238E27FC236}">
-                <a16:creationId xmlns:a16="http://schemas.microsoft.com/office/drawing/2014/main" id="{2B3D3DAB-0F60-9458-FA89-5DAA3721506B}"/>
-              </a:ext>
-            </a:extLst>
-          </p:cNvPr>
-          <p:cNvCxnSpPr>
-            <a:cxnSpLocks/>
-            <a:stCxn id="5" idx="2"/>
-            <a:endCxn id="23" idx="0"/>
-          </p:cNvCxnSpPr>
-          <p:nvPr/>
-        </p:nvCxnSpPr>
-        <p:spPr>
-          <a:xfrm flipH="1">
-            <a:off x="9975223" y="5225262"/>
-            <a:ext cx="1" cy="494880"/>
-          </a:xfrm>
-          <a:prstGeom prst="straightConnector1">
-            <a:avLst/>
-          </a:prstGeom>
-          <a:ln w="38100">
-            <a:tailEnd type="triangle"/>
-          </a:ln>
-        </p:spPr>
-        <p:style>
-          <a:lnRef idx="2">
-            <a:schemeClr val="accent1"/>
-          </a:lnRef>
-          <a:fillRef idx="0">
-            <a:schemeClr val="accent1"/>
-          </a:fillRef>
-          <a:effectRef idx="1">
-            <a:schemeClr val="accent1"/>
-          </a:effectRef>
-          <a:fontRef idx="minor">
-            <a:schemeClr val="tx1"/>
-          </a:fontRef>
-        </p:style>
-      </p:cxnSp>
       <p:sp>
         <p:nvSpPr>
           <p:cNvPr id="23" name="Rounded Rectangle 22">
@@ -9299,9 +9141,7 @@
             </a:schemeClr>
           </a:solidFill>
           <a:ln w="38100">
-            <a:solidFill>
-              <a:srgbClr val="FF0000"/>
-            </a:solidFill>
+            <a:noFill/>
           </a:ln>
         </p:spPr>
         <p:style>
@@ -9366,7 +9206,7 @@
         </p:nvSpPr>
         <p:spPr>
           <a:xfrm>
-            <a:off x="8893933" y="2870208"/>
+            <a:off x="8893933" y="2177874"/>
             <a:ext cx="2162577" cy="772733"/>
           </a:xfrm>
           <a:prstGeom prst="roundRect">
@@ -9379,9 +9219,7 @@
             </a:schemeClr>
           </a:solidFill>
           <a:ln w="38100">
-            <a:solidFill>
-              <a:schemeClr val="tx2"/>
-            </a:solidFill>
+            <a:noFill/>
           </a:ln>
         </p:spPr>
         <p:style>
@@ -9427,60 +9265,17 @@
                   <a:schemeClr val="tx1"/>
                 </a:solidFill>
               </a:rPr>
-              <a:t> actions to create MD file for results</a:t>
-            </a:r>
-          </a:p>
-        </p:txBody>
-      </p:sp>
-      <p:cxnSp>
-        <p:nvCxnSpPr>
-          <p:cNvPr id="45" name="Straight Arrow Connector 44">
-            <a:extLst>
-              <a:ext uri="{FF2B5EF4-FFF2-40B4-BE49-F238E27FC236}">
-                <a16:creationId xmlns:a16="http://schemas.microsoft.com/office/drawing/2014/main" id="{36FF0506-910F-8C0C-31FA-49F34FE7FB85}"/>
-              </a:ext>
-            </a:extLst>
-          </p:cNvPr>
-          <p:cNvCxnSpPr>
-            <a:cxnSpLocks/>
-            <a:stCxn id="40" idx="0"/>
-            <a:endCxn id="46" idx="2"/>
-          </p:cNvCxnSpPr>
-          <p:nvPr/>
-        </p:nvCxnSpPr>
-        <p:spPr>
-          <a:xfrm flipV="1">
-            <a:off x="9975222" y="2500275"/>
-            <a:ext cx="0" cy="369933"/>
-          </a:xfrm>
-          <a:prstGeom prst="straightConnector1">
-            <a:avLst/>
-          </a:prstGeom>
-          <a:ln w="38100">
-            <a:tailEnd type="triangle"/>
-          </a:ln>
-        </p:spPr>
-        <p:style>
-          <a:lnRef idx="2">
-            <a:schemeClr val="accent1"/>
-          </a:lnRef>
-          <a:fillRef idx="0">
-            <a:schemeClr val="accent1"/>
-          </a:fillRef>
-          <a:effectRef idx="1">
-            <a:schemeClr val="accent1"/>
-          </a:effectRef>
-          <a:fontRef idx="minor">
-            <a:schemeClr val="tx1"/>
-          </a:fontRef>
-        </p:style>
-      </p:cxnSp>
-      <p:sp>
-        <p:nvSpPr>
-          <p:cNvPr id="46" name="Rounded Rectangle 45">
-            <a:extLst>
-              <a:ext uri="{FF2B5EF4-FFF2-40B4-BE49-F238E27FC236}">
-                <a16:creationId xmlns:a16="http://schemas.microsoft.com/office/drawing/2014/main" id="{51AF1A92-1FEE-D339-D59B-A199EA997F30}"/>
+              <a:t> actions with CML to create MD file for results</a:t>
+            </a:r>
+          </a:p>
+        </p:txBody>
+      </p:sp>
+      <p:sp>
+        <p:nvSpPr>
+          <p:cNvPr id="27" name="Rounded Rectangle 26">
+            <a:extLst>
+              <a:ext uri="{FF2B5EF4-FFF2-40B4-BE49-F238E27FC236}">
+                <a16:creationId xmlns:a16="http://schemas.microsoft.com/office/drawing/2014/main" id="{021267BB-CEB1-33EC-E34C-69831AAF036D}"/>
               </a:ext>
             </a:extLst>
           </p:cNvPr>
@@ -9489,7 +9284,7 @@
         </p:nvSpPr>
         <p:spPr>
           <a:xfrm>
-            <a:off x="8893933" y="1727542"/>
+            <a:off x="4649003" y="3760194"/>
             <a:ext cx="2162577" cy="772733"/>
           </a:xfrm>
           <a:prstGeom prst="roundRect">
@@ -9502,9 +9297,7 @@
             </a:schemeClr>
           </a:solidFill>
           <a:ln w="38100">
-            <a:solidFill>
-              <a:schemeClr val="accent1"/>
-            </a:solidFill>
+            <a:noFill/>
           </a:ln>
         </p:spPr>
         <p:style>
@@ -9534,70 +9327,6 @@
                   <a:schemeClr val="tx1"/>
                 </a:solidFill>
               </a:rPr>
-              <a:t>Send results to Telegram channel</a:t>
-            </a:r>
-          </a:p>
-        </p:txBody>
-      </p:sp>
-      <p:sp>
-        <p:nvSpPr>
-          <p:cNvPr id="27" name="Rounded Rectangle 26">
-            <a:extLst>
-              <a:ext uri="{FF2B5EF4-FFF2-40B4-BE49-F238E27FC236}">
-                <a16:creationId xmlns:a16="http://schemas.microsoft.com/office/drawing/2014/main" id="{021267BB-CEB1-33EC-E34C-69831AAF036D}"/>
-              </a:ext>
-            </a:extLst>
-          </p:cNvPr>
-          <p:cNvSpPr/>
-          <p:nvPr/>
-        </p:nvSpPr>
-        <p:spPr>
-          <a:xfrm>
-            <a:off x="4649003" y="4452528"/>
-            <a:ext cx="2162577" cy="772733"/>
-          </a:xfrm>
-          <a:prstGeom prst="roundRect">
-            <a:avLst/>
-          </a:prstGeom>
-          <a:solidFill>
-            <a:schemeClr val="tx2">
-              <a:lumMod val="25000"/>
-              <a:lumOff val="75000"/>
-            </a:schemeClr>
-          </a:solidFill>
-          <a:ln w="38100">
-            <a:solidFill>
-              <a:schemeClr val="tx1"/>
-            </a:solidFill>
-          </a:ln>
-        </p:spPr>
-        <p:style>
-          <a:lnRef idx="2">
-            <a:schemeClr val="accent1">
-              <a:shade val="15000"/>
-            </a:schemeClr>
-          </a:lnRef>
-          <a:fillRef idx="1">
-            <a:schemeClr val="accent1"/>
-          </a:fillRef>
-          <a:effectRef idx="0">
-            <a:schemeClr val="accent1"/>
-          </a:effectRef>
-          <a:fontRef idx="minor">
-            <a:schemeClr val="lt1"/>
-          </a:fontRef>
-        </p:style>
-        <p:txBody>
-          <a:bodyPr rtlCol="0" anchor="ctr"/>
-          <a:lstStyle/>
-          <a:p>
-            <a:pPr algn="ctr"/>
-            <a:r>
-              <a:rPr lang="en-GB" dirty="0">
-                <a:solidFill>
-                  <a:schemeClr val="tx1"/>
-                </a:solidFill>
-              </a:rPr>
               <a:t>Retrain best model using same script</a:t>
             </a:r>
           </a:p>
@@ -9621,7 +9350,7 @@
         </p:nvCxnSpPr>
         <p:spPr>
           <a:xfrm>
-            <a:off x="6811580" y="4838895"/>
+            <a:off x="6811580" y="4146561"/>
             <a:ext cx="2082355" cy="1"/>
           </a:xfrm>
           <a:prstGeom prst="straightConnector1">
@@ -9646,6 +9375,230 @@
           </a:fontRef>
         </p:style>
       </p:cxnSp>
+      <p:pic>
+        <p:nvPicPr>
+          <p:cNvPr id="3" name="Picture 4" descr="GitHub Actions documentation - GitHub Docs">
+            <a:extLst>
+              <a:ext uri="{FF2B5EF4-FFF2-40B4-BE49-F238E27FC236}">
+                <a16:creationId xmlns:a16="http://schemas.microsoft.com/office/drawing/2014/main" id="{52756345-5F88-52E5-6E09-89029EA27294}"/>
+              </a:ext>
+            </a:extLst>
+          </p:cNvPr>
+          <p:cNvPicPr>
+            <a:picLocks noChangeAspect="1" noChangeArrowheads="1"/>
+          </p:cNvPicPr>
+          <p:nvPr/>
+        </p:nvPicPr>
+        <p:blipFill>
+          <a:blip r:embed="rId2">
+            <a:extLst>
+              <a:ext uri="{28A0092B-C50C-407E-A947-70E740481C1C}">
+                <a14:useLocalDpi xmlns:a14="http://schemas.microsoft.com/office/drawing/2010/main" val="0"/>
+              </a:ext>
+            </a:extLst>
+          </a:blip>
+          <a:srcRect/>
+          <a:stretch>
+            <a:fillRect/>
+          </a:stretch>
+        </p:blipFill>
+        <p:spPr bwMode="auto">
+          <a:xfrm>
+            <a:off x="5447066" y="1414080"/>
+            <a:ext cx="566452" cy="566452"/>
+          </a:xfrm>
+          <a:prstGeom prst="rect">
+            <a:avLst/>
+          </a:prstGeom>
+          <a:noFill/>
+          <a:extLst>
+            <a:ext uri="{909E8E84-426E-40DD-AFC4-6F175D3DCCD1}">
+              <a14:hiddenFill xmlns:a14="http://schemas.microsoft.com/office/drawing/2010/main">
+                <a:solidFill>
+                  <a:srgbClr val="FFFFFF"/>
+                </a:solidFill>
+              </a14:hiddenFill>
+            </a:ext>
+          </a:extLst>
+        </p:spPr>
+      </p:pic>
+      <p:pic>
+        <p:nvPicPr>
+          <p:cNvPr id="6" name="Picture 5">
+            <a:extLst>
+              <a:ext uri="{FF2B5EF4-FFF2-40B4-BE49-F238E27FC236}">
+                <a16:creationId xmlns:a16="http://schemas.microsoft.com/office/drawing/2014/main" id="{54D6D168-9540-ED86-3253-5A5D06AABF1A}"/>
+              </a:ext>
+            </a:extLst>
+          </p:cNvPr>
+          <p:cNvPicPr>
+            <a:picLocks noChangeAspect="1" noChangeArrowheads="1"/>
+          </p:cNvPicPr>
+          <p:nvPr/>
+        </p:nvPicPr>
+        <p:blipFill>
+          <a:blip r:embed="rId3">
+            <a:extLst>
+              <a:ext uri="{28A0092B-C50C-407E-A947-70E740481C1C}">
+                <a14:useLocalDpi xmlns:a14="http://schemas.microsoft.com/office/drawing/2010/main" val="0"/>
+              </a:ext>
+            </a:extLst>
+          </a:blip>
+          <a:srcRect/>
+          <a:stretch>
+            <a:fillRect/>
+          </a:stretch>
+        </p:blipFill>
+        <p:spPr bwMode="auto">
+          <a:xfrm>
+            <a:off x="9698459" y="3024206"/>
+            <a:ext cx="553524" cy="662389"/>
+          </a:xfrm>
+          <a:prstGeom prst="rect">
+            <a:avLst/>
+          </a:prstGeom>
+          <a:noFill/>
+          <a:extLst>
+            <a:ext uri="{909E8E84-426E-40DD-AFC4-6F175D3DCCD1}">
+              <a14:hiddenFill xmlns:a14="http://schemas.microsoft.com/office/drawing/2010/main">
+                <a:solidFill>
+                  <a:srgbClr val="FFFFFF"/>
+                </a:solidFill>
+              </a14:hiddenFill>
+            </a:ext>
+          </a:extLst>
+        </p:spPr>
+      </p:pic>
+      <p:pic>
+        <p:nvPicPr>
+          <p:cNvPr id="9" name="Picture 8">
+            <a:extLst>
+              <a:ext uri="{FF2B5EF4-FFF2-40B4-BE49-F238E27FC236}">
+                <a16:creationId xmlns:a16="http://schemas.microsoft.com/office/drawing/2014/main" id="{EC9FA0BD-007B-840B-8F19-3A55DB02EA8F}"/>
+              </a:ext>
+            </a:extLst>
+          </p:cNvPr>
+          <p:cNvPicPr>
+            <a:picLocks noChangeAspect="1" noChangeArrowheads="1"/>
+          </p:cNvPicPr>
+          <p:nvPr/>
+        </p:nvPicPr>
+        <p:blipFill>
+          <a:blip r:embed="rId3">
+            <a:extLst>
+              <a:ext uri="{28A0092B-C50C-407E-A947-70E740481C1C}">
+                <a14:useLocalDpi xmlns:a14="http://schemas.microsoft.com/office/drawing/2010/main" val="0"/>
+              </a:ext>
+            </a:extLst>
+          </a:blip>
+          <a:srcRect/>
+          <a:stretch>
+            <a:fillRect/>
+          </a:stretch>
+        </p:blipFill>
+        <p:spPr bwMode="auto">
+          <a:xfrm>
+            <a:off x="9171716" y="4928980"/>
+            <a:ext cx="553524" cy="662389"/>
+          </a:xfrm>
+          <a:prstGeom prst="rect">
+            <a:avLst/>
+          </a:prstGeom>
+          <a:noFill/>
+          <a:extLst>
+            <a:ext uri="{909E8E84-426E-40DD-AFC4-6F175D3DCCD1}">
+              <a14:hiddenFill xmlns:a14="http://schemas.microsoft.com/office/drawing/2010/main">
+                <a:solidFill>
+                  <a:srgbClr val="FFFFFF"/>
+                </a:solidFill>
+              </a14:hiddenFill>
+            </a:ext>
+          </a:extLst>
+        </p:spPr>
+      </p:pic>
+      <p:pic>
+        <p:nvPicPr>
+          <p:cNvPr id="10" name="Graphic 9">
+            <a:extLst>
+              <a:ext uri="{FF2B5EF4-FFF2-40B4-BE49-F238E27FC236}">
+                <a16:creationId xmlns:a16="http://schemas.microsoft.com/office/drawing/2014/main" id="{0AA7CF6D-F8B6-67A1-9B8E-ED7BDCE818F1}"/>
+              </a:ext>
+            </a:extLst>
+          </p:cNvPr>
+          <p:cNvPicPr>
+            <a:picLocks noChangeAspect="1"/>
+          </p:cNvPicPr>
+          <p:nvPr/>
+        </p:nvPicPr>
+        <p:blipFill>
+          <a:blip r:embed="rId4">
+            <a:extLst>
+              <a:ext uri="{96DAC541-7B7A-43D3-8B79-37D633B846F1}">
+                <asvg:svgBlip xmlns:asvg="http://schemas.microsoft.com/office/drawing/2016/SVG/main" r:embed="rId5"/>
+              </a:ext>
+            </a:extLst>
+          </a:blip>
+          <a:stretch>
+            <a:fillRect/>
+          </a:stretch>
+        </p:blipFill>
+        <p:spPr>
+          <a:xfrm>
+            <a:off x="10251983" y="4912294"/>
+            <a:ext cx="638403" cy="703706"/>
+          </a:xfrm>
+          <a:prstGeom prst="rect">
+            <a:avLst/>
+          </a:prstGeom>
+        </p:spPr>
+      </p:pic>
+      <p:pic>
+        <p:nvPicPr>
+          <p:cNvPr id="1026" name="Picture 2" descr="M19 - Continuous Machine Learning - DTU-MLOps">
+            <a:extLst>
+              <a:ext uri="{FF2B5EF4-FFF2-40B4-BE49-F238E27FC236}">
+                <a16:creationId xmlns:a16="http://schemas.microsoft.com/office/drawing/2014/main" id="{2DF90B7D-1CC0-39EF-CA3F-C1CC96299DFC}"/>
+              </a:ext>
+            </a:extLst>
+          </p:cNvPr>
+          <p:cNvPicPr>
+            <a:picLocks noChangeAspect="1" noChangeArrowheads="1"/>
+          </p:cNvPicPr>
+          <p:nvPr/>
+        </p:nvPicPr>
+        <p:blipFill>
+          <a:blip r:embed="rId6">
+            <a:extLst>
+              <a:ext uri="{28A0092B-C50C-407E-A947-70E740481C1C}">
+                <a14:useLocalDpi xmlns:a14="http://schemas.microsoft.com/office/drawing/2010/main" val="0"/>
+              </a:ext>
+            </a:extLst>
+          </a:blip>
+          <a:srcRect/>
+          <a:stretch>
+            <a:fillRect/>
+          </a:stretch>
+        </p:blipFill>
+        <p:spPr bwMode="auto">
+          <a:xfrm>
+            <a:off x="9612719" y="1414080"/>
+            <a:ext cx="725003" cy="725003"/>
+          </a:xfrm>
+          <a:prstGeom prst="rect">
+            <a:avLst/>
+          </a:prstGeom>
+          <a:noFill/>
+          <a:extLst>
+            <a:ext uri="{909E8E84-426E-40DD-AFC4-6F175D3DCCD1}">
+              <a14:hiddenFill xmlns:a14="http://schemas.microsoft.com/office/drawing/2010/main">
+                <a:solidFill>
+                  <a:srgbClr val="FFFFFF"/>
+                </a:solidFill>
+              </a14:hiddenFill>
+            </a:ext>
+          </a:extLst>
+        </p:spPr>
+      </p:pic>
     </p:spTree>
     <p:extLst>
       <p:ext uri="{BB962C8B-B14F-4D97-AF65-F5344CB8AC3E}">
@@ -9656,6 +9609,165 @@
   <p:clrMapOvr>
     <a:masterClrMapping/>
   </p:clrMapOvr>
+  <p:timing>
+    <p:tnLst>
+      <p:par>
+        <p:cTn id="1" dur="indefinite" restart="never" nodeType="tmRoot">
+          <p:childTnLst>
+            <p:seq concurrent="1" nextAc="seek">
+              <p:cTn id="2" dur="indefinite" nodeType="mainSeq">
+                <p:childTnLst>
+                  <p:par>
+                    <p:cTn id="3" fill="hold">
+                      <p:stCondLst>
+                        <p:cond delay="indefinite"/>
+                        <p:cond evt="onBegin" delay="0">
+                          <p:tn val="2"/>
+                        </p:cond>
+                      </p:stCondLst>
+                      <p:childTnLst>
+                        <p:par>
+                          <p:cTn id="4" fill="hold">
+                            <p:stCondLst>
+                              <p:cond delay="0"/>
+                            </p:stCondLst>
+                            <p:childTnLst>
+                              <p:par>
+                                <p:cTn id="5" presetID="1" presetClass="entr" presetSubtype="0" fill="hold" nodeType="withEffect">
+                                  <p:stCondLst>
+                                    <p:cond delay="0"/>
+                                  </p:stCondLst>
+                                  <p:childTnLst>
+                                    <p:set>
+                                      <p:cBhvr>
+                                        <p:cTn id="6" dur="1" fill="hold">
+                                          <p:stCondLst>
+                                            <p:cond delay="0"/>
+                                          </p:stCondLst>
+                                        </p:cTn>
+                                        <p:tgtEl>
+                                          <p:spTgt spid="3"/>
+                                        </p:tgtEl>
+                                        <p:attrNameLst>
+                                          <p:attrName>style.visibility</p:attrName>
+                                        </p:attrNameLst>
+                                      </p:cBhvr>
+                                      <p:to>
+                                        <p:strVal val="visible"/>
+                                      </p:to>
+                                    </p:set>
+                                  </p:childTnLst>
+                                </p:cTn>
+                              </p:par>
+                              <p:par>
+                                <p:cTn id="7" presetID="1" presetClass="entr" presetSubtype="0" fill="hold" nodeType="withEffect">
+                                  <p:stCondLst>
+                                    <p:cond delay="0"/>
+                                  </p:stCondLst>
+                                  <p:childTnLst>
+                                    <p:set>
+                                      <p:cBhvr>
+                                        <p:cTn id="8" dur="1" fill="hold">
+                                          <p:stCondLst>
+                                            <p:cond delay="0"/>
+                                          </p:stCondLst>
+                                        </p:cTn>
+                                        <p:tgtEl>
+                                          <p:spTgt spid="6"/>
+                                        </p:tgtEl>
+                                        <p:attrNameLst>
+                                          <p:attrName>style.visibility</p:attrName>
+                                        </p:attrNameLst>
+                                      </p:cBhvr>
+                                      <p:to>
+                                        <p:strVal val="visible"/>
+                                      </p:to>
+                                    </p:set>
+                                  </p:childTnLst>
+                                </p:cTn>
+                              </p:par>
+                              <p:par>
+                                <p:cTn id="9" presetID="1" presetClass="entr" presetSubtype="0" fill="hold" nodeType="withEffect">
+                                  <p:stCondLst>
+                                    <p:cond delay="0"/>
+                                  </p:stCondLst>
+                                  <p:childTnLst>
+                                    <p:set>
+                                      <p:cBhvr>
+                                        <p:cTn id="10" dur="1" fill="hold">
+                                          <p:stCondLst>
+                                            <p:cond delay="0"/>
+                                          </p:stCondLst>
+                                        </p:cTn>
+                                        <p:tgtEl>
+                                          <p:spTgt spid="9"/>
+                                        </p:tgtEl>
+                                        <p:attrNameLst>
+                                          <p:attrName>style.visibility</p:attrName>
+                                        </p:attrNameLst>
+                                      </p:cBhvr>
+                                      <p:to>
+                                        <p:strVal val="visible"/>
+                                      </p:to>
+                                    </p:set>
+                                  </p:childTnLst>
+                                </p:cTn>
+                              </p:par>
+                              <p:par>
+                                <p:cTn id="11" presetID="1" presetClass="entr" presetSubtype="0" fill="hold" nodeType="withEffect">
+                                  <p:stCondLst>
+                                    <p:cond delay="0"/>
+                                  </p:stCondLst>
+                                  <p:childTnLst>
+                                    <p:set>
+                                      <p:cBhvr>
+                                        <p:cTn id="12" dur="1" fill="hold">
+                                          <p:stCondLst>
+                                            <p:cond delay="0"/>
+                                          </p:stCondLst>
+                                        </p:cTn>
+                                        <p:tgtEl>
+                                          <p:spTgt spid="10"/>
+                                        </p:tgtEl>
+                                        <p:attrNameLst>
+                                          <p:attrName>style.visibility</p:attrName>
+                                        </p:attrNameLst>
+                                      </p:cBhvr>
+                                      <p:to>
+                                        <p:strVal val="visible"/>
+                                      </p:to>
+                                    </p:set>
+                                  </p:childTnLst>
+                                </p:cTn>
+                              </p:par>
+                            </p:childTnLst>
+                          </p:cTn>
+                        </p:par>
+                      </p:childTnLst>
+                    </p:cTn>
+                  </p:par>
+                </p:childTnLst>
+              </p:cTn>
+              <p:prevCondLst>
+                <p:cond evt="onPrev" delay="0">
+                  <p:tgtEl>
+                    <p:sldTgt/>
+                  </p:tgtEl>
+                </p:cond>
+              </p:prevCondLst>
+              <p:nextCondLst>
+                <p:cond evt="onNext" delay="0">
+                  <p:tgtEl>
+                    <p:sldTgt/>
+                  </p:tgtEl>
+                </p:cond>
+              </p:nextCondLst>
+            </p:seq>
+          </p:childTnLst>
+        </p:cTn>
+      </p:par>
+    </p:tnLst>
+  </p:timing>
 </p:sld>
 </file>
 
@@ -10014,7 +10126,7 @@
         </p:spPr>
         <p:txBody>
           <a:bodyPr>
-            <a:normAutofit/>
+            <a:normAutofit lnSpcReduction="10000"/>
           </a:bodyPr>
           <a:lstStyle/>
           <a:p>
@@ -10026,65 +10138,15 @@
           <a:p>
             <a:pPr lvl="1"/>
             <a:r>
-              <a:rPr lang="en-GB" dirty="0"/>
-              <a:t>Data processing code</a:t>
+              <a:rPr lang="en-GB" strike="sngStrike" dirty="0"/>
+              <a:t>[D] Data processing code</a:t>
             </a:r>
           </a:p>
           <a:p>
             <a:pPr lvl="2"/>
             <a:r>
-              <a:rPr lang="en-GB" dirty="0"/>
+              <a:rPr lang="en-GB" strike="sngStrike" dirty="0"/>
               <a:t>[D] Data validity e.g. new values</a:t>
-            </a:r>
-          </a:p>
-          <a:p>
-            <a:pPr lvl="2"/>
-            <a:r>
-              <a:rPr lang="en-GB" dirty="0"/>
-              <a:t>AWS Lambda: https://</a:t>
-            </a:r>
-            <a:r>
-              <a:rPr lang="en-GB" dirty="0" err="1"/>
-              <a:t>docs.aws.amazon.com</a:t>
-            </a:r>
-            <a:r>
-              <a:rPr lang="en-GB" dirty="0"/>
-              <a:t>/lambda/latest/dg/python-</a:t>
-            </a:r>
-            <a:r>
-              <a:rPr lang="en-GB" dirty="0" err="1"/>
-              <a:t>testing.html</a:t>
-            </a:r>
-            <a:endParaRPr lang="en-GB" dirty="0"/>
-          </a:p>
-          <a:p>
-            <a:pPr lvl="3"/>
-            <a:r>
-              <a:rPr lang="en-GB" dirty="0"/>
-              <a:t>https://</a:t>
-            </a:r>
-            <a:r>
-              <a:rPr lang="en-GB" dirty="0" err="1"/>
-              <a:t>github.com</a:t>
-            </a:r>
-            <a:r>
-              <a:rPr lang="en-GB" dirty="0"/>
-              <a:t>/</a:t>
-            </a:r>
-            <a:r>
-              <a:rPr lang="en-GB" dirty="0" err="1"/>
-              <a:t>aws</a:t>
-            </a:r>
-            <a:r>
-              <a:rPr lang="en-GB" dirty="0"/>
-              <a:t>-samples/serverless-test-samples</a:t>
-            </a:r>
-          </a:p>
-          <a:p>
-            <a:pPr lvl="3"/>
-            <a:r>
-              <a:rPr lang="en-GB" dirty="0"/>
-              <a:t>Docker + Zip</a:t>
             </a:r>
           </a:p>
           <a:p>
@@ -10098,34 +10160,46 @@
             <a:pPr lvl="2"/>
             <a:r>
               <a:rPr lang="en-GB" dirty="0"/>
-              <a:t>AWS ECS: Docker containers + their interaction</a:t>
+              <a:t>Docker containers + their interaction – Integrated testing</a:t>
+            </a:r>
+          </a:p>
+          <a:p>
+            <a:pPr lvl="1"/>
+            <a:r>
+              <a:rPr lang="en-GB" dirty="0">
+                <a:solidFill>
+                  <a:srgbClr val="FF0000"/>
+                </a:solidFill>
+              </a:rPr>
+              <a:t>[Skip] ML scripts</a:t>
             </a:r>
           </a:p>
           <a:p>
             <a:pPr lvl="2"/>
             <a:r>
+              <a:rPr lang="en-GB" dirty="0">
+                <a:solidFill>
+                  <a:srgbClr val="FF0000"/>
+                </a:solidFill>
+              </a:rPr>
+              <a:t>Nothing to test. All functions used are from some other package, or components of the script are so basic they don’t need to be unit tested. </a:t>
+            </a:r>
+          </a:p>
+          <a:p>
+            <a:pPr lvl="2"/>
+            <a:r>
+              <a:rPr lang="en-GB" dirty="0">
+                <a:solidFill>
+                  <a:srgbClr val="FF0000"/>
+                </a:solidFill>
+              </a:rPr>
+              <a:t>General principle is that if script is reused and deployed, it should be tested. Furthermore, unit testing is even more required if it is a core component in a pipeline of automation. Hyperparameter tuning script sits on top of that pipeline, so it’s fine to skip</a:t>
+            </a:r>
+          </a:p>
+          <a:p>
+            <a:r>
               <a:rPr lang="en-GB" dirty="0"/>
-              <a:t>Code itself</a:t>
-            </a:r>
-          </a:p>
-          <a:p>
-            <a:pPr lvl="1"/>
-            <a:r>
-              <a:rPr lang="en-GB" dirty="0"/>
-              <a:t>? ML scripts</a:t>
-            </a:r>
-          </a:p>
-          <a:p>
-            <a:r>
-              <a:rPr lang="en-GB" dirty="0"/>
-              <a:t>Model</a:t>
-            </a:r>
-          </a:p>
-          <a:p>
-            <a:pPr lvl="1"/>
-            <a:r>
-              <a:rPr lang="en-GB" dirty="0"/>
-              <a:t>Can make prediction</a:t>
+              <a:t>[Skip] Model</a:t>
             </a:r>
           </a:p>
           <a:p>
@@ -10133,6 +10207,17 @@
             <a:r>
               <a:rPr lang="en-GB" dirty="0"/>
               <a:t>Prediction makes sense</a:t>
+            </a:r>
+          </a:p>
+          <a:p>
+            <a:pPr lvl="1"/>
+            <a:r>
+              <a:rPr lang="en-GB" dirty="0">
+                <a:solidFill>
+                  <a:srgbClr val="FF0000"/>
+                </a:solidFill>
+              </a:rPr>
+              <a:t>Doesn’t seem to be done often, based on google</a:t>
             </a:r>
           </a:p>
         </p:txBody>
@@ -10172,7 +10257,7 @@
           <p:cNvPr id="2" name="Title 1">
             <a:extLst>
               <a:ext uri="{FF2B5EF4-FFF2-40B4-BE49-F238E27FC236}">
-                <a16:creationId xmlns:a16="http://schemas.microsoft.com/office/drawing/2014/main" id="{AF9DBC8A-43C7-4CED-1A5A-9AB285827153}"/>
+                <a16:creationId xmlns:a16="http://schemas.microsoft.com/office/drawing/2014/main" id="{786686E8-215A-5475-0873-B4055D121F8F}"/>
               </a:ext>
             </a:extLst>
           </p:cNvPr>
@@ -10190,7 +10275,7 @@
           <a:p>
             <a:r>
               <a:rPr lang="en-GB" dirty="0"/>
-              <a:t>TODO - Extras</a:t>
+              <a:t>CT</a:t>
             </a:r>
           </a:p>
         </p:txBody>
@@ -10200,7 +10285,7 @@
           <p:cNvPr id="3" name="Content Placeholder 2">
             <a:extLst>
               <a:ext uri="{FF2B5EF4-FFF2-40B4-BE49-F238E27FC236}">
-                <a16:creationId xmlns:a16="http://schemas.microsoft.com/office/drawing/2014/main" id="{75AE5FEA-050D-AE53-B7C2-AA771027014E}"/>
+                <a16:creationId xmlns:a16="http://schemas.microsoft.com/office/drawing/2014/main" id="{B4423546-A7E9-D0C0-C3F6-1997391AD7C0}"/>
               </a:ext>
             </a:extLst>
           </p:cNvPr>
@@ -10213,8 +10298,8 @@
         </p:nvSpPr>
         <p:spPr>
           <a:xfrm>
-            <a:off x="838200" y="1690688"/>
-            <a:ext cx="10515600" cy="5167312"/>
+            <a:off x="838200" y="1825624"/>
+            <a:ext cx="10515600" cy="5032375"/>
           </a:xfrm>
         </p:spPr>
         <p:txBody>
@@ -10225,28 +10310,493 @@
           <a:p>
             <a:r>
               <a:rPr lang="en-GB" dirty="0"/>
-              <a:t>To implement CM as a layer above CT. If CM triggers something </a:t>
-            </a:r>
-            <a:r>
-              <a:rPr lang="en-GB" dirty="0">
-                <a:sym typeface="Wingdings" pitchFamily="2" charset="2"/>
-              </a:rPr>
-              <a:t> then test for threshold in performance</a:t>
-            </a:r>
-            <a:endParaRPr lang="en-GB" dirty="0"/>
-          </a:p>
-          <a:p>
+              <a:t>Retraining based on time/data ingestion @ X time unit</a:t>
+            </a:r>
+          </a:p>
+          <a:p>
+            <a:pPr lvl="1"/>
+            <a:r>
+              <a:rPr lang="en-GB" b="1" dirty="0"/>
+              <a:t>Objective: Let model capture new trends in data, refresh model with same hyperparameters</a:t>
+            </a:r>
+          </a:p>
+          <a:p>
+            <a:pPr lvl="1"/>
             <a:r>
               <a:rPr lang="en-GB" dirty="0"/>
-              <a:t>Send </a:t>
+              <a:t>Separate script which uses the same hyperparameters from experimentation (</a:t>
             </a:r>
             <a:r>
               <a:rPr lang="en-GB" dirty="0" err="1"/>
-              <a:t>hyperparam</a:t>
+              <a:t>Github</a:t>
             </a:r>
             <a:r>
               <a:rPr lang="en-GB" dirty="0"/>
-              <a:t> tuning report to Slack</a:t>
+              <a:t> actions), but does the comparison and retraining on AWS Lambda </a:t>
+            </a:r>
+          </a:p>
+          <a:p>
+            <a:pPr lvl="1"/>
+            <a:r>
+              <a:rPr lang="en-GB" dirty="0"/>
+              <a:t>Train-validate</a:t>
+            </a:r>
+          </a:p>
+          <a:p>
+            <a:pPr lvl="1"/>
+            <a:r>
+              <a:rPr lang="en-GB" dirty="0"/>
+              <a:t>Implement A/B testing afterwards to check if there is indeed and improvement over the old model. Do not deploy if performance drops</a:t>
+            </a:r>
+          </a:p>
+          <a:p>
+            <a:pPr lvl="2"/>
+            <a:r>
+              <a:rPr lang="en-GB" dirty="0"/>
+              <a:t>Still necessary to compare 5 fold CV in addition to test set?</a:t>
+            </a:r>
+          </a:p>
+          <a:p>
+            <a:pPr lvl="2"/>
+            <a:r>
+              <a:rPr lang="en-GB" dirty="0"/>
+              <a:t>Pseudo-Canary testing?</a:t>
+            </a:r>
+          </a:p>
+          <a:p>
+            <a:pPr lvl="2"/>
+            <a:r>
+              <a:rPr lang="en-GB" dirty="0"/>
+              <a:t>Can find hard quality gates here: https://</a:t>
+            </a:r>
+            <a:r>
+              <a:rPr lang="en-GB" dirty="0" err="1"/>
+              <a:t>mlflow.org</a:t>
+            </a:r>
+            <a:r>
+              <a:rPr lang="en-GB" dirty="0"/>
+              <a:t>/docs/3.1.3/ml/evaluation/model-eval/</a:t>
+            </a:r>
+          </a:p>
+        </p:txBody>
+      </p:sp>
+      <p:sp>
+        <p:nvSpPr>
+          <p:cNvPr id="4" name="Rectangle 3">
+            <a:extLst>
+              <a:ext uri="{FF2B5EF4-FFF2-40B4-BE49-F238E27FC236}">
+                <a16:creationId xmlns:a16="http://schemas.microsoft.com/office/drawing/2014/main" id="{2D353EA7-6F98-A6AC-D6EB-CE7E49900F60}"/>
+              </a:ext>
+            </a:extLst>
+          </p:cNvPr>
+          <p:cNvSpPr/>
+          <p:nvPr/>
+        </p:nvSpPr>
+        <p:spPr>
+          <a:xfrm>
+            <a:off x="4491454" y="495754"/>
+            <a:ext cx="2638690" cy="327206"/>
+          </a:xfrm>
+          <a:prstGeom prst="rect">
+            <a:avLst/>
+          </a:prstGeom>
+        </p:spPr>
+        <p:style>
+          <a:lnRef idx="2">
+            <a:schemeClr val="accent1">
+              <a:shade val="15000"/>
+            </a:schemeClr>
+          </a:lnRef>
+          <a:fillRef idx="1">
+            <a:schemeClr val="accent1"/>
+          </a:fillRef>
+          <a:effectRef idx="0">
+            <a:schemeClr val="accent1"/>
+          </a:effectRef>
+          <a:fontRef idx="minor">
+            <a:schemeClr val="lt1"/>
+          </a:fontRef>
+        </p:style>
+        <p:txBody>
+          <a:bodyPr rtlCol="0" anchor="ctr"/>
+          <a:lstStyle/>
+          <a:p>
+            <a:pPr algn="ctr"/>
+            <a:r>
+              <a:rPr lang="en-GB" dirty="0"/>
+              <a:t>Train-Validation</a:t>
+            </a:r>
+          </a:p>
+        </p:txBody>
+      </p:sp>
+      <p:sp>
+        <p:nvSpPr>
+          <p:cNvPr id="5" name="Rectangle 4">
+            <a:extLst>
+              <a:ext uri="{FF2B5EF4-FFF2-40B4-BE49-F238E27FC236}">
+                <a16:creationId xmlns:a16="http://schemas.microsoft.com/office/drawing/2014/main" id="{CAA164F5-77DD-0E74-4524-E2D878665865}"/>
+              </a:ext>
+            </a:extLst>
+          </p:cNvPr>
+          <p:cNvSpPr/>
+          <p:nvPr/>
+        </p:nvSpPr>
+        <p:spPr>
+          <a:xfrm>
+            <a:off x="7903029" y="495754"/>
+            <a:ext cx="755468" cy="327206"/>
+          </a:xfrm>
+          <a:prstGeom prst="rect">
+            <a:avLst/>
+          </a:prstGeom>
+          <a:solidFill>
+            <a:schemeClr val="accent2"/>
+          </a:solidFill>
+          <a:ln>
+            <a:prstDash val="dash"/>
+          </a:ln>
+        </p:spPr>
+        <p:style>
+          <a:lnRef idx="2">
+            <a:schemeClr val="accent1">
+              <a:shade val="15000"/>
+            </a:schemeClr>
+          </a:lnRef>
+          <a:fillRef idx="1">
+            <a:schemeClr val="accent1"/>
+          </a:fillRef>
+          <a:effectRef idx="0">
+            <a:schemeClr val="accent1"/>
+          </a:effectRef>
+          <a:fontRef idx="minor">
+            <a:schemeClr val="lt1"/>
+          </a:fontRef>
+        </p:style>
+        <p:txBody>
+          <a:bodyPr rtlCol="0" anchor="ctr"/>
+          <a:lstStyle/>
+          <a:p>
+            <a:pPr algn="ctr"/>
+            <a:r>
+              <a:rPr lang="en-GB" dirty="0"/>
+              <a:t>A/B</a:t>
+            </a:r>
+          </a:p>
+        </p:txBody>
+      </p:sp>
+      <p:sp>
+        <p:nvSpPr>
+          <p:cNvPr id="6" name="TextBox 5">
+            <a:extLst>
+              <a:ext uri="{FF2B5EF4-FFF2-40B4-BE49-F238E27FC236}">
+                <a16:creationId xmlns:a16="http://schemas.microsoft.com/office/drawing/2014/main" id="{FE926106-4760-484A-5BC4-61D3D943CE13}"/>
+              </a:ext>
+            </a:extLst>
+          </p:cNvPr>
+          <p:cNvSpPr txBox="1"/>
+          <p:nvPr/>
+        </p:nvSpPr>
+        <p:spPr>
+          <a:xfrm>
+            <a:off x="4206241" y="156755"/>
+            <a:ext cx="766355" cy="369332"/>
+          </a:xfrm>
+          <a:prstGeom prst="rect">
+            <a:avLst/>
+          </a:prstGeom>
+          <a:noFill/>
+        </p:spPr>
+        <p:txBody>
+          <a:bodyPr wrap="square" rtlCol="0">
+            <a:spAutoFit/>
+          </a:bodyPr>
+          <a:lstStyle/>
+          <a:p>
+            <a:r>
+              <a:rPr lang="en-GB" dirty="0"/>
+              <a:t>T=M0</a:t>
+            </a:r>
+          </a:p>
+        </p:txBody>
+      </p:sp>
+      <p:sp>
+        <p:nvSpPr>
+          <p:cNvPr id="7" name="TextBox 6">
+            <a:extLst>
+              <a:ext uri="{FF2B5EF4-FFF2-40B4-BE49-F238E27FC236}">
+                <a16:creationId xmlns:a16="http://schemas.microsoft.com/office/drawing/2014/main" id="{937C3058-374B-9DEC-72C2-D2B55FD41645}"/>
+              </a:ext>
+            </a:extLst>
+          </p:cNvPr>
+          <p:cNvSpPr txBox="1"/>
+          <p:nvPr/>
+        </p:nvSpPr>
+        <p:spPr>
+          <a:xfrm>
+            <a:off x="7563393" y="156755"/>
+            <a:ext cx="1003663" cy="369332"/>
+          </a:xfrm>
+          <a:prstGeom prst="rect">
+            <a:avLst/>
+          </a:prstGeom>
+          <a:noFill/>
+        </p:spPr>
+        <p:txBody>
+          <a:bodyPr wrap="square" rtlCol="0">
+            <a:spAutoFit/>
+          </a:bodyPr>
+          <a:lstStyle/>
+          <a:p>
+            <a:r>
+              <a:rPr lang="en-GB" dirty="0"/>
+              <a:t>T=M</a:t>
+            </a:r>
+          </a:p>
+        </p:txBody>
+      </p:sp>
+      <p:cxnSp>
+        <p:nvCxnSpPr>
+          <p:cNvPr id="15" name="Straight Arrow Connector 14">
+            <a:extLst>
+              <a:ext uri="{FF2B5EF4-FFF2-40B4-BE49-F238E27FC236}">
+                <a16:creationId xmlns:a16="http://schemas.microsoft.com/office/drawing/2014/main" id="{1693394D-3D58-9A9E-CF02-9AB5EDD6AE4D}"/>
+              </a:ext>
+            </a:extLst>
+          </p:cNvPr>
+          <p:cNvCxnSpPr>
+            <a:cxnSpLocks/>
+          </p:cNvCxnSpPr>
+          <p:nvPr/>
+        </p:nvCxnSpPr>
+        <p:spPr>
+          <a:xfrm flipV="1">
+            <a:off x="8643261" y="641038"/>
+            <a:ext cx="783770" cy="1203"/>
+          </a:xfrm>
+          <a:prstGeom prst="straightConnector1">
+            <a:avLst/>
+          </a:prstGeom>
+          <a:ln>
+            <a:tailEnd type="triangle"/>
+          </a:ln>
+        </p:spPr>
+        <p:style>
+          <a:lnRef idx="2">
+            <a:schemeClr val="accent1"/>
+          </a:lnRef>
+          <a:fillRef idx="0">
+            <a:schemeClr val="accent1"/>
+          </a:fillRef>
+          <a:effectRef idx="1">
+            <a:schemeClr val="accent1"/>
+          </a:effectRef>
+          <a:fontRef idx="minor">
+            <a:schemeClr val="tx1"/>
+          </a:fontRef>
+        </p:style>
+      </p:cxnSp>
+      <p:sp>
+        <p:nvSpPr>
+          <p:cNvPr id="16" name="TextBox 15">
+            <a:extLst>
+              <a:ext uri="{FF2B5EF4-FFF2-40B4-BE49-F238E27FC236}">
+                <a16:creationId xmlns:a16="http://schemas.microsoft.com/office/drawing/2014/main" id="{8E273A23-3D0B-8905-94A6-BAD8ED0D9518}"/>
+              </a:ext>
+            </a:extLst>
+          </p:cNvPr>
+          <p:cNvSpPr txBox="1"/>
+          <p:nvPr/>
+        </p:nvSpPr>
+        <p:spPr>
+          <a:xfrm>
+            <a:off x="9427031" y="245093"/>
+            <a:ext cx="1989909" cy="1477328"/>
+          </a:xfrm>
+          <a:prstGeom prst="rect">
+            <a:avLst/>
+          </a:prstGeom>
+          <a:noFill/>
+        </p:spPr>
+        <p:txBody>
+          <a:bodyPr wrap="square" rtlCol="0">
+            <a:spAutoFit/>
+          </a:bodyPr>
+          <a:lstStyle/>
+          <a:p>
+            <a:r>
+              <a:rPr lang="en-GB" dirty="0"/>
+              <a:t>- Compare optimised models</a:t>
+            </a:r>
+          </a:p>
+          <a:p>
+            <a:r>
+              <a:rPr lang="en-GB" dirty="0"/>
+              <a:t>- Compare old (on S3) and retrained model</a:t>
+            </a:r>
+          </a:p>
+        </p:txBody>
+      </p:sp>
+      <p:cxnSp>
+        <p:nvCxnSpPr>
+          <p:cNvPr id="17" name="Straight Arrow Connector 16">
+            <a:extLst>
+              <a:ext uri="{FF2B5EF4-FFF2-40B4-BE49-F238E27FC236}">
+                <a16:creationId xmlns:a16="http://schemas.microsoft.com/office/drawing/2014/main" id="{F4CB6E33-820A-59BF-DEAC-595EEFFA0A1E}"/>
+              </a:ext>
+            </a:extLst>
+          </p:cNvPr>
+          <p:cNvCxnSpPr>
+            <a:cxnSpLocks/>
+            <a:stCxn id="4" idx="2"/>
+            <a:endCxn id="20" idx="0"/>
+          </p:cNvCxnSpPr>
+          <p:nvPr/>
+        </p:nvCxnSpPr>
+        <p:spPr>
+          <a:xfrm>
+            <a:off x="5810799" y="822960"/>
+            <a:ext cx="0" cy="253130"/>
+          </a:xfrm>
+          <a:prstGeom prst="straightConnector1">
+            <a:avLst/>
+          </a:prstGeom>
+          <a:ln>
+            <a:tailEnd type="triangle"/>
+          </a:ln>
+        </p:spPr>
+        <p:style>
+          <a:lnRef idx="2">
+            <a:schemeClr val="accent1"/>
+          </a:lnRef>
+          <a:fillRef idx="0">
+            <a:schemeClr val="accent1"/>
+          </a:fillRef>
+          <a:effectRef idx="1">
+            <a:schemeClr val="accent1"/>
+          </a:effectRef>
+          <a:fontRef idx="minor">
+            <a:schemeClr val="tx1"/>
+          </a:fontRef>
+        </p:style>
+      </p:cxnSp>
+      <p:sp>
+        <p:nvSpPr>
+          <p:cNvPr id="20" name="TextBox 19">
+            <a:extLst>
+              <a:ext uri="{FF2B5EF4-FFF2-40B4-BE49-F238E27FC236}">
+                <a16:creationId xmlns:a16="http://schemas.microsoft.com/office/drawing/2014/main" id="{7AA0925F-86EB-7D53-6C64-6B17835C22C6}"/>
+              </a:ext>
+            </a:extLst>
+          </p:cNvPr>
+          <p:cNvSpPr txBox="1"/>
+          <p:nvPr/>
+        </p:nvSpPr>
+        <p:spPr>
+          <a:xfrm>
+            <a:off x="4857212" y="1076090"/>
+            <a:ext cx="1907173" cy="646331"/>
+          </a:xfrm>
+          <a:prstGeom prst="rect">
+            <a:avLst/>
+          </a:prstGeom>
+          <a:noFill/>
+        </p:spPr>
+        <p:txBody>
+          <a:bodyPr wrap="square" rtlCol="0">
+            <a:spAutoFit/>
+          </a:bodyPr>
+          <a:lstStyle/>
+          <a:p>
+            <a:r>
+              <a:rPr lang="en-GB" dirty="0"/>
+              <a:t>Get best set of hyperparameters</a:t>
+            </a:r>
+          </a:p>
+        </p:txBody>
+      </p:sp>
+      <p:sp>
+        <p:nvSpPr>
+          <p:cNvPr id="22" name="Rectangle 21">
+            <a:extLst>
+              <a:ext uri="{FF2B5EF4-FFF2-40B4-BE49-F238E27FC236}">
+                <a16:creationId xmlns:a16="http://schemas.microsoft.com/office/drawing/2014/main" id="{7762C2A9-689C-F57C-30C0-2A5AD354AE9C}"/>
+              </a:ext>
+            </a:extLst>
+          </p:cNvPr>
+          <p:cNvSpPr/>
+          <p:nvPr/>
+        </p:nvSpPr>
+        <p:spPr>
+          <a:xfrm>
+            <a:off x="7139943" y="495754"/>
+            <a:ext cx="755468" cy="327206"/>
+          </a:xfrm>
+          <a:prstGeom prst="rect">
+            <a:avLst/>
+          </a:prstGeom>
+          <a:solidFill>
+            <a:schemeClr val="accent4"/>
+          </a:solidFill>
+        </p:spPr>
+        <p:style>
+          <a:lnRef idx="2">
+            <a:schemeClr val="accent1">
+              <a:shade val="15000"/>
+            </a:schemeClr>
+          </a:lnRef>
+          <a:fillRef idx="1">
+            <a:schemeClr val="accent1"/>
+          </a:fillRef>
+          <a:effectRef idx="0">
+            <a:schemeClr val="accent1"/>
+          </a:effectRef>
+          <a:fontRef idx="minor">
+            <a:schemeClr val="lt1"/>
+          </a:fontRef>
+        </p:style>
+        <p:txBody>
+          <a:bodyPr rtlCol="0" anchor="ctr"/>
+          <a:lstStyle/>
+          <a:p>
+            <a:pPr algn="ctr"/>
+            <a:r>
+              <a:rPr lang="en-GB" dirty="0"/>
+              <a:t>Test</a:t>
+            </a:r>
+          </a:p>
+        </p:txBody>
+      </p:sp>
+      <p:sp>
+        <p:nvSpPr>
+          <p:cNvPr id="25" name="TextBox 24">
+            <a:extLst>
+              <a:ext uri="{FF2B5EF4-FFF2-40B4-BE49-F238E27FC236}">
+                <a16:creationId xmlns:a16="http://schemas.microsoft.com/office/drawing/2014/main" id="{64CD6A7F-0504-E745-8A79-432D4911DA24}"/>
+              </a:ext>
+            </a:extLst>
+          </p:cNvPr>
+          <p:cNvSpPr txBox="1"/>
+          <p:nvPr/>
+        </p:nvSpPr>
+        <p:spPr>
+          <a:xfrm>
+            <a:off x="6785063" y="153389"/>
+            <a:ext cx="1003663" cy="369332"/>
+          </a:xfrm>
+          <a:prstGeom prst="rect">
+            <a:avLst/>
+          </a:prstGeom>
+          <a:noFill/>
+        </p:spPr>
+        <p:txBody>
+          <a:bodyPr wrap="square" rtlCol="0">
+            <a:spAutoFit/>
+          </a:bodyPr>
+          <a:lstStyle/>
+          <a:p>
+            <a:r>
+              <a:rPr lang="en-GB" dirty="0"/>
+              <a:t>T=M-1</a:t>
             </a:r>
           </a:p>
         </p:txBody>
@@ -10254,7 +10804,7 @@
     </p:spTree>
     <p:extLst>
       <p:ext uri="{BB962C8B-B14F-4D97-AF65-F5344CB8AC3E}">
-        <p14:creationId xmlns:p14="http://schemas.microsoft.com/office/powerpoint/2010/main" val="2450686333"/>
+        <p14:creationId xmlns:p14="http://schemas.microsoft.com/office/powerpoint/2010/main" val="3689535318"/>
       </p:ext>
     </p:extLst>
   </p:cSld>
@@ -10286,7 +10836,7 @@
           <p:cNvPr id="2" name="Title 1">
             <a:extLst>
               <a:ext uri="{FF2B5EF4-FFF2-40B4-BE49-F238E27FC236}">
-                <a16:creationId xmlns:a16="http://schemas.microsoft.com/office/drawing/2014/main" id="{786686E8-215A-5475-0873-B4055D121F8F}"/>
+                <a16:creationId xmlns:a16="http://schemas.microsoft.com/office/drawing/2014/main" id="{E2F977AF-15E1-2268-873D-1E5AE0F60B5D}"/>
               </a:ext>
             </a:extLst>
           </p:cNvPr>
@@ -10304,7 +10854,7 @@
           <a:p>
             <a:r>
               <a:rPr lang="en-GB" dirty="0"/>
-              <a:t>CT</a:t>
+              <a:t>CI</a:t>
             </a:r>
           </a:p>
         </p:txBody>
@@ -10314,7 +10864,7 @@
           <p:cNvPr id="3" name="Content Placeholder 2">
             <a:extLst>
               <a:ext uri="{FF2B5EF4-FFF2-40B4-BE49-F238E27FC236}">
-                <a16:creationId xmlns:a16="http://schemas.microsoft.com/office/drawing/2014/main" id="{B4423546-A7E9-D0C0-C3F6-1997391AD7C0}"/>
+                <a16:creationId xmlns:a16="http://schemas.microsoft.com/office/drawing/2014/main" id="{3548B6C1-087A-2338-16C8-1F30B0A7EDEC}"/>
               </a:ext>
             </a:extLst>
           </p:cNvPr>
@@ -10327,8 +10877,8 @@
         </p:nvSpPr>
         <p:spPr>
           <a:xfrm>
-            <a:off x="838200" y="1825624"/>
-            <a:ext cx="10515600" cy="5032375"/>
+            <a:off x="838200" y="1460500"/>
+            <a:ext cx="10515600" cy="5397500"/>
           </a:xfrm>
         </p:spPr>
         <p:txBody>
@@ -10339,493 +10889,30 @@
           <a:p>
             <a:r>
               <a:rPr lang="en-GB" dirty="0"/>
-              <a:t>Retraining based on time/data ingestion @ X time unit</a:t>
-            </a:r>
-          </a:p>
-          <a:p>
-            <a:pPr lvl="1"/>
+              <a:t>Objective: Whenever want to update file on GitHub, to use a template for a sequence of events, which takes into account testing, and also reporting of the results of the push. </a:t>
+            </a:r>
+          </a:p>
+          <a:p>
+            <a:r>
+              <a:rPr lang="en-GB" dirty="0" err="1"/>
+              <a:t>Makefile</a:t>
+            </a:r>
+            <a:r>
+              <a:rPr lang="en-GB" dirty="0"/>
+              <a:t> is the recipe, while the YAML file is the skeleton while pulls from the recipe + decides the environment variables which is fed into the recipe</a:t>
+            </a:r>
+          </a:p>
+          <a:p>
+            <a:endParaRPr lang="en-GB" dirty="0"/>
+          </a:p>
+          <a:p>
             <a:r>
               <a:rPr lang="en-GB" b="1" dirty="0"/>
-              <a:t>Objective: Let model capture new trends in data, refresh model with same hyperparameters</a:t>
-            </a:r>
-          </a:p>
-          <a:p>
-            <a:pPr lvl="1"/>
+              <a:t>Implemented for</a:t>
+            </a:r>
             <a:r>
               <a:rPr lang="en-GB" dirty="0"/>
-              <a:t>Separate script which uses the same hyperparameters from experimentation (</a:t>
-            </a:r>
-            <a:r>
-              <a:rPr lang="en-GB" dirty="0" err="1"/>
-              <a:t>Github</a:t>
-            </a:r>
-            <a:r>
-              <a:rPr lang="en-GB" dirty="0"/>
-              <a:t> actions), but does the comparison and retraining on AWS Lambda </a:t>
-            </a:r>
-          </a:p>
-          <a:p>
-            <a:pPr lvl="1"/>
-            <a:r>
-              <a:rPr lang="en-GB" dirty="0"/>
-              <a:t>Train-validate</a:t>
-            </a:r>
-          </a:p>
-          <a:p>
-            <a:pPr lvl="1"/>
-            <a:r>
-              <a:rPr lang="en-GB" dirty="0"/>
-              <a:t>Implement A/B testing afterwards to check if there is indeed and improvement over the old model. Do not deploy if performance drops</a:t>
-            </a:r>
-          </a:p>
-          <a:p>
-            <a:pPr lvl="2"/>
-            <a:r>
-              <a:rPr lang="en-GB" dirty="0"/>
-              <a:t>Still necessary to compare 5 fold CV in addition to test set?</a:t>
-            </a:r>
-          </a:p>
-          <a:p>
-            <a:pPr lvl="2"/>
-            <a:r>
-              <a:rPr lang="en-GB" dirty="0"/>
-              <a:t>Pseudo-Canary testing?</a:t>
-            </a:r>
-          </a:p>
-          <a:p>
-            <a:pPr lvl="2"/>
-            <a:r>
-              <a:rPr lang="en-GB" dirty="0"/>
-              <a:t>Can find hard quality gates here: https://</a:t>
-            </a:r>
-            <a:r>
-              <a:rPr lang="en-GB" dirty="0" err="1"/>
-              <a:t>mlflow.org</a:t>
-            </a:r>
-            <a:r>
-              <a:rPr lang="en-GB" dirty="0"/>
-              <a:t>/docs/3.1.3/ml/evaluation/model-eval/</a:t>
-            </a:r>
-          </a:p>
-        </p:txBody>
-      </p:sp>
-      <p:sp>
-        <p:nvSpPr>
-          <p:cNvPr id="4" name="Rectangle 3">
-            <a:extLst>
-              <a:ext uri="{FF2B5EF4-FFF2-40B4-BE49-F238E27FC236}">
-                <a16:creationId xmlns:a16="http://schemas.microsoft.com/office/drawing/2014/main" id="{2D353EA7-6F98-A6AC-D6EB-CE7E49900F60}"/>
-              </a:ext>
-            </a:extLst>
-          </p:cNvPr>
-          <p:cNvSpPr/>
-          <p:nvPr/>
-        </p:nvSpPr>
-        <p:spPr>
-          <a:xfrm>
-            <a:off x="4491454" y="495754"/>
-            <a:ext cx="2638690" cy="327206"/>
-          </a:xfrm>
-          <a:prstGeom prst="rect">
-            <a:avLst/>
-          </a:prstGeom>
-        </p:spPr>
-        <p:style>
-          <a:lnRef idx="2">
-            <a:schemeClr val="accent1">
-              <a:shade val="15000"/>
-            </a:schemeClr>
-          </a:lnRef>
-          <a:fillRef idx="1">
-            <a:schemeClr val="accent1"/>
-          </a:fillRef>
-          <a:effectRef idx="0">
-            <a:schemeClr val="accent1"/>
-          </a:effectRef>
-          <a:fontRef idx="minor">
-            <a:schemeClr val="lt1"/>
-          </a:fontRef>
-        </p:style>
-        <p:txBody>
-          <a:bodyPr rtlCol="0" anchor="ctr"/>
-          <a:lstStyle/>
-          <a:p>
-            <a:pPr algn="ctr"/>
-            <a:r>
-              <a:rPr lang="en-GB" dirty="0"/>
-              <a:t>Train-Validation</a:t>
-            </a:r>
-          </a:p>
-        </p:txBody>
-      </p:sp>
-      <p:sp>
-        <p:nvSpPr>
-          <p:cNvPr id="5" name="Rectangle 4">
-            <a:extLst>
-              <a:ext uri="{FF2B5EF4-FFF2-40B4-BE49-F238E27FC236}">
-                <a16:creationId xmlns:a16="http://schemas.microsoft.com/office/drawing/2014/main" id="{CAA164F5-77DD-0E74-4524-E2D878665865}"/>
-              </a:ext>
-            </a:extLst>
-          </p:cNvPr>
-          <p:cNvSpPr/>
-          <p:nvPr/>
-        </p:nvSpPr>
-        <p:spPr>
-          <a:xfrm>
-            <a:off x="7903029" y="495754"/>
-            <a:ext cx="755468" cy="327206"/>
-          </a:xfrm>
-          <a:prstGeom prst="rect">
-            <a:avLst/>
-          </a:prstGeom>
-          <a:solidFill>
-            <a:schemeClr val="accent2"/>
-          </a:solidFill>
-          <a:ln>
-            <a:prstDash val="dash"/>
-          </a:ln>
-        </p:spPr>
-        <p:style>
-          <a:lnRef idx="2">
-            <a:schemeClr val="accent1">
-              <a:shade val="15000"/>
-            </a:schemeClr>
-          </a:lnRef>
-          <a:fillRef idx="1">
-            <a:schemeClr val="accent1"/>
-          </a:fillRef>
-          <a:effectRef idx="0">
-            <a:schemeClr val="accent1"/>
-          </a:effectRef>
-          <a:fontRef idx="minor">
-            <a:schemeClr val="lt1"/>
-          </a:fontRef>
-        </p:style>
-        <p:txBody>
-          <a:bodyPr rtlCol="0" anchor="ctr"/>
-          <a:lstStyle/>
-          <a:p>
-            <a:pPr algn="ctr"/>
-            <a:r>
-              <a:rPr lang="en-GB" dirty="0"/>
-              <a:t>A/B</a:t>
-            </a:r>
-          </a:p>
-        </p:txBody>
-      </p:sp>
-      <p:sp>
-        <p:nvSpPr>
-          <p:cNvPr id="6" name="TextBox 5">
-            <a:extLst>
-              <a:ext uri="{FF2B5EF4-FFF2-40B4-BE49-F238E27FC236}">
-                <a16:creationId xmlns:a16="http://schemas.microsoft.com/office/drawing/2014/main" id="{FE926106-4760-484A-5BC4-61D3D943CE13}"/>
-              </a:ext>
-            </a:extLst>
-          </p:cNvPr>
-          <p:cNvSpPr txBox="1"/>
-          <p:nvPr/>
-        </p:nvSpPr>
-        <p:spPr>
-          <a:xfrm>
-            <a:off x="4206241" y="156755"/>
-            <a:ext cx="766355" cy="369332"/>
-          </a:xfrm>
-          <a:prstGeom prst="rect">
-            <a:avLst/>
-          </a:prstGeom>
-          <a:noFill/>
-        </p:spPr>
-        <p:txBody>
-          <a:bodyPr wrap="square" rtlCol="0">
-            <a:spAutoFit/>
-          </a:bodyPr>
-          <a:lstStyle/>
-          <a:p>
-            <a:r>
-              <a:rPr lang="en-GB" dirty="0"/>
-              <a:t>T=M0</a:t>
-            </a:r>
-          </a:p>
-        </p:txBody>
-      </p:sp>
-      <p:sp>
-        <p:nvSpPr>
-          <p:cNvPr id="7" name="TextBox 6">
-            <a:extLst>
-              <a:ext uri="{FF2B5EF4-FFF2-40B4-BE49-F238E27FC236}">
-                <a16:creationId xmlns:a16="http://schemas.microsoft.com/office/drawing/2014/main" id="{937C3058-374B-9DEC-72C2-D2B55FD41645}"/>
-              </a:ext>
-            </a:extLst>
-          </p:cNvPr>
-          <p:cNvSpPr txBox="1"/>
-          <p:nvPr/>
-        </p:nvSpPr>
-        <p:spPr>
-          <a:xfrm>
-            <a:off x="7563393" y="156755"/>
-            <a:ext cx="1003663" cy="369332"/>
-          </a:xfrm>
-          <a:prstGeom prst="rect">
-            <a:avLst/>
-          </a:prstGeom>
-          <a:noFill/>
-        </p:spPr>
-        <p:txBody>
-          <a:bodyPr wrap="square" rtlCol="0">
-            <a:spAutoFit/>
-          </a:bodyPr>
-          <a:lstStyle/>
-          <a:p>
-            <a:r>
-              <a:rPr lang="en-GB" dirty="0"/>
-              <a:t>T=M</a:t>
-            </a:r>
-          </a:p>
-        </p:txBody>
-      </p:sp>
-      <p:cxnSp>
-        <p:nvCxnSpPr>
-          <p:cNvPr id="15" name="Straight Arrow Connector 14">
-            <a:extLst>
-              <a:ext uri="{FF2B5EF4-FFF2-40B4-BE49-F238E27FC236}">
-                <a16:creationId xmlns:a16="http://schemas.microsoft.com/office/drawing/2014/main" id="{1693394D-3D58-9A9E-CF02-9AB5EDD6AE4D}"/>
-              </a:ext>
-            </a:extLst>
-          </p:cNvPr>
-          <p:cNvCxnSpPr>
-            <a:cxnSpLocks/>
-          </p:cNvCxnSpPr>
-          <p:nvPr/>
-        </p:nvCxnSpPr>
-        <p:spPr>
-          <a:xfrm flipV="1">
-            <a:off x="8643261" y="641038"/>
-            <a:ext cx="783770" cy="1203"/>
-          </a:xfrm>
-          <a:prstGeom prst="straightConnector1">
-            <a:avLst/>
-          </a:prstGeom>
-          <a:ln>
-            <a:tailEnd type="triangle"/>
-          </a:ln>
-        </p:spPr>
-        <p:style>
-          <a:lnRef idx="2">
-            <a:schemeClr val="accent1"/>
-          </a:lnRef>
-          <a:fillRef idx="0">
-            <a:schemeClr val="accent1"/>
-          </a:fillRef>
-          <a:effectRef idx="1">
-            <a:schemeClr val="accent1"/>
-          </a:effectRef>
-          <a:fontRef idx="minor">
-            <a:schemeClr val="tx1"/>
-          </a:fontRef>
-        </p:style>
-      </p:cxnSp>
-      <p:sp>
-        <p:nvSpPr>
-          <p:cNvPr id="16" name="TextBox 15">
-            <a:extLst>
-              <a:ext uri="{FF2B5EF4-FFF2-40B4-BE49-F238E27FC236}">
-                <a16:creationId xmlns:a16="http://schemas.microsoft.com/office/drawing/2014/main" id="{8E273A23-3D0B-8905-94A6-BAD8ED0D9518}"/>
-              </a:ext>
-            </a:extLst>
-          </p:cNvPr>
-          <p:cNvSpPr txBox="1"/>
-          <p:nvPr/>
-        </p:nvSpPr>
-        <p:spPr>
-          <a:xfrm>
-            <a:off x="9427031" y="245093"/>
-            <a:ext cx="1989909" cy="1477328"/>
-          </a:xfrm>
-          <a:prstGeom prst="rect">
-            <a:avLst/>
-          </a:prstGeom>
-          <a:noFill/>
-        </p:spPr>
-        <p:txBody>
-          <a:bodyPr wrap="square" rtlCol="0">
-            <a:spAutoFit/>
-          </a:bodyPr>
-          <a:lstStyle/>
-          <a:p>
-            <a:r>
-              <a:rPr lang="en-GB" dirty="0"/>
-              <a:t>- Compare optimised models</a:t>
-            </a:r>
-          </a:p>
-          <a:p>
-            <a:r>
-              <a:rPr lang="en-GB" dirty="0"/>
-              <a:t>- Compare old (on S3) and retrained model</a:t>
-            </a:r>
-          </a:p>
-        </p:txBody>
-      </p:sp>
-      <p:cxnSp>
-        <p:nvCxnSpPr>
-          <p:cNvPr id="17" name="Straight Arrow Connector 16">
-            <a:extLst>
-              <a:ext uri="{FF2B5EF4-FFF2-40B4-BE49-F238E27FC236}">
-                <a16:creationId xmlns:a16="http://schemas.microsoft.com/office/drawing/2014/main" id="{F4CB6E33-820A-59BF-DEAC-595EEFFA0A1E}"/>
-              </a:ext>
-            </a:extLst>
-          </p:cNvPr>
-          <p:cNvCxnSpPr>
-            <a:cxnSpLocks/>
-            <a:stCxn id="4" idx="2"/>
-            <a:endCxn id="20" idx="0"/>
-          </p:cNvCxnSpPr>
-          <p:nvPr/>
-        </p:nvCxnSpPr>
-        <p:spPr>
-          <a:xfrm>
-            <a:off x="5810799" y="822960"/>
-            <a:ext cx="0" cy="253130"/>
-          </a:xfrm>
-          <a:prstGeom prst="straightConnector1">
-            <a:avLst/>
-          </a:prstGeom>
-          <a:ln>
-            <a:tailEnd type="triangle"/>
-          </a:ln>
-        </p:spPr>
-        <p:style>
-          <a:lnRef idx="2">
-            <a:schemeClr val="accent1"/>
-          </a:lnRef>
-          <a:fillRef idx="0">
-            <a:schemeClr val="accent1"/>
-          </a:fillRef>
-          <a:effectRef idx="1">
-            <a:schemeClr val="accent1"/>
-          </a:effectRef>
-          <a:fontRef idx="minor">
-            <a:schemeClr val="tx1"/>
-          </a:fontRef>
-        </p:style>
-      </p:cxnSp>
-      <p:sp>
-        <p:nvSpPr>
-          <p:cNvPr id="20" name="TextBox 19">
-            <a:extLst>
-              <a:ext uri="{FF2B5EF4-FFF2-40B4-BE49-F238E27FC236}">
-                <a16:creationId xmlns:a16="http://schemas.microsoft.com/office/drawing/2014/main" id="{7AA0925F-86EB-7D53-6C64-6B17835C22C6}"/>
-              </a:ext>
-            </a:extLst>
-          </p:cNvPr>
-          <p:cNvSpPr txBox="1"/>
-          <p:nvPr/>
-        </p:nvSpPr>
-        <p:spPr>
-          <a:xfrm>
-            <a:off x="4857212" y="1076090"/>
-            <a:ext cx="1907173" cy="646331"/>
-          </a:xfrm>
-          <a:prstGeom prst="rect">
-            <a:avLst/>
-          </a:prstGeom>
-          <a:noFill/>
-        </p:spPr>
-        <p:txBody>
-          <a:bodyPr wrap="square" rtlCol="0">
-            <a:spAutoFit/>
-          </a:bodyPr>
-          <a:lstStyle/>
-          <a:p>
-            <a:r>
-              <a:rPr lang="en-GB" dirty="0"/>
-              <a:t>Get best set of hyperparameters</a:t>
-            </a:r>
-          </a:p>
-        </p:txBody>
-      </p:sp>
-      <p:sp>
-        <p:nvSpPr>
-          <p:cNvPr id="22" name="Rectangle 21">
-            <a:extLst>
-              <a:ext uri="{FF2B5EF4-FFF2-40B4-BE49-F238E27FC236}">
-                <a16:creationId xmlns:a16="http://schemas.microsoft.com/office/drawing/2014/main" id="{7762C2A9-689C-F57C-30C0-2A5AD354AE9C}"/>
-              </a:ext>
-            </a:extLst>
-          </p:cNvPr>
-          <p:cNvSpPr/>
-          <p:nvPr/>
-        </p:nvSpPr>
-        <p:spPr>
-          <a:xfrm>
-            <a:off x="7139943" y="495754"/>
-            <a:ext cx="755468" cy="327206"/>
-          </a:xfrm>
-          <a:prstGeom prst="rect">
-            <a:avLst/>
-          </a:prstGeom>
-          <a:solidFill>
-            <a:schemeClr val="accent4"/>
-          </a:solidFill>
-        </p:spPr>
-        <p:style>
-          <a:lnRef idx="2">
-            <a:schemeClr val="accent1">
-              <a:shade val="15000"/>
-            </a:schemeClr>
-          </a:lnRef>
-          <a:fillRef idx="1">
-            <a:schemeClr val="accent1"/>
-          </a:fillRef>
-          <a:effectRef idx="0">
-            <a:schemeClr val="accent1"/>
-          </a:effectRef>
-          <a:fontRef idx="minor">
-            <a:schemeClr val="lt1"/>
-          </a:fontRef>
-        </p:style>
-        <p:txBody>
-          <a:bodyPr rtlCol="0" anchor="ctr"/>
-          <a:lstStyle/>
-          <a:p>
-            <a:pPr algn="ctr"/>
-            <a:r>
-              <a:rPr lang="en-GB" dirty="0"/>
-              <a:t>Test</a:t>
-            </a:r>
-          </a:p>
-        </p:txBody>
-      </p:sp>
-      <p:sp>
-        <p:nvSpPr>
-          <p:cNvPr id="25" name="TextBox 24">
-            <a:extLst>
-              <a:ext uri="{FF2B5EF4-FFF2-40B4-BE49-F238E27FC236}">
-                <a16:creationId xmlns:a16="http://schemas.microsoft.com/office/drawing/2014/main" id="{64CD6A7F-0504-E745-8A79-432D4911DA24}"/>
-              </a:ext>
-            </a:extLst>
-          </p:cNvPr>
-          <p:cNvSpPr txBox="1"/>
-          <p:nvPr/>
-        </p:nvSpPr>
-        <p:spPr>
-          <a:xfrm>
-            <a:off x="6785063" y="153389"/>
-            <a:ext cx="1003663" cy="369332"/>
-          </a:xfrm>
-          <a:prstGeom prst="rect">
-            <a:avLst/>
-          </a:prstGeom>
-          <a:noFill/>
-        </p:spPr>
-        <p:txBody>
-          <a:bodyPr wrap="square" rtlCol="0">
-            <a:spAutoFit/>
-          </a:bodyPr>
-          <a:lstStyle/>
-          <a:p>
-            <a:r>
-              <a:rPr lang="en-GB" dirty="0"/>
-              <a:t>T=M-1</a:t>
+              <a:t>: Model prediction, app deployment, deploying AWS Lambda functions</a:t>
             </a:r>
           </a:p>
         </p:txBody>
@@ -10833,7 +10920,7 @@
     </p:spTree>
     <p:extLst>
       <p:ext uri="{BB962C8B-B14F-4D97-AF65-F5344CB8AC3E}">
-        <p14:creationId xmlns:p14="http://schemas.microsoft.com/office/powerpoint/2010/main" val="3689535318"/>
+        <p14:creationId xmlns:p14="http://schemas.microsoft.com/office/powerpoint/2010/main" val="2062299650"/>
       </p:ext>
     </p:extLst>
   </p:cSld>

--- a/docs/Architecture Overview.pptx
+++ b/docs/Architecture Overview.pptx
@@ -5022,7 +5022,7 @@
         </p:spPr>
         <p:txBody>
           <a:bodyPr>
-            <a:normAutofit fontScale="85000" lnSpcReduction="20000"/>
+            <a:normAutofit fontScale="70000" lnSpcReduction="20000"/>
           </a:bodyPr>
           <a:lstStyle/>
           <a:p>
@@ -5086,7 +5086,7 @@
           <a:p>
             <a:r>
               <a:rPr lang="en-GB" dirty="0"/>
-              <a:t>2 days: Complete testing + How to test and deploy </a:t>
+              <a:t>[D] 2 days: Complete testing + How to test and deploy </a:t>
             </a:r>
             <a:r>
               <a:rPr lang="en-GB" dirty="0" err="1"/>
@@ -5103,6 +5103,49 @@
             <a:r>
               <a:rPr lang="en-GB" dirty="0"/>
               <a:t> more robustly</a:t>
+            </a:r>
+          </a:p>
+          <a:p>
+            <a:pPr lvl="1"/>
+            <a:r>
+              <a:rPr lang="en-GB" dirty="0"/>
+              <a:t>There is no way to perform interaction test of </a:t>
+            </a:r>
+            <a:r>
+              <a:rPr lang="en-GB" dirty="0" err="1"/>
+              <a:t>dockerised</a:t>
+            </a:r>
+            <a:r>
+              <a:rPr lang="en-GB" dirty="0"/>
+              <a:t> </a:t>
+            </a:r>
+            <a:r>
+              <a:rPr lang="en-GB" dirty="0" err="1"/>
+              <a:t>streamlit</a:t>
+            </a:r>
+            <a:r>
+              <a:rPr lang="en-GB" dirty="0"/>
+              <a:t> + </a:t>
+            </a:r>
+            <a:r>
+              <a:rPr lang="en-GB" dirty="0" err="1"/>
+              <a:t>fastAPI</a:t>
+            </a:r>
+            <a:r>
+              <a:rPr lang="en-GB" dirty="0"/>
+              <a:t> at the moment, have to do it manually.</a:t>
+            </a:r>
+          </a:p>
+          <a:p>
+            <a:r>
+              <a:rPr lang="en-GB" dirty="0"/>
+              <a:t>Fix communication of docker containers on AWS ECS</a:t>
+            </a:r>
+          </a:p>
+          <a:p>
+            <a:r>
+              <a:rPr lang="en-GB" dirty="0"/>
+              <a:t>How to link data validation lambda to retraining lambda?</a:t>
             </a:r>
           </a:p>
           <a:p>

--- a/docs/Architecture Overview.pptx
+++ b/docs/Architecture Overview.pptx
@@ -5138,8 +5138,12 @@
           </a:p>
           <a:p>
             <a:r>
+              <a:rPr lang="en-GB"/>
+              <a:t>[D] Fix </a:t>
+            </a:r>
+            <a:r>
               <a:rPr lang="en-GB" dirty="0"/>
-              <a:t>Fix communication of docker containers on AWS ECS</a:t>
+              <a:t>communication of docker containers on AWS ECS</a:t>
             </a:r>
           </a:p>
           <a:p>
